--- a/material/material.pptx
+++ b/material/material.pptx
@@ -5,14 +5,16 @@
     <p:sldMasterId id="2147483648" r:id="rId1"/>
   </p:sldMasterIdLst>
   <p:notesMasterIdLst>
-    <p:notesMasterId r:id="rId5"/>
+    <p:notesMasterId r:id="rId7"/>
   </p:notesMasterIdLst>
   <p:handoutMasterIdLst>
-    <p:handoutMasterId r:id="rId6"/>
+    <p:handoutMasterId r:id="rId8"/>
   </p:handoutMasterIdLst>
   <p:sldIdLst>
     <p:sldId id="256" r:id="rId3"/>
     <p:sldId id="257" r:id="rId4"/>
+    <p:sldId id="258" r:id="rId5"/>
+    <p:sldId id="259" r:id="rId6"/>
   </p:sldIdLst>
   <p:sldSz cx="12192000" cy="6858000"/>
   <p:notesSz cx="7103745" cy="10234295"/>
@@ -3922,10 +3924,10 @@
           </a:bodyPr>
           <a:p>
             <a:r>
-              <a:rPr lang="" altLang="en-US" sz="1000"/>
+              <a:rPr lang="en-US" altLang="en-US" sz="1000"/>
               <a:t>(a)</a:t>
             </a:r>
-            <a:endParaRPr lang="" altLang="en-US" sz="1000"/>
+            <a:endParaRPr lang="en-US" altLang="en-US" sz="1000"/>
           </a:p>
         </p:txBody>
       </p:sp>
@@ -3952,15 +3954,7 @@
           <a:p>
             <a:r>
               <a:rPr lang="en-US" altLang="en-US" sz="1000"/>
-              <a:t>(</a:t>
-            </a:r>
-            <a:r>
-              <a:rPr lang="" altLang="en-US" sz="1000"/>
-              <a:t>b</a:t>
-            </a:r>
-            <a:r>
-              <a:rPr lang="en-US" altLang="en-US" sz="1000"/>
-              <a:t>)</a:t>
+              <a:t>(b)</a:t>
             </a:r>
             <a:endParaRPr lang="en-US" altLang="en-US" sz="1000"/>
           </a:p>
@@ -3989,15 +3983,7 @@
           <a:p>
             <a:r>
               <a:rPr lang="en-US" altLang="en-US" sz="1000"/>
-              <a:t>(</a:t>
-            </a:r>
-            <a:r>
-              <a:rPr lang="" altLang="en-US" sz="1000"/>
-              <a:t>c</a:t>
-            </a:r>
-            <a:r>
-              <a:rPr lang="en-US" altLang="en-US" sz="1000"/>
-              <a:t>)</a:t>
+              <a:t>(c)</a:t>
             </a:r>
             <a:endParaRPr lang="en-US" altLang="en-US" sz="1000"/>
           </a:p>
@@ -4056,15 +4042,7 @@
           <a:p>
             <a:r>
               <a:rPr lang="en-US" altLang="en-US" sz="1000"/>
-              <a:t>(</a:t>
-            </a:r>
-            <a:r>
-              <a:rPr lang="" altLang="en-US" sz="1000"/>
-              <a:t>d</a:t>
-            </a:r>
-            <a:r>
-              <a:rPr lang="en-US" altLang="en-US" sz="1000"/>
-              <a:t>)</a:t>
+              <a:t>(d)</a:t>
             </a:r>
             <a:endParaRPr lang="en-US" altLang="en-US" sz="1000"/>
           </a:p>
@@ -4479,10 +4457,10 @@
           </a:bodyPr>
           <a:p>
             <a:r>
-              <a:rPr lang="" altLang="en-US" sz="1200"/>
+              <a:rPr lang="en-US" altLang="en-US" sz="1200"/>
               <a:t>A</a:t>
             </a:r>
-            <a:endParaRPr lang="" altLang="en-US" sz="1200"/>
+            <a:endParaRPr lang="en-US" altLang="en-US" sz="1200"/>
           </a:p>
         </p:txBody>
       </p:sp>
@@ -4508,10 +4486,10 @@
           </a:bodyPr>
           <a:p>
             <a:r>
-              <a:rPr lang="" altLang="en-US" sz="1200"/>
+              <a:rPr lang="en-US" altLang="en-US" sz="1200"/>
               <a:t>B</a:t>
             </a:r>
-            <a:endParaRPr lang="" altLang="en-US" sz="1200"/>
+            <a:endParaRPr lang="en-US" altLang="en-US" sz="1200"/>
           </a:p>
         </p:txBody>
       </p:sp>
@@ -4537,10 +4515,10 @@
           </a:bodyPr>
           <a:p>
             <a:r>
-              <a:rPr lang="" altLang="en-US" sz="1200"/>
+              <a:rPr lang="en-US" altLang="en-US" sz="1200"/>
               <a:t>C</a:t>
             </a:r>
-            <a:endParaRPr lang="" altLang="en-US" sz="1200"/>
+            <a:endParaRPr lang="en-US" altLang="en-US" sz="1200"/>
           </a:p>
         </p:txBody>
       </p:sp>
@@ -5304,6 +5282,1995 @@
           </a:fontRef>
         </p:style>
       </p:cxnSp>
+      <p:sp>
+        <p:nvSpPr>
+          <p:cNvPr id="3" name="Text Box 2"/>
+          <p:cNvSpPr txBox="1"/>
+          <p:nvPr/>
+        </p:nvSpPr>
+        <p:spPr>
+          <a:xfrm>
+            <a:off x="1561465" y="2008505"/>
+            <a:ext cx="273685" cy="275590"/>
+          </a:xfrm>
+          <a:prstGeom prst="rect">
+            <a:avLst/>
+          </a:prstGeom>
+          <a:noFill/>
+        </p:spPr>
+        <p:txBody>
+          <a:bodyPr wrap="none" rtlCol="0">
+            <a:spAutoFit/>
+          </a:bodyPr>
+          <a:p>
+            <a:r>
+              <a:rPr lang="en-US" sz="1200">
+                <a:latin typeface="Asana Math" panose="02000603000000000000" charset="0"/>
+                <a:ea typeface="Asana Math" panose="02000603000000000000" charset="0"/>
+                <a:cs typeface="Arial" panose="020B0604020202020204" pitchFamily="34" charset="0"/>
+              </a:rPr>
+              <a:t>α</a:t>
+            </a:r>
+            <a:endParaRPr lang="en-US" sz="1200">
+              <a:latin typeface="Asana Math" panose="02000603000000000000" charset="0"/>
+              <a:ea typeface="Asana Math" panose="02000603000000000000" charset="0"/>
+              <a:cs typeface="Arial" panose="020B0604020202020204" pitchFamily="34" charset="0"/>
+            </a:endParaRPr>
+          </a:p>
+        </p:txBody>
+      </p:sp>
+      <p:sp>
+        <p:nvSpPr>
+          <p:cNvPr id="4" name="Text Box 3"/>
+          <p:cNvSpPr txBox="1"/>
+          <p:nvPr/>
+        </p:nvSpPr>
+        <p:spPr>
+          <a:xfrm>
+            <a:off x="2006600" y="1774190"/>
+            <a:ext cx="260985" cy="275590"/>
+          </a:xfrm>
+          <a:prstGeom prst="rect">
+            <a:avLst/>
+          </a:prstGeom>
+          <a:noFill/>
+        </p:spPr>
+        <p:txBody>
+          <a:bodyPr wrap="none" rtlCol="0">
+            <a:spAutoFit/>
+          </a:bodyPr>
+          <a:p>
+            <a:r>
+              <a:rPr lang="en-US" sz="1200">
+                <a:latin typeface="Asana Math" panose="02000603000000000000" charset="0"/>
+                <a:ea typeface="Asana Math" panose="02000603000000000000" charset="0"/>
+                <a:cs typeface="Arial" panose="020B0604020202020204" pitchFamily="34" charset="0"/>
+              </a:rPr>
+              <a:t>β</a:t>
+            </a:r>
+            <a:endParaRPr lang="en-US" sz="1200">
+              <a:latin typeface="Asana Math" panose="02000603000000000000" charset="0"/>
+              <a:ea typeface="Asana Math" panose="02000603000000000000" charset="0"/>
+              <a:cs typeface="Arial" panose="020B0604020202020204" pitchFamily="34" charset="0"/>
+            </a:endParaRPr>
+          </a:p>
+        </p:txBody>
+      </p:sp>
+      <p:sp>
+        <p:nvSpPr>
+          <p:cNvPr id="5" name="Text Box 4"/>
+          <p:cNvSpPr txBox="1"/>
+          <p:nvPr/>
+        </p:nvSpPr>
+        <p:spPr>
+          <a:xfrm>
+            <a:off x="1998345" y="2367280"/>
+            <a:ext cx="271145" cy="275590"/>
+          </a:xfrm>
+          <a:prstGeom prst="rect">
+            <a:avLst/>
+          </a:prstGeom>
+          <a:noFill/>
+        </p:spPr>
+        <p:txBody>
+          <a:bodyPr wrap="square" rtlCol="0">
+            <a:spAutoFit/>
+          </a:bodyPr>
+          <a:p>
+            <a:r>
+              <a:rPr lang="en-US" sz="1200">
+                <a:latin typeface="Asana Math" panose="02000603000000000000" charset="0"/>
+                <a:ea typeface="Asana Math" panose="02000603000000000000" charset="0"/>
+                <a:cs typeface="Arial" panose="020B0604020202020204" pitchFamily="34" charset="0"/>
+              </a:rPr>
+              <a:t>γ</a:t>
+            </a:r>
+            <a:endParaRPr lang="en-US" sz="1200">
+              <a:latin typeface="Asana Math" panose="02000603000000000000" charset="0"/>
+              <a:ea typeface="Asana Math" panose="02000603000000000000" charset="0"/>
+              <a:cs typeface="Arial" panose="020B0604020202020204" pitchFamily="34" charset="0"/>
+            </a:endParaRPr>
+          </a:p>
+        </p:txBody>
+      </p:sp>
+      <p:sp>
+        <p:nvSpPr>
+          <p:cNvPr id="7" name="Text Box 6"/>
+          <p:cNvSpPr txBox="1"/>
+          <p:nvPr/>
+        </p:nvSpPr>
+        <p:spPr>
+          <a:xfrm>
+            <a:off x="4351020" y="1954530"/>
+            <a:ext cx="273685" cy="275590"/>
+          </a:xfrm>
+          <a:prstGeom prst="rect">
+            <a:avLst/>
+          </a:prstGeom>
+          <a:noFill/>
+        </p:spPr>
+        <p:txBody>
+          <a:bodyPr wrap="none" rtlCol="0">
+            <a:spAutoFit/>
+          </a:bodyPr>
+          <a:p>
+            <a:r>
+              <a:rPr lang="en-US" sz="1200">
+                <a:latin typeface="Asana Math" panose="02000603000000000000" charset="0"/>
+                <a:ea typeface="Asana Math" panose="02000603000000000000" charset="0"/>
+                <a:cs typeface="Arial" panose="020B0604020202020204" pitchFamily="34" charset="0"/>
+              </a:rPr>
+              <a:t>α</a:t>
+            </a:r>
+            <a:endParaRPr lang="en-US" sz="1200">
+              <a:latin typeface="Asana Math" panose="02000603000000000000" charset="0"/>
+              <a:ea typeface="Asana Math" panose="02000603000000000000" charset="0"/>
+              <a:cs typeface="Arial" panose="020B0604020202020204" pitchFamily="34" charset="0"/>
+            </a:endParaRPr>
+          </a:p>
+        </p:txBody>
+      </p:sp>
+      <p:sp>
+        <p:nvSpPr>
+          <p:cNvPr id="8" name="Text Box 7"/>
+          <p:cNvSpPr txBox="1"/>
+          <p:nvPr/>
+        </p:nvSpPr>
+        <p:spPr>
+          <a:xfrm>
+            <a:off x="4958080" y="1942465"/>
+            <a:ext cx="258445" cy="275590"/>
+          </a:xfrm>
+          <a:prstGeom prst="rect">
+            <a:avLst/>
+          </a:prstGeom>
+          <a:noFill/>
+        </p:spPr>
+        <p:txBody>
+          <a:bodyPr wrap="none" rtlCol="0">
+            <a:spAutoFit/>
+          </a:bodyPr>
+          <a:p>
+            <a:r>
+              <a:rPr lang="en-US" sz="1200">
+                <a:latin typeface="Asana Math" panose="02000603000000000000" charset="0"/>
+                <a:ea typeface="Asana Math" panose="02000603000000000000" charset="0"/>
+                <a:cs typeface="Arial" panose="020B0604020202020204" pitchFamily="34" charset="0"/>
+              </a:rPr>
+              <a:t>δ</a:t>
+            </a:r>
+            <a:endParaRPr lang="en-US" sz="1200">
+              <a:latin typeface="Asana Math" panose="02000603000000000000" charset="0"/>
+              <a:ea typeface="Asana Math" panose="02000603000000000000" charset="0"/>
+              <a:cs typeface="Arial" panose="020B0604020202020204" pitchFamily="34" charset="0"/>
+            </a:endParaRPr>
+          </a:p>
+        </p:txBody>
+      </p:sp>
+      <p:sp>
+        <p:nvSpPr>
+          <p:cNvPr id="10" name="Text Box 9"/>
+          <p:cNvSpPr txBox="1"/>
+          <p:nvPr/>
+        </p:nvSpPr>
+        <p:spPr>
+          <a:xfrm>
+            <a:off x="3140710" y="1543050"/>
+            <a:ext cx="258445" cy="275590"/>
+          </a:xfrm>
+          <a:prstGeom prst="rect">
+            <a:avLst/>
+          </a:prstGeom>
+          <a:noFill/>
+        </p:spPr>
+        <p:txBody>
+          <a:bodyPr wrap="none" rtlCol="0">
+            <a:spAutoFit/>
+          </a:bodyPr>
+          <a:p>
+            <a:r>
+              <a:rPr lang="en-US" sz="1200">
+                <a:latin typeface="Asana Math" panose="02000603000000000000" charset="0"/>
+                <a:ea typeface="Asana Math" panose="02000603000000000000" charset="0"/>
+                <a:cs typeface="Arial" panose="020B0604020202020204" pitchFamily="34" charset="0"/>
+              </a:rPr>
+              <a:t>δ</a:t>
+            </a:r>
+            <a:endParaRPr lang="en-US" sz="1200">
+              <a:latin typeface="Asana Math" panose="02000603000000000000" charset="0"/>
+              <a:ea typeface="Asana Math" panose="02000603000000000000" charset="0"/>
+              <a:cs typeface="Arial" panose="020B0604020202020204" pitchFamily="34" charset="0"/>
+            </a:endParaRPr>
+          </a:p>
+        </p:txBody>
+      </p:sp>
+      <p:sp>
+        <p:nvSpPr>
+          <p:cNvPr id="11" name="Text Box 10"/>
+          <p:cNvSpPr txBox="1"/>
+          <p:nvPr/>
+        </p:nvSpPr>
+        <p:spPr>
+          <a:xfrm>
+            <a:off x="2552700" y="1531620"/>
+            <a:ext cx="260985" cy="275590"/>
+          </a:xfrm>
+          <a:prstGeom prst="rect">
+            <a:avLst/>
+          </a:prstGeom>
+          <a:noFill/>
+        </p:spPr>
+        <p:txBody>
+          <a:bodyPr wrap="none" rtlCol="0">
+            <a:spAutoFit/>
+          </a:bodyPr>
+          <a:p>
+            <a:r>
+              <a:rPr lang="en-US" sz="1200">
+                <a:latin typeface="Asana Math" panose="02000603000000000000" charset="0"/>
+                <a:ea typeface="Asana Math" panose="02000603000000000000" charset="0"/>
+                <a:cs typeface="Arial" panose="020B0604020202020204" pitchFamily="34" charset="0"/>
+              </a:rPr>
+              <a:t>β</a:t>
+            </a:r>
+            <a:endParaRPr lang="en-US" sz="1200">
+              <a:latin typeface="Asana Math" panose="02000603000000000000" charset="0"/>
+              <a:ea typeface="Asana Math" panose="02000603000000000000" charset="0"/>
+              <a:cs typeface="Arial" panose="020B0604020202020204" pitchFamily="34" charset="0"/>
+            </a:endParaRPr>
+          </a:p>
+        </p:txBody>
+      </p:sp>
+      <p:sp>
+        <p:nvSpPr>
+          <p:cNvPr id="12" name="Text Box 11"/>
+          <p:cNvSpPr txBox="1"/>
+          <p:nvPr/>
+        </p:nvSpPr>
+        <p:spPr>
+          <a:xfrm>
+            <a:off x="2570480" y="2385695"/>
+            <a:ext cx="271145" cy="275590"/>
+          </a:xfrm>
+          <a:prstGeom prst="rect">
+            <a:avLst/>
+          </a:prstGeom>
+          <a:noFill/>
+        </p:spPr>
+        <p:txBody>
+          <a:bodyPr wrap="square" rtlCol="0">
+            <a:spAutoFit/>
+          </a:bodyPr>
+          <a:p>
+            <a:r>
+              <a:rPr lang="en-US" sz="1200">
+                <a:latin typeface="Asana Math" panose="02000603000000000000" charset="0"/>
+                <a:ea typeface="Asana Math" panose="02000603000000000000" charset="0"/>
+                <a:cs typeface="Arial" panose="020B0604020202020204" pitchFamily="34" charset="0"/>
+              </a:rPr>
+              <a:t>γ</a:t>
+            </a:r>
+            <a:endParaRPr lang="en-US" sz="1200">
+              <a:latin typeface="Asana Math" panose="02000603000000000000" charset="0"/>
+              <a:ea typeface="Asana Math" panose="02000603000000000000" charset="0"/>
+              <a:cs typeface="Arial" panose="020B0604020202020204" pitchFamily="34" charset="0"/>
+            </a:endParaRPr>
+          </a:p>
+        </p:txBody>
+      </p:sp>
+      <p:sp>
+        <p:nvSpPr>
+          <p:cNvPr id="13" name="Text Box 12"/>
+          <p:cNvSpPr txBox="1"/>
+          <p:nvPr/>
+        </p:nvSpPr>
+        <p:spPr>
+          <a:xfrm>
+            <a:off x="4655820" y="2089785"/>
+            <a:ext cx="292735" cy="275590"/>
+          </a:xfrm>
+          <a:prstGeom prst="rect">
+            <a:avLst/>
+          </a:prstGeom>
+          <a:noFill/>
+        </p:spPr>
+        <p:txBody>
+          <a:bodyPr wrap="none" rtlCol="0">
+            <a:spAutoFit/>
+          </a:bodyPr>
+          <a:p>
+            <a:r>
+              <a:rPr lang="" altLang="en-US" sz="1200"/>
+              <a:t>D</a:t>
+            </a:r>
+            <a:endParaRPr lang="" altLang="en-US" sz="1200"/>
+          </a:p>
+        </p:txBody>
+      </p:sp>
+    </p:spTree>
+  </p:cSld>
+  <p:clrMapOvr>
+    <a:masterClrMapping/>
+  </p:clrMapOvr>
+</p:sld>
+</file>
+
+<file path=ppt/slides/slide3.xml><?xml version="1.0" encoding="utf-8"?>
+<p:sld xmlns:a="http://schemas.openxmlformats.org/drawingml/2006/main" xmlns:r="http://schemas.openxmlformats.org/officeDocument/2006/relationships" xmlns:p="http://schemas.openxmlformats.org/presentationml/2006/main">
+  <p:cSld>
+    <p:spTree>
+      <p:nvGrpSpPr>
+        <p:cNvPr id="1" name=""/>
+        <p:cNvGrpSpPr/>
+        <p:nvPr/>
+      </p:nvGrpSpPr>
+      <p:grpSpPr/>
+      <p:cxnSp>
+        <p:nvCxnSpPr>
+          <p:cNvPr id="21" name="Straight Connector 20"/>
+          <p:cNvCxnSpPr/>
+          <p:nvPr/>
+        </p:nvCxnSpPr>
+        <p:spPr>
+          <a:xfrm>
+            <a:off x="3832860" y="3808095"/>
+            <a:ext cx="4526280" cy="0"/>
+          </a:xfrm>
+          <a:prstGeom prst="line">
+            <a:avLst/>
+          </a:prstGeom>
+        </p:spPr>
+        <p:style>
+          <a:lnRef idx="1">
+            <a:schemeClr val="accent1"/>
+          </a:lnRef>
+          <a:fillRef idx="0">
+            <a:schemeClr val="accent1"/>
+          </a:fillRef>
+          <a:effectRef idx="0">
+            <a:schemeClr val="accent1"/>
+          </a:effectRef>
+          <a:fontRef idx="minor">
+            <a:schemeClr val="tx1"/>
+          </a:fontRef>
+        </p:style>
+      </p:cxnSp>
+      <p:sp>
+        <p:nvSpPr>
+          <p:cNvPr id="38" name="Oval 37"/>
+          <p:cNvSpPr/>
+          <p:nvPr/>
+        </p:nvSpPr>
+        <p:spPr>
+          <a:xfrm>
+            <a:off x="4168775" y="2607310"/>
+            <a:ext cx="306070" cy="306070"/>
+          </a:xfrm>
+          <a:prstGeom prst="ellipse">
+            <a:avLst/>
+          </a:prstGeom>
+          <a:solidFill>
+            <a:schemeClr val="accent1">
+              <a:lumMod val="60000"/>
+              <a:lumOff val="40000"/>
+            </a:schemeClr>
+          </a:solidFill>
+        </p:spPr>
+        <p:style>
+          <a:lnRef idx="2">
+            <a:schemeClr val="accent5"/>
+          </a:lnRef>
+          <a:fillRef idx="1">
+            <a:schemeClr val="lt1"/>
+          </a:fillRef>
+          <a:effectRef idx="0">
+            <a:schemeClr val="accent5"/>
+          </a:effectRef>
+          <a:fontRef idx="minor">
+            <a:schemeClr val="dk1"/>
+          </a:fontRef>
+        </p:style>
+        <p:txBody>
+          <a:bodyPr rtlCol="0" anchor="ctr"/>
+          <a:p>
+            <a:pPr algn="ctr"/>
+            <a:endParaRPr lang="en-US"/>
+          </a:p>
+        </p:txBody>
+      </p:sp>
+      <p:cxnSp>
+        <p:nvCxnSpPr>
+          <p:cNvPr id="39" name="Straight Connector 38"/>
+          <p:cNvCxnSpPr/>
+          <p:nvPr/>
+        </p:nvCxnSpPr>
+        <p:spPr>
+          <a:xfrm>
+            <a:off x="3881120" y="2760345"/>
+            <a:ext cx="287655" cy="0"/>
+          </a:xfrm>
+          <a:prstGeom prst="line">
+            <a:avLst/>
+          </a:prstGeom>
+          <a:ln w="28575">
+            <a:solidFill>
+              <a:schemeClr val="accent1"/>
+            </a:solidFill>
+            <a:headEnd type="none"/>
+            <a:tailEnd type="arrow" w="med" len="med"/>
+          </a:ln>
+        </p:spPr>
+        <p:style>
+          <a:lnRef idx="2">
+            <a:schemeClr val="accent4">
+              <a:shade val="50000"/>
+            </a:schemeClr>
+          </a:lnRef>
+          <a:fillRef idx="1">
+            <a:schemeClr val="accent4"/>
+          </a:fillRef>
+          <a:effectRef idx="0">
+            <a:schemeClr val="accent4"/>
+          </a:effectRef>
+          <a:fontRef idx="minor">
+            <a:schemeClr val="lt1"/>
+          </a:fontRef>
+        </p:style>
+      </p:cxnSp>
+      <p:cxnSp>
+        <p:nvCxnSpPr>
+          <p:cNvPr id="42" name="Straight Connector 41"/>
+          <p:cNvCxnSpPr/>
+          <p:nvPr/>
+        </p:nvCxnSpPr>
+        <p:spPr>
+          <a:xfrm>
+            <a:off x="4474845" y="2752725"/>
+            <a:ext cx="287655" cy="0"/>
+          </a:xfrm>
+          <a:prstGeom prst="line">
+            <a:avLst/>
+          </a:prstGeom>
+          <a:ln w="28575">
+            <a:solidFill>
+              <a:schemeClr val="accent1"/>
+            </a:solidFill>
+            <a:headEnd type="none"/>
+            <a:tailEnd type="arrow" w="med" len="med"/>
+          </a:ln>
+        </p:spPr>
+        <p:style>
+          <a:lnRef idx="2">
+            <a:schemeClr val="accent4">
+              <a:shade val="50000"/>
+            </a:schemeClr>
+          </a:lnRef>
+          <a:fillRef idx="1">
+            <a:schemeClr val="accent4"/>
+          </a:fillRef>
+          <a:effectRef idx="0">
+            <a:schemeClr val="accent4"/>
+          </a:effectRef>
+          <a:fontRef idx="minor">
+            <a:schemeClr val="lt1"/>
+          </a:fontRef>
+        </p:style>
+      </p:cxnSp>
+      <p:sp>
+        <p:nvSpPr>
+          <p:cNvPr id="44" name="Text Box 43"/>
+          <p:cNvSpPr txBox="1"/>
+          <p:nvPr/>
+        </p:nvSpPr>
+        <p:spPr>
+          <a:xfrm>
+            <a:off x="4179570" y="2618740"/>
+            <a:ext cx="284480" cy="275590"/>
+          </a:xfrm>
+          <a:prstGeom prst="rect">
+            <a:avLst/>
+          </a:prstGeom>
+          <a:noFill/>
+        </p:spPr>
+        <p:txBody>
+          <a:bodyPr wrap="none" rtlCol="0">
+            <a:spAutoFit/>
+          </a:bodyPr>
+          <a:p>
+            <a:r>
+              <a:rPr lang="en-US" altLang="en-US" sz="1200"/>
+              <a:t>B</a:t>
+            </a:r>
+            <a:endParaRPr lang="en-US" altLang="en-US" sz="1200"/>
+          </a:p>
+        </p:txBody>
+      </p:sp>
+      <p:sp>
+        <p:nvSpPr>
+          <p:cNvPr id="18" name="Text Box 17"/>
+          <p:cNvSpPr txBox="1"/>
+          <p:nvPr/>
+        </p:nvSpPr>
+        <p:spPr>
+          <a:xfrm>
+            <a:off x="3829685" y="2456180"/>
+            <a:ext cx="273685" cy="275590"/>
+          </a:xfrm>
+          <a:prstGeom prst="rect">
+            <a:avLst/>
+          </a:prstGeom>
+          <a:noFill/>
+        </p:spPr>
+        <p:txBody>
+          <a:bodyPr wrap="none" rtlCol="0">
+            <a:spAutoFit/>
+          </a:bodyPr>
+          <a:p>
+            <a:r>
+              <a:rPr lang="en-US" sz="1200">
+                <a:latin typeface="Asana Math" panose="02000603000000000000" charset="0"/>
+                <a:ea typeface="Asana Math" panose="02000603000000000000" charset="0"/>
+                <a:cs typeface="Arial" panose="020B0604020202020204" pitchFamily="34" charset="0"/>
+              </a:rPr>
+              <a:t>α</a:t>
+            </a:r>
+            <a:endParaRPr lang="en-US" sz="1200">
+              <a:latin typeface="Asana Math" panose="02000603000000000000" charset="0"/>
+              <a:ea typeface="Asana Math" panose="02000603000000000000" charset="0"/>
+              <a:cs typeface="Arial" panose="020B0604020202020204" pitchFamily="34" charset="0"/>
+            </a:endParaRPr>
+          </a:p>
+        </p:txBody>
+      </p:sp>
+      <p:sp>
+        <p:nvSpPr>
+          <p:cNvPr id="19" name="Text Box 18"/>
+          <p:cNvSpPr txBox="1"/>
+          <p:nvPr/>
+        </p:nvSpPr>
+        <p:spPr>
+          <a:xfrm>
+            <a:off x="4443095" y="2461895"/>
+            <a:ext cx="260985" cy="275590"/>
+          </a:xfrm>
+          <a:prstGeom prst="rect">
+            <a:avLst/>
+          </a:prstGeom>
+          <a:noFill/>
+        </p:spPr>
+        <p:txBody>
+          <a:bodyPr wrap="none" rtlCol="0">
+            <a:spAutoFit/>
+          </a:bodyPr>
+          <a:p>
+            <a:r>
+              <a:rPr lang="en-US" sz="1200">
+                <a:latin typeface="Asana Math" panose="02000603000000000000" charset="0"/>
+                <a:ea typeface="Asana Math" panose="02000603000000000000" charset="0"/>
+                <a:cs typeface="Arial" panose="020B0604020202020204" pitchFamily="34" charset="0"/>
+              </a:rPr>
+              <a:t>β</a:t>
+            </a:r>
+            <a:endParaRPr lang="en-US" sz="1200">
+              <a:latin typeface="Asana Math" panose="02000603000000000000" charset="0"/>
+              <a:ea typeface="Asana Math" panose="02000603000000000000" charset="0"/>
+              <a:cs typeface="Arial" panose="020B0604020202020204" pitchFamily="34" charset="0"/>
+            </a:endParaRPr>
+          </a:p>
+        </p:txBody>
+      </p:sp>
+      <p:sp>
+        <p:nvSpPr>
+          <p:cNvPr id="29" name="Oval 28"/>
+          <p:cNvSpPr/>
+          <p:nvPr/>
+        </p:nvSpPr>
+        <p:spPr>
+          <a:xfrm>
+            <a:off x="2582545" y="2606040"/>
+            <a:ext cx="306070" cy="306070"/>
+          </a:xfrm>
+          <a:prstGeom prst="ellipse">
+            <a:avLst/>
+          </a:prstGeom>
+          <a:solidFill>
+            <a:schemeClr val="accent1">
+              <a:lumMod val="60000"/>
+              <a:lumOff val="40000"/>
+            </a:schemeClr>
+          </a:solidFill>
+        </p:spPr>
+        <p:style>
+          <a:lnRef idx="2">
+            <a:schemeClr val="accent1">
+              <a:shade val="50000"/>
+            </a:schemeClr>
+          </a:lnRef>
+          <a:fillRef idx="1">
+            <a:schemeClr val="accent1"/>
+          </a:fillRef>
+          <a:effectRef idx="0">
+            <a:schemeClr val="accent1"/>
+          </a:effectRef>
+          <a:fontRef idx="minor">
+            <a:schemeClr val="lt1"/>
+          </a:fontRef>
+        </p:style>
+        <p:txBody>
+          <a:bodyPr rtlCol="0" anchor="ctr"/>
+          <a:p>
+            <a:pPr algn="ctr"/>
+            <a:endParaRPr lang="en-US"/>
+          </a:p>
+        </p:txBody>
+      </p:sp>
+      <p:cxnSp>
+        <p:nvCxnSpPr>
+          <p:cNvPr id="30" name="Straight Connector 29"/>
+          <p:cNvCxnSpPr/>
+          <p:nvPr/>
+        </p:nvCxnSpPr>
+        <p:spPr>
+          <a:xfrm flipV="1">
+            <a:off x="2821305" y="2410460"/>
+            <a:ext cx="170815" cy="225425"/>
+          </a:xfrm>
+          <a:prstGeom prst="line">
+            <a:avLst/>
+          </a:prstGeom>
+          <a:ln w="28575">
+            <a:solidFill>
+              <a:schemeClr val="accent1"/>
+            </a:solidFill>
+            <a:headEnd type="none"/>
+            <a:tailEnd type="arrow" w="med" len="med"/>
+          </a:ln>
+        </p:spPr>
+        <p:style>
+          <a:lnRef idx="1">
+            <a:schemeClr val="accent1"/>
+          </a:lnRef>
+          <a:fillRef idx="0">
+            <a:schemeClr val="accent1"/>
+          </a:fillRef>
+          <a:effectRef idx="0">
+            <a:schemeClr val="accent1"/>
+          </a:effectRef>
+          <a:fontRef idx="minor">
+            <a:schemeClr val="tx1"/>
+          </a:fontRef>
+        </p:style>
+      </p:cxnSp>
+      <p:cxnSp>
+        <p:nvCxnSpPr>
+          <p:cNvPr id="32" name="Straight Connector 31"/>
+          <p:cNvCxnSpPr/>
+          <p:nvPr/>
+        </p:nvCxnSpPr>
+        <p:spPr>
+          <a:xfrm>
+            <a:off x="2825750" y="2875280"/>
+            <a:ext cx="185420" cy="215900"/>
+          </a:xfrm>
+          <a:prstGeom prst="line">
+            <a:avLst/>
+          </a:prstGeom>
+          <a:ln w="28575">
+            <a:solidFill>
+              <a:schemeClr val="accent1"/>
+            </a:solidFill>
+            <a:headEnd type="none"/>
+            <a:tailEnd type="arrow" w="med" len="med"/>
+          </a:ln>
+        </p:spPr>
+        <p:style>
+          <a:lnRef idx="1">
+            <a:schemeClr val="accent1"/>
+          </a:lnRef>
+          <a:fillRef idx="0">
+            <a:schemeClr val="accent1"/>
+          </a:fillRef>
+          <a:effectRef idx="0">
+            <a:schemeClr val="accent1"/>
+          </a:effectRef>
+          <a:fontRef idx="minor">
+            <a:schemeClr val="tx1"/>
+          </a:fontRef>
+        </p:style>
+      </p:cxnSp>
+      <p:sp>
+        <p:nvSpPr>
+          <p:cNvPr id="46" name="Text Box 45"/>
+          <p:cNvSpPr txBox="1"/>
+          <p:nvPr/>
+        </p:nvSpPr>
+        <p:spPr>
+          <a:xfrm>
+            <a:off x="2597785" y="2618740"/>
+            <a:ext cx="284480" cy="275590"/>
+          </a:xfrm>
+          <a:prstGeom prst="rect">
+            <a:avLst/>
+          </a:prstGeom>
+          <a:noFill/>
+        </p:spPr>
+        <p:txBody>
+          <a:bodyPr wrap="none" rtlCol="0">
+            <a:spAutoFit/>
+          </a:bodyPr>
+          <a:p>
+            <a:r>
+              <a:rPr lang="en-US" altLang="en-US" sz="1200"/>
+              <a:t>A</a:t>
+            </a:r>
+            <a:endParaRPr lang="en-US" altLang="en-US" sz="1200"/>
+          </a:p>
+        </p:txBody>
+      </p:sp>
+      <p:sp>
+        <p:nvSpPr>
+          <p:cNvPr id="47" name="Text Box 46"/>
+          <p:cNvSpPr txBox="1"/>
+          <p:nvPr/>
+        </p:nvSpPr>
+        <p:spPr>
+          <a:xfrm>
+            <a:off x="2291715" y="2449195"/>
+            <a:ext cx="273685" cy="275590"/>
+          </a:xfrm>
+          <a:prstGeom prst="rect">
+            <a:avLst/>
+          </a:prstGeom>
+          <a:noFill/>
+        </p:spPr>
+        <p:txBody>
+          <a:bodyPr wrap="none" rtlCol="0">
+            <a:spAutoFit/>
+          </a:bodyPr>
+          <a:p>
+            <a:r>
+              <a:rPr lang="en-US" sz="1200">
+                <a:latin typeface="Asana Math" panose="02000603000000000000" charset="0"/>
+                <a:ea typeface="Asana Math" panose="02000603000000000000" charset="0"/>
+                <a:cs typeface="Arial" panose="020B0604020202020204" pitchFamily="34" charset="0"/>
+              </a:rPr>
+              <a:t>α</a:t>
+            </a:r>
+            <a:endParaRPr lang="en-US" sz="1200">
+              <a:latin typeface="Asana Math" panose="02000603000000000000" charset="0"/>
+              <a:ea typeface="Asana Math" panose="02000603000000000000" charset="0"/>
+              <a:cs typeface="Arial" panose="020B0604020202020204" pitchFamily="34" charset="0"/>
+            </a:endParaRPr>
+          </a:p>
+        </p:txBody>
+      </p:sp>
+      <p:sp>
+        <p:nvSpPr>
+          <p:cNvPr id="49" name="Text Box 48"/>
+          <p:cNvSpPr txBox="1"/>
+          <p:nvPr/>
+        </p:nvSpPr>
+        <p:spPr>
+          <a:xfrm>
+            <a:off x="2662555" y="2283460"/>
+            <a:ext cx="260985" cy="275590"/>
+          </a:xfrm>
+          <a:prstGeom prst="rect">
+            <a:avLst/>
+          </a:prstGeom>
+          <a:noFill/>
+        </p:spPr>
+        <p:txBody>
+          <a:bodyPr wrap="none" rtlCol="0">
+            <a:spAutoFit/>
+          </a:bodyPr>
+          <a:p>
+            <a:r>
+              <a:rPr lang="en-US" sz="1200">
+                <a:latin typeface="Asana Math" panose="02000603000000000000" charset="0"/>
+                <a:ea typeface="Asana Math" panose="02000603000000000000" charset="0"/>
+                <a:cs typeface="Arial" panose="020B0604020202020204" pitchFamily="34" charset="0"/>
+              </a:rPr>
+              <a:t>β</a:t>
+            </a:r>
+            <a:endParaRPr lang="en-US" sz="1200">
+              <a:latin typeface="Asana Math" panose="02000603000000000000" charset="0"/>
+              <a:ea typeface="Asana Math" panose="02000603000000000000" charset="0"/>
+              <a:cs typeface="Arial" panose="020B0604020202020204" pitchFamily="34" charset="0"/>
+            </a:endParaRPr>
+          </a:p>
+        </p:txBody>
+      </p:sp>
+      <p:sp>
+        <p:nvSpPr>
+          <p:cNvPr id="50" name="Text Box 49"/>
+          <p:cNvSpPr txBox="1"/>
+          <p:nvPr/>
+        </p:nvSpPr>
+        <p:spPr>
+          <a:xfrm>
+            <a:off x="2688590" y="2836545"/>
+            <a:ext cx="271145" cy="275590"/>
+          </a:xfrm>
+          <a:prstGeom prst="rect">
+            <a:avLst/>
+          </a:prstGeom>
+          <a:noFill/>
+        </p:spPr>
+        <p:txBody>
+          <a:bodyPr wrap="square" rtlCol="0">
+            <a:spAutoFit/>
+          </a:bodyPr>
+          <a:p>
+            <a:r>
+              <a:rPr lang="en-US" sz="1200">
+                <a:latin typeface="Asana Math" panose="02000603000000000000" charset="0"/>
+                <a:ea typeface="Asana Math" panose="02000603000000000000" charset="0"/>
+                <a:cs typeface="Arial" panose="020B0604020202020204" pitchFamily="34" charset="0"/>
+              </a:rPr>
+              <a:t>γ</a:t>
+            </a:r>
+            <a:endParaRPr lang="en-US" sz="1200">
+              <a:latin typeface="Asana Math" panose="02000603000000000000" charset="0"/>
+              <a:ea typeface="Asana Math" panose="02000603000000000000" charset="0"/>
+              <a:cs typeface="Arial" panose="020B0604020202020204" pitchFamily="34" charset="0"/>
+            </a:endParaRPr>
+          </a:p>
+        </p:txBody>
+      </p:sp>
+      <p:cxnSp>
+        <p:nvCxnSpPr>
+          <p:cNvPr id="31" name="Straight Connector 30"/>
+          <p:cNvCxnSpPr/>
+          <p:nvPr/>
+        </p:nvCxnSpPr>
+        <p:spPr>
+          <a:xfrm>
+            <a:off x="2294890" y="2759075"/>
+            <a:ext cx="287655" cy="0"/>
+          </a:xfrm>
+          <a:prstGeom prst="line">
+            <a:avLst/>
+          </a:prstGeom>
+          <a:ln w="28575">
+            <a:solidFill>
+              <a:schemeClr val="accent1"/>
+            </a:solidFill>
+            <a:headEnd type="none"/>
+            <a:tailEnd type="arrow" w="med" len="med"/>
+          </a:ln>
+        </p:spPr>
+        <p:style>
+          <a:lnRef idx="1">
+            <a:schemeClr val="accent1"/>
+          </a:lnRef>
+          <a:fillRef idx="0">
+            <a:schemeClr val="accent1"/>
+          </a:fillRef>
+          <a:effectRef idx="0">
+            <a:schemeClr val="accent1"/>
+          </a:effectRef>
+          <a:fontRef idx="minor">
+            <a:schemeClr val="tx1"/>
+          </a:fontRef>
+        </p:style>
+      </p:cxnSp>
+      <p:sp>
+        <p:nvSpPr>
+          <p:cNvPr id="52" name="Text Box 51"/>
+          <p:cNvSpPr txBox="1"/>
+          <p:nvPr/>
+        </p:nvSpPr>
+        <p:spPr>
+          <a:xfrm>
+            <a:off x="1914525" y="2298700"/>
+            <a:ext cx="338455" cy="245110"/>
+          </a:xfrm>
+          <a:prstGeom prst="rect">
+            <a:avLst/>
+          </a:prstGeom>
+          <a:noFill/>
+        </p:spPr>
+        <p:txBody>
+          <a:bodyPr wrap="none" rtlCol="0">
+            <a:spAutoFit/>
+          </a:bodyPr>
+          <a:p>
+            <a:r>
+              <a:rPr lang="en-US" altLang="en-US" sz="1000"/>
+              <a:t>(a)</a:t>
+            </a:r>
+            <a:endParaRPr lang="en-US" altLang="en-US" sz="1000"/>
+          </a:p>
+        </p:txBody>
+      </p:sp>
+      <p:sp>
+        <p:nvSpPr>
+          <p:cNvPr id="53" name="Text Box 52"/>
+          <p:cNvSpPr txBox="1"/>
+          <p:nvPr/>
+        </p:nvSpPr>
+        <p:spPr>
+          <a:xfrm>
+            <a:off x="3402330" y="2298700"/>
+            <a:ext cx="338455" cy="245110"/>
+          </a:xfrm>
+          <a:prstGeom prst="rect">
+            <a:avLst/>
+          </a:prstGeom>
+          <a:noFill/>
+        </p:spPr>
+        <p:txBody>
+          <a:bodyPr wrap="none" rtlCol="0">
+            <a:spAutoFit/>
+          </a:bodyPr>
+          <a:p>
+            <a:r>
+              <a:rPr lang="en-US" altLang="en-US" sz="1000"/>
+              <a:t>(</a:t>
+            </a:r>
+            <a:r>
+              <a:rPr lang="" altLang="en-US" sz="1000"/>
+              <a:t>b</a:t>
+            </a:r>
+            <a:r>
+              <a:rPr lang="en-US" altLang="en-US" sz="1000"/>
+              <a:t>)</a:t>
+            </a:r>
+            <a:endParaRPr lang="en-US" altLang="en-US" sz="1000"/>
+          </a:p>
+        </p:txBody>
+      </p:sp>
+    </p:spTree>
+  </p:cSld>
+  <p:clrMapOvr>
+    <a:masterClrMapping/>
+  </p:clrMapOvr>
+</p:sld>
+</file>
+
+<file path=ppt/slides/slide4.xml><?xml version="1.0" encoding="utf-8"?>
+<p:sld xmlns:a="http://schemas.openxmlformats.org/drawingml/2006/main" xmlns:r="http://schemas.openxmlformats.org/officeDocument/2006/relationships" xmlns:p="http://schemas.openxmlformats.org/presentationml/2006/main">
+  <p:cSld>
+    <p:spTree>
+      <p:nvGrpSpPr>
+        <p:cNvPr id="1" name=""/>
+        <p:cNvGrpSpPr/>
+        <p:nvPr/>
+      </p:nvGrpSpPr>
+      <p:grpSpPr/>
+      <p:cxnSp>
+        <p:nvCxnSpPr>
+          <p:cNvPr id="21" name="Straight Connector 20"/>
+          <p:cNvCxnSpPr/>
+          <p:nvPr/>
+        </p:nvCxnSpPr>
+        <p:spPr>
+          <a:xfrm>
+            <a:off x="3832860" y="3808095"/>
+            <a:ext cx="4526280" cy="0"/>
+          </a:xfrm>
+          <a:prstGeom prst="line">
+            <a:avLst/>
+          </a:prstGeom>
+        </p:spPr>
+        <p:style>
+          <a:lnRef idx="1">
+            <a:schemeClr val="accent1"/>
+          </a:lnRef>
+          <a:fillRef idx="0">
+            <a:schemeClr val="accent1"/>
+          </a:fillRef>
+          <a:effectRef idx="0">
+            <a:schemeClr val="accent1"/>
+          </a:effectRef>
+          <a:fontRef idx="minor">
+            <a:schemeClr val="tx1"/>
+          </a:fontRef>
+        </p:style>
+      </p:cxnSp>
+      <p:sp>
+        <p:nvSpPr>
+          <p:cNvPr id="2" name="Oval 1"/>
+          <p:cNvSpPr/>
+          <p:nvPr/>
+        </p:nvSpPr>
+        <p:spPr>
+          <a:xfrm>
+            <a:off x="2800350" y="1665605"/>
+            <a:ext cx="306070" cy="306070"/>
+          </a:xfrm>
+          <a:prstGeom prst="ellipse">
+            <a:avLst/>
+          </a:prstGeom>
+          <a:solidFill>
+            <a:schemeClr val="accent4">
+              <a:lumMod val="40000"/>
+              <a:lumOff val="60000"/>
+            </a:schemeClr>
+          </a:solidFill>
+        </p:spPr>
+        <p:style>
+          <a:lnRef idx="2">
+            <a:schemeClr val="accent4">
+              <a:shade val="50000"/>
+            </a:schemeClr>
+          </a:lnRef>
+          <a:fillRef idx="1">
+            <a:schemeClr val="accent4"/>
+          </a:fillRef>
+          <a:effectRef idx="0">
+            <a:schemeClr val="accent4"/>
+          </a:effectRef>
+          <a:fontRef idx="minor">
+            <a:schemeClr val="lt1"/>
+          </a:fontRef>
+        </p:style>
+        <p:txBody>
+          <a:bodyPr rtlCol="0" anchor="ctr"/>
+          <a:p>
+            <a:pPr algn="ctr"/>
+            <a:endParaRPr lang="en-US"/>
+          </a:p>
+        </p:txBody>
+      </p:sp>
+      <p:cxnSp>
+        <p:nvCxnSpPr>
+          <p:cNvPr id="6" name="Straight Connector 5"/>
+          <p:cNvCxnSpPr/>
+          <p:nvPr/>
+        </p:nvCxnSpPr>
+        <p:spPr>
+          <a:xfrm>
+            <a:off x="2512695" y="1818640"/>
+            <a:ext cx="287655" cy="0"/>
+          </a:xfrm>
+          <a:prstGeom prst="line">
+            <a:avLst/>
+          </a:prstGeom>
+          <a:ln w="28575">
+            <a:headEnd type="none" w="med" len="med"/>
+            <a:tailEnd type="arrow" w="med" len="med"/>
+          </a:ln>
+        </p:spPr>
+        <p:style>
+          <a:lnRef idx="2">
+            <a:schemeClr val="accent4">
+              <a:shade val="50000"/>
+            </a:schemeClr>
+          </a:lnRef>
+          <a:fillRef idx="1">
+            <a:schemeClr val="accent4"/>
+          </a:fillRef>
+          <a:effectRef idx="0">
+            <a:schemeClr val="accent4"/>
+          </a:effectRef>
+          <a:fontRef idx="minor">
+            <a:schemeClr val="lt1"/>
+          </a:fontRef>
+        </p:style>
+      </p:cxnSp>
+      <p:cxnSp>
+        <p:nvCxnSpPr>
+          <p:cNvPr id="25" name="Straight Connector 24"/>
+          <p:cNvCxnSpPr/>
+          <p:nvPr/>
+        </p:nvCxnSpPr>
+        <p:spPr>
+          <a:xfrm>
+            <a:off x="3106420" y="1811020"/>
+            <a:ext cx="287655" cy="0"/>
+          </a:xfrm>
+          <a:prstGeom prst="line">
+            <a:avLst/>
+          </a:prstGeom>
+          <a:ln w="28575">
+            <a:headEnd type="none"/>
+            <a:tailEnd type="arrow" w="med" len="med"/>
+          </a:ln>
+        </p:spPr>
+        <p:style>
+          <a:lnRef idx="2">
+            <a:schemeClr val="accent4">
+              <a:shade val="50000"/>
+            </a:schemeClr>
+          </a:lnRef>
+          <a:fillRef idx="1">
+            <a:schemeClr val="accent4"/>
+          </a:fillRef>
+          <a:effectRef idx="0">
+            <a:schemeClr val="accent4"/>
+          </a:effectRef>
+          <a:fontRef idx="minor">
+            <a:schemeClr val="lt1"/>
+          </a:fontRef>
+        </p:style>
+      </p:cxnSp>
+      <p:sp>
+        <p:nvSpPr>
+          <p:cNvPr id="27" name="Text Box 26"/>
+          <p:cNvSpPr txBox="1"/>
+          <p:nvPr/>
+        </p:nvSpPr>
+        <p:spPr>
+          <a:xfrm>
+            <a:off x="2813050" y="1683385"/>
+            <a:ext cx="284480" cy="275590"/>
+          </a:xfrm>
+          <a:prstGeom prst="rect">
+            <a:avLst/>
+          </a:prstGeom>
+          <a:noFill/>
+        </p:spPr>
+        <p:txBody>
+          <a:bodyPr wrap="none" rtlCol="0">
+            <a:spAutoFit/>
+          </a:bodyPr>
+          <a:p>
+            <a:r>
+              <a:rPr lang="en-US" altLang="en-US" sz="1200"/>
+              <a:t>B</a:t>
+            </a:r>
+            <a:endParaRPr lang="en-US" altLang="en-US" sz="1200"/>
+          </a:p>
+        </p:txBody>
+      </p:sp>
+      <p:sp>
+        <p:nvSpPr>
+          <p:cNvPr id="10" name="Text Box 9"/>
+          <p:cNvSpPr txBox="1"/>
+          <p:nvPr/>
+        </p:nvSpPr>
+        <p:spPr>
+          <a:xfrm>
+            <a:off x="3070860" y="1529715"/>
+            <a:ext cx="258445" cy="275590"/>
+          </a:xfrm>
+          <a:prstGeom prst="rect">
+            <a:avLst/>
+          </a:prstGeom>
+          <a:noFill/>
+        </p:spPr>
+        <p:txBody>
+          <a:bodyPr wrap="none" rtlCol="0">
+            <a:spAutoFit/>
+          </a:bodyPr>
+          <a:p>
+            <a:r>
+              <a:rPr lang="en-US" sz="1200">
+                <a:latin typeface="Asana Math" panose="02000603000000000000" charset="0"/>
+                <a:ea typeface="Asana Math" panose="02000603000000000000" charset="0"/>
+                <a:cs typeface="Arial" panose="020B0604020202020204" pitchFamily="34" charset="0"/>
+              </a:rPr>
+              <a:t>δ</a:t>
+            </a:r>
+            <a:endParaRPr lang="en-US" sz="1200">
+              <a:latin typeface="Asana Math" panose="02000603000000000000" charset="0"/>
+              <a:ea typeface="Asana Math" panose="02000603000000000000" charset="0"/>
+              <a:cs typeface="Arial" panose="020B0604020202020204" pitchFamily="34" charset="0"/>
+            </a:endParaRPr>
+          </a:p>
+        </p:txBody>
+      </p:sp>
+      <p:sp>
+        <p:nvSpPr>
+          <p:cNvPr id="11" name="Text Box 10"/>
+          <p:cNvSpPr txBox="1"/>
+          <p:nvPr/>
+        </p:nvSpPr>
+        <p:spPr>
+          <a:xfrm>
+            <a:off x="2488565" y="1513840"/>
+            <a:ext cx="260985" cy="275590"/>
+          </a:xfrm>
+          <a:prstGeom prst="rect">
+            <a:avLst/>
+          </a:prstGeom>
+          <a:noFill/>
+        </p:spPr>
+        <p:txBody>
+          <a:bodyPr wrap="none" rtlCol="0">
+            <a:spAutoFit/>
+          </a:bodyPr>
+          <a:p>
+            <a:r>
+              <a:rPr lang="en-US" sz="1200">
+                <a:latin typeface="Asana Math" panose="02000603000000000000" charset="0"/>
+                <a:ea typeface="Asana Math" panose="02000603000000000000" charset="0"/>
+                <a:cs typeface="Arial" panose="020B0604020202020204" pitchFamily="34" charset="0"/>
+              </a:rPr>
+              <a:t>β</a:t>
+            </a:r>
+            <a:endParaRPr lang="en-US" sz="1200">
+              <a:latin typeface="Asana Math" panose="02000603000000000000" charset="0"/>
+              <a:ea typeface="Asana Math" panose="02000603000000000000" charset="0"/>
+              <a:cs typeface="Arial" panose="020B0604020202020204" pitchFamily="34" charset="0"/>
+            </a:endParaRPr>
+          </a:p>
+        </p:txBody>
+      </p:sp>
+      <p:sp>
+        <p:nvSpPr>
+          <p:cNvPr id="9" name="Oval 8"/>
+          <p:cNvSpPr/>
+          <p:nvPr/>
+        </p:nvSpPr>
+        <p:spPr>
+          <a:xfrm>
+            <a:off x="3969385" y="1653540"/>
+            <a:ext cx="306070" cy="306070"/>
+          </a:xfrm>
+          <a:prstGeom prst="ellipse">
+            <a:avLst/>
+          </a:prstGeom>
+          <a:solidFill>
+            <a:schemeClr val="accent2">
+              <a:lumMod val="40000"/>
+              <a:lumOff val="60000"/>
+            </a:schemeClr>
+          </a:solidFill>
+        </p:spPr>
+        <p:style>
+          <a:lnRef idx="2">
+            <a:schemeClr val="accent2">
+              <a:shade val="50000"/>
+            </a:schemeClr>
+          </a:lnRef>
+          <a:fillRef idx="1">
+            <a:schemeClr val="accent2"/>
+          </a:fillRef>
+          <a:effectRef idx="0">
+            <a:schemeClr val="accent2"/>
+          </a:effectRef>
+          <a:fontRef idx="minor">
+            <a:schemeClr val="lt1"/>
+          </a:fontRef>
+        </p:style>
+        <p:txBody>
+          <a:bodyPr rtlCol="0" anchor="ctr"/>
+          <a:p>
+            <a:pPr algn="ctr"/>
+            <a:endParaRPr lang="en-US"/>
+          </a:p>
+        </p:txBody>
+      </p:sp>
+      <p:cxnSp>
+        <p:nvCxnSpPr>
+          <p:cNvPr id="23" name="Straight Connector 22"/>
+          <p:cNvCxnSpPr/>
+          <p:nvPr/>
+        </p:nvCxnSpPr>
+        <p:spPr>
+          <a:xfrm>
+            <a:off x="3681730" y="1806575"/>
+            <a:ext cx="287655" cy="0"/>
+          </a:xfrm>
+          <a:prstGeom prst="line">
+            <a:avLst/>
+          </a:prstGeom>
+          <a:ln w="28575">
+            <a:headEnd type="none"/>
+            <a:tailEnd type="arrow" w="med" len="med"/>
+          </a:ln>
+        </p:spPr>
+        <p:style>
+          <a:lnRef idx="2">
+            <a:schemeClr val="accent2">
+              <a:shade val="50000"/>
+            </a:schemeClr>
+          </a:lnRef>
+          <a:fillRef idx="1">
+            <a:schemeClr val="accent2"/>
+          </a:fillRef>
+          <a:effectRef idx="0">
+            <a:schemeClr val="accent2"/>
+          </a:effectRef>
+          <a:fontRef idx="minor">
+            <a:schemeClr val="lt1"/>
+          </a:fontRef>
+        </p:style>
+      </p:cxnSp>
+      <p:sp>
+        <p:nvSpPr>
+          <p:cNvPr id="28" name="Text Box 27"/>
+          <p:cNvSpPr txBox="1"/>
+          <p:nvPr/>
+        </p:nvSpPr>
+        <p:spPr>
+          <a:xfrm>
+            <a:off x="3973830" y="1671320"/>
+            <a:ext cx="292735" cy="275590"/>
+          </a:xfrm>
+          <a:prstGeom prst="rect">
+            <a:avLst/>
+          </a:prstGeom>
+          <a:noFill/>
+        </p:spPr>
+        <p:txBody>
+          <a:bodyPr wrap="none" rtlCol="0">
+            <a:spAutoFit/>
+          </a:bodyPr>
+          <a:p>
+            <a:r>
+              <a:rPr lang="en-US" altLang="en-US" sz="1200"/>
+              <a:t>C</a:t>
+            </a:r>
+            <a:endParaRPr lang="en-US" altLang="en-US" sz="1200"/>
+          </a:p>
+        </p:txBody>
+      </p:sp>
+      <p:sp>
+        <p:nvSpPr>
+          <p:cNvPr id="3" name="Text Box 2"/>
+          <p:cNvSpPr txBox="1"/>
+          <p:nvPr/>
+        </p:nvSpPr>
+        <p:spPr>
+          <a:xfrm>
+            <a:off x="3644900" y="1523365"/>
+            <a:ext cx="258445" cy="275590"/>
+          </a:xfrm>
+          <a:prstGeom prst="rect">
+            <a:avLst/>
+          </a:prstGeom>
+          <a:noFill/>
+        </p:spPr>
+        <p:txBody>
+          <a:bodyPr wrap="none" rtlCol="0">
+            <a:spAutoFit/>
+          </a:bodyPr>
+          <a:p>
+            <a:r>
+              <a:rPr lang="en-US" sz="1200">
+                <a:latin typeface="Asana Math" panose="02000603000000000000" charset="0"/>
+                <a:ea typeface="Asana Math" panose="02000603000000000000" charset="0"/>
+                <a:cs typeface="Arial" panose="020B0604020202020204" pitchFamily="34" charset="0"/>
+              </a:rPr>
+              <a:t>δ</a:t>
+            </a:r>
+            <a:endParaRPr lang="en-US" sz="1200">
+              <a:latin typeface="Asana Math" panose="02000603000000000000" charset="0"/>
+              <a:ea typeface="Asana Math" panose="02000603000000000000" charset="0"/>
+              <a:cs typeface="Arial" panose="020B0604020202020204" pitchFamily="34" charset="0"/>
+            </a:endParaRPr>
+          </a:p>
+        </p:txBody>
+      </p:sp>
+      <p:cxnSp>
+        <p:nvCxnSpPr>
+          <p:cNvPr id="4" name="Straight Connector 3"/>
+          <p:cNvCxnSpPr/>
+          <p:nvPr/>
+        </p:nvCxnSpPr>
+        <p:spPr>
+          <a:xfrm>
+            <a:off x="3392805" y="1805305"/>
+            <a:ext cx="287655" cy="0"/>
+          </a:xfrm>
+          <a:prstGeom prst="line">
+            <a:avLst/>
+          </a:prstGeom>
+          <a:ln w="12700">
+            <a:solidFill>
+              <a:schemeClr val="bg1">
+                <a:lumMod val="65000"/>
+              </a:schemeClr>
+            </a:solidFill>
+            <a:prstDash val="sysDot"/>
+            <a:headEnd type="none"/>
+            <a:tailEnd type="none" w="med" len="med"/>
+          </a:ln>
+        </p:spPr>
+        <p:style>
+          <a:lnRef idx="2">
+            <a:schemeClr val="accent4">
+              <a:shade val="50000"/>
+            </a:schemeClr>
+          </a:lnRef>
+          <a:fillRef idx="1">
+            <a:schemeClr val="accent4"/>
+          </a:fillRef>
+          <a:effectRef idx="0">
+            <a:schemeClr val="accent4"/>
+          </a:effectRef>
+          <a:fontRef idx="minor">
+            <a:schemeClr val="lt1"/>
+          </a:fontRef>
+        </p:style>
+      </p:cxnSp>
+      <p:sp>
+        <p:nvSpPr>
+          <p:cNvPr id="5" name="Donut 4"/>
+          <p:cNvSpPr/>
+          <p:nvPr/>
+        </p:nvSpPr>
+        <p:spPr>
+          <a:xfrm>
+            <a:off x="3403600" y="1513840"/>
+            <a:ext cx="247650" cy="247650"/>
+          </a:xfrm>
+          <a:prstGeom prst="donut">
+            <a:avLst>
+              <a:gd name="adj" fmla="val 13387"/>
+            </a:avLst>
+          </a:prstGeom>
+          <a:solidFill>
+            <a:schemeClr val="accent6"/>
+          </a:solidFill>
+          <a:ln>
+            <a:noFill/>
+          </a:ln>
+        </p:spPr>
+        <p:style>
+          <a:lnRef idx="2">
+            <a:schemeClr val="accent1">
+              <a:shade val="50000"/>
+            </a:schemeClr>
+          </a:lnRef>
+          <a:fillRef idx="1">
+            <a:schemeClr val="accent1"/>
+          </a:fillRef>
+          <a:effectRef idx="0">
+            <a:schemeClr val="accent1"/>
+          </a:effectRef>
+          <a:fontRef idx="minor">
+            <a:schemeClr val="lt1"/>
+          </a:fontRef>
+        </p:style>
+        <p:txBody>
+          <a:bodyPr rtlCol="0" anchor="ctr"/>
+          <a:p>
+            <a:pPr algn="ctr"/>
+            <a:endParaRPr lang="en-US">
+              <a:solidFill>
+                <a:schemeClr val="tx1"/>
+              </a:solidFill>
+            </a:endParaRPr>
+          </a:p>
+        </p:txBody>
+      </p:sp>
+      <p:sp>
+        <p:nvSpPr>
+          <p:cNvPr id="13" name="Cross 12"/>
+          <p:cNvSpPr/>
+          <p:nvPr/>
+        </p:nvSpPr>
+        <p:spPr>
+          <a:xfrm rot="2700000">
+            <a:off x="3402965" y="2403475"/>
+            <a:ext cx="248285" cy="248285"/>
+          </a:xfrm>
+          <a:prstGeom prst="plus">
+            <a:avLst>
+              <a:gd name="adj" fmla="val 42451"/>
+            </a:avLst>
+          </a:prstGeom>
+          <a:solidFill>
+            <a:srgbClr val="FF0000"/>
+          </a:solidFill>
+          <a:ln>
+            <a:noFill/>
+          </a:ln>
+        </p:spPr>
+        <p:style>
+          <a:lnRef idx="2">
+            <a:schemeClr val="accent1">
+              <a:shade val="50000"/>
+            </a:schemeClr>
+          </a:lnRef>
+          <a:fillRef idx="1">
+            <a:schemeClr val="accent1"/>
+          </a:fillRef>
+          <a:effectRef idx="0">
+            <a:schemeClr val="accent1"/>
+          </a:effectRef>
+          <a:fontRef idx="minor">
+            <a:schemeClr val="lt1"/>
+          </a:fontRef>
+        </p:style>
+        <p:txBody>
+          <a:bodyPr rtlCol="0" anchor="ctr"/>
+          <a:p>
+            <a:pPr algn="ctr"/>
+            <a:endParaRPr lang="en-US"/>
+          </a:p>
+        </p:txBody>
+      </p:sp>
+      <p:sp>
+        <p:nvSpPr>
+          <p:cNvPr id="14" name="Oval 13"/>
+          <p:cNvSpPr/>
+          <p:nvPr/>
+        </p:nvSpPr>
+        <p:spPr>
+          <a:xfrm>
+            <a:off x="2791460" y="2550160"/>
+            <a:ext cx="306070" cy="306070"/>
+          </a:xfrm>
+          <a:prstGeom prst="ellipse">
+            <a:avLst/>
+          </a:prstGeom>
+          <a:solidFill>
+            <a:schemeClr val="accent4">
+              <a:lumMod val="40000"/>
+              <a:lumOff val="60000"/>
+            </a:schemeClr>
+          </a:solidFill>
+        </p:spPr>
+        <p:style>
+          <a:lnRef idx="2">
+            <a:schemeClr val="accent4">
+              <a:shade val="50000"/>
+            </a:schemeClr>
+          </a:lnRef>
+          <a:fillRef idx="1">
+            <a:schemeClr val="accent4"/>
+          </a:fillRef>
+          <a:effectRef idx="0">
+            <a:schemeClr val="accent4"/>
+          </a:effectRef>
+          <a:fontRef idx="minor">
+            <a:schemeClr val="lt1"/>
+          </a:fontRef>
+        </p:style>
+        <p:txBody>
+          <a:bodyPr rtlCol="0" anchor="ctr"/>
+          <a:p>
+            <a:pPr algn="ctr"/>
+            <a:endParaRPr lang="en-US"/>
+          </a:p>
+        </p:txBody>
+      </p:sp>
+      <p:cxnSp>
+        <p:nvCxnSpPr>
+          <p:cNvPr id="15" name="Straight Connector 14"/>
+          <p:cNvCxnSpPr/>
+          <p:nvPr/>
+        </p:nvCxnSpPr>
+        <p:spPr>
+          <a:xfrm>
+            <a:off x="2503805" y="2703195"/>
+            <a:ext cx="287655" cy="0"/>
+          </a:xfrm>
+          <a:prstGeom prst="line">
+            <a:avLst/>
+          </a:prstGeom>
+          <a:ln w="28575">
+            <a:headEnd type="none" w="med" len="med"/>
+            <a:tailEnd type="arrow" w="med" len="med"/>
+          </a:ln>
+        </p:spPr>
+        <p:style>
+          <a:lnRef idx="2">
+            <a:schemeClr val="accent4">
+              <a:shade val="50000"/>
+            </a:schemeClr>
+          </a:lnRef>
+          <a:fillRef idx="1">
+            <a:schemeClr val="accent4"/>
+          </a:fillRef>
+          <a:effectRef idx="0">
+            <a:schemeClr val="accent4"/>
+          </a:effectRef>
+          <a:fontRef idx="minor">
+            <a:schemeClr val="lt1"/>
+          </a:fontRef>
+        </p:style>
+      </p:cxnSp>
+      <p:cxnSp>
+        <p:nvCxnSpPr>
+          <p:cNvPr id="16" name="Straight Connector 15"/>
+          <p:cNvCxnSpPr/>
+          <p:nvPr/>
+        </p:nvCxnSpPr>
+        <p:spPr>
+          <a:xfrm>
+            <a:off x="3097530" y="2695575"/>
+            <a:ext cx="287655" cy="0"/>
+          </a:xfrm>
+          <a:prstGeom prst="line">
+            <a:avLst/>
+          </a:prstGeom>
+          <a:ln w="28575">
+            <a:headEnd type="none"/>
+            <a:tailEnd type="arrow" w="med" len="med"/>
+          </a:ln>
+        </p:spPr>
+        <p:style>
+          <a:lnRef idx="2">
+            <a:schemeClr val="accent4">
+              <a:shade val="50000"/>
+            </a:schemeClr>
+          </a:lnRef>
+          <a:fillRef idx="1">
+            <a:schemeClr val="accent4"/>
+          </a:fillRef>
+          <a:effectRef idx="0">
+            <a:schemeClr val="accent4"/>
+          </a:effectRef>
+          <a:fontRef idx="minor">
+            <a:schemeClr val="lt1"/>
+          </a:fontRef>
+        </p:style>
+      </p:cxnSp>
+      <p:sp>
+        <p:nvSpPr>
+          <p:cNvPr id="17" name="Text Box 16"/>
+          <p:cNvSpPr txBox="1"/>
+          <p:nvPr/>
+        </p:nvSpPr>
+        <p:spPr>
+          <a:xfrm>
+            <a:off x="2804160" y="2567940"/>
+            <a:ext cx="284480" cy="275590"/>
+          </a:xfrm>
+          <a:prstGeom prst="rect">
+            <a:avLst/>
+          </a:prstGeom>
+          <a:noFill/>
+        </p:spPr>
+        <p:txBody>
+          <a:bodyPr wrap="none" rtlCol="0">
+            <a:spAutoFit/>
+          </a:bodyPr>
+          <a:p>
+            <a:r>
+              <a:rPr lang="en-US" altLang="en-US" sz="1200"/>
+              <a:t>B</a:t>
+            </a:r>
+            <a:endParaRPr lang="en-US" altLang="en-US" sz="1200"/>
+          </a:p>
+        </p:txBody>
+      </p:sp>
+      <p:sp>
+        <p:nvSpPr>
+          <p:cNvPr id="20" name="Oval 19"/>
+          <p:cNvSpPr/>
+          <p:nvPr/>
+        </p:nvSpPr>
+        <p:spPr>
+          <a:xfrm>
+            <a:off x="3960495" y="2538095"/>
+            <a:ext cx="306070" cy="306070"/>
+          </a:xfrm>
+          <a:prstGeom prst="ellipse">
+            <a:avLst/>
+          </a:prstGeom>
+          <a:solidFill>
+            <a:schemeClr val="accent2">
+              <a:lumMod val="40000"/>
+              <a:lumOff val="60000"/>
+            </a:schemeClr>
+          </a:solidFill>
+        </p:spPr>
+        <p:style>
+          <a:lnRef idx="2">
+            <a:schemeClr val="accent2">
+              <a:shade val="50000"/>
+            </a:schemeClr>
+          </a:lnRef>
+          <a:fillRef idx="1">
+            <a:schemeClr val="accent2"/>
+          </a:fillRef>
+          <a:effectRef idx="0">
+            <a:schemeClr val="accent2"/>
+          </a:effectRef>
+          <a:fontRef idx="minor">
+            <a:schemeClr val="lt1"/>
+          </a:fontRef>
+        </p:style>
+        <p:txBody>
+          <a:bodyPr rtlCol="0" anchor="ctr"/>
+          <a:p>
+            <a:pPr algn="ctr"/>
+            <a:endParaRPr lang="en-US"/>
+          </a:p>
+        </p:txBody>
+      </p:sp>
+      <p:cxnSp>
+        <p:nvCxnSpPr>
+          <p:cNvPr id="22" name="Straight Connector 21"/>
+          <p:cNvCxnSpPr/>
+          <p:nvPr/>
+        </p:nvCxnSpPr>
+        <p:spPr>
+          <a:xfrm>
+            <a:off x="3672840" y="2691130"/>
+            <a:ext cx="287655" cy="0"/>
+          </a:xfrm>
+          <a:prstGeom prst="line">
+            <a:avLst/>
+          </a:prstGeom>
+          <a:ln w="28575">
+            <a:headEnd type="arrow" w="med" len="med"/>
+            <a:tailEnd type="none" w="med" len="med"/>
+          </a:ln>
+        </p:spPr>
+        <p:style>
+          <a:lnRef idx="2">
+            <a:schemeClr val="accent2">
+              <a:shade val="50000"/>
+            </a:schemeClr>
+          </a:lnRef>
+          <a:fillRef idx="1">
+            <a:schemeClr val="accent2"/>
+          </a:fillRef>
+          <a:effectRef idx="0">
+            <a:schemeClr val="accent2"/>
+          </a:effectRef>
+          <a:fontRef idx="minor">
+            <a:schemeClr val="lt1"/>
+          </a:fontRef>
+        </p:style>
+      </p:cxnSp>
+      <p:sp>
+        <p:nvSpPr>
+          <p:cNvPr id="24" name="Text Box 23"/>
+          <p:cNvSpPr txBox="1"/>
+          <p:nvPr/>
+        </p:nvSpPr>
+        <p:spPr>
+          <a:xfrm>
+            <a:off x="3964940" y="2555875"/>
+            <a:ext cx="292735" cy="275590"/>
+          </a:xfrm>
+          <a:prstGeom prst="rect">
+            <a:avLst/>
+          </a:prstGeom>
+          <a:noFill/>
+        </p:spPr>
+        <p:txBody>
+          <a:bodyPr wrap="none" rtlCol="0">
+            <a:spAutoFit/>
+          </a:bodyPr>
+          <a:p>
+            <a:r>
+              <a:rPr lang="en-US" altLang="en-US" sz="1200"/>
+              <a:t>C</a:t>
+            </a:r>
+            <a:endParaRPr lang="en-US" altLang="en-US" sz="1200"/>
+          </a:p>
+        </p:txBody>
+      </p:sp>
+      <p:cxnSp>
+        <p:nvCxnSpPr>
+          <p:cNvPr id="26" name="Straight Connector 25"/>
+          <p:cNvCxnSpPr/>
+          <p:nvPr/>
+        </p:nvCxnSpPr>
+        <p:spPr>
+          <a:xfrm>
+            <a:off x="3383915" y="2689860"/>
+            <a:ext cx="287655" cy="0"/>
+          </a:xfrm>
+          <a:prstGeom prst="line">
+            <a:avLst/>
+          </a:prstGeom>
+          <a:ln w="12700">
+            <a:solidFill>
+              <a:schemeClr val="bg1">
+                <a:lumMod val="65000"/>
+              </a:schemeClr>
+            </a:solidFill>
+            <a:prstDash val="sysDot"/>
+            <a:headEnd type="none"/>
+            <a:tailEnd type="none" w="med" len="med"/>
+          </a:ln>
+        </p:spPr>
+        <p:style>
+          <a:lnRef idx="2">
+            <a:schemeClr val="accent4">
+              <a:shade val="50000"/>
+            </a:schemeClr>
+          </a:lnRef>
+          <a:fillRef idx="1">
+            <a:schemeClr val="accent4"/>
+          </a:fillRef>
+          <a:effectRef idx="0">
+            <a:schemeClr val="accent4"/>
+          </a:effectRef>
+          <a:fontRef idx="minor">
+            <a:schemeClr val="lt1"/>
+          </a:fontRef>
+        </p:style>
+      </p:cxnSp>
+      <p:sp>
+        <p:nvSpPr>
+          <p:cNvPr id="33" name="Text Box 32"/>
+          <p:cNvSpPr txBox="1"/>
+          <p:nvPr/>
+        </p:nvSpPr>
+        <p:spPr>
+          <a:xfrm>
+            <a:off x="3066415" y="2406650"/>
+            <a:ext cx="258445" cy="275590"/>
+          </a:xfrm>
+          <a:prstGeom prst="rect">
+            <a:avLst/>
+          </a:prstGeom>
+          <a:noFill/>
+        </p:spPr>
+        <p:txBody>
+          <a:bodyPr wrap="none" rtlCol="0">
+            <a:spAutoFit/>
+          </a:bodyPr>
+          <a:p>
+            <a:r>
+              <a:rPr lang="en-US" sz="1200">
+                <a:latin typeface="Asana Math" panose="02000603000000000000" charset="0"/>
+                <a:ea typeface="Asana Math" panose="02000603000000000000" charset="0"/>
+                <a:cs typeface="Arial" panose="020B0604020202020204" pitchFamily="34" charset="0"/>
+              </a:rPr>
+              <a:t>δ</a:t>
+            </a:r>
+            <a:endParaRPr lang="en-US" sz="1200">
+              <a:latin typeface="Asana Math" panose="02000603000000000000" charset="0"/>
+              <a:ea typeface="Asana Math" panose="02000603000000000000" charset="0"/>
+              <a:cs typeface="Arial" panose="020B0604020202020204" pitchFamily="34" charset="0"/>
+            </a:endParaRPr>
+          </a:p>
+        </p:txBody>
+      </p:sp>
+      <p:sp>
+        <p:nvSpPr>
+          <p:cNvPr id="34" name="Text Box 33"/>
+          <p:cNvSpPr txBox="1"/>
+          <p:nvPr/>
+        </p:nvSpPr>
+        <p:spPr>
+          <a:xfrm>
+            <a:off x="2484120" y="2390775"/>
+            <a:ext cx="260985" cy="275590"/>
+          </a:xfrm>
+          <a:prstGeom prst="rect">
+            <a:avLst/>
+          </a:prstGeom>
+          <a:noFill/>
+        </p:spPr>
+        <p:txBody>
+          <a:bodyPr wrap="none" rtlCol="0">
+            <a:spAutoFit/>
+          </a:bodyPr>
+          <a:p>
+            <a:r>
+              <a:rPr lang="en-US" sz="1200">
+                <a:latin typeface="Asana Math" panose="02000603000000000000" charset="0"/>
+                <a:ea typeface="Asana Math" panose="02000603000000000000" charset="0"/>
+                <a:cs typeface="Arial" panose="020B0604020202020204" pitchFamily="34" charset="0"/>
+              </a:rPr>
+              <a:t>β</a:t>
+            </a:r>
+            <a:endParaRPr lang="en-US" sz="1200">
+              <a:latin typeface="Asana Math" panose="02000603000000000000" charset="0"/>
+              <a:ea typeface="Asana Math" panose="02000603000000000000" charset="0"/>
+              <a:cs typeface="Arial" panose="020B0604020202020204" pitchFamily="34" charset="0"/>
+            </a:endParaRPr>
+          </a:p>
+        </p:txBody>
+      </p:sp>
+      <p:sp>
+        <p:nvSpPr>
+          <p:cNvPr id="35" name="Text Box 34"/>
+          <p:cNvSpPr txBox="1"/>
+          <p:nvPr/>
+        </p:nvSpPr>
+        <p:spPr>
+          <a:xfrm>
+            <a:off x="3738245" y="2400300"/>
+            <a:ext cx="258445" cy="275590"/>
+          </a:xfrm>
+          <a:prstGeom prst="rect">
+            <a:avLst/>
+          </a:prstGeom>
+          <a:noFill/>
+        </p:spPr>
+        <p:txBody>
+          <a:bodyPr wrap="none" rtlCol="0">
+            <a:spAutoFit/>
+          </a:bodyPr>
+          <a:p>
+            <a:r>
+              <a:rPr lang="en-US" sz="1200">
+                <a:latin typeface="Asana Math" panose="02000603000000000000" charset="0"/>
+                <a:ea typeface="Asana Math" panose="02000603000000000000" charset="0"/>
+                <a:cs typeface="Arial" panose="020B0604020202020204" pitchFamily="34" charset="0"/>
+              </a:rPr>
+              <a:t>δ</a:t>
+            </a:r>
+            <a:endParaRPr lang="en-US" sz="1200">
+              <a:latin typeface="Asana Math" panose="02000603000000000000" charset="0"/>
+              <a:ea typeface="Asana Math" panose="02000603000000000000" charset="0"/>
+              <a:cs typeface="Arial" panose="020B0604020202020204" pitchFamily="34" charset="0"/>
+            </a:endParaRPr>
+          </a:p>
+        </p:txBody>
+      </p:sp>
+      <p:sp>
+        <p:nvSpPr>
+          <p:cNvPr id="36" name="Text Box 35"/>
+          <p:cNvSpPr txBox="1"/>
+          <p:nvPr/>
+        </p:nvSpPr>
+        <p:spPr>
+          <a:xfrm>
+            <a:off x="2228850" y="1278255"/>
+            <a:ext cx="338455" cy="245110"/>
+          </a:xfrm>
+          <a:prstGeom prst="rect">
+            <a:avLst/>
+          </a:prstGeom>
+          <a:noFill/>
+        </p:spPr>
+        <p:txBody>
+          <a:bodyPr wrap="none" rtlCol="0">
+            <a:spAutoFit/>
+          </a:bodyPr>
+          <a:p>
+            <a:r>
+              <a:rPr lang="en-US" altLang="en-US" sz="1000"/>
+              <a:t>(a)</a:t>
+            </a:r>
+            <a:endParaRPr lang="en-US" altLang="en-US" sz="1000"/>
+          </a:p>
+        </p:txBody>
+      </p:sp>
+      <p:sp>
+        <p:nvSpPr>
+          <p:cNvPr id="37" name="Text Box 36"/>
+          <p:cNvSpPr txBox="1"/>
+          <p:nvPr/>
+        </p:nvSpPr>
+        <p:spPr>
+          <a:xfrm>
+            <a:off x="2228850" y="2195195"/>
+            <a:ext cx="338455" cy="245110"/>
+          </a:xfrm>
+          <a:prstGeom prst="rect">
+            <a:avLst/>
+          </a:prstGeom>
+          <a:noFill/>
+        </p:spPr>
+        <p:txBody>
+          <a:bodyPr wrap="none" rtlCol="0">
+            <a:spAutoFit/>
+          </a:bodyPr>
+          <a:p>
+            <a:r>
+              <a:rPr lang="en-US" altLang="en-US" sz="1000"/>
+              <a:t>(</a:t>
+            </a:r>
+            <a:r>
+              <a:rPr lang="" altLang="en-US" sz="1000"/>
+              <a:t>b</a:t>
+            </a:r>
+            <a:r>
+              <a:rPr lang="en-US" altLang="en-US" sz="1000"/>
+              <a:t>)</a:t>
+            </a:r>
+            <a:endParaRPr lang="en-US" altLang="en-US" sz="1000"/>
+          </a:p>
+        </p:txBody>
+      </p:sp>
     </p:spTree>
   </p:cSld>
   <p:clrMapOvr>

--- a/material/material.pptx
+++ b/material/material.pptx
@@ -5,16 +5,17 @@
     <p:sldMasterId id="2147483648" r:id="rId1"/>
   </p:sldMasterIdLst>
   <p:notesMasterIdLst>
-    <p:notesMasterId r:id="rId7"/>
+    <p:notesMasterId r:id="rId8"/>
   </p:notesMasterIdLst>
   <p:handoutMasterIdLst>
-    <p:handoutMasterId r:id="rId8"/>
+    <p:handoutMasterId r:id="rId9"/>
   </p:handoutMasterIdLst>
   <p:sldIdLst>
     <p:sldId id="256" r:id="rId3"/>
     <p:sldId id="257" r:id="rId4"/>
     <p:sldId id="258" r:id="rId5"/>
     <p:sldId id="259" r:id="rId6"/>
+    <p:sldId id="260" r:id="rId7"/>
   </p:sldIdLst>
   <p:sldSz cx="12192000" cy="6858000"/>
   <p:notesSz cx="7103745" cy="10234295"/>
@@ -5600,10 +5601,10 @@
           </a:bodyPr>
           <a:p>
             <a:r>
-              <a:rPr lang="" altLang="en-US" sz="1200"/>
+              <a:rPr lang="en-US" altLang="en-US" sz="1200"/>
               <a:t>D</a:t>
             </a:r>
-            <a:endParaRPr lang="" altLang="en-US" sz="1200"/>
+            <a:endParaRPr lang="en-US" altLang="en-US" sz="1200"/>
           </a:p>
         </p:txBody>
       </p:sp>
@@ -6227,15 +6228,7 @@
           <a:p>
             <a:r>
               <a:rPr lang="en-US" altLang="en-US" sz="1000"/>
-              <a:t>(</a:t>
-            </a:r>
-            <a:r>
-              <a:rPr lang="" altLang="en-US" sz="1000"/>
-              <a:t>b</a:t>
-            </a:r>
-            <a:r>
-              <a:rPr lang="en-US" altLang="en-US" sz="1000"/>
-              <a:t>)</a:t>
+              <a:t>(b)</a:t>
             </a:r>
             <a:endParaRPr lang="en-US" altLang="en-US" sz="1000"/>
           </a:p>
@@ -7257,17 +7250,2044 @@
           <a:p>
             <a:r>
               <a:rPr lang="en-US" altLang="en-US" sz="1000"/>
-              <a:t>(</a:t>
-            </a:r>
-            <a:r>
-              <a:rPr lang="" altLang="en-US" sz="1000"/>
-              <a:t>b</a:t>
-            </a:r>
-            <a:r>
-              <a:rPr lang="en-US" altLang="en-US" sz="1000"/>
-              <a:t>)</a:t>
+              <a:t>(b)</a:t>
             </a:r>
             <a:endParaRPr lang="en-US" altLang="en-US" sz="1000"/>
+          </a:p>
+        </p:txBody>
+      </p:sp>
+    </p:spTree>
+  </p:cSld>
+  <p:clrMapOvr>
+    <a:masterClrMapping/>
+  </p:clrMapOvr>
+</p:sld>
+</file>
+
+<file path=ppt/slides/slide5.xml><?xml version="1.0" encoding="utf-8"?>
+<p:sld xmlns:a="http://schemas.openxmlformats.org/drawingml/2006/main" xmlns:r="http://schemas.openxmlformats.org/officeDocument/2006/relationships" xmlns:p="http://schemas.openxmlformats.org/presentationml/2006/main">
+  <p:cSld>
+    <p:spTree>
+      <p:nvGrpSpPr>
+        <p:cNvPr id="1" name=""/>
+        <p:cNvGrpSpPr/>
+        <p:nvPr/>
+      </p:nvGrpSpPr>
+      <p:grpSpPr/>
+      <p:cxnSp>
+        <p:nvCxnSpPr>
+          <p:cNvPr id="21" name="Straight Connector 20"/>
+          <p:cNvCxnSpPr/>
+          <p:nvPr/>
+        </p:nvCxnSpPr>
+        <p:spPr>
+          <a:xfrm>
+            <a:off x="3832860" y="3808095"/>
+            <a:ext cx="4526280" cy="0"/>
+          </a:xfrm>
+          <a:prstGeom prst="line">
+            <a:avLst/>
+          </a:prstGeom>
+        </p:spPr>
+        <p:style>
+          <a:lnRef idx="1">
+            <a:schemeClr val="accent1"/>
+          </a:lnRef>
+          <a:fillRef idx="0">
+            <a:schemeClr val="accent1"/>
+          </a:fillRef>
+          <a:effectRef idx="0">
+            <a:schemeClr val="accent1"/>
+          </a:effectRef>
+          <a:fontRef idx="minor">
+            <a:schemeClr val="tx1"/>
+          </a:fontRef>
+        </p:style>
+      </p:cxnSp>
+      <p:sp>
+        <p:nvSpPr>
+          <p:cNvPr id="29" name="Oval 28"/>
+          <p:cNvSpPr/>
+          <p:nvPr/>
+        </p:nvSpPr>
+        <p:spPr>
+          <a:xfrm>
+            <a:off x="2576195" y="2659380"/>
+            <a:ext cx="210820" cy="210820"/>
+          </a:xfrm>
+          <a:prstGeom prst="ellipse">
+            <a:avLst/>
+          </a:prstGeom>
+          <a:solidFill>
+            <a:schemeClr val="accent1">
+              <a:lumMod val="60000"/>
+              <a:lumOff val="40000"/>
+            </a:schemeClr>
+          </a:solidFill>
+        </p:spPr>
+        <p:style>
+          <a:lnRef idx="2">
+            <a:schemeClr val="accent1">
+              <a:shade val="50000"/>
+            </a:schemeClr>
+          </a:lnRef>
+          <a:fillRef idx="1">
+            <a:schemeClr val="accent1"/>
+          </a:fillRef>
+          <a:effectRef idx="0">
+            <a:schemeClr val="accent1"/>
+          </a:effectRef>
+          <a:fontRef idx="minor">
+            <a:schemeClr val="lt1"/>
+          </a:fontRef>
+        </p:style>
+        <p:txBody>
+          <a:bodyPr rtlCol="0" anchor="ctr"/>
+          <a:p>
+            <a:pPr algn="ctr"/>
+            <a:endParaRPr lang="en-US"/>
+          </a:p>
+        </p:txBody>
+      </p:sp>
+      <p:cxnSp>
+        <p:nvCxnSpPr>
+          <p:cNvPr id="32" name="Straight Connector 31"/>
+          <p:cNvCxnSpPr/>
+          <p:nvPr/>
+        </p:nvCxnSpPr>
+        <p:spPr>
+          <a:xfrm flipH="1">
+            <a:off x="2680970" y="2468880"/>
+            <a:ext cx="1270" cy="190500"/>
+          </a:xfrm>
+          <a:prstGeom prst="line">
+            <a:avLst/>
+          </a:prstGeom>
+          <a:ln w="28575">
+            <a:solidFill>
+              <a:schemeClr val="accent1"/>
+            </a:solidFill>
+            <a:headEnd type="none"/>
+            <a:tailEnd type="none" w="med" len="med"/>
+          </a:ln>
+        </p:spPr>
+        <p:style>
+          <a:lnRef idx="1">
+            <a:schemeClr val="accent1"/>
+          </a:lnRef>
+          <a:fillRef idx="0">
+            <a:schemeClr val="accent1"/>
+          </a:fillRef>
+          <a:effectRef idx="0">
+            <a:schemeClr val="accent1"/>
+          </a:effectRef>
+          <a:fontRef idx="minor">
+            <a:schemeClr val="tx1"/>
+          </a:fontRef>
+        </p:style>
+      </p:cxnSp>
+      <p:sp>
+        <p:nvSpPr>
+          <p:cNvPr id="46" name="Text Box 45"/>
+          <p:cNvSpPr txBox="1"/>
+          <p:nvPr/>
+        </p:nvSpPr>
+        <p:spPr>
+          <a:xfrm>
+            <a:off x="2512060" y="2642870"/>
+            <a:ext cx="338455" cy="245110"/>
+          </a:xfrm>
+          <a:prstGeom prst="rect">
+            <a:avLst/>
+          </a:prstGeom>
+          <a:noFill/>
+        </p:spPr>
+        <p:txBody>
+          <a:bodyPr wrap="none" rtlCol="0">
+            <a:spAutoFit/>
+          </a:bodyPr>
+          <a:p>
+            <a:r>
+              <a:rPr lang="en-US" altLang="en-US" sz="1000">
+                <a:latin typeface="DejaVu Math TeX Gyre" panose="02000503000000000000" charset="0"/>
+                <a:ea typeface="DejaVu Math TeX Gyre" panose="02000503000000000000" charset="0"/>
+              </a:rPr>
+              <a:t>Γ</a:t>
+            </a:r>
+            <a:r>
+              <a:rPr lang="" altLang="en-US" sz="1000" baseline="-25000">
+                <a:latin typeface="DejaVu Math TeX Gyre" panose="02000503000000000000" charset="0"/>
+                <a:ea typeface="DejaVu Math TeX Gyre" panose="02000503000000000000" charset="0"/>
+              </a:rPr>
+              <a:t>A</a:t>
+            </a:r>
+            <a:endParaRPr lang="" altLang="en-US" sz="1000" baseline="-25000">
+              <a:latin typeface="DejaVu Math TeX Gyre" panose="02000503000000000000" charset="0"/>
+              <a:ea typeface="DejaVu Math TeX Gyre" panose="02000503000000000000" charset="0"/>
+            </a:endParaRPr>
+          </a:p>
+        </p:txBody>
+      </p:sp>
+      <p:sp>
+        <p:nvSpPr>
+          <p:cNvPr id="6" name="Text Box 5"/>
+          <p:cNvSpPr txBox="1"/>
+          <p:nvPr/>
+        </p:nvSpPr>
+        <p:spPr>
+          <a:xfrm>
+            <a:off x="2987040" y="2472690"/>
+            <a:ext cx="334645" cy="245110"/>
+          </a:xfrm>
+          <a:prstGeom prst="rect">
+            <a:avLst/>
+          </a:prstGeom>
+          <a:noFill/>
+        </p:spPr>
+        <p:txBody>
+          <a:bodyPr wrap="none" rtlCol="0">
+            <a:spAutoFit/>
+          </a:bodyPr>
+          <a:p>
+            <a:r>
+              <a:rPr lang="en-US" altLang="en-US" sz="1000">
+                <a:latin typeface="DejaVu Math TeX Gyre" panose="02000503000000000000" charset="0"/>
+                <a:ea typeface="DejaVu Math TeX Gyre" panose="02000503000000000000" charset="0"/>
+              </a:rPr>
+              <a:t>λ</a:t>
+            </a:r>
+            <a:r>
+              <a:rPr lang="" altLang="en-US" sz="1000" baseline="-25000">
+                <a:latin typeface="DejaVu Math TeX Gyre" panose="02000503000000000000" charset="0"/>
+                <a:ea typeface="DejaVu Math TeX Gyre" panose="02000503000000000000" charset="0"/>
+              </a:rPr>
+              <a:t>A</a:t>
+            </a:r>
+            <a:endParaRPr lang="" altLang="en-US" sz="1000" baseline="-25000">
+              <a:latin typeface="DejaVu Math TeX Gyre" panose="02000503000000000000" charset="0"/>
+              <a:ea typeface="DejaVu Math TeX Gyre" panose="02000503000000000000" charset="0"/>
+            </a:endParaRPr>
+          </a:p>
+        </p:txBody>
+      </p:sp>
+      <p:sp>
+        <p:nvSpPr>
+          <p:cNvPr id="9" name="Flowchart: Decision 8"/>
+          <p:cNvSpPr/>
+          <p:nvPr/>
+        </p:nvSpPr>
+        <p:spPr>
+          <a:xfrm>
+            <a:off x="3086100" y="2694940"/>
+            <a:ext cx="139700" cy="139700"/>
+          </a:xfrm>
+          <a:prstGeom prst="flowChartDecision">
+            <a:avLst/>
+          </a:prstGeom>
+        </p:spPr>
+        <p:style>
+          <a:lnRef idx="2">
+            <a:schemeClr val="accent1">
+              <a:shade val="50000"/>
+            </a:schemeClr>
+          </a:lnRef>
+          <a:fillRef idx="1">
+            <a:schemeClr val="accent1"/>
+          </a:fillRef>
+          <a:effectRef idx="0">
+            <a:schemeClr val="accent1"/>
+          </a:effectRef>
+          <a:fontRef idx="minor">
+            <a:schemeClr val="lt1"/>
+          </a:fontRef>
+        </p:style>
+        <p:txBody>
+          <a:bodyPr rtlCol="0" anchor="ctr"/>
+          <a:p>
+            <a:pPr algn="ctr"/>
+            <a:endParaRPr lang="en-US"/>
+          </a:p>
+        </p:txBody>
+      </p:sp>
+      <p:cxnSp>
+        <p:nvCxnSpPr>
+          <p:cNvPr id="11" name="Straight Connector 10"/>
+          <p:cNvCxnSpPr/>
+          <p:nvPr/>
+        </p:nvCxnSpPr>
+        <p:spPr>
+          <a:xfrm flipH="1" flipV="1">
+            <a:off x="2471420" y="2762250"/>
+            <a:ext cx="104775" cy="1270"/>
+          </a:xfrm>
+          <a:prstGeom prst="line">
+            <a:avLst/>
+          </a:prstGeom>
+          <a:ln w="28575">
+            <a:solidFill>
+              <a:schemeClr val="accent2"/>
+            </a:solidFill>
+            <a:headEnd type="none"/>
+            <a:tailEnd type="none" w="med" len="med"/>
+          </a:ln>
+        </p:spPr>
+        <p:style>
+          <a:lnRef idx="1">
+            <a:schemeClr val="accent1"/>
+          </a:lnRef>
+          <a:fillRef idx="0">
+            <a:schemeClr val="accent1"/>
+          </a:fillRef>
+          <a:effectRef idx="0">
+            <a:schemeClr val="accent1"/>
+          </a:effectRef>
+          <a:fontRef idx="minor">
+            <a:schemeClr val="tx1"/>
+          </a:fontRef>
+        </p:style>
+      </p:cxnSp>
+      <p:cxnSp>
+        <p:nvCxnSpPr>
+          <p:cNvPr id="26" name="Straight Connector 25"/>
+          <p:cNvCxnSpPr/>
+          <p:nvPr/>
+        </p:nvCxnSpPr>
+        <p:spPr>
+          <a:xfrm>
+            <a:off x="2895600" y="2760980"/>
+            <a:ext cx="81915" cy="1270"/>
+          </a:xfrm>
+          <a:prstGeom prst="line">
+            <a:avLst/>
+          </a:prstGeom>
+          <a:ln w="12700">
+            <a:solidFill>
+              <a:schemeClr val="bg1">
+                <a:lumMod val="65000"/>
+              </a:schemeClr>
+            </a:solidFill>
+            <a:prstDash val="sysDot"/>
+            <a:headEnd type="none"/>
+            <a:tailEnd type="none" w="med" len="med"/>
+          </a:ln>
+        </p:spPr>
+        <p:style>
+          <a:lnRef idx="2">
+            <a:schemeClr val="accent4">
+              <a:shade val="50000"/>
+            </a:schemeClr>
+          </a:lnRef>
+          <a:fillRef idx="1">
+            <a:schemeClr val="accent4"/>
+          </a:fillRef>
+          <a:effectRef idx="0">
+            <a:schemeClr val="accent4"/>
+          </a:effectRef>
+          <a:fontRef idx="minor">
+            <a:schemeClr val="lt1"/>
+          </a:fontRef>
+        </p:style>
+      </p:cxnSp>
+      <p:cxnSp>
+        <p:nvCxnSpPr>
+          <p:cNvPr id="64" name="Straight Connector 63"/>
+          <p:cNvCxnSpPr/>
+          <p:nvPr/>
+        </p:nvCxnSpPr>
+        <p:spPr>
+          <a:xfrm flipH="1" flipV="1">
+            <a:off x="2787015" y="2760980"/>
+            <a:ext cx="104775" cy="1270"/>
+          </a:xfrm>
+          <a:prstGeom prst="line">
+            <a:avLst/>
+          </a:prstGeom>
+          <a:ln w="28575">
+            <a:solidFill>
+              <a:schemeClr val="accent2"/>
+            </a:solidFill>
+            <a:headEnd type="none"/>
+            <a:tailEnd type="none" w="med" len="med"/>
+          </a:ln>
+        </p:spPr>
+        <p:style>
+          <a:lnRef idx="1">
+            <a:schemeClr val="accent1"/>
+          </a:lnRef>
+          <a:fillRef idx="0">
+            <a:schemeClr val="accent1"/>
+          </a:fillRef>
+          <a:effectRef idx="0">
+            <a:schemeClr val="accent1"/>
+          </a:effectRef>
+          <a:fontRef idx="minor">
+            <a:schemeClr val="tx1"/>
+          </a:fontRef>
+        </p:style>
+      </p:cxnSp>
+      <p:cxnSp>
+        <p:nvCxnSpPr>
+          <p:cNvPr id="65" name="Straight Connector 64"/>
+          <p:cNvCxnSpPr/>
+          <p:nvPr/>
+        </p:nvCxnSpPr>
+        <p:spPr>
+          <a:xfrm flipH="1" flipV="1">
+            <a:off x="2981325" y="2759710"/>
+            <a:ext cx="104775" cy="1270"/>
+          </a:xfrm>
+          <a:prstGeom prst="line">
+            <a:avLst/>
+          </a:prstGeom>
+          <a:ln w="28575">
+            <a:solidFill>
+              <a:schemeClr val="accent2"/>
+            </a:solidFill>
+            <a:headEnd type="none"/>
+            <a:tailEnd type="none" w="med" len="med"/>
+          </a:ln>
+        </p:spPr>
+        <p:style>
+          <a:lnRef idx="1">
+            <a:schemeClr val="accent1"/>
+          </a:lnRef>
+          <a:fillRef idx="0">
+            <a:schemeClr val="accent1"/>
+          </a:fillRef>
+          <a:effectRef idx="0">
+            <a:schemeClr val="accent1"/>
+          </a:effectRef>
+          <a:fontRef idx="minor">
+            <a:schemeClr val="tx1"/>
+          </a:fontRef>
+        </p:style>
+      </p:cxnSp>
+      <p:cxnSp>
+        <p:nvCxnSpPr>
+          <p:cNvPr id="66" name="Straight Connector 65"/>
+          <p:cNvCxnSpPr/>
+          <p:nvPr/>
+        </p:nvCxnSpPr>
+        <p:spPr>
+          <a:xfrm>
+            <a:off x="3332480" y="2762250"/>
+            <a:ext cx="81915" cy="1270"/>
+          </a:xfrm>
+          <a:prstGeom prst="line">
+            <a:avLst/>
+          </a:prstGeom>
+          <a:ln w="12700">
+            <a:solidFill>
+              <a:schemeClr val="bg1">
+                <a:lumMod val="65000"/>
+              </a:schemeClr>
+            </a:solidFill>
+            <a:prstDash val="sysDot"/>
+            <a:headEnd type="none"/>
+            <a:tailEnd type="none" w="med" len="med"/>
+          </a:ln>
+        </p:spPr>
+        <p:style>
+          <a:lnRef idx="2">
+            <a:schemeClr val="accent4">
+              <a:shade val="50000"/>
+            </a:schemeClr>
+          </a:lnRef>
+          <a:fillRef idx="1">
+            <a:schemeClr val="accent4"/>
+          </a:fillRef>
+          <a:effectRef idx="0">
+            <a:schemeClr val="accent4"/>
+          </a:effectRef>
+          <a:fontRef idx="minor">
+            <a:schemeClr val="lt1"/>
+          </a:fontRef>
+        </p:style>
+      </p:cxnSp>
+      <p:cxnSp>
+        <p:nvCxnSpPr>
+          <p:cNvPr id="67" name="Straight Connector 66"/>
+          <p:cNvCxnSpPr/>
+          <p:nvPr/>
+        </p:nvCxnSpPr>
+        <p:spPr>
+          <a:xfrm flipH="1" flipV="1">
+            <a:off x="3223895" y="2762250"/>
+            <a:ext cx="104775" cy="1270"/>
+          </a:xfrm>
+          <a:prstGeom prst="line">
+            <a:avLst/>
+          </a:prstGeom>
+          <a:ln w="28575">
+            <a:solidFill>
+              <a:schemeClr val="accent2"/>
+            </a:solidFill>
+            <a:headEnd type="none"/>
+            <a:tailEnd type="none" w="med" len="med"/>
+          </a:ln>
+        </p:spPr>
+        <p:style>
+          <a:lnRef idx="1">
+            <a:schemeClr val="accent1"/>
+          </a:lnRef>
+          <a:fillRef idx="0">
+            <a:schemeClr val="accent1"/>
+          </a:fillRef>
+          <a:effectRef idx="0">
+            <a:schemeClr val="accent1"/>
+          </a:effectRef>
+          <a:fontRef idx="minor">
+            <a:schemeClr val="tx1"/>
+          </a:fontRef>
+        </p:style>
+      </p:cxnSp>
+      <p:sp>
+        <p:nvSpPr>
+          <p:cNvPr id="69" name="Oval 68"/>
+          <p:cNvSpPr/>
+          <p:nvPr/>
+        </p:nvSpPr>
+        <p:spPr>
+          <a:xfrm>
+            <a:off x="3526790" y="2659380"/>
+            <a:ext cx="210820" cy="210820"/>
+          </a:xfrm>
+          <a:prstGeom prst="ellipse">
+            <a:avLst/>
+          </a:prstGeom>
+          <a:solidFill>
+            <a:schemeClr val="accent1">
+              <a:lumMod val="60000"/>
+              <a:lumOff val="40000"/>
+            </a:schemeClr>
+          </a:solidFill>
+        </p:spPr>
+        <p:style>
+          <a:lnRef idx="2">
+            <a:schemeClr val="accent1">
+              <a:shade val="50000"/>
+            </a:schemeClr>
+          </a:lnRef>
+          <a:fillRef idx="1">
+            <a:schemeClr val="accent1"/>
+          </a:fillRef>
+          <a:effectRef idx="0">
+            <a:schemeClr val="accent1"/>
+          </a:effectRef>
+          <a:fontRef idx="minor">
+            <a:schemeClr val="lt1"/>
+          </a:fontRef>
+        </p:style>
+        <p:txBody>
+          <a:bodyPr rtlCol="0" anchor="ctr"/>
+          <a:p>
+            <a:pPr algn="ctr"/>
+            <a:endParaRPr lang="en-US"/>
+          </a:p>
+        </p:txBody>
+      </p:sp>
+      <p:cxnSp>
+        <p:nvCxnSpPr>
+          <p:cNvPr id="70" name="Straight Connector 69"/>
+          <p:cNvCxnSpPr/>
+          <p:nvPr/>
+        </p:nvCxnSpPr>
+        <p:spPr>
+          <a:xfrm flipH="1">
+            <a:off x="3631565" y="2468880"/>
+            <a:ext cx="1270" cy="190500"/>
+          </a:xfrm>
+          <a:prstGeom prst="line">
+            <a:avLst/>
+          </a:prstGeom>
+          <a:ln w="28575">
+            <a:solidFill>
+              <a:schemeClr val="accent1"/>
+            </a:solidFill>
+            <a:headEnd type="none"/>
+            <a:tailEnd type="none" w="med" len="med"/>
+          </a:ln>
+        </p:spPr>
+        <p:style>
+          <a:lnRef idx="1">
+            <a:schemeClr val="accent1"/>
+          </a:lnRef>
+          <a:fillRef idx="0">
+            <a:schemeClr val="accent1"/>
+          </a:fillRef>
+          <a:effectRef idx="0">
+            <a:schemeClr val="accent1"/>
+          </a:effectRef>
+          <a:fontRef idx="minor">
+            <a:schemeClr val="tx1"/>
+          </a:fontRef>
+        </p:style>
+      </p:cxnSp>
+      <p:cxnSp>
+        <p:nvCxnSpPr>
+          <p:cNvPr id="71" name="Straight Connector 70"/>
+          <p:cNvCxnSpPr/>
+          <p:nvPr/>
+        </p:nvCxnSpPr>
+        <p:spPr>
+          <a:xfrm flipH="1" flipV="1">
+            <a:off x="3422015" y="2762250"/>
+            <a:ext cx="104775" cy="1270"/>
+          </a:xfrm>
+          <a:prstGeom prst="line">
+            <a:avLst/>
+          </a:prstGeom>
+          <a:ln w="28575">
+            <a:solidFill>
+              <a:schemeClr val="accent2"/>
+            </a:solidFill>
+            <a:headEnd type="none"/>
+            <a:tailEnd type="none" w="med" len="med"/>
+          </a:ln>
+        </p:spPr>
+        <p:style>
+          <a:lnRef idx="1">
+            <a:schemeClr val="accent1"/>
+          </a:lnRef>
+          <a:fillRef idx="0">
+            <a:schemeClr val="accent1"/>
+          </a:fillRef>
+          <a:effectRef idx="0">
+            <a:schemeClr val="accent1"/>
+          </a:effectRef>
+          <a:fontRef idx="minor">
+            <a:schemeClr val="tx1"/>
+          </a:fontRef>
+        </p:style>
+      </p:cxnSp>
+      <p:sp>
+        <p:nvSpPr>
+          <p:cNvPr id="72" name="Text Box 71"/>
+          <p:cNvSpPr txBox="1"/>
+          <p:nvPr/>
+        </p:nvSpPr>
+        <p:spPr>
+          <a:xfrm>
+            <a:off x="3462655" y="2649855"/>
+            <a:ext cx="339090" cy="245110"/>
+          </a:xfrm>
+          <a:prstGeom prst="rect">
+            <a:avLst/>
+          </a:prstGeom>
+          <a:noFill/>
+        </p:spPr>
+        <p:txBody>
+          <a:bodyPr wrap="none" rtlCol="0">
+            <a:spAutoFit/>
+          </a:bodyPr>
+          <a:p>
+            <a:r>
+              <a:rPr lang="en-US" altLang="en-US" sz="1000">
+                <a:latin typeface="DejaVu Math TeX Gyre" panose="02000503000000000000" charset="0"/>
+                <a:ea typeface="DejaVu Math TeX Gyre" panose="02000503000000000000" charset="0"/>
+              </a:rPr>
+              <a:t>Γ</a:t>
+            </a:r>
+            <a:r>
+              <a:rPr lang="" altLang="en-US" sz="1000" baseline="-25000">
+                <a:latin typeface="DejaVu Math TeX Gyre" panose="02000503000000000000" charset="0"/>
+                <a:ea typeface="DejaVu Math TeX Gyre" panose="02000503000000000000" charset="0"/>
+              </a:rPr>
+              <a:t>B</a:t>
+            </a:r>
+            <a:endParaRPr lang="" altLang="en-US" sz="1000" baseline="-25000">
+              <a:latin typeface="DejaVu Math TeX Gyre" panose="02000503000000000000" charset="0"/>
+              <a:ea typeface="DejaVu Math TeX Gyre" panose="02000503000000000000" charset="0"/>
+            </a:endParaRPr>
+          </a:p>
+        </p:txBody>
+      </p:sp>
+      <p:sp>
+        <p:nvSpPr>
+          <p:cNvPr id="78" name="Text Box 77"/>
+          <p:cNvSpPr txBox="1"/>
+          <p:nvPr/>
+        </p:nvSpPr>
+        <p:spPr>
+          <a:xfrm>
+            <a:off x="3938270" y="2474595"/>
+            <a:ext cx="335280" cy="245110"/>
+          </a:xfrm>
+          <a:prstGeom prst="rect">
+            <a:avLst/>
+          </a:prstGeom>
+          <a:noFill/>
+        </p:spPr>
+        <p:txBody>
+          <a:bodyPr wrap="none" rtlCol="0">
+            <a:spAutoFit/>
+          </a:bodyPr>
+          <a:p>
+            <a:r>
+              <a:rPr lang="en-US" altLang="en-US" sz="1000">
+                <a:latin typeface="DejaVu Math TeX Gyre" panose="02000503000000000000" charset="0"/>
+                <a:ea typeface="DejaVu Math TeX Gyre" panose="02000503000000000000" charset="0"/>
+              </a:rPr>
+              <a:t>λ</a:t>
+            </a:r>
+            <a:r>
+              <a:rPr lang="" altLang="en-US" sz="1000" baseline="-25000">
+                <a:latin typeface="DejaVu Math TeX Gyre" panose="02000503000000000000" charset="0"/>
+                <a:ea typeface="DejaVu Math TeX Gyre" panose="02000503000000000000" charset="0"/>
+              </a:rPr>
+              <a:t>B</a:t>
+            </a:r>
+            <a:endParaRPr lang="" altLang="en-US" sz="1000" baseline="-25000">
+              <a:latin typeface="DejaVu Math TeX Gyre" panose="02000503000000000000" charset="0"/>
+              <a:ea typeface="DejaVu Math TeX Gyre" panose="02000503000000000000" charset="0"/>
+            </a:endParaRPr>
+          </a:p>
+        </p:txBody>
+      </p:sp>
+      <p:sp>
+        <p:nvSpPr>
+          <p:cNvPr id="79" name="Flowchart: Decision 78"/>
+          <p:cNvSpPr/>
+          <p:nvPr/>
+        </p:nvSpPr>
+        <p:spPr>
+          <a:xfrm>
+            <a:off x="4037330" y="2696845"/>
+            <a:ext cx="139700" cy="139700"/>
+          </a:xfrm>
+          <a:prstGeom prst="flowChartDecision">
+            <a:avLst/>
+          </a:prstGeom>
+        </p:spPr>
+        <p:style>
+          <a:lnRef idx="2">
+            <a:schemeClr val="accent1">
+              <a:shade val="50000"/>
+            </a:schemeClr>
+          </a:lnRef>
+          <a:fillRef idx="1">
+            <a:schemeClr val="accent1"/>
+          </a:fillRef>
+          <a:effectRef idx="0">
+            <a:schemeClr val="accent1"/>
+          </a:effectRef>
+          <a:fontRef idx="minor">
+            <a:schemeClr val="lt1"/>
+          </a:fontRef>
+        </p:style>
+        <p:txBody>
+          <a:bodyPr rtlCol="0" anchor="ctr"/>
+          <a:p>
+            <a:pPr algn="ctr"/>
+            <a:endParaRPr lang="en-US"/>
+          </a:p>
+        </p:txBody>
+      </p:sp>
+      <p:cxnSp>
+        <p:nvCxnSpPr>
+          <p:cNvPr id="80" name="Straight Connector 79"/>
+          <p:cNvCxnSpPr/>
+          <p:nvPr/>
+        </p:nvCxnSpPr>
+        <p:spPr>
+          <a:xfrm>
+            <a:off x="3846830" y="2762885"/>
+            <a:ext cx="81915" cy="1270"/>
+          </a:xfrm>
+          <a:prstGeom prst="line">
+            <a:avLst/>
+          </a:prstGeom>
+          <a:ln w="12700">
+            <a:solidFill>
+              <a:schemeClr val="bg1">
+                <a:lumMod val="65000"/>
+              </a:schemeClr>
+            </a:solidFill>
+            <a:prstDash val="sysDot"/>
+            <a:headEnd type="none"/>
+            <a:tailEnd type="none" w="med" len="med"/>
+          </a:ln>
+        </p:spPr>
+        <p:style>
+          <a:lnRef idx="2">
+            <a:schemeClr val="accent4">
+              <a:shade val="50000"/>
+            </a:schemeClr>
+          </a:lnRef>
+          <a:fillRef idx="1">
+            <a:schemeClr val="accent4"/>
+          </a:fillRef>
+          <a:effectRef idx="0">
+            <a:schemeClr val="accent4"/>
+          </a:effectRef>
+          <a:fontRef idx="minor">
+            <a:schemeClr val="lt1"/>
+          </a:fontRef>
+        </p:style>
+      </p:cxnSp>
+      <p:cxnSp>
+        <p:nvCxnSpPr>
+          <p:cNvPr id="81" name="Straight Connector 80"/>
+          <p:cNvCxnSpPr/>
+          <p:nvPr/>
+        </p:nvCxnSpPr>
+        <p:spPr>
+          <a:xfrm flipH="1" flipV="1">
+            <a:off x="3738245" y="2762885"/>
+            <a:ext cx="104775" cy="1270"/>
+          </a:xfrm>
+          <a:prstGeom prst="line">
+            <a:avLst/>
+          </a:prstGeom>
+          <a:ln w="28575">
+            <a:solidFill>
+              <a:schemeClr val="accent2"/>
+            </a:solidFill>
+            <a:headEnd type="none"/>
+            <a:tailEnd type="none" w="med" len="med"/>
+          </a:ln>
+        </p:spPr>
+        <p:style>
+          <a:lnRef idx="1">
+            <a:schemeClr val="accent1"/>
+          </a:lnRef>
+          <a:fillRef idx="0">
+            <a:schemeClr val="accent1"/>
+          </a:fillRef>
+          <a:effectRef idx="0">
+            <a:schemeClr val="accent1"/>
+          </a:effectRef>
+          <a:fontRef idx="minor">
+            <a:schemeClr val="tx1"/>
+          </a:fontRef>
+        </p:style>
+      </p:cxnSp>
+      <p:cxnSp>
+        <p:nvCxnSpPr>
+          <p:cNvPr id="82" name="Straight Connector 81"/>
+          <p:cNvCxnSpPr/>
+          <p:nvPr/>
+        </p:nvCxnSpPr>
+        <p:spPr>
+          <a:xfrm flipH="1" flipV="1">
+            <a:off x="3932555" y="2761615"/>
+            <a:ext cx="104775" cy="1270"/>
+          </a:xfrm>
+          <a:prstGeom prst="line">
+            <a:avLst/>
+          </a:prstGeom>
+          <a:ln w="28575">
+            <a:solidFill>
+              <a:schemeClr val="accent2"/>
+            </a:solidFill>
+            <a:headEnd type="none"/>
+            <a:tailEnd type="none" w="med" len="med"/>
+          </a:ln>
+        </p:spPr>
+        <p:style>
+          <a:lnRef idx="1">
+            <a:schemeClr val="accent1"/>
+          </a:lnRef>
+          <a:fillRef idx="0">
+            <a:schemeClr val="accent1"/>
+          </a:fillRef>
+          <a:effectRef idx="0">
+            <a:schemeClr val="accent1"/>
+          </a:effectRef>
+          <a:fontRef idx="minor">
+            <a:schemeClr val="tx1"/>
+          </a:fontRef>
+        </p:style>
+      </p:cxnSp>
+      <p:cxnSp>
+        <p:nvCxnSpPr>
+          <p:cNvPr id="83" name="Straight Connector 82"/>
+          <p:cNvCxnSpPr/>
+          <p:nvPr/>
+        </p:nvCxnSpPr>
+        <p:spPr>
+          <a:xfrm flipH="1" flipV="1">
+            <a:off x="4175125" y="2764155"/>
+            <a:ext cx="104775" cy="1270"/>
+          </a:xfrm>
+          <a:prstGeom prst="line">
+            <a:avLst/>
+          </a:prstGeom>
+          <a:ln w="28575">
+            <a:solidFill>
+              <a:schemeClr val="accent2"/>
+            </a:solidFill>
+            <a:headEnd type="none"/>
+            <a:tailEnd type="none" w="med" len="med"/>
+          </a:ln>
+        </p:spPr>
+        <p:style>
+          <a:lnRef idx="1">
+            <a:schemeClr val="accent1"/>
+          </a:lnRef>
+          <a:fillRef idx="0">
+            <a:schemeClr val="accent1"/>
+          </a:fillRef>
+          <a:effectRef idx="0">
+            <a:schemeClr val="accent1"/>
+          </a:effectRef>
+          <a:fontRef idx="minor">
+            <a:schemeClr val="tx1"/>
+          </a:fontRef>
+        </p:style>
+      </p:cxnSp>
+      <p:sp>
+        <p:nvSpPr>
+          <p:cNvPr id="86" name="Oval 85"/>
+          <p:cNvSpPr/>
+          <p:nvPr/>
+        </p:nvSpPr>
+        <p:spPr>
+          <a:xfrm>
+            <a:off x="4478020" y="2659380"/>
+            <a:ext cx="210820" cy="210820"/>
+          </a:xfrm>
+          <a:prstGeom prst="ellipse">
+            <a:avLst/>
+          </a:prstGeom>
+          <a:solidFill>
+            <a:schemeClr val="accent1">
+              <a:lumMod val="20000"/>
+              <a:lumOff val="80000"/>
+            </a:schemeClr>
+          </a:solidFill>
+          <a:ln>
+            <a:solidFill>
+              <a:schemeClr val="accent1">
+                <a:lumMod val="60000"/>
+                <a:lumOff val="40000"/>
+              </a:schemeClr>
+            </a:solidFill>
+          </a:ln>
+        </p:spPr>
+        <p:style>
+          <a:lnRef idx="2">
+            <a:schemeClr val="accent3">
+              <a:shade val="50000"/>
+            </a:schemeClr>
+          </a:lnRef>
+          <a:fillRef idx="1">
+            <a:schemeClr val="accent3"/>
+          </a:fillRef>
+          <a:effectRef idx="0">
+            <a:schemeClr val="accent3"/>
+          </a:effectRef>
+          <a:fontRef idx="minor">
+            <a:schemeClr val="lt1"/>
+          </a:fontRef>
+        </p:style>
+        <p:txBody>
+          <a:bodyPr rtlCol="0" anchor="ctr"/>
+          <a:p>
+            <a:pPr algn="ctr"/>
+            <a:endParaRPr lang="en-US"/>
+          </a:p>
+        </p:txBody>
+      </p:sp>
+      <p:cxnSp>
+        <p:nvCxnSpPr>
+          <p:cNvPr id="87" name="Straight Connector 86"/>
+          <p:cNvCxnSpPr/>
+          <p:nvPr/>
+        </p:nvCxnSpPr>
+        <p:spPr>
+          <a:xfrm flipH="1">
+            <a:off x="4582795" y="2468880"/>
+            <a:ext cx="1270" cy="190500"/>
+          </a:xfrm>
+          <a:prstGeom prst="line">
+            <a:avLst/>
+          </a:prstGeom>
+          <a:solidFill>
+            <a:schemeClr val="accent1">
+              <a:lumMod val="20000"/>
+              <a:lumOff val="80000"/>
+            </a:schemeClr>
+          </a:solidFill>
+          <a:ln w="28575">
+            <a:solidFill>
+              <a:schemeClr val="accent1">
+                <a:lumMod val="60000"/>
+                <a:lumOff val="40000"/>
+              </a:schemeClr>
+            </a:solidFill>
+            <a:headEnd type="none"/>
+            <a:tailEnd type="none" w="med" len="med"/>
+          </a:ln>
+        </p:spPr>
+        <p:style>
+          <a:lnRef idx="1">
+            <a:schemeClr val="accent1"/>
+          </a:lnRef>
+          <a:fillRef idx="0">
+            <a:schemeClr val="accent1"/>
+          </a:fillRef>
+          <a:effectRef idx="0">
+            <a:schemeClr val="accent1"/>
+          </a:effectRef>
+          <a:fontRef idx="minor">
+            <a:schemeClr val="tx1"/>
+          </a:fontRef>
+        </p:style>
+      </p:cxnSp>
+      <p:sp>
+        <p:nvSpPr>
+          <p:cNvPr id="88" name="Text Box 87"/>
+          <p:cNvSpPr txBox="1"/>
+          <p:nvPr/>
+        </p:nvSpPr>
+        <p:spPr>
+          <a:xfrm>
+            <a:off x="4413885" y="2653030"/>
+            <a:ext cx="338455" cy="245110"/>
+          </a:xfrm>
+          <a:prstGeom prst="rect">
+            <a:avLst/>
+          </a:prstGeom>
+          <a:noFill/>
+        </p:spPr>
+        <p:txBody>
+          <a:bodyPr wrap="none" rtlCol="0">
+            <a:spAutoFit/>
+          </a:bodyPr>
+          <a:p>
+            <a:r>
+              <a:rPr lang="en-US" altLang="en-US" sz="1000">
+                <a:solidFill>
+                  <a:schemeClr val="bg1">
+                    <a:lumMod val="50000"/>
+                  </a:schemeClr>
+                </a:solidFill>
+                <a:latin typeface="DejaVu Math TeX Gyre" panose="02000503000000000000" charset="0"/>
+                <a:ea typeface="DejaVu Math TeX Gyre" panose="02000503000000000000" charset="0"/>
+              </a:rPr>
+              <a:t>Γ</a:t>
+            </a:r>
+            <a:r>
+              <a:rPr lang="en-US" altLang="en-US" sz="1000" baseline="-25000">
+                <a:solidFill>
+                  <a:schemeClr val="bg1">
+                    <a:lumMod val="50000"/>
+                  </a:schemeClr>
+                </a:solidFill>
+                <a:latin typeface="DejaVu Math TeX Gyre" panose="02000503000000000000" charset="0"/>
+                <a:ea typeface="DejaVu Math TeX Gyre" panose="02000503000000000000" charset="0"/>
+              </a:rPr>
+              <a:t>A</a:t>
+            </a:r>
+            <a:endParaRPr lang="en-US" altLang="en-US" sz="1000" baseline="-25000">
+              <a:solidFill>
+                <a:schemeClr val="bg1">
+                  <a:lumMod val="50000"/>
+                </a:schemeClr>
+              </a:solidFill>
+              <a:latin typeface="DejaVu Math TeX Gyre" panose="02000503000000000000" charset="0"/>
+              <a:ea typeface="DejaVu Math TeX Gyre" panose="02000503000000000000" charset="0"/>
+            </a:endParaRPr>
+          </a:p>
+        </p:txBody>
+      </p:sp>
+      <p:sp>
+        <p:nvSpPr>
+          <p:cNvPr id="89" name="Text Box 88"/>
+          <p:cNvSpPr txBox="1"/>
+          <p:nvPr/>
+        </p:nvSpPr>
+        <p:spPr>
+          <a:xfrm>
+            <a:off x="4900295" y="2487295"/>
+            <a:ext cx="334645" cy="245110"/>
+          </a:xfrm>
+          <a:prstGeom prst="rect">
+            <a:avLst/>
+          </a:prstGeom>
+          <a:noFill/>
+        </p:spPr>
+        <p:txBody>
+          <a:bodyPr wrap="none" rtlCol="0">
+            <a:spAutoFit/>
+          </a:bodyPr>
+          <a:p>
+            <a:r>
+              <a:rPr lang="en-US" altLang="en-US" sz="1000">
+                <a:solidFill>
+                  <a:schemeClr val="bg1">
+                    <a:lumMod val="50000"/>
+                  </a:schemeClr>
+                </a:solidFill>
+                <a:latin typeface="DejaVu Math TeX Gyre" panose="02000503000000000000" charset="0"/>
+                <a:ea typeface="DejaVu Math TeX Gyre" panose="02000503000000000000" charset="0"/>
+              </a:rPr>
+              <a:t>λ</a:t>
+            </a:r>
+            <a:r>
+              <a:rPr lang="en-US" altLang="en-US" sz="1000" baseline="-25000">
+                <a:solidFill>
+                  <a:schemeClr val="bg1">
+                    <a:lumMod val="50000"/>
+                  </a:schemeClr>
+                </a:solidFill>
+                <a:latin typeface="DejaVu Math TeX Gyre" panose="02000503000000000000" charset="0"/>
+                <a:ea typeface="DejaVu Math TeX Gyre" panose="02000503000000000000" charset="0"/>
+              </a:rPr>
+              <a:t>A</a:t>
+            </a:r>
+            <a:endParaRPr lang="en-US" altLang="en-US" sz="1000" baseline="-25000">
+              <a:solidFill>
+                <a:schemeClr val="bg1">
+                  <a:lumMod val="50000"/>
+                </a:schemeClr>
+              </a:solidFill>
+              <a:latin typeface="DejaVu Math TeX Gyre" panose="02000503000000000000" charset="0"/>
+              <a:ea typeface="DejaVu Math TeX Gyre" panose="02000503000000000000" charset="0"/>
+            </a:endParaRPr>
+          </a:p>
+        </p:txBody>
+      </p:sp>
+      <p:sp>
+        <p:nvSpPr>
+          <p:cNvPr id="90" name="Flowchart: Decision 89"/>
+          <p:cNvSpPr/>
+          <p:nvPr/>
+        </p:nvSpPr>
+        <p:spPr>
+          <a:xfrm>
+            <a:off x="4987925" y="2694940"/>
+            <a:ext cx="139700" cy="139700"/>
+          </a:xfrm>
+          <a:prstGeom prst="flowChartDecision">
+            <a:avLst/>
+          </a:prstGeom>
+          <a:solidFill>
+            <a:schemeClr val="accent1">
+              <a:lumMod val="20000"/>
+              <a:lumOff val="80000"/>
+            </a:schemeClr>
+          </a:solidFill>
+          <a:ln>
+            <a:solidFill>
+              <a:schemeClr val="accent1">
+                <a:lumMod val="60000"/>
+                <a:lumOff val="40000"/>
+              </a:schemeClr>
+            </a:solidFill>
+          </a:ln>
+        </p:spPr>
+        <p:style>
+          <a:lnRef idx="2">
+            <a:schemeClr val="accent3">
+              <a:shade val="50000"/>
+            </a:schemeClr>
+          </a:lnRef>
+          <a:fillRef idx="1">
+            <a:schemeClr val="accent3"/>
+          </a:fillRef>
+          <a:effectRef idx="0">
+            <a:schemeClr val="accent3"/>
+          </a:effectRef>
+          <a:fontRef idx="minor">
+            <a:schemeClr val="lt1"/>
+          </a:fontRef>
+        </p:style>
+        <p:txBody>
+          <a:bodyPr rtlCol="0" anchor="ctr"/>
+          <a:p>
+            <a:pPr algn="ctr"/>
+            <a:endParaRPr lang="en-US"/>
+          </a:p>
+        </p:txBody>
+      </p:sp>
+      <p:cxnSp>
+        <p:nvCxnSpPr>
+          <p:cNvPr id="91" name="Straight Connector 90"/>
+          <p:cNvCxnSpPr/>
+          <p:nvPr/>
+        </p:nvCxnSpPr>
+        <p:spPr>
+          <a:xfrm flipH="1" flipV="1">
+            <a:off x="4373245" y="2762250"/>
+            <a:ext cx="104775" cy="1270"/>
+          </a:xfrm>
+          <a:prstGeom prst="line">
+            <a:avLst/>
+          </a:prstGeom>
+          <a:ln w="28575">
+            <a:solidFill>
+              <a:schemeClr val="accent2">
+                <a:lumMod val="60000"/>
+                <a:lumOff val="40000"/>
+              </a:schemeClr>
+            </a:solidFill>
+            <a:headEnd type="none"/>
+            <a:tailEnd type="none" w="med" len="med"/>
+          </a:ln>
+        </p:spPr>
+        <p:style>
+          <a:lnRef idx="1">
+            <a:schemeClr val="accent1"/>
+          </a:lnRef>
+          <a:fillRef idx="0">
+            <a:schemeClr val="accent1"/>
+          </a:fillRef>
+          <a:effectRef idx="0">
+            <a:schemeClr val="accent1"/>
+          </a:effectRef>
+          <a:fontRef idx="minor">
+            <a:schemeClr val="tx1"/>
+          </a:fontRef>
+        </p:style>
+      </p:cxnSp>
+      <p:cxnSp>
+        <p:nvCxnSpPr>
+          <p:cNvPr id="92" name="Straight Connector 91"/>
+          <p:cNvCxnSpPr/>
+          <p:nvPr/>
+        </p:nvCxnSpPr>
+        <p:spPr>
+          <a:xfrm>
+            <a:off x="4797425" y="2760980"/>
+            <a:ext cx="81915" cy="1270"/>
+          </a:xfrm>
+          <a:prstGeom prst="line">
+            <a:avLst/>
+          </a:prstGeom>
+          <a:ln w="12700">
+            <a:solidFill>
+              <a:schemeClr val="bg1">
+                <a:lumMod val="65000"/>
+              </a:schemeClr>
+            </a:solidFill>
+            <a:prstDash val="sysDot"/>
+            <a:headEnd type="none"/>
+            <a:tailEnd type="none" w="med" len="med"/>
+          </a:ln>
+        </p:spPr>
+        <p:style>
+          <a:lnRef idx="2">
+            <a:schemeClr val="accent4">
+              <a:shade val="50000"/>
+            </a:schemeClr>
+          </a:lnRef>
+          <a:fillRef idx="1">
+            <a:schemeClr val="accent4"/>
+          </a:fillRef>
+          <a:effectRef idx="0">
+            <a:schemeClr val="accent4"/>
+          </a:effectRef>
+          <a:fontRef idx="minor">
+            <a:schemeClr val="lt1"/>
+          </a:fontRef>
+        </p:style>
+      </p:cxnSp>
+      <p:cxnSp>
+        <p:nvCxnSpPr>
+          <p:cNvPr id="93" name="Straight Connector 92"/>
+          <p:cNvCxnSpPr/>
+          <p:nvPr/>
+        </p:nvCxnSpPr>
+        <p:spPr>
+          <a:xfrm flipH="1" flipV="1">
+            <a:off x="4688840" y="2760980"/>
+            <a:ext cx="104775" cy="1270"/>
+          </a:xfrm>
+          <a:prstGeom prst="line">
+            <a:avLst/>
+          </a:prstGeom>
+          <a:ln w="28575">
+            <a:solidFill>
+              <a:schemeClr val="accent2">
+                <a:lumMod val="60000"/>
+                <a:lumOff val="40000"/>
+              </a:schemeClr>
+            </a:solidFill>
+            <a:headEnd type="none"/>
+            <a:tailEnd type="none" w="med" len="med"/>
+          </a:ln>
+        </p:spPr>
+        <p:style>
+          <a:lnRef idx="1">
+            <a:schemeClr val="accent1"/>
+          </a:lnRef>
+          <a:fillRef idx="0">
+            <a:schemeClr val="accent1"/>
+          </a:fillRef>
+          <a:effectRef idx="0">
+            <a:schemeClr val="accent1"/>
+          </a:effectRef>
+          <a:fontRef idx="minor">
+            <a:schemeClr val="tx1"/>
+          </a:fontRef>
+        </p:style>
+      </p:cxnSp>
+      <p:cxnSp>
+        <p:nvCxnSpPr>
+          <p:cNvPr id="94" name="Straight Connector 93"/>
+          <p:cNvCxnSpPr/>
+          <p:nvPr/>
+        </p:nvCxnSpPr>
+        <p:spPr>
+          <a:xfrm flipH="1" flipV="1">
+            <a:off x="4883150" y="2759710"/>
+            <a:ext cx="104775" cy="1270"/>
+          </a:xfrm>
+          <a:prstGeom prst="line">
+            <a:avLst/>
+          </a:prstGeom>
+          <a:ln w="28575">
+            <a:solidFill>
+              <a:schemeClr val="accent2">
+                <a:lumMod val="60000"/>
+                <a:lumOff val="40000"/>
+              </a:schemeClr>
+            </a:solidFill>
+            <a:headEnd type="none"/>
+            <a:tailEnd type="none" w="med" len="med"/>
+          </a:ln>
+        </p:spPr>
+        <p:style>
+          <a:lnRef idx="1">
+            <a:schemeClr val="accent1"/>
+          </a:lnRef>
+          <a:fillRef idx="0">
+            <a:schemeClr val="accent1"/>
+          </a:fillRef>
+          <a:effectRef idx="0">
+            <a:schemeClr val="accent1"/>
+          </a:effectRef>
+          <a:fontRef idx="minor">
+            <a:schemeClr val="tx1"/>
+          </a:fontRef>
+        </p:style>
+      </p:cxnSp>
+      <p:cxnSp>
+        <p:nvCxnSpPr>
+          <p:cNvPr id="95" name="Straight Connector 94"/>
+          <p:cNvCxnSpPr/>
+          <p:nvPr/>
+        </p:nvCxnSpPr>
+        <p:spPr>
+          <a:xfrm flipV="1">
+            <a:off x="5298440" y="2764155"/>
+            <a:ext cx="161925" cy="1270"/>
+          </a:xfrm>
+          <a:prstGeom prst="line">
+            <a:avLst/>
+          </a:prstGeom>
+          <a:ln w="28575">
+            <a:solidFill>
+              <a:schemeClr val="tx1"/>
+            </a:solidFill>
+            <a:prstDash val="sysDot"/>
+            <a:headEnd type="none"/>
+            <a:tailEnd type="none" w="med" len="med"/>
+          </a:ln>
+        </p:spPr>
+        <p:style>
+          <a:lnRef idx="2">
+            <a:schemeClr val="accent4">
+              <a:shade val="50000"/>
+            </a:schemeClr>
+          </a:lnRef>
+          <a:fillRef idx="1">
+            <a:schemeClr val="accent4"/>
+          </a:fillRef>
+          <a:effectRef idx="0">
+            <a:schemeClr val="accent4"/>
+          </a:effectRef>
+          <a:fontRef idx="minor">
+            <a:schemeClr val="lt1"/>
+          </a:fontRef>
+        </p:style>
+      </p:cxnSp>
+      <p:cxnSp>
+        <p:nvCxnSpPr>
+          <p:cNvPr id="96" name="Straight Connector 95"/>
+          <p:cNvCxnSpPr/>
+          <p:nvPr/>
+        </p:nvCxnSpPr>
+        <p:spPr>
+          <a:xfrm flipH="1" flipV="1">
+            <a:off x="5125720" y="2762250"/>
+            <a:ext cx="104775" cy="1270"/>
+          </a:xfrm>
+          <a:prstGeom prst="line">
+            <a:avLst/>
+          </a:prstGeom>
+          <a:ln w="28575">
+            <a:solidFill>
+              <a:schemeClr val="accent2">
+                <a:lumMod val="60000"/>
+                <a:lumOff val="40000"/>
+              </a:schemeClr>
+            </a:solidFill>
+            <a:headEnd type="none"/>
+            <a:tailEnd type="none" w="med" len="med"/>
+          </a:ln>
+        </p:spPr>
+        <p:style>
+          <a:lnRef idx="1">
+            <a:schemeClr val="accent1"/>
+          </a:lnRef>
+          <a:fillRef idx="0">
+            <a:schemeClr val="accent1"/>
+          </a:fillRef>
+          <a:effectRef idx="0">
+            <a:schemeClr val="accent1"/>
+          </a:effectRef>
+          <a:fontRef idx="minor">
+            <a:schemeClr val="tx1"/>
+          </a:fontRef>
+        </p:style>
+      </p:cxnSp>
+      <p:cxnSp>
+        <p:nvCxnSpPr>
+          <p:cNvPr id="115" name="Straight Connector 114"/>
+          <p:cNvCxnSpPr/>
+          <p:nvPr/>
+        </p:nvCxnSpPr>
+        <p:spPr>
+          <a:xfrm>
+            <a:off x="2384425" y="2760980"/>
+            <a:ext cx="81915" cy="1270"/>
+          </a:xfrm>
+          <a:prstGeom prst="line">
+            <a:avLst/>
+          </a:prstGeom>
+          <a:ln w="12700">
+            <a:solidFill>
+              <a:schemeClr val="bg1">
+                <a:lumMod val="65000"/>
+              </a:schemeClr>
+            </a:solidFill>
+            <a:prstDash val="sysDot"/>
+            <a:headEnd type="none"/>
+            <a:tailEnd type="none" w="med" len="med"/>
+          </a:ln>
+        </p:spPr>
+        <p:style>
+          <a:lnRef idx="2">
+            <a:schemeClr val="accent4">
+              <a:shade val="50000"/>
+            </a:schemeClr>
+          </a:lnRef>
+          <a:fillRef idx="1">
+            <a:schemeClr val="accent4"/>
+          </a:fillRef>
+          <a:effectRef idx="0">
+            <a:schemeClr val="accent4"/>
+          </a:effectRef>
+          <a:fontRef idx="minor">
+            <a:schemeClr val="lt1"/>
+          </a:fontRef>
+        </p:style>
+      </p:cxnSp>
+      <p:sp>
+        <p:nvSpPr>
+          <p:cNvPr id="127" name="Oval 126"/>
+          <p:cNvSpPr/>
+          <p:nvPr/>
+        </p:nvSpPr>
+        <p:spPr>
+          <a:xfrm>
+            <a:off x="1620520" y="2659380"/>
+            <a:ext cx="210820" cy="210820"/>
+          </a:xfrm>
+          <a:prstGeom prst="ellipse">
+            <a:avLst/>
+          </a:prstGeom>
+          <a:solidFill>
+            <a:schemeClr val="accent1">
+              <a:lumMod val="20000"/>
+              <a:lumOff val="80000"/>
+            </a:schemeClr>
+          </a:solidFill>
+          <a:ln>
+            <a:solidFill>
+              <a:schemeClr val="accent1">
+                <a:lumMod val="60000"/>
+                <a:lumOff val="40000"/>
+              </a:schemeClr>
+            </a:solidFill>
+          </a:ln>
+        </p:spPr>
+        <p:style>
+          <a:lnRef idx="2">
+            <a:schemeClr val="accent3">
+              <a:shade val="50000"/>
+            </a:schemeClr>
+          </a:lnRef>
+          <a:fillRef idx="1">
+            <a:schemeClr val="accent3"/>
+          </a:fillRef>
+          <a:effectRef idx="0">
+            <a:schemeClr val="accent3"/>
+          </a:effectRef>
+          <a:fontRef idx="minor">
+            <a:schemeClr val="lt1"/>
+          </a:fontRef>
+        </p:style>
+        <p:txBody>
+          <a:bodyPr rtlCol="0" anchor="ctr"/>
+          <a:p>
+            <a:pPr algn="ctr"/>
+            <a:endParaRPr lang="en-US"/>
+          </a:p>
+        </p:txBody>
+      </p:sp>
+      <p:cxnSp>
+        <p:nvCxnSpPr>
+          <p:cNvPr id="128" name="Straight Connector 127"/>
+          <p:cNvCxnSpPr/>
+          <p:nvPr/>
+        </p:nvCxnSpPr>
+        <p:spPr>
+          <a:xfrm flipH="1">
+            <a:off x="1725295" y="2468880"/>
+            <a:ext cx="1270" cy="190500"/>
+          </a:xfrm>
+          <a:prstGeom prst="line">
+            <a:avLst/>
+          </a:prstGeom>
+          <a:solidFill>
+            <a:schemeClr val="accent1">
+              <a:lumMod val="20000"/>
+              <a:lumOff val="80000"/>
+            </a:schemeClr>
+          </a:solidFill>
+          <a:ln w="28575">
+            <a:solidFill>
+              <a:schemeClr val="accent1">
+                <a:lumMod val="60000"/>
+                <a:lumOff val="40000"/>
+              </a:schemeClr>
+            </a:solidFill>
+            <a:headEnd type="none"/>
+            <a:tailEnd type="none" w="med" len="med"/>
+          </a:ln>
+        </p:spPr>
+        <p:style>
+          <a:lnRef idx="1">
+            <a:schemeClr val="accent1"/>
+          </a:lnRef>
+          <a:fillRef idx="0">
+            <a:schemeClr val="accent1"/>
+          </a:fillRef>
+          <a:effectRef idx="0">
+            <a:schemeClr val="accent1"/>
+          </a:effectRef>
+          <a:fontRef idx="minor">
+            <a:schemeClr val="tx1"/>
+          </a:fontRef>
+        </p:style>
+      </p:cxnSp>
+      <p:sp>
+        <p:nvSpPr>
+          <p:cNvPr id="129" name="Text Box 128"/>
+          <p:cNvSpPr txBox="1"/>
+          <p:nvPr/>
+        </p:nvSpPr>
+        <p:spPr>
+          <a:xfrm>
+            <a:off x="1556385" y="2653030"/>
+            <a:ext cx="339090" cy="245110"/>
+          </a:xfrm>
+          <a:prstGeom prst="rect">
+            <a:avLst/>
+          </a:prstGeom>
+          <a:noFill/>
+        </p:spPr>
+        <p:txBody>
+          <a:bodyPr wrap="none" rtlCol="0">
+            <a:spAutoFit/>
+          </a:bodyPr>
+          <a:p>
+            <a:r>
+              <a:rPr lang="en-US" altLang="en-US" sz="1000">
+                <a:solidFill>
+                  <a:schemeClr val="bg1">
+                    <a:lumMod val="50000"/>
+                  </a:schemeClr>
+                </a:solidFill>
+                <a:latin typeface="DejaVu Math TeX Gyre" panose="02000503000000000000" charset="0"/>
+                <a:ea typeface="DejaVu Math TeX Gyre" panose="02000503000000000000" charset="0"/>
+              </a:rPr>
+              <a:t>Γ</a:t>
+            </a:r>
+            <a:r>
+              <a:rPr lang="" altLang="en-US" sz="1000" baseline="-25000">
+                <a:solidFill>
+                  <a:schemeClr val="bg1">
+                    <a:lumMod val="50000"/>
+                  </a:schemeClr>
+                </a:solidFill>
+                <a:latin typeface="DejaVu Math TeX Gyre" panose="02000503000000000000" charset="0"/>
+                <a:ea typeface="DejaVu Math TeX Gyre" panose="02000503000000000000" charset="0"/>
+              </a:rPr>
+              <a:t>B</a:t>
+            </a:r>
+            <a:endParaRPr lang="" altLang="en-US" sz="1000" baseline="-25000">
+              <a:solidFill>
+                <a:schemeClr val="bg1">
+                  <a:lumMod val="50000"/>
+                </a:schemeClr>
+              </a:solidFill>
+              <a:latin typeface="DejaVu Math TeX Gyre" panose="02000503000000000000" charset="0"/>
+              <a:ea typeface="DejaVu Math TeX Gyre" panose="02000503000000000000" charset="0"/>
+            </a:endParaRPr>
+          </a:p>
+        </p:txBody>
+      </p:sp>
+      <p:sp>
+        <p:nvSpPr>
+          <p:cNvPr id="130" name="Text Box 129"/>
+          <p:cNvSpPr txBox="1"/>
+          <p:nvPr/>
+        </p:nvSpPr>
+        <p:spPr>
+          <a:xfrm>
+            <a:off x="2042795" y="2487295"/>
+            <a:ext cx="335280" cy="245110"/>
+          </a:xfrm>
+          <a:prstGeom prst="rect">
+            <a:avLst/>
+          </a:prstGeom>
+          <a:noFill/>
+        </p:spPr>
+        <p:txBody>
+          <a:bodyPr wrap="none" rtlCol="0">
+            <a:spAutoFit/>
+          </a:bodyPr>
+          <a:p>
+            <a:r>
+              <a:rPr lang="en-US" altLang="en-US" sz="1000">
+                <a:solidFill>
+                  <a:schemeClr val="bg1">
+                    <a:lumMod val="50000"/>
+                  </a:schemeClr>
+                </a:solidFill>
+                <a:latin typeface="DejaVu Math TeX Gyre" panose="02000503000000000000" charset="0"/>
+                <a:ea typeface="DejaVu Math TeX Gyre" panose="02000503000000000000" charset="0"/>
+              </a:rPr>
+              <a:t>λ</a:t>
+            </a:r>
+            <a:r>
+              <a:rPr lang="" altLang="en-US" sz="1000" baseline="-25000">
+                <a:solidFill>
+                  <a:schemeClr val="bg1">
+                    <a:lumMod val="50000"/>
+                  </a:schemeClr>
+                </a:solidFill>
+                <a:latin typeface="DejaVu Math TeX Gyre" panose="02000503000000000000" charset="0"/>
+                <a:ea typeface="DejaVu Math TeX Gyre" panose="02000503000000000000" charset="0"/>
+              </a:rPr>
+              <a:t>B</a:t>
+            </a:r>
+            <a:endParaRPr lang="" altLang="en-US" sz="1000" baseline="-25000">
+              <a:solidFill>
+                <a:schemeClr val="bg1">
+                  <a:lumMod val="50000"/>
+                </a:schemeClr>
+              </a:solidFill>
+              <a:latin typeface="DejaVu Math TeX Gyre" panose="02000503000000000000" charset="0"/>
+              <a:ea typeface="DejaVu Math TeX Gyre" panose="02000503000000000000" charset="0"/>
+            </a:endParaRPr>
+          </a:p>
+        </p:txBody>
+      </p:sp>
+      <p:sp>
+        <p:nvSpPr>
+          <p:cNvPr id="131" name="Flowchart: Decision 130"/>
+          <p:cNvSpPr/>
+          <p:nvPr/>
+        </p:nvSpPr>
+        <p:spPr>
+          <a:xfrm>
+            <a:off x="2130425" y="2694940"/>
+            <a:ext cx="139700" cy="139700"/>
+          </a:xfrm>
+          <a:prstGeom prst="flowChartDecision">
+            <a:avLst/>
+          </a:prstGeom>
+          <a:solidFill>
+            <a:schemeClr val="accent1">
+              <a:lumMod val="20000"/>
+              <a:lumOff val="80000"/>
+            </a:schemeClr>
+          </a:solidFill>
+          <a:ln>
+            <a:solidFill>
+              <a:schemeClr val="accent1">
+                <a:lumMod val="60000"/>
+                <a:lumOff val="40000"/>
+              </a:schemeClr>
+            </a:solidFill>
+          </a:ln>
+        </p:spPr>
+        <p:style>
+          <a:lnRef idx="2">
+            <a:schemeClr val="accent3">
+              <a:shade val="50000"/>
+            </a:schemeClr>
+          </a:lnRef>
+          <a:fillRef idx="1">
+            <a:schemeClr val="accent3"/>
+          </a:fillRef>
+          <a:effectRef idx="0">
+            <a:schemeClr val="accent3"/>
+          </a:effectRef>
+          <a:fontRef idx="minor">
+            <a:schemeClr val="lt1"/>
+          </a:fontRef>
+        </p:style>
+        <p:txBody>
+          <a:bodyPr rtlCol="0" anchor="ctr"/>
+          <a:p>
+            <a:pPr algn="ctr"/>
+            <a:endParaRPr lang="en-US"/>
+          </a:p>
+        </p:txBody>
+      </p:sp>
+      <p:cxnSp>
+        <p:nvCxnSpPr>
+          <p:cNvPr id="132" name="Straight Connector 131"/>
+          <p:cNvCxnSpPr/>
+          <p:nvPr/>
+        </p:nvCxnSpPr>
+        <p:spPr>
+          <a:xfrm flipH="1" flipV="1">
+            <a:off x="1515745" y="2762250"/>
+            <a:ext cx="104775" cy="1270"/>
+          </a:xfrm>
+          <a:prstGeom prst="line">
+            <a:avLst/>
+          </a:prstGeom>
+          <a:ln w="28575">
+            <a:solidFill>
+              <a:schemeClr val="accent2">
+                <a:lumMod val="60000"/>
+                <a:lumOff val="40000"/>
+              </a:schemeClr>
+            </a:solidFill>
+            <a:headEnd type="none"/>
+            <a:tailEnd type="none" w="med" len="med"/>
+          </a:ln>
+        </p:spPr>
+        <p:style>
+          <a:lnRef idx="1">
+            <a:schemeClr val="accent1"/>
+          </a:lnRef>
+          <a:fillRef idx="0">
+            <a:schemeClr val="accent1"/>
+          </a:fillRef>
+          <a:effectRef idx="0">
+            <a:schemeClr val="accent1"/>
+          </a:effectRef>
+          <a:fontRef idx="minor">
+            <a:schemeClr val="tx1"/>
+          </a:fontRef>
+        </p:style>
+      </p:cxnSp>
+      <p:cxnSp>
+        <p:nvCxnSpPr>
+          <p:cNvPr id="133" name="Straight Connector 132"/>
+          <p:cNvCxnSpPr/>
+          <p:nvPr/>
+        </p:nvCxnSpPr>
+        <p:spPr>
+          <a:xfrm>
+            <a:off x="1939925" y="2760980"/>
+            <a:ext cx="81915" cy="1270"/>
+          </a:xfrm>
+          <a:prstGeom prst="line">
+            <a:avLst/>
+          </a:prstGeom>
+          <a:ln w="12700">
+            <a:solidFill>
+              <a:schemeClr val="bg1">
+                <a:lumMod val="65000"/>
+              </a:schemeClr>
+            </a:solidFill>
+            <a:prstDash val="sysDot"/>
+            <a:headEnd type="none"/>
+            <a:tailEnd type="none" w="med" len="med"/>
+          </a:ln>
+        </p:spPr>
+        <p:style>
+          <a:lnRef idx="2">
+            <a:schemeClr val="accent4">
+              <a:shade val="50000"/>
+            </a:schemeClr>
+          </a:lnRef>
+          <a:fillRef idx="1">
+            <a:schemeClr val="accent4"/>
+          </a:fillRef>
+          <a:effectRef idx="0">
+            <a:schemeClr val="accent4"/>
+          </a:effectRef>
+          <a:fontRef idx="minor">
+            <a:schemeClr val="lt1"/>
+          </a:fontRef>
+        </p:style>
+      </p:cxnSp>
+      <p:cxnSp>
+        <p:nvCxnSpPr>
+          <p:cNvPr id="134" name="Straight Connector 133"/>
+          <p:cNvCxnSpPr/>
+          <p:nvPr/>
+        </p:nvCxnSpPr>
+        <p:spPr>
+          <a:xfrm flipH="1" flipV="1">
+            <a:off x="1831340" y="2760980"/>
+            <a:ext cx="104775" cy="1270"/>
+          </a:xfrm>
+          <a:prstGeom prst="line">
+            <a:avLst/>
+          </a:prstGeom>
+          <a:ln w="28575">
+            <a:solidFill>
+              <a:schemeClr val="accent2">
+                <a:lumMod val="60000"/>
+                <a:lumOff val="40000"/>
+              </a:schemeClr>
+            </a:solidFill>
+            <a:headEnd type="none"/>
+            <a:tailEnd type="none" w="med" len="med"/>
+          </a:ln>
+        </p:spPr>
+        <p:style>
+          <a:lnRef idx="1">
+            <a:schemeClr val="accent1"/>
+          </a:lnRef>
+          <a:fillRef idx="0">
+            <a:schemeClr val="accent1"/>
+          </a:fillRef>
+          <a:effectRef idx="0">
+            <a:schemeClr val="accent1"/>
+          </a:effectRef>
+          <a:fontRef idx="minor">
+            <a:schemeClr val="tx1"/>
+          </a:fontRef>
+        </p:style>
+      </p:cxnSp>
+      <p:cxnSp>
+        <p:nvCxnSpPr>
+          <p:cNvPr id="135" name="Straight Connector 134"/>
+          <p:cNvCxnSpPr/>
+          <p:nvPr/>
+        </p:nvCxnSpPr>
+        <p:spPr>
+          <a:xfrm flipH="1" flipV="1">
+            <a:off x="2025650" y="2759710"/>
+            <a:ext cx="104775" cy="1270"/>
+          </a:xfrm>
+          <a:prstGeom prst="line">
+            <a:avLst/>
+          </a:prstGeom>
+          <a:ln w="28575">
+            <a:solidFill>
+              <a:schemeClr val="accent2">
+                <a:lumMod val="60000"/>
+                <a:lumOff val="40000"/>
+              </a:schemeClr>
+            </a:solidFill>
+            <a:headEnd type="none"/>
+            <a:tailEnd type="none" w="med" len="med"/>
+          </a:ln>
+        </p:spPr>
+        <p:style>
+          <a:lnRef idx="1">
+            <a:schemeClr val="accent1"/>
+          </a:lnRef>
+          <a:fillRef idx="0">
+            <a:schemeClr val="accent1"/>
+          </a:fillRef>
+          <a:effectRef idx="0">
+            <a:schemeClr val="accent1"/>
+          </a:effectRef>
+          <a:fontRef idx="minor">
+            <a:schemeClr val="tx1"/>
+          </a:fontRef>
+        </p:style>
+      </p:cxnSp>
+      <p:cxnSp>
+        <p:nvCxnSpPr>
+          <p:cNvPr id="136" name="Straight Connector 135"/>
+          <p:cNvCxnSpPr/>
+          <p:nvPr/>
+        </p:nvCxnSpPr>
+        <p:spPr>
+          <a:xfrm flipH="1" flipV="1">
+            <a:off x="2268220" y="2762250"/>
+            <a:ext cx="104775" cy="1270"/>
+          </a:xfrm>
+          <a:prstGeom prst="line">
+            <a:avLst/>
+          </a:prstGeom>
+          <a:ln w="28575">
+            <a:solidFill>
+              <a:schemeClr val="accent2">
+                <a:lumMod val="60000"/>
+                <a:lumOff val="40000"/>
+              </a:schemeClr>
+            </a:solidFill>
+            <a:headEnd type="none"/>
+            <a:tailEnd type="none" w="med" len="med"/>
+          </a:ln>
+        </p:spPr>
+        <p:style>
+          <a:lnRef idx="1">
+            <a:schemeClr val="accent1"/>
+          </a:lnRef>
+          <a:fillRef idx="0">
+            <a:schemeClr val="accent1"/>
+          </a:fillRef>
+          <a:effectRef idx="0">
+            <a:schemeClr val="accent1"/>
+          </a:effectRef>
+          <a:fontRef idx="minor">
+            <a:schemeClr val="tx1"/>
+          </a:fontRef>
+        </p:style>
+      </p:cxnSp>
+      <p:cxnSp>
+        <p:nvCxnSpPr>
+          <p:cNvPr id="137" name="Straight Connector 136"/>
+          <p:cNvCxnSpPr/>
+          <p:nvPr/>
+        </p:nvCxnSpPr>
+        <p:spPr>
+          <a:xfrm>
+            <a:off x="4287520" y="2766060"/>
+            <a:ext cx="81915" cy="1270"/>
+          </a:xfrm>
+          <a:prstGeom prst="line">
+            <a:avLst/>
+          </a:prstGeom>
+          <a:ln w="12700">
+            <a:solidFill>
+              <a:schemeClr val="bg1">
+                <a:lumMod val="65000"/>
+              </a:schemeClr>
+            </a:solidFill>
+            <a:prstDash val="sysDot"/>
+            <a:headEnd type="none"/>
+            <a:tailEnd type="none" w="med" len="med"/>
+          </a:ln>
+        </p:spPr>
+        <p:style>
+          <a:lnRef idx="2">
+            <a:schemeClr val="accent4">
+              <a:shade val="50000"/>
+            </a:schemeClr>
+          </a:lnRef>
+          <a:fillRef idx="1">
+            <a:schemeClr val="accent4"/>
+          </a:fillRef>
+          <a:effectRef idx="0">
+            <a:schemeClr val="accent4"/>
+          </a:effectRef>
+          <a:fontRef idx="minor">
+            <a:schemeClr val="lt1"/>
+          </a:fontRef>
+        </p:style>
+      </p:cxnSp>
+      <p:cxnSp>
+        <p:nvCxnSpPr>
+          <p:cNvPr id="138" name="Straight Connector 137"/>
+          <p:cNvCxnSpPr/>
+          <p:nvPr/>
+        </p:nvCxnSpPr>
+        <p:spPr>
+          <a:xfrm flipV="1">
+            <a:off x="1285240" y="2761615"/>
+            <a:ext cx="161925" cy="1270"/>
+          </a:xfrm>
+          <a:prstGeom prst="line">
+            <a:avLst/>
+          </a:prstGeom>
+          <a:ln w="28575">
+            <a:solidFill>
+              <a:schemeClr val="tx1"/>
+            </a:solidFill>
+            <a:prstDash val="sysDot"/>
+            <a:headEnd type="none"/>
+            <a:tailEnd type="none" w="med" len="med"/>
+          </a:ln>
+        </p:spPr>
+        <p:style>
+          <a:lnRef idx="2">
+            <a:schemeClr val="accent4">
+              <a:shade val="50000"/>
+            </a:schemeClr>
+          </a:lnRef>
+          <a:fillRef idx="1">
+            <a:schemeClr val="accent4"/>
+          </a:fillRef>
+          <a:effectRef idx="0">
+            <a:schemeClr val="accent4"/>
+          </a:effectRef>
+          <a:fontRef idx="minor">
+            <a:schemeClr val="lt1"/>
+          </a:fontRef>
+        </p:style>
+      </p:cxnSp>
+      <p:sp>
+        <p:nvSpPr>
+          <p:cNvPr id="139" name="Rectangle 138"/>
+          <p:cNvSpPr/>
+          <p:nvPr/>
+        </p:nvSpPr>
+        <p:spPr>
+          <a:xfrm>
+            <a:off x="2512060" y="2372995"/>
+            <a:ext cx="1722120" cy="633730"/>
+          </a:xfrm>
+          <a:prstGeom prst="rect">
+            <a:avLst/>
+          </a:prstGeom>
+          <a:noFill/>
+          <a:ln w="9525">
+            <a:solidFill>
+              <a:srgbClr val="C00000"/>
+            </a:solidFill>
+            <a:prstDash val="dash"/>
+          </a:ln>
+          <a:extLst>
+            <a:ext uri="{909E8E84-426E-40DD-AFC4-6F175D3DCCD1}">
+              <a14:hiddenFill xmlns:a14="http://schemas.microsoft.com/office/drawing/2010/main">
+                <a:solidFill>
+                  <a:schemeClr val="accent1"/>
+                </a:solidFill>
+              </a14:hiddenFill>
+            </a:ext>
+          </a:extLst>
+        </p:spPr>
+        <p:style>
+          <a:lnRef idx="2">
+            <a:schemeClr val="accent1">
+              <a:shade val="50000"/>
+            </a:schemeClr>
+          </a:lnRef>
+          <a:fillRef idx="1">
+            <a:schemeClr val="accent1"/>
+          </a:fillRef>
+          <a:effectRef idx="0">
+            <a:schemeClr val="accent1"/>
+          </a:effectRef>
+          <a:fontRef idx="minor">
+            <a:schemeClr val="lt1"/>
+          </a:fontRef>
+        </p:style>
+        <p:txBody>
+          <a:bodyPr rtlCol="0" anchor="ctr"/>
+          <a:p>
+            <a:pPr algn="ctr"/>
+            <a:endParaRPr lang="en-US"/>
           </a:p>
         </p:txBody>
       </p:sp>

--- a/material/material.pptx
+++ b/material/material.pptx
@@ -5,10 +5,10 @@
     <p:sldMasterId id="2147483648" r:id="rId1"/>
   </p:sldMasterIdLst>
   <p:notesMasterIdLst>
-    <p:notesMasterId r:id="rId8"/>
+    <p:notesMasterId r:id="rId9"/>
   </p:notesMasterIdLst>
   <p:handoutMasterIdLst>
-    <p:handoutMasterId r:id="rId9"/>
+    <p:handoutMasterId r:id="rId10"/>
   </p:handoutMasterIdLst>
   <p:sldIdLst>
     <p:sldId id="256" r:id="rId3"/>
@@ -16,6 +16,7 @@
     <p:sldId id="258" r:id="rId5"/>
     <p:sldId id="259" r:id="rId6"/>
     <p:sldId id="260" r:id="rId7"/>
+    <p:sldId id="261" r:id="rId8"/>
   </p:sldIdLst>
   <p:sldSz cx="12192000" cy="6858000"/>
   <p:notesSz cx="7103745" cy="10234295"/>
@@ -620,6 +621,50 @@
     </a:lvl9pPr>
   </p:notesStyle>
 </p:notesMaster>
+</file>
+
+<file path=ppt/notesSlides/notesSlide1.xml><?xml version="1.0" encoding="utf-8"?>
+<p:notes xmlns:a="http://schemas.openxmlformats.org/drawingml/2006/main" xmlns:r="http://schemas.openxmlformats.org/officeDocument/2006/relationships" xmlns:p="http://schemas.openxmlformats.org/presentationml/2006/main">
+  <p:cSld>
+    <p:spTree>
+      <p:nvGrpSpPr>
+        <p:cNvPr id="1" name=""/>
+        <p:cNvGrpSpPr/>
+        <p:nvPr/>
+      </p:nvGrpSpPr>
+      <p:grpSpPr/>
+      <p:sp>
+        <p:nvSpPr>
+          <p:cNvPr id="2" name="Slide Image Placeholder 1"/>
+          <p:cNvSpPr/>
+          <p:nvPr>
+            <p:ph type="sldImg" idx="2"/>
+          </p:nvPr>
+        </p:nvSpPr>
+        <p:spPr/>
+      </p:sp>
+      <p:sp>
+        <p:nvSpPr>
+          <p:cNvPr id="3" name="Text Placeholder 2"/>
+          <p:cNvSpPr/>
+          <p:nvPr>
+            <p:ph type="body" idx="3"/>
+          </p:nvPr>
+        </p:nvSpPr>
+        <p:spPr/>
+        <p:txBody>
+          <a:bodyPr/>
+          <a:p>
+            <a:endParaRPr lang="en-US"/>
+          </a:p>
+        </p:txBody>
+      </p:sp>
+    </p:spTree>
+  </p:cSld>
+  <p:clrMapOvr>
+    <a:masterClrMapping/>
+  </p:clrMapOvr>
+</p:notes>
 </file>
 
 <file path=ppt/slideLayouts/slideLayout1.xml><?xml version="1.0" encoding="utf-8"?>
@@ -7415,13 +7460,13 @@
               <a:t>Γ</a:t>
             </a:r>
             <a:r>
-              <a:rPr lang="" altLang="en-US" sz="1000" baseline="-25000">
+              <a:rPr lang="en-US" altLang="en-US" sz="1000" baseline="-25000">
                 <a:latin typeface="DejaVu Math TeX Gyre" panose="02000503000000000000" charset="0"/>
                 <a:ea typeface="DejaVu Math TeX Gyre" panose="02000503000000000000" charset="0"/>
               </a:rPr>
               <a:t>A</a:t>
             </a:r>
-            <a:endParaRPr lang="" altLang="en-US" sz="1000" baseline="-25000">
+            <a:endParaRPr lang="en-US" altLang="en-US" sz="1000" baseline="-25000">
               <a:latin typeface="DejaVu Math TeX Gyre" panose="02000503000000000000" charset="0"/>
               <a:ea typeface="DejaVu Math TeX Gyre" panose="02000503000000000000" charset="0"/>
             </a:endParaRPr>
@@ -7457,13 +7502,13 @@
               <a:t>λ</a:t>
             </a:r>
             <a:r>
-              <a:rPr lang="" altLang="en-US" sz="1000" baseline="-25000">
+              <a:rPr lang="en-US" altLang="en-US" sz="1000" baseline="-25000">
                 <a:latin typeface="DejaVu Math TeX Gyre" panose="02000503000000000000" charset="0"/>
                 <a:ea typeface="DejaVu Math TeX Gyre" panose="02000503000000000000" charset="0"/>
               </a:rPr>
               <a:t>A</a:t>
             </a:r>
-            <a:endParaRPr lang="" altLang="en-US" sz="1000" baseline="-25000">
+            <a:endParaRPr lang="en-US" altLang="en-US" sz="1000" baseline="-25000">
               <a:latin typeface="DejaVu Math TeX Gyre" panose="02000503000000000000" charset="0"/>
               <a:ea typeface="DejaVu Math TeX Gyre" panose="02000503000000000000" charset="0"/>
             </a:endParaRPr>
@@ -7889,13 +7934,13 @@
               <a:t>Γ</a:t>
             </a:r>
             <a:r>
-              <a:rPr lang="" altLang="en-US" sz="1000" baseline="-25000">
+              <a:rPr lang="en-US" altLang="en-US" sz="1000" baseline="-25000">
                 <a:latin typeface="DejaVu Math TeX Gyre" panose="02000503000000000000" charset="0"/>
                 <a:ea typeface="DejaVu Math TeX Gyre" panose="02000503000000000000" charset="0"/>
               </a:rPr>
               <a:t>B</a:t>
             </a:r>
-            <a:endParaRPr lang="" altLang="en-US" sz="1000" baseline="-25000">
+            <a:endParaRPr lang="en-US" altLang="en-US" sz="1000" baseline="-25000">
               <a:latin typeface="DejaVu Math TeX Gyre" panose="02000503000000000000" charset="0"/>
               <a:ea typeface="DejaVu Math TeX Gyre" panose="02000503000000000000" charset="0"/>
             </a:endParaRPr>
@@ -7931,13 +7976,13 @@
               <a:t>λ</a:t>
             </a:r>
             <a:r>
-              <a:rPr lang="" altLang="en-US" sz="1000" baseline="-25000">
+              <a:rPr lang="en-US" altLang="en-US" sz="1000" baseline="-25000">
                 <a:latin typeface="DejaVu Math TeX Gyre" panose="02000503000000000000" charset="0"/>
                 <a:ea typeface="DejaVu Math TeX Gyre" panose="02000503000000000000" charset="0"/>
               </a:rPr>
               <a:t>B</a:t>
             </a:r>
-            <a:endParaRPr lang="" altLang="en-US" sz="1000" baseline="-25000">
+            <a:endParaRPr lang="en-US" altLang="en-US" sz="1000" baseline="-25000">
               <a:latin typeface="DejaVu Math TeX Gyre" panose="02000503000000000000" charset="0"/>
               <a:ea typeface="DejaVu Math TeX Gyre" panose="02000503000000000000" charset="0"/>
             </a:endParaRPr>
@@ -8819,7 +8864,7 @@
               <a:t>Γ</a:t>
             </a:r>
             <a:r>
-              <a:rPr lang="" altLang="en-US" sz="1000" baseline="-25000">
+              <a:rPr lang="en-US" altLang="en-US" sz="1000" baseline="-25000">
                 <a:solidFill>
                   <a:schemeClr val="bg1">
                     <a:lumMod val="50000"/>
@@ -8830,7 +8875,7 @@
               </a:rPr>
               <a:t>B</a:t>
             </a:r>
-            <a:endParaRPr lang="" altLang="en-US" sz="1000" baseline="-25000">
+            <a:endParaRPr lang="en-US" altLang="en-US" sz="1000" baseline="-25000">
               <a:solidFill>
                 <a:schemeClr val="bg1">
                   <a:lumMod val="50000"/>
@@ -8876,7 +8921,7 @@
               <a:t>λ</a:t>
             </a:r>
             <a:r>
-              <a:rPr lang="" altLang="en-US" sz="1000" baseline="-25000">
+              <a:rPr lang="en-US" altLang="en-US" sz="1000" baseline="-25000">
                 <a:solidFill>
                   <a:schemeClr val="bg1">
                     <a:lumMod val="50000"/>
@@ -8887,7 +8932,7 @@
               </a:rPr>
               <a:t>B</a:t>
             </a:r>
-            <a:endParaRPr lang="" altLang="en-US" sz="1000" baseline="-25000">
+            <a:endParaRPr lang="en-US" altLang="en-US" sz="1000" baseline="-25000">
               <a:solidFill>
                 <a:schemeClr val="bg1">
                   <a:lumMod val="50000"/>
@@ -9288,6 +9333,4942 @@
           <a:p>
             <a:pPr algn="ctr"/>
             <a:endParaRPr lang="en-US"/>
+          </a:p>
+        </p:txBody>
+      </p:sp>
+    </p:spTree>
+  </p:cSld>
+  <p:clrMapOvr>
+    <a:masterClrMapping/>
+  </p:clrMapOvr>
+</p:sld>
+</file>
+
+<file path=ppt/slides/slide6.xml><?xml version="1.0" encoding="utf-8"?>
+<p:sld xmlns:a="http://schemas.openxmlformats.org/drawingml/2006/main" xmlns:r="http://schemas.openxmlformats.org/officeDocument/2006/relationships" xmlns:p="http://schemas.openxmlformats.org/presentationml/2006/main">
+  <p:cSld>
+    <p:spTree>
+      <p:nvGrpSpPr>
+        <p:cNvPr id="1" name=""/>
+        <p:cNvGrpSpPr/>
+        <p:nvPr/>
+      </p:nvGrpSpPr>
+      <p:grpSpPr/>
+      <p:grpSp>
+        <p:nvGrpSpPr>
+          <p:cNvPr id="109" name="Group 108"/>
+          <p:cNvGrpSpPr/>
+          <p:nvPr/>
+        </p:nvGrpSpPr>
+        <p:grpSpPr>
+          <a:xfrm>
+            <a:off x="6948170" y="936625"/>
+            <a:ext cx="1721485" cy="1236980"/>
+            <a:chOff x="3387" y="3160"/>
+            <a:chExt cx="2711" cy="1948"/>
+          </a:xfrm>
+        </p:grpSpPr>
+        <p:grpSp>
+          <p:nvGrpSpPr>
+            <p:cNvPr id="54" name="Group 53"/>
+            <p:cNvGrpSpPr/>
+            <p:nvPr/>
+          </p:nvGrpSpPr>
+          <p:grpSpPr>
+            <a:xfrm>
+              <a:off x="3387" y="4465"/>
+              <a:ext cx="690" cy="547"/>
+              <a:chOff x="3161" y="4501"/>
+              <a:chExt cx="690" cy="547"/>
+            </a:xfrm>
+          </p:grpSpPr>
+          <p:sp>
+            <p:nvSpPr>
+              <p:cNvPr id="38" name="Text Box 37"/>
+              <p:cNvSpPr txBox="1"/>
+              <p:nvPr/>
+            </p:nvSpPr>
+            <p:spPr>
+              <a:xfrm>
+                <a:off x="3323" y="4501"/>
+                <a:ext cx="528" cy="386"/>
+              </a:xfrm>
+              <a:prstGeom prst="rect">
+                <a:avLst/>
+              </a:prstGeom>
+              <a:noFill/>
+            </p:spPr>
+            <p:txBody>
+              <a:bodyPr wrap="none" rtlCol="0">
+                <a:spAutoFit/>
+              </a:bodyPr>
+              <a:p>
+                <a:r>
+                  <a:rPr lang="en-US" altLang="en-US" sz="1000">
+                    <a:solidFill>
+                      <a:schemeClr val="bg1">
+                        <a:lumMod val="50000"/>
+                      </a:schemeClr>
+                    </a:solidFill>
+                    <a:latin typeface="DejaVu Math TeX Gyre" panose="02000503000000000000" charset="0"/>
+                    <a:ea typeface="DejaVu Math TeX Gyre" panose="02000503000000000000" charset="0"/>
+                  </a:rPr>
+                  <a:t>λ</a:t>
+                </a:r>
+                <a:r>
+                  <a:rPr lang="en-US" altLang="en-US" sz="1000" baseline="-25000">
+                    <a:solidFill>
+                      <a:schemeClr val="bg1">
+                        <a:lumMod val="50000"/>
+                      </a:schemeClr>
+                    </a:solidFill>
+                    <a:latin typeface="DejaVu Math TeX Gyre" panose="02000503000000000000" charset="0"/>
+                    <a:ea typeface="DejaVu Math TeX Gyre" panose="02000503000000000000" charset="0"/>
+                  </a:rPr>
+                  <a:t>B</a:t>
+                </a:r>
+                <a:endParaRPr lang="en-US" altLang="en-US" sz="1000" baseline="-25000">
+                  <a:solidFill>
+                    <a:schemeClr val="bg1">
+                      <a:lumMod val="50000"/>
+                    </a:schemeClr>
+                  </a:solidFill>
+                  <a:latin typeface="DejaVu Math TeX Gyre" panose="02000503000000000000" charset="0"/>
+                  <a:ea typeface="DejaVu Math TeX Gyre" panose="02000503000000000000" charset="0"/>
+                </a:endParaRPr>
+              </a:p>
+            </p:txBody>
+          </p:sp>
+          <p:sp>
+            <p:nvSpPr>
+              <p:cNvPr id="39" name="Flowchart: Decision 38"/>
+              <p:cNvSpPr/>
+              <p:nvPr/>
+            </p:nvSpPr>
+            <p:spPr>
+              <a:xfrm>
+                <a:off x="3461" y="4828"/>
+                <a:ext cx="220" cy="220"/>
+              </a:xfrm>
+              <a:prstGeom prst="flowChartDecision">
+                <a:avLst/>
+              </a:prstGeom>
+              <a:solidFill>
+                <a:schemeClr val="accent1">
+                  <a:lumMod val="20000"/>
+                  <a:lumOff val="80000"/>
+                </a:schemeClr>
+              </a:solidFill>
+              <a:ln>
+                <a:solidFill>
+                  <a:schemeClr val="accent1">
+                    <a:lumMod val="60000"/>
+                    <a:lumOff val="40000"/>
+                  </a:schemeClr>
+                </a:solidFill>
+              </a:ln>
+            </p:spPr>
+            <p:style>
+              <a:lnRef idx="2">
+                <a:schemeClr val="accent3">
+                  <a:shade val="50000"/>
+                </a:schemeClr>
+              </a:lnRef>
+              <a:fillRef idx="1">
+                <a:schemeClr val="accent3"/>
+              </a:fillRef>
+              <a:effectRef idx="0">
+                <a:schemeClr val="accent3"/>
+              </a:effectRef>
+              <a:fontRef idx="minor">
+                <a:schemeClr val="lt1"/>
+              </a:fontRef>
+            </p:style>
+            <p:txBody>
+              <a:bodyPr rtlCol="0" anchor="ctr"/>
+              <a:p>
+                <a:pPr algn="ctr"/>
+                <a:endParaRPr lang="en-US"/>
+              </a:p>
+            </p:txBody>
+          </p:sp>
+          <p:cxnSp>
+            <p:nvCxnSpPr>
+              <p:cNvPr id="40" name="Straight Connector 39"/>
+              <p:cNvCxnSpPr/>
+              <p:nvPr/>
+            </p:nvCxnSpPr>
+            <p:spPr>
+              <a:xfrm>
+                <a:off x="3161" y="4932"/>
+                <a:ext cx="129" cy="2"/>
+              </a:xfrm>
+              <a:prstGeom prst="line">
+                <a:avLst/>
+              </a:prstGeom>
+              <a:ln w="12700">
+                <a:solidFill>
+                  <a:schemeClr val="bg1">
+                    <a:lumMod val="65000"/>
+                  </a:schemeClr>
+                </a:solidFill>
+                <a:prstDash val="sysDot"/>
+                <a:headEnd type="none"/>
+                <a:tailEnd type="none" w="med" len="med"/>
+              </a:ln>
+            </p:spPr>
+            <p:style>
+              <a:lnRef idx="2">
+                <a:schemeClr val="accent4">
+                  <a:shade val="50000"/>
+                </a:schemeClr>
+              </a:lnRef>
+              <a:fillRef idx="1">
+                <a:schemeClr val="accent4"/>
+              </a:fillRef>
+              <a:effectRef idx="0">
+                <a:schemeClr val="accent4"/>
+              </a:effectRef>
+              <a:fontRef idx="minor">
+                <a:schemeClr val="lt1"/>
+              </a:fontRef>
+            </p:style>
+          </p:cxnSp>
+          <p:cxnSp>
+            <p:nvCxnSpPr>
+              <p:cNvPr id="41" name="Straight Connector 40"/>
+              <p:cNvCxnSpPr/>
+              <p:nvPr/>
+            </p:nvCxnSpPr>
+            <p:spPr>
+              <a:xfrm flipH="1" flipV="1">
+                <a:off x="3296" y="4930"/>
+                <a:ext cx="165" cy="2"/>
+              </a:xfrm>
+              <a:prstGeom prst="line">
+                <a:avLst/>
+              </a:prstGeom>
+              <a:ln w="28575">
+                <a:solidFill>
+                  <a:schemeClr val="accent2">
+                    <a:lumMod val="60000"/>
+                    <a:lumOff val="40000"/>
+                  </a:schemeClr>
+                </a:solidFill>
+                <a:headEnd type="none"/>
+                <a:tailEnd type="none" w="med" len="med"/>
+              </a:ln>
+            </p:spPr>
+            <p:style>
+              <a:lnRef idx="1">
+                <a:schemeClr val="accent1"/>
+              </a:lnRef>
+              <a:fillRef idx="0">
+                <a:schemeClr val="accent1"/>
+              </a:fillRef>
+              <a:effectRef idx="0">
+                <a:schemeClr val="accent1"/>
+              </a:effectRef>
+              <a:fontRef idx="minor">
+                <a:schemeClr val="tx1"/>
+              </a:fontRef>
+            </p:style>
+          </p:cxnSp>
+        </p:grpSp>
+        <p:sp>
+          <p:nvSpPr>
+            <p:cNvPr id="3" name="Rounded Rectangle 2"/>
+            <p:cNvSpPr/>
+            <p:nvPr/>
+          </p:nvSpPr>
+          <p:spPr>
+            <a:xfrm>
+              <a:off x="4072" y="3460"/>
+              <a:ext cx="1305" cy="674"/>
+            </a:xfrm>
+            <a:prstGeom prst="roundRect">
+              <a:avLst/>
+            </a:prstGeom>
+            <a:ln w="19050"/>
+          </p:spPr>
+          <p:style>
+            <a:lnRef idx="2">
+              <a:schemeClr val="accent4">
+                <a:shade val="50000"/>
+              </a:schemeClr>
+            </a:lnRef>
+            <a:fillRef idx="1">
+              <a:schemeClr val="accent4"/>
+            </a:fillRef>
+            <a:effectRef idx="0">
+              <a:schemeClr val="accent4"/>
+            </a:effectRef>
+            <a:fontRef idx="minor">
+              <a:schemeClr val="lt1"/>
+            </a:fontRef>
+          </p:style>
+          <p:txBody>
+            <a:bodyPr rtlCol="0" anchor="ctr"/>
+            <a:p>
+              <a:pPr algn="ctr"/>
+              <a:endParaRPr lang="en-US"/>
+            </a:p>
+          </p:txBody>
+        </p:sp>
+        <p:cxnSp>
+          <p:nvCxnSpPr>
+            <p:cNvPr id="4" name="Straight Connector 3"/>
+            <p:cNvCxnSpPr/>
+            <p:nvPr/>
+          </p:nvCxnSpPr>
+          <p:spPr>
+            <a:xfrm flipH="1">
+              <a:off x="4235" y="3160"/>
+              <a:ext cx="2" cy="300"/>
+            </a:xfrm>
+            <a:prstGeom prst="line">
+              <a:avLst/>
+            </a:prstGeom>
+            <a:ln w="28575">
+              <a:solidFill>
+                <a:schemeClr val="accent4">
+                  <a:lumMod val="75000"/>
+                </a:schemeClr>
+              </a:solidFill>
+              <a:headEnd type="none"/>
+              <a:tailEnd type="none" w="med" len="med"/>
+            </a:ln>
+          </p:spPr>
+          <p:style>
+            <a:lnRef idx="1">
+              <a:schemeClr val="accent1"/>
+            </a:lnRef>
+            <a:fillRef idx="0">
+              <a:schemeClr val="accent1"/>
+            </a:fillRef>
+            <a:effectRef idx="0">
+              <a:schemeClr val="accent1"/>
+            </a:effectRef>
+            <a:fontRef idx="minor">
+              <a:schemeClr val="tx1"/>
+            </a:fontRef>
+          </p:style>
+        </p:cxnSp>
+        <p:cxnSp>
+          <p:nvCxnSpPr>
+            <p:cNvPr id="5" name="Straight Connector 4"/>
+            <p:cNvCxnSpPr/>
+            <p:nvPr/>
+          </p:nvCxnSpPr>
+          <p:spPr>
+            <a:xfrm flipH="1">
+              <a:off x="5210" y="3160"/>
+              <a:ext cx="2" cy="300"/>
+            </a:xfrm>
+            <a:prstGeom prst="line">
+              <a:avLst/>
+            </a:prstGeom>
+            <a:ln w="28575">
+              <a:solidFill>
+                <a:schemeClr val="accent4">
+                  <a:lumMod val="75000"/>
+                </a:schemeClr>
+              </a:solidFill>
+              <a:headEnd type="none"/>
+              <a:tailEnd type="none" w="med" len="med"/>
+            </a:ln>
+          </p:spPr>
+          <p:style>
+            <a:lnRef idx="1">
+              <a:schemeClr val="accent1"/>
+            </a:lnRef>
+            <a:fillRef idx="0">
+              <a:schemeClr val="accent1"/>
+            </a:fillRef>
+            <a:effectRef idx="0">
+              <a:schemeClr val="accent1"/>
+            </a:effectRef>
+            <a:fontRef idx="minor">
+              <a:schemeClr val="tx1"/>
+            </a:fontRef>
+          </p:style>
+        </p:cxnSp>
+        <p:cxnSp>
+          <p:nvCxnSpPr>
+            <p:cNvPr id="7" name="Straight Connector 6"/>
+            <p:cNvCxnSpPr/>
+            <p:nvPr/>
+          </p:nvCxnSpPr>
+          <p:spPr>
+            <a:xfrm flipH="1">
+              <a:off x="4237" y="4143"/>
+              <a:ext cx="2" cy="300"/>
+            </a:xfrm>
+            <a:prstGeom prst="line">
+              <a:avLst/>
+            </a:prstGeom>
+            <a:ln w="28575">
+              <a:solidFill>
+                <a:schemeClr val="accent4">
+                  <a:lumMod val="75000"/>
+                </a:schemeClr>
+              </a:solidFill>
+              <a:headEnd type="none"/>
+              <a:tailEnd type="none" w="med" len="med"/>
+            </a:ln>
+          </p:spPr>
+          <p:style>
+            <a:lnRef idx="1">
+              <a:schemeClr val="accent1"/>
+            </a:lnRef>
+            <a:fillRef idx="0">
+              <a:schemeClr val="accent1"/>
+            </a:fillRef>
+            <a:effectRef idx="0">
+              <a:schemeClr val="accent1"/>
+            </a:effectRef>
+            <a:fontRef idx="minor">
+              <a:schemeClr val="tx1"/>
+            </a:fontRef>
+          </p:style>
+        </p:cxnSp>
+        <p:cxnSp>
+          <p:nvCxnSpPr>
+            <p:cNvPr id="8" name="Straight Connector 7"/>
+            <p:cNvCxnSpPr/>
+            <p:nvPr/>
+          </p:nvCxnSpPr>
+          <p:spPr>
+            <a:xfrm flipH="1">
+              <a:off x="5209" y="4134"/>
+              <a:ext cx="2" cy="300"/>
+            </a:xfrm>
+            <a:prstGeom prst="line">
+              <a:avLst/>
+            </a:prstGeom>
+            <a:ln w="28575">
+              <a:solidFill>
+                <a:schemeClr val="accent4">
+                  <a:lumMod val="75000"/>
+                </a:schemeClr>
+              </a:solidFill>
+              <a:headEnd type="none"/>
+              <a:tailEnd type="none" w="med" len="med"/>
+            </a:ln>
+          </p:spPr>
+          <p:style>
+            <a:lnRef idx="1">
+              <a:schemeClr val="accent1"/>
+            </a:lnRef>
+            <a:fillRef idx="0">
+              <a:schemeClr val="accent1"/>
+            </a:fillRef>
+            <a:effectRef idx="0">
+              <a:schemeClr val="accent1"/>
+            </a:effectRef>
+            <a:fontRef idx="minor">
+              <a:schemeClr val="tx1"/>
+            </a:fontRef>
+          </p:style>
+        </p:cxnSp>
+        <p:sp>
+          <p:nvSpPr>
+            <p:cNvPr id="10" name="Text Box 9"/>
+            <p:cNvSpPr txBox="1"/>
+            <p:nvPr/>
+          </p:nvSpPr>
+          <p:spPr>
+            <a:xfrm>
+              <a:off x="4510" y="3634"/>
+              <a:ext cx="533" cy="386"/>
+            </a:xfrm>
+            <a:prstGeom prst="rect">
+              <a:avLst/>
+            </a:prstGeom>
+            <a:noFill/>
+          </p:spPr>
+          <p:txBody>
+            <a:bodyPr wrap="none" rtlCol="0">
+              <a:spAutoFit/>
+            </a:bodyPr>
+            <a:p>
+              <a:r>
+                <a:rPr lang="" altLang="en-US" sz="1000">
+                  <a:latin typeface="DejaVu Math TeX Gyre" panose="02000503000000000000" charset="0"/>
+                  <a:ea typeface="DejaVu Math TeX Gyre" panose="02000503000000000000" charset="0"/>
+                </a:rPr>
+                <a:t>U</a:t>
+              </a:r>
+              <a:r>
+                <a:rPr lang="" altLang="en-US" sz="1000" baseline="-25000">
+                  <a:latin typeface="DejaVu Math TeX Gyre" panose="02000503000000000000" charset="0"/>
+                  <a:ea typeface="DejaVu Math TeX Gyre" panose="02000503000000000000" charset="0"/>
+                </a:rPr>
+                <a:t>a</a:t>
+              </a:r>
+              <a:endParaRPr lang="" altLang="en-US" sz="1000" baseline="-25000">
+                <a:latin typeface="DejaVu Math TeX Gyre" panose="02000503000000000000" charset="0"/>
+                <a:ea typeface="DejaVu Math TeX Gyre" panose="02000503000000000000" charset="0"/>
+              </a:endParaRPr>
+            </a:p>
+          </p:txBody>
+        </p:sp>
+        <p:sp>
+          <p:nvSpPr>
+            <p:cNvPr id="15" name="Text Box 14"/>
+            <p:cNvSpPr txBox="1"/>
+            <p:nvPr/>
+          </p:nvSpPr>
+          <p:spPr>
+            <a:xfrm>
+              <a:off x="4463" y="4442"/>
+              <a:ext cx="527" cy="386"/>
+            </a:xfrm>
+            <a:prstGeom prst="rect">
+              <a:avLst/>
+            </a:prstGeom>
+            <a:noFill/>
+          </p:spPr>
+          <p:txBody>
+            <a:bodyPr wrap="none" rtlCol="0">
+              <a:spAutoFit/>
+            </a:bodyPr>
+            <a:p>
+              <a:r>
+                <a:rPr lang="en-US" altLang="en-US" sz="1000">
+                  <a:latin typeface="DejaVu Math TeX Gyre" panose="02000503000000000000" charset="0"/>
+                  <a:ea typeface="DejaVu Math TeX Gyre" panose="02000503000000000000" charset="0"/>
+                </a:rPr>
+                <a:t>λ</a:t>
+              </a:r>
+              <a:r>
+                <a:rPr lang="en-US" altLang="en-US" sz="1000" baseline="-25000">
+                  <a:latin typeface="DejaVu Math TeX Gyre" panose="02000503000000000000" charset="0"/>
+                  <a:ea typeface="DejaVu Math TeX Gyre" panose="02000503000000000000" charset="0"/>
+                </a:rPr>
+                <a:t>A</a:t>
+              </a:r>
+              <a:endParaRPr lang="en-US" altLang="en-US" sz="1000" baseline="-25000">
+                <a:latin typeface="DejaVu Math TeX Gyre" panose="02000503000000000000" charset="0"/>
+                <a:ea typeface="DejaVu Math TeX Gyre" panose="02000503000000000000" charset="0"/>
+              </a:endParaRPr>
+            </a:p>
+          </p:txBody>
+        </p:sp>
+        <p:sp>
+          <p:nvSpPr>
+            <p:cNvPr id="16" name="Flowchart: Decision 15"/>
+            <p:cNvSpPr/>
+            <p:nvPr/>
+          </p:nvSpPr>
+          <p:spPr>
+            <a:xfrm>
+              <a:off x="4616" y="4789"/>
+              <a:ext cx="220" cy="220"/>
+            </a:xfrm>
+            <a:prstGeom prst="flowChartDecision">
+              <a:avLst/>
+            </a:prstGeom>
+          </p:spPr>
+          <p:style>
+            <a:lnRef idx="2">
+              <a:schemeClr val="accent1">
+                <a:shade val="50000"/>
+              </a:schemeClr>
+            </a:lnRef>
+            <a:fillRef idx="1">
+              <a:schemeClr val="accent1"/>
+            </a:fillRef>
+            <a:effectRef idx="0">
+              <a:schemeClr val="accent1"/>
+            </a:effectRef>
+            <a:fontRef idx="minor">
+              <a:schemeClr val="lt1"/>
+            </a:fontRef>
+          </p:style>
+          <p:txBody>
+            <a:bodyPr rtlCol="0" anchor="ctr"/>
+            <a:p>
+              <a:pPr algn="ctr"/>
+              <a:endParaRPr lang="en-US"/>
+            </a:p>
+          </p:txBody>
+        </p:sp>
+        <p:grpSp>
+          <p:nvGrpSpPr>
+            <p:cNvPr id="45" name="Group 44"/>
+            <p:cNvGrpSpPr/>
+            <p:nvPr/>
+          </p:nvGrpSpPr>
+          <p:grpSpPr>
+            <a:xfrm>
+              <a:off x="3907" y="4548"/>
+              <a:ext cx="709" cy="560"/>
+              <a:chOff x="3734" y="5533"/>
+              <a:chExt cx="709" cy="560"/>
+            </a:xfrm>
+          </p:grpSpPr>
+          <p:sp>
+            <p:nvSpPr>
+              <p:cNvPr id="12" name="Oval 11"/>
+              <p:cNvSpPr/>
+              <p:nvPr/>
+            </p:nvSpPr>
+            <p:spPr>
+              <a:xfrm>
+                <a:off x="3899" y="5721"/>
+                <a:ext cx="332" cy="332"/>
+              </a:xfrm>
+              <a:prstGeom prst="ellipse">
+                <a:avLst/>
+              </a:prstGeom>
+              <a:solidFill>
+                <a:schemeClr val="accent1">
+                  <a:lumMod val="60000"/>
+                  <a:lumOff val="40000"/>
+                </a:schemeClr>
+              </a:solidFill>
+            </p:spPr>
+            <p:style>
+              <a:lnRef idx="2">
+                <a:schemeClr val="accent1">
+                  <a:shade val="50000"/>
+                </a:schemeClr>
+              </a:lnRef>
+              <a:fillRef idx="1">
+                <a:schemeClr val="accent1"/>
+              </a:fillRef>
+              <a:effectRef idx="0">
+                <a:schemeClr val="accent1"/>
+              </a:effectRef>
+              <a:fontRef idx="minor">
+                <a:schemeClr val="lt1"/>
+              </a:fontRef>
+            </p:style>
+            <p:txBody>
+              <a:bodyPr rtlCol="0" anchor="ctr"/>
+              <a:p>
+                <a:pPr algn="ctr"/>
+                <a:endParaRPr lang="en-US"/>
+              </a:p>
+            </p:txBody>
+          </p:sp>
+          <p:cxnSp>
+            <p:nvCxnSpPr>
+              <p:cNvPr id="13" name="Straight Connector 12"/>
+              <p:cNvCxnSpPr/>
+              <p:nvPr/>
+            </p:nvCxnSpPr>
+            <p:spPr>
+              <a:xfrm>
+                <a:off x="4064" y="5533"/>
+                <a:ext cx="0" cy="188"/>
+              </a:xfrm>
+              <a:prstGeom prst="line">
+                <a:avLst/>
+              </a:prstGeom>
+              <a:ln w="28575">
+                <a:solidFill>
+                  <a:schemeClr val="accent1"/>
+                </a:solidFill>
+                <a:headEnd type="none"/>
+                <a:tailEnd type="none" w="med" len="med"/>
+              </a:ln>
+            </p:spPr>
+            <p:style>
+              <a:lnRef idx="1">
+                <a:schemeClr val="accent1"/>
+              </a:lnRef>
+              <a:fillRef idx="0">
+                <a:schemeClr val="accent1"/>
+              </a:fillRef>
+              <a:effectRef idx="0">
+                <a:schemeClr val="accent1"/>
+              </a:effectRef>
+              <a:fontRef idx="minor">
+                <a:schemeClr val="tx1"/>
+              </a:fontRef>
+            </p:style>
+          </p:cxnSp>
+          <p:sp>
+            <p:nvSpPr>
+              <p:cNvPr id="14" name="Text Box 13"/>
+              <p:cNvSpPr txBox="1"/>
+              <p:nvPr/>
+            </p:nvSpPr>
+            <p:spPr>
+              <a:xfrm>
+                <a:off x="3798" y="5707"/>
+                <a:ext cx="533" cy="386"/>
+              </a:xfrm>
+              <a:prstGeom prst="rect">
+                <a:avLst/>
+              </a:prstGeom>
+              <a:noFill/>
+            </p:spPr>
+            <p:txBody>
+              <a:bodyPr wrap="none" rtlCol="0">
+                <a:spAutoFit/>
+              </a:bodyPr>
+              <a:p>
+                <a:r>
+                  <a:rPr lang="en-US" altLang="en-US" sz="1000">
+                    <a:latin typeface="DejaVu Math TeX Gyre" panose="02000503000000000000" charset="0"/>
+                    <a:ea typeface="DejaVu Math TeX Gyre" panose="02000503000000000000" charset="0"/>
+                  </a:rPr>
+                  <a:t>Γ</a:t>
+                </a:r>
+                <a:r>
+                  <a:rPr lang="en-US" altLang="en-US" sz="1000" baseline="-25000">
+                    <a:latin typeface="DejaVu Math TeX Gyre" panose="02000503000000000000" charset="0"/>
+                    <a:ea typeface="DejaVu Math TeX Gyre" panose="02000503000000000000" charset="0"/>
+                  </a:rPr>
+                  <a:t>A</a:t>
+                </a:r>
+                <a:endParaRPr lang="en-US" altLang="en-US" sz="1000" baseline="-25000">
+                  <a:latin typeface="DejaVu Math TeX Gyre" panose="02000503000000000000" charset="0"/>
+                  <a:ea typeface="DejaVu Math TeX Gyre" panose="02000503000000000000" charset="0"/>
+                </a:endParaRPr>
+              </a:p>
+            </p:txBody>
+          </p:sp>
+          <p:cxnSp>
+            <p:nvCxnSpPr>
+              <p:cNvPr id="17" name="Straight Connector 16"/>
+              <p:cNvCxnSpPr/>
+              <p:nvPr/>
+            </p:nvCxnSpPr>
+            <p:spPr>
+              <a:xfrm flipH="1" flipV="1">
+                <a:off x="3734" y="5883"/>
+                <a:ext cx="165" cy="2"/>
+              </a:xfrm>
+              <a:prstGeom prst="line">
+                <a:avLst/>
+              </a:prstGeom>
+              <a:ln w="28575">
+                <a:solidFill>
+                  <a:schemeClr val="accent2"/>
+                </a:solidFill>
+                <a:headEnd type="none"/>
+                <a:tailEnd type="none" w="med" len="med"/>
+              </a:ln>
+            </p:spPr>
+            <p:style>
+              <a:lnRef idx="1">
+                <a:schemeClr val="accent1"/>
+              </a:lnRef>
+              <a:fillRef idx="0">
+                <a:schemeClr val="accent1"/>
+              </a:fillRef>
+              <a:effectRef idx="0">
+                <a:schemeClr val="accent1"/>
+              </a:effectRef>
+              <a:fontRef idx="minor">
+                <a:schemeClr val="tx1"/>
+              </a:fontRef>
+            </p:style>
+          </p:cxnSp>
+          <p:cxnSp>
+            <p:nvCxnSpPr>
+              <p:cNvPr id="19" name="Straight Connector 18"/>
+              <p:cNvCxnSpPr>
+                <a:stCxn id="16" idx="1"/>
+              </p:cNvCxnSpPr>
+              <p:nvPr/>
+            </p:nvCxnSpPr>
+            <p:spPr>
+              <a:xfrm flipH="1" flipV="1">
+                <a:off x="4231" y="5881"/>
+                <a:ext cx="212" cy="3"/>
+              </a:xfrm>
+              <a:prstGeom prst="line">
+                <a:avLst/>
+              </a:prstGeom>
+              <a:ln w="28575">
+                <a:solidFill>
+                  <a:schemeClr val="accent2"/>
+                </a:solidFill>
+                <a:headEnd type="none"/>
+                <a:tailEnd type="none" w="med" len="med"/>
+              </a:ln>
+            </p:spPr>
+            <p:style>
+              <a:lnRef idx="1">
+                <a:schemeClr val="accent1"/>
+              </a:lnRef>
+              <a:fillRef idx="0">
+                <a:schemeClr val="accent1"/>
+              </a:fillRef>
+              <a:effectRef idx="0">
+                <a:schemeClr val="accent1"/>
+              </a:effectRef>
+              <a:fontRef idx="minor">
+                <a:schemeClr val="tx1"/>
+              </a:fontRef>
+            </p:style>
+          </p:cxnSp>
+        </p:grpSp>
+        <p:sp>
+          <p:nvSpPr>
+            <p:cNvPr id="30" name="Text Box 29"/>
+            <p:cNvSpPr txBox="1"/>
+            <p:nvPr/>
+          </p:nvSpPr>
+          <p:spPr>
+            <a:xfrm>
+              <a:off x="5389" y="4463"/>
+              <a:ext cx="528" cy="386"/>
+            </a:xfrm>
+            <a:prstGeom prst="rect">
+              <a:avLst/>
+            </a:prstGeom>
+            <a:noFill/>
+          </p:spPr>
+          <p:txBody>
+            <a:bodyPr wrap="none" rtlCol="0">
+              <a:spAutoFit/>
+            </a:bodyPr>
+            <a:p>
+              <a:r>
+                <a:rPr lang="en-US" altLang="en-US" sz="1000">
+                  <a:latin typeface="DejaVu Math TeX Gyre" panose="02000503000000000000" charset="0"/>
+                  <a:ea typeface="DejaVu Math TeX Gyre" panose="02000503000000000000" charset="0"/>
+                </a:rPr>
+                <a:t>λ</a:t>
+              </a:r>
+              <a:r>
+                <a:rPr lang="en-US" altLang="en-US" sz="1000" baseline="-25000">
+                  <a:latin typeface="DejaVu Math TeX Gyre" panose="02000503000000000000" charset="0"/>
+                  <a:ea typeface="DejaVu Math TeX Gyre" panose="02000503000000000000" charset="0"/>
+                </a:rPr>
+                <a:t>B</a:t>
+              </a:r>
+              <a:endParaRPr lang="en-US" altLang="en-US" sz="1000" baseline="-25000">
+                <a:latin typeface="DejaVu Math TeX Gyre" panose="02000503000000000000" charset="0"/>
+                <a:ea typeface="DejaVu Math TeX Gyre" panose="02000503000000000000" charset="0"/>
+              </a:endParaRPr>
+            </a:p>
+          </p:txBody>
+        </p:sp>
+        <p:sp>
+          <p:nvSpPr>
+            <p:cNvPr id="31" name="Flowchart: Decision 30"/>
+            <p:cNvSpPr/>
+            <p:nvPr/>
+          </p:nvSpPr>
+          <p:spPr>
+            <a:xfrm>
+              <a:off x="5542" y="4788"/>
+              <a:ext cx="220" cy="220"/>
+            </a:xfrm>
+            <a:prstGeom prst="flowChartDecision">
+              <a:avLst/>
+            </a:prstGeom>
+          </p:spPr>
+          <p:style>
+            <a:lnRef idx="2">
+              <a:schemeClr val="accent1">
+                <a:shade val="50000"/>
+              </a:schemeClr>
+            </a:lnRef>
+            <a:fillRef idx="1">
+              <a:schemeClr val="accent1"/>
+            </a:fillRef>
+            <a:effectRef idx="0">
+              <a:schemeClr val="accent1"/>
+            </a:effectRef>
+            <a:fontRef idx="minor">
+              <a:schemeClr val="lt1"/>
+            </a:fontRef>
+          </p:style>
+          <p:txBody>
+            <a:bodyPr rtlCol="0" anchor="ctr"/>
+            <a:p>
+              <a:pPr algn="ctr"/>
+              <a:endParaRPr lang="en-US"/>
+            </a:p>
+          </p:txBody>
+        </p:sp>
+        <p:cxnSp>
+          <p:nvCxnSpPr>
+            <p:cNvPr id="36" name="Straight Connector 35"/>
+            <p:cNvCxnSpPr/>
+            <p:nvPr/>
+          </p:nvCxnSpPr>
+          <p:spPr>
+            <a:xfrm flipH="1" flipV="1">
+              <a:off x="5759" y="4894"/>
+              <a:ext cx="165" cy="2"/>
+            </a:xfrm>
+            <a:prstGeom prst="line">
+              <a:avLst/>
+            </a:prstGeom>
+            <a:ln w="28575">
+              <a:solidFill>
+                <a:schemeClr val="accent2"/>
+              </a:solidFill>
+              <a:headEnd type="none"/>
+              <a:tailEnd type="none" w="med" len="med"/>
+            </a:ln>
+          </p:spPr>
+          <p:style>
+            <a:lnRef idx="1">
+              <a:schemeClr val="accent1"/>
+            </a:lnRef>
+            <a:fillRef idx="0">
+              <a:schemeClr val="accent1"/>
+            </a:fillRef>
+            <a:effectRef idx="0">
+              <a:schemeClr val="accent1"/>
+            </a:effectRef>
+            <a:fontRef idx="minor">
+              <a:schemeClr val="tx1"/>
+            </a:fontRef>
+          </p:style>
+        </p:cxnSp>
+        <p:cxnSp>
+          <p:nvCxnSpPr>
+            <p:cNvPr id="43" name="Straight Connector 42"/>
+            <p:cNvCxnSpPr/>
+            <p:nvPr/>
+          </p:nvCxnSpPr>
+          <p:spPr>
+            <a:xfrm>
+              <a:off x="5969" y="4899"/>
+              <a:ext cx="129" cy="2"/>
+            </a:xfrm>
+            <a:prstGeom prst="line">
+              <a:avLst/>
+            </a:prstGeom>
+            <a:ln w="12700">
+              <a:solidFill>
+                <a:schemeClr val="bg1">
+                  <a:lumMod val="65000"/>
+                </a:schemeClr>
+              </a:solidFill>
+              <a:prstDash val="sysDot"/>
+              <a:headEnd type="none"/>
+              <a:tailEnd type="none" w="med" len="med"/>
+            </a:ln>
+          </p:spPr>
+          <p:style>
+            <a:lnRef idx="2">
+              <a:schemeClr val="accent4">
+                <a:shade val="50000"/>
+              </a:schemeClr>
+            </a:lnRef>
+            <a:fillRef idx="1">
+              <a:schemeClr val="accent4"/>
+            </a:fillRef>
+            <a:effectRef idx="0">
+              <a:schemeClr val="accent4"/>
+            </a:effectRef>
+            <a:fontRef idx="minor">
+              <a:schemeClr val="lt1"/>
+            </a:fontRef>
+          </p:style>
+        </p:cxnSp>
+        <p:grpSp>
+          <p:nvGrpSpPr>
+            <p:cNvPr id="47" name="Group 46"/>
+            <p:cNvGrpSpPr/>
+            <p:nvPr/>
+          </p:nvGrpSpPr>
+          <p:grpSpPr>
+            <a:xfrm>
+              <a:off x="4944" y="4546"/>
+              <a:ext cx="598" cy="560"/>
+              <a:chOff x="3798" y="5533"/>
+              <a:chExt cx="598" cy="560"/>
+            </a:xfrm>
+          </p:grpSpPr>
+          <p:sp>
+            <p:nvSpPr>
+              <p:cNvPr id="48" name="Oval 47"/>
+              <p:cNvSpPr/>
+              <p:nvPr/>
+            </p:nvSpPr>
+            <p:spPr>
+              <a:xfrm>
+                <a:off x="3899" y="5721"/>
+                <a:ext cx="332" cy="332"/>
+              </a:xfrm>
+              <a:prstGeom prst="ellipse">
+                <a:avLst/>
+              </a:prstGeom>
+              <a:solidFill>
+                <a:schemeClr val="accent1">
+                  <a:lumMod val="60000"/>
+                  <a:lumOff val="40000"/>
+                </a:schemeClr>
+              </a:solidFill>
+            </p:spPr>
+            <p:style>
+              <a:lnRef idx="2">
+                <a:schemeClr val="accent1">
+                  <a:shade val="50000"/>
+                </a:schemeClr>
+              </a:lnRef>
+              <a:fillRef idx="1">
+                <a:schemeClr val="accent1"/>
+              </a:fillRef>
+              <a:effectRef idx="0">
+                <a:schemeClr val="accent1"/>
+              </a:effectRef>
+              <a:fontRef idx="minor">
+                <a:schemeClr val="lt1"/>
+              </a:fontRef>
+            </p:style>
+            <p:txBody>
+              <a:bodyPr rtlCol="0" anchor="ctr"/>
+              <a:p>
+                <a:pPr algn="ctr"/>
+                <a:endParaRPr lang="en-US"/>
+              </a:p>
+            </p:txBody>
+          </p:sp>
+          <p:cxnSp>
+            <p:nvCxnSpPr>
+              <p:cNvPr id="49" name="Straight Connector 48"/>
+              <p:cNvCxnSpPr/>
+              <p:nvPr/>
+            </p:nvCxnSpPr>
+            <p:spPr>
+              <a:xfrm>
+                <a:off x="4064" y="5533"/>
+                <a:ext cx="0" cy="188"/>
+              </a:xfrm>
+              <a:prstGeom prst="line">
+                <a:avLst/>
+              </a:prstGeom>
+              <a:ln w="28575">
+                <a:solidFill>
+                  <a:schemeClr val="accent1"/>
+                </a:solidFill>
+                <a:headEnd type="none"/>
+                <a:tailEnd type="none" w="med" len="med"/>
+              </a:ln>
+            </p:spPr>
+            <p:style>
+              <a:lnRef idx="1">
+                <a:schemeClr val="accent1"/>
+              </a:lnRef>
+              <a:fillRef idx="0">
+                <a:schemeClr val="accent1"/>
+              </a:fillRef>
+              <a:effectRef idx="0">
+                <a:schemeClr val="accent1"/>
+              </a:effectRef>
+              <a:fontRef idx="minor">
+                <a:schemeClr val="tx1"/>
+              </a:fontRef>
+            </p:style>
+          </p:cxnSp>
+          <p:sp>
+            <p:nvSpPr>
+              <p:cNvPr id="50" name="Text Box 49"/>
+              <p:cNvSpPr txBox="1"/>
+              <p:nvPr/>
+            </p:nvSpPr>
+            <p:spPr>
+              <a:xfrm>
+                <a:off x="3798" y="5707"/>
+                <a:ext cx="534" cy="386"/>
+              </a:xfrm>
+              <a:prstGeom prst="rect">
+                <a:avLst/>
+              </a:prstGeom>
+              <a:noFill/>
+            </p:spPr>
+            <p:txBody>
+              <a:bodyPr wrap="none" rtlCol="0">
+                <a:spAutoFit/>
+              </a:bodyPr>
+              <a:p>
+                <a:r>
+                  <a:rPr lang="en-US" altLang="en-US" sz="1000">
+                    <a:latin typeface="DejaVu Math TeX Gyre" panose="02000503000000000000" charset="0"/>
+                    <a:ea typeface="DejaVu Math TeX Gyre" panose="02000503000000000000" charset="0"/>
+                  </a:rPr>
+                  <a:t>Γ</a:t>
+                </a:r>
+                <a:r>
+                  <a:rPr lang="" altLang="en-US" sz="1000" baseline="-25000">
+                    <a:latin typeface="DejaVu Math TeX Gyre" panose="02000503000000000000" charset="0"/>
+                    <a:ea typeface="DejaVu Math TeX Gyre" panose="02000503000000000000" charset="0"/>
+                  </a:rPr>
+                  <a:t>B</a:t>
+                </a:r>
+                <a:endParaRPr lang="" altLang="en-US" sz="1000" baseline="-25000">
+                  <a:latin typeface="DejaVu Math TeX Gyre" panose="02000503000000000000" charset="0"/>
+                  <a:ea typeface="DejaVu Math TeX Gyre" panose="02000503000000000000" charset="0"/>
+                </a:endParaRPr>
+              </a:p>
+            </p:txBody>
+          </p:sp>
+          <p:cxnSp>
+            <p:nvCxnSpPr>
+              <p:cNvPr id="52" name="Straight Connector 51"/>
+              <p:cNvCxnSpPr/>
+              <p:nvPr/>
+            </p:nvCxnSpPr>
+            <p:spPr>
+              <a:xfrm flipH="1" flipV="1">
+                <a:off x="4231" y="5881"/>
+                <a:ext cx="165" cy="2"/>
+              </a:xfrm>
+              <a:prstGeom prst="line">
+                <a:avLst/>
+              </a:prstGeom>
+              <a:ln w="28575">
+                <a:solidFill>
+                  <a:schemeClr val="accent2"/>
+                </a:solidFill>
+                <a:headEnd type="none"/>
+                <a:tailEnd type="none" w="med" len="med"/>
+              </a:ln>
+            </p:spPr>
+            <p:style>
+              <a:lnRef idx="1">
+                <a:schemeClr val="accent1"/>
+              </a:lnRef>
+              <a:fillRef idx="0">
+                <a:schemeClr val="accent1"/>
+              </a:fillRef>
+              <a:effectRef idx="0">
+                <a:schemeClr val="accent1"/>
+              </a:effectRef>
+              <a:fontRef idx="minor">
+                <a:schemeClr val="tx1"/>
+              </a:fontRef>
+            </p:style>
+          </p:cxnSp>
+        </p:grpSp>
+        <p:cxnSp>
+          <p:nvCxnSpPr>
+            <p:cNvPr id="53" name="Straight Connector 52"/>
+            <p:cNvCxnSpPr/>
+            <p:nvPr/>
+          </p:nvCxnSpPr>
+          <p:spPr>
+            <a:xfrm flipH="1" flipV="1">
+              <a:off x="4836" y="4896"/>
+              <a:ext cx="212" cy="3"/>
+            </a:xfrm>
+            <a:prstGeom prst="line">
+              <a:avLst/>
+            </a:prstGeom>
+            <a:ln w="28575">
+              <a:solidFill>
+                <a:schemeClr val="accent2"/>
+              </a:solidFill>
+              <a:headEnd type="none"/>
+              <a:tailEnd type="none" w="med" len="med"/>
+            </a:ln>
+          </p:spPr>
+          <p:style>
+            <a:lnRef idx="1">
+              <a:schemeClr val="accent1"/>
+            </a:lnRef>
+            <a:fillRef idx="0">
+              <a:schemeClr val="accent1"/>
+            </a:fillRef>
+            <a:effectRef idx="0">
+              <a:schemeClr val="accent1"/>
+            </a:effectRef>
+            <a:fontRef idx="minor">
+              <a:schemeClr val="tx1"/>
+            </a:fontRef>
+          </p:style>
+        </p:cxnSp>
+      </p:grpSp>
+      <p:grpSp>
+        <p:nvGrpSpPr>
+          <p:cNvPr id="159" name="Group 158"/>
+          <p:cNvGrpSpPr/>
+          <p:nvPr/>
+        </p:nvGrpSpPr>
+        <p:grpSpPr>
+          <a:xfrm>
+            <a:off x="7005955" y="2823210"/>
+            <a:ext cx="1692910" cy="1235710"/>
+            <a:chOff x="5913" y="3125"/>
+            <a:chExt cx="2666" cy="1946"/>
+          </a:xfrm>
+        </p:grpSpPr>
+        <p:grpSp>
+          <p:nvGrpSpPr>
+            <p:cNvPr id="111" name="Group 110"/>
+            <p:cNvGrpSpPr/>
+            <p:nvPr/>
+          </p:nvGrpSpPr>
+          <p:grpSpPr>
+            <a:xfrm rot="0">
+              <a:off x="7891" y="4418"/>
+              <a:ext cx="688" cy="547"/>
+              <a:chOff x="3323" y="4501"/>
+              <a:chExt cx="688" cy="547"/>
+            </a:xfrm>
+          </p:grpSpPr>
+          <p:sp>
+            <p:nvSpPr>
+              <p:cNvPr id="112" name="Text Box 111"/>
+              <p:cNvSpPr txBox="1"/>
+              <p:nvPr/>
+            </p:nvSpPr>
+            <p:spPr>
+              <a:xfrm>
+                <a:off x="3323" y="4501"/>
+                <a:ext cx="527" cy="386"/>
+              </a:xfrm>
+              <a:prstGeom prst="rect">
+                <a:avLst/>
+              </a:prstGeom>
+              <a:noFill/>
+            </p:spPr>
+            <p:txBody>
+              <a:bodyPr wrap="none" rtlCol="0">
+                <a:spAutoFit/>
+              </a:bodyPr>
+              <a:p>
+                <a:r>
+                  <a:rPr lang="en-US" altLang="en-US" sz="1000">
+                    <a:solidFill>
+                      <a:schemeClr val="bg1">
+                        <a:lumMod val="50000"/>
+                      </a:schemeClr>
+                    </a:solidFill>
+                    <a:latin typeface="DejaVu Math TeX Gyre" panose="02000503000000000000" charset="0"/>
+                    <a:ea typeface="DejaVu Math TeX Gyre" panose="02000503000000000000" charset="0"/>
+                  </a:rPr>
+                  <a:t>λ</a:t>
+                </a:r>
+                <a:r>
+                  <a:rPr lang="" altLang="en-US" sz="1000" baseline="-25000">
+                    <a:solidFill>
+                      <a:schemeClr val="bg1">
+                        <a:lumMod val="50000"/>
+                      </a:schemeClr>
+                    </a:solidFill>
+                    <a:latin typeface="DejaVu Math TeX Gyre" panose="02000503000000000000" charset="0"/>
+                    <a:ea typeface="DejaVu Math TeX Gyre" panose="02000503000000000000" charset="0"/>
+                  </a:rPr>
+                  <a:t>A</a:t>
+                </a:r>
+                <a:endParaRPr lang="" altLang="en-US" sz="1000" baseline="-25000">
+                  <a:solidFill>
+                    <a:schemeClr val="bg1">
+                      <a:lumMod val="50000"/>
+                    </a:schemeClr>
+                  </a:solidFill>
+                  <a:latin typeface="DejaVu Math TeX Gyre" panose="02000503000000000000" charset="0"/>
+                  <a:ea typeface="DejaVu Math TeX Gyre" panose="02000503000000000000" charset="0"/>
+                </a:endParaRPr>
+              </a:p>
+            </p:txBody>
+          </p:sp>
+          <p:sp>
+            <p:nvSpPr>
+              <p:cNvPr id="113" name="Flowchart: Decision 112"/>
+              <p:cNvSpPr/>
+              <p:nvPr/>
+            </p:nvSpPr>
+            <p:spPr>
+              <a:xfrm>
+                <a:off x="3461" y="4828"/>
+                <a:ext cx="220" cy="220"/>
+              </a:xfrm>
+              <a:prstGeom prst="flowChartDecision">
+                <a:avLst/>
+              </a:prstGeom>
+              <a:solidFill>
+                <a:schemeClr val="accent1">
+                  <a:lumMod val="20000"/>
+                  <a:lumOff val="80000"/>
+                </a:schemeClr>
+              </a:solidFill>
+              <a:ln>
+                <a:solidFill>
+                  <a:schemeClr val="accent1">
+                    <a:lumMod val="60000"/>
+                    <a:lumOff val="40000"/>
+                  </a:schemeClr>
+                </a:solidFill>
+              </a:ln>
+            </p:spPr>
+            <p:style>
+              <a:lnRef idx="2">
+                <a:schemeClr val="accent3">
+                  <a:shade val="50000"/>
+                </a:schemeClr>
+              </a:lnRef>
+              <a:fillRef idx="1">
+                <a:schemeClr val="accent3"/>
+              </a:fillRef>
+              <a:effectRef idx="0">
+                <a:schemeClr val="accent3"/>
+              </a:effectRef>
+              <a:fontRef idx="minor">
+                <a:schemeClr val="lt1"/>
+              </a:fontRef>
+            </p:style>
+            <p:txBody>
+              <a:bodyPr rtlCol="0" anchor="ctr"/>
+              <a:p>
+                <a:pPr algn="ctr"/>
+                <a:endParaRPr lang="en-US"/>
+              </a:p>
+            </p:txBody>
+          </p:sp>
+          <p:cxnSp>
+            <p:nvCxnSpPr>
+              <p:cNvPr id="114" name="Straight Connector 113"/>
+              <p:cNvCxnSpPr/>
+              <p:nvPr/>
+            </p:nvCxnSpPr>
+            <p:spPr>
+              <a:xfrm>
+                <a:off x="3882" y="4949"/>
+                <a:ext cx="129" cy="2"/>
+              </a:xfrm>
+              <a:prstGeom prst="line">
+                <a:avLst/>
+              </a:prstGeom>
+              <a:ln w="12700">
+                <a:solidFill>
+                  <a:schemeClr val="bg1">
+                    <a:lumMod val="65000"/>
+                  </a:schemeClr>
+                </a:solidFill>
+                <a:prstDash val="sysDot"/>
+                <a:headEnd type="none"/>
+                <a:tailEnd type="none" w="med" len="med"/>
+              </a:ln>
+            </p:spPr>
+            <p:style>
+              <a:lnRef idx="2">
+                <a:schemeClr val="accent4">
+                  <a:shade val="50000"/>
+                </a:schemeClr>
+              </a:lnRef>
+              <a:fillRef idx="1">
+                <a:schemeClr val="accent4"/>
+              </a:fillRef>
+              <a:effectRef idx="0">
+                <a:schemeClr val="accent4"/>
+              </a:effectRef>
+              <a:fontRef idx="minor">
+                <a:schemeClr val="lt1"/>
+              </a:fontRef>
+            </p:style>
+          </p:cxnSp>
+          <p:cxnSp>
+            <p:nvCxnSpPr>
+              <p:cNvPr id="116" name="Straight Connector 115"/>
+              <p:cNvCxnSpPr/>
+              <p:nvPr/>
+            </p:nvCxnSpPr>
+            <p:spPr>
+              <a:xfrm flipH="1" flipV="1">
+                <a:off x="3681" y="4937"/>
+                <a:ext cx="165" cy="2"/>
+              </a:xfrm>
+              <a:prstGeom prst="line">
+                <a:avLst/>
+              </a:prstGeom>
+              <a:ln w="28575">
+                <a:solidFill>
+                  <a:schemeClr val="accent2">
+                    <a:lumMod val="60000"/>
+                    <a:lumOff val="40000"/>
+                  </a:schemeClr>
+                </a:solidFill>
+                <a:headEnd type="none"/>
+                <a:tailEnd type="none" w="med" len="med"/>
+              </a:ln>
+            </p:spPr>
+            <p:style>
+              <a:lnRef idx="1">
+                <a:schemeClr val="accent1"/>
+              </a:lnRef>
+              <a:fillRef idx="0">
+                <a:schemeClr val="accent1"/>
+              </a:fillRef>
+              <a:effectRef idx="0">
+                <a:schemeClr val="accent1"/>
+              </a:effectRef>
+              <a:fontRef idx="minor">
+                <a:schemeClr val="tx1"/>
+              </a:fontRef>
+            </p:style>
+          </p:cxnSp>
+        </p:grpSp>
+        <p:grpSp>
+          <p:nvGrpSpPr>
+            <p:cNvPr id="154" name="Group 153"/>
+            <p:cNvGrpSpPr/>
+            <p:nvPr/>
+          </p:nvGrpSpPr>
+          <p:grpSpPr>
+            <a:xfrm>
+              <a:off x="6507" y="3125"/>
+              <a:ext cx="1305" cy="1283"/>
+              <a:chOff x="5531" y="3125"/>
+              <a:chExt cx="1305" cy="1283"/>
+            </a:xfrm>
+          </p:grpSpPr>
+          <p:sp>
+            <p:nvSpPr>
+              <p:cNvPr id="117" name="Rounded Rectangle 116"/>
+              <p:cNvSpPr/>
+              <p:nvPr/>
+            </p:nvSpPr>
+            <p:spPr>
+              <a:xfrm>
+                <a:off x="5531" y="3425"/>
+                <a:ext cx="1305" cy="674"/>
+              </a:xfrm>
+              <a:prstGeom prst="roundRect">
+                <a:avLst/>
+              </a:prstGeom>
+              <a:solidFill>
+                <a:schemeClr val="accent6">
+                  <a:lumMod val="60000"/>
+                  <a:lumOff val="40000"/>
+                </a:schemeClr>
+              </a:solidFill>
+              <a:ln w="19050">
+                <a:solidFill>
+                  <a:schemeClr val="accent6">
+                    <a:lumMod val="75000"/>
+                  </a:schemeClr>
+                </a:solidFill>
+              </a:ln>
+            </p:spPr>
+            <p:style>
+              <a:lnRef idx="2">
+                <a:schemeClr val="accent4">
+                  <a:shade val="50000"/>
+                </a:schemeClr>
+              </a:lnRef>
+              <a:fillRef idx="1">
+                <a:schemeClr val="accent4"/>
+              </a:fillRef>
+              <a:effectRef idx="0">
+                <a:schemeClr val="accent4"/>
+              </a:effectRef>
+              <a:fontRef idx="minor">
+                <a:schemeClr val="lt1"/>
+              </a:fontRef>
+            </p:style>
+            <p:txBody>
+              <a:bodyPr rtlCol="0" anchor="ctr"/>
+              <a:p>
+                <a:pPr algn="ctr"/>
+                <a:endParaRPr lang="en-US"/>
+              </a:p>
+            </p:txBody>
+          </p:sp>
+          <p:cxnSp>
+            <p:nvCxnSpPr>
+              <p:cNvPr id="118" name="Straight Connector 117"/>
+              <p:cNvCxnSpPr/>
+              <p:nvPr/>
+            </p:nvCxnSpPr>
+            <p:spPr>
+              <a:xfrm flipH="1">
+                <a:off x="5694" y="3125"/>
+                <a:ext cx="2" cy="300"/>
+              </a:xfrm>
+              <a:prstGeom prst="line">
+                <a:avLst/>
+              </a:prstGeom>
+              <a:solidFill>
+                <a:schemeClr val="accent6">
+                  <a:lumMod val="60000"/>
+                  <a:lumOff val="40000"/>
+                </a:schemeClr>
+              </a:solidFill>
+              <a:ln w="28575">
+                <a:solidFill>
+                  <a:schemeClr val="accent6">
+                    <a:lumMod val="75000"/>
+                  </a:schemeClr>
+                </a:solidFill>
+                <a:headEnd type="none"/>
+                <a:tailEnd type="none" w="med" len="med"/>
+              </a:ln>
+            </p:spPr>
+            <p:style>
+              <a:lnRef idx="1">
+                <a:schemeClr val="accent1"/>
+              </a:lnRef>
+              <a:fillRef idx="0">
+                <a:schemeClr val="accent1"/>
+              </a:fillRef>
+              <a:effectRef idx="0">
+                <a:schemeClr val="accent1"/>
+              </a:effectRef>
+              <a:fontRef idx="minor">
+                <a:schemeClr val="tx1"/>
+              </a:fontRef>
+            </p:style>
+          </p:cxnSp>
+          <p:cxnSp>
+            <p:nvCxnSpPr>
+              <p:cNvPr id="119" name="Straight Connector 118"/>
+              <p:cNvCxnSpPr/>
+              <p:nvPr/>
+            </p:nvCxnSpPr>
+            <p:spPr>
+              <a:xfrm flipH="1">
+                <a:off x="6669" y="3125"/>
+                <a:ext cx="2" cy="300"/>
+              </a:xfrm>
+              <a:prstGeom prst="line">
+                <a:avLst/>
+              </a:prstGeom>
+              <a:solidFill>
+                <a:schemeClr val="accent6">
+                  <a:lumMod val="60000"/>
+                  <a:lumOff val="40000"/>
+                </a:schemeClr>
+              </a:solidFill>
+              <a:ln w="28575">
+                <a:solidFill>
+                  <a:schemeClr val="accent6">
+                    <a:lumMod val="75000"/>
+                  </a:schemeClr>
+                </a:solidFill>
+                <a:headEnd type="none"/>
+                <a:tailEnd type="none" w="med" len="med"/>
+              </a:ln>
+            </p:spPr>
+            <p:style>
+              <a:lnRef idx="1">
+                <a:schemeClr val="accent1"/>
+              </a:lnRef>
+              <a:fillRef idx="0">
+                <a:schemeClr val="accent1"/>
+              </a:fillRef>
+              <a:effectRef idx="0">
+                <a:schemeClr val="accent1"/>
+              </a:effectRef>
+              <a:fontRef idx="minor">
+                <a:schemeClr val="tx1"/>
+              </a:fontRef>
+            </p:style>
+          </p:cxnSp>
+          <p:cxnSp>
+            <p:nvCxnSpPr>
+              <p:cNvPr id="120" name="Straight Connector 119"/>
+              <p:cNvCxnSpPr/>
+              <p:nvPr/>
+            </p:nvCxnSpPr>
+            <p:spPr>
+              <a:xfrm flipH="1">
+                <a:off x="5696" y="4108"/>
+                <a:ext cx="2" cy="300"/>
+              </a:xfrm>
+              <a:prstGeom prst="line">
+                <a:avLst/>
+              </a:prstGeom>
+              <a:solidFill>
+                <a:schemeClr val="accent6">
+                  <a:lumMod val="60000"/>
+                  <a:lumOff val="40000"/>
+                </a:schemeClr>
+              </a:solidFill>
+              <a:ln w="28575">
+                <a:solidFill>
+                  <a:schemeClr val="accent6">
+                    <a:lumMod val="75000"/>
+                  </a:schemeClr>
+                </a:solidFill>
+                <a:headEnd type="none"/>
+                <a:tailEnd type="none" w="med" len="med"/>
+              </a:ln>
+            </p:spPr>
+            <p:style>
+              <a:lnRef idx="1">
+                <a:schemeClr val="accent1"/>
+              </a:lnRef>
+              <a:fillRef idx="0">
+                <a:schemeClr val="accent1"/>
+              </a:fillRef>
+              <a:effectRef idx="0">
+                <a:schemeClr val="accent1"/>
+              </a:effectRef>
+              <a:fontRef idx="minor">
+                <a:schemeClr val="tx1"/>
+              </a:fontRef>
+            </p:style>
+          </p:cxnSp>
+          <p:cxnSp>
+            <p:nvCxnSpPr>
+              <p:cNvPr id="121" name="Straight Connector 120"/>
+              <p:cNvCxnSpPr/>
+              <p:nvPr/>
+            </p:nvCxnSpPr>
+            <p:spPr>
+              <a:xfrm flipH="1">
+                <a:off x="6668" y="4099"/>
+                <a:ext cx="2" cy="300"/>
+              </a:xfrm>
+              <a:prstGeom prst="line">
+                <a:avLst/>
+              </a:prstGeom>
+              <a:solidFill>
+                <a:schemeClr val="accent6">
+                  <a:lumMod val="60000"/>
+                  <a:lumOff val="40000"/>
+                </a:schemeClr>
+              </a:solidFill>
+              <a:ln w="28575">
+                <a:solidFill>
+                  <a:schemeClr val="accent6">
+                    <a:lumMod val="75000"/>
+                  </a:schemeClr>
+                </a:solidFill>
+                <a:headEnd type="none"/>
+                <a:tailEnd type="none" w="med" len="med"/>
+              </a:ln>
+            </p:spPr>
+            <p:style>
+              <a:lnRef idx="1">
+                <a:schemeClr val="accent1"/>
+              </a:lnRef>
+              <a:fillRef idx="0">
+                <a:schemeClr val="accent1"/>
+              </a:fillRef>
+              <a:effectRef idx="0">
+                <a:schemeClr val="accent1"/>
+              </a:effectRef>
+              <a:fontRef idx="minor">
+                <a:schemeClr val="tx1"/>
+              </a:fontRef>
+            </p:style>
+          </p:cxnSp>
+          <p:sp>
+            <p:nvSpPr>
+              <p:cNvPr id="122" name="Text Box 121"/>
+              <p:cNvSpPr txBox="1"/>
+              <p:nvPr/>
+            </p:nvSpPr>
+            <p:spPr>
+              <a:xfrm>
+                <a:off x="5969" y="3599"/>
+                <a:ext cx="539" cy="386"/>
+              </a:xfrm>
+              <a:prstGeom prst="rect">
+                <a:avLst/>
+              </a:prstGeom>
+              <a:noFill/>
+            </p:spPr>
+            <p:txBody>
+              <a:bodyPr wrap="none" rtlCol="0">
+                <a:spAutoFit/>
+              </a:bodyPr>
+              <a:p>
+                <a:r>
+                  <a:rPr lang="en-US" altLang="en-US" sz="1000">
+                    <a:latin typeface="DejaVu Math TeX Gyre" panose="02000503000000000000" charset="0"/>
+                    <a:ea typeface="DejaVu Math TeX Gyre" panose="02000503000000000000" charset="0"/>
+                  </a:rPr>
+                  <a:t>U</a:t>
+                </a:r>
+                <a:r>
+                  <a:rPr lang="" altLang="en-US" sz="1000" baseline="-25000">
+                    <a:latin typeface="DejaVu Math TeX Gyre" panose="02000503000000000000" charset="0"/>
+                    <a:ea typeface="DejaVu Math TeX Gyre" panose="02000503000000000000" charset="0"/>
+                  </a:rPr>
+                  <a:t>b</a:t>
+                </a:r>
+                <a:endParaRPr lang="" altLang="en-US" sz="1000" baseline="-25000">
+                  <a:latin typeface="DejaVu Math TeX Gyre" panose="02000503000000000000" charset="0"/>
+                  <a:ea typeface="DejaVu Math TeX Gyre" panose="02000503000000000000" charset="0"/>
+                </a:endParaRPr>
+              </a:p>
+            </p:txBody>
+          </p:sp>
+        </p:grpSp>
+        <p:sp>
+          <p:nvSpPr>
+            <p:cNvPr id="123" name="Text Box 122"/>
+            <p:cNvSpPr txBox="1"/>
+            <p:nvPr/>
+          </p:nvSpPr>
+          <p:spPr>
+            <a:xfrm>
+              <a:off x="5922" y="4412"/>
+              <a:ext cx="527" cy="386"/>
+            </a:xfrm>
+            <a:prstGeom prst="rect">
+              <a:avLst/>
+            </a:prstGeom>
+            <a:noFill/>
+          </p:spPr>
+          <p:txBody>
+            <a:bodyPr wrap="none" rtlCol="0">
+              <a:spAutoFit/>
+            </a:bodyPr>
+            <a:p>
+              <a:r>
+                <a:rPr lang="en-US" altLang="en-US" sz="1000">
+                  <a:latin typeface="DejaVu Math TeX Gyre" panose="02000503000000000000" charset="0"/>
+                  <a:ea typeface="DejaVu Math TeX Gyre" panose="02000503000000000000" charset="0"/>
+                </a:rPr>
+                <a:t>λ</a:t>
+              </a:r>
+              <a:r>
+                <a:rPr lang="en-US" altLang="en-US" sz="1000" baseline="-25000">
+                  <a:latin typeface="DejaVu Math TeX Gyre" panose="02000503000000000000" charset="0"/>
+                  <a:ea typeface="DejaVu Math TeX Gyre" panose="02000503000000000000" charset="0"/>
+                </a:rPr>
+                <a:t>A</a:t>
+              </a:r>
+              <a:endParaRPr lang="en-US" altLang="en-US" sz="1000" baseline="-25000">
+                <a:latin typeface="DejaVu Math TeX Gyre" panose="02000503000000000000" charset="0"/>
+                <a:ea typeface="DejaVu Math TeX Gyre" panose="02000503000000000000" charset="0"/>
+              </a:endParaRPr>
+            </a:p>
+          </p:txBody>
+        </p:sp>
+        <p:sp>
+          <p:nvSpPr>
+            <p:cNvPr id="124" name="Flowchart: Decision 123"/>
+            <p:cNvSpPr/>
+            <p:nvPr/>
+          </p:nvSpPr>
+          <p:spPr>
+            <a:xfrm>
+              <a:off x="6075" y="4759"/>
+              <a:ext cx="220" cy="220"/>
+            </a:xfrm>
+            <a:prstGeom prst="flowChartDecision">
+              <a:avLst/>
+            </a:prstGeom>
+          </p:spPr>
+          <p:style>
+            <a:lnRef idx="2">
+              <a:schemeClr val="accent1">
+                <a:shade val="50000"/>
+              </a:schemeClr>
+            </a:lnRef>
+            <a:fillRef idx="1">
+              <a:schemeClr val="accent1"/>
+            </a:fillRef>
+            <a:effectRef idx="0">
+              <a:schemeClr val="accent1"/>
+            </a:effectRef>
+            <a:fontRef idx="minor">
+              <a:schemeClr val="lt1"/>
+            </a:fontRef>
+          </p:style>
+          <p:txBody>
+            <a:bodyPr rtlCol="0" anchor="ctr"/>
+            <a:p>
+              <a:pPr algn="ctr"/>
+              <a:endParaRPr lang="en-US"/>
+            </a:p>
+          </p:txBody>
+        </p:sp>
+        <p:grpSp>
+          <p:nvGrpSpPr>
+            <p:cNvPr id="125" name="Group 124"/>
+            <p:cNvGrpSpPr/>
+            <p:nvPr/>
+          </p:nvGrpSpPr>
+          <p:grpSpPr>
+            <a:xfrm rot="0">
+              <a:off x="7381" y="4511"/>
+              <a:ext cx="533" cy="560"/>
+              <a:chOff x="3798" y="5533"/>
+              <a:chExt cx="533" cy="560"/>
+            </a:xfrm>
+          </p:grpSpPr>
+          <p:sp>
+            <p:nvSpPr>
+              <p:cNvPr id="126" name="Oval 125"/>
+              <p:cNvSpPr/>
+              <p:nvPr/>
+            </p:nvSpPr>
+            <p:spPr>
+              <a:xfrm>
+                <a:off x="3899" y="5721"/>
+                <a:ext cx="332" cy="332"/>
+              </a:xfrm>
+              <a:prstGeom prst="ellipse">
+                <a:avLst/>
+              </a:prstGeom>
+              <a:solidFill>
+                <a:schemeClr val="accent1">
+                  <a:lumMod val="60000"/>
+                  <a:lumOff val="40000"/>
+                </a:schemeClr>
+              </a:solidFill>
+            </p:spPr>
+            <p:style>
+              <a:lnRef idx="2">
+                <a:schemeClr val="accent1">
+                  <a:shade val="50000"/>
+                </a:schemeClr>
+              </a:lnRef>
+              <a:fillRef idx="1">
+                <a:schemeClr val="accent1"/>
+              </a:fillRef>
+              <a:effectRef idx="0">
+                <a:schemeClr val="accent1"/>
+              </a:effectRef>
+              <a:fontRef idx="minor">
+                <a:schemeClr val="lt1"/>
+              </a:fontRef>
+            </p:style>
+            <p:txBody>
+              <a:bodyPr rtlCol="0" anchor="ctr"/>
+              <a:p>
+                <a:pPr algn="ctr"/>
+                <a:endParaRPr lang="en-US"/>
+              </a:p>
+            </p:txBody>
+          </p:sp>
+          <p:cxnSp>
+            <p:nvCxnSpPr>
+              <p:cNvPr id="140" name="Straight Connector 139"/>
+              <p:cNvCxnSpPr/>
+              <p:nvPr/>
+            </p:nvCxnSpPr>
+            <p:spPr>
+              <a:xfrm>
+                <a:off x="4064" y="5533"/>
+                <a:ext cx="0" cy="188"/>
+              </a:xfrm>
+              <a:prstGeom prst="line">
+                <a:avLst/>
+              </a:prstGeom>
+              <a:ln w="28575">
+                <a:solidFill>
+                  <a:schemeClr val="accent1"/>
+                </a:solidFill>
+                <a:headEnd type="none"/>
+                <a:tailEnd type="none" w="med" len="med"/>
+              </a:ln>
+            </p:spPr>
+            <p:style>
+              <a:lnRef idx="1">
+                <a:schemeClr val="accent1"/>
+              </a:lnRef>
+              <a:fillRef idx="0">
+                <a:schemeClr val="accent1"/>
+              </a:fillRef>
+              <a:effectRef idx="0">
+                <a:schemeClr val="accent1"/>
+              </a:effectRef>
+              <a:fontRef idx="minor">
+                <a:schemeClr val="tx1"/>
+              </a:fontRef>
+            </p:style>
+          </p:cxnSp>
+          <p:sp>
+            <p:nvSpPr>
+              <p:cNvPr id="141" name="Text Box 140"/>
+              <p:cNvSpPr txBox="1"/>
+              <p:nvPr/>
+            </p:nvSpPr>
+            <p:spPr>
+              <a:xfrm>
+                <a:off x="3798" y="5707"/>
+                <a:ext cx="533" cy="386"/>
+              </a:xfrm>
+              <a:prstGeom prst="rect">
+                <a:avLst/>
+              </a:prstGeom>
+              <a:noFill/>
+            </p:spPr>
+            <p:txBody>
+              <a:bodyPr wrap="none" rtlCol="0">
+                <a:spAutoFit/>
+              </a:bodyPr>
+              <a:p>
+                <a:r>
+                  <a:rPr lang="en-US" altLang="en-US" sz="1000">
+                    <a:latin typeface="DejaVu Math TeX Gyre" panose="02000503000000000000" charset="0"/>
+                    <a:ea typeface="DejaVu Math TeX Gyre" panose="02000503000000000000" charset="0"/>
+                  </a:rPr>
+                  <a:t>Γ</a:t>
+                </a:r>
+                <a:r>
+                  <a:rPr lang="en-US" altLang="en-US" sz="1000" baseline="-25000">
+                    <a:latin typeface="DejaVu Math TeX Gyre" panose="02000503000000000000" charset="0"/>
+                    <a:ea typeface="DejaVu Math TeX Gyre" panose="02000503000000000000" charset="0"/>
+                  </a:rPr>
+                  <a:t>A</a:t>
+                </a:r>
+                <a:endParaRPr lang="en-US" altLang="en-US" sz="1000" baseline="-25000">
+                  <a:latin typeface="DejaVu Math TeX Gyre" panose="02000503000000000000" charset="0"/>
+                  <a:ea typeface="DejaVu Math TeX Gyre" panose="02000503000000000000" charset="0"/>
+                </a:endParaRPr>
+              </a:p>
+            </p:txBody>
+          </p:sp>
+        </p:grpSp>
+        <p:sp>
+          <p:nvSpPr>
+            <p:cNvPr id="144" name="Text Box 143"/>
+            <p:cNvSpPr txBox="1"/>
+            <p:nvPr/>
+          </p:nvSpPr>
+          <p:spPr>
+            <a:xfrm>
+              <a:off x="6905" y="4428"/>
+              <a:ext cx="528" cy="386"/>
+            </a:xfrm>
+            <a:prstGeom prst="rect">
+              <a:avLst/>
+            </a:prstGeom>
+            <a:noFill/>
+          </p:spPr>
+          <p:txBody>
+            <a:bodyPr wrap="none" rtlCol="0">
+              <a:spAutoFit/>
+            </a:bodyPr>
+            <a:p>
+              <a:r>
+                <a:rPr lang="en-US" altLang="en-US" sz="1000">
+                  <a:latin typeface="DejaVu Math TeX Gyre" panose="02000503000000000000" charset="0"/>
+                  <a:ea typeface="DejaVu Math TeX Gyre" panose="02000503000000000000" charset="0"/>
+                </a:rPr>
+                <a:t>λ</a:t>
+              </a:r>
+              <a:r>
+                <a:rPr lang="en-US" altLang="en-US" sz="1000" baseline="-25000">
+                  <a:latin typeface="DejaVu Math TeX Gyre" panose="02000503000000000000" charset="0"/>
+                  <a:ea typeface="DejaVu Math TeX Gyre" panose="02000503000000000000" charset="0"/>
+                </a:rPr>
+                <a:t>B</a:t>
+              </a:r>
+              <a:endParaRPr lang="en-US" altLang="en-US" sz="1000" baseline="-25000">
+                <a:latin typeface="DejaVu Math TeX Gyre" panose="02000503000000000000" charset="0"/>
+                <a:ea typeface="DejaVu Math TeX Gyre" panose="02000503000000000000" charset="0"/>
+              </a:endParaRPr>
+            </a:p>
+          </p:txBody>
+        </p:sp>
+        <p:sp>
+          <p:nvSpPr>
+            <p:cNvPr id="145" name="Flowchart: Decision 144"/>
+            <p:cNvSpPr/>
+            <p:nvPr/>
+          </p:nvSpPr>
+          <p:spPr>
+            <a:xfrm>
+              <a:off x="7050" y="4747"/>
+              <a:ext cx="220" cy="220"/>
+            </a:xfrm>
+            <a:prstGeom prst="flowChartDecision">
+              <a:avLst/>
+            </a:prstGeom>
+          </p:spPr>
+          <p:style>
+            <a:lnRef idx="2">
+              <a:schemeClr val="accent1">
+                <a:shade val="50000"/>
+              </a:schemeClr>
+            </a:lnRef>
+            <a:fillRef idx="1">
+              <a:schemeClr val="accent1"/>
+            </a:fillRef>
+            <a:effectRef idx="0">
+              <a:schemeClr val="accent1"/>
+            </a:effectRef>
+            <a:fontRef idx="minor">
+              <a:schemeClr val="lt1"/>
+            </a:fontRef>
+          </p:style>
+          <p:txBody>
+            <a:bodyPr rtlCol="0" anchor="ctr"/>
+            <a:p>
+              <a:pPr algn="ctr"/>
+              <a:endParaRPr lang="en-US"/>
+            </a:p>
+          </p:txBody>
+        </p:sp>
+        <p:grpSp>
+          <p:nvGrpSpPr>
+            <p:cNvPr id="148" name="Group 147"/>
+            <p:cNvGrpSpPr/>
+            <p:nvPr/>
+          </p:nvGrpSpPr>
+          <p:grpSpPr>
+            <a:xfrm rot="0">
+              <a:off x="6403" y="4511"/>
+              <a:ext cx="646" cy="560"/>
+              <a:chOff x="3798" y="5533"/>
+              <a:chExt cx="646" cy="560"/>
+            </a:xfrm>
+          </p:grpSpPr>
+          <p:sp>
+            <p:nvSpPr>
+              <p:cNvPr id="149" name="Oval 148"/>
+              <p:cNvSpPr/>
+              <p:nvPr/>
+            </p:nvSpPr>
+            <p:spPr>
+              <a:xfrm>
+                <a:off x="3899" y="5721"/>
+                <a:ext cx="332" cy="332"/>
+              </a:xfrm>
+              <a:prstGeom prst="ellipse">
+                <a:avLst/>
+              </a:prstGeom>
+              <a:solidFill>
+                <a:schemeClr val="accent1">
+                  <a:lumMod val="60000"/>
+                  <a:lumOff val="40000"/>
+                </a:schemeClr>
+              </a:solidFill>
+            </p:spPr>
+            <p:style>
+              <a:lnRef idx="2">
+                <a:schemeClr val="accent1">
+                  <a:shade val="50000"/>
+                </a:schemeClr>
+              </a:lnRef>
+              <a:fillRef idx="1">
+                <a:schemeClr val="accent1"/>
+              </a:fillRef>
+              <a:effectRef idx="0">
+                <a:schemeClr val="accent1"/>
+              </a:effectRef>
+              <a:fontRef idx="minor">
+                <a:schemeClr val="lt1"/>
+              </a:fontRef>
+            </p:style>
+            <p:txBody>
+              <a:bodyPr rtlCol="0" anchor="ctr"/>
+              <a:p>
+                <a:pPr algn="ctr"/>
+                <a:endParaRPr lang="en-US"/>
+              </a:p>
+            </p:txBody>
+          </p:sp>
+          <p:cxnSp>
+            <p:nvCxnSpPr>
+              <p:cNvPr id="150" name="Straight Connector 149"/>
+              <p:cNvCxnSpPr/>
+              <p:nvPr/>
+            </p:nvCxnSpPr>
+            <p:spPr>
+              <a:xfrm>
+                <a:off x="4064" y="5533"/>
+                <a:ext cx="0" cy="188"/>
+              </a:xfrm>
+              <a:prstGeom prst="line">
+                <a:avLst/>
+              </a:prstGeom>
+              <a:ln w="28575">
+                <a:solidFill>
+                  <a:schemeClr val="accent1"/>
+                </a:solidFill>
+                <a:headEnd type="none"/>
+                <a:tailEnd type="none" w="med" len="med"/>
+              </a:ln>
+            </p:spPr>
+            <p:style>
+              <a:lnRef idx="1">
+                <a:schemeClr val="accent1"/>
+              </a:lnRef>
+              <a:fillRef idx="0">
+                <a:schemeClr val="accent1"/>
+              </a:fillRef>
+              <a:effectRef idx="0">
+                <a:schemeClr val="accent1"/>
+              </a:effectRef>
+              <a:fontRef idx="minor">
+                <a:schemeClr val="tx1"/>
+              </a:fontRef>
+            </p:style>
+          </p:cxnSp>
+          <p:sp>
+            <p:nvSpPr>
+              <p:cNvPr id="151" name="Text Box 150"/>
+              <p:cNvSpPr txBox="1"/>
+              <p:nvPr/>
+            </p:nvSpPr>
+            <p:spPr>
+              <a:xfrm>
+                <a:off x="3798" y="5707"/>
+                <a:ext cx="534" cy="386"/>
+              </a:xfrm>
+              <a:prstGeom prst="rect">
+                <a:avLst/>
+              </a:prstGeom>
+              <a:noFill/>
+            </p:spPr>
+            <p:txBody>
+              <a:bodyPr wrap="none" rtlCol="0">
+                <a:spAutoFit/>
+              </a:bodyPr>
+              <a:p>
+                <a:r>
+                  <a:rPr lang="en-US" altLang="en-US" sz="1000">
+                    <a:latin typeface="DejaVu Math TeX Gyre" panose="02000503000000000000" charset="0"/>
+                    <a:ea typeface="DejaVu Math TeX Gyre" panose="02000503000000000000" charset="0"/>
+                  </a:rPr>
+                  <a:t>Γ</a:t>
+                </a:r>
+                <a:r>
+                  <a:rPr lang="en-US" altLang="en-US" sz="1000" baseline="-25000">
+                    <a:latin typeface="DejaVu Math TeX Gyre" panose="02000503000000000000" charset="0"/>
+                    <a:ea typeface="DejaVu Math TeX Gyre" panose="02000503000000000000" charset="0"/>
+                  </a:rPr>
+                  <a:t>B</a:t>
+                </a:r>
+                <a:endParaRPr lang="en-US" altLang="en-US" sz="1000" baseline="-25000">
+                  <a:latin typeface="DejaVu Math TeX Gyre" panose="02000503000000000000" charset="0"/>
+                  <a:ea typeface="DejaVu Math TeX Gyre" panose="02000503000000000000" charset="0"/>
+                </a:endParaRPr>
+              </a:p>
+            </p:txBody>
+          </p:sp>
+          <p:cxnSp>
+            <p:nvCxnSpPr>
+              <p:cNvPr id="152" name="Straight Connector 151"/>
+              <p:cNvCxnSpPr/>
+              <p:nvPr/>
+            </p:nvCxnSpPr>
+            <p:spPr>
+              <a:xfrm flipH="1">
+                <a:off x="4231" y="5880"/>
+                <a:ext cx="213" cy="1"/>
+              </a:xfrm>
+              <a:prstGeom prst="line">
+                <a:avLst/>
+              </a:prstGeom>
+              <a:ln w="28575">
+                <a:solidFill>
+                  <a:schemeClr val="accent2"/>
+                </a:solidFill>
+                <a:headEnd type="none"/>
+                <a:tailEnd type="none" w="med" len="med"/>
+              </a:ln>
+            </p:spPr>
+            <p:style>
+              <a:lnRef idx="1">
+                <a:schemeClr val="accent1"/>
+              </a:lnRef>
+              <a:fillRef idx="0">
+                <a:schemeClr val="accent1"/>
+              </a:fillRef>
+              <a:effectRef idx="0">
+                <a:schemeClr val="accent1"/>
+              </a:effectRef>
+              <a:fontRef idx="minor">
+                <a:schemeClr val="tx1"/>
+              </a:fontRef>
+            </p:style>
+          </p:cxnSp>
+        </p:grpSp>
+        <p:cxnSp>
+          <p:nvCxnSpPr>
+            <p:cNvPr id="153" name="Straight Connector 152"/>
+            <p:cNvCxnSpPr/>
+            <p:nvPr/>
+          </p:nvCxnSpPr>
+          <p:spPr>
+            <a:xfrm flipH="1" flipV="1">
+              <a:off x="6295" y="4861"/>
+              <a:ext cx="212" cy="3"/>
+            </a:xfrm>
+            <a:prstGeom prst="line">
+              <a:avLst/>
+            </a:prstGeom>
+            <a:ln w="28575">
+              <a:solidFill>
+                <a:schemeClr val="accent2"/>
+              </a:solidFill>
+              <a:headEnd type="none"/>
+              <a:tailEnd type="none" w="med" len="med"/>
+            </a:ln>
+          </p:spPr>
+          <p:style>
+            <a:lnRef idx="1">
+              <a:schemeClr val="accent1"/>
+            </a:lnRef>
+            <a:fillRef idx="0">
+              <a:schemeClr val="accent1"/>
+            </a:fillRef>
+            <a:effectRef idx="0">
+              <a:schemeClr val="accent1"/>
+            </a:effectRef>
+            <a:fontRef idx="minor">
+              <a:schemeClr val="tx1"/>
+            </a:fontRef>
+          </p:style>
+        </p:cxnSp>
+        <p:cxnSp>
+          <p:nvCxnSpPr>
+            <p:cNvPr id="156" name="Straight Connector 155"/>
+            <p:cNvCxnSpPr/>
+            <p:nvPr/>
+          </p:nvCxnSpPr>
+          <p:spPr>
+            <a:xfrm flipH="1">
+              <a:off x="7270" y="4855"/>
+              <a:ext cx="213" cy="1"/>
+            </a:xfrm>
+            <a:prstGeom prst="line">
+              <a:avLst/>
+            </a:prstGeom>
+            <a:ln w="28575">
+              <a:solidFill>
+                <a:schemeClr val="accent2"/>
+              </a:solidFill>
+              <a:headEnd type="none"/>
+              <a:tailEnd type="none" w="med" len="med"/>
+            </a:ln>
+          </p:spPr>
+          <p:style>
+            <a:lnRef idx="1">
+              <a:schemeClr val="accent1"/>
+            </a:lnRef>
+            <a:fillRef idx="0">
+              <a:schemeClr val="accent1"/>
+            </a:fillRef>
+            <a:effectRef idx="0">
+              <a:schemeClr val="accent1"/>
+            </a:effectRef>
+            <a:fontRef idx="minor">
+              <a:schemeClr val="tx1"/>
+            </a:fontRef>
+          </p:style>
+        </p:cxnSp>
+        <p:cxnSp>
+          <p:nvCxnSpPr>
+            <p:cNvPr id="157" name="Straight Connector 156"/>
+            <p:cNvCxnSpPr/>
+            <p:nvPr/>
+          </p:nvCxnSpPr>
+          <p:spPr>
+            <a:xfrm flipH="1">
+              <a:off x="7816" y="4854"/>
+              <a:ext cx="213" cy="1"/>
+            </a:xfrm>
+            <a:prstGeom prst="line">
+              <a:avLst/>
+            </a:prstGeom>
+            <a:ln w="28575">
+              <a:solidFill>
+                <a:schemeClr val="accent2"/>
+              </a:solidFill>
+              <a:headEnd type="none"/>
+              <a:tailEnd type="none" w="med" len="med"/>
+            </a:ln>
+          </p:spPr>
+          <p:style>
+            <a:lnRef idx="1">
+              <a:schemeClr val="accent1"/>
+            </a:lnRef>
+            <a:fillRef idx="0">
+              <a:schemeClr val="accent1"/>
+            </a:fillRef>
+            <a:effectRef idx="0">
+              <a:schemeClr val="accent1"/>
+            </a:effectRef>
+            <a:fontRef idx="minor">
+              <a:schemeClr val="tx1"/>
+            </a:fontRef>
+          </p:style>
+        </p:cxnSp>
+        <p:cxnSp>
+          <p:nvCxnSpPr>
+            <p:cNvPr id="158" name="Straight Connector 157"/>
+            <p:cNvCxnSpPr/>
+            <p:nvPr/>
+          </p:nvCxnSpPr>
+          <p:spPr>
+            <a:xfrm>
+              <a:off x="5913" y="4865"/>
+              <a:ext cx="129" cy="2"/>
+            </a:xfrm>
+            <a:prstGeom prst="line">
+              <a:avLst/>
+            </a:prstGeom>
+            <a:ln w="12700">
+              <a:solidFill>
+                <a:schemeClr val="bg1">
+                  <a:lumMod val="65000"/>
+                </a:schemeClr>
+              </a:solidFill>
+              <a:prstDash val="sysDot"/>
+              <a:headEnd type="none"/>
+              <a:tailEnd type="none" w="med" len="med"/>
+            </a:ln>
+          </p:spPr>
+          <p:style>
+            <a:lnRef idx="2">
+              <a:schemeClr val="accent4">
+                <a:shade val="50000"/>
+              </a:schemeClr>
+            </a:lnRef>
+            <a:fillRef idx="1">
+              <a:schemeClr val="accent4"/>
+            </a:fillRef>
+            <a:effectRef idx="0">
+              <a:schemeClr val="accent4"/>
+            </a:effectRef>
+            <a:fontRef idx="minor">
+              <a:schemeClr val="lt1"/>
+            </a:fontRef>
+          </p:style>
+        </p:cxnSp>
+      </p:grpSp>
+      <p:grpSp>
+        <p:nvGrpSpPr>
+          <p:cNvPr id="236" name="Group 235"/>
+          <p:cNvGrpSpPr/>
+          <p:nvPr/>
+        </p:nvGrpSpPr>
+        <p:grpSpPr>
+          <a:xfrm>
+            <a:off x="4206240" y="1071880"/>
+            <a:ext cx="2846070" cy="2986405"/>
+            <a:chOff x="6124" y="1345"/>
+            <a:chExt cx="4482" cy="4703"/>
+          </a:xfrm>
+        </p:grpSpPr>
+        <p:grpSp>
+          <p:nvGrpSpPr>
+            <p:cNvPr id="161" name="Group 160"/>
+            <p:cNvGrpSpPr/>
+            <p:nvPr/>
+          </p:nvGrpSpPr>
+          <p:grpSpPr>
+            <a:xfrm rot="0">
+              <a:off x="6560" y="5405"/>
+              <a:ext cx="690" cy="547"/>
+              <a:chOff x="3161" y="4501"/>
+              <a:chExt cx="690" cy="547"/>
+            </a:xfrm>
+          </p:grpSpPr>
+          <p:sp>
+            <p:nvSpPr>
+              <p:cNvPr id="162" name="Text Box 161"/>
+              <p:cNvSpPr txBox="1"/>
+              <p:nvPr/>
+            </p:nvSpPr>
+            <p:spPr>
+              <a:xfrm>
+                <a:off x="3323" y="4501"/>
+                <a:ext cx="528" cy="386"/>
+              </a:xfrm>
+              <a:prstGeom prst="rect">
+                <a:avLst/>
+              </a:prstGeom>
+              <a:noFill/>
+            </p:spPr>
+            <p:txBody>
+              <a:bodyPr wrap="none" rtlCol="0">
+                <a:spAutoFit/>
+              </a:bodyPr>
+              <a:p>
+                <a:r>
+                  <a:rPr lang="en-US" altLang="en-US" sz="1000">
+                    <a:solidFill>
+                      <a:schemeClr val="bg1">
+                        <a:lumMod val="50000"/>
+                      </a:schemeClr>
+                    </a:solidFill>
+                    <a:latin typeface="DejaVu Math TeX Gyre" panose="02000503000000000000" charset="0"/>
+                    <a:ea typeface="DejaVu Math TeX Gyre" panose="02000503000000000000" charset="0"/>
+                  </a:rPr>
+                  <a:t>λ</a:t>
+                </a:r>
+                <a:r>
+                  <a:rPr lang="en-US" altLang="en-US" sz="1000" baseline="-25000">
+                    <a:solidFill>
+                      <a:schemeClr val="bg1">
+                        <a:lumMod val="50000"/>
+                      </a:schemeClr>
+                    </a:solidFill>
+                    <a:latin typeface="DejaVu Math TeX Gyre" panose="02000503000000000000" charset="0"/>
+                    <a:ea typeface="DejaVu Math TeX Gyre" panose="02000503000000000000" charset="0"/>
+                  </a:rPr>
+                  <a:t>B</a:t>
+                </a:r>
+                <a:endParaRPr lang="en-US" altLang="en-US" sz="1000" baseline="-25000">
+                  <a:solidFill>
+                    <a:schemeClr val="bg1">
+                      <a:lumMod val="50000"/>
+                    </a:schemeClr>
+                  </a:solidFill>
+                  <a:latin typeface="DejaVu Math TeX Gyre" panose="02000503000000000000" charset="0"/>
+                  <a:ea typeface="DejaVu Math TeX Gyre" panose="02000503000000000000" charset="0"/>
+                </a:endParaRPr>
+              </a:p>
+            </p:txBody>
+          </p:sp>
+          <p:sp>
+            <p:nvSpPr>
+              <p:cNvPr id="163" name="Flowchart: Decision 162"/>
+              <p:cNvSpPr/>
+              <p:nvPr/>
+            </p:nvSpPr>
+            <p:spPr>
+              <a:xfrm>
+                <a:off x="3461" y="4828"/>
+                <a:ext cx="220" cy="220"/>
+              </a:xfrm>
+              <a:prstGeom prst="flowChartDecision">
+                <a:avLst/>
+              </a:prstGeom>
+              <a:solidFill>
+                <a:schemeClr val="accent1">
+                  <a:lumMod val="20000"/>
+                  <a:lumOff val="80000"/>
+                </a:schemeClr>
+              </a:solidFill>
+              <a:ln>
+                <a:solidFill>
+                  <a:schemeClr val="accent1">
+                    <a:lumMod val="60000"/>
+                    <a:lumOff val="40000"/>
+                  </a:schemeClr>
+                </a:solidFill>
+              </a:ln>
+            </p:spPr>
+            <p:style>
+              <a:lnRef idx="2">
+                <a:schemeClr val="accent3">
+                  <a:shade val="50000"/>
+                </a:schemeClr>
+              </a:lnRef>
+              <a:fillRef idx="1">
+                <a:schemeClr val="accent3"/>
+              </a:fillRef>
+              <a:effectRef idx="0">
+                <a:schemeClr val="accent3"/>
+              </a:effectRef>
+              <a:fontRef idx="minor">
+                <a:schemeClr val="lt1"/>
+              </a:fontRef>
+            </p:style>
+            <p:txBody>
+              <a:bodyPr rtlCol="0" anchor="ctr"/>
+              <a:p>
+                <a:pPr algn="ctr"/>
+                <a:endParaRPr lang="en-US"/>
+              </a:p>
+            </p:txBody>
+          </p:sp>
+          <p:cxnSp>
+            <p:nvCxnSpPr>
+              <p:cNvPr id="164" name="Straight Connector 163"/>
+              <p:cNvCxnSpPr/>
+              <p:nvPr/>
+            </p:nvCxnSpPr>
+            <p:spPr>
+              <a:xfrm>
+                <a:off x="3161" y="4932"/>
+                <a:ext cx="129" cy="2"/>
+              </a:xfrm>
+              <a:prstGeom prst="line">
+                <a:avLst/>
+              </a:prstGeom>
+              <a:ln w="12700">
+                <a:solidFill>
+                  <a:schemeClr val="bg1">
+                    <a:lumMod val="65000"/>
+                  </a:schemeClr>
+                </a:solidFill>
+                <a:prstDash val="sysDot"/>
+                <a:headEnd type="none"/>
+                <a:tailEnd type="none" w="med" len="med"/>
+              </a:ln>
+            </p:spPr>
+            <p:style>
+              <a:lnRef idx="2">
+                <a:schemeClr val="accent4">
+                  <a:shade val="50000"/>
+                </a:schemeClr>
+              </a:lnRef>
+              <a:fillRef idx="1">
+                <a:schemeClr val="accent4"/>
+              </a:fillRef>
+              <a:effectRef idx="0">
+                <a:schemeClr val="accent4"/>
+              </a:effectRef>
+              <a:fontRef idx="minor">
+                <a:schemeClr val="lt1"/>
+              </a:fontRef>
+            </p:style>
+          </p:cxnSp>
+          <p:cxnSp>
+            <p:nvCxnSpPr>
+              <p:cNvPr id="165" name="Straight Connector 164"/>
+              <p:cNvCxnSpPr/>
+              <p:nvPr/>
+            </p:nvCxnSpPr>
+            <p:spPr>
+              <a:xfrm flipH="1" flipV="1">
+                <a:off x="3296" y="4930"/>
+                <a:ext cx="165" cy="2"/>
+              </a:xfrm>
+              <a:prstGeom prst="line">
+                <a:avLst/>
+              </a:prstGeom>
+              <a:ln w="28575">
+                <a:solidFill>
+                  <a:schemeClr val="accent2">
+                    <a:lumMod val="60000"/>
+                    <a:lumOff val="40000"/>
+                  </a:schemeClr>
+                </a:solidFill>
+                <a:headEnd type="none"/>
+                <a:tailEnd type="none" w="med" len="med"/>
+              </a:ln>
+            </p:spPr>
+            <p:style>
+              <a:lnRef idx="1">
+                <a:schemeClr val="accent1"/>
+              </a:lnRef>
+              <a:fillRef idx="0">
+                <a:schemeClr val="accent1"/>
+              </a:fillRef>
+              <a:effectRef idx="0">
+                <a:schemeClr val="accent1"/>
+              </a:effectRef>
+              <a:fontRef idx="minor">
+                <a:schemeClr val="tx1"/>
+              </a:fontRef>
+            </p:style>
+          </p:cxnSp>
+        </p:grpSp>
+        <p:sp>
+          <p:nvSpPr>
+            <p:cNvPr id="166" name="Rounded Rectangle 165"/>
+            <p:cNvSpPr/>
+            <p:nvPr/>
+          </p:nvSpPr>
+          <p:spPr>
+            <a:xfrm>
+              <a:off x="7245" y="4400"/>
+              <a:ext cx="1305" cy="674"/>
+            </a:xfrm>
+            <a:prstGeom prst="roundRect">
+              <a:avLst/>
+            </a:prstGeom>
+            <a:ln w="19050"/>
+          </p:spPr>
+          <p:style>
+            <a:lnRef idx="2">
+              <a:schemeClr val="accent4">
+                <a:shade val="50000"/>
+              </a:schemeClr>
+            </a:lnRef>
+            <a:fillRef idx="1">
+              <a:schemeClr val="accent4"/>
+            </a:fillRef>
+            <a:effectRef idx="0">
+              <a:schemeClr val="accent4"/>
+            </a:effectRef>
+            <a:fontRef idx="minor">
+              <a:schemeClr val="lt1"/>
+            </a:fontRef>
+          </p:style>
+          <p:txBody>
+            <a:bodyPr rtlCol="0" anchor="ctr"/>
+            <a:p>
+              <a:pPr algn="ctr"/>
+              <a:endParaRPr lang="en-US"/>
+            </a:p>
+          </p:txBody>
+        </p:sp>
+        <p:cxnSp>
+          <p:nvCxnSpPr>
+            <p:cNvPr id="167" name="Straight Connector 166"/>
+            <p:cNvCxnSpPr/>
+            <p:nvPr/>
+          </p:nvCxnSpPr>
+          <p:spPr>
+            <a:xfrm flipH="1">
+              <a:off x="7408" y="4100"/>
+              <a:ext cx="2" cy="300"/>
+            </a:xfrm>
+            <a:prstGeom prst="line">
+              <a:avLst/>
+            </a:prstGeom>
+            <a:ln w="28575">
+              <a:solidFill>
+                <a:schemeClr val="accent4">
+                  <a:lumMod val="75000"/>
+                </a:schemeClr>
+              </a:solidFill>
+              <a:headEnd type="none"/>
+              <a:tailEnd type="none" w="med" len="med"/>
+            </a:ln>
+          </p:spPr>
+          <p:style>
+            <a:lnRef idx="1">
+              <a:schemeClr val="accent1"/>
+            </a:lnRef>
+            <a:fillRef idx="0">
+              <a:schemeClr val="accent1"/>
+            </a:fillRef>
+            <a:effectRef idx="0">
+              <a:schemeClr val="accent1"/>
+            </a:effectRef>
+            <a:fontRef idx="minor">
+              <a:schemeClr val="tx1"/>
+            </a:fontRef>
+          </p:style>
+        </p:cxnSp>
+        <p:cxnSp>
+          <p:nvCxnSpPr>
+            <p:cNvPr id="168" name="Straight Connector 167"/>
+            <p:cNvCxnSpPr/>
+            <p:nvPr/>
+          </p:nvCxnSpPr>
+          <p:spPr>
+            <a:xfrm flipH="1">
+              <a:off x="8383" y="4100"/>
+              <a:ext cx="2" cy="300"/>
+            </a:xfrm>
+            <a:prstGeom prst="line">
+              <a:avLst/>
+            </a:prstGeom>
+            <a:ln w="28575">
+              <a:solidFill>
+                <a:schemeClr val="accent4">
+                  <a:lumMod val="75000"/>
+                </a:schemeClr>
+              </a:solidFill>
+              <a:headEnd type="none"/>
+              <a:tailEnd type="none" w="med" len="med"/>
+            </a:ln>
+          </p:spPr>
+          <p:style>
+            <a:lnRef idx="1">
+              <a:schemeClr val="accent1"/>
+            </a:lnRef>
+            <a:fillRef idx="0">
+              <a:schemeClr val="accent1"/>
+            </a:fillRef>
+            <a:effectRef idx="0">
+              <a:schemeClr val="accent1"/>
+            </a:effectRef>
+            <a:fontRef idx="minor">
+              <a:schemeClr val="tx1"/>
+            </a:fontRef>
+          </p:style>
+        </p:cxnSp>
+        <p:cxnSp>
+          <p:nvCxnSpPr>
+            <p:cNvPr id="169" name="Straight Connector 168"/>
+            <p:cNvCxnSpPr/>
+            <p:nvPr/>
+          </p:nvCxnSpPr>
+          <p:spPr>
+            <a:xfrm flipH="1">
+              <a:off x="7410" y="5083"/>
+              <a:ext cx="2" cy="300"/>
+            </a:xfrm>
+            <a:prstGeom prst="line">
+              <a:avLst/>
+            </a:prstGeom>
+            <a:ln w="28575">
+              <a:solidFill>
+                <a:schemeClr val="accent4">
+                  <a:lumMod val="75000"/>
+                </a:schemeClr>
+              </a:solidFill>
+              <a:headEnd type="none"/>
+              <a:tailEnd type="none" w="med" len="med"/>
+            </a:ln>
+          </p:spPr>
+          <p:style>
+            <a:lnRef idx="1">
+              <a:schemeClr val="accent1"/>
+            </a:lnRef>
+            <a:fillRef idx="0">
+              <a:schemeClr val="accent1"/>
+            </a:fillRef>
+            <a:effectRef idx="0">
+              <a:schemeClr val="accent1"/>
+            </a:effectRef>
+            <a:fontRef idx="minor">
+              <a:schemeClr val="tx1"/>
+            </a:fontRef>
+          </p:style>
+        </p:cxnSp>
+        <p:cxnSp>
+          <p:nvCxnSpPr>
+            <p:cNvPr id="170" name="Straight Connector 169"/>
+            <p:cNvCxnSpPr/>
+            <p:nvPr/>
+          </p:nvCxnSpPr>
+          <p:spPr>
+            <a:xfrm flipH="1">
+              <a:off x="8382" y="5074"/>
+              <a:ext cx="2" cy="300"/>
+            </a:xfrm>
+            <a:prstGeom prst="line">
+              <a:avLst/>
+            </a:prstGeom>
+            <a:ln w="28575">
+              <a:solidFill>
+                <a:schemeClr val="accent4">
+                  <a:lumMod val="75000"/>
+                </a:schemeClr>
+              </a:solidFill>
+              <a:headEnd type="none"/>
+              <a:tailEnd type="none" w="med" len="med"/>
+            </a:ln>
+          </p:spPr>
+          <p:style>
+            <a:lnRef idx="1">
+              <a:schemeClr val="accent1"/>
+            </a:lnRef>
+            <a:fillRef idx="0">
+              <a:schemeClr val="accent1"/>
+            </a:fillRef>
+            <a:effectRef idx="0">
+              <a:schemeClr val="accent1"/>
+            </a:effectRef>
+            <a:fontRef idx="minor">
+              <a:schemeClr val="tx1"/>
+            </a:fontRef>
+          </p:style>
+        </p:cxnSp>
+        <p:sp>
+          <p:nvSpPr>
+            <p:cNvPr id="171" name="Text Box 170"/>
+            <p:cNvSpPr txBox="1"/>
+            <p:nvPr/>
+          </p:nvSpPr>
+          <p:spPr>
+            <a:xfrm>
+              <a:off x="7683" y="4574"/>
+              <a:ext cx="533" cy="386"/>
+            </a:xfrm>
+            <a:prstGeom prst="rect">
+              <a:avLst/>
+            </a:prstGeom>
+            <a:noFill/>
+          </p:spPr>
+          <p:txBody>
+            <a:bodyPr wrap="none" rtlCol="0">
+              <a:spAutoFit/>
+            </a:bodyPr>
+            <a:p>
+              <a:r>
+                <a:rPr lang="en-US" altLang="en-US" sz="1000">
+                  <a:latin typeface="DejaVu Math TeX Gyre" panose="02000503000000000000" charset="0"/>
+                  <a:ea typeface="DejaVu Math TeX Gyre" panose="02000503000000000000" charset="0"/>
+                </a:rPr>
+                <a:t>U</a:t>
+              </a:r>
+              <a:r>
+                <a:rPr lang="en-US" altLang="en-US" sz="1000" baseline="-25000">
+                  <a:latin typeface="DejaVu Math TeX Gyre" panose="02000503000000000000" charset="0"/>
+                  <a:ea typeface="DejaVu Math TeX Gyre" panose="02000503000000000000" charset="0"/>
+                </a:rPr>
+                <a:t>a</a:t>
+              </a:r>
+              <a:endParaRPr lang="en-US" altLang="en-US" sz="1000" baseline="-25000">
+                <a:latin typeface="DejaVu Math TeX Gyre" panose="02000503000000000000" charset="0"/>
+                <a:ea typeface="DejaVu Math TeX Gyre" panose="02000503000000000000" charset="0"/>
+              </a:endParaRPr>
+            </a:p>
+          </p:txBody>
+        </p:sp>
+        <p:sp>
+          <p:nvSpPr>
+            <p:cNvPr id="172" name="Text Box 171"/>
+            <p:cNvSpPr txBox="1"/>
+            <p:nvPr/>
+          </p:nvSpPr>
+          <p:spPr>
+            <a:xfrm>
+              <a:off x="7636" y="5382"/>
+              <a:ext cx="527" cy="386"/>
+            </a:xfrm>
+            <a:prstGeom prst="rect">
+              <a:avLst/>
+            </a:prstGeom>
+            <a:noFill/>
+          </p:spPr>
+          <p:txBody>
+            <a:bodyPr wrap="none" rtlCol="0">
+              <a:spAutoFit/>
+            </a:bodyPr>
+            <a:p>
+              <a:r>
+                <a:rPr lang="en-US" altLang="en-US" sz="1000">
+                  <a:latin typeface="DejaVu Math TeX Gyre" panose="02000503000000000000" charset="0"/>
+                  <a:ea typeface="DejaVu Math TeX Gyre" panose="02000503000000000000" charset="0"/>
+                </a:rPr>
+                <a:t>λ</a:t>
+              </a:r>
+              <a:r>
+                <a:rPr lang="en-US" altLang="en-US" sz="1000" baseline="-25000">
+                  <a:latin typeface="DejaVu Math TeX Gyre" panose="02000503000000000000" charset="0"/>
+                  <a:ea typeface="DejaVu Math TeX Gyre" panose="02000503000000000000" charset="0"/>
+                </a:rPr>
+                <a:t>A</a:t>
+              </a:r>
+              <a:endParaRPr lang="en-US" altLang="en-US" sz="1000" baseline="-25000">
+                <a:latin typeface="DejaVu Math TeX Gyre" panose="02000503000000000000" charset="0"/>
+                <a:ea typeface="DejaVu Math TeX Gyre" panose="02000503000000000000" charset="0"/>
+              </a:endParaRPr>
+            </a:p>
+          </p:txBody>
+        </p:sp>
+        <p:sp>
+          <p:nvSpPr>
+            <p:cNvPr id="173" name="Flowchart: Decision 172"/>
+            <p:cNvSpPr/>
+            <p:nvPr/>
+          </p:nvSpPr>
+          <p:spPr>
+            <a:xfrm>
+              <a:off x="7789" y="5729"/>
+              <a:ext cx="220" cy="220"/>
+            </a:xfrm>
+            <a:prstGeom prst="flowChartDecision">
+              <a:avLst/>
+            </a:prstGeom>
+          </p:spPr>
+          <p:style>
+            <a:lnRef idx="2">
+              <a:schemeClr val="accent1">
+                <a:shade val="50000"/>
+              </a:schemeClr>
+            </a:lnRef>
+            <a:fillRef idx="1">
+              <a:schemeClr val="accent1"/>
+            </a:fillRef>
+            <a:effectRef idx="0">
+              <a:schemeClr val="accent1"/>
+            </a:effectRef>
+            <a:fontRef idx="minor">
+              <a:schemeClr val="lt1"/>
+            </a:fontRef>
+          </p:style>
+          <p:txBody>
+            <a:bodyPr rtlCol="0" anchor="ctr"/>
+            <a:p>
+              <a:pPr algn="ctr"/>
+              <a:endParaRPr lang="en-US"/>
+            </a:p>
+          </p:txBody>
+        </p:sp>
+        <p:grpSp>
+          <p:nvGrpSpPr>
+            <p:cNvPr id="174" name="Group 173"/>
+            <p:cNvGrpSpPr/>
+            <p:nvPr/>
+          </p:nvGrpSpPr>
+          <p:grpSpPr>
+            <a:xfrm rot="0">
+              <a:off x="7080" y="5488"/>
+              <a:ext cx="709" cy="560"/>
+              <a:chOff x="3734" y="5533"/>
+              <a:chExt cx="709" cy="560"/>
+            </a:xfrm>
+          </p:grpSpPr>
+          <p:sp>
+            <p:nvSpPr>
+              <p:cNvPr id="175" name="Oval 174"/>
+              <p:cNvSpPr/>
+              <p:nvPr/>
+            </p:nvSpPr>
+            <p:spPr>
+              <a:xfrm>
+                <a:off x="3899" y="5721"/>
+                <a:ext cx="332" cy="332"/>
+              </a:xfrm>
+              <a:prstGeom prst="ellipse">
+                <a:avLst/>
+              </a:prstGeom>
+              <a:solidFill>
+                <a:schemeClr val="accent1">
+                  <a:lumMod val="60000"/>
+                  <a:lumOff val="40000"/>
+                </a:schemeClr>
+              </a:solidFill>
+            </p:spPr>
+            <p:style>
+              <a:lnRef idx="2">
+                <a:schemeClr val="accent1">
+                  <a:shade val="50000"/>
+                </a:schemeClr>
+              </a:lnRef>
+              <a:fillRef idx="1">
+                <a:schemeClr val="accent1"/>
+              </a:fillRef>
+              <a:effectRef idx="0">
+                <a:schemeClr val="accent1"/>
+              </a:effectRef>
+              <a:fontRef idx="minor">
+                <a:schemeClr val="lt1"/>
+              </a:fontRef>
+            </p:style>
+            <p:txBody>
+              <a:bodyPr rtlCol="0" anchor="ctr"/>
+              <a:p>
+                <a:pPr algn="ctr"/>
+                <a:endParaRPr lang="en-US"/>
+              </a:p>
+            </p:txBody>
+          </p:sp>
+          <p:cxnSp>
+            <p:nvCxnSpPr>
+              <p:cNvPr id="176" name="Straight Connector 175"/>
+              <p:cNvCxnSpPr/>
+              <p:nvPr/>
+            </p:nvCxnSpPr>
+            <p:spPr>
+              <a:xfrm>
+                <a:off x="4064" y="5533"/>
+                <a:ext cx="0" cy="188"/>
+              </a:xfrm>
+              <a:prstGeom prst="line">
+                <a:avLst/>
+              </a:prstGeom>
+              <a:ln w="28575">
+                <a:solidFill>
+                  <a:schemeClr val="accent1"/>
+                </a:solidFill>
+                <a:headEnd type="none"/>
+                <a:tailEnd type="none" w="med" len="med"/>
+              </a:ln>
+            </p:spPr>
+            <p:style>
+              <a:lnRef idx="1">
+                <a:schemeClr val="accent1"/>
+              </a:lnRef>
+              <a:fillRef idx="0">
+                <a:schemeClr val="accent1"/>
+              </a:fillRef>
+              <a:effectRef idx="0">
+                <a:schemeClr val="accent1"/>
+              </a:effectRef>
+              <a:fontRef idx="minor">
+                <a:schemeClr val="tx1"/>
+              </a:fontRef>
+            </p:style>
+          </p:cxnSp>
+          <p:sp>
+            <p:nvSpPr>
+              <p:cNvPr id="177" name="Text Box 176"/>
+              <p:cNvSpPr txBox="1"/>
+              <p:nvPr/>
+            </p:nvSpPr>
+            <p:spPr>
+              <a:xfrm>
+                <a:off x="3798" y="5707"/>
+                <a:ext cx="533" cy="386"/>
+              </a:xfrm>
+              <a:prstGeom prst="rect">
+                <a:avLst/>
+              </a:prstGeom>
+              <a:noFill/>
+            </p:spPr>
+            <p:txBody>
+              <a:bodyPr wrap="none" rtlCol="0">
+                <a:spAutoFit/>
+              </a:bodyPr>
+              <a:p>
+                <a:r>
+                  <a:rPr lang="en-US" altLang="en-US" sz="1000">
+                    <a:latin typeface="DejaVu Math TeX Gyre" panose="02000503000000000000" charset="0"/>
+                    <a:ea typeface="DejaVu Math TeX Gyre" panose="02000503000000000000" charset="0"/>
+                  </a:rPr>
+                  <a:t>Γ</a:t>
+                </a:r>
+                <a:r>
+                  <a:rPr lang="en-US" altLang="en-US" sz="1000" baseline="-25000">
+                    <a:latin typeface="DejaVu Math TeX Gyre" panose="02000503000000000000" charset="0"/>
+                    <a:ea typeface="DejaVu Math TeX Gyre" panose="02000503000000000000" charset="0"/>
+                  </a:rPr>
+                  <a:t>A</a:t>
+                </a:r>
+                <a:endParaRPr lang="en-US" altLang="en-US" sz="1000" baseline="-25000">
+                  <a:latin typeface="DejaVu Math TeX Gyre" panose="02000503000000000000" charset="0"/>
+                  <a:ea typeface="DejaVu Math TeX Gyre" panose="02000503000000000000" charset="0"/>
+                </a:endParaRPr>
+              </a:p>
+            </p:txBody>
+          </p:sp>
+          <p:cxnSp>
+            <p:nvCxnSpPr>
+              <p:cNvPr id="178" name="Straight Connector 177"/>
+              <p:cNvCxnSpPr/>
+              <p:nvPr/>
+            </p:nvCxnSpPr>
+            <p:spPr>
+              <a:xfrm flipH="1" flipV="1">
+                <a:off x="3734" y="5883"/>
+                <a:ext cx="165" cy="2"/>
+              </a:xfrm>
+              <a:prstGeom prst="line">
+                <a:avLst/>
+              </a:prstGeom>
+              <a:ln w="28575">
+                <a:solidFill>
+                  <a:schemeClr val="accent2"/>
+                </a:solidFill>
+                <a:headEnd type="none"/>
+                <a:tailEnd type="none" w="med" len="med"/>
+              </a:ln>
+            </p:spPr>
+            <p:style>
+              <a:lnRef idx="1">
+                <a:schemeClr val="accent1"/>
+              </a:lnRef>
+              <a:fillRef idx="0">
+                <a:schemeClr val="accent1"/>
+              </a:fillRef>
+              <a:effectRef idx="0">
+                <a:schemeClr val="accent1"/>
+              </a:effectRef>
+              <a:fontRef idx="minor">
+                <a:schemeClr val="tx1"/>
+              </a:fontRef>
+            </p:style>
+          </p:cxnSp>
+          <p:cxnSp>
+            <p:nvCxnSpPr>
+              <p:cNvPr id="179" name="Straight Connector 178"/>
+              <p:cNvCxnSpPr>
+                <a:stCxn id="173" idx="1"/>
+              </p:cNvCxnSpPr>
+              <p:nvPr/>
+            </p:nvCxnSpPr>
+            <p:spPr>
+              <a:xfrm flipH="1" flipV="1">
+                <a:off x="4231" y="5881"/>
+                <a:ext cx="212" cy="3"/>
+              </a:xfrm>
+              <a:prstGeom prst="line">
+                <a:avLst/>
+              </a:prstGeom>
+              <a:ln w="28575">
+                <a:solidFill>
+                  <a:schemeClr val="accent2"/>
+                </a:solidFill>
+                <a:headEnd type="none"/>
+                <a:tailEnd type="none" w="med" len="med"/>
+              </a:ln>
+            </p:spPr>
+            <p:style>
+              <a:lnRef idx="1">
+                <a:schemeClr val="accent1"/>
+              </a:lnRef>
+              <a:fillRef idx="0">
+                <a:schemeClr val="accent1"/>
+              </a:fillRef>
+              <a:effectRef idx="0">
+                <a:schemeClr val="accent1"/>
+              </a:effectRef>
+              <a:fontRef idx="minor">
+                <a:schemeClr val="tx1"/>
+              </a:fontRef>
+            </p:style>
+          </p:cxnSp>
+        </p:grpSp>
+        <p:sp>
+          <p:nvSpPr>
+            <p:cNvPr id="180" name="Text Box 179"/>
+            <p:cNvSpPr txBox="1"/>
+            <p:nvPr/>
+          </p:nvSpPr>
+          <p:spPr>
+            <a:xfrm>
+              <a:off x="8601" y="5403"/>
+              <a:ext cx="528" cy="386"/>
+            </a:xfrm>
+            <a:prstGeom prst="rect">
+              <a:avLst/>
+            </a:prstGeom>
+            <a:noFill/>
+          </p:spPr>
+          <p:txBody>
+            <a:bodyPr wrap="none" rtlCol="0">
+              <a:spAutoFit/>
+            </a:bodyPr>
+            <a:p>
+              <a:r>
+                <a:rPr lang="en-US" altLang="en-US" sz="1000">
+                  <a:latin typeface="DejaVu Math TeX Gyre" panose="02000503000000000000" charset="0"/>
+                  <a:ea typeface="DejaVu Math TeX Gyre" panose="02000503000000000000" charset="0"/>
+                </a:rPr>
+                <a:t>λ</a:t>
+              </a:r>
+              <a:r>
+                <a:rPr lang="en-US" altLang="en-US" sz="1000" baseline="-25000">
+                  <a:latin typeface="DejaVu Math TeX Gyre" panose="02000503000000000000" charset="0"/>
+                  <a:ea typeface="DejaVu Math TeX Gyre" panose="02000503000000000000" charset="0"/>
+                </a:rPr>
+                <a:t>B</a:t>
+              </a:r>
+              <a:endParaRPr lang="en-US" altLang="en-US" sz="1000" baseline="-25000">
+                <a:latin typeface="DejaVu Math TeX Gyre" panose="02000503000000000000" charset="0"/>
+                <a:ea typeface="DejaVu Math TeX Gyre" panose="02000503000000000000" charset="0"/>
+              </a:endParaRPr>
+            </a:p>
+          </p:txBody>
+        </p:sp>
+        <p:sp>
+          <p:nvSpPr>
+            <p:cNvPr id="181" name="Flowchart: Decision 180"/>
+            <p:cNvSpPr/>
+            <p:nvPr/>
+          </p:nvSpPr>
+          <p:spPr>
+            <a:xfrm>
+              <a:off x="8766" y="5728"/>
+              <a:ext cx="220" cy="220"/>
+            </a:xfrm>
+            <a:prstGeom prst="flowChartDecision">
+              <a:avLst/>
+            </a:prstGeom>
+          </p:spPr>
+          <p:style>
+            <a:lnRef idx="2">
+              <a:schemeClr val="accent1">
+                <a:shade val="50000"/>
+              </a:schemeClr>
+            </a:lnRef>
+            <a:fillRef idx="1">
+              <a:schemeClr val="accent1"/>
+            </a:fillRef>
+            <a:effectRef idx="0">
+              <a:schemeClr val="accent1"/>
+            </a:effectRef>
+            <a:fontRef idx="minor">
+              <a:schemeClr val="lt1"/>
+            </a:fontRef>
+          </p:style>
+          <p:txBody>
+            <a:bodyPr rtlCol="0" anchor="ctr"/>
+            <a:p>
+              <a:pPr algn="ctr"/>
+              <a:endParaRPr lang="en-US"/>
+            </a:p>
+          </p:txBody>
+        </p:sp>
+        <p:grpSp>
+          <p:nvGrpSpPr>
+            <p:cNvPr id="184" name="Group 183"/>
+            <p:cNvGrpSpPr/>
+            <p:nvPr/>
+          </p:nvGrpSpPr>
+          <p:grpSpPr>
+            <a:xfrm rot="0">
+              <a:off x="8117" y="5486"/>
+              <a:ext cx="534" cy="560"/>
+              <a:chOff x="3798" y="5533"/>
+              <a:chExt cx="534" cy="560"/>
+            </a:xfrm>
+          </p:grpSpPr>
+          <p:sp>
+            <p:nvSpPr>
+              <p:cNvPr id="185" name="Oval 184"/>
+              <p:cNvSpPr/>
+              <p:nvPr/>
+            </p:nvSpPr>
+            <p:spPr>
+              <a:xfrm>
+                <a:off x="3899" y="5721"/>
+                <a:ext cx="332" cy="332"/>
+              </a:xfrm>
+              <a:prstGeom prst="ellipse">
+                <a:avLst/>
+              </a:prstGeom>
+              <a:solidFill>
+                <a:schemeClr val="accent1">
+                  <a:lumMod val="60000"/>
+                  <a:lumOff val="40000"/>
+                </a:schemeClr>
+              </a:solidFill>
+            </p:spPr>
+            <p:style>
+              <a:lnRef idx="2">
+                <a:schemeClr val="accent1">
+                  <a:shade val="50000"/>
+                </a:schemeClr>
+              </a:lnRef>
+              <a:fillRef idx="1">
+                <a:schemeClr val="accent1"/>
+              </a:fillRef>
+              <a:effectRef idx="0">
+                <a:schemeClr val="accent1"/>
+              </a:effectRef>
+              <a:fontRef idx="minor">
+                <a:schemeClr val="lt1"/>
+              </a:fontRef>
+            </p:style>
+            <p:txBody>
+              <a:bodyPr rtlCol="0" anchor="ctr"/>
+              <a:p>
+                <a:pPr algn="ctr"/>
+                <a:endParaRPr lang="en-US"/>
+              </a:p>
+            </p:txBody>
+          </p:sp>
+          <p:cxnSp>
+            <p:nvCxnSpPr>
+              <p:cNvPr id="186" name="Straight Connector 185"/>
+              <p:cNvCxnSpPr/>
+              <p:nvPr/>
+            </p:nvCxnSpPr>
+            <p:spPr>
+              <a:xfrm>
+                <a:off x="4064" y="5533"/>
+                <a:ext cx="0" cy="188"/>
+              </a:xfrm>
+              <a:prstGeom prst="line">
+                <a:avLst/>
+              </a:prstGeom>
+              <a:ln w="28575">
+                <a:solidFill>
+                  <a:schemeClr val="accent1"/>
+                </a:solidFill>
+                <a:headEnd type="none"/>
+                <a:tailEnd type="none" w="med" len="med"/>
+              </a:ln>
+            </p:spPr>
+            <p:style>
+              <a:lnRef idx="1">
+                <a:schemeClr val="accent1"/>
+              </a:lnRef>
+              <a:fillRef idx="0">
+                <a:schemeClr val="accent1"/>
+              </a:fillRef>
+              <a:effectRef idx="0">
+                <a:schemeClr val="accent1"/>
+              </a:effectRef>
+              <a:fontRef idx="minor">
+                <a:schemeClr val="tx1"/>
+              </a:fontRef>
+            </p:style>
+          </p:cxnSp>
+          <p:sp>
+            <p:nvSpPr>
+              <p:cNvPr id="187" name="Text Box 186"/>
+              <p:cNvSpPr txBox="1"/>
+              <p:nvPr/>
+            </p:nvSpPr>
+            <p:spPr>
+              <a:xfrm>
+                <a:off x="3798" y="5707"/>
+                <a:ext cx="534" cy="386"/>
+              </a:xfrm>
+              <a:prstGeom prst="rect">
+                <a:avLst/>
+              </a:prstGeom>
+              <a:noFill/>
+            </p:spPr>
+            <p:txBody>
+              <a:bodyPr wrap="none" rtlCol="0">
+                <a:spAutoFit/>
+              </a:bodyPr>
+              <a:p>
+                <a:r>
+                  <a:rPr lang="en-US" altLang="en-US" sz="1000">
+                    <a:latin typeface="DejaVu Math TeX Gyre" panose="02000503000000000000" charset="0"/>
+                    <a:ea typeface="DejaVu Math TeX Gyre" panose="02000503000000000000" charset="0"/>
+                  </a:rPr>
+                  <a:t>Γ</a:t>
+                </a:r>
+                <a:r>
+                  <a:rPr lang="en-US" altLang="en-US" sz="1000" baseline="-25000">
+                    <a:latin typeface="DejaVu Math TeX Gyre" panose="02000503000000000000" charset="0"/>
+                    <a:ea typeface="DejaVu Math TeX Gyre" panose="02000503000000000000" charset="0"/>
+                  </a:rPr>
+                  <a:t>B</a:t>
+                </a:r>
+                <a:endParaRPr lang="en-US" altLang="en-US" sz="1000" baseline="-25000">
+                  <a:latin typeface="DejaVu Math TeX Gyre" panose="02000503000000000000" charset="0"/>
+                  <a:ea typeface="DejaVu Math TeX Gyre" panose="02000503000000000000" charset="0"/>
+                </a:endParaRPr>
+              </a:p>
+            </p:txBody>
+          </p:sp>
+        </p:grpSp>
+        <p:cxnSp>
+          <p:nvCxnSpPr>
+            <p:cNvPr id="189" name="Straight Connector 188"/>
+            <p:cNvCxnSpPr/>
+            <p:nvPr/>
+          </p:nvCxnSpPr>
+          <p:spPr>
+            <a:xfrm flipH="1" flipV="1">
+              <a:off x="8009" y="5836"/>
+              <a:ext cx="212" cy="3"/>
+            </a:xfrm>
+            <a:prstGeom prst="line">
+              <a:avLst/>
+            </a:prstGeom>
+            <a:ln w="28575">
+              <a:solidFill>
+                <a:schemeClr val="accent2"/>
+              </a:solidFill>
+              <a:headEnd type="none"/>
+              <a:tailEnd type="none" w="med" len="med"/>
+            </a:ln>
+          </p:spPr>
+          <p:style>
+            <a:lnRef idx="1">
+              <a:schemeClr val="accent1"/>
+            </a:lnRef>
+            <a:fillRef idx="0">
+              <a:schemeClr val="accent1"/>
+            </a:fillRef>
+            <a:effectRef idx="0">
+              <a:schemeClr val="accent1"/>
+            </a:effectRef>
+            <a:fontRef idx="minor">
+              <a:schemeClr val="tx1"/>
+            </a:fontRef>
+          </p:style>
+        </p:cxnSp>
+        <p:sp>
+          <p:nvSpPr>
+            <p:cNvPr id="196" name="Oval 195"/>
+            <p:cNvSpPr/>
+            <p:nvPr/>
+          </p:nvSpPr>
+          <p:spPr>
+            <a:xfrm>
+              <a:off x="9198" y="5674"/>
+              <a:ext cx="332" cy="332"/>
+            </a:xfrm>
+            <a:prstGeom prst="ellipse">
+              <a:avLst/>
+            </a:prstGeom>
+            <a:solidFill>
+              <a:schemeClr val="accent1">
+                <a:lumMod val="20000"/>
+                <a:lumOff val="80000"/>
+              </a:schemeClr>
+            </a:solidFill>
+            <a:ln>
+              <a:solidFill>
+                <a:schemeClr val="accent1">
+                  <a:lumMod val="60000"/>
+                  <a:lumOff val="40000"/>
+                </a:schemeClr>
+              </a:solidFill>
+            </a:ln>
+          </p:spPr>
+          <p:style>
+            <a:lnRef idx="2">
+              <a:schemeClr val="accent3">
+                <a:shade val="50000"/>
+              </a:schemeClr>
+            </a:lnRef>
+            <a:fillRef idx="1">
+              <a:schemeClr val="accent3"/>
+            </a:fillRef>
+            <a:effectRef idx="0">
+              <a:schemeClr val="accent3"/>
+            </a:effectRef>
+            <a:fontRef idx="minor">
+              <a:schemeClr val="lt1"/>
+            </a:fontRef>
+          </p:style>
+          <p:txBody>
+            <a:bodyPr rtlCol="0" anchor="ctr"/>
+            <a:p>
+              <a:pPr algn="ctr"/>
+              <a:endParaRPr lang="en-US"/>
+            </a:p>
+          </p:txBody>
+        </p:sp>
+        <p:cxnSp>
+          <p:nvCxnSpPr>
+            <p:cNvPr id="197" name="Straight Connector 196"/>
+            <p:cNvCxnSpPr/>
+            <p:nvPr/>
+          </p:nvCxnSpPr>
+          <p:spPr>
+            <a:xfrm>
+              <a:off x="9363" y="5480"/>
+              <a:ext cx="0" cy="194"/>
+            </a:xfrm>
+            <a:prstGeom prst="line">
+              <a:avLst/>
+            </a:prstGeom>
+            <a:solidFill>
+              <a:schemeClr val="accent1">
+                <a:lumMod val="20000"/>
+                <a:lumOff val="80000"/>
+              </a:schemeClr>
+            </a:solidFill>
+            <a:ln w="28575">
+              <a:solidFill>
+                <a:schemeClr val="accent1">
+                  <a:lumMod val="60000"/>
+                  <a:lumOff val="40000"/>
+                </a:schemeClr>
+              </a:solidFill>
+              <a:headEnd type="none"/>
+              <a:tailEnd type="none" w="med" len="med"/>
+            </a:ln>
+          </p:spPr>
+          <p:style>
+            <a:lnRef idx="1">
+              <a:schemeClr val="accent1"/>
+            </a:lnRef>
+            <a:fillRef idx="0">
+              <a:schemeClr val="accent1"/>
+            </a:fillRef>
+            <a:effectRef idx="0">
+              <a:schemeClr val="accent1"/>
+            </a:effectRef>
+            <a:fontRef idx="minor">
+              <a:schemeClr val="tx1"/>
+            </a:fontRef>
+          </p:style>
+        </p:cxnSp>
+        <p:sp>
+          <p:nvSpPr>
+            <p:cNvPr id="198" name="Text Box 197"/>
+            <p:cNvSpPr txBox="1"/>
+            <p:nvPr/>
+          </p:nvSpPr>
+          <p:spPr>
+            <a:xfrm>
+              <a:off x="9094" y="5661"/>
+              <a:ext cx="533" cy="386"/>
+            </a:xfrm>
+            <a:prstGeom prst="rect">
+              <a:avLst/>
+            </a:prstGeom>
+            <a:noFill/>
+          </p:spPr>
+          <p:txBody>
+            <a:bodyPr wrap="none" rtlCol="0">
+              <a:spAutoFit/>
+            </a:bodyPr>
+            <a:p>
+              <a:r>
+                <a:rPr lang="en-US" altLang="en-US" sz="1000">
+                  <a:solidFill>
+                    <a:schemeClr val="bg1">
+                      <a:lumMod val="50000"/>
+                    </a:schemeClr>
+                  </a:solidFill>
+                  <a:latin typeface="DejaVu Math TeX Gyre" panose="02000503000000000000" charset="0"/>
+                  <a:ea typeface="DejaVu Math TeX Gyre" panose="02000503000000000000" charset="0"/>
+                </a:rPr>
+                <a:t>Γ</a:t>
+              </a:r>
+              <a:r>
+                <a:rPr lang="en-US" altLang="en-US" sz="1000" baseline="-25000">
+                  <a:solidFill>
+                    <a:schemeClr val="bg1">
+                      <a:lumMod val="50000"/>
+                    </a:schemeClr>
+                  </a:solidFill>
+                  <a:latin typeface="DejaVu Math TeX Gyre" panose="02000503000000000000" charset="0"/>
+                  <a:ea typeface="DejaVu Math TeX Gyre" panose="02000503000000000000" charset="0"/>
+                </a:rPr>
+                <a:t>A</a:t>
+              </a:r>
+              <a:endParaRPr lang="en-US" altLang="en-US" sz="1000" baseline="-25000">
+                <a:solidFill>
+                  <a:schemeClr val="bg1">
+                    <a:lumMod val="50000"/>
+                  </a:schemeClr>
+                </a:solidFill>
+                <a:latin typeface="DejaVu Math TeX Gyre" panose="02000503000000000000" charset="0"/>
+                <a:ea typeface="DejaVu Math TeX Gyre" panose="02000503000000000000" charset="0"/>
+              </a:endParaRPr>
+            </a:p>
+          </p:txBody>
+        </p:sp>
+        <p:cxnSp>
+          <p:nvCxnSpPr>
+            <p:cNvPr id="199" name="Straight Connector 198"/>
+            <p:cNvCxnSpPr/>
+            <p:nvPr/>
+          </p:nvCxnSpPr>
+          <p:spPr>
+            <a:xfrm flipH="1" flipV="1">
+              <a:off x="9530" y="5834"/>
+              <a:ext cx="165" cy="2"/>
+            </a:xfrm>
+            <a:prstGeom prst="line">
+              <a:avLst/>
+            </a:prstGeom>
+            <a:ln w="28575">
+              <a:solidFill>
+                <a:schemeClr val="accent2">
+                  <a:lumMod val="60000"/>
+                  <a:lumOff val="40000"/>
+                </a:schemeClr>
+              </a:solidFill>
+              <a:headEnd type="none"/>
+              <a:tailEnd type="none" w="med" len="med"/>
+            </a:ln>
+          </p:spPr>
+          <p:style>
+            <a:lnRef idx="1">
+              <a:schemeClr val="accent1"/>
+            </a:lnRef>
+            <a:fillRef idx="0">
+              <a:schemeClr val="accent1"/>
+            </a:fillRef>
+            <a:effectRef idx="0">
+              <a:schemeClr val="accent1"/>
+            </a:effectRef>
+            <a:fontRef idx="minor">
+              <a:schemeClr val="tx1"/>
+            </a:fontRef>
+          </p:style>
+        </p:cxnSp>
+        <p:cxnSp>
+          <p:nvCxnSpPr>
+            <p:cNvPr id="200" name="Straight Connector 199"/>
+            <p:cNvCxnSpPr/>
+            <p:nvPr/>
+          </p:nvCxnSpPr>
+          <p:spPr>
+            <a:xfrm>
+              <a:off x="9702" y="5839"/>
+              <a:ext cx="129" cy="2"/>
+            </a:xfrm>
+            <a:prstGeom prst="line">
+              <a:avLst/>
+            </a:prstGeom>
+            <a:ln w="12700">
+              <a:solidFill>
+                <a:schemeClr val="bg1">
+                  <a:lumMod val="65000"/>
+                </a:schemeClr>
+              </a:solidFill>
+              <a:prstDash val="sysDot"/>
+              <a:headEnd type="none"/>
+              <a:tailEnd type="none" w="med" len="med"/>
+            </a:ln>
+          </p:spPr>
+          <p:style>
+            <a:lnRef idx="2">
+              <a:schemeClr val="accent4">
+                <a:shade val="50000"/>
+              </a:schemeClr>
+            </a:lnRef>
+            <a:fillRef idx="1">
+              <a:schemeClr val="accent4"/>
+            </a:fillRef>
+            <a:effectRef idx="0">
+              <a:schemeClr val="accent4"/>
+            </a:effectRef>
+            <a:fontRef idx="minor">
+              <a:schemeClr val="lt1"/>
+            </a:fontRef>
+          </p:style>
+        </p:cxnSp>
+        <p:sp>
+          <p:nvSpPr>
+            <p:cNvPr id="201" name="Rounded Rectangle 200"/>
+            <p:cNvSpPr/>
+            <p:nvPr/>
+          </p:nvSpPr>
+          <p:spPr>
+            <a:xfrm>
+              <a:off x="8221" y="3010"/>
+              <a:ext cx="1305" cy="674"/>
+            </a:xfrm>
+            <a:prstGeom prst="roundRect">
+              <a:avLst/>
+            </a:prstGeom>
+            <a:solidFill>
+              <a:schemeClr val="accent6">
+                <a:lumMod val="60000"/>
+                <a:lumOff val="40000"/>
+              </a:schemeClr>
+            </a:solidFill>
+            <a:ln>
+              <a:solidFill>
+                <a:schemeClr val="accent6">
+                  <a:lumMod val="75000"/>
+                </a:schemeClr>
+              </a:solidFill>
+            </a:ln>
+          </p:spPr>
+          <p:style>
+            <a:lnRef idx="2">
+              <a:schemeClr val="accent4">
+                <a:shade val="50000"/>
+              </a:schemeClr>
+            </a:lnRef>
+            <a:fillRef idx="1">
+              <a:schemeClr val="accent4"/>
+            </a:fillRef>
+            <a:effectRef idx="0">
+              <a:schemeClr val="accent4"/>
+            </a:effectRef>
+            <a:fontRef idx="minor">
+              <a:schemeClr val="lt1"/>
+            </a:fontRef>
+          </p:style>
+          <p:txBody>
+            <a:bodyPr rtlCol="0" anchor="ctr"/>
+            <a:p>
+              <a:pPr algn="ctr"/>
+              <a:endParaRPr lang="en-US"/>
+            </a:p>
+          </p:txBody>
+        </p:sp>
+        <p:cxnSp>
+          <p:nvCxnSpPr>
+            <p:cNvPr id="202" name="Straight Connector 201"/>
+            <p:cNvCxnSpPr/>
+            <p:nvPr/>
+          </p:nvCxnSpPr>
+          <p:spPr>
+            <a:xfrm flipH="1">
+              <a:off x="8384" y="2710"/>
+              <a:ext cx="2" cy="300"/>
+            </a:xfrm>
+            <a:prstGeom prst="line">
+              <a:avLst/>
+            </a:prstGeom>
+            <a:ln w="28575">
+              <a:solidFill>
+                <a:schemeClr val="accent6">
+                  <a:lumMod val="75000"/>
+                </a:schemeClr>
+              </a:solidFill>
+              <a:headEnd type="none"/>
+              <a:tailEnd type="none" w="med" len="med"/>
+            </a:ln>
+          </p:spPr>
+          <p:style>
+            <a:lnRef idx="1">
+              <a:schemeClr val="accent1"/>
+            </a:lnRef>
+            <a:fillRef idx="0">
+              <a:schemeClr val="accent1"/>
+            </a:fillRef>
+            <a:effectRef idx="0">
+              <a:schemeClr val="accent1"/>
+            </a:effectRef>
+            <a:fontRef idx="minor">
+              <a:schemeClr val="tx1"/>
+            </a:fontRef>
+          </p:style>
+        </p:cxnSp>
+        <p:cxnSp>
+          <p:nvCxnSpPr>
+            <p:cNvPr id="203" name="Straight Connector 202"/>
+            <p:cNvCxnSpPr/>
+            <p:nvPr/>
+          </p:nvCxnSpPr>
+          <p:spPr>
+            <a:xfrm flipH="1">
+              <a:off x="9359" y="2710"/>
+              <a:ext cx="2" cy="300"/>
+            </a:xfrm>
+            <a:prstGeom prst="line">
+              <a:avLst/>
+            </a:prstGeom>
+            <a:ln w="28575">
+              <a:solidFill>
+                <a:schemeClr val="accent6">
+                  <a:lumMod val="75000"/>
+                </a:schemeClr>
+              </a:solidFill>
+              <a:headEnd type="none"/>
+              <a:tailEnd type="none" w="med" len="med"/>
+            </a:ln>
+          </p:spPr>
+          <p:style>
+            <a:lnRef idx="1">
+              <a:schemeClr val="accent1"/>
+            </a:lnRef>
+            <a:fillRef idx="0">
+              <a:schemeClr val="accent1"/>
+            </a:fillRef>
+            <a:effectRef idx="0">
+              <a:schemeClr val="accent1"/>
+            </a:effectRef>
+            <a:fontRef idx="minor">
+              <a:schemeClr val="tx1"/>
+            </a:fontRef>
+          </p:style>
+        </p:cxnSp>
+        <p:cxnSp>
+          <p:nvCxnSpPr>
+            <p:cNvPr id="204" name="Straight Connector 203"/>
+            <p:cNvCxnSpPr/>
+            <p:nvPr/>
+          </p:nvCxnSpPr>
+          <p:spPr>
+            <a:xfrm flipH="1">
+              <a:off x="8386" y="3693"/>
+              <a:ext cx="2" cy="300"/>
+            </a:xfrm>
+            <a:prstGeom prst="line">
+              <a:avLst/>
+            </a:prstGeom>
+            <a:ln w="28575">
+              <a:solidFill>
+                <a:schemeClr val="accent6">
+                  <a:lumMod val="75000"/>
+                </a:schemeClr>
+              </a:solidFill>
+              <a:headEnd type="none"/>
+              <a:tailEnd type="none" w="med" len="med"/>
+            </a:ln>
+          </p:spPr>
+          <p:style>
+            <a:lnRef idx="1">
+              <a:schemeClr val="accent1"/>
+            </a:lnRef>
+            <a:fillRef idx="0">
+              <a:schemeClr val="accent1"/>
+            </a:fillRef>
+            <a:effectRef idx="0">
+              <a:schemeClr val="accent1"/>
+            </a:effectRef>
+            <a:fontRef idx="minor">
+              <a:schemeClr val="tx1"/>
+            </a:fontRef>
+          </p:style>
+        </p:cxnSp>
+        <p:cxnSp>
+          <p:nvCxnSpPr>
+            <p:cNvPr id="205" name="Straight Connector 204"/>
+            <p:cNvCxnSpPr/>
+            <p:nvPr/>
+          </p:nvCxnSpPr>
+          <p:spPr>
+            <a:xfrm flipH="1">
+              <a:off x="9358" y="3684"/>
+              <a:ext cx="2" cy="300"/>
+            </a:xfrm>
+            <a:prstGeom prst="line">
+              <a:avLst/>
+            </a:prstGeom>
+            <a:ln w="28575">
+              <a:solidFill>
+                <a:schemeClr val="accent6">
+                  <a:lumMod val="75000"/>
+                </a:schemeClr>
+              </a:solidFill>
+              <a:headEnd type="none"/>
+              <a:tailEnd type="none" w="med" len="med"/>
+            </a:ln>
+          </p:spPr>
+          <p:style>
+            <a:lnRef idx="1">
+              <a:schemeClr val="accent1"/>
+            </a:lnRef>
+            <a:fillRef idx="0">
+              <a:schemeClr val="accent1"/>
+            </a:fillRef>
+            <a:effectRef idx="0">
+              <a:schemeClr val="accent1"/>
+            </a:effectRef>
+            <a:fontRef idx="minor">
+              <a:schemeClr val="tx1"/>
+            </a:fontRef>
+          </p:style>
+        </p:cxnSp>
+        <p:sp>
+          <p:nvSpPr>
+            <p:cNvPr id="206" name="Text Box 205"/>
+            <p:cNvSpPr txBox="1"/>
+            <p:nvPr/>
+          </p:nvSpPr>
+          <p:spPr>
+            <a:xfrm>
+              <a:off x="8631" y="3184"/>
+              <a:ext cx="539" cy="386"/>
+            </a:xfrm>
+            <a:prstGeom prst="rect">
+              <a:avLst/>
+            </a:prstGeom>
+            <a:noFill/>
+          </p:spPr>
+          <p:txBody>
+            <a:bodyPr wrap="none" rtlCol="0">
+              <a:spAutoFit/>
+            </a:bodyPr>
+            <a:p>
+              <a:r>
+                <a:rPr lang="en-US" altLang="en-US" sz="1000">
+                  <a:latin typeface="DejaVu Math TeX Gyre" panose="02000503000000000000" charset="0"/>
+                  <a:ea typeface="DejaVu Math TeX Gyre" panose="02000503000000000000" charset="0"/>
+                </a:rPr>
+                <a:t>U</a:t>
+              </a:r>
+              <a:r>
+                <a:rPr lang="" altLang="en-US" sz="1000" baseline="-25000">
+                  <a:latin typeface="DejaVu Math TeX Gyre" panose="02000503000000000000" charset="0"/>
+                  <a:ea typeface="DejaVu Math TeX Gyre" panose="02000503000000000000" charset="0"/>
+                </a:rPr>
+                <a:t>b</a:t>
+              </a:r>
+              <a:endParaRPr lang="" altLang="en-US" sz="1000" baseline="-25000">
+                <a:latin typeface="DejaVu Math TeX Gyre" panose="02000503000000000000" charset="0"/>
+                <a:ea typeface="DejaVu Math TeX Gyre" panose="02000503000000000000" charset="0"/>
+              </a:endParaRPr>
+            </a:p>
+          </p:txBody>
+        </p:sp>
+        <p:cxnSp>
+          <p:nvCxnSpPr>
+            <p:cNvPr id="207" name="Straight Connector 206"/>
+            <p:cNvCxnSpPr/>
+            <p:nvPr/>
+          </p:nvCxnSpPr>
+          <p:spPr>
+            <a:xfrm flipH="1" flipV="1">
+              <a:off x="8556" y="5838"/>
+              <a:ext cx="212" cy="3"/>
+            </a:xfrm>
+            <a:prstGeom prst="line">
+              <a:avLst/>
+            </a:prstGeom>
+            <a:ln w="28575">
+              <a:solidFill>
+                <a:schemeClr val="accent2"/>
+              </a:solidFill>
+              <a:headEnd type="none"/>
+              <a:tailEnd type="none" w="med" len="med"/>
+            </a:ln>
+          </p:spPr>
+          <p:style>
+            <a:lnRef idx="1">
+              <a:schemeClr val="accent1"/>
+            </a:lnRef>
+            <a:fillRef idx="0">
+              <a:schemeClr val="accent1"/>
+            </a:fillRef>
+            <a:effectRef idx="0">
+              <a:schemeClr val="accent1"/>
+            </a:effectRef>
+            <a:fontRef idx="minor">
+              <a:schemeClr val="tx1"/>
+            </a:fontRef>
+          </p:style>
+        </p:cxnSp>
+        <p:cxnSp>
+          <p:nvCxnSpPr>
+            <p:cNvPr id="208" name="Straight Connector 207"/>
+            <p:cNvCxnSpPr/>
+            <p:nvPr/>
+          </p:nvCxnSpPr>
+          <p:spPr>
+            <a:xfrm flipH="1" flipV="1">
+              <a:off x="8986" y="5837"/>
+              <a:ext cx="212" cy="3"/>
+            </a:xfrm>
+            <a:prstGeom prst="line">
+              <a:avLst/>
+            </a:prstGeom>
+            <a:ln w="28575">
+              <a:solidFill>
+                <a:schemeClr val="accent2"/>
+              </a:solidFill>
+              <a:headEnd type="none"/>
+              <a:tailEnd type="none" w="med" len="med"/>
+            </a:ln>
+          </p:spPr>
+          <p:style>
+            <a:lnRef idx="1">
+              <a:schemeClr val="accent1"/>
+            </a:lnRef>
+            <a:fillRef idx="0">
+              <a:schemeClr val="accent1"/>
+            </a:fillRef>
+            <a:effectRef idx="0">
+              <a:schemeClr val="accent1"/>
+            </a:effectRef>
+            <a:fontRef idx="minor">
+              <a:schemeClr val="tx1"/>
+            </a:fontRef>
+          </p:style>
+        </p:cxnSp>
+        <p:sp>
+          <p:nvSpPr>
+            <p:cNvPr id="214" name="Text Box 213"/>
+            <p:cNvSpPr txBox="1"/>
+            <p:nvPr/>
+          </p:nvSpPr>
+          <p:spPr>
+            <a:xfrm>
+              <a:off x="9587" y="4604"/>
+              <a:ext cx="533" cy="386"/>
+            </a:xfrm>
+            <a:prstGeom prst="rect">
+              <a:avLst/>
+            </a:prstGeom>
+            <a:noFill/>
+          </p:spPr>
+          <p:txBody>
+            <a:bodyPr wrap="none" rtlCol="0">
+              <a:spAutoFit/>
+            </a:bodyPr>
+            <a:p>
+              <a:r>
+                <a:rPr lang="en-US" altLang="en-US" sz="1000">
+                  <a:latin typeface="DejaVu Math TeX Gyre" panose="02000503000000000000" charset="0"/>
+                  <a:ea typeface="DejaVu Math TeX Gyre" panose="02000503000000000000" charset="0"/>
+                </a:rPr>
+                <a:t>U</a:t>
+              </a:r>
+              <a:r>
+                <a:rPr lang="en-US" altLang="en-US" sz="1000" baseline="-25000">
+                  <a:latin typeface="DejaVu Math TeX Gyre" panose="02000503000000000000" charset="0"/>
+                  <a:ea typeface="DejaVu Math TeX Gyre" panose="02000503000000000000" charset="0"/>
+                </a:rPr>
+                <a:t>a</a:t>
+              </a:r>
+              <a:endParaRPr lang="en-US" altLang="en-US" sz="1000" baseline="-25000">
+                <a:latin typeface="DejaVu Math TeX Gyre" panose="02000503000000000000" charset="0"/>
+                <a:ea typeface="DejaVu Math TeX Gyre" panose="02000503000000000000" charset="0"/>
+              </a:endParaRPr>
+            </a:p>
+          </p:txBody>
+        </p:sp>
+        <p:sp>
+          <p:nvSpPr>
+            <p:cNvPr id="215" name="Rounded Rectangle 214"/>
+            <p:cNvSpPr/>
+            <p:nvPr/>
+          </p:nvSpPr>
+          <p:spPr>
+            <a:xfrm>
+              <a:off x="7246" y="1645"/>
+              <a:ext cx="1305" cy="674"/>
+            </a:xfrm>
+            <a:prstGeom prst="roundRect">
+              <a:avLst/>
+            </a:prstGeom>
+            <a:ln w="19050"/>
+          </p:spPr>
+          <p:style>
+            <a:lnRef idx="2">
+              <a:schemeClr val="accent4">
+                <a:shade val="50000"/>
+              </a:schemeClr>
+            </a:lnRef>
+            <a:fillRef idx="1">
+              <a:schemeClr val="accent4"/>
+            </a:fillRef>
+            <a:effectRef idx="0">
+              <a:schemeClr val="accent4"/>
+            </a:effectRef>
+            <a:fontRef idx="minor">
+              <a:schemeClr val="lt1"/>
+            </a:fontRef>
+          </p:style>
+          <p:txBody>
+            <a:bodyPr rtlCol="0" anchor="ctr"/>
+            <a:p>
+              <a:pPr algn="ctr"/>
+              <a:endParaRPr lang="en-US"/>
+            </a:p>
+          </p:txBody>
+        </p:sp>
+        <p:cxnSp>
+          <p:nvCxnSpPr>
+            <p:cNvPr id="216" name="Straight Connector 215"/>
+            <p:cNvCxnSpPr/>
+            <p:nvPr/>
+          </p:nvCxnSpPr>
+          <p:spPr>
+            <a:xfrm flipH="1">
+              <a:off x="7409" y="1345"/>
+              <a:ext cx="2" cy="300"/>
+            </a:xfrm>
+            <a:prstGeom prst="line">
+              <a:avLst/>
+            </a:prstGeom>
+            <a:ln w="28575">
+              <a:solidFill>
+                <a:schemeClr val="accent4">
+                  <a:lumMod val="75000"/>
+                </a:schemeClr>
+              </a:solidFill>
+              <a:headEnd type="none"/>
+              <a:tailEnd type="none" w="med" len="med"/>
+            </a:ln>
+          </p:spPr>
+          <p:style>
+            <a:lnRef idx="1">
+              <a:schemeClr val="accent1"/>
+            </a:lnRef>
+            <a:fillRef idx="0">
+              <a:schemeClr val="accent1"/>
+            </a:fillRef>
+            <a:effectRef idx="0">
+              <a:schemeClr val="accent1"/>
+            </a:effectRef>
+            <a:fontRef idx="minor">
+              <a:schemeClr val="tx1"/>
+            </a:fontRef>
+          </p:style>
+        </p:cxnSp>
+        <p:cxnSp>
+          <p:nvCxnSpPr>
+            <p:cNvPr id="217" name="Straight Connector 216"/>
+            <p:cNvCxnSpPr/>
+            <p:nvPr/>
+          </p:nvCxnSpPr>
+          <p:spPr>
+            <a:xfrm flipH="1">
+              <a:off x="8384" y="1345"/>
+              <a:ext cx="2" cy="300"/>
+            </a:xfrm>
+            <a:prstGeom prst="line">
+              <a:avLst/>
+            </a:prstGeom>
+            <a:ln w="28575">
+              <a:solidFill>
+                <a:schemeClr val="accent4">
+                  <a:lumMod val="75000"/>
+                </a:schemeClr>
+              </a:solidFill>
+              <a:headEnd type="none"/>
+              <a:tailEnd type="none" w="med" len="med"/>
+            </a:ln>
+          </p:spPr>
+          <p:style>
+            <a:lnRef idx="1">
+              <a:schemeClr val="accent1"/>
+            </a:lnRef>
+            <a:fillRef idx="0">
+              <a:schemeClr val="accent1"/>
+            </a:fillRef>
+            <a:effectRef idx="0">
+              <a:schemeClr val="accent1"/>
+            </a:effectRef>
+            <a:fontRef idx="minor">
+              <a:schemeClr val="tx1"/>
+            </a:fontRef>
+          </p:style>
+        </p:cxnSp>
+        <p:cxnSp>
+          <p:nvCxnSpPr>
+            <p:cNvPr id="218" name="Straight Connector 217"/>
+            <p:cNvCxnSpPr/>
+            <p:nvPr/>
+          </p:nvCxnSpPr>
+          <p:spPr>
+            <a:xfrm flipH="1">
+              <a:off x="7411" y="2328"/>
+              <a:ext cx="2" cy="300"/>
+            </a:xfrm>
+            <a:prstGeom prst="line">
+              <a:avLst/>
+            </a:prstGeom>
+            <a:ln w="28575">
+              <a:solidFill>
+                <a:schemeClr val="accent4">
+                  <a:lumMod val="75000"/>
+                </a:schemeClr>
+              </a:solidFill>
+              <a:headEnd type="none"/>
+              <a:tailEnd type="none" w="med" len="med"/>
+            </a:ln>
+          </p:spPr>
+          <p:style>
+            <a:lnRef idx="1">
+              <a:schemeClr val="accent1"/>
+            </a:lnRef>
+            <a:fillRef idx="0">
+              <a:schemeClr val="accent1"/>
+            </a:fillRef>
+            <a:effectRef idx="0">
+              <a:schemeClr val="accent1"/>
+            </a:effectRef>
+            <a:fontRef idx="minor">
+              <a:schemeClr val="tx1"/>
+            </a:fontRef>
+          </p:style>
+        </p:cxnSp>
+        <p:cxnSp>
+          <p:nvCxnSpPr>
+            <p:cNvPr id="219" name="Straight Connector 218"/>
+            <p:cNvCxnSpPr/>
+            <p:nvPr/>
+          </p:nvCxnSpPr>
+          <p:spPr>
+            <a:xfrm flipH="1">
+              <a:off x="8383" y="2319"/>
+              <a:ext cx="2" cy="300"/>
+            </a:xfrm>
+            <a:prstGeom prst="line">
+              <a:avLst/>
+            </a:prstGeom>
+            <a:ln w="28575">
+              <a:solidFill>
+                <a:schemeClr val="accent4">
+                  <a:lumMod val="75000"/>
+                </a:schemeClr>
+              </a:solidFill>
+              <a:headEnd type="none"/>
+              <a:tailEnd type="none" w="med" len="med"/>
+            </a:ln>
+          </p:spPr>
+          <p:style>
+            <a:lnRef idx="1">
+              <a:schemeClr val="accent1"/>
+            </a:lnRef>
+            <a:fillRef idx="0">
+              <a:schemeClr val="accent1"/>
+            </a:fillRef>
+            <a:effectRef idx="0">
+              <a:schemeClr val="accent1"/>
+            </a:effectRef>
+            <a:fontRef idx="minor">
+              <a:schemeClr val="tx1"/>
+            </a:fontRef>
+          </p:style>
+        </p:cxnSp>
+        <p:sp>
+          <p:nvSpPr>
+            <p:cNvPr id="220" name="Text Box 219"/>
+            <p:cNvSpPr txBox="1"/>
+            <p:nvPr/>
+          </p:nvSpPr>
+          <p:spPr>
+            <a:xfrm>
+              <a:off x="7684" y="1819"/>
+              <a:ext cx="533" cy="386"/>
+            </a:xfrm>
+            <a:prstGeom prst="rect">
+              <a:avLst/>
+            </a:prstGeom>
+            <a:noFill/>
+          </p:spPr>
+          <p:txBody>
+            <a:bodyPr wrap="none" rtlCol="0">
+              <a:spAutoFit/>
+            </a:bodyPr>
+            <a:p>
+              <a:r>
+                <a:rPr lang="en-US" altLang="en-US" sz="1000">
+                  <a:latin typeface="DejaVu Math TeX Gyre" panose="02000503000000000000" charset="0"/>
+                  <a:ea typeface="DejaVu Math TeX Gyre" panose="02000503000000000000" charset="0"/>
+                </a:rPr>
+                <a:t>U</a:t>
+              </a:r>
+              <a:r>
+                <a:rPr lang="en-US" altLang="en-US" sz="1000" baseline="-25000">
+                  <a:latin typeface="DejaVu Math TeX Gyre" panose="02000503000000000000" charset="0"/>
+                  <a:ea typeface="DejaVu Math TeX Gyre" panose="02000503000000000000" charset="0"/>
+                </a:rPr>
+                <a:t>a</a:t>
+              </a:r>
+              <a:endParaRPr lang="en-US" altLang="en-US" sz="1000" baseline="-25000">
+                <a:latin typeface="DejaVu Math TeX Gyre" panose="02000503000000000000" charset="0"/>
+                <a:ea typeface="DejaVu Math TeX Gyre" panose="02000503000000000000" charset="0"/>
+              </a:endParaRPr>
+            </a:p>
+          </p:txBody>
+        </p:sp>
+        <p:grpSp>
+          <p:nvGrpSpPr>
+            <p:cNvPr id="230" name="Group 229"/>
+            <p:cNvGrpSpPr/>
+            <p:nvPr/>
+          </p:nvGrpSpPr>
+          <p:grpSpPr>
+            <a:xfrm>
+              <a:off x="9198" y="4130"/>
+              <a:ext cx="1408" cy="1372"/>
+              <a:chOff x="9198" y="4130"/>
+              <a:chExt cx="1408" cy="1372"/>
+            </a:xfrm>
+          </p:grpSpPr>
+          <p:sp>
+            <p:nvSpPr>
+              <p:cNvPr id="209" name="Rounded Rectangle 208"/>
+              <p:cNvSpPr/>
+              <p:nvPr/>
+            </p:nvSpPr>
+            <p:spPr>
+              <a:xfrm>
+                <a:off x="9198" y="4430"/>
+                <a:ext cx="1305" cy="674"/>
+              </a:xfrm>
+              <a:prstGeom prst="roundRect">
+                <a:avLst/>
+              </a:prstGeom>
+              <a:ln w="19050"/>
+            </p:spPr>
+            <p:style>
+              <a:lnRef idx="2">
+                <a:schemeClr val="accent4">
+                  <a:shade val="50000"/>
+                </a:schemeClr>
+              </a:lnRef>
+              <a:fillRef idx="1">
+                <a:schemeClr val="accent4"/>
+              </a:fillRef>
+              <a:effectRef idx="0">
+                <a:schemeClr val="accent4"/>
+              </a:effectRef>
+              <a:fontRef idx="minor">
+                <a:schemeClr val="lt1"/>
+              </a:fontRef>
+            </p:style>
+            <p:txBody>
+              <a:bodyPr rtlCol="0" anchor="ctr"/>
+              <a:p>
+                <a:pPr algn="ctr"/>
+                <a:endParaRPr lang="en-US"/>
+              </a:p>
+            </p:txBody>
+          </p:sp>
+          <p:cxnSp>
+            <p:nvCxnSpPr>
+              <p:cNvPr id="210" name="Straight Connector 209"/>
+              <p:cNvCxnSpPr/>
+              <p:nvPr/>
+            </p:nvCxnSpPr>
+            <p:spPr>
+              <a:xfrm flipH="1">
+                <a:off x="9361" y="4130"/>
+                <a:ext cx="2" cy="300"/>
+              </a:xfrm>
+              <a:prstGeom prst="line">
+                <a:avLst/>
+              </a:prstGeom>
+              <a:ln w="28575">
+                <a:solidFill>
+                  <a:schemeClr val="accent4">
+                    <a:lumMod val="75000"/>
+                  </a:schemeClr>
+                </a:solidFill>
+                <a:headEnd type="none"/>
+                <a:tailEnd type="none" w="med" len="med"/>
+              </a:ln>
+            </p:spPr>
+            <p:style>
+              <a:lnRef idx="1">
+                <a:schemeClr val="accent1"/>
+              </a:lnRef>
+              <a:fillRef idx="0">
+                <a:schemeClr val="accent1"/>
+              </a:fillRef>
+              <a:effectRef idx="0">
+                <a:schemeClr val="accent1"/>
+              </a:effectRef>
+              <a:fontRef idx="minor">
+                <a:schemeClr val="tx1"/>
+              </a:fontRef>
+            </p:style>
+          </p:cxnSp>
+          <p:cxnSp>
+            <p:nvCxnSpPr>
+              <p:cNvPr id="212" name="Straight Connector 211"/>
+              <p:cNvCxnSpPr/>
+              <p:nvPr/>
+            </p:nvCxnSpPr>
+            <p:spPr>
+              <a:xfrm flipH="1">
+                <a:off x="9363" y="5113"/>
+                <a:ext cx="2" cy="300"/>
+              </a:xfrm>
+              <a:prstGeom prst="line">
+                <a:avLst/>
+              </a:prstGeom>
+              <a:ln w="28575">
+                <a:solidFill>
+                  <a:schemeClr val="accent4">
+                    <a:lumMod val="75000"/>
+                  </a:schemeClr>
+                </a:solidFill>
+                <a:headEnd type="none"/>
+                <a:tailEnd type="none" w="med" len="med"/>
+              </a:ln>
+            </p:spPr>
+            <p:style>
+              <a:lnRef idx="1">
+                <a:schemeClr val="accent1"/>
+              </a:lnRef>
+              <a:fillRef idx="0">
+                <a:schemeClr val="accent1"/>
+              </a:fillRef>
+              <a:effectRef idx="0">
+                <a:schemeClr val="accent1"/>
+              </a:effectRef>
+              <a:fontRef idx="minor">
+                <a:schemeClr val="tx1"/>
+              </a:fontRef>
+            </p:style>
+          </p:cxnSp>
+          <p:sp>
+            <p:nvSpPr>
+              <p:cNvPr id="222" name="Rectangle 221"/>
+              <p:cNvSpPr/>
+              <p:nvPr/>
+            </p:nvSpPr>
+            <p:spPr>
+              <a:xfrm>
+                <a:off x="9526" y="4130"/>
+                <a:ext cx="1080" cy="1372"/>
+              </a:xfrm>
+              <a:prstGeom prst="rect">
+                <a:avLst/>
+              </a:prstGeom>
+              <a:solidFill>
+                <a:schemeClr val="bg1"/>
+              </a:solidFill>
+              <a:ln>
+                <a:noFill/>
+              </a:ln>
+            </p:spPr>
+            <p:style>
+              <a:lnRef idx="2">
+                <a:schemeClr val="accent1">
+                  <a:shade val="50000"/>
+                </a:schemeClr>
+              </a:lnRef>
+              <a:fillRef idx="1">
+                <a:schemeClr val="accent1"/>
+              </a:fillRef>
+              <a:effectRef idx="0">
+                <a:schemeClr val="accent1"/>
+              </a:effectRef>
+              <a:fontRef idx="minor">
+                <a:schemeClr val="lt1"/>
+              </a:fontRef>
+            </p:style>
+            <p:txBody>
+              <a:bodyPr rtlCol="0" anchor="ctr"/>
+              <a:p>
+                <a:pPr algn="ctr"/>
+                <a:endParaRPr lang="en-US"/>
+              </a:p>
+            </p:txBody>
+          </p:sp>
+        </p:grpSp>
+        <p:sp>
+          <p:nvSpPr>
+            <p:cNvPr id="223" name="Rounded Rectangle 222"/>
+            <p:cNvSpPr/>
+            <p:nvPr/>
+          </p:nvSpPr>
+          <p:spPr>
+            <a:xfrm>
+              <a:off x="6272" y="3010"/>
+              <a:ext cx="1305" cy="674"/>
+            </a:xfrm>
+            <a:prstGeom prst="roundRect">
+              <a:avLst/>
+            </a:prstGeom>
+            <a:solidFill>
+              <a:schemeClr val="accent6">
+                <a:lumMod val="60000"/>
+                <a:lumOff val="40000"/>
+              </a:schemeClr>
+            </a:solidFill>
+            <a:ln>
+              <a:solidFill>
+                <a:schemeClr val="accent6">
+                  <a:lumMod val="75000"/>
+                </a:schemeClr>
+              </a:solidFill>
+            </a:ln>
+          </p:spPr>
+          <p:style>
+            <a:lnRef idx="2">
+              <a:schemeClr val="accent4">
+                <a:shade val="50000"/>
+              </a:schemeClr>
+            </a:lnRef>
+            <a:fillRef idx="1">
+              <a:schemeClr val="accent4"/>
+            </a:fillRef>
+            <a:effectRef idx="0">
+              <a:schemeClr val="accent4"/>
+            </a:effectRef>
+            <a:fontRef idx="minor">
+              <a:schemeClr val="lt1"/>
+            </a:fontRef>
+          </p:style>
+          <p:txBody>
+            <a:bodyPr rtlCol="0" anchor="ctr"/>
+            <a:p>
+              <a:pPr algn="ctr"/>
+              <a:endParaRPr lang="en-US"/>
+            </a:p>
+          </p:txBody>
+        </p:sp>
+        <p:cxnSp>
+          <p:nvCxnSpPr>
+            <p:cNvPr id="224" name="Straight Connector 223"/>
+            <p:cNvCxnSpPr/>
+            <p:nvPr/>
+          </p:nvCxnSpPr>
+          <p:spPr>
+            <a:xfrm flipH="1">
+              <a:off x="6435" y="2710"/>
+              <a:ext cx="2" cy="300"/>
+            </a:xfrm>
+            <a:prstGeom prst="line">
+              <a:avLst/>
+            </a:prstGeom>
+            <a:ln w="28575">
+              <a:solidFill>
+                <a:schemeClr val="accent6">
+                  <a:lumMod val="75000"/>
+                </a:schemeClr>
+              </a:solidFill>
+              <a:headEnd type="none"/>
+              <a:tailEnd type="none" w="med" len="med"/>
+            </a:ln>
+          </p:spPr>
+          <p:style>
+            <a:lnRef idx="1">
+              <a:schemeClr val="accent1"/>
+            </a:lnRef>
+            <a:fillRef idx="0">
+              <a:schemeClr val="accent1"/>
+            </a:fillRef>
+            <a:effectRef idx="0">
+              <a:schemeClr val="accent1"/>
+            </a:effectRef>
+            <a:fontRef idx="minor">
+              <a:schemeClr val="tx1"/>
+            </a:fontRef>
+          </p:style>
+        </p:cxnSp>
+        <p:cxnSp>
+          <p:nvCxnSpPr>
+            <p:cNvPr id="225" name="Straight Connector 224"/>
+            <p:cNvCxnSpPr/>
+            <p:nvPr/>
+          </p:nvCxnSpPr>
+          <p:spPr>
+            <a:xfrm flipH="1">
+              <a:off x="7410" y="2710"/>
+              <a:ext cx="2" cy="300"/>
+            </a:xfrm>
+            <a:prstGeom prst="line">
+              <a:avLst/>
+            </a:prstGeom>
+            <a:ln w="28575">
+              <a:solidFill>
+                <a:schemeClr val="accent6">
+                  <a:lumMod val="75000"/>
+                </a:schemeClr>
+              </a:solidFill>
+              <a:headEnd type="none"/>
+              <a:tailEnd type="none" w="med" len="med"/>
+            </a:ln>
+          </p:spPr>
+          <p:style>
+            <a:lnRef idx="1">
+              <a:schemeClr val="accent1"/>
+            </a:lnRef>
+            <a:fillRef idx="0">
+              <a:schemeClr val="accent1"/>
+            </a:fillRef>
+            <a:effectRef idx="0">
+              <a:schemeClr val="accent1"/>
+            </a:effectRef>
+            <a:fontRef idx="minor">
+              <a:schemeClr val="tx1"/>
+            </a:fontRef>
+          </p:style>
+        </p:cxnSp>
+        <p:cxnSp>
+          <p:nvCxnSpPr>
+            <p:cNvPr id="226" name="Straight Connector 225"/>
+            <p:cNvCxnSpPr/>
+            <p:nvPr/>
+          </p:nvCxnSpPr>
+          <p:spPr>
+            <a:xfrm flipH="1">
+              <a:off x="6437" y="3693"/>
+              <a:ext cx="2" cy="300"/>
+            </a:xfrm>
+            <a:prstGeom prst="line">
+              <a:avLst/>
+            </a:prstGeom>
+            <a:ln w="28575">
+              <a:solidFill>
+                <a:schemeClr val="accent6">
+                  <a:lumMod val="75000"/>
+                </a:schemeClr>
+              </a:solidFill>
+              <a:headEnd type="none"/>
+              <a:tailEnd type="none" w="med" len="med"/>
+            </a:ln>
+          </p:spPr>
+          <p:style>
+            <a:lnRef idx="1">
+              <a:schemeClr val="accent1"/>
+            </a:lnRef>
+            <a:fillRef idx="0">
+              <a:schemeClr val="accent1"/>
+            </a:fillRef>
+            <a:effectRef idx="0">
+              <a:schemeClr val="accent1"/>
+            </a:effectRef>
+            <a:fontRef idx="minor">
+              <a:schemeClr val="tx1"/>
+            </a:fontRef>
+          </p:style>
+        </p:cxnSp>
+        <p:cxnSp>
+          <p:nvCxnSpPr>
+            <p:cNvPr id="227" name="Straight Connector 226"/>
+            <p:cNvCxnSpPr/>
+            <p:nvPr/>
+          </p:nvCxnSpPr>
+          <p:spPr>
+            <a:xfrm flipH="1">
+              <a:off x="7409" y="3684"/>
+              <a:ext cx="2" cy="300"/>
+            </a:xfrm>
+            <a:prstGeom prst="line">
+              <a:avLst/>
+            </a:prstGeom>
+            <a:ln w="28575">
+              <a:solidFill>
+                <a:schemeClr val="accent6">
+                  <a:lumMod val="75000"/>
+                </a:schemeClr>
+              </a:solidFill>
+              <a:headEnd type="none"/>
+              <a:tailEnd type="none" w="med" len="med"/>
+            </a:ln>
+          </p:spPr>
+          <p:style>
+            <a:lnRef idx="1">
+              <a:schemeClr val="accent1"/>
+            </a:lnRef>
+            <a:fillRef idx="0">
+              <a:schemeClr val="accent1"/>
+            </a:fillRef>
+            <a:effectRef idx="0">
+              <a:schemeClr val="accent1"/>
+            </a:effectRef>
+            <a:fontRef idx="minor">
+              <a:schemeClr val="tx1"/>
+            </a:fontRef>
+          </p:style>
+        </p:cxnSp>
+        <p:sp>
+          <p:nvSpPr>
+            <p:cNvPr id="228" name="Text Box 227"/>
+            <p:cNvSpPr txBox="1"/>
+            <p:nvPr/>
+          </p:nvSpPr>
+          <p:spPr>
+            <a:xfrm>
+              <a:off x="6682" y="3184"/>
+              <a:ext cx="539" cy="386"/>
+            </a:xfrm>
+            <a:prstGeom prst="rect">
+              <a:avLst/>
+            </a:prstGeom>
+            <a:noFill/>
+          </p:spPr>
+          <p:txBody>
+            <a:bodyPr wrap="none" rtlCol="0">
+              <a:spAutoFit/>
+            </a:bodyPr>
+            <a:p>
+              <a:r>
+                <a:rPr lang="en-US" altLang="en-US" sz="1000">
+                  <a:latin typeface="DejaVu Math TeX Gyre" panose="02000503000000000000" charset="0"/>
+                  <a:ea typeface="DejaVu Math TeX Gyre" panose="02000503000000000000" charset="0"/>
+                </a:rPr>
+                <a:t>U</a:t>
+              </a:r>
+              <a:r>
+                <a:rPr lang="en-US" altLang="en-US" sz="1000" baseline="-25000">
+                  <a:latin typeface="DejaVu Math TeX Gyre" panose="02000503000000000000" charset="0"/>
+                  <a:ea typeface="DejaVu Math TeX Gyre" panose="02000503000000000000" charset="0"/>
+                </a:rPr>
+                <a:t>b</a:t>
+              </a:r>
+              <a:endParaRPr lang="en-US" altLang="en-US" sz="1000" baseline="-25000">
+                <a:latin typeface="DejaVu Math TeX Gyre" panose="02000503000000000000" charset="0"/>
+                <a:ea typeface="DejaVu Math TeX Gyre" panose="02000503000000000000" charset="0"/>
+              </a:endParaRPr>
+            </a:p>
+          </p:txBody>
+        </p:sp>
+        <p:sp>
+          <p:nvSpPr>
+            <p:cNvPr id="229" name="Rectangle 228"/>
+            <p:cNvSpPr/>
+            <p:nvPr/>
+          </p:nvSpPr>
+          <p:spPr>
+            <a:xfrm>
+              <a:off x="6124" y="2628"/>
+              <a:ext cx="1080" cy="1372"/>
+            </a:xfrm>
+            <a:prstGeom prst="rect">
+              <a:avLst/>
+            </a:prstGeom>
+            <a:solidFill>
+              <a:schemeClr val="bg1"/>
+            </a:solidFill>
+            <a:ln>
+              <a:noFill/>
+            </a:ln>
+          </p:spPr>
+          <p:style>
+            <a:lnRef idx="2">
+              <a:schemeClr val="accent1">
+                <a:shade val="50000"/>
+              </a:schemeClr>
+            </a:lnRef>
+            <a:fillRef idx="1">
+              <a:schemeClr val="accent1"/>
+            </a:fillRef>
+            <a:effectRef idx="0">
+              <a:schemeClr val="accent1"/>
+            </a:effectRef>
+            <a:fontRef idx="minor">
+              <a:schemeClr val="lt1"/>
+            </a:fontRef>
+          </p:style>
+          <p:txBody>
+            <a:bodyPr rtlCol="0" anchor="ctr"/>
+            <a:p>
+              <a:pPr algn="ctr"/>
+              <a:endParaRPr lang="en-US"/>
+            </a:p>
+          </p:txBody>
+        </p:sp>
+        <p:grpSp>
+          <p:nvGrpSpPr>
+            <p:cNvPr id="231" name="Group 230"/>
+            <p:cNvGrpSpPr/>
+            <p:nvPr/>
+          </p:nvGrpSpPr>
+          <p:grpSpPr>
+            <a:xfrm>
+              <a:off x="9198" y="1345"/>
+              <a:ext cx="1408" cy="1372"/>
+              <a:chOff x="9198" y="4130"/>
+              <a:chExt cx="1408" cy="1372"/>
+            </a:xfrm>
+          </p:grpSpPr>
+          <p:sp>
+            <p:nvSpPr>
+              <p:cNvPr id="232" name="Rounded Rectangle 231"/>
+              <p:cNvSpPr/>
+              <p:nvPr/>
+            </p:nvSpPr>
+            <p:spPr>
+              <a:xfrm>
+                <a:off x="9198" y="4430"/>
+                <a:ext cx="1305" cy="674"/>
+              </a:xfrm>
+              <a:prstGeom prst="roundRect">
+                <a:avLst/>
+              </a:prstGeom>
+              <a:ln w="19050"/>
+            </p:spPr>
+            <p:style>
+              <a:lnRef idx="2">
+                <a:schemeClr val="accent4">
+                  <a:shade val="50000"/>
+                </a:schemeClr>
+              </a:lnRef>
+              <a:fillRef idx="1">
+                <a:schemeClr val="accent4"/>
+              </a:fillRef>
+              <a:effectRef idx="0">
+                <a:schemeClr val="accent4"/>
+              </a:effectRef>
+              <a:fontRef idx="minor">
+                <a:schemeClr val="lt1"/>
+              </a:fontRef>
+            </p:style>
+            <p:txBody>
+              <a:bodyPr rtlCol="0" anchor="ctr"/>
+              <a:p>
+                <a:pPr algn="ctr"/>
+                <a:endParaRPr lang="en-US"/>
+              </a:p>
+            </p:txBody>
+          </p:sp>
+          <p:cxnSp>
+            <p:nvCxnSpPr>
+              <p:cNvPr id="233" name="Straight Connector 232"/>
+              <p:cNvCxnSpPr/>
+              <p:nvPr/>
+            </p:nvCxnSpPr>
+            <p:spPr>
+              <a:xfrm flipH="1">
+                <a:off x="9361" y="4130"/>
+                <a:ext cx="2" cy="300"/>
+              </a:xfrm>
+              <a:prstGeom prst="line">
+                <a:avLst/>
+              </a:prstGeom>
+              <a:ln w="28575">
+                <a:solidFill>
+                  <a:schemeClr val="accent4">
+                    <a:lumMod val="75000"/>
+                  </a:schemeClr>
+                </a:solidFill>
+                <a:headEnd type="none"/>
+                <a:tailEnd type="none" w="med" len="med"/>
+              </a:ln>
+            </p:spPr>
+            <p:style>
+              <a:lnRef idx="1">
+                <a:schemeClr val="accent1"/>
+              </a:lnRef>
+              <a:fillRef idx="0">
+                <a:schemeClr val="accent1"/>
+              </a:fillRef>
+              <a:effectRef idx="0">
+                <a:schemeClr val="accent1"/>
+              </a:effectRef>
+              <a:fontRef idx="minor">
+                <a:schemeClr val="tx1"/>
+              </a:fontRef>
+            </p:style>
+          </p:cxnSp>
+          <p:cxnSp>
+            <p:nvCxnSpPr>
+              <p:cNvPr id="234" name="Straight Connector 233"/>
+              <p:cNvCxnSpPr/>
+              <p:nvPr/>
+            </p:nvCxnSpPr>
+            <p:spPr>
+              <a:xfrm flipH="1">
+                <a:off x="9363" y="5113"/>
+                <a:ext cx="2" cy="300"/>
+              </a:xfrm>
+              <a:prstGeom prst="line">
+                <a:avLst/>
+              </a:prstGeom>
+              <a:ln w="28575">
+                <a:solidFill>
+                  <a:schemeClr val="accent4">
+                    <a:lumMod val="75000"/>
+                  </a:schemeClr>
+                </a:solidFill>
+                <a:headEnd type="none"/>
+                <a:tailEnd type="none" w="med" len="med"/>
+              </a:ln>
+            </p:spPr>
+            <p:style>
+              <a:lnRef idx="1">
+                <a:schemeClr val="accent1"/>
+              </a:lnRef>
+              <a:fillRef idx="0">
+                <a:schemeClr val="accent1"/>
+              </a:fillRef>
+              <a:effectRef idx="0">
+                <a:schemeClr val="accent1"/>
+              </a:effectRef>
+              <a:fontRef idx="minor">
+                <a:schemeClr val="tx1"/>
+              </a:fontRef>
+            </p:style>
+          </p:cxnSp>
+          <p:sp>
+            <p:nvSpPr>
+              <p:cNvPr id="235" name="Rectangle 234"/>
+              <p:cNvSpPr/>
+              <p:nvPr/>
+            </p:nvSpPr>
+            <p:spPr>
+              <a:xfrm>
+                <a:off x="9526" y="4130"/>
+                <a:ext cx="1080" cy="1372"/>
+              </a:xfrm>
+              <a:prstGeom prst="rect">
+                <a:avLst/>
+              </a:prstGeom>
+              <a:solidFill>
+                <a:schemeClr val="bg1"/>
+              </a:solidFill>
+              <a:ln>
+                <a:noFill/>
+              </a:ln>
+            </p:spPr>
+            <p:style>
+              <a:lnRef idx="2">
+                <a:schemeClr val="accent1">
+                  <a:shade val="50000"/>
+                </a:schemeClr>
+              </a:lnRef>
+              <a:fillRef idx="1">
+                <a:schemeClr val="accent1"/>
+              </a:fillRef>
+              <a:effectRef idx="0">
+                <a:schemeClr val="accent1"/>
+              </a:effectRef>
+              <a:fontRef idx="minor">
+                <a:schemeClr val="lt1"/>
+              </a:fontRef>
+            </p:style>
+            <p:txBody>
+              <a:bodyPr rtlCol="0" anchor="ctr"/>
+              <a:p>
+                <a:pPr algn="ctr"/>
+                <a:endParaRPr lang="en-US"/>
+              </a:p>
+            </p:txBody>
+          </p:sp>
+        </p:grpSp>
+      </p:grpSp>
+      <p:sp>
+        <p:nvSpPr>
+          <p:cNvPr id="237" name="Notched Right Arrow 236"/>
+          <p:cNvSpPr/>
+          <p:nvPr/>
+        </p:nvSpPr>
+        <p:spPr>
+          <a:xfrm rot="5400000">
+            <a:off x="7644765" y="2349500"/>
+            <a:ext cx="317500" cy="304800"/>
+          </a:xfrm>
+          <a:prstGeom prst="notchedRightArrow">
+            <a:avLst/>
+          </a:prstGeom>
+        </p:spPr>
+        <p:style>
+          <a:lnRef idx="2">
+            <a:schemeClr val="accent3">
+              <a:shade val="50000"/>
+            </a:schemeClr>
+          </a:lnRef>
+          <a:fillRef idx="1">
+            <a:schemeClr val="accent3"/>
+          </a:fillRef>
+          <a:effectRef idx="0">
+            <a:schemeClr val="accent3"/>
+          </a:effectRef>
+          <a:fontRef idx="minor">
+            <a:schemeClr val="lt1"/>
+          </a:fontRef>
+        </p:style>
+        <p:txBody>
+          <a:bodyPr rtlCol="0" anchor="ctr"/>
+          <a:p>
+            <a:pPr algn="ctr"/>
+            <a:endParaRPr lang="en-US"/>
+          </a:p>
+        </p:txBody>
+      </p:sp>
+      <p:sp>
+        <p:nvSpPr>
+          <p:cNvPr id="239" name="Text Box 238"/>
+          <p:cNvSpPr txBox="1"/>
+          <p:nvPr/>
+        </p:nvSpPr>
+        <p:spPr>
+          <a:xfrm>
+            <a:off x="4413885" y="883920"/>
+            <a:ext cx="338455" cy="245110"/>
+          </a:xfrm>
+          <a:prstGeom prst="rect">
+            <a:avLst/>
+          </a:prstGeom>
+          <a:noFill/>
+        </p:spPr>
+        <p:txBody>
+          <a:bodyPr wrap="none" rtlCol="0">
+            <a:spAutoFit/>
+          </a:bodyPr>
+          <a:p>
+            <a:r>
+              <a:rPr lang="en-US" altLang="en-US" sz="1000"/>
+              <a:t>(a)</a:t>
+            </a:r>
+            <a:endParaRPr lang="en-US" altLang="en-US" sz="1000"/>
+          </a:p>
+        </p:txBody>
+      </p:sp>
+      <p:sp>
+        <p:nvSpPr>
+          <p:cNvPr id="240" name="Text Box 239"/>
+          <p:cNvSpPr txBox="1"/>
+          <p:nvPr/>
+        </p:nvSpPr>
+        <p:spPr>
+          <a:xfrm>
+            <a:off x="6800215" y="873125"/>
+            <a:ext cx="338455" cy="245110"/>
+          </a:xfrm>
+          <a:prstGeom prst="rect">
+            <a:avLst/>
+          </a:prstGeom>
+          <a:noFill/>
+        </p:spPr>
+        <p:txBody>
+          <a:bodyPr wrap="none" rtlCol="0">
+            <a:spAutoFit/>
+          </a:bodyPr>
+          <a:p>
+            <a:r>
+              <a:rPr lang="en-US" altLang="en-US" sz="1000"/>
+              <a:t>(</a:t>
+            </a:r>
+            <a:r>
+              <a:rPr lang="" altLang="en-US" sz="1000"/>
+              <a:t>1</a:t>
+            </a:r>
+            <a:r>
+              <a:rPr lang="en-US" altLang="en-US" sz="1000"/>
+              <a:t>)</a:t>
+            </a:r>
+            <a:endParaRPr lang="en-US" altLang="en-US" sz="1000"/>
+          </a:p>
+        </p:txBody>
+      </p:sp>
+      <p:sp>
+        <p:nvSpPr>
+          <p:cNvPr id="241" name="Text Box 240"/>
+          <p:cNvSpPr txBox="1"/>
+          <p:nvPr/>
+        </p:nvSpPr>
+        <p:spPr>
+          <a:xfrm>
+            <a:off x="6800215" y="2779395"/>
+            <a:ext cx="338455" cy="245110"/>
+          </a:xfrm>
+          <a:prstGeom prst="rect">
+            <a:avLst/>
+          </a:prstGeom>
+          <a:noFill/>
+        </p:spPr>
+        <p:txBody>
+          <a:bodyPr wrap="none" rtlCol="0">
+            <a:spAutoFit/>
+          </a:bodyPr>
+          <a:p>
+            <a:r>
+              <a:rPr lang="en-US" altLang="en-US" sz="1000"/>
+              <a:t>(</a:t>
+            </a:r>
+            <a:r>
+              <a:rPr lang="" altLang="en-US" sz="1000"/>
+              <a:t>2</a:t>
+            </a:r>
+            <a:r>
+              <a:rPr lang="en-US" altLang="en-US" sz="1000"/>
+              <a:t>)</a:t>
+            </a:r>
+            <a:endParaRPr lang="en-US" altLang="en-US" sz="1000"/>
           </a:p>
         </p:txBody>
       </p:sp>

--- a/material/material.pptx
+++ b/material/material.pptx
@@ -5,18 +5,19 @@
     <p:sldMasterId id="2147483648" r:id="rId1"/>
   </p:sldMasterIdLst>
   <p:notesMasterIdLst>
-    <p:notesMasterId r:id="rId9"/>
+    <p:notesMasterId r:id="rId10"/>
   </p:notesMasterIdLst>
   <p:handoutMasterIdLst>
-    <p:handoutMasterId r:id="rId10"/>
+    <p:handoutMasterId r:id="rId11"/>
   </p:handoutMasterIdLst>
   <p:sldIdLst>
     <p:sldId id="256" r:id="rId3"/>
     <p:sldId id="257" r:id="rId4"/>
     <p:sldId id="258" r:id="rId5"/>
-    <p:sldId id="259" r:id="rId6"/>
-    <p:sldId id="260" r:id="rId7"/>
-    <p:sldId id="261" r:id="rId8"/>
+    <p:sldId id="262" r:id="rId6"/>
+    <p:sldId id="259" r:id="rId7"/>
+    <p:sldId id="260" r:id="rId8"/>
+    <p:sldId id="261" r:id="rId9"/>
   </p:sldIdLst>
   <p:sldSz cx="12192000" cy="6858000"/>
   <p:notesSz cx="7103745" cy="10234295"/>
@@ -6297,6 +6298,637 @@
         <p:nvPr/>
       </p:nvGrpSpPr>
       <p:grpSpPr/>
+      <p:sp>
+        <p:nvSpPr>
+          <p:cNvPr id="38" name="Oval 37"/>
+          <p:cNvSpPr/>
+          <p:nvPr/>
+        </p:nvSpPr>
+        <p:spPr>
+          <a:xfrm>
+            <a:off x="4168775" y="2607310"/>
+            <a:ext cx="306070" cy="306070"/>
+          </a:xfrm>
+          <a:prstGeom prst="ellipse">
+            <a:avLst/>
+          </a:prstGeom>
+          <a:solidFill>
+            <a:schemeClr val="accent1">
+              <a:lumMod val="60000"/>
+              <a:lumOff val="40000"/>
+            </a:schemeClr>
+          </a:solidFill>
+        </p:spPr>
+        <p:style>
+          <a:lnRef idx="2">
+            <a:schemeClr val="accent5"/>
+          </a:lnRef>
+          <a:fillRef idx="1">
+            <a:schemeClr val="lt1"/>
+          </a:fillRef>
+          <a:effectRef idx="0">
+            <a:schemeClr val="accent5"/>
+          </a:effectRef>
+          <a:fontRef idx="minor">
+            <a:schemeClr val="dk1"/>
+          </a:fontRef>
+        </p:style>
+        <p:txBody>
+          <a:bodyPr rtlCol="0" anchor="ctr"/>
+          <a:p>
+            <a:pPr algn="ctr"/>
+            <a:endParaRPr lang="en-US"/>
+          </a:p>
+        </p:txBody>
+      </p:sp>
+      <p:cxnSp>
+        <p:nvCxnSpPr>
+          <p:cNvPr id="39" name="Straight Connector 38"/>
+          <p:cNvCxnSpPr/>
+          <p:nvPr/>
+        </p:nvCxnSpPr>
+        <p:spPr>
+          <a:xfrm>
+            <a:off x="3881120" y="2760345"/>
+            <a:ext cx="287655" cy="0"/>
+          </a:xfrm>
+          <a:prstGeom prst="line">
+            <a:avLst/>
+          </a:prstGeom>
+          <a:ln w="28575">
+            <a:solidFill>
+              <a:schemeClr val="accent1"/>
+            </a:solidFill>
+            <a:headEnd type="none"/>
+            <a:tailEnd type="none" w="med" len="med"/>
+          </a:ln>
+        </p:spPr>
+        <p:style>
+          <a:lnRef idx="2">
+            <a:schemeClr val="accent4">
+              <a:shade val="50000"/>
+            </a:schemeClr>
+          </a:lnRef>
+          <a:fillRef idx="1">
+            <a:schemeClr val="accent4"/>
+          </a:fillRef>
+          <a:effectRef idx="0">
+            <a:schemeClr val="accent4"/>
+          </a:effectRef>
+          <a:fontRef idx="minor">
+            <a:schemeClr val="lt1"/>
+          </a:fontRef>
+        </p:style>
+      </p:cxnSp>
+      <p:cxnSp>
+        <p:nvCxnSpPr>
+          <p:cNvPr id="42" name="Straight Connector 41"/>
+          <p:cNvCxnSpPr/>
+          <p:nvPr/>
+        </p:nvCxnSpPr>
+        <p:spPr>
+          <a:xfrm>
+            <a:off x="4474845" y="2755900"/>
+            <a:ext cx="287655" cy="0"/>
+          </a:xfrm>
+          <a:prstGeom prst="line">
+            <a:avLst/>
+          </a:prstGeom>
+          <a:ln w="28575">
+            <a:solidFill>
+              <a:schemeClr val="accent1"/>
+            </a:solidFill>
+            <a:headEnd type="none"/>
+            <a:tailEnd type="none" w="med" len="med"/>
+          </a:ln>
+        </p:spPr>
+        <p:style>
+          <a:lnRef idx="2">
+            <a:schemeClr val="accent4">
+              <a:shade val="50000"/>
+            </a:schemeClr>
+          </a:lnRef>
+          <a:fillRef idx="1">
+            <a:schemeClr val="accent4"/>
+          </a:fillRef>
+          <a:effectRef idx="0">
+            <a:schemeClr val="accent4"/>
+          </a:effectRef>
+          <a:fontRef idx="minor">
+            <a:schemeClr val="lt1"/>
+          </a:fontRef>
+        </p:style>
+      </p:cxnSp>
+      <p:sp>
+        <p:nvSpPr>
+          <p:cNvPr id="18" name="Text Box 17"/>
+          <p:cNvSpPr txBox="1"/>
+          <p:nvPr/>
+        </p:nvSpPr>
+        <p:spPr>
+          <a:xfrm>
+            <a:off x="3829685" y="2456180"/>
+            <a:ext cx="273685" cy="275590"/>
+          </a:xfrm>
+          <a:prstGeom prst="rect">
+            <a:avLst/>
+          </a:prstGeom>
+          <a:noFill/>
+        </p:spPr>
+        <p:txBody>
+          <a:bodyPr wrap="none" rtlCol="0">
+            <a:spAutoFit/>
+          </a:bodyPr>
+          <a:p>
+            <a:r>
+              <a:rPr lang="en-US" sz="1200">
+                <a:latin typeface="Asana Math" panose="02000603000000000000" charset="0"/>
+                <a:ea typeface="Asana Math" panose="02000603000000000000" charset="0"/>
+                <a:cs typeface="Arial" panose="020B0604020202020204" pitchFamily="34" charset="0"/>
+              </a:rPr>
+              <a:t>α</a:t>
+            </a:r>
+            <a:endParaRPr lang="en-US" sz="1200">
+              <a:latin typeface="Asana Math" panose="02000603000000000000" charset="0"/>
+              <a:ea typeface="Asana Math" panose="02000603000000000000" charset="0"/>
+              <a:cs typeface="Arial" panose="020B0604020202020204" pitchFamily="34" charset="0"/>
+            </a:endParaRPr>
+          </a:p>
+        </p:txBody>
+      </p:sp>
+      <p:sp>
+        <p:nvSpPr>
+          <p:cNvPr id="19" name="Text Box 18"/>
+          <p:cNvSpPr txBox="1"/>
+          <p:nvPr/>
+        </p:nvSpPr>
+        <p:spPr>
+          <a:xfrm>
+            <a:off x="4574540" y="2461895"/>
+            <a:ext cx="260985" cy="275590"/>
+          </a:xfrm>
+          <a:prstGeom prst="rect">
+            <a:avLst/>
+          </a:prstGeom>
+          <a:noFill/>
+        </p:spPr>
+        <p:txBody>
+          <a:bodyPr wrap="none" rtlCol="0">
+            <a:spAutoFit/>
+          </a:bodyPr>
+          <a:p>
+            <a:r>
+              <a:rPr lang="en-US" sz="1200">
+                <a:latin typeface="Asana Math" panose="02000603000000000000" charset="0"/>
+                <a:ea typeface="Asana Math" panose="02000603000000000000" charset="0"/>
+                <a:cs typeface="Arial" panose="020B0604020202020204" pitchFamily="34" charset="0"/>
+              </a:rPr>
+              <a:t>β</a:t>
+            </a:r>
+            <a:endParaRPr lang="en-US" sz="1200">
+              <a:latin typeface="Asana Math" panose="02000603000000000000" charset="0"/>
+              <a:ea typeface="Asana Math" panose="02000603000000000000" charset="0"/>
+              <a:cs typeface="Arial" panose="020B0604020202020204" pitchFamily="34" charset="0"/>
+            </a:endParaRPr>
+          </a:p>
+        </p:txBody>
+      </p:sp>
+      <p:sp>
+        <p:nvSpPr>
+          <p:cNvPr id="6" name="Text Box 5"/>
+          <p:cNvSpPr txBox="1"/>
+          <p:nvPr/>
+        </p:nvSpPr>
+        <p:spPr>
+          <a:xfrm>
+            <a:off x="4735195" y="2233295"/>
+            <a:ext cx="448945" cy="213995"/>
+          </a:xfrm>
+          <a:prstGeom prst="rect">
+            <a:avLst/>
+          </a:prstGeom>
+          <a:noFill/>
+        </p:spPr>
+        <p:txBody>
+          <a:bodyPr wrap="none" rtlCol="0">
+            <a:spAutoFit/>
+          </a:bodyPr>
+          <a:p>
+            <a:r>
+              <a:rPr lang="" altLang="en-US" sz="800" i="1">
+                <a:solidFill>
+                  <a:schemeClr val="tx1">
+                    <a:lumMod val="75000"/>
+                    <a:lumOff val="25000"/>
+                  </a:schemeClr>
+                </a:solidFill>
+              </a:rPr>
+              <a:t>labels</a:t>
+            </a:r>
+            <a:endParaRPr lang="" altLang="en-US" sz="800" i="1">
+              <a:solidFill>
+                <a:schemeClr val="tx1">
+                  <a:lumMod val="75000"/>
+                  <a:lumOff val="25000"/>
+                </a:schemeClr>
+              </a:solidFill>
+            </a:endParaRPr>
+          </a:p>
+        </p:txBody>
+      </p:sp>
+      <p:cxnSp>
+        <p:nvCxnSpPr>
+          <p:cNvPr id="8" name="Straight Arrow Connector 7"/>
+          <p:cNvCxnSpPr/>
+          <p:nvPr/>
+        </p:nvCxnSpPr>
+        <p:spPr>
+          <a:xfrm flipH="1">
+            <a:off x="4762500" y="2430145"/>
+            <a:ext cx="125095" cy="161290"/>
+          </a:xfrm>
+          <a:prstGeom prst="straightConnector1">
+            <a:avLst/>
+          </a:prstGeom>
+          <a:ln>
+            <a:solidFill>
+              <a:srgbClr val="C00000"/>
+            </a:solidFill>
+            <a:tailEnd type="triangle" w="sm" len="sm"/>
+          </a:ln>
+        </p:spPr>
+        <p:style>
+          <a:lnRef idx="1">
+            <a:schemeClr val="accent2"/>
+          </a:lnRef>
+          <a:fillRef idx="0">
+            <a:schemeClr val="accent2"/>
+          </a:fillRef>
+          <a:effectRef idx="0">
+            <a:schemeClr val="accent2"/>
+          </a:effectRef>
+          <a:fontRef idx="minor">
+            <a:schemeClr val="tx1"/>
+          </a:fontRef>
+        </p:style>
+      </p:cxnSp>
+      <p:cxnSp>
+        <p:nvCxnSpPr>
+          <p:cNvPr id="9" name="Straight Arrow Connector 8"/>
+          <p:cNvCxnSpPr/>
+          <p:nvPr/>
+        </p:nvCxnSpPr>
+        <p:spPr>
+          <a:xfrm flipH="1">
+            <a:off x="4000500" y="2409190"/>
+            <a:ext cx="795020" cy="182245"/>
+          </a:xfrm>
+          <a:prstGeom prst="straightConnector1">
+            <a:avLst/>
+          </a:prstGeom>
+          <a:ln>
+            <a:solidFill>
+              <a:srgbClr val="C00000"/>
+            </a:solidFill>
+            <a:tailEnd type="triangle" w="sm" len="sm"/>
+          </a:ln>
+        </p:spPr>
+        <p:style>
+          <a:lnRef idx="1">
+            <a:schemeClr val="accent2"/>
+          </a:lnRef>
+          <a:fillRef idx="0">
+            <a:schemeClr val="accent2"/>
+          </a:fillRef>
+          <a:effectRef idx="0">
+            <a:schemeClr val="accent2"/>
+          </a:effectRef>
+          <a:fontRef idx="minor">
+            <a:schemeClr val="tx1"/>
+          </a:fontRef>
+        </p:style>
+      </p:cxnSp>
+      <p:sp>
+        <p:nvSpPr>
+          <p:cNvPr id="10" name="Text Box 9"/>
+          <p:cNvSpPr txBox="1"/>
+          <p:nvPr/>
+        </p:nvSpPr>
+        <p:spPr>
+          <a:xfrm>
+            <a:off x="3500120" y="3072765"/>
+            <a:ext cx="459740" cy="213995"/>
+          </a:xfrm>
+          <a:prstGeom prst="rect">
+            <a:avLst/>
+          </a:prstGeom>
+          <a:noFill/>
+        </p:spPr>
+        <p:txBody>
+          <a:bodyPr wrap="none" rtlCol="0">
+            <a:spAutoFit/>
+          </a:bodyPr>
+          <a:p>
+            <a:r>
+              <a:rPr lang="" altLang="en-US" sz="800" i="1">
+                <a:solidFill>
+                  <a:schemeClr val="tx1">
+                    <a:lumMod val="75000"/>
+                    <a:lumOff val="25000"/>
+                  </a:schemeClr>
+                </a:solidFill>
+              </a:rPr>
+              <a:t>bonds</a:t>
+            </a:r>
+            <a:endParaRPr lang="" altLang="en-US" sz="800" i="1">
+              <a:solidFill>
+                <a:schemeClr val="tx1">
+                  <a:lumMod val="75000"/>
+                  <a:lumOff val="25000"/>
+                </a:schemeClr>
+              </a:solidFill>
+            </a:endParaRPr>
+          </a:p>
+        </p:txBody>
+      </p:sp>
+      <p:cxnSp>
+        <p:nvCxnSpPr>
+          <p:cNvPr id="11" name="Straight Arrow Connector 10"/>
+          <p:cNvCxnSpPr/>
+          <p:nvPr/>
+        </p:nvCxnSpPr>
+        <p:spPr>
+          <a:xfrm flipV="1">
+            <a:off x="3798570" y="2802890"/>
+            <a:ext cx="241300" cy="288925"/>
+          </a:xfrm>
+          <a:prstGeom prst="straightConnector1">
+            <a:avLst/>
+          </a:prstGeom>
+          <a:ln>
+            <a:solidFill>
+              <a:srgbClr val="C00000"/>
+            </a:solidFill>
+            <a:tailEnd type="triangle" w="sm" len="sm"/>
+          </a:ln>
+        </p:spPr>
+        <p:style>
+          <a:lnRef idx="1">
+            <a:schemeClr val="accent2"/>
+          </a:lnRef>
+          <a:fillRef idx="0">
+            <a:schemeClr val="accent2"/>
+          </a:fillRef>
+          <a:effectRef idx="0">
+            <a:schemeClr val="accent2"/>
+          </a:effectRef>
+          <a:fontRef idx="minor">
+            <a:schemeClr val="tx1"/>
+          </a:fontRef>
+        </p:style>
+      </p:cxnSp>
+      <p:cxnSp>
+        <p:nvCxnSpPr>
+          <p:cNvPr id="12" name="Straight Arrow Connector 11"/>
+          <p:cNvCxnSpPr/>
+          <p:nvPr/>
+        </p:nvCxnSpPr>
+        <p:spPr>
+          <a:xfrm flipV="1">
+            <a:off x="3922395" y="2802890"/>
+            <a:ext cx="711200" cy="336550"/>
+          </a:xfrm>
+          <a:prstGeom prst="straightConnector1">
+            <a:avLst/>
+          </a:prstGeom>
+          <a:ln>
+            <a:solidFill>
+              <a:srgbClr val="C00000"/>
+            </a:solidFill>
+            <a:tailEnd type="triangle" w="sm" len="sm"/>
+          </a:ln>
+        </p:spPr>
+        <p:style>
+          <a:lnRef idx="1">
+            <a:schemeClr val="accent2"/>
+          </a:lnRef>
+          <a:fillRef idx="0">
+            <a:schemeClr val="accent2"/>
+          </a:fillRef>
+          <a:effectRef idx="0">
+            <a:schemeClr val="accent2"/>
+          </a:effectRef>
+          <a:fontRef idx="minor">
+            <a:schemeClr val="tx1"/>
+          </a:fontRef>
+        </p:style>
+      </p:cxnSp>
+      <p:sp>
+        <p:nvSpPr>
+          <p:cNvPr id="14" name="Line Callout 3 13"/>
+          <p:cNvSpPr/>
+          <p:nvPr/>
+        </p:nvSpPr>
+        <p:spPr>
+          <a:xfrm>
+            <a:off x="3535045" y="1877695"/>
+            <a:ext cx="542925" cy="466725"/>
+          </a:xfrm>
+          <a:prstGeom prst="borderCallout3">
+            <a:avLst>
+              <a:gd name="adj1" fmla="val 55238"/>
+              <a:gd name="adj2" fmla="val 107953"/>
+              <a:gd name="adj3" fmla="val 72108"/>
+              <a:gd name="adj4" fmla="val 122456"/>
+              <a:gd name="adj5" fmla="val 162040"/>
+              <a:gd name="adj6" fmla="val 124210"/>
+              <a:gd name="adj7" fmla="val 181632"/>
+              <a:gd name="adj8" fmla="val 139649"/>
+            </a:avLst>
+          </a:prstGeom>
+          <a:solidFill>
+            <a:schemeClr val="bg1"/>
+          </a:solidFill>
+          <a:ln>
+            <a:prstDash val="sysDash"/>
+          </a:ln>
+        </p:spPr>
+        <p:style>
+          <a:lnRef idx="2">
+            <a:schemeClr val="accent3">
+              <a:shade val="50000"/>
+            </a:schemeClr>
+          </a:lnRef>
+          <a:fillRef idx="1">
+            <a:schemeClr val="accent3"/>
+          </a:fillRef>
+          <a:effectRef idx="0">
+            <a:schemeClr val="accent3"/>
+          </a:effectRef>
+          <a:fontRef idx="minor">
+            <a:schemeClr val="lt1"/>
+          </a:fontRef>
+        </p:style>
+        <p:txBody>
+          <a:bodyPr rtlCol="0" anchor="ctr"/>
+          <a:p>
+            <a:pPr algn="ctr"/>
+            <a:endParaRPr lang="en-US"/>
+          </a:p>
+        </p:txBody>
+      </p:sp>
+      <p:sp>
+        <p:nvSpPr>
+          <p:cNvPr id="15" name="Text Box 14"/>
+          <p:cNvSpPr txBox="1"/>
+          <p:nvPr/>
+        </p:nvSpPr>
+        <p:spPr>
+          <a:xfrm>
+            <a:off x="3470910" y="1890395"/>
+            <a:ext cx="710565" cy="460375"/>
+          </a:xfrm>
+          <a:prstGeom prst="rect">
+            <a:avLst/>
+          </a:prstGeom>
+          <a:noFill/>
+        </p:spPr>
+        <p:txBody>
+          <a:bodyPr wrap="none" rtlCol="0">
+            <a:spAutoFit/>
+          </a:bodyPr>
+          <a:p>
+            <a:r>
+              <a:rPr lang="" altLang="en-US" sz="600"/>
+              <a:t>0 10 2 3 7 ... ... </a:t>
+            </a:r>
+            <a:endParaRPr lang="" altLang="en-US" sz="600"/>
+          </a:p>
+          <a:p>
+            <a:r>
+              <a:rPr lang="" altLang="en-US" sz="600"/>
+              <a:t>5  ... ... ... ... ...</a:t>
+            </a:r>
+            <a:endParaRPr lang="" altLang="en-US" sz="600"/>
+          </a:p>
+          <a:p>
+            <a:r>
+              <a:rPr lang="" altLang="en-US" sz="600"/>
+              <a:t>... ... ... ...</a:t>
+            </a:r>
+            <a:endParaRPr lang="" altLang="en-US" sz="600"/>
+          </a:p>
+          <a:p>
+            <a:r>
+              <a:rPr lang="" altLang="en-US" sz="600"/>
+              <a:t>...</a:t>
+            </a:r>
+            <a:endParaRPr lang="" altLang="en-US" sz="600"/>
+          </a:p>
+        </p:txBody>
+      </p:sp>
+      <p:sp>
+        <p:nvSpPr>
+          <p:cNvPr id="17" name="Text Box 16"/>
+          <p:cNvSpPr txBox="1"/>
+          <p:nvPr/>
+        </p:nvSpPr>
+        <p:spPr>
+          <a:xfrm>
+            <a:off x="3450590" y="1690370"/>
+            <a:ext cx="549910" cy="213995"/>
+          </a:xfrm>
+          <a:prstGeom prst="rect">
+            <a:avLst/>
+          </a:prstGeom>
+          <a:noFill/>
+        </p:spPr>
+        <p:txBody>
+          <a:bodyPr wrap="none" rtlCol="0">
+            <a:spAutoFit/>
+          </a:bodyPr>
+          <a:p>
+            <a:r>
+              <a:rPr lang="" altLang="en-US" sz="800" i="1">
+                <a:solidFill>
+                  <a:schemeClr val="tx1">
+                    <a:lumMod val="75000"/>
+                    <a:lumOff val="25000"/>
+                  </a:schemeClr>
+                </a:solidFill>
+              </a:rPr>
+              <a:t>Block(s)</a:t>
+            </a:r>
+            <a:endParaRPr lang="" altLang="en-US" sz="800" i="1">
+              <a:solidFill>
+                <a:schemeClr val="tx1">
+                  <a:lumMod val="75000"/>
+                  <a:lumOff val="25000"/>
+                </a:schemeClr>
+              </a:solidFill>
+            </a:endParaRPr>
+          </a:p>
+        </p:txBody>
+      </p:sp>
+      <p:sp>
+        <p:nvSpPr>
+          <p:cNvPr id="20" name="Text Box 19"/>
+          <p:cNvSpPr txBox="1"/>
+          <p:nvPr/>
+        </p:nvSpPr>
+        <p:spPr>
+          <a:xfrm>
+            <a:off x="4474845" y="1663700"/>
+            <a:ext cx="1211580" cy="368300"/>
+          </a:xfrm>
+          <a:prstGeom prst="rect">
+            <a:avLst/>
+          </a:prstGeom>
+          <a:noFill/>
+        </p:spPr>
+        <p:txBody>
+          <a:bodyPr wrap="none" rtlCol="0">
+            <a:spAutoFit/>
+          </a:bodyPr>
+          <a:p>
+            <a:r>
+              <a:rPr lang="" altLang="en-US">
+                <a:solidFill>
+                  <a:schemeClr val="accent6">
+                    <a:lumMod val="75000"/>
+                  </a:schemeClr>
+                </a:solidFill>
+              </a:rPr>
+              <a:t>UniTensor</a:t>
+            </a:r>
+            <a:endParaRPr lang="" altLang="en-US">
+              <a:solidFill>
+                <a:schemeClr val="accent6">
+                  <a:lumMod val="75000"/>
+                </a:schemeClr>
+              </a:solidFill>
+            </a:endParaRPr>
+          </a:p>
+        </p:txBody>
+      </p:sp>
+    </p:spTree>
+  </p:cSld>
+  <p:clrMapOvr>
+    <a:masterClrMapping/>
+  </p:clrMapOvr>
+</p:sld>
+</file>
+
+<file path=ppt/slides/slide5.xml><?xml version="1.0" encoding="utf-8"?>
+<p:sld xmlns:a="http://schemas.openxmlformats.org/drawingml/2006/main" xmlns:r="http://schemas.openxmlformats.org/officeDocument/2006/relationships" xmlns:p="http://schemas.openxmlformats.org/presentationml/2006/main">
+  <p:cSld>
+    <p:spTree>
+      <p:nvGrpSpPr>
+        <p:cNvPr id="1" name=""/>
+        <p:cNvGrpSpPr/>
+        <p:nvPr/>
+      </p:nvGrpSpPr>
+      <p:grpSpPr/>
       <p:cxnSp>
         <p:nvCxnSpPr>
           <p:cNvPr id="21" name="Straight Connector 20"/>
@@ -7309,7 +7941,7 @@
 </p:sld>
 </file>
 
-<file path=ppt/slides/slide5.xml><?xml version="1.0" encoding="utf-8"?>
+<file path=ppt/slides/slide6.xml><?xml version="1.0" encoding="utf-8"?>
 <p:sld xmlns:a="http://schemas.openxmlformats.org/drawingml/2006/main" xmlns:r="http://schemas.openxmlformats.org/officeDocument/2006/relationships" xmlns:p="http://schemas.openxmlformats.org/presentationml/2006/main">
   <p:cSld>
     <p:spTree>
@@ -9344,7 +9976,7 @@
 </p:sld>
 </file>
 
-<file path=ppt/slides/slide6.xml><?xml version="1.0" encoding="utf-8"?>
+<file path=ppt/slides/slide7.xml><?xml version="1.0" encoding="utf-8"?>
 <p:sld xmlns:a="http://schemas.openxmlformats.org/drawingml/2006/main" xmlns:r="http://schemas.openxmlformats.org/officeDocument/2006/relationships" xmlns:p="http://schemas.openxmlformats.org/presentationml/2006/main">
   <p:cSld>
     <p:spTree>
@@ -9793,20 +10425,20 @@
             </a:bodyPr>
             <a:p>
               <a:r>
-                <a:rPr lang="" altLang="en-US" sz="1000">
+                <a:rPr lang="en-US" altLang="en-US" sz="1000">
                   <a:latin typeface="DejaVu Math TeX Gyre" panose="02000503000000000000" charset="0"/>
                   <a:ea typeface="DejaVu Math TeX Gyre" panose="02000503000000000000" charset="0"/>
                 </a:rPr>
                 <a:t>U</a:t>
               </a:r>
               <a:r>
-                <a:rPr lang="" altLang="en-US" sz="1000" baseline="-25000">
+                <a:rPr lang="en-US" altLang="en-US" sz="1000" baseline="-25000">
                   <a:latin typeface="DejaVu Math TeX Gyre" panose="02000503000000000000" charset="0"/>
                   <a:ea typeface="DejaVu Math TeX Gyre" panose="02000503000000000000" charset="0"/>
                 </a:rPr>
                 <a:t>a</a:t>
               </a:r>
-              <a:endParaRPr lang="" altLang="en-US" sz="1000" baseline="-25000">
+              <a:endParaRPr lang="en-US" altLang="en-US" sz="1000" baseline="-25000">
                 <a:latin typeface="DejaVu Math TeX Gyre" panose="02000503000000000000" charset="0"/>
                 <a:ea typeface="DejaVu Math TeX Gyre" panose="02000503000000000000" charset="0"/>
               </a:endParaRPr>
@@ -10394,13 +11026,13 @@
                   <a:t>Γ</a:t>
                 </a:r>
                 <a:r>
-                  <a:rPr lang="" altLang="en-US" sz="1000" baseline="-25000">
+                  <a:rPr lang="en-US" altLang="en-US" sz="1000" baseline="-25000">
                     <a:latin typeface="DejaVu Math TeX Gyre" panose="02000503000000000000" charset="0"/>
                     <a:ea typeface="DejaVu Math TeX Gyre" panose="02000503000000000000" charset="0"/>
                   </a:rPr>
                   <a:t>B</a:t>
                 </a:r>
-                <a:endParaRPr lang="" altLang="en-US" sz="1000" baseline="-25000">
+                <a:endParaRPr lang="en-US" altLang="en-US" sz="1000" baseline="-25000">
                   <a:latin typeface="DejaVu Math TeX Gyre" panose="02000503000000000000" charset="0"/>
                   <a:ea typeface="DejaVu Math TeX Gyre" panose="02000503000000000000" charset="0"/>
                 </a:endParaRPr>
@@ -10545,7 +11177,7 @@
                   <a:t>λ</a:t>
                 </a:r>
                 <a:r>
-                  <a:rPr lang="" altLang="en-US" sz="1000" baseline="-25000">
+                  <a:rPr lang="en-US" altLang="en-US" sz="1000" baseline="-25000">
                     <a:solidFill>
                       <a:schemeClr val="bg1">
                         <a:lumMod val="50000"/>
@@ -10556,7 +11188,7 @@
                   </a:rPr>
                   <a:t>A</a:t>
                 </a:r>
-                <a:endParaRPr lang="" altLang="en-US" sz="1000" baseline="-25000">
+                <a:endParaRPr lang="en-US" altLang="en-US" sz="1000" baseline="-25000">
                   <a:solidFill>
                     <a:schemeClr val="bg1">
                       <a:lumMod val="50000"/>
@@ -10979,13 +11611,13 @@
                   <a:t>U</a:t>
                 </a:r>
                 <a:r>
-                  <a:rPr lang="" altLang="en-US" sz="1000" baseline="-25000">
+                  <a:rPr lang="en-US" altLang="en-US" sz="1000" baseline="-25000">
                     <a:latin typeface="DejaVu Math TeX Gyre" panose="02000503000000000000" charset="0"/>
                     <a:ea typeface="DejaVu Math TeX Gyre" panose="02000503000000000000" charset="0"/>
                   </a:rPr>
                   <a:t>b</a:t>
                 </a:r>
-                <a:endParaRPr lang="" altLang="en-US" sz="1000" baseline="-25000">
+                <a:endParaRPr lang="en-US" altLang="en-US" sz="1000" baseline="-25000">
                   <a:latin typeface="DejaVu Math TeX Gyre" panose="02000503000000000000" charset="0"/>
                   <a:ea typeface="DejaVu Math TeX Gyre" panose="02000503000000000000" charset="0"/>
                 </a:endParaRPr>
@@ -13111,13 +13743,13 @@
                 <a:t>U</a:t>
               </a:r>
               <a:r>
-                <a:rPr lang="" altLang="en-US" sz="1000" baseline="-25000">
+                <a:rPr lang="en-US" altLang="en-US" sz="1000" baseline="-25000">
                   <a:latin typeface="DejaVu Math TeX Gyre" panose="02000503000000000000" charset="0"/>
                   <a:ea typeface="DejaVu Math TeX Gyre" panose="02000503000000000000" charset="0"/>
                 </a:rPr>
                 <a:t>b</a:t>
               </a:r>
-              <a:endParaRPr lang="" altLang="en-US" sz="1000" baseline="-25000">
+              <a:endParaRPr lang="en-US" altLang="en-US" sz="1000" baseline="-25000">
                 <a:latin typeface="DejaVu Math TeX Gyre" panose="02000503000000000000" charset="0"/>
                 <a:ea typeface="DejaVu Math TeX Gyre" panose="02000503000000000000" charset="0"/>
               </a:endParaRPr>
@@ -14221,15 +14853,7 @@
           <a:p>
             <a:r>
               <a:rPr lang="en-US" altLang="en-US" sz="1000"/>
-              <a:t>(</a:t>
-            </a:r>
-            <a:r>
-              <a:rPr lang="" altLang="en-US" sz="1000"/>
-              <a:t>1</a:t>
-            </a:r>
-            <a:r>
-              <a:rPr lang="en-US" altLang="en-US" sz="1000"/>
-              <a:t>)</a:t>
+              <a:t>(1)</a:t>
             </a:r>
             <a:endParaRPr lang="en-US" altLang="en-US" sz="1000"/>
           </a:p>
@@ -14258,15 +14882,7 @@
           <a:p>
             <a:r>
               <a:rPr lang="en-US" altLang="en-US" sz="1000"/>
-              <a:t>(</a:t>
-            </a:r>
-            <a:r>
-              <a:rPr lang="" altLang="en-US" sz="1000"/>
-              <a:t>2</a:t>
-            </a:r>
-            <a:r>
-              <a:rPr lang="en-US" altLang="en-US" sz="1000"/>
-              <a:t>)</a:t>
+              <a:t>(2)</a:t>
             </a:r>
             <a:endParaRPr lang="en-US" altLang="en-US" sz="1000"/>
           </a:p>

--- a/material/material.pptx
+++ b/material/material.pptx
@@ -8,7 +8,7 @@
     <p:notesMasterId r:id="rId13"/>
   </p:notesMasterIdLst>
   <p:handoutMasterIdLst>
-    <p:handoutMasterId r:id="rId14"/>
+    <p:handoutMasterId r:id="rId15"/>
   </p:handoutMasterIdLst>
   <p:sldIdLst>
     <p:sldId id="256" r:id="rId3"/>
@@ -21,6 +21,7 @@
     <p:sldId id="259" r:id="rId10"/>
     <p:sldId id="260" r:id="rId11"/>
     <p:sldId id="261" r:id="rId12"/>
+    <p:sldId id="273" r:id="rId14"/>
   </p:sldIdLst>
   <p:sldSz cx="12192000" cy="6858000"/>
   <p:notesSz cx="7103745" cy="10234295"/>
@@ -9026,6 +9027,337 @@
 </p:sld>
 </file>
 
+<file path=ppt/slides/slide11.xml><?xml version="1.0" encoding="utf-8"?>
+<p:sld xmlns:a="http://schemas.openxmlformats.org/drawingml/2006/main" xmlns:r="http://schemas.openxmlformats.org/officeDocument/2006/relationships" xmlns:p="http://schemas.openxmlformats.org/presentationml/2006/main">
+  <p:cSld>
+    <p:spTree>
+      <p:nvGrpSpPr>
+        <p:cNvPr id="1" name=""/>
+        <p:cNvGrpSpPr/>
+        <p:nvPr/>
+      </p:nvGrpSpPr>
+      <p:grpSpPr/>
+      <p:grpSp>
+        <p:nvGrpSpPr>
+          <p:cNvPr id="2" name="Group 1"/>
+          <p:cNvGrpSpPr/>
+          <p:nvPr/>
+        </p:nvGrpSpPr>
+        <p:grpSpPr>
+          <a:xfrm>
+            <a:off x="4442460" y="1807210"/>
+            <a:ext cx="1355725" cy="1322705"/>
+            <a:chOff x="7836" y="2534"/>
+            <a:chExt cx="1031" cy="1006"/>
+          </a:xfrm>
+        </p:grpSpPr>
+        <p:sp>
+          <p:nvSpPr>
+            <p:cNvPr id="14" name="Oval 13"/>
+            <p:cNvSpPr/>
+            <p:nvPr/>
+          </p:nvSpPr>
+          <p:spPr>
+            <a:xfrm>
+              <a:off x="8289" y="2856"/>
+              <a:ext cx="333" cy="333"/>
+            </a:xfrm>
+            <a:prstGeom prst="ellipse">
+              <a:avLst/>
+            </a:prstGeom>
+          </p:spPr>
+          <p:style>
+            <a:lnRef idx="2">
+              <a:schemeClr val="accent1">
+                <a:shade val="50000"/>
+              </a:schemeClr>
+            </a:lnRef>
+            <a:fillRef idx="1">
+              <a:schemeClr val="accent1"/>
+            </a:fillRef>
+            <a:effectRef idx="0">
+              <a:schemeClr val="accent1"/>
+            </a:effectRef>
+            <a:fontRef idx="minor">
+              <a:schemeClr val="lt1"/>
+            </a:fontRef>
+          </p:style>
+          <p:txBody>
+            <a:bodyPr rtlCol="0" anchor="ctr"/>
+            <a:p>
+              <a:pPr algn="ctr"/>
+              <a:endParaRPr lang="en-US"/>
+            </a:p>
+          </p:txBody>
+        </p:sp>
+        <p:cxnSp>
+          <p:nvCxnSpPr>
+            <p:cNvPr id="15" name="Straight Connector 14"/>
+            <p:cNvCxnSpPr/>
+            <p:nvPr/>
+          </p:nvCxnSpPr>
+          <p:spPr>
+            <a:xfrm flipV="1">
+              <a:off x="8567" y="2534"/>
+              <a:ext cx="301" cy="377"/>
+            </a:xfrm>
+            <a:prstGeom prst="line">
+              <a:avLst/>
+            </a:prstGeom>
+            <a:ln w="28575">
+              <a:solidFill>
+                <a:schemeClr val="accent1"/>
+              </a:solidFill>
+            </a:ln>
+          </p:spPr>
+          <p:style>
+            <a:lnRef idx="1">
+              <a:schemeClr val="accent1"/>
+            </a:lnRef>
+            <a:fillRef idx="0">
+              <a:schemeClr val="accent1"/>
+            </a:fillRef>
+            <a:effectRef idx="0">
+              <a:schemeClr val="accent1"/>
+            </a:effectRef>
+            <a:fontRef idx="minor">
+              <a:schemeClr val="tx1"/>
+            </a:fontRef>
+          </p:style>
+        </p:cxnSp>
+        <p:cxnSp>
+          <p:nvCxnSpPr>
+            <p:cNvPr id="16" name="Straight Connector 15"/>
+            <p:cNvCxnSpPr/>
+            <p:nvPr/>
+          </p:nvCxnSpPr>
+          <p:spPr>
+            <a:xfrm>
+              <a:off x="7836" y="3022"/>
+              <a:ext cx="453" cy="0"/>
+            </a:xfrm>
+            <a:prstGeom prst="line">
+              <a:avLst/>
+            </a:prstGeom>
+            <a:ln w="28575">
+              <a:solidFill>
+                <a:schemeClr val="accent1"/>
+              </a:solidFill>
+            </a:ln>
+          </p:spPr>
+          <p:style>
+            <a:lnRef idx="1">
+              <a:schemeClr val="accent1"/>
+            </a:lnRef>
+            <a:fillRef idx="0">
+              <a:schemeClr val="accent1"/>
+            </a:fillRef>
+            <a:effectRef idx="0">
+              <a:schemeClr val="accent1"/>
+            </a:effectRef>
+            <a:fontRef idx="minor">
+              <a:schemeClr val="tx1"/>
+            </a:fontRef>
+          </p:style>
+        </p:cxnSp>
+        <p:cxnSp>
+          <p:nvCxnSpPr>
+            <p:cNvPr id="17" name="Straight Connector 16"/>
+            <p:cNvCxnSpPr/>
+            <p:nvPr/>
+          </p:nvCxnSpPr>
+          <p:spPr>
+            <a:xfrm>
+              <a:off x="8538" y="3160"/>
+              <a:ext cx="288" cy="380"/>
+            </a:xfrm>
+            <a:prstGeom prst="line">
+              <a:avLst/>
+            </a:prstGeom>
+            <a:ln w="28575">
+              <a:solidFill>
+                <a:schemeClr val="accent1"/>
+              </a:solidFill>
+            </a:ln>
+          </p:spPr>
+          <p:style>
+            <a:lnRef idx="1">
+              <a:schemeClr val="accent1"/>
+            </a:lnRef>
+            <a:fillRef idx="0">
+              <a:schemeClr val="accent1"/>
+            </a:fillRef>
+            <a:effectRef idx="0">
+              <a:schemeClr val="accent1"/>
+            </a:effectRef>
+            <a:fontRef idx="minor">
+              <a:schemeClr val="tx1"/>
+            </a:fontRef>
+          </p:style>
+        </p:cxnSp>
+      </p:grpSp>
+      <p:cxnSp>
+        <p:nvCxnSpPr>
+          <p:cNvPr id="21" name="Straight Connector 20"/>
+          <p:cNvCxnSpPr/>
+          <p:nvPr/>
+        </p:nvCxnSpPr>
+        <p:spPr>
+          <a:xfrm>
+            <a:off x="3832860" y="3808095"/>
+            <a:ext cx="4526280" cy="0"/>
+          </a:xfrm>
+          <a:prstGeom prst="line">
+            <a:avLst/>
+          </a:prstGeom>
+        </p:spPr>
+        <p:style>
+          <a:lnRef idx="1">
+            <a:schemeClr val="accent1"/>
+          </a:lnRef>
+          <a:fillRef idx="0">
+            <a:schemeClr val="accent1"/>
+          </a:fillRef>
+          <a:effectRef idx="0">
+            <a:schemeClr val="accent1"/>
+          </a:effectRef>
+          <a:fontRef idx="minor">
+            <a:schemeClr val="tx1"/>
+          </a:fontRef>
+        </p:style>
+      </p:cxnSp>
+      <p:sp>
+        <p:nvSpPr>
+          <p:cNvPr id="3" name="Text Box 2"/>
+          <p:cNvSpPr txBox="1"/>
+          <p:nvPr/>
+        </p:nvSpPr>
+        <p:spPr>
+          <a:xfrm>
+            <a:off x="5030470" y="2261235"/>
+            <a:ext cx="449580" cy="368300"/>
+          </a:xfrm>
+          <a:prstGeom prst="rect">
+            <a:avLst/>
+          </a:prstGeom>
+          <a:noFill/>
+        </p:spPr>
+        <p:txBody>
+          <a:bodyPr wrap="none" rtlCol="0">
+            <a:spAutoFit/>
+          </a:bodyPr>
+          <a:p>
+            <a:r>
+              <a:rPr lang="" altLang="en-US"/>
+              <a:t>uT</a:t>
+            </a:r>
+            <a:endParaRPr lang="" altLang="en-US"/>
+          </a:p>
+        </p:txBody>
+      </p:sp>
+      <p:sp>
+        <p:nvSpPr>
+          <p:cNvPr id="6" name="Text Box 5"/>
+          <p:cNvSpPr txBox="1"/>
+          <p:nvPr/>
+        </p:nvSpPr>
+        <p:spPr>
+          <a:xfrm>
+            <a:off x="4488180" y="2207895"/>
+            <a:ext cx="834390" cy="275590"/>
+          </a:xfrm>
+          <a:prstGeom prst="rect">
+            <a:avLst/>
+          </a:prstGeom>
+          <a:noFill/>
+        </p:spPr>
+        <p:txBody>
+          <a:bodyPr wrap="square" rtlCol="0">
+            <a:spAutoFit/>
+          </a:bodyPr>
+          <a:p>
+            <a:r>
+              <a:rPr lang="" altLang="en-US" sz="1200"/>
+              <a:t>d=2</a:t>
+            </a:r>
+            <a:endParaRPr lang="" altLang="en-US" sz="1200"/>
+          </a:p>
+        </p:txBody>
+      </p:sp>
+      <p:sp>
+        <p:nvSpPr>
+          <p:cNvPr id="8" name="Text Box 7"/>
+          <p:cNvSpPr txBox="1"/>
+          <p:nvPr/>
+        </p:nvSpPr>
+        <p:spPr>
+          <a:xfrm>
+            <a:off x="5240020" y="1807210"/>
+            <a:ext cx="834390" cy="275590"/>
+          </a:xfrm>
+          <a:prstGeom prst="rect">
+            <a:avLst/>
+          </a:prstGeom>
+          <a:noFill/>
+        </p:spPr>
+        <p:txBody>
+          <a:bodyPr wrap="square" rtlCol="0">
+            <a:spAutoFit/>
+          </a:bodyPr>
+          <a:p>
+            <a:r>
+              <a:rPr lang="en-US" altLang="en-US" sz="1200"/>
+              <a:t>d=</a:t>
+            </a:r>
+            <a:r>
+              <a:rPr lang="" altLang="en-US" sz="1200"/>
+              <a:t>3</a:t>
+            </a:r>
+            <a:endParaRPr lang="" altLang="en-US" sz="1200"/>
+          </a:p>
+        </p:txBody>
+      </p:sp>
+      <p:sp>
+        <p:nvSpPr>
+          <p:cNvPr id="9" name="Text Box 8"/>
+          <p:cNvSpPr txBox="1"/>
+          <p:nvPr/>
+        </p:nvSpPr>
+        <p:spPr>
+          <a:xfrm>
+            <a:off x="5449570" y="2629535"/>
+            <a:ext cx="834390" cy="275590"/>
+          </a:xfrm>
+          <a:prstGeom prst="rect">
+            <a:avLst/>
+          </a:prstGeom>
+          <a:noFill/>
+        </p:spPr>
+        <p:txBody>
+          <a:bodyPr wrap="square" rtlCol="0">
+            <a:spAutoFit/>
+          </a:bodyPr>
+          <a:p>
+            <a:r>
+              <a:rPr lang="en-US" altLang="en-US" sz="1200"/>
+              <a:t>d=</a:t>
+            </a:r>
+            <a:r>
+              <a:rPr lang="" altLang="en-US" sz="1200"/>
+              <a:t>4</a:t>
+            </a:r>
+            <a:endParaRPr lang="" altLang="en-US" sz="1200"/>
+          </a:p>
+        </p:txBody>
+      </p:sp>
+    </p:spTree>
+  </p:cSld>
+  <p:clrMapOvr>
+    <a:masterClrMapping/>
+  </p:clrMapOvr>
+</p:sld>
+</file>
+
 <file path=ppt/slides/slide2.xml><?xml version="1.0" encoding="utf-8"?>
 <p:sld xmlns:a="http://schemas.openxmlformats.org/drawingml/2006/main" xmlns:r="http://schemas.openxmlformats.org/officeDocument/2006/relationships" xmlns:p="http://schemas.openxmlformats.org/presentationml/2006/main">
   <p:cSld>
@@ -11377,10 +11709,10 @@
           </a:bodyPr>
           <a:p>
             <a:r>
-              <a:rPr lang="" altLang="en-US" sz="800"/>
+              <a:rPr lang="en-US" altLang="en-US" sz="800"/>
               <a:t>Storage</a:t>
             </a:r>
-            <a:endParaRPr lang="" altLang="en-US" sz="800"/>
+            <a:endParaRPr lang="en-US" altLang="en-US" sz="800"/>
           </a:p>
         </p:txBody>
       </p:sp>
@@ -11406,24 +11738,24 @@
           </a:bodyPr>
           <a:p>
             <a:r>
-              <a:rPr lang="" altLang="en-US" sz="800"/>
+              <a:rPr lang="en-US" altLang="en-US" sz="800"/>
               <a:t>* stride</a:t>
             </a:r>
-            <a:endParaRPr lang="" altLang="en-US" sz="800"/>
+            <a:endParaRPr lang="en-US" altLang="en-US" sz="800"/>
           </a:p>
           <a:p>
             <a:r>
-              <a:rPr lang="" altLang="en-US" sz="800"/>
+              <a:rPr lang="en-US" altLang="en-US" sz="800"/>
               <a:t>* shape</a:t>
             </a:r>
-            <a:endParaRPr lang="" altLang="en-US" sz="800"/>
+            <a:endParaRPr lang="en-US" altLang="en-US" sz="800"/>
           </a:p>
           <a:p>
             <a:r>
-              <a:rPr lang="" altLang="en-US" sz="800"/>
+              <a:rPr lang="en-US" altLang="en-US" sz="800"/>
               <a:t>* ....</a:t>
             </a:r>
-            <a:endParaRPr lang="" altLang="en-US" sz="800"/>
+            <a:endParaRPr lang="en-US" altLang="en-US" sz="800"/>
           </a:p>
         </p:txBody>
       </p:sp>
@@ -11449,7 +11781,7 @@
           </a:bodyPr>
           <a:p>
             <a:r>
-              <a:rPr lang="" altLang="en-US" sz="800" i="1">
+              <a:rPr lang="en-US" altLang="en-US" sz="800" i="1">
                 <a:solidFill>
                   <a:schemeClr val="tx1">
                     <a:lumMod val="75000"/>
@@ -11459,7 +11791,7 @@
               </a:rPr>
               <a:t>meta  </a:t>
             </a:r>
-            <a:endParaRPr lang="" altLang="en-US" sz="800" i="1">
+            <a:endParaRPr lang="en-US" altLang="en-US" sz="800" i="1">
               <a:solidFill>
                 <a:schemeClr val="tx1">
                   <a:lumMod val="75000"/>
@@ -11628,20 +11960,9 @@
                   </a:schemeClr>
                 </a:solidFill>
               </a:rPr>
-              <a:t>data </a:t>
+              <a:t>data (store elements)</a:t>
             </a:r>
-            <a:r>
-              <a:rPr lang="" altLang="en-US" sz="800" i="1">
-                <a:solidFill>
-                  <a:schemeClr val="tx1">
-                    <a:lumMod val="75000"/>
-                    <a:lumOff val="25000"/>
-                  </a:schemeClr>
-                </a:solidFill>
-              </a:rPr>
-              <a:t>(store elements)</a:t>
-            </a:r>
-            <a:endParaRPr lang="" altLang="en-US" sz="800" i="1">
+            <a:endParaRPr lang="en-US" altLang="en-US" sz="800" i="1">
               <a:solidFill>
                 <a:schemeClr val="tx1">
                   <a:lumMod val="75000"/>
@@ -11753,19 +12074,9 @@
                   </a:schemeClr>
                 </a:solidFill>
               </a:rPr>
-              <a:t>Tensor </a:t>
+              <a:t>Tensor A</a:t>
             </a:r>
-            <a:r>
-              <a:rPr lang="" altLang="en-US" sz="1200">
-                <a:solidFill>
-                  <a:schemeClr val="accent6">
-                    <a:lumMod val="75000"/>
-                  </a:schemeClr>
-                </a:solidFill>
-              </a:rPr>
-              <a:t>A</a:t>
-            </a:r>
-            <a:endParaRPr lang="" altLang="en-US" sz="1200">
+            <a:endParaRPr lang="en-US" altLang="en-US" sz="1200">
               <a:solidFill>
                 <a:schemeClr val="accent6">
                   <a:lumMod val="75000"/>
@@ -12012,19 +12323,9 @@
                   </a:schemeClr>
                 </a:solidFill>
               </a:rPr>
-              <a:t>Tensor </a:t>
+              <a:t>Tensor B</a:t>
             </a:r>
-            <a:r>
-              <a:rPr lang="" altLang="en-US" sz="1200">
-                <a:solidFill>
-                  <a:schemeClr val="accent6">
-                    <a:lumMod val="75000"/>
-                  </a:schemeClr>
-                </a:solidFill>
-              </a:rPr>
-              <a:t>B</a:t>
-            </a:r>
-            <a:endParaRPr lang="" altLang="en-US" sz="1200">
+            <a:endParaRPr lang="en-US" altLang="en-US" sz="1200">
               <a:solidFill>
                 <a:schemeClr val="accent6">
                   <a:lumMod val="75000"/>
@@ -13063,19 +13364,9 @@
                   </a:schemeClr>
                 </a:solidFill>
               </a:rPr>
-              <a:t>Tensor </a:t>
+              <a:t>Tensor C</a:t>
             </a:r>
-            <a:r>
-              <a:rPr lang="" altLang="en-US" sz="1200">
-                <a:solidFill>
-                  <a:schemeClr val="accent6">
-                    <a:lumMod val="75000"/>
-                  </a:schemeClr>
-                </a:solidFill>
-              </a:rPr>
-              <a:t>C</a:t>
-            </a:r>
-            <a:endParaRPr lang="" altLang="en-US" sz="1200">
+            <a:endParaRPr lang="en-US" altLang="en-US" sz="1200">
               <a:solidFill>
                 <a:schemeClr val="accent6">
                   <a:lumMod val="75000"/>
@@ -13316,7 +13607,7 @@
           </a:bodyPr>
           <a:p>
             <a:r>
-              <a:rPr lang="" altLang="en-US" sz="800" i="1">
+              <a:rPr lang="en-US" altLang="en-US" sz="800" i="1">
                 <a:solidFill>
                   <a:schemeClr val="tx1">
                     <a:lumMod val="75000"/>
@@ -13326,7 +13617,7 @@
               </a:rPr>
               <a:t>contiguous()</a:t>
             </a:r>
-            <a:endParaRPr lang="" altLang="en-US" sz="800" i="1">
+            <a:endParaRPr lang="en-US" altLang="en-US" sz="800" i="1">
               <a:solidFill>
                 <a:schemeClr val="tx1">
                   <a:lumMod val="75000"/>

--- a/material/material.pptx
+++ b/material/material.pptx
@@ -8,7 +8,7 @@
     <p:notesMasterId r:id="rId13"/>
   </p:notesMasterIdLst>
   <p:handoutMasterIdLst>
-    <p:handoutMasterId r:id="rId15"/>
+    <p:handoutMasterId r:id="rId18"/>
   </p:handoutMasterIdLst>
   <p:sldIdLst>
     <p:sldId id="256" r:id="rId3"/>
@@ -22,6 +22,9 @@
     <p:sldId id="260" r:id="rId11"/>
     <p:sldId id="261" r:id="rId12"/>
     <p:sldId id="273" r:id="rId14"/>
+    <p:sldId id="274" r:id="rId15"/>
+    <p:sldId id="275" r:id="rId16"/>
+    <p:sldId id="276" r:id="rId17"/>
   </p:sldIdLst>
   <p:sldSz cx="12192000" cy="6858000"/>
   <p:notesSz cx="7103745" cy="10234295"/>
@@ -149,7 +152,7 @@
         <p:nvSpPr>
           <p:cNvPr id="2" name="页眉占位符 1"/>
           <p:cNvSpPr>
-            <a:spLocks noGrp="1"/>
+            <a:spLocks noGrp="true"/>
           </p:cNvSpPr>
           <p:nvPr>
             <p:ph type="hdr" sz="quarter"/>
@@ -180,7 +183,7 @@
         <p:nvSpPr>
           <p:cNvPr id="3" name="日期占位符 2"/>
           <p:cNvSpPr>
-            <a:spLocks noGrp="1"/>
+            <a:spLocks noGrp="true"/>
           </p:cNvSpPr>
           <p:nvPr>
             <p:ph type="dt" sz="quarter" idx="1"/>
@@ -214,7 +217,7 @@
         <p:nvSpPr>
           <p:cNvPr id="4" name="页脚占位符 3"/>
           <p:cNvSpPr>
-            <a:spLocks noGrp="1"/>
+            <a:spLocks noGrp="true"/>
           </p:cNvSpPr>
           <p:nvPr>
             <p:ph type="ftr" sz="quarter" idx="2"/>
@@ -245,7 +248,7 @@
         <p:nvSpPr>
           <p:cNvPr id="5" name="灯片编号占位符 4"/>
           <p:cNvSpPr>
-            <a:spLocks noGrp="1"/>
+            <a:spLocks noGrp="true"/>
           </p:cNvSpPr>
           <p:nvPr>
             <p:ph type="sldNum" sz="quarter" idx="3"/>
@@ -307,7 +310,7 @@
         <p:nvSpPr>
           <p:cNvPr id="2" name="页眉占位符 1"/>
           <p:cNvSpPr>
-            <a:spLocks noGrp="1"/>
+            <a:spLocks noGrp="true"/>
           </p:cNvSpPr>
           <p:nvPr>
             <p:ph type="hdr" sz="quarter"/>
@@ -338,7 +341,7 @@
         <p:nvSpPr>
           <p:cNvPr id="3" name="日期占位符 2"/>
           <p:cNvSpPr>
-            <a:spLocks noGrp="1"/>
+            <a:spLocks noGrp="true"/>
           </p:cNvSpPr>
           <p:nvPr>
             <p:ph type="dt" idx="1"/>
@@ -372,7 +375,7 @@
         <p:nvSpPr>
           <p:cNvPr id="4" name="幻灯片图像占位符 3"/>
           <p:cNvSpPr>
-            <a:spLocks noGrp="1" noRot="1" noChangeAspect="1"/>
+            <a:spLocks noGrp="true" noRot="true" noChangeAspect="true"/>
           </p:cNvSpPr>
           <p:nvPr>
             <p:ph type="sldImg" idx="2"/>
@@ -405,7 +408,7 @@
         <p:nvSpPr>
           <p:cNvPr id="5" name="备注占位符 4"/>
           <p:cNvSpPr>
-            <a:spLocks noGrp="1"/>
+            <a:spLocks noGrp="true"/>
           </p:cNvSpPr>
           <p:nvPr>
             <p:ph type="body" sz="quarter" idx="3"/>
@@ -469,7 +472,7 @@
         <p:nvSpPr>
           <p:cNvPr id="6" name="页脚占位符 5"/>
           <p:cNvSpPr>
-            <a:spLocks noGrp="1"/>
+            <a:spLocks noGrp="true"/>
           </p:cNvSpPr>
           <p:nvPr>
             <p:ph type="ftr" sz="quarter" idx="4"/>
@@ -500,7 +503,7 @@
         <p:nvSpPr>
           <p:cNvPr id="7" name="灯片编号占位符 6"/>
           <p:cNvSpPr>
-            <a:spLocks noGrp="1"/>
+            <a:spLocks noGrp="true"/>
           </p:cNvSpPr>
           <p:nvPr>
             <p:ph type="sldNum" sz="quarter" idx="5"/>
@@ -693,7 +696,7 @@
         <p:nvSpPr>
           <p:cNvPr id="2" name="标题 1"/>
           <p:cNvSpPr>
-            <a:spLocks noGrp="1"/>
+            <a:spLocks noGrp="true"/>
           </p:cNvSpPr>
           <p:nvPr>
             <p:ph type="ctrTitle"/>
@@ -742,7 +745,7 @@
         <p:nvSpPr>
           <p:cNvPr id="4" name="日期占位符 3"/>
           <p:cNvSpPr>
-            <a:spLocks noGrp="1"/>
+            <a:spLocks noGrp="true"/>
           </p:cNvSpPr>
           <p:nvPr>
             <p:ph type="dt" sz="half" idx="10"/>
@@ -764,7 +767,7 @@
         <p:nvSpPr>
           <p:cNvPr id="5" name="页脚占位符 4"/>
           <p:cNvSpPr>
-            <a:spLocks noGrp="1"/>
+            <a:spLocks noGrp="true"/>
           </p:cNvSpPr>
           <p:nvPr>
             <p:ph type="ftr" sz="quarter" idx="11"/>
@@ -783,7 +786,7 @@
         <p:nvSpPr>
           <p:cNvPr id="6" name="灯片编号占位符 5"/>
           <p:cNvSpPr>
-            <a:spLocks noGrp="1"/>
+            <a:spLocks noGrp="true"/>
           </p:cNvSpPr>
           <p:nvPr>
             <p:ph type="sldNum" sz="quarter" idx="12"/>
@@ -805,7 +808,7 @@
         <p:nvSpPr>
           <p:cNvPr id="3" name="副标题 2"/>
           <p:cNvSpPr>
-            <a:spLocks noGrp="1"/>
+            <a:spLocks noGrp="true"/>
           </p:cNvSpPr>
           <p:nvPr>
             <p:ph type="subTitle" idx="1"/>
@@ -907,7 +910,7 @@
         <p:nvSpPr>
           <p:cNvPr id="3" name="日期占位符 2"/>
           <p:cNvSpPr>
-            <a:spLocks noGrp="1"/>
+            <a:spLocks noGrp="true"/>
           </p:cNvSpPr>
           <p:nvPr>
             <p:ph type="dt" sz="half" idx="10"/>
@@ -929,7 +932,7 @@
         <p:nvSpPr>
           <p:cNvPr id="4" name="页脚占位符 3"/>
           <p:cNvSpPr>
-            <a:spLocks noGrp="1"/>
+            <a:spLocks noGrp="true"/>
           </p:cNvSpPr>
           <p:nvPr>
             <p:ph type="ftr" sz="quarter" idx="11"/>
@@ -948,7 +951,7 @@
         <p:nvSpPr>
           <p:cNvPr id="5" name="灯片编号占位符 4"/>
           <p:cNvSpPr>
-            <a:spLocks noGrp="1"/>
+            <a:spLocks noGrp="true"/>
           </p:cNvSpPr>
           <p:nvPr>
             <p:ph type="sldNum" sz="quarter" idx="12"/>
@@ -970,7 +973,7 @@
         <p:nvSpPr>
           <p:cNvPr id="7" name="内容占位符 6"/>
           <p:cNvSpPr>
-            <a:spLocks noGrp="1"/>
+            <a:spLocks noGrp="true"/>
           </p:cNvSpPr>
           <p:nvPr>
             <p:ph sz="quarter" idx="13"/>
@@ -1060,7 +1063,7 @@
         <p:nvSpPr>
           <p:cNvPr id="2" name="标题 1"/>
           <p:cNvSpPr>
-            <a:spLocks noGrp="1"/>
+            <a:spLocks noGrp="true"/>
           </p:cNvSpPr>
           <p:nvPr>
             <p:ph type="title"/>
@@ -1073,7 +1076,7 @@
           </a:xfrm>
         </p:spPr>
         <p:txBody>
-          <a:bodyPr anchor="ctr" anchorCtr="0">
+          <a:bodyPr anchor="ctr" anchorCtr="false">
             <a:normAutofit/>
           </a:bodyPr>
           <a:lstStyle>
@@ -1102,7 +1105,7 @@
         <p:nvSpPr>
           <p:cNvPr id="3" name="内容占位符 2"/>
           <p:cNvSpPr>
-            <a:spLocks noGrp="1"/>
+            <a:spLocks noGrp="true"/>
           </p:cNvSpPr>
           <p:nvPr>
             <p:ph idx="1"/>
@@ -1220,7 +1223,7 @@
         <p:nvSpPr>
           <p:cNvPr id="4" name="日期占位符 3"/>
           <p:cNvSpPr>
-            <a:spLocks noGrp="1"/>
+            <a:spLocks noGrp="true"/>
           </p:cNvSpPr>
           <p:nvPr>
             <p:ph type="dt" sz="half" idx="10"/>
@@ -1242,7 +1245,7 @@
         <p:nvSpPr>
           <p:cNvPr id="5" name="页脚占位符 4"/>
           <p:cNvSpPr>
-            <a:spLocks noGrp="1"/>
+            <a:spLocks noGrp="true"/>
           </p:cNvSpPr>
           <p:nvPr>
             <p:ph type="ftr" sz="quarter" idx="11"/>
@@ -1261,7 +1264,7 @@
         <p:nvSpPr>
           <p:cNvPr id="6" name="灯片编号占位符 5"/>
           <p:cNvSpPr>
-            <a:spLocks noGrp="1"/>
+            <a:spLocks noGrp="true"/>
           </p:cNvSpPr>
           <p:nvPr>
             <p:ph type="sldNum" sz="quarter" idx="12"/>
@@ -1308,7 +1311,7 @@
         <p:nvSpPr>
           <p:cNvPr id="2" name="标题 1"/>
           <p:cNvSpPr>
-            <a:spLocks noGrp="1"/>
+            <a:spLocks noGrp="true"/>
           </p:cNvSpPr>
           <p:nvPr>
             <p:ph type="title"/>
@@ -1350,7 +1353,7 @@
         <p:nvSpPr>
           <p:cNvPr id="3" name="文本占位符 2"/>
           <p:cNvSpPr>
-            <a:spLocks noGrp="1"/>
+            <a:spLocks noGrp="true"/>
           </p:cNvSpPr>
           <p:nvPr>
             <p:ph type="body" idx="1"/>
@@ -1474,7 +1477,7 @@
         <p:nvSpPr>
           <p:cNvPr id="4" name="日期占位符 3"/>
           <p:cNvSpPr>
-            <a:spLocks noGrp="1"/>
+            <a:spLocks noGrp="true"/>
           </p:cNvSpPr>
           <p:nvPr>
             <p:ph type="dt" sz="half" idx="10"/>
@@ -1496,7 +1499,7 @@
         <p:nvSpPr>
           <p:cNvPr id="5" name="页脚占位符 4"/>
           <p:cNvSpPr>
-            <a:spLocks noGrp="1"/>
+            <a:spLocks noGrp="true"/>
           </p:cNvSpPr>
           <p:nvPr>
             <p:ph type="ftr" sz="quarter" idx="11"/>
@@ -1515,7 +1518,7 @@
         <p:nvSpPr>
           <p:cNvPr id="6" name="灯片编号占位符 5"/>
           <p:cNvSpPr>
-            <a:spLocks noGrp="1"/>
+            <a:spLocks noGrp="true"/>
           </p:cNvSpPr>
           <p:nvPr>
             <p:ph type="sldNum" sz="quarter" idx="12"/>
@@ -1562,7 +1565,7 @@
         <p:nvSpPr>
           <p:cNvPr id="2" name="标题 1"/>
           <p:cNvSpPr>
-            <a:spLocks noGrp="1"/>
+            <a:spLocks noGrp="true"/>
           </p:cNvSpPr>
           <p:nvPr>
             <p:ph type="title"/>
@@ -1604,7 +1607,7 @@
         <p:nvSpPr>
           <p:cNvPr id="3" name="内容占位符 2"/>
           <p:cNvSpPr>
-            <a:spLocks noGrp="1"/>
+            <a:spLocks noGrp="true"/>
           </p:cNvSpPr>
           <p:nvPr>
             <p:ph sz="half" idx="1"/>
@@ -1737,7 +1740,7 @@
         <p:nvSpPr>
           <p:cNvPr id="4" name="内容占位符 3"/>
           <p:cNvSpPr>
-            <a:spLocks noGrp="1"/>
+            <a:spLocks noGrp="true"/>
           </p:cNvSpPr>
           <p:nvPr>
             <p:ph sz="half" idx="2"/>
@@ -1870,7 +1873,7 @@
         <p:nvSpPr>
           <p:cNvPr id="5" name="日期占位符 4"/>
           <p:cNvSpPr>
-            <a:spLocks noGrp="1"/>
+            <a:spLocks noGrp="true"/>
           </p:cNvSpPr>
           <p:nvPr>
             <p:ph type="dt" sz="half" idx="10"/>
@@ -1892,7 +1895,7 @@
         <p:nvSpPr>
           <p:cNvPr id="6" name="页脚占位符 5"/>
           <p:cNvSpPr>
-            <a:spLocks noGrp="1"/>
+            <a:spLocks noGrp="true"/>
           </p:cNvSpPr>
           <p:nvPr>
             <p:ph type="ftr" sz="quarter" idx="11"/>
@@ -1911,7 +1914,7 @@
         <p:nvSpPr>
           <p:cNvPr id="7" name="灯片编号占位符 6"/>
           <p:cNvSpPr>
-            <a:spLocks noGrp="1"/>
+            <a:spLocks noGrp="true"/>
           </p:cNvSpPr>
           <p:nvPr>
             <p:ph type="sldNum" sz="quarter" idx="12"/>
@@ -1958,7 +1961,7 @@
         <p:nvSpPr>
           <p:cNvPr id="2" name="标题 1"/>
           <p:cNvSpPr>
-            <a:spLocks noGrp="1"/>
+            <a:spLocks noGrp="true"/>
           </p:cNvSpPr>
           <p:nvPr>
             <p:ph type="title"/>
@@ -1986,7 +1989,7 @@
         <p:nvSpPr>
           <p:cNvPr id="3" name="文本占位符 2"/>
           <p:cNvSpPr>
-            <a:spLocks noGrp="1"/>
+            <a:spLocks noGrp="true"/>
           </p:cNvSpPr>
           <p:nvPr>
             <p:ph type="body" idx="1"/>
@@ -2056,7 +2059,7 @@
         <p:nvSpPr>
           <p:cNvPr id="4" name="内容占位符 3"/>
           <p:cNvSpPr>
-            <a:spLocks noGrp="1"/>
+            <a:spLocks noGrp="true"/>
           </p:cNvSpPr>
           <p:nvPr>
             <p:ph sz="half" idx="2"/>
@@ -2121,7 +2124,7 @@
         <p:nvSpPr>
           <p:cNvPr id="5" name="文本占位符 4"/>
           <p:cNvSpPr>
-            <a:spLocks noGrp="1"/>
+            <a:spLocks noGrp="true"/>
           </p:cNvSpPr>
           <p:nvPr>
             <p:ph type="body" sz="quarter" idx="3"/>
@@ -2191,7 +2194,7 @@
         <p:nvSpPr>
           <p:cNvPr id="6" name="内容占位符 5"/>
           <p:cNvSpPr>
-            <a:spLocks noGrp="1"/>
+            <a:spLocks noGrp="true"/>
           </p:cNvSpPr>
           <p:nvPr>
             <p:ph sz="quarter" idx="4"/>
@@ -2256,7 +2259,7 @@
         <p:nvSpPr>
           <p:cNvPr id="7" name="日期占位符 6"/>
           <p:cNvSpPr>
-            <a:spLocks noGrp="1"/>
+            <a:spLocks noGrp="true"/>
           </p:cNvSpPr>
           <p:nvPr>
             <p:ph type="dt" sz="half" idx="10"/>
@@ -2278,7 +2281,7 @@
         <p:nvSpPr>
           <p:cNvPr id="8" name="页脚占位符 7"/>
           <p:cNvSpPr>
-            <a:spLocks noGrp="1"/>
+            <a:spLocks noGrp="true"/>
           </p:cNvSpPr>
           <p:nvPr>
             <p:ph type="ftr" sz="quarter" idx="11"/>
@@ -2297,7 +2300,7 @@
         <p:nvSpPr>
           <p:cNvPr id="9" name="灯片编号占位符 8"/>
           <p:cNvSpPr>
-            <a:spLocks noGrp="1"/>
+            <a:spLocks noGrp="true"/>
           </p:cNvSpPr>
           <p:nvPr>
             <p:ph type="sldNum" sz="quarter" idx="12"/>
@@ -2344,7 +2347,7 @@
         <p:nvSpPr>
           <p:cNvPr id="2" name="标题 1"/>
           <p:cNvSpPr>
-            <a:spLocks noGrp="1"/>
+            <a:spLocks noGrp="true"/>
           </p:cNvSpPr>
           <p:nvPr>
             <p:ph type="title"/>
@@ -2386,7 +2389,7 @@
         <p:nvSpPr>
           <p:cNvPr id="3" name="日期占位符 2"/>
           <p:cNvSpPr>
-            <a:spLocks noGrp="1"/>
+            <a:spLocks noGrp="true"/>
           </p:cNvSpPr>
           <p:nvPr>
             <p:ph type="dt" sz="half" idx="10"/>
@@ -2408,7 +2411,7 @@
         <p:nvSpPr>
           <p:cNvPr id="4" name="页脚占位符 3"/>
           <p:cNvSpPr>
-            <a:spLocks noGrp="1"/>
+            <a:spLocks noGrp="true"/>
           </p:cNvSpPr>
           <p:nvPr>
             <p:ph type="ftr" sz="quarter" idx="11"/>
@@ -2427,7 +2430,7 @@
         <p:nvSpPr>
           <p:cNvPr id="5" name="灯片编号占位符 4"/>
           <p:cNvSpPr>
-            <a:spLocks noGrp="1"/>
+            <a:spLocks noGrp="true"/>
           </p:cNvSpPr>
           <p:nvPr>
             <p:ph type="sldNum" sz="quarter" idx="12"/>
@@ -2474,7 +2477,7 @@
         <p:nvSpPr>
           <p:cNvPr id="2" name="日期占位符 1"/>
           <p:cNvSpPr>
-            <a:spLocks noGrp="1"/>
+            <a:spLocks noGrp="true"/>
           </p:cNvSpPr>
           <p:nvPr>
             <p:ph type="dt" sz="half" idx="10"/>
@@ -2496,7 +2499,7 @@
         <p:nvSpPr>
           <p:cNvPr id="3" name="页脚占位符 2"/>
           <p:cNvSpPr>
-            <a:spLocks noGrp="1"/>
+            <a:spLocks noGrp="true"/>
           </p:cNvSpPr>
           <p:nvPr>
             <p:ph type="ftr" sz="quarter" idx="11"/>
@@ -2515,7 +2518,7 @@
         <p:nvSpPr>
           <p:cNvPr id="4" name="灯片编号占位符 3"/>
           <p:cNvSpPr>
-            <a:spLocks noGrp="1"/>
+            <a:spLocks noGrp="true"/>
           </p:cNvSpPr>
           <p:nvPr>
             <p:ph type="sldNum" sz="quarter" idx="12"/>
@@ -2562,7 +2565,7 @@
         <p:nvSpPr>
           <p:cNvPr id="2" name="标题 1"/>
           <p:cNvSpPr>
-            <a:spLocks noGrp="1"/>
+            <a:spLocks noGrp="true"/>
           </p:cNvSpPr>
           <p:nvPr>
             <p:ph type="title"/>
@@ -2575,7 +2578,7 @@
           </a:xfrm>
         </p:spPr>
         <p:txBody>
-          <a:bodyPr anchor="ctr" anchorCtr="0">
+          <a:bodyPr anchor="ctr" anchorCtr="false">
             <a:normAutofit/>
           </a:bodyPr>
           <a:lstStyle>
@@ -2608,7 +2611,7 @@
         <p:nvSpPr>
           <p:cNvPr id="3" name="图片占位符 2"/>
           <p:cNvSpPr>
-            <a:spLocks noGrp="1" noChangeAspect="1"/>
+            <a:spLocks noGrp="true" noChangeAspect="true"/>
           </p:cNvSpPr>
           <p:nvPr>
             <p:ph type="pic" idx="1"/>
@@ -2669,7 +2672,7 @@
         <p:nvSpPr>
           <p:cNvPr id="4" name="文本占位符 3"/>
           <p:cNvSpPr>
-            <a:spLocks noGrp="1"/>
+            <a:spLocks noGrp="true"/>
           </p:cNvSpPr>
           <p:nvPr>
             <p:ph type="body" sz="half" idx="2"/>
@@ -2740,7 +2743,7 @@
         <p:nvSpPr>
           <p:cNvPr id="5" name="日期占位符 4"/>
           <p:cNvSpPr>
-            <a:spLocks noGrp="1"/>
+            <a:spLocks noGrp="true"/>
           </p:cNvSpPr>
           <p:nvPr>
             <p:ph type="dt" sz="half" idx="10"/>
@@ -2762,7 +2765,7 @@
         <p:nvSpPr>
           <p:cNvPr id="6" name="页脚占位符 5"/>
           <p:cNvSpPr>
-            <a:spLocks noGrp="1"/>
+            <a:spLocks noGrp="true"/>
           </p:cNvSpPr>
           <p:nvPr>
             <p:ph type="ftr" sz="quarter" idx="11"/>
@@ -2781,7 +2784,7 @@
         <p:nvSpPr>
           <p:cNvPr id="7" name="灯片编号占位符 6"/>
           <p:cNvSpPr>
-            <a:spLocks noGrp="1"/>
+            <a:spLocks noGrp="true"/>
           </p:cNvSpPr>
           <p:nvPr>
             <p:ph type="sldNum" sz="quarter" idx="12"/>
@@ -2801,9 +2804,9 @@
       </p:sp>
       <p:cxnSp>
         <p:nvCxnSpPr>
-          <p:cNvPr id="8" name="直接连接符 7" hidden="1"/>
+          <p:cNvPr id="8" name="直接连接符 7" hidden="true"/>
           <p:cNvCxnSpPr/>
-          <p:nvPr userDrawn="1"/>
+          <p:nvPr userDrawn="true"/>
         </p:nvCxnSpPr>
         <p:spPr>
           <a:xfrm>
@@ -2858,7 +2861,7 @@
         <p:nvSpPr>
           <p:cNvPr id="2" name="竖排标题 1"/>
           <p:cNvSpPr>
-            <a:spLocks noGrp="1"/>
+            <a:spLocks noGrp="true"/>
           </p:cNvSpPr>
           <p:nvPr>
             <p:ph type="title" orient="vert"/>
@@ -2892,7 +2895,7 @@
         <p:nvSpPr>
           <p:cNvPr id="3" name="竖排文字占位符 2"/>
           <p:cNvSpPr>
-            <a:spLocks noGrp="1"/>
+            <a:spLocks noGrp="true"/>
           </p:cNvSpPr>
           <p:nvPr>
             <p:ph type="body" orient="vert" idx="1"/>
@@ -2957,7 +2960,7 @@
         <p:nvSpPr>
           <p:cNvPr id="4" name="日期占位符 3"/>
           <p:cNvSpPr>
-            <a:spLocks noGrp="1"/>
+            <a:spLocks noGrp="true"/>
           </p:cNvSpPr>
           <p:nvPr>
             <p:ph type="dt" sz="half" idx="10"/>
@@ -2979,7 +2982,7 @@
         <p:nvSpPr>
           <p:cNvPr id="5" name="页脚占位符 4"/>
           <p:cNvSpPr>
-            <a:spLocks noGrp="1"/>
+            <a:spLocks noGrp="true"/>
           </p:cNvSpPr>
           <p:nvPr>
             <p:ph type="ftr" sz="quarter" idx="11"/>
@@ -2998,7 +3001,7 @@
         <p:nvSpPr>
           <p:cNvPr id="6" name="灯片编号占位符 5"/>
           <p:cNvSpPr>
-            <a:spLocks noGrp="1"/>
+            <a:spLocks noGrp="true"/>
           </p:cNvSpPr>
           <p:nvPr>
             <p:ph type="sldNum" sz="quarter" idx="12"/>
@@ -3053,7 +3056,7 @@
         <p:nvSpPr>
           <p:cNvPr id="2" name="标题占位符 1"/>
           <p:cNvSpPr>
-            <a:spLocks noGrp="1"/>
+            <a:spLocks noGrp="true"/>
           </p:cNvSpPr>
           <p:nvPr>
             <p:ph type="title"/>
@@ -3086,7 +3089,7 @@
         <p:nvSpPr>
           <p:cNvPr id="3" name="文本占位符 2"/>
           <p:cNvSpPr>
-            <a:spLocks noGrp="1"/>
+            <a:spLocks noGrp="true"/>
           </p:cNvSpPr>
           <p:nvPr>
             <p:ph type="body" idx="1"/>
@@ -3156,7 +3159,7 @@
         <p:nvSpPr>
           <p:cNvPr id="4" name="日期占位符 3"/>
           <p:cNvSpPr>
-            <a:spLocks noGrp="1"/>
+            <a:spLocks noGrp="true"/>
           </p:cNvSpPr>
           <p:nvPr>
             <p:ph type="dt" sz="half" idx="2"/>
@@ -3198,7 +3201,7 @@
         <p:nvSpPr>
           <p:cNvPr id="5" name="页脚占位符 4"/>
           <p:cNvSpPr>
-            <a:spLocks noGrp="1"/>
+            <a:spLocks noGrp="true"/>
           </p:cNvSpPr>
           <p:nvPr>
             <p:ph type="ftr" sz="quarter" idx="3"/>
@@ -3237,7 +3240,7 @@
         <p:nvSpPr>
           <p:cNvPr id="6" name="灯片编号占位符 5"/>
           <p:cNvSpPr>
-            <a:spLocks noGrp="1"/>
+            <a:spLocks noGrp="true"/>
           </p:cNvSpPr>
           <p:nvPr>
             <p:ph type="sldNum" sz="quarter" idx="4"/>
@@ -3855,7 +3858,7 @@
           <p:nvPr/>
         </p:nvCxnSpPr>
         <p:spPr>
-          <a:xfrm flipV="1">
+          <a:xfrm flipV="true">
             <a:off x="5440045" y="1609090"/>
             <a:ext cx="191135" cy="239395"/>
           </a:xfrm>
@@ -3956,7 +3959,7 @@
       <p:sp>
         <p:nvSpPr>
           <p:cNvPr id="18" name="Text Box 17"/>
-          <p:cNvSpPr txBox="1"/>
+          <p:cNvSpPr txBox="true"/>
           <p:nvPr/>
         </p:nvSpPr>
         <p:spPr>
@@ -3985,7 +3988,7 @@
       <p:sp>
         <p:nvSpPr>
           <p:cNvPr id="19" name="Text Box 18"/>
-          <p:cNvSpPr txBox="1"/>
+          <p:cNvSpPr txBox="true"/>
           <p:nvPr/>
         </p:nvSpPr>
         <p:spPr>
@@ -4014,7 +4017,7 @@
       <p:sp>
         <p:nvSpPr>
           <p:cNvPr id="20" name="Text Box 19"/>
-          <p:cNvSpPr txBox="1"/>
+          <p:cNvSpPr txBox="true"/>
           <p:nvPr/>
         </p:nvSpPr>
         <p:spPr>
@@ -4073,7 +4076,7 @@
       <p:sp>
         <p:nvSpPr>
           <p:cNvPr id="22" name="Text Box 21"/>
-          <p:cNvSpPr txBox="1"/>
+          <p:cNvSpPr txBox="true"/>
           <p:nvPr/>
         </p:nvSpPr>
         <p:spPr>
@@ -4148,7 +4151,7 @@
           <p:sp>
             <p:nvSpPr>
               <p:cNvPr id="38" name="Text Box 37"/>
-              <p:cNvSpPr txBox="1"/>
+              <p:cNvSpPr txBox="true"/>
               <p:nvPr/>
             </p:nvSpPr>
             <p:spPr>
@@ -4304,7 +4307,7 @@
               <p:nvPr/>
             </p:nvCxnSpPr>
             <p:spPr>
-              <a:xfrm flipH="1" flipV="1">
+              <a:xfrm flipH="true" flipV="true">
                 <a:off x="3296" y="4930"/>
                 <a:ext cx="165" cy="2"/>
               </a:xfrm>
@@ -4385,7 +4388,7 @@
             <p:nvPr/>
           </p:nvCxnSpPr>
           <p:spPr>
-            <a:xfrm flipH="1">
+            <a:xfrm flipH="true">
               <a:off x="4235" y="3160"/>
               <a:ext cx="2" cy="300"/>
             </a:xfrm>
@@ -4424,7 +4427,7 @@
             <p:nvPr/>
           </p:nvCxnSpPr>
           <p:spPr>
-            <a:xfrm flipH="1">
+            <a:xfrm flipH="true">
               <a:off x="5210" y="3160"/>
               <a:ext cx="2" cy="300"/>
             </a:xfrm>
@@ -4463,7 +4466,7 @@
             <p:nvPr/>
           </p:nvCxnSpPr>
           <p:spPr>
-            <a:xfrm flipH="1">
+            <a:xfrm flipH="true">
               <a:off x="4237" y="4143"/>
               <a:ext cx="2" cy="300"/>
             </a:xfrm>
@@ -4502,7 +4505,7 @@
             <p:nvPr/>
           </p:nvCxnSpPr>
           <p:spPr>
-            <a:xfrm flipH="1">
+            <a:xfrm flipH="true">
               <a:off x="5209" y="4134"/>
               <a:ext cx="2" cy="300"/>
             </a:xfrm>
@@ -4537,7 +4540,7 @@
         <p:sp>
           <p:nvSpPr>
             <p:cNvPr id="10" name="Text Box 9"/>
-            <p:cNvSpPr txBox="1"/>
+            <p:cNvSpPr txBox="true"/>
             <p:nvPr/>
           </p:nvSpPr>
           <p:spPr>
@@ -4579,7 +4582,7 @@
         <p:sp>
           <p:nvSpPr>
             <p:cNvPr id="15" name="Text Box 14"/>
-            <p:cNvSpPr txBox="1"/>
+            <p:cNvSpPr txBox="true"/>
             <p:nvPr/>
           </p:nvSpPr>
           <p:spPr>
@@ -4756,7 +4759,7 @@
           <p:sp>
             <p:nvSpPr>
               <p:cNvPr id="14" name="Text Box 13"/>
-              <p:cNvSpPr txBox="1"/>
+              <p:cNvSpPr txBox="true"/>
               <p:nvPr/>
             </p:nvSpPr>
             <p:spPr>
@@ -4802,7 +4805,7 @@
               <p:nvPr/>
             </p:nvCxnSpPr>
             <p:spPr>
-              <a:xfrm flipH="1" flipV="1">
+              <a:xfrm flipH="true" flipV="true">
                 <a:off x="3734" y="5883"/>
                 <a:ext cx="165" cy="2"/>
               </a:xfrm>
@@ -4841,7 +4844,7 @@
               <p:nvPr/>
             </p:nvCxnSpPr>
             <p:spPr>
-              <a:xfrm flipH="1" flipV="1">
+              <a:xfrm flipH="true" flipV="true">
                 <a:off x="4231" y="5881"/>
                 <a:ext cx="212" cy="3"/>
               </a:xfrm>
@@ -4875,7 +4878,7 @@
         <p:sp>
           <p:nvSpPr>
             <p:cNvPr id="30" name="Text Box 29"/>
-            <p:cNvSpPr txBox="1"/>
+            <p:cNvSpPr txBox="true"/>
             <p:nvPr/>
           </p:nvSpPr>
           <p:spPr>
@@ -4960,7 +4963,7 @@
             <p:nvPr/>
           </p:nvCxnSpPr>
           <p:spPr>
-            <a:xfrm flipH="1" flipV="1">
+            <a:xfrm flipH="true" flipV="true">
               <a:off x="5759" y="4894"/>
               <a:ext cx="165" cy="2"/>
             </a:xfrm>
@@ -5131,7 +5134,7 @@
           <p:sp>
             <p:nvSpPr>
               <p:cNvPr id="50" name="Text Box 49"/>
-              <p:cNvSpPr txBox="1"/>
+              <p:cNvSpPr txBox="true"/>
               <p:nvPr/>
             </p:nvSpPr>
             <p:spPr>
@@ -5177,7 +5180,7 @@
               <p:nvPr/>
             </p:nvCxnSpPr>
             <p:spPr>
-              <a:xfrm flipH="1" flipV="1">
+              <a:xfrm flipH="true" flipV="true">
                 <a:off x="4231" y="5881"/>
                 <a:ext cx="165" cy="2"/>
               </a:xfrm>
@@ -5215,7 +5218,7 @@
             <p:nvPr/>
           </p:nvCxnSpPr>
           <p:spPr>
-            <a:xfrm flipH="1" flipV="1">
+            <a:xfrm flipH="true" flipV="true">
               <a:off x="4836" y="4896"/>
               <a:ext cx="212" cy="3"/>
             </a:xfrm>
@@ -5277,7 +5280,7 @@
           <p:sp>
             <p:nvSpPr>
               <p:cNvPr id="112" name="Text Box 111"/>
-              <p:cNvSpPr txBox="1"/>
+              <p:cNvSpPr txBox="true"/>
               <p:nvPr/>
             </p:nvSpPr>
             <p:spPr>
@@ -5433,7 +5436,7 @@
               <p:nvPr/>
             </p:nvCxnSpPr>
             <p:spPr>
-              <a:xfrm flipH="1" flipV="1">
+              <a:xfrm flipH="true" flipV="true">
                 <a:off x="3681" y="4937"/>
                 <a:ext cx="165" cy="2"/>
               </a:xfrm>
@@ -5540,7 +5543,7 @@
               <p:nvPr/>
             </p:nvCxnSpPr>
             <p:spPr>
-              <a:xfrm flipH="1">
+              <a:xfrm flipH="true">
                 <a:off x="5694" y="3125"/>
                 <a:ext cx="2" cy="300"/>
               </a:xfrm>
@@ -5585,7 +5588,7 @@
               <p:nvPr/>
             </p:nvCxnSpPr>
             <p:spPr>
-              <a:xfrm flipH="1">
+              <a:xfrm flipH="true">
                 <a:off x="6669" y="3125"/>
                 <a:ext cx="2" cy="300"/>
               </a:xfrm>
@@ -5630,7 +5633,7 @@
               <p:nvPr/>
             </p:nvCxnSpPr>
             <p:spPr>
-              <a:xfrm flipH="1">
+              <a:xfrm flipH="true">
                 <a:off x="5696" y="4108"/>
                 <a:ext cx="2" cy="300"/>
               </a:xfrm>
@@ -5675,7 +5678,7 @@
               <p:nvPr/>
             </p:nvCxnSpPr>
             <p:spPr>
-              <a:xfrm flipH="1">
+              <a:xfrm flipH="true">
                 <a:off x="6668" y="4099"/>
                 <a:ext cx="2" cy="300"/>
               </a:xfrm>
@@ -5716,7 +5719,7 @@
           <p:sp>
             <p:nvSpPr>
               <p:cNvPr id="122" name="Text Box 121"/>
-              <p:cNvSpPr txBox="1"/>
+              <p:cNvSpPr txBox="true"/>
               <p:nvPr/>
             </p:nvSpPr>
             <p:spPr>
@@ -5759,7 +5762,7 @@
         <p:sp>
           <p:nvSpPr>
             <p:cNvPr id="123" name="Text Box 122"/>
-            <p:cNvSpPr txBox="1"/>
+            <p:cNvSpPr txBox="true"/>
             <p:nvPr/>
           </p:nvSpPr>
           <p:spPr>
@@ -5936,7 +5939,7 @@
           <p:sp>
             <p:nvSpPr>
               <p:cNvPr id="141" name="Text Box 140"/>
-              <p:cNvSpPr txBox="1"/>
+              <p:cNvSpPr txBox="true"/>
               <p:nvPr/>
             </p:nvSpPr>
             <p:spPr>
@@ -5979,7 +5982,7 @@
         <p:sp>
           <p:nvSpPr>
             <p:cNvPr id="144" name="Text Box 143"/>
-            <p:cNvSpPr txBox="1"/>
+            <p:cNvSpPr txBox="true"/>
             <p:nvPr/>
           </p:nvSpPr>
           <p:spPr>
@@ -6156,7 +6159,7 @@
           <p:sp>
             <p:nvSpPr>
               <p:cNvPr id="151" name="Text Box 150"/>
-              <p:cNvSpPr txBox="1"/>
+              <p:cNvSpPr txBox="true"/>
               <p:nvPr/>
             </p:nvSpPr>
             <p:spPr>
@@ -6202,7 +6205,7 @@
               <p:nvPr/>
             </p:nvCxnSpPr>
             <p:spPr>
-              <a:xfrm flipH="1">
+              <a:xfrm flipH="true">
                 <a:off x="4231" y="5880"/>
                 <a:ext cx="213" cy="1"/>
               </a:xfrm>
@@ -6240,7 +6243,7 @@
             <p:nvPr/>
           </p:nvCxnSpPr>
           <p:spPr>
-            <a:xfrm flipH="1" flipV="1">
+            <a:xfrm flipH="true" flipV="true">
               <a:off x="6295" y="4861"/>
               <a:ext cx="212" cy="3"/>
             </a:xfrm>
@@ -6277,7 +6280,7 @@
             <p:nvPr/>
           </p:nvCxnSpPr>
           <p:spPr>
-            <a:xfrm flipH="1">
+            <a:xfrm flipH="true">
               <a:off x="7270" y="4855"/>
               <a:ext cx="213" cy="1"/>
             </a:xfrm>
@@ -6314,7 +6317,7 @@
             <p:nvPr/>
           </p:nvCxnSpPr>
           <p:spPr>
-            <a:xfrm flipH="1">
+            <a:xfrm flipH="true">
               <a:off x="7816" y="4854"/>
               <a:ext cx="213" cy="1"/>
             </a:xfrm>
@@ -6418,7 +6421,7 @@
           <p:sp>
             <p:nvSpPr>
               <p:cNvPr id="162" name="Text Box 161"/>
-              <p:cNvSpPr txBox="1"/>
+              <p:cNvSpPr txBox="true"/>
               <p:nvPr/>
             </p:nvSpPr>
             <p:spPr>
@@ -6574,7 +6577,7 @@
               <p:nvPr/>
             </p:nvCxnSpPr>
             <p:spPr>
-              <a:xfrm flipH="1" flipV="1">
+              <a:xfrm flipH="true" flipV="true">
                 <a:off x="3296" y="4930"/>
                 <a:ext cx="165" cy="2"/>
               </a:xfrm>
@@ -6655,7 +6658,7 @@
             <p:nvPr/>
           </p:nvCxnSpPr>
           <p:spPr>
-            <a:xfrm flipH="1">
+            <a:xfrm flipH="true">
               <a:off x="7408" y="4100"/>
               <a:ext cx="2" cy="300"/>
             </a:xfrm>
@@ -6694,7 +6697,7 @@
             <p:nvPr/>
           </p:nvCxnSpPr>
           <p:spPr>
-            <a:xfrm flipH="1">
+            <a:xfrm flipH="true">
               <a:off x="8383" y="4100"/>
               <a:ext cx="2" cy="300"/>
             </a:xfrm>
@@ -6733,7 +6736,7 @@
             <p:nvPr/>
           </p:nvCxnSpPr>
           <p:spPr>
-            <a:xfrm flipH="1">
+            <a:xfrm flipH="true">
               <a:off x="7410" y="5083"/>
               <a:ext cx="2" cy="300"/>
             </a:xfrm>
@@ -6772,7 +6775,7 @@
             <p:nvPr/>
           </p:nvCxnSpPr>
           <p:spPr>
-            <a:xfrm flipH="1">
+            <a:xfrm flipH="true">
               <a:off x="8382" y="5074"/>
               <a:ext cx="2" cy="300"/>
             </a:xfrm>
@@ -6807,7 +6810,7 @@
         <p:sp>
           <p:nvSpPr>
             <p:cNvPr id="171" name="Text Box 170"/>
-            <p:cNvSpPr txBox="1"/>
+            <p:cNvSpPr txBox="true"/>
             <p:nvPr/>
           </p:nvSpPr>
           <p:spPr>
@@ -6849,7 +6852,7 @@
         <p:sp>
           <p:nvSpPr>
             <p:cNvPr id="172" name="Text Box 171"/>
-            <p:cNvSpPr txBox="1"/>
+            <p:cNvSpPr txBox="true"/>
             <p:nvPr/>
           </p:nvSpPr>
           <p:spPr>
@@ -7026,7 +7029,7 @@
           <p:sp>
             <p:nvSpPr>
               <p:cNvPr id="177" name="Text Box 176"/>
-              <p:cNvSpPr txBox="1"/>
+              <p:cNvSpPr txBox="true"/>
               <p:nvPr/>
             </p:nvSpPr>
             <p:spPr>
@@ -7072,7 +7075,7 @@
               <p:nvPr/>
             </p:nvCxnSpPr>
             <p:spPr>
-              <a:xfrm flipH="1" flipV="1">
+              <a:xfrm flipH="true" flipV="true">
                 <a:off x="3734" y="5883"/>
                 <a:ext cx="165" cy="2"/>
               </a:xfrm>
@@ -7111,7 +7114,7 @@
               <p:nvPr/>
             </p:nvCxnSpPr>
             <p:spPr>
-              <a:xfrm flipH="1" flipV="1">
+              <a:xfrm flipH="true" flipV="true">
                 <a:off x="4231" y="5881"/>
                 <a:ext cx="212" cy="3"/>
               </a:xfrm>
@@ -7145,7 +7148,7 @@
         <p:sp>
           <p:nvSpPr>
             <p:cNvPr id="180" name="Text Box 179"/>
-            <p:cNvSpPr txBox="1"/>
+            <p:cNvSpPr txBox="true"/>
             <p:nvPr/>
           </p:nvSpPr>
           <p:spPr>
@@ -7322,7 +7325,7 @@
           <p:sp>
             <p:nvSpPr>
               <p:cNvPr id="187" name="Text Box 186"/>
-              <p:cNvSpPr txBox="1"/>
+              <p:cNvSpPr txBox="true"/>
               <p:nvPr/>
             </p:nvSpPr>
             <p:spPr>
@@ -7369,7 +7372,7 @@
             <p:nvPr/>
           </p:nvCxnSpPr>
           <p:spPr>
-            <a:xfrm flipH="1" flipV="1">
+            <a:xfrm flipH="true" flipV="true">
               <a:off x="8009" y="5836"/>
               <a:ext cx="212" cy="3"/>
             </a:xfrm>
@@ -7501,7 +7504,7 @@
         <p:sp>
           <p:nvSpPr>
             <p:cNvPr id="198" name="Text Box 197"/>
-            <p:cNvSpPr txBox="1"/>
+            <p:cNvSpPr txBox="true"/>
             <p:nvPr/>
           </p:nvSpPr>
           <p:spPr>
@@ -7562,7 +7565,7 @@
             <p:nvPr/>
           </p:nvCxnSpPr>
           <p:spPr>
-            <a:xfrm flipH="1" flipV="1">
+            <a:xfrm flipH="true" flipV="true">
               <a:off x="9530" y="5834"/>
               <a:ext cx="165" cy="2"/>
             </a:xfrm>
@@ -7696,7 +7699,7 @@
             <p:nvPr/>
           </p:nvCxnSpPr>
           <p:spPr>
-            <a:xfrm flipH="1">
+            <a:xfrm flipH="true">
               <a:off x="8384" y="2710"/>
               <a:ext cx="2" cy="300"/>
             </a:xfrm>
@@ -7735,7 +7738,7 @@
             <p:nvPr/>
           </p:nvCxnSpPr>
           <p:spPr>
-            <a:xfrm flipH="1">
+            <a:xfrm flipH="true">
               <a:off x="9359" y="2710"/>
               <a:ext cx="2" cy="300"/>
             </a:xfrm>
@@ -7774,7 +7777,7 @@
             <p:nvPr/>
           </p:nvCxnSpPr>
           <p:spPr>
-            <a:xfrm flipH="1">
+            <a:xfrm flipH="true">
               <a:off x="8386" y="3693"/>
               <a:ext cx="2" cy="300"/>
             </a:xfrm>
@@ -7813,7 +7816,7 @@
             <p:nvPr/>
           </p:nvCxnSpPr>
           <p:spPr>
-            <a:xfrm flipH="1">
+            <a:xfrm flipH="true">
               <a:off x="9358" y="3684"/>
               <a:ext cx="2" cy="300"/>
             </a:xfrm>
@@ -7848,7 +7851,7 @@
         <p:sp>
           <p:nvSpPr>
             <p:cNvPr id="206" name="Text Box 205"/>
-            <p:cNvSpPr txBox="1"/>
+            <p:cNvSpPr txBox="true"/>
             <p:nvPr/>
           </p:nvSpPr>
           <p:spPr>
@@ -7894,7 +7897,7 @@
             <p:nvPr/>
           </p:nvCxnSpPr>
           <p:spPr>
-            <a:xfrm flipH="1" flipV="1">
+            <a:xfrm flipH="true" flipV="true">
               <a:off x="8556" y="5838"/>
               <a:ext cx="212" cy="3"/>
             </a:xfrm>
@@ -7931,7 +7934,7 @@
             <p:nvPr/>
           </p:nvCxnSpPr>
           <p:spPr>
-            <a:xfrm flipH="1" flipV="1">
+            <a:xfrm flipH="true" flipV="true">
               <a:off x="8986" y="5837"/>
               <a:ext cx="212" cy="3"/>
             </a:xfrm>
@@ -7964,7 +7967,7 @@
         <p:sp>
           <p:nvSpPr>
             <p:cNvPr id="214" name="Text Box 213"/>
-            <p:cNvSpPr txBox="1"/>
+            <p:cNvSpPr txBox="true"/>
             <p:nvPr/>
           </p:nvSpPr>
           <p:spPr>
@@ -8050,7 +8053,7 @@
             <p:nvPr/>
           </p:nvCxnSpPr>
           <p:spPr>
-            <a:xfrm flipH="1">
+            <a:xfrm flipH="true">
               <a:off x="7409" y="1345"/>
               <a:ext cx="2" cy="300"/>
             </a:xfrm>
@@ -8089,7 +8092,7 @@
             <p:nvPr/>
           </p:nvCxnSpPr>
           <p:spPr>
-            <a:xfrm flipH="1">
+            <a:xfrm flipH="true">
               <a:off x="8384" y="1345"/>
               <a:ext cx="2" cy="300"/>
             </a:xfrm>
@@ -8128,7 +8131,7 @@
             <p:nvPr/>
           </p:nvCxnSpPr>
           <p:spPr>
-            <a:xfrm flipH="1">
+            <a:xfrm flipH="true">
               <a:off x="7411" y="2328"/>
               <a:ext cx="2" cy="300"/>
             </a:xfrm>
@@ -8167,7 +8170,7 @@
             <p:nvPr/>
           </p:nvCxnSpPr>
           <p:spPr>
-            <a:xfrm flipH="1">
+            <a:xfrm flipH="true">
               <a:off x="8383" y="2319"/>
               <a:ext cx="2" cy="300"/>
             </a:xfrm>
@@ -8202,7 +8205,7 @@
         <p:sp>
           <p:nvSpPr>
             <p:cNvPr id="220" name="Text Box 219"/>
-            <p:cNvSpPr txBox="1"/>
+            <p:cNvSpPr txBox="true"/>
             <p:nvPr/>
           </p:nvSpPr>
           <p:spPr>
@@ -8302,7 +8305,7 @@
               <p:nvPr/>
             </p:nvCxnSpPr>
             <p:spPr>
-              <a:xfrm flipH="1">
+              <a:xfrm flipH="true">
                 <a:off x="9361" y="4130"/>
                 <a:ext cx="2" cy="300"/>
               </a:xfrm>
@@ -8341,7 +8344,7 @@
               <p:nvPr/>
             </p:nvCxnSpPr>
             <p:spPr>
-              <a:xfrm flipH="1">
+              <a:xfrm flipH="true">
                 <a:off x="9363" y="5113"/>
                 <a:ext cx="2" cy="300"/>
               </a:xfrm>
@@ -8478,7 +8481,7 @@
             <p:nvPr/>
           </p:nvCxnSpPr>
           <p:spPr>
-            <a:xfrm flipH="1">
+            <a:xfrm flipH="true">
               <a:off x="6435" y="2710"/>
               <a:ext cx="2" cy="300"/>
             </a:xfrm>
@@ -8517,7 +8520,7 @@
             <p:nvPr/>
           </p:nvCxnSpPr>
           <p:spPr>
-            <a:xfrm flipH="1">
+            <a:xfrm flipH="true">
               <a:off x="7410" y="2710"/>
               <a:ext cx="2" cy="300"/>
             </a:xfrm>
@@ -8556,7 +8559,7 @@
             <p:nvPr/>
           </p:nvCxnSpPr>
           <p:spPr>
-            <a:xfrm flipH="1">
+            <a:xfrm flipH="true">
               <a:off x="6437" y="3693"/>
               <a:ext cx="2" cy="300"/>
             </a:xfrm>
@@ -8595,7 +8598,7 @@
             <p:nvPr/>
           </p:nvCxnSpPr>
           <p:spPr>
-            <a:xfrm flipH="1">
+            <a:xfrm flipH="true">
               <a:off x="7409" y="3684"/>
               <a:ext cx="2" cy="300"/>
             </a:xfrm>
@@ -8630,7 +8633,7 @@
         <p:sp>
           <p:nvSpPr>
             <p:cNvPr id="228" name="Text Box 227"/>
-            <p:cNvSpPr txBox="1"/>
+            <p:cNvSpPr txBox="true"/>
             <p:nvPr/>
           </p:nvSpPr>
           <p:spPr>
@@ -8775,7 +8778,7 @@
               <p:nvPr/>
             </p:nvCxnSpPr>
             <p:spPr>
-              <a:xfrm flipH="1">
+              <a:xfrm flipH="true">
                 <a:off x="9361" y="4130"/>
                 <a:ext cx="2" cy="300"/>
               </a:xfrm>
@@ -8814,7 +8817,7 @@
               <p:nvPr/>
             </p:nvCxnSpPr>
             <p:spPr>
-              <a:xfrm flipH="1">
+              <a:xfrm flipH="true">
                 <a:off x="9363" y="5113"/>
                 <a:ext cx="2" cy="300"/>
               </a:xfrm>
@@ -8935,7 +8938,7 @@
       <p:sp>
         <p:nvSpPr>
           <p:cNvPr id="239" name="Text Box 238"/>
-          <p:cNvSpPr txBox="1"/>
+          <p:cNvSpPr txBox="true"/>
           <p:nvPr/>
         </p:nvSpPr>
         <p:spPr>
@@ -8964,7 +8967,7 @@
       <p:sp>
         <p:nvSpPr>
           <p:cNvPr id="240" name="Text Box 239"/>
-          <p:cNvSpPr txBox="1"/>
+          <p:cNvSpPr txBox="true"/>
           <p:nvPr/>
         </p:nvSpPr>
         <p:spPr>
@@ -8993,7 +8996,7 @@
       <p:sp>
         <p:nvSpPr>
           <p:cNvPr id="241" name="Text Box 240"/>
-          <p:cNvSpPr txBox="1"/>
+          <p:cNvSpPr txBox="true"/>
           <p:nvPr/>
         </p:nvSpPr>
         <p:spPr>
@@ -9097,7 +9100,7 @@
             <p:nvPr/>
           </p:nvCxnSpPr>
           <p:spPr>
-            <a:xfrm flipV="1">
+            <a:xfrm flipV="true">
               <a:off x="8567" y="2534"/>
               <a:ext cx="301" cy="377"/>
             </a:xfrm>
@@ -9229,7 +9232,7 @@
       <p:sp>
         <p:nvSpPr>
           <p:cNvPr id="3" name="Text Box 2"/>
-          <p:cNvSpPr txBox="1"/>
+          <p:cNvSpPr txBox="true"/>
           <p:nvPr/>
         </p:nvSpPr>
         <p:spPr>
@@ -9248,17 +9251,17 @@
           </a:bodyPr>
           <a:p>
             <a:r>
-              <a:rPr lang="" altLang="en-US"/>
+              <a:rPr lang="en-US" altLang="en-US"/>
               <a:t>uT</a:t>
             </a:r>
-            <a:endParaRPr lang="" altLang="en-US"/>
+            <a:endParaRPr lang="en-US" altLang="en-US"/>
           </a:p>
         </p:txBody>
       </p:sp>
       <p:sp>
         <p:nvSpPr>
           <p:cNvPr id="6" name="Text Box 5"/>
-          <p:cNvSpPr txBox="1"/>
+          <p:cNvSpPr txBox="true"/>
           <p:nvPr/>
         </p:nvSpPr>
         <p:spPr>
@@ -9277,17 +9280,17 @@
           </a:bodyPr>
           <a:p>
             <a:r>
-              <a:rPr lang="" altLang="en-US" sz="1200"/>
+              <a:rPr lang="en-US" altLang="en-US" sz="1200"/>
               <a:t>d=2</a:t>
             </a:r>
-            <a:endParaRPr lang="" altLang="en-US" sz="1200"/>
+            <a:endParaRPr lang="en-US" altLang="en-US" sz="1200"/>
           </a:p>
         </p:txBody>
       </p:sp>
       <p:sp>
         <p:nvSpPr>
           <p:cNvPr id="8" name="Text Box 7"/>
-          <p:cNvSpPr txBox="1"/>
+          <p:cNvSpPr txBox="true"/>
           <p:nvPr/>
         </p:nvSpPr>
         <p:spPr>
@@ -9307,20 +9310,16 @@
           <a:p>
             <a:r>
               <a:rPr lang="en-US" altLang="en-US" sz="1200"/>
-              <a:t>d=</a:t>
+              <a:t>d=3</a:t>
             </a:r>
-            <a:r>
-              <a:rPr lang="" altLang="en-US" sz="1200"/>
-              <a:t>3</a:t>
-            </a:r>
-            <a:endParaRPr lang="" altLang="en-US" sz="1200"/>
+            <a:endParaRPr lang="en-US" altLang="en-US" sz="1200"/>
           </a:p>
         </p:txBody>
       </p:sp>
       <p:sp>
         <p:nvSpPr>
           <p:cNvPr id="9" name="Text Box 8"/>
-          <p:cNvSpPr txBox="1"/>
+          <p:cNvSpPr txBox="true"/>
           <p:nvPr/>
         </p:nvSpPr>
         <p:spPr>
@@ -9340,13 +9339,1906 @@
           <a:p>
             <a:r>
               <a:rPr lang="en-US" altLang="en-US" sz="1200"/>
-              <a:t>d=</a:t>
+              <a:t>d=4</a:t>
+            </a:r>
+            <a:endParaRPr lang="en-US" altLang="en-US" sz="1200"/>
+          </a:p>
+        </p:txBody>
+      </p:sp>
+    </p:spTree>
+  </p:cSld>
+  <p:clrMapOvr>
+    <a:masterClrMapping/>
+  </p:clrMapOvr>
+</p:sld>
+</file>
+
+<file path=ppt/slides/slide12.xml><?xml version="1.0" encoding="utf-8"?>
+<p:sld xmlns:a="http://schemas.openxmlformats.org/drawingml/2006/main" xmlns:r="http://schemas.openxmlformats.org/officeDocument/2006/relationships" xmlns:p="http://schemas.openxmlformats.org/presentationml/2006/main">
+  <p:cSld>
+    <p:spTree>
+      <p:nvGrpSpPr>
+        <p:cNvPr id="1" name=""/>
+        <p:cNvGrpSpPr/>
+        <p:nvPr/>
+      </p:nvGrpSpPr>
+      <p:grpSpPr/>
+      <p:grpSp>
+        <p:nvGrpSpPr>
+          <p:cNvPr id="2" name="Group 1"/>
+          <p:cNvGrpSpPr/>
+          <p:nvPr/>
+        </p:nvGrpSpPr>
+        <p:grpSpPr>
+          <a:xfrm>
+            <a:off x="4442460" y="1807210"/>
+            <a:ext cx="1355725" cy="1322705"/>
+            <a:chOff x="7836" y="2534"/>
+            <a:chExt cx="1031" cy="1006"/>
+          </a:xfrm>
+        </p:grpSpPr>
+        <p:sp>
+          <p:nvSpPr>
+            <p:cNvPr id="14" name="Oval 13"/>
+            <p:cNvSpPr/>
+            <p:nvPr/>
+          </p:nvSpPr>
+          <p:spPr>
+            <a:xfrm>
+              <a:off x="8289" y="2856"/>
+              <a:ext cx="333" cy="333"/>
+            </a:xfrm>
+            <a:prstGeom prst="ellipse">
+              <a:avLst/>
+            </a:prstGeom>
+          </p:spPr>
+          <p:style>
+            <a:lnRef idx="2">
+              <a:schemeClr val="accent1">
+                <a:shade val="50000"/>
+              </a:schemeClr>
+            </a:lnRef>
+            <a:fillRef idx="1">
+              <a:schemeClr val="accent1"/>
+            </a:fillRef>
+            <a:effectRef idx="0">
+              <a:schemeClr val="accent1"/>
+            </a:effectRef>
+            <a:fontRef idx="minor">
+              <a:schemeClr val="lt1"/>
+            </a:fontRef>
+          </p:style>
+          <p:txBody>
+            <a:bodyPr rtlCol="0" anchor="ctr"/>
+            <a:p>
+              <a:pPr algn="ctr"/>
+              <a:endParaRPr lang="en-US"/>
+            </a:p>
+          </p:txBody>
+        </p:sp>
+        <p:cxnSp>
+          <p:nvCxnSpPr>
+            <p:cNvPr id="15" name="Straight Connector 14"/>
+            <p:cNvCxnSpPr/>
+            <p:nvPr/>
+          </p:nvCxnSpPr>
+          <p:spPr>
+            <a:xfrm flipV="true">
+              <a:off x="8567" y="2534"/>
+              <a:ext cx="301" cy="377"/>
+            </a:xfrm>
+            <a:prstGeom prst="line">
+              <a:avLst/>
+            </a:prstGeom>
+            <a:ln w="28575">
+              <a:solidFill>
+                <a:schemeClr val="accent1"/>
+              </a:solidFill>
+            </a:ln>
+          </p:spPr>
+          <p:style>
+            <a:lnRef idx="1">
+              <a:schemeClr val="accent1"/>
+            </a:lnRef>
+            <a:fillRef idx="0">
+              <a:schemeClr val="accent1"/>
+            </a:fillRef>
+            <a:effectRef idx="0">
+              <a:schemeClr val="accent1"/>
+            </a:effectRef>
+            <a:fontRef idx="minor">
+              <a:schemeClr val="tx1"/>
+            </a:fontRef>
+          </p:style>
+        </p:cxnSp>
+        <p:cxnSp>
+          <p:nvCxnSpPr>
+            <p:cNvPr id="16" name="Straight Connector 15"/>
+            <p:cNvCxnSpPr/>
+            <p:nvPr/>
+          </p:nvCxnSpPr>
+          <p:spPr>
+            <a:xfrm>
+              <a:off x="7836" y="3022"/>
+              <a:ext cx="453" cy="0"/>
+            </a:xfrm>
+            <a:prstGeom prst="line">
+              <a:avLst/>
+            </a:prstGeom>
+            <a:ln w="28575">
+              <a:solidFill>
+                <a:schemeClr val="accent1"/>
+              </a:solidFill>
+            </a:ln>
+          </p:spPr>
+          <p:style>
+            <a:lnRef idx="1">
+              <a:schemeClr val="accent1"/>
+            </a:lnRef>
+            <a:fillRef idx="0">
+              <a:schemeClr val="accent1"/>
+            </a:fillRef>
+            <a:effectRef idx="0">
+              <a:schemeClr val="accent1"/>
+            </a:effectRef>
+            <a:fontRef idx="minor">
+              <a:schemeClr val="tx1"/>
+            </a:fontRef>
+          </p:style>
+        </p:cxnSp>
+        <p:cxnSp>
+          <p:nvCxnSpPr>
+            <p:cNvPr id="17" name="Straight Connector 16"/>
+            <p:cNvCxnSpPr/>
+            <p:nvPr/>
+          </p:nvCxnSpPr>
+          <p:spPr>
+            <a:xfrm>
+              <a:off x="8538" y="3160"/>
+              <a:ext cx="288" cy="380"/>
+            </a:xfrm>
+            <a:prstGeom prst="line">
+              <a:avLst/>
+            </a:prstGeom>
+            <a:ln w="28575">
+              <a:solidFill>
+                <a:schemeClr val="accent1"/>
+              </a:solidFill>
+            </a:ln>
+          </p:spPr>
+          <p:style>
+            <a:lnRef idx="1">
+              <a:schemeClr val="accent1"/>
+            </a:lnRef>
+            <a:fillRef idx="0">
+              <a:schemeClr val="accent1"/>
+            </a:fillRef>
+            <a:effectRef idx="0">
+              <a:schemeClr val="accent1"/>
+            </a:effectRef>
+            <a:fontRef idx="minor">
+              <a:schemeClr val="tx1"/>
+            </a:fontRef>
+          </p:style>
+        </p:cxnSp>
+      </p:grpSp>
+      <p:cxnSp>
+        <p:nvCxnSpPr>
+          <p:cNvPr id="21" name="Straight Connector 20"/>
+          <p:cNvCxnSpPr/>
+          <p:nvPr/>
+        </p:nvCxnSpPr>
+        <p:spPr>
+          <a:xfrm>
+            <a:off x="3832860" y="3808095"/>
+            <a:ext cx="4526280" cy="0"/>
+          </a:xfrm>
+          <a:prstGeom prst="line">
+            <a:avLst/>
+          </a:prstGeom>
+        </p:spPr>
+        <p:style>
+          <a:lnRef idx="1">
+            <a:schemeClr val="accent1"/>
+          </a:lnRef>
+          <a:fillRef idx="0">
+            <a:schemeClr val="accent1"/>
+          </a:fillRef>
+          <a:effectRef idx="0">
+            <a:schemeClr val="accent1"/>
+          </a:effectRef>
+          <a:fontRef idx="minor">
+            <a:schemeClr val="tx1"/>
+          </a:fontRef>
+        </p:style>
+      </p:cxnSp>
+      <p:sp>
+        <p:nvSpPr>
+          <p:cNvPr id="3" name="Text Box 2"/>
+          <p:cNvSpPr txBox="true"/>
+          <p:nvPr/>
+        </p:nvSpPr>
+        <p:spPr>
+          <a:xfrm>
+            <a:off x="5007610" y="2291715"/>
+            <a:ext cx="489585" cy="306705"/>
+          </a:xfrm>
+          <a:prstGeom prst="rect">
+            <a:avLst/>
+          </a:prstGeom>
+          <a:noFill/>
+        </p:spPr>
+        <p:txBody>
+          <a:bodyPr wrap="none" rtlCol="0">
+            <a:spAutoFit/>
+          </a:bodyPr>
+          <a:p>
+            <a:r>
+              <a:rPr lang="en-US" altLang="en-US" sz="1400"/>
+              <a:t>uT</a:t>
             </a:r>
             <a:r>
-              <a:rPr lang="" altLang="en-US" sz="1200"/>
-              <a:t>4</a:t>
+              <a:rPr lang="" altLang="en-US" sz="1400"/>
+              <a:t>2</a:t>
             </a:r>
-            <a:endParaRPr lang="" altLang="en-US" sz="1200"/>
+            <a:endParaRPr lang="" altLang="en-US" sz="1400"/>
+          </a:p>
+        </p:txBody>
+      </p:sp>
+      <p:sp>
+        <p:nvSpPr>
+          <p:cNvPr id="6" name="Text Box 5"/>
+          <p:cNvSpPr txBox="true"/>
+          <p:nvPr/>
+        </p:nvSpPr>
+        <p:spPr>
+          <a:xfrm>
+            <a:off x="4488180" y="2207895"/>
+            <a:ext cx="834390" cy="275590"/>
+          </a:xfrm>
+          <a:prstGeom prst="rect">
+            <a:avLst/>
+          </a:prstGeom>
+          <a:noFill/>
+        </p:spPr>
+        <p:txBody>
+          <a:bodyPr wrap="square" rtlCol="0">
+            <a:spAutoFit/>
+          </a:bodyPr>
+          <a:p>
+            <a:r>
+              <a:rPr lang="en-US" altLang="en-US" sz="1200"/>
+              <a:t>d=2</a:t>
+            </a:r>
+            <a:endParaRPr lang="en-US" altLang="en-US" sz="1200"/>
+          </a:p>
+        </p:txBody>
+      </p:sp>
+      <p:sp>
+        <p:nvSpPr>
+          <p:cNvPr id="8" name="Text Box 7"/>
+          <p:cNvSpPr txBox="true"/>
+          <p:nvPr/>
+        </p:nvSpPr>
+        <p:spPr>
+          <a:xfrm>
+            <a:off x="5240020" y="1807210"/>
+            <a:ext cx="834390" cy="275590"/>
+          </a:xfrm>
+          <a:prstGeom prst="rect">
+            <a:avLst/>
+          </a:prstGeom>
+          <a:noFill/>
+        </p:spPr>
+        <p:txBody>
+          <a:bodyPr wrap="square" rtlCol="0">
+            <a:spAutoFit/>
+          </a:bodyPr>
+          <a:p>
+            <a:r>
+              <a:rPr lang="en-US" altLang="en-US" sz="1200"/>
+              <a:t>d=3</a:t>
+            </a:r>
+            <a:endParaRPr lang="en-US" altLang="en-US" sz="1200"/>
+          </a:p>
+        </p:txBody>
+      </p:sp>
+      <p:sp>
+        <p:nvSpPr>
+          <p:cNvPr id="9" name="Text Box 8"/>
+          <p:cNvSpPr txBox="true"/>
+          <p:nvPr/>
+        </p:nvSpPr>
+        <p:spPr>
+          <a:xfrm>
+            <a:off x="5449570" y="2629535"/>
+            <a:ext cx="834390" cy="275590"/>
+          </a:xfrm>
+          <a:prstGeom prst="rect">
+            <a:avLst/>
+          </a:prstGeom>
+          <a:noFill/>
+        </p:spPr>
+        <p:txBody>
+          <a:bodyPr wrap="square" rtlCol="0">
+            <a:spAutoFit/>
+          </a:bodyPr>
+          <a:p>
+            <a:r>
+              <a:rPr lang="en-US" altLang="en-US" sz="1200"/>
+              <a:t>d=4</a:t>
+            </a:r>
+            <a:endParaRPr lang="en-US" altLang="en-US" sz="1200"/>
+          </a:p>
+        </p:txBody>
+      </p:sp>
+      <p:sp>
+        <p:nvSpPr>
+          <p:cNvPr id="4" name="Text Box 3"/>
+          <p:cNvSpPr txBox="true"/>
+          <p:nvPr/>
+        </p:nvSpPr>
+        <p:spPr>
+          <a:xfrm>
+            <a:off x="4127500" y="2345690"/>
+            <a:ext cx="834390" cy="213995"/>
+          </a:xfrm>
+          <a:prstGeom prst="rect">
+            <a:avLst/>
+          </a:prstGeom>
+          <a:noFill/>
+        </p:spPr>
+        <p:txBody>
+          <a:bodyPr wrap="square" rtlCol="0">
+            <a:spAutoFit/>
+          </a:bodyPr>
+          <a:p>
+            <a:r>
+              <a:rPr lang="" altLang="en-US" sz="800" i="1">
+                <a:solidFill>
+                  <a:srgbClr val="C00000"/>
+                </a:solidFill>
+              </a:rPr>
+              <a:t>100</a:t>
+            </a:r>
+            <a:endParaRPr lang="" altLang="en-US" sz="800" i="1">
+              <a:solidFill>
+                <a:srgbClr val="C00000"/>
+              </a:solidFill>
+            </a:endParaRPr>
+          </a:p>
+        </p:txBody>
+      </p:sp>
+      <p:sp>
+        <p:nvSpPr>
+          <p:cNvPr id="5" name="Text Box 4"/>
+          <p:cNvSpPr txBox="true"/>
+          <p:nvPr/>
+        </p:nvSpPr>
+        <p:spPr>
+          <a:xfrm>
+            <a:off x="5728970" y="1631315"/>
+            <a:ext cx="834390" cy="213995"/>
+          </a:xfrm>
+          <a:prstGeom prst="rect">
+            <a:avLst/>
+          </a:prstGeom>
+          <a:noFill/>
+        </p:spPr>
+        <p:txBody>
+          <a:bodyPr wrap="square" rtlCol="0">
+            <a:spAutoFit/>
+          </a:bodyPr>
+          <a:p>
+            <a:r>
+              <a:rPr lang="" altLang="en-US" sz="800" i="1">
+                <a:solidFill>
+                  <a:srgbClr val="C00000"/>
+                </a:solidFill>
+              </a:rPr>
+              <a:t>101</a:t>
+            </a:r>
+            <a:endParaRPr lang="" altLang="en-US" sz="800" i="1">
+              <a:solidFill>
+                <a:srgbClr val="C00000"/>
+              </a:solidFill>
+            </a:endParaRPr>
+          </a:p>
+        </p:txBody>
+      </p:sp>
+      <p:sp>
+        <p:nvSpPr>
+          <p:cNvPr id="7" name="Text Box 6"/>
+          <p:cNvSpPr txBox="true"/>
+          <p:nvPr/>
+        </p:nvSpPr>
+        <p:spPr>
+          <a:xfrm>
+            <a:off x="5678805" y="3038475"/>
+            <a:ext cx="834390" cy="213995"/>
+          </a:xfrm>
+          <a:prstGeom prst="rect">
+            <a:avLst/>
+          </a:prstGeom>
+          <a:noFill/>
+        </p:spPr>
+        <p:txBody>
+          <a:bodyPr wrap="square" rtlCol="0">
+            <a:spAutoFit/>
+          </a:bodyPr>
+          <a:p>
+            <a:r>
+              <a:rPr lang="en-US" altLang="en-US" sz="800" i="1">
+                <a:solidFill>
+                  <a:srgbClr val="C00000"/>
+                </a:solidFill>
+              </a:rPr>
+              <a:t>10</a:t>
+            </a:r>
+            <a:r>
+              <a:rPr lang="" altLang="en-US" sz="800" i="1">
+                <a:solidFill>
+                  <a:srgbClr val="C00000"/>
+                </a:solidFill>
+              </a:rPr>
+              <a:t>2</a:t>
+            </a:r>
+            <a:endParaRPr lang="" altLang="en-US" sz="800" i="1">
+              <a:solidFill>
+                <a:srgbClr val="C00000"/>
+              </a:solidFill>
+            </a:endParaRPr>
+          </a:p>
+        </p:txBody>
+      </p:sp>
+    </p:spTree>
+  </p:cSld>
+  <p:clrMapOvr>
+    <a:masterClrMapping/>
+  </p:clrMapOvr>
+</p:sld>
+</file>
+
+<file path=ppt/slides/slide13.xml><?xml version="1.0" encoding="utf-8"?>
+<p:sld xmlns:a="http://schemas.openxmlformats.org/drawingml/2006/main" xmlns:r="http://schemas.openxmlformats.org/officeDocument/2006/relationships" xmlns:p="http://schemas.openxmlformats.org/presentationml/2006/main">
+  <p:cSld>
+    <p:spTree>
+      <p:nvGrpSpPr>
+        <p:cNvPr id="1" name=""/>
+        <p:cNvGrpSpPr/>
+        <p:nvPr/>
+      </p:nvGrpSpPr>
+      <p:grpSpPr/>
+      <p:grpSp>
+        <p:nvGrpSpPr>
+          <p:cNvPr id="2" name="Group 1"/>
+          <p:cNvGrpSpPr/>
+          <p:nvPr/>
+        </p:nvGrpSpPr>
+        <p:grpSpPr>
+          <a:xfrm>
+            <a:off x="4442460" y="1807210"/>
+            <a:ext cx="1355725" cy="1322705"/>
+            <a:chOff x="7836" y="2534"/>
+            <a:chExt cx="1031" cy="1006"/>
+          </a:xfrm>
+        </p:grpSpPr>
+        <p:sp>
+          <p:nvSpPr>
+            <p:cNvPr id="14" name="Oval 13"/>
+            <p:cNvSpPr/>
+            <p:nvPr/>
+          </p:nvSpPr>
+          <p:spPr>
+            <a:xfrm>
+              <a:off x="8289" y="2856"/>
+              <a:ext cx="333" cy="333"/>
+            </a:xfrm>
+            <a:prstGeom prst="ellipse">
+              <a:avLst/>
+            </a:prstGeom>
+          </p:spPr>
+          <p:style>
+            <a:lnRef idx="2">
+              <a:schemeClr val="accent1">
+                <a:shade val="50000"/>
+              </a:schemeClr>
+            </a:lnRef>
+            <a:fillRef idx="1">
+              <a:schemeClr val="accent1"/>
+            </a:fillRef>
+            <a:effectRef idx="0">
+              <a:schemeClr val="accent1"/>
+            </a:effectRef>
+            <a:fontRef idx="minor">
+              <a:schemeClr val="lt1"/>
+            </a:fontRef>
+          </p:style>
+          <p:txBody>
+            <a:bodyPr rtlCol="0" anchor="ctr"/>
+            <a:p>
+              <a:pPr algn="ctr"/>
+              <a:endParaRPr lang="en-US"/>
+            </a:p>
+          </p:txBody>
+        </p:sp>
+        <p:cxnSp>
+          <p:nvCxnSpPr>
+            <p:cNvPr id="15" name="Straight Connector 14"/>
+            <p:cNvCxnSpPr/>
+            <p:nvPr/>
+          </p:nvCxnSpPr>
+          <p:spPr>
+            <a:xfrm flipV="true">
+              <a:off x="8567" y="2534"/>
+              <a:ext cx="301" cy="377"/>
+            </a:xfrm>
+            <a:prstGeom prst="line">
+              <a:avLst/>
+            </a:prstGeom>
+            <a:ln w="28575">
+              <a:solidFill>
+                <a:schemeClr val="accent1"/>
+              </a:solidFill>
+            </a:ln>
+          </p:spPr>
+          <p:style>
+            <a:lnRef idx="1">
+              <a:schemeClr val="accent1"/>
+            </a:lnRef>
+            <a:fillRef idx="0">
+              <a:schemeClr val="accent1"/>
+            </a:fillRef>
+            <a:effectRef idx="0">
+              <a:schemeClr val="accent1"/>
+            </a:effectRef>
+            <a:fontRef idx="minor">
+              <a:schemeClr val="tx1"/>
+            </a:fontRef>
+          </p:style>
+        </p:cxnSp>
+        <p:cxnSp>
+          <p:nvCxnSpPr>
+            <p:cNvPr id="16" name="Straight Connector 15"/>
+            <p:cNvCxnSpPr/>
+            <p:nvPr/>
+          </p:nvCxnSpPr>
+          <p:spPr>
+            <a:xfrm>
+              <a:off x="7836" y="3022"/>
+              <a:ext cx="453" cy="0"/>
+            </a:xfrm>
+            <a:prstGeom prst="line">
+              <a:avLst/>
+            </a:prstGeom>
+            <a:ln w="28575">
+              <a:solidFill>
+                <a:schemeClr val="accent1"/>
+              </a:solidFill>
+            </a:ln>
+          </p:spPr>
+          <p:style>
+            <a:lnRef idx="1">
+              <a:schemeClr val="accent1"/>
+            </a:lnRef>
+            <a:fillRef idx="0">
+              <a:schemeClr val="accent1"/>
+            </a:fillRef>
+            <a:effectRef idx="0">
+              <a:schemeClr val="accent1"/>
+            </a:effectRef>
+            <a:fontRef idx="minor">
+              <a:schemeClr val="tx1"/>
+            </a:fontRef>
+          </p:style>
+        </p:cxnSp>
+        <p:cxnSp>
+          <p:nvCxnSpPr>
+            <p:cNvPr id="17" name="Straight Connector 16"/>
+            <p:cNvCxnSpPr/>
+            <p:nvPr/>
+          </p:nvCxnSpPr>
+          <p:spPr>
+            <a:xfrm>
+              <a:off x="8538" y="3160"/>
+              <a:ext cx="288" cy="380"/>
+            </a:xfrm>
+            <a:prstGeom prst="line">
+              <a:avLst/>
+            </a:prstGeom>
+            <a:ln w="28575">
+              <a:solidFill>
+                <a:schemeClr val="accent1"/>
+              </a:solidFill>
+            </a:ln>
+          </p:spPr>
+          <p:style>
+            <a:lnRef idx="1">
+              <a:schemeClr val="accent1"/>
+            </a:lnRef>
+            <a:fillRef idx="0">
+              <a:schemeClr val="accent1"/>
+            </a:fillRef>
+            <a:effectRef idx="0">
+              <a:schemeClr val="accent1"/>
+            </a:effectRef>
+            <a:fontRef idx="minor">
+              <a:schemeClr val="tx1"/>
+            </a:fontRef>
+          </p:style>
+        </p:cxnSp>
+      </p:grpSp>
+      <p:cxnSp>
+        <p:nvCxnSpPr>
+          <p:cNvPr id="21" name="Straight Connector 20"/>
+          <p:cNvCxnSpPr/>
+          <p:nvPr/>
+        </p:nvCxnSpPr>
+        <p:spPr>
+          <a:xfrm>
+            <a:off x="3832860" y="3808095"/>
+            <a:ext cx="4526280" cy="0"/>
+          </a:xfrm>
+          <a:prstGeom prst="line">
+            <a:avLst/>
+          </a:prstGeom>
+        </p:spPr>
+        <p:style>
+          <a:lnRef idx="1">
+            <a:schemeClr val="accent1"/>
+          </a:lnRef>
+          <a:fillRef idx="0">
+            <a:schemeClr val="accent1"/>
+          </a:fillRef>
+          <a:effectRef idx="0">
+            <a:schemeClr val="accent1"/>
+          </a:effectRef>
+          <a:fontRef idx="minor">
+            <a:schemeClr val="tx1"/>
+          </a:fontRef>
+        </p:style>
+      </p:cxnSp>
+      <p:sp>
+        <p:nvSpPr>
+          <p:cNvPr id="3" name="Text Box 2"/>
+          <p:cNvSpPr txBox="true"/>
+          <p:nvPr/>
+        </p:nvSpPr>
+        <p:spPr>
+          <a:xfrm>
+            <a:off x="5007610" y="2291715"/>
+            <a:ext cx="489585" cy="306705"/>
+          </a:xfrm>
+          <a:prstGeom prst="rect">
+            <a:avLst/>
+          </a:prstGeom>
+          <a:noFill/>
+        </p:spPr>
+        <p:txBody>
+          <a:bodyPr wrap="none" rtlCol="0">
+            <a:spAutoFit/>
+          </a:bodyPr>
+          <a:p>
+            <a:r>
+              <a:rPr lang="en-US" altLang="en-US" sz="1400"/>
+              <a:t>uT2</a:t>
+            </a:r>
+            <a:endParaRPr lang="en-US" altLang="en-US" sz="1400"/>
+          </a:p>
+        </p:txBody>
+      </p:sp>
+      <p:sp>
+        <p:nvSpPr>
+          <p:cNvPr id="6" name="Text Box 5"/>
+          <p:cNvSpPr txBox="true"/>
+          <p:nvPr/>
+        </p:nvSpPr>
+        <p:spPr>
+          <a:xfrm>
+            <a:off x="4488180" y="2207895"/>
+            <a:ext cx="834390" cy="275590"/>
+          </a:xfrm>
+          <a:prstGeom prst="rect">
+            <a:avLst/>
+          </a:prstGeom>
+          <a:noFill/>
+        </p:spPr>
+        <p:txBody>
+          <a:bodyPr wrap="square" rtlCol="0">
+            <a:spAutoFit/>
+          </a:bodyPr>
+          <a:p>
+            <a:r>
+              <a:rPr lang="en-US" altLang="en-US" sz="1200"/>
+              <a:t>d=2</a:t>
+            </a:r>
+            <a:endParaRPr lang="en-US" altLang="en-US" sz="1200"/>
+          </a:p>
+        </p:txBody>
+      </p:sp>
+      <p:sp>
+        <p:nvSpPr>
+          <p:cNvPr id="8" name="Text Box 7"/>
+          <p:cNvSpPr txBox="true"/>
+          <p:nvPr/>
+        </p:nvSpPr>
+        <p:spPr>
+          <a:xfrm>
+            <a:off x="5240020" y="1807210"/>
+            <a:ext cx="834390" cy="275590"/>
+          </a:xfrm>
+          <a:prstGeom prst="rect">
+            <a:avLst/>
+          </a:prstGeom>
+          <a:noFill/>
+        </p:spPr>
+        <p:txBody>
+          <a:bodyPr wrap="square" rtlCol="0">
+            <a:spAutoFit/>
+          </a:bodyPr>
+          <a:p>
+            <a:r>
+              <a:rPr lang="en-US" altLang="en-US" sz="1200"/>
+              <a:t>d=3</a:t>
+            </a:r>
+            <a:endParaRPr lang="en-US" altLang="en-US" sz="1200"/>
+          </a:p>
+        </p:txBody>
+      </p:sp>
+      <p:sp>
+        <p:nvSpPr>
+          <p:cNvPr id="9" name="Text Box 8"/>
+          <p:cNvSpPr txBox="true"/>
+          <p:nvPr/>
+        </p:nvSpPr>
+        <p:spPr>
+          <a:xfrm>
+            <a:off x="5449570" y="2629535"/>
+            <a:ext cx="834390" cy="275590"/>
+          </a:xfrm>
+          <a:prstGeom prst="rect">
+            <a:avLst/>
+          </a:prstGeom>
+          <a:noFill/>
+        </p:spPr>
+        <p:txBody>
+          <a:bodyPr wrap="square" rtlCol="0">
+            <a:spAutoFit/>
+          </a:bodyPr>
+          <a:p>
+            <a:r>
+              <a:rPr lang="en-US" altLang="en-US" sz="1200"/>
+              <a:t>d=4</a:t>
+            </a:r>
+            <a:endParaRPr lang="en-US" altLang="en-US" sz="1200"/>
+          </a:p>
+        </p:txBody>
+      </p:sp>
+      <p:sp>
+        <p:nvSpPr>
+          <p:cNvPr id="4" name="Text Box 3"/>
+          <p:cNvSpPr txBox="true"/>
+          <p:nvPr/>
+        </p:nvSpPr>
+        <p:spPr>
+          <a:xfrm>
+            <a:off x="4127500" y="2345690"/>
+            <a:ext cx="834390" cy="213995"/>
+          </a:xfrm>
+          <a:prstGeom prst="rect">
+            <a:avLst/>
+          </a:prstGeom>
+          <a:noFill/>
+        </p:spPr>
+        <p:txBody>
+          <a:bodyPr wrap="square" rtlCol="0">
+            <a:spAutoFit/>
+          </a:bodyPr>
+          <a:p>
+            <a:r>
+              <a:rPr lang="en-US" altLang="en-US" sz="800" i="1">
+                <a:solidFill>
+                  <a:srgbClr val="C00000"/>
+                </a:solidFill>
+              </a:rPr>
+              <a:t>100</a:t>
+            </a:r>
+            <a:endParaRPr lang="en-US" altLang="en-US" sz="800" i="1">
+              <a:solidFill>
+                <a:srgbClr val="C00000"/>
+              </a:solidFill>
+            </a:endParaRPr>
+          </a:p>
+        </p:txBody>
+      </p:sp>
+      <p:sp>
+        <p:nvSpPr>
+          <p:cNvPr id="5" name="Text Box 4"/>
+          <p:cNvSpPr txBox="true"/>
+          <p:nvPr/>
+        </p:nvSpPr>
+        <p:spPr>
+          <a:xfrm>
+            <a:off x="5728970" y="1631315"/>
+            <a:ext cx="834390" cy="213995"/>
+          </a:xfrm>
+          <a:prstGeom prst="rect">
+            <a:avLst/>
+          </a:prstGeom>
+          <a:noFill/>
+        </p:spPr>
+        <p:txBody>
+          <a:bodyPr wrap="square" rtlCol="0">
+            <a:spAutoFit/>
+          </a:bodyPr>
+          <a:p>
+            <a:r>
+              <a:rPr lang="en-US" altLang="en-US" sz="800" i="1">
+                <a:solidFill>
+                  <a:srgbClr val="C00000"/>
+                </a:solidFill>
+              </a:rPr>
+              <a:t>101</a:t>
+            </a:r>
+            <a:endParaRPr lang="en-US" altLang="en-US" sz="800" i="1">
+              <a:solidFill>
+                <a:srgbClr val="C00000"/>
+              </a:solidFill>
+            </a:endParaRPr>
+          </a:p>
+        </p:txBody>
+      </p:sp>
+      <p:sp>
+        <p:nvSpPr>
+          <p:cNvPr id="7" name="Text Box 6"/>
+          <p:cNvSpPr txBox="true"/>
+          <p:nvPr/>
+        </p:nvSpPr>
+        <p:spPr>
+          <a:xfrm>
+            <a:off x="5678805" y="3038475"/>
+            <a:ext cx="834390" cy="213995"/>
+          </a:xfrm>
+          <a:prstGeom prst="rect">
+            <a:avLst/>
+          </a:prstGeom>
+          <a:noFill/>
+        </p:spPr>
+        <p:txBody>
+          <a:bodyPr wrap="square" rtlCol="0">
+            <a:spAutoFit/>
+          </a:bodyPr>
+          <a:p>
+            <a:r>
+              <a:rPr lang="en-US" altLang="en-US" sz="800" i="1">
+                <a:solidFill>
+                  <a:srgbClr val="C00000"/>
+                </a:solidFill>
+              </a:rPr>
+              <a:t>102</a:t>
+            </a:r>
+            <a:endParaRPr lang="en-US" altLang="en-US" sz="800" i="1">
+              <a:solidFill>
+                <a:srgbClr val="C00000"/>
+              </a:solidFill>
+            </a:endParaRPr>
+          </a:p>
+        </p:txBody>
+      </p:sp>
+    </p:spTree>
+  </p:cSld>
+  <p:clrMapOvr>
+    <a:masterClrMapping/>
+  </p:clrMapOvr>
+</p:sld>
+</file>
+
+<file path=ppt/slides/slide14.xml><?xml version="1.0" encoding="utf-8"?>
+<p:sld xmlns:a="http://schemas.openxmlformats.org/drawingml/2006/main" xmlns:r="http://schemas.openxmlformats.org/officeDocument/2006/relationships" xmlns:p="http://schemas.openxmlformats.org/presentationml/2006/main">
+  <p:cSld>
+    <p:spTree>
+      <p:nvGrpSpPr>
+        <p:cNvPr id="1" name=""/>
+        <p:cNvGrpSpPr/>
+        <p:nvPr/>
+      </p:nvGrpSpPr>
+      <p:grpSpPr/>
+      <p:sp>
+        <p:nvSpPr>
+          <p:cNvPr id="41" name="Rounded Rectangle 40"/>
+          <p:cNvSpPr/>
+          <p:nvPr/>
+        </p:nvSpPr>
+        <p:spPr>
+          <a:xfrm>
+            <a:off x="7068185" y="2586990"/>
+            <a:ext cx="589280" cy="409575"/>
+          </a:xfrm>
+          <a:prstGeom prst="roundRect">
+            <a:avLst/>
+          </a:prstGeom>
+        </p:spPr>
+        <p:style>
+          <a:lnRef idx="2">
+            <a:schemeClr val="accent1">
+              <a:shade val="50000"/>
+            </a:schemeClr>
+          </a:lnRef>
+          <a:fillRef idx="1">
+            <a:schemeClr val="accent1"/>
+          </a:fillRef>
+          <a:effectRef idx="0">
+            <a:schemeClr val="accent1"/>
+          </a:effectRef>
+          <a:fontRef idx="minor">
+            <a:schemeClr val="lt1"/>
+          </a:fontRef>
+        </p:style>
+        <p:txBody>
+          <a:bodyPr rtlCol="0" anchor="ctr"/>
+          <a:p>
+            <a:pPr algn="ctr"/>
+            <a:endParaRPr lang="en-US"/>
+          </a:p>
+        </p:txBody>
+      </p:sp>
+      <p:cxnSp>
+        <p:nvCxnSpPr>
+          <p:cNvPr id="21" name="Straight Connector 20"/>
+          <p:cNvCxnSpPr/>
+          <p:nvPr/>
+        </p:nvCxnSpPr>
+        <p:spPr>
+          <a:xfrm>
+            <a:off x="3338830" y="790575"/>
+            <a:ext cx="4526280" cy="0"/>
+          </a:xfrm>
+          <a:prstGeom prst="line">
+            <a:avLst/>
+          </a:prstGeom>
+        </p:spPr>
+        <p:style>
+          <a:lnRef idx="1">
+            <a:schemeClr val="accent1"/>
+          </a:lnRef>
+          <a:fillRef idx="0">
+            <a:schemeClr val="accent1"/>
+          </a:fillRef>
+          <a:effectRef idx="0">
+            <a:schemeClr val="accent1"/>
+          </a:effectRef>
+          <a:fontRef idx="minor">
+            <a:schemeClr val="tx1"/>
+          </a:fontRef>
+        </p:style>
+      </p:cxnSp>
+      <p:grpSp>
+        <p:nvGrpSpPr>
+          <p:cNvPr id="11" name="Group 10"/>
+          <p:cNvGrpSpPr/>
+          <p:nvPr/>
+        </p:nvGrpSpPr>
+        <p:grpSpPr>
+          <a:xfrm>
+            <a:off x="6667836" y="2272974"/>
+            <a:ext cx="1245083" cy="1057601"/>
+            <a:chOff x="7720" y="2567"/>
+            <a:chExt cx="1146" cy="973"/>
+          </a:xfrm>
+        </p:grpSpPr>
+        <p:cxnSp>
+          <p:nvCxnSpPr>
+            <p:cNvPr id="13" name="Straight Connector 12"/>
+            <p:cNvCxnSpPr/>
+            <p:nvPr/>
+          </p:nvCxnSpPr>
+          <p:spPr>
+            <a:xfrm flipV="true">
+              <a:off x="8554" y="2567"/>
+              <a:ext cx="301" cy="377"/>
+            </a:xfrm>
+            <a:prstGeom prst="line">
+              <a:avLst/>
+            </a:prstGeom>
+            <a:ln w="28575">
+              <a:solidFill>
+                <a:schemeClr val="accent1"/>
+              </a:solidFill>
+            </a:ln>
+          </p:spPr>
+          <p:style>
+            <a:lnRef idx="1">
+              <a:schemeClr val="accent1"/>
+            </a:lnRef>
+            <a:fillRef idx="0">
+              <a:schemeClr val="accent1"/>
+            </a:fillRef>
+            <a:effectRef idx="0">
+              <a:schemeClr val="accent1"/>
+            </a:effectRef>
+            <a:fontRef idx="minor">
+              <a:schemeClr val="tx1"/>
+            </a:fontRef>
+          </p:style>
+        </p:cxnSp>
+        <p:cxnSp>
+          <p:nvCxnSpPr>
+            <p:cNvPr id="18" name="Straight Connector 17"/>
+            <p:cNvCxnSpPr/>
+            <p:nvPr/>
+          </p:nvCxnSpPr>
+          <p:spPr>
+            <a:xfrm>
+              <a:off x="7720" y="3034"/>
+              <a:ext cx="453" cy="0"/>
+            </a:xfrm>
+            <a:prstGeom prst="line">
+              <a:avLst/>
+            </a:prstGeom>
+            <a:ln w="28575">
+              <a:solidFill>
+                <a:schemeClr val="accent1"/>
+              </a:solidFill>
+            </a:ln>
+          </p:spPr>
+          <p:style>
+            <a:lnRef idx="1">
+              <a:schemeClr val="accent1"/>
+            </a:lnRef>
+            <a:fillRef idx="0">
+              <a:schemeClr val="accent1"/>
+            </a:fillRef>
+            <a:effectRef idx="0">
+              <a:schemeClr val="accent1"/>
+            </a:effectRef>
+            <a:fontRef idx="minor">
+              <a:schemeClr val="tx1"/>
+            </a:fontRef>
+          </p:style>
+        </p:cxnSp>
+        <p:cxnSp>
+          <p:nvCxnSpPr>
+            <p:cNvPr id="19" name="Straight Connector 18"/>
+            <p:cNvCxnSpPr/>
+            <p:nvPr/>
+          </p:nvCxnSpPr>
+          <p:spPr>
+            <a:xfrm>
+              <a:off x="8578" y="3160"/>
+              <a:ext cx="288" cy="380"/>
+            </a:xfrm>
+            <a:prstGeom prst="line">
+              <a:avLst/>
+            </a:prstGeom>
+            <a:ln w="28575">
+              <a:solidFill>
+                <a:schemeClr val="accent1"/>
+              </a:solidFill>
+            </a:ln>
+          </p:spPr>
+          <p:style>
+            <a:lnRef idx="1">
+              <a:schemeClr val="accent1"/>
+            </a:lnRef>
+            <a:fillRef idx="0">
+              <a:schemeClr val="accent1"/>
+            </a:fillRef>
+            <a:effectRef idx="0">
+              <a:schemeClr val="accent1"/>
+            </a:effectRef>
+            <a:fontRef idx="minor">
+              <a:schemeClr val="tx1"/>
+            </a:fontRef>
+          </p:style>
+        </p:cxnSp>
+      </p:grpSp>
+      <p:cxnSp>
+        <p:nvCxnSpPr>
+          <p:cNvPr id="28" name="Straight Connector 27"/>
+          <p:cNvCxnSpPr/>
+          <p:nvPr/>
+        </p:nvCxnSpPr>
+        <p:spPr>
+          <a:xfrm>
+            <a:off x="2642870" y="2770711"/>
+            <a:ext cx="492166" cy="0"/>
+          </a:xfrm>
+          <a:prstGeom prst="line">
+            <a:avLst/>
+          </a:prstGeom>
+          <a:ln w="28575">
+            <a:solidFill>
+              <a:schemeClr val="accent1"/>
+            </a:solidFill>
+          </a:ln>
+        </p:spPr>
+        <p:style>
+          <a:lnRef idx="1">
+            <a:schemeClr val="accent1"/>
+          </a:lnRef>
+          <a:fillRef idx="0">
+            <a:schemeClr val="accent1"/>
+          </a:fillRef>
+          <a:effectRef idx="0">
+            <a:schemeClr val="accent1"/>
+          </a:effectRef>
+          <a:fontRef idx="minor">
+            <a:schemeClr val="tx1"/>
+          </a:fontRef>
+        </p:style>
+      </p:cxnSp>
+      <p:sp>
+        <p:nvSpPr>
+          <p:cNvPr id="29" name="Text Box 28"/>
+          <p:cNvSpPr txBox="true"/>
+          <p:nvPr/>
+        </p:nvSpPr>
+        <p:spPr>
+          <a:xfrm>
+            <a:off x="2520315" y="1940560"/>
+            <a:ext cx="1068705" cy="306705"/>
+          </a:xfrm>
+          <a:prstGeom prst="rect">
+            <a:avLst/>
+          </a:prstGeom>
+          <a:noFill/>
+        </p:spPr>
+        <p:txBody>
+          <a:bodyPr wrap="square" rtlCol="0">
+            <a:spAutoFit/>
+          </a:bodyPr>
+          <a:p>
+            <a:r>
+              <a:rPr lang="" altLang="en-US" sz="1400"/>
+              <a:t>Bond(s)</a:t>
+            </a:r>
+            <a:endParaRPr lang="" altLang="en-US" sz="1400"/>
+          </a:p>
+        </p:txBody>
+      </p:sp>
+      <p:sp>
+        <p:nvSpPr>
+          <p:cNvPr id="32" name="Cross 31"/>
+          <p:cNvSpPr/>
+          <p:nvPr/>
+        </p:nvSpPr>
+        <p:spPr>
+          <a:xfrm>
+            <a:off x="3472815" y="2708910"/>
+            <a:ext cx="116205" cy="116205"/>
+          </a:xfrm>
+          <a:prstGeom prst="plus">
+            <a:avLst>
+              <a:gd name="adj" fmla="val 40816"/>
+            </a:avLst>
+          </a:prstGeom>
+          <a:solidFill>
+            <a:srgbClr val="C00000"/>
+          </a:solidFill>
+          <a:ln>
+            <a:noFill/>
+          </a:ln>
+        </p:spPr>
+        <p:style>
+          <a:lnRef idx="2">
+            <a:schemeClr val="accent1">
+              <a:shade val="50000"/>
+            </a:schemeClr>
+          </a:lnRef>
+          <a:fillRef idx="1">
+            <a:schemeClr val="accent1"/>
+          </a:fillRef>
+          <a:effectRef idx="0">
+            <a:schemeClr val="accent1"/>
+          </a:effectRef>
+          <a:fontRef idx="minor">
+            <a:schemeClr val="lt1"/>
+          </a:fontRef>
+        </p:style>
+        <p:txBody>
+          <a:bodyPr rtlCol="0" anchor="ctr"/>
+          <a:p>
+            <a:pPr algn="ctr"/>
+            <a:endParaRPr lang="en-US"/>
+          </a:p>
+        </p:txBody>
+      </p:sp>
+      <p:sp>
+        <p:nvSpPr>
+          <p:cNvPr id="33" name="Text Box 32"/>
+          <p:cNvSpPr txBox="true"/>
+          <p:nvPr/>
+        </p:nvSpPr>
+        <p:spPr>
+          <a:xfrm>
+            <a:off x="3862705" y="1936115"/>
+            <a:ext cx="1076325" cy="446405"/>
+          </a:xfrm>
+          <a:prstGeom prst="rect">
+            <a:avLst/>
+          </a:prstGeom>
+          <a:noFill/>
+        </p:spPr>
+        <p:txBody>
+          <a:bodyPr wrap="square" rtlCol="0">
+            <a:spAutoFit/>
+          </a:bodyPr>
+          <a:p>
+            <a:r>
+              <a:rPr lang="" altLang="en-US" sz="1400"/>
+              <a:t> Block(s) </a:t>
+            </a:r>
+            <a:br>
+              <a:rPr lang="" altLang="en-US" sz="1400"/>
+            </a:br>
+            <a:r>
+              <a:rPr lang="" altLang="en-US" sz="1400" baseline="-25000"/>
+              <a:t>(cytnx.Tensor)</a:t>
+            </a:r>
+            <a:endParaRPr lang="" altLang="en-US" sz="1400" baseline="-25000"/>
+          </a:p>
+        </p:txBody>
+      </p:sp>
+      <p:sp>
+        <p:nvSpPr>
+          <p:cNvPr id="34" name="Equal 33"/>
+          <p:cNvSpPr/>
+          <p:nvPr/>
+        </p:nvSpPr>
+        <p:spPr>
+          <a:xfrm>
+            <a:off x="6115050" y="2696845"/>
+            <a:ext cx="145415" cy="145415"/>
+          </a:xfrm>
+          <a:prstGeom prst="mathEqual">
+            <a:avLst>
+              <a:gd name="adj1" fmla="val 18234"/>
+              <a:gd name="adj2" fmla="val 24250"/>
+            </a:avLst>
+          </a:prstGeom>
+          <a:solidFill>
+            <a:srgbClr val="C00000"/>
+          </a:solidFill>
+          <a:ln>
+            <a:noFill/>
+          </a:ln>
+        </p:spPr>
+        <p:style>
+          <a:lnRef idx="2">
+            <a:schemeClr val="accent1">
+              <a:shade val="50000"/>
+            </a:schemeClr>
+          </a:lnRef>
+          <a:fillRef idx="1">
+            <a:schemeClr val="accent1"/>
+          </a:fillRef>
+          <a:effectRef idx="0">
+            <a:schemeClr val="accent1"/>
+          </a:effectRef>
+          <a:fontRef idx="minor">
+            <a:schemeClr val="lt1"/>
+          </a:fontRef>
+        </p:style>
+        <p:txBody>
+          <a:bodyPr rtlCol="0" anchor="ctr"/>
+          <a:p>
+            <a:pPr algn="ctr"/>
+            <a:endParaRPr lang="en-US">
+              <a:solidFill>
+                <a:schemeClr val="tx1"/>
+              </a:solidFill>
+            </a:endParaRPr>
+          </a:p>
+        </p:txBody>
+      </p:sp>
+      <p:sp>
+        <p:nvSpPr>
+          <p:cNvPr id="36" name="Snip Diagonal Corner Rectangle 35"/>
+          <p:cNvSpPr/>
+          <p:nvPr/>
+        </p:nvSpPr>
+        <p:spPr>
+          <a:xfrm>
+            <a:off x="4029710" y="2606675"/>
+            <a:ext cx="589280" cy="354330"/>
+          </a:xfrm>
+          <a:prstGeom prst="snip2DiagRect">
+            <a:avLst/>
+          </a:prstGeom>
+          <a:extLst>
+            <a:ext uri="{909E8E84-426E-40DD-AFC4-6F175D3DCCD1}">
+              <a14:hiddenFill xmlns:a14="http://schemas.microsoft.com/office/drawing/2010/main">
+                <a:solidFill>
+                  <a:schemeClr val="accent1"/>
+                </a:solidFill>
+              </a14:hiddenFill>
+            </a:ext>
+          </a:extLst>
+        </p:spPr>
+        <p:style>
+          <a:lnRef idx="2">
+            <a:schemeClr val="accent6"/>
+          </a:lnRef>
+          <a:fillRef idx="1">
+            <a:schemeClr val="lt1"/>
+          </a:fillRef>
+          <a:effectRef idx="0">
+            <a:schemeClr val="accent6"/>
+          </a:effectRef>
+          <a:fontRef idx="minor">
+            <a:schemeClr val="dk1"/>
+          </a:fontRef>
+        </p:style>
+        <p:txBody>
+          <a:bodyPr rtlCol="0" anchor="ctr"/>
+          <a:p>
+            <a:pPr algn="ctr"/>
+            <a:endParaRPr lang="en-US"/>
+          </a:p>
+        </p:txBody>
+      </p:sp>
+      <p:grpSp>
+        <p:nvGrpSpPr>
+          <p:cNvPr id="40" name="Group 39"/>
+          <p:cNvGrpSpPr/>
+          <p:nvPr/>
+        </p:nvGrpSpPr>
+        <p:grpSpPr>
+          <a:xfrm>
+            <a:off x="7188835" y="2637155"/>
+            <a:ext cx="340995" cy="298450"/>
+            <a:chOff x="12515" y="5542"/>
+            <a:chExt cx="845" cy="739"/>
+          </a:xfrm>
+        </p:grpSpPr>
+        <p:sp>
+          <p:nvSpPr>
+            <p:cNvPr id="37" name="Snip Diagonal Corner Rectangle 36"/>
+            <p:cNvSpPr/>
+            <p:nvPr/>
+          </p:nvSpPr>
+          <p:spPr>
+            <a:xfrm>
+              <a:off x="12515" y="5542"/>
+              <a:ext cx="333" cy="289"/>
+            </a:xfrm>
+            <a:prstGeom prst="snip2DiagRect">
+              <a:avLst/>
+            </a:prstGeom>
+            <a:noFill/>
+            <a:ln>
+              <a:solidFill>
+                <a:schemeClr val="accent6">
+                  <a:lumMod val="75000"/>
+                </a:schemeClr>
+              </a:solidFill>
+            </a:ln>
+            <a:extLst>
+              <a:ext uri="{909E8E84-426E-40DD-AFC4-6F175D3DCCD1}">
+                <a14:hiddenFill xmlns:a14="http://schemas.microsoft.com/office/drawing/2010/main">
+                  <a:solidFill>
+                    <a:srgbClr val="C00000"/>
+                  </a:solidFill>
+                </a14:hiddenFill>
+              </a:ext>
+            </a:extLst>
+          </p:spPr>
+          <p:style>
+            <a:lnRef idx="2">
+              <a:schemeClr val="accent1">
+                <a:shade val="50000"/>
+              </a:schemeClr>
+            </a:lnRef>
+            <a:fillRef idx="1">
+              <a:schemeClr val="accent1"/>
+            </a:fillRef>
+            <a:effectRef idx="0">
+              <a:schemeClr val="accent1"/>
+            </a:effectRef>
+            <a:fontRef idx="minor">
+              <a:schemeClr val="lt1"/>
+            </a:fontRef>
+          </p:style>
+          <p:txBody>
+            <a:bodyPr rtlCol="0" anchor="ctr"/>
+            <a:p>
+              <a:pPr algn="ctr"/>
+              <a:endParaRPr lang="en-US"/>
+            </a:p>
+          </p:txBody>
+        </p:sp>
+        <p:sp>
+          <p:nvSpPr>
+            <p:cNvPr id="38" name="Snip Diagonal Corner Rectangle 37"/>
+            <p:cNvSpPr/>
+            <p:nvPr/>
+          </p:nvSpPr>
+          <p:spPr>
+            <a:xfrm>
+              <a:off x="12869" y="5852"/>
+              <a:ext cx="191" cy="166"/>
+            </a:xfrm>
+            <a:prstGeom prst="snip2DiagRect">
+              <a:avLst/>
+            </a:prstGeom>
+            <a:noFill/>
+            <a:ln>
+              <a:solidFill>
+                <a:schemeClr val="accent6">
+                  <a:lumMod val="75000"/>
+                </a:schemeClr>
+              </a:solidFill>
+            </a:ln>
+            <a:extLst>
+              <a:ext uri="{909E8E84-426E-40DD-AFC4-6F175D3DCCD1}">
+                <a14:hiddenFill xmlns:a14="http://schemas.microsoft.com/office/drawing/2010/main">
+                  <a:solidFill>
+                    <a:srgbClr val="C00000"/>
+                  </a:solidFill>
+                </a14:hiddenFill>
+              </a:ext>
+            </a:extLst>
+          </p:spPr>
+          <p:style>
+            <a:lnRef idx="2">
+              <a:schemeClr val="accent1">
+                <a:shade val="50000"/>
+              </a:schemeClr>
+            </a:lnRef>
+            <a:fillRef idx="1">
+              <a:schemeClr val="accent1"/>
+            </a:fillRef>
+            <a:effectRef idx="0">
+              <a:schemeClr val="accent1"/>
+            </a:effectRef>
+            <a:fontRef idx="minor">
+              <a:schemeClr val="lt1"/>
+            </a:fontRef>
+          </p:style>
+          <p:txBody>
+            <a:bodyPr rtlCol="0" anchor="ctr"/>
+            <a:p>
+              <a:pPr algn="ctr"/>
+              <a:endParaRPr lang="en-US"/>
+            </a:p>
+          </p:txBody>
+        </p:sp>
+        <p:sp>
+          <p:nvSpPr>
+            <p:cNvPr id="39" name="Snip Diagonal Corner Rectangle 38"/>
+            <p:cNvSpPr/>
+            <p:nvPr/>
+          </p:nvSpPr>
+          <p:spPr>
+            <a:xfrm>
+              <a:off x="13080" y="6037"/>
+              <a:ext cx="280" cy="244"/>
+            </a:xfrm>
+            <a:prstGeom prst="snip2DiagRect">
+              <a:avLst/>
+            </a:prstGeom>
+            <a:noFill/>
+            <a:ln>
+              <a:solidFill>
+                <a:schemeClr val="accent6">
+                  <a:lumMod val="75000"/>
+                </a:schemeClr>
+              </a:solidFill>
+            </a:ln>
+            <a:extLst>
+              <a:ext uri="{909E8E84-426E-40DD-AFC4-6F175D3DCCD1}">
+                <a14:hiddenFill xmlns:a14="http://schemas.microsoft.com/office/drawing/2010/main">
+                  <a:solidFill>
+                    <a:srgbClr val="C00000"/>
+                  </a:solidFill>
+                </a14:hiddenFill>
+              </a:ext>
+            </a:extLst>
+          </p:spPr>
+          <p:style>
+            <a:lnRef idx="2">
+              <a:schemeClr val="accent1">
+                <a:shade val="50000"/>
+              </a:schemeClr>
+            </a:lnRef>
+            <a:fillRef idx="1">
+              <a:schemeClr val="accent1"/>
+            </a:fillRef>
+            <a:effectRef idx="0">
+              <a:schemeClr val="accent1"/>
+            </a:effectRef>
+            <a:fontRef idx="minor">
+              <a:schemeClr val="lt1"/>
+            </a:fontRef>
+          </p:style>
+          <p:txBody>
+            <a:bodyPr rtlCol="0" anchor="ctr"/>
+            <a:p>
+              <a:pPr algn="ctr"/>
+              <a:endParaRPr lang="en-US"/>
+            </a:p>
+          </p:txBody>
+        </p:sp>
+      </p:grpSp>
+      <p:sp>
+        <p:nvSpPr>
+          <p:cNvPr id="42" name="Rectangle 41"/>
+          <p:cNvSpPr/>
+          <p:nvPr/>
+        </p:nvSpPr>
+        <p:spPr>
+          <a:xfrm>
+            <a:off x="7164070" y="2627630"/>
+            <a:ext cx="413385" cy="321310"/>
+          </a:xfrm>
+          <a:prstGeom prst="rect">
+            <a:avLst/>
+          </a:prstGeom>
+          <a:noFill/>
+          <a:ln>
+            <a:solidFill>
+              <a:schemeClr val="tx1"/>
+            </a:solidFill>
+          </a:ln>
+          <a:extLst>
+            <a:ext uri="{909E8E84-426E-40DD-AFC4-6F175D3DCCD1}">
+              <a14:hiddenFill xmlns:a14="http://schemas.microsoft.com/office/drawing/2010/main">
+                <a:solidFill>
+                  <a:schemeClr val="accent1"/>
+                </a:solidFill>
+              </a14:hiddenFill>
+            </a:ext>
+          </a:extLst>
+        </p:spPr>
+        <p:style>
+          <a:lnRef idx="2">
+            <a:schemeClr val="accent1">
+              <a:shade val="50000"/>
+            </a:schemeClr>
+          </a:lnRef>
+          <a:fillRef idx="1">
+            <a:schemeClr val="accent1"/>
+          </a:fillRef>
+          <a:effectRef idx="0">
+            <a:schemeClr val="accent1"/>
+          </a:effectRef>
+          <a:fontRef idx="minor">
+            <a:schemeClr val="lt1"/>
+          </a:fontRef>
+        </p:style>
+        <p:txBody>
+          <a:bodyPr rtlCol="0" anchor="ctr"/>
+          <a:p>
+            <a:pPr algn="ctr"/>
+            <a:endParaRPr lang="en-US"/>
+          </a:p>
+        </p:txBody>
+      </p:sp>
+      <p:sp>
+        <p:nvSpPr>
+          <p:cNvPr id="43" name="Text Box 42"/>
+          <p:cNvSpPr txBox="true"/>
+          <p:nvPr/>
+        </p:nvSpPr>
+        <p:spPr>
+          <a:xfrm>
+            <a:off x="6851650" y="1971675"/>
+            <a:ext cx="1943735" cy="306705"/>
+          </a:xfrm>
+          <a:prstGeom prst="rect">
+            <a:avLst/>
+          </a:prstGeom>
+          <a:noFill/>
+        </p:spPr>
+        <p:txBody>
+          <a:bodyPr wrap="square" rtlCol="0">
+            <a:spAutoFit/>
+          </a:bodyPr>
+          <a:p>
+            <a:r>
+              <a:rPr lang="" altLang="en-US" sz="1400"/>
+              <a:t>UniTensor</a:t>
+            </a:r>
+            <a:endParaRPr lang="" altLang="en-US" sz="1400" baseline="-25000"/>
+          </a:p>
+        </p:txBody>
+      </p:sp>
+      <p:sp>
+        <p:nvSpPr>
+          <p:cNvPr id="44" name="Cross 43"/>
+          <p:cNvSpPr/>
+          <p:nvPr/>
+        </p:nvSpPr>
+        <p:spPr>
+          <a:xfrm>
+            <a:off x="4939030" y="2712085"/>
+            <a:ext cx="116205" cy="116205"/>
+          </a:xfrm>
+          <a:prstGeom prst="plus">
+            <a:avLst>
+              <a:gd name="adj" fmla="val 40816"/>
+            </a:avLst>
+          </a:prstGeom>
+          <a:solidFill>
+            <a:srgbClr val="C00000"/>
+          </a:solidFill>
+          <a:ln>
+            <a:noFill/>
+          </a:ln>
+        </p:spPr>
+        <p:style>
+          <a:lnRef idx="2">
+            <a:schemeClr val="accent1">
+              <a:shade val="50000"/>
+            </a:schemeClr>
+          </a:lnRef>
+          <a:fillRef idx="1">
+            <a:schemeClr val="accent1"/>
+          </a:fillRef>
+          <a:effectRef idx="0">
+            <a:schemeClr val="accent1"/>
+          </a:effectRef>
+          <a:fontRef idx="minor">
+            <a:schemeClr val="lt1"/>
+          </a:fontRef>
+        </p:style>
+        <p:txBody>
+          <a:bodyPr rtlCol="0" anchor="ctr"/>
+          <a:p>
+            <a:pPr algn="ctr"/>
+            <a:endParaRPr lang="en-US"/>
+          </a:p>
+        </p:txBody>
+      </p:sp>
+      <p:sp>
+        <p:nvSpPr>
+          <p:cNvPr id="45" name="Text Box 44"/>
+          <p:cNvSpPr txBox="true"/>
+          <p:nvPr/>
+        </p:nvSpPr>
+        <p:spPr>
+          <a:xfrm>
+            <a:off x="5266055" y="1936115"/>
+            <a:ext cx="1076325" cy="306705"/>
+          </a:xfrm>
+          <a:prstGeom prst="rect">
+            <a:avLst/>
+          </a:prstGeom>
+          <a:noFill/>
+        </p:spPr>
+        <p:txBody>
+          <a:bodyPr wrap="square" rtlCol="0">
+            <a:spAutoFit/>
+          </a:bodyPr>
+          <a:p>
+            <a:r>
+              <a:rPr lang="" altLang="en-US" sz="1400"/>
+              <a:t>label(s)</a:t>
+            </a:r>
+            <a:endParaRPr lang="" altLang="en-US" sz="1400" baseline="-25000"/>
+          </a:p>
+        </p:txBody>
+      </p:sp>
+      <p:sp>
+        <p:nvSpPr>
+          <p:cNvPr id="46" name="Text Box 45"/>
+          <p:cNvSpPr txBox="true"/>
+          <p:nvPr/>
+        </p:nvSpPr>
+        <p:spPr>
+          <a:xfrm>
+            <a:off x="5374640" y="2557780"/>
+            <a:ext cx="341630" cy="460375"/>
+          </a:xfrm>
+          <a:prstGeom prst="rect">
+            <a:avLst/>
+          </a:prstGeom>
+          <a:noFill/>
+        </p:spPr>
+        <p:txBody>
+          <a:bodyPr wrap="none" rtlCol="0">
+            <a:spAutoFit/>
+          </a:bodyPr>
+          <a:p>
+            <a:pPr algn="l"/>
+            <a:r>
+              <a:rPr lang="" altLang="en-US" sz="800" i="1">
+                <a:solidFill>
+                  <a:schemeClr val="accent2"/>
+                </a:solidFill>
+              </a:rPr>
+              <a:t>lbl1</a:t>
+            </a:r>
+            <a:endParaRPr lang="" altLang="en-US" sz="800" i="1">
+              <a:solidFill>
+                <a:schemeClr val="accent2"/>
+              </a:solidFill>
+            </a:endParaRPr>
+          </a:p>
+          <a:p>
+            <a:pPr algn="l"/>
+            <a:r>
+              <a:rPr lang="en-US" altLang="en-US" sz="800" i="1">
+                <a:solidFill>
+                  <a:schemeClr val="accent2"/>
+                </a:solidFill>
+                <a:sym typeface="+mn-ea"/>
+              </a:rPr>
+              <a:t>l</a:t>
+            </a:r>
+            <a:r>
+              <a:rPr lang="" altLang="en-US" sz="800" i="1">
+                <a:solidFill>
+                  <a:schemeClr val="accent2"/>
+                </a:solidFill>
+                <a:sym typeface="+mn-ea"/>
+              </a:rPr>
+              <a:t>b</a:t>
+            </a:r>
+            <a:r>
+              <a:rPr lang="en-US" altLang="en-US" sz="800" i="1">
+                <a:solidFill>
+                  <a:schemeClr val="accent2"/>
+                </a:solidFill>
+                <a:sym typeface="+mn-ea"/>
+              </a:rPr>
+              <a:t>l2</a:t>
+            </a:r>
+            <a:endParaRPr lang="en-US" altLang="en-US" sz="800" i="1">
+              <a:solidFill>
+                <a:schemeClr val="accent2"/>
+              </a:solidFill>
+            </a:endParaRPr>
+          </a:p>
+          <a:p>
+            <a:r>
+              <a:rPr lang="" altLang="en-US" sz="800" i="1">
+                <a:solidFill>
+                  <a:schemeClr val="accent2"/>
+                </a:solidFill>
+              </a:rPr>
+              <a:t>....</a:t>
+            </a:r>
+            <a:endParaRPr lang="" altLang="en-US" sz="800" i="1">
+              <a:solidFill>
+                <a:schemeClr val="accent2"/>
+              </a:solidFill>
+            </a:endParaRPr>
+          </a:p>
+        </p:txBody>
+      </p:sp>
+      <p:sp>
+        <p:nvSpPr>
+          <p:cNvPr id="48" name="Text Box 47"/>
+          <p:cNvSpPr txBox="true"/>
+          <p:nvPr/>
+        </p:nvSpPr>
+        <p:spPr>
+          <a:xfrm>
+            <a:off x="6390005" y="2673350"/>
+            <a:ext cx="341630" cy="213995"/>
+          </a:xfrm>
+          <a:prstGeom prst="rect">
+            <a:avLst/>
+          </a:prstGeom>
+          <a:noFill/>
+        </p:spPr>
+        <p:txBody>
+          <a:bodyPr wrap="none" rtlCol="0" anchor="t">
+            <a:spAutoFit/>
+          </a:bodyPr>
+          <a:p>
+            <a:r>
+              <a:rPr lang="" altLang="en-US" sz="800" i="1">
+                <a:solidFill>
+                  <a:schemeClr val="accent2"/>
+                </a:solidFill>
+                <a:sym typeface="+mn-ea"/>
+              </a:rPr>
+              <a:t>lbl1</a:t>
+            </a:r>
+            <a:endParaRPr lang="" altLang="en-US" sz="800" i="1">
+              <a:solidFill>
+                <a:schemeClr val="accent2"/>
+              </a:solidFill>
+              <a:sym typeface="+mn-ea"/>
+            </a:endParaRPr>
+          </a:p>
+        </p:txBody>
+      </p:sp>
+      <p:sp>
+        <p:nvSpPr>
+          <p:cNvPr id="49" name="Text Box 48"/>
+          <p:cNvSpPr txBox="true"/>
+          <p:nvPr/>
+        </p:nvSpPr>
+        <p:spPr>
+          <a:xfrm>
+            <a:off x="7847330" y="2115185"/>
+            <a:ext cx="341630" cy="213995"/>
+          </a:xfrm>
+          <a:prstGeom prst="rect">
+            <a:avLst/>
+          </a:prstGeom>
+          <a:noFill/>
+        </p:spPr>
+        <p:txBody>
+          <a:bodyPr wrap="none" rtlCol="0" anchor="t">
+            <a:spAutoFit/>
+          </a:bodyPr>
+          <a:p>
+            <a:r>
+              <a:rPr lang="en-US" altLang="en-US" sz="800" i="1">
+                <a:solidFill>
+                  <a:schemeClr val="accent2"/>
+                </a:solidFill>
+                <a:sym typeface="+mn-ea"/>
+              </a:rPr>
+              <a:t>lbl</a:t>
+            </a:r>
+            <a:r>
+              <a:rPr lang="" altLang="en-US" sz="800" i="1">
+                <a:solidFill>
+                  <a:schemeClr val="accent2"/>
+                </a:solidFill>
+                <a:sym typeface="+mn-ea"/>
+              </a:rPr>
+              <a:t>2</a:t>
+            </a:r>
+            <a:endParaRPr lang="" altLang="en-US" sz="800" i="1">
+              <a:solidFill>
+                <a:schemeClr val="accent2"/>
+              </a:solidFill>
+              <a:sym typeface="+mn-ea"/>
+            </a:endParaRPr>
+          </a:p>
+        </p:txBody>
+      </p:sp>
+      <p:sp>
+        <p:nvSpPr>
+          <p:cNvPr id="50" name="Text Box 49"/>
+          <p:cNvSpPr txBox="true"/>
+          <p:nvPr/>
+        </p:nvSpPr>
+        <p:spPr>
+          <a:xfrm>
+            <a:off x="7856220" y="3239135"/>
+            <a:ext cx="341630" cy="213995"/>
+          </a:xfrm>
+          <a:prstGeom prst="rect">
+            <a:avLst/>
+          </a:prstGeom>
+          <a:noFill/>
+        </p:spPr>
+        <p:txBody>
+          <a:bodyPr wrap="none" rtlCol="0" anchor="t">
+            <a:spAutoFit/>
+          </a:bodyPr>
+          <a:p>
+            <a:r>
+              <a:rPr lang="en-US" altLang="en-US" sz="800" i="1">
+                <a:solidFill>
+                  <a:schemeClr val="accent2"/>
+                </a:solidFill>
+                <a:sym typeface="+mn-ea"/>
+              </a:rPr>
+              <a:t>lbl</a:t>
+            </a:r>
+            <a:r>
+              <a:rPr lang="" altLang="en-US" sz="800" i="1">
+                <a:solidFill>
+                  <a:schemeClr val="accent2"/>
+                </a:solidFill>
+                <a:sym typeface="+mn-ea"/>
+              </a:rPr>
+              <a:t>3</a:t>
+            </a:r>
+            <a:endParaRPr lang="" altLang="en-US" sz="800" i="1">
+              <a:solidFill>
+                <a:schemeClr val="accent2"/>
+              </a:solidFill>
+              <a:sym typeface="+mn-ea"/>
+            </a:endParaRPr>
           </a:p>
         </p:txBody>
       </p:sp>
@@ -9420,7 +11312,7 @@
           <p:nvPr/>
         </p:nvCxnSpPr>
         <p:spPr>
-          <a:xfrm flipV="1">
+          <a:xfrm flipV="true">
             <a:off x="2091055" y="1924050"/>
             <a:ext cx="170815" cy="225425"/>
           </a:xfrm>
@@ -9740,7 +11632,7 @@
       <p:sp>
         <p:nvSpPr>
           <p:cNvPr id="26" name="Text Box 25"/>
-          <p:cNvSpPr txBox="1"/>
+          <p:cNvSpPr txBox="true"/>
           <p:nvPr/>
         </p:nvSpPr>
         <p:spPr>
@@ -9769,7 +11661,7 @@
       <p:sp>
         <p:nvSpPr>
           <p:cNvPr id="27" name="Text Box 26"/>
-          <p:cNvSpPr txBox="1"/>
+          <p:cNvSpPr txBox="true"/>
           <p:nvPr/>
         </p:nvSpPr>
         <p:spPr>
@@ -9798,7 +11690,7 @@
       <p:sp>
         <p:nvSpPr>
           <p:cNvPr id="28" name="Text Box 27"/>
-          <p:cNvSpPr txBox="1"/>
+          <p:cNvSpPr txBox="true"/>
           <p:nvPr/>
         </p:nvSpPr>
         <p:spPr>
@@ -9918,7 +11810,7 @@
           <p:nvPr/>
         </p:nvCxnSpPr>
         <p:spPr>
-          <a:xfrm flipV="1">
+          <a:xfrm flipV="true">
             <a:off x="1970405" y="4679950"/>
             <a:ext cx="170815" cy="225425"/>
           </a:xfrm>
@@ -10208,7 +12100,7 @@
       <p:sp>
         <p:nvSpPr>
           <p:cNvPr id="43" name="Text Box 42"/>
-          <p:cNvSpPr txBox="1"/>
+          <p:cNvSpPr txBox="true"/>
           <p:nvPr/>
         </p:nvSpPr>
         <p:spPr>
@@ -10237,7 +12129,7 @@
       <p:sp>
         <p:nvSpPr>
           <p:cNvPr id="44" name="Text Box 43"/>
-          <p:cNvSpPr txBox="1"/>
+          <p:cNvSpPr txBox="true"/>
           <p:nvPr/>
         </p:nvSpPr>
         <p:spPr>
@@ -10266,7 +12158,7 @@
       <p:sp>
         <p:nvSpPr>
           <p:cNvPr id="45" name="Text Box 44"/>
-          <p:cNvSpPr txBox="1"/>
+          <p:cNvSpPr txBox="true"/>
           <p:nvPr/>
         </p:nvSpPr>
         <p:spPr>
@@ -10587,7 +12479,7 @@
       <p:sp>
         <p:nvSpPr>
           <p:cNvPr id="3" name="Text Box 2"/>
-          <p:cNvSpPr txBox="1"/>
+          <p:cNvSpPr txBox="true"/>
           <p:nvPr/>
         </p:nvSpPr>
         <p:spPr>
@@ -10624,7 +12516,7 @@
       <p:sp>
         <p:nvSpPr>
           <p:cNvPr id="4" name="Text Box 3"/>
-          <p:cNvSpPr txBox="1"/>
+          <p:cNvSpPr txBox="true"/>
           <p:nvPr/>
         </p:nvSpPr>
         <p:spPr>
@@ -10661,7 +12553,7 @@
       <p:sp>
         <p:nvSpPr>
           <p:cNvPr id="5" name="Text Box 4"/>
-          <p:cNvSpPr txBox="1"/>
+          <p:cNvSpPr txBox="true"/>
           <p:nvPr/>
         </p:nvSpPr>
         <p:spPr>
@@ -10698,7 +12590,7 @@
       <p:sp>
         <p:nvSpPr>
           <p:cNvPr id="7" name="Text Box 6"/>
-          <p:cNvSpPr txBox="1"/>
+          <p:cNvSpPr txBox="true"/>
           <p:nvPr/>
         </p:nvSpPr>
         <p:spPr>
@@ -10735,7 +12627,7 @@
       <p:sp>
         <p:nvSpPr>
           <p:cNvPr id="8" name="Text Box 7"/>
-          <p:cNvSpPr txBox="1"/>
+          <p:cNvSpPr txBox="true"/>
           <p:nvPr/>
         </p:nvSpPr>
         <p:spPr>
@@ -10772,7 +12664,7 @@
       <p:sp>
         <p:nvSpPr>
           <p:cNvPr id="10" name="Text Box 9"/>
-          <p:cNvSpPr txBox="1"/>
+          <p:cNvSpPr txBox="true"/>
           <p:nvPr/>
         </p:nvSpPr>
         <p:spPr>
@@ -10809,7 +12701,7 @@
       <p:sp>
         <p:nvSpPr>
           <p:cNvPr id="11" name="Text Box 10"/>
-          <p:cNvSpPr txBox="1"/>
+          <p:cNvSpPr txBox="true"/>
           <p:nvPr/>
         </p:nvSpPr>
         <p:spPr>
@@ -10846,7 +12738,7 @@
       <p:sp>
         <p:nvSpPr>
           <p:cNvPr id="12" name="Text Box 11"/>
-          <p:cNvSpPr txBox="1"/>
+          <p:cNvSpPr txBox="true"/>
           <p:nvPr/>
         </p:nvSpPr>
         <p:spPr>
@@ -10883,7 +12775,7 @@
       <p:sp>
         <p:nvSpPr>
           <p:cNvPr id="13" name="Text Box 12"/>
-          <p:cNvSpPr txBox="1"/>
+          <p:cNvSpPr txBox="true"/>
           <p:nvPr/>
         </p:nvSpPr>
         <p:spPr>
@@ -11081,7 +12973,7 @@
       <p:sp>
         <p:nvSpPr>
           <p:cNvPr id="44" name="Text Box 43"/>
-          <p:cNvSpPr txBox="1"/>
+          <p:cNvSpPr txBox="true"/>
           <p:nvPr/>
         </p:nvSpPr>
         <p:spPr>
@@ -11110,7 +13002,7 @@
       <p:sp>
         <p:nvSpPr>
           <p:cNvPr id="18" name="Text Box 17"/>
-          <p:cNvSpPr txBox="1"/>
+          <p:cNvSpPr txBox="true"/>
           <p:nvPr/>
         </p:nvSpPr>
         <p:spPr>
@@ -11147,7 +13039,7 @@
       <p:sp>
         <p:nvSpPr>
           <p:cNvPr id="19" name="Text Box 18"/>
-          <p:cNvSpPr txBox="1"/>
+          <p:cNvSpPr txBox="true"/>
           <p:nvPr/>
         </p:nvSpPr>
         <p:spPr>
@@ -11233,7 +13125,7 @@
           <p:nvPr/>
         </p:nvCxnSpPr>
         <p:spPr>
-          <a:xfrm flipV="1">
+          <a:xfrm flipV="true">
             <a:off x="2821305" y="2410460"/>
             <a:ext cx="170815" cy="225425"/>
           </a:xfrm>
@@ -11303,7 +13195,7 @@
       <p:sp>
         <p:nvSpPr>
           <p:cNvPr id="46" name="Text Box 45"/>
-          <p:cNvSpPr txBox="1"/>
+          <p:cNvSpPr txBox="true"/>
           <p:nvPr/>
         </p:nvSpPr>
         <p:spPr>
@@ -11332,7 +13224,7 @@
       <p:sp>
         <p:nvSpPr>
           <p:cNvPr id="47" name="Text Box 46"/>
-          <p:cNvSpPr txBox="1"/>
+          <p:cNvSpPr txBox="true"/>
           <p:nvPr/>
         </p:nvSpPr>
         <p:spPr>
@@ -11369,7 +13261,7 @@
       <p:sp>
         <p:nvSpPr>
           <p:cNvPr id="49" name="Text Box 48"/>
-          <p:cNvSpPr txBox="1"/>
+          <p:cNvSpPr txBox="true"/>
           <p:nvPr/>
         </p:nvSpPr>
         <p:spPr>
@@ -11406,7 +13298,7 @@
       <p:sp>
         <p:nvSpPr>
           <p:cNvPr id="50" name="Text Box 49"/>
-          <p:cNvSpPr txBox="1"/>
+          <p:cNvSpPr txBox="true"/>
           <p:nvPr/>
         </p:nvSpPr>
         <p:spPr>
@@ -11480,7 +13372,7 @@
       <p:sp>
         <p:nvSpPr>
           <p:cNvPr id="52" name="Text Box 51"/>
-          <p:cNvSpPr txBox="1"/>
+          <p:cNvSpPr txBox="true"/>
           <p:nvPr/>
         </p:nvSpPr>
         <p:spPr>
@@ -11509,7 +13401,7 @@
       <p:sp>
         <p:nvSpPr>
           <p:cNvPr id="53" name="Text Box 52"/>
-          <p:cNvSpPr txBox="1"/>
+          <p:cNvSpPr txBox="true"/>
           <p:nvPr/>
         </p:nvSpPr>
         <p:spPr>
@@ -11649,7 +13541,7 @@
       <p:sp>
         <p:nvSpPr>
           <p:cNvPr id="4" name="Text Box 3"/>
-          <p:cNvSpPr txBox="1"/>
+          <p:cNvSpPr txBox="true"/>
           <p:nvPr/>
         </p:nvSpPr>
         <p:spPr>
@@ -11690,7 +13582,7 @@
       <p:sp>
         <p:nvSpPr>
           <p:cNvPr id="5" name="Text Box 4"/>
-          <p:cNvSpPr txBox="1"/>
+          <p:cNvSpPr txBox="true"/>
           <p:nvPr/>
         </p:nvSpPr>
         <p:spPr>
@@ -11719,7 +13611,7 @@
       <p:sp>
         <p:nvSpPr>
           <p:cNvPr id="13" name="Text Box 12"/>
-          <p:cNvSpPr txBox="1"/>
+          <p:cNvSpPr txBox="true"/>
           <p:nvPr/>
         </p:nvSpPr>
         <p:spPr>
@@ -11762,7 +13654,7 @@
       <p:sp>
         <p:nvSpPr>
           <p:cNvPr id="21" name="Text Box 20"/>
-          <p:cNvSpPr txBox="1"/>
+          <p:cNvSpPr txBox="true"/>
           <p:nvPr/>
         </p:nvSpPr>
         <p:spPr>
@@ -11809,7 +13701,7 @@
           <p:nvPr/>
         </p:nvCxnSpPr>
         <p:spPr>
-          <a:xfrm flipV="1">
+          <a:xfrm flipV="true">
             <a:off x="3300730" y="3284855"/>
             <a:ext cx="211455" cy="454660"/>
           </a:xfrm>
@@ -11845,7 +13737,7 @@
           <p:nvPr/>
         </p:nvCxnSpPr>
         <p:spPr>
-          <a:xfrm flipH="1" flipV="1">
+          <a:xfrm flipH="true" flipV="true">
             <a:off x="4282440" y="3384550"/>
             <a:ext cx="202565" cy="324485"/>
           </a:xfrm>
@@ -11933,7 +13825,7 @@
       <p:sp>
         <p:nvSpPr>
           <p:cNvPr id="25" name="Text Box 24"/>
-          <p:cNvSpPr txBox="1"/>
+          <p:cNvSpPr txBox="true"/>
           <p:nvPr/>
         </p:nvSpPr>
         <p:spPr>
@@ -12048,7 +13940,7 @@
       <p:sp>
         <p:nvSpPr>
           <p:cNvPr id="4" name="Text Box 3"/>
-          <p:cNvSpPr txBox="1"/>
+          <p:cNvSpPr txBox="true"/>
           <p:nvPr/>
         </p:nvSpPr>
         <p:spPr>
@@ -12089,7 +13981,7 @@
       <p:sp>
         <p:nvSpPr>
           <p:cNvPr id="13" name="Text Box 12"/>
-          <p:cNvSpPr txBox="1"/>
+          <p:cNvSpPr txBox="true"/>
           <p:nvPr/>
         </p:nvSpPr>
         <p:spPr>
@@ -12297,7 +14189,7 @@
       <p:sp>
         <p:nvSpPr>
           <p:cNvPr id="8" name="Text Box 7"/>
-          <p:cNvSpPr txBox="1"/>
+          <p:cNvSpPr txBox="true"/>
           <p:nvPr/>
         </p:nvSpPr>
         <p:spPr>
@@ -12338,7 +14230,7 @@
       <p:sp>
         <p:nvSpPr>
           <p:cNvPr id="10" name="Text Box 9"/>
-          <p:cNvSpPr txBox="1"/>
+          <p:cNvSpPr txBox="true"/>
           <p:nvPr/>
         </p:nvSpPr>
         <p:spPr>
@@ -12474,7 +14366,7 @@
       <p:sp>
         <p:nvSpPr>
           <p:cNvPr id="18" name="Text Box 17"/>
-          <p:cNvSpPr txBox="1"/>
+          <p:cNvSpPr txBox="true"/>
           <p:nvPr/>
         </p:nvSpPr>
         <p:spPr>
@@ -12562,7 +14454,7 @@
           <p:nvPr/>
         </p:nvCxnSpPr>
         <p:spPr>
-          <a:xfrm flipH="1">
+          <a:xfrm flipH="true">
             <a:off x="5046980" y="3255010"/>
             <a:ext cx="969010" cy="822960"/>
           </a:xfrm>
@@ -12653,7 +14545,7 @@
         </p:nvSpPr>
         <p:spPr>
           <a:xfrm>
-            <a:off x="3354705" y="2651760"/>
+            <a:off x="3357880" y="2654300"/>
             <a:ext cx="1335405" cy="803275"/>
           </a:xfrm>
           <a:prstGeom prst="snip2DiagRect">
@@ -12702,7 +14594,7 @@
       <p:sp>
         <p:nvSpPr>
           <p:cNvPr id="4" name="Text Box 3"/>
-          <p:cNvSpPr txBox="1"/>
+          <p:cNvSpPr txBox="true"/>
           <p:nvPr/>
         </p:nvSpPr>
         <p:spPr>
@@ -12743,7 +14635,7 @@
       <p:sp>
         <p:nvSpPr>
           <p:cNvPr id="13" name="Text Box 12"/>
-          <p:cNvSpPr txBox="1"/>
+          <p:cNvSpPr txBox="true"/>
           <p:nvPr/>
         </p:nvSpPr>
         <p:spPr>
@@ -12951,7 +14843,7 @@
       <p:sp>
         <p:nvSpPr>
           <p:cNvPr id="8" name="Text Box 7"/>
-          <p:cNvSpPr txBox="1"/>
+          <p:cNvSpPr txBox="true"/>
           <p:nvPr/>
         </p:nvSpPr>
         <p:spPr>
@@ -12992,7 +14884,7 @@
       <p:sp>
         <p:nvSpPr>
           <p:cNvPr id="10" name="Text Box 9"/>
-          <p:cNvSpPr txBox="1"/>
+          <p:cNvSpPr txBox="true"/>
           <p:nvPr/>
         </p:nvSpPr>
         <p:spPr>
@@ -13128,7 +15020,7 @@
       <p:sp>
         <p:nvSpPr>
           <p:cNvPr id="18" name="Text Box 17"/>
-          <p:cNvSpPr txBox="1"/>
+          <p:cNvSpPr txBox="true"/>
           <p:nvPr/>
         </p:nvSpPr>
         <p:spPr>
@@ -13216,7 +15108,7 @@
           <p:nvPr/>
         </p:nvCxnSpPr>
         <p:spPr>
-          <a:xfrm flipH="1">
+          <a:xfrm flipH="true">
             <a:off x="5046980" y="3255010"/>
             <a:ext cx="969010" cy="822960"/>
           </a:xfrm>
@@ -13338,7 +15230,7 @@
       <p:sp>
         <p:nvSpPr>
           <p:cNvPr id="9" name="Text Box 8"/>
-          <p:cNvSpPr txBox="1"/>
+          <p:cNvSpPr txBox="true"/>
           <p:nvPr/>
         </p:nvSpPr>
         <p:spPr>
@@ -13379,7 +15271,7 @@
       <p:sp>
         <p:nvSpPr>
           <p:cNvPr id="12" name="Text Box 11"/>
-          <p:cNvSpPr txBox="1"/>
+          <p:cNvSpPr txBox="true"/>
           <p:nvPr/>
         </p:nvSpPr>
         <p:spPr>
@@ -13520,7 +15412,7 @@
       <p:sp>
         <p:nvSpPr>
           <p:cNvPr id="16" name="Text Box 15"/>
-          <p:cNvSpPr txBox="1"/>
+          <p:cNvSpPr txBox="true"/>
           <p:nvPr/>
         </p:nvSpPr>
         <p:spPr>
@@ -13588,7 +15480,7 @@
       <p:sp>
         <p:nvSpPr>
           <p:cNvPr id="22" name="Text Box 21"/>
-          <p:cNvSpPr txBox="1"/>
+          <p:cNvSpPr txBox="true"/>
           <p:nvPr/>
         </p:nvSpPr>
         <p:spPr>
@@ -13770,7 +15662,7 @@
       <p:sp>
         <p:nvSpPr>
           <p:cNvPr id="18" name="Text Box 17"/>
-          <p:cNvSpPr txBox="1"/>
+          <p:cNvSpPr txBox="true"/>
           <p:nvPr/>
         </p:nvSpPr>
         <p:spPr>
@@ -13807,7 +15699,7 @@
       <p:sp>
         <p:nvSpPr>
           <p:cNvPr id="19" name="Text Box 18"/>
-          <p:cNvSpPr txBox="1"/>
+          <p:cNvSpPr txBox="true"/>
           <p:nvPr/>
         </p:nvSpPr>
         <p:spPr>
@@ -13844,7 +15736,7 @@
       <p:sp>
         <p:nvSpPr>
           <p:cNvPr id="6" name="Text Box 5"/>
-          <p:cNvSpPr txBox="1"/>
+          <p:cNvSpPr txBox="true"/>
           <p:nvPr/>
         </p:nvSpPr>
         <p:spPr>
@@ -13891,7 +15783,7 @@
           <p:nvPr/>
         </p:nvCxnSpPr>
         <p:spPr>
-          <a:xfrm flipH="1">
+          <a:xfrm flipH="true">
             <a:off x="4762500" y="2430145"/>
             <a:ext cx="125095" cy="161290"/>
           </a:xfrm>
@@ -13927,7 +15819,7 @@
           <p:nvPr/>
         </p:nvCxnSpPr>
         <p:spPr>
-          <a:xfrm flipH="1">
+          <a:xfrm flipH="true">
             <a:off x="4000500" y="2409190"/>
             <a:ext cx="795020" cy="182245"/>
           </a:xfrm>
@@ -13959,7 +15851,7 @@
       <p:sp>
         <p:nvSpPr>
           <p:cNvPr id="10" name="Text Box 9"/>
-          <p:cNvSpPr txBox="1"/>
+          <p:cNvSpPr txBox="true"/>
           <p:nvPr/>
         </p:nvSpPr>
         <p:spPr>
@@ -14006,7 +15898,7 @@
           <p:nvPr/>
         </p:nvCxnSpPr>
         <p:spPr>
-          <a:xfrm flipV="1">
+          <a:xfrm flipV="true">
             <a:off x="3798570" y="2802890"/>
             <a:ext cx="241300" cy="288925"/>
           </a:xfrm>
@@ -14042,7 +15934,7 @@
           <p:nvPr/>
         </p:nvCxnSpPr>
         <p:spPr>
-          <a:xfrm flipV="1">
+          <a:xfrm flipV="true">
             <a:off x="3922395" y="2802890"/>
             <a:ext cx="711200" cy="336550"/>
           </a:xfrm>
@@ -14128,7 +16020,7 @@
       <p:sp>
         <p:nvSpPr>
           <p:cNvPr id="15" name="Text Box 14"/>
-          <p:cNvSpPr txBox="1"/>
+          <p:cNvSpPr txBox="true"/>
           <p:nvPr/>
         </p:nvSpPr>
         <p:spPr>
@@ -14178,7 +16070,7 @@
       <p:sp>
         <p:nvSpPr>
           <p:cNvPr id="17" name="Text Box 16"/>
-          <p:cNvSpPr txBox="1"/>
+          <p:cNvSpPr txBox="true"/>
           <p:nvPr/>
         </p:nvSpPr>
         <p:spPr>
@@ -14221,7 +16113,7 @@
       <p:sp>
         <p:nvSpPr>
           <p:cNvPr id="20" name="Text Box 19"/>
-          <p:cNvSpPr txBox="1"/>
+          <p:cNvSpPr txBox="true"/>
           <p:nvPr/>
         </p:nvSpPr>
         <p:spPr>
@@ -14427,7 +16319,7 @@
       <p:sp>
         <p:nvSpPr>
           <p:cNvPr id="27" name="Text Box 26"/>
-          <p:cNvSpPr txBox="1"/>
+          <p:cNvSpPr txBox="true"/>
           <p:nvPr/>
         </p:nvSpPr>
         <p:spPr>
@@ -14456,7 +16348,7 @@
       <p:sp>
         <p:nvSpPr>
           <p:cNvPr id="10" name="Text Box 9"/>
-          <p:cNvSpPr txBox="1"/>
+          <p:cNvSpPr txBox="true"/>
           <p:nvPr/>
         </p:nvSpPr>
         <p:spPr>
@@ -14493,7 +16385,7 @@
       <p:sp>
         <p:nvSpPr>
           <p:cNvPr id="11" name="Text Box 10"/>
-          <p:cNvSpPr txBox="1"/>
+          <p:cNvSpPr txBox="true"/>
           <p:nvPr/>
         </p:nvSpPr>
         <p:spPr>
@@ -14611,7 +16503,7 @@
       <p:sp>
         <p:nvSpPr>
           <p:cNvPr id="28" name="Text Box 27"/>
-          <p:cNvSpPr txBox="1"/>
+          <p:cNvSpPr txBox="true"/>
           <p:nvPr/>
         </p:nvSpPr>
         <p:spPr>
@@ -14640,7 +16532,7 @@
       <p:sp>
         <p:nvSpPr>
           <p:cNvPr id="3" name="Text Box 2"/>
-          <p:cNvSpPr txBox="1"/>
+          <p:cNvSpPr txBox="true"/>
           <p:nvPr/>
         </p:nvSpPr>
         <p:spPr>
@@ -14934,7 +16826,7 @@
       <p:sp>
         <p:nvSpPr>
           <p:cNvPr id="17" name="Text Box 16"/>
-          <p:cNvSpPr txBox="1"/>
+          <p:cNvSpPr txBox="true"/>
           <p:nvPr/>
         </p:nvSpPr>
         <p:spPr>
@@ -15044,7 +16936,7 @@
       <p:sp>
         <p:nvSpPr>
           <p:cNvPr id="24" name="Text Box 23"/>
-          <p:cNvSpPr txBox="1"/>
+          <p:cNvSpPr txBox="true"/>
           <p:nvPr/>
         </p:nvSpPr>
         <p:spPr>
@@ -15115,7 +17007,7 @@
       <p:sp>
         <p:nvSpPr>
           <p:cNvPr id="33" name="Text Box 32"/>
-          <p:cNvSpPr txBox="1"/>
+          <p:cNvSpPr txBox="true"/>
           <p:nvPr/>
         </p:nvSpPr>
         <p:spPr>
@@ -15152,7 +17044,7 @@
       <p:sp>
         <p:nvSpPr>
           <p:cNvPr id="34" name="Text Box 33"/>
-          <p:cNvSpPr txBox="1"/>
+          <p:cNvSpPr txBox="true"/>
           <p:nvPr/>
         </p:nvSpPr>
         <p:spPr>
@@ -15189,7 +17081,7 @@
       <p:sp>
         <p:nvSpPr>
           <p:cNvPr id="35" name="Text Box 34"/>
-          <p:cNvSpPr txBox="1"/>
+          <p:cNvSpPr txBox="true"/>
           <p:nvPr/>
         </p:nvSpPr>
         <p:spPr>
@@ -15226,7 +17118,7 @@
       <p:sp>
         <p:nvSpPr>
           <p:cNvPr id="36" name="Text Box 35"/>
-          <p:cNvSpPr txBox="1"/>
+          <p:cNvSpPr txBox="true"/>
           <p:nvPr/>
         </p:nvSpPr>
         <p:spPr>
@@ -15255,7 +17147,7 @@
       <p:sp>
         <p:nvSpPr>
           <p:cNvPr id="37" name="Text Box 36"/>
-          <p:cNvSpPr txBox="1"/>
+          <p:cNvSpPr txBox="true"/>
           <p:nvPr/>
         </p:nvSpPr>
         <p:spPr>
@@ -15381,7 +17273,7 @@
           <p:nvPr/>
         </p:nvCxnSpPr>
         <p:spPr>
-          <a:xfrm flipH="1">
+          <a:xfrm flipH="true">
             <a:off x="2680970" y="2468880"/>
             <a:ext cx="1270" cy="190500"/>
           </a:xfrm>
@@ -15414,7 +17306,7 @@
       <p:sp>
         <p:nvSpPr>
           <p:cNvPr id="46" name="Text Box 45"/>
-          <p:cNvSpPr txBox="1"/>
+          <p:cNvSpPr txBox="true"/>
           <p:nvPr/>
         </p:nvSpPr>
         <p:spPr>
@@ -15456,7 +17348,7 @@
       <p:sp>
         <p:nvSpPr>
           <p:cNvPr id="6" name="Text Box 5"/>
-          <p:cNvSpPr txBox="1"/>
+          <p:cNvSpPr txBox="true"/>
           <p:nvPr/>
         </p:nvSpPr>
         <p:spPr>
@@ -15541,7 +17433,7 @@
           <p:nvPr/>
         </p:nvCxnSpPr>
         <p:spPr>
-          <a:xfrm flipH="1" flipV="1">
+          <a:xfrm flipH="true" flipV="true">
             <a:off x="2471420" y="2762250"/>
             <a:ext cx="104775" cy="1270"/>
           </a:xfrm>
@@ -15620,7 +17512,7 @@
           <p:nvPr/>
         </p:nvCxnSpPr>
         <p:spPr>
-          <a:xfrm flipH="1" flipV="1">
+          <a:xfrm flipH="true" flipV="true">
             <a:off x="2787015" y="2760980"/>
             <a:ext cx="104775" cy="1270"/>
           </a:xfrm>
@@ -15657,7 +17549,7 @@
           <p:nvPr/>
         </p:nvCxnSpPr>
         <p:spPr>
-          <a:xfrm flipH="1" flipV="1">
+          <a:xfrm flipH="true" flipV="true">
             <a:off x="2981325" y="2759710"/>
             <a:ext cx="104775" cy="1270"/>
           </a:xfrm>
@@ -15736,7 +17628,7 @@
           <p:nvPr/>
         </p:nvCxnSpPr>
         <p:spPr>
-          <a:xfrm flipH="1" flipV="1">
+          <a:xfrm flipH="true" flipV="true">
             <a:off x="3223895" y="2762250"/>
             <a:ext cx="104775" cy="1270"/>
           </a:xfrm>
@@ -15818,7 +17710,7 @@
           <p:nvPr/>
         </p:nvCxnSpPr>
         <p:spPr>
-          <a:xfrm flipH="1">
+          <a:xfrm flipH="true">
             <a:off x="3631565" y="2468880"/>
             <a:ext cx="1270" cy="190500"/>
           </a:xfrm>
@@ -15855,7 +17747,7 @@
           <p:nvPr/>
         </p:nvCxnSpPr>
         <p:spPr>
-          <a:xfrm flipH="1" flipV="1">
+          <a:xfrm flipH="true" flipV="true">
             <a:off x="3422015" y="2762250"/>
             <a:ext cx="104775" cy="1270"/>
           </a:xfrm>
@@ -15888,7 +17780,7 @@
       <p:sp>
         <p:nvSpPr>
           <p:cNvPr id="72" name="Text Box 71"/>
-          <p:cNvSpPr txBox="1"/>
+          <p:cNvSpPr txBox="true"/>
           <p:nvPr/>
         </p:nvSpPr>
         <p:spPr>
@@ -15930,7 +17822,7 @@
       <p:sp>
         <p:nvSpPr>
           <p:cNvPr id="78" name="Text Box 77"/>
-          <p:cNvSpPr txBox="1"/>
+          <p:cNvSpPr txBox="true"/>
           <p:nvPr/>
         </p:nvSpPr>
         <p:spPr>
@@ -16057,7 +17949,7 @@
           <p:nvPr/>
         </p:nvCxnSpPr>
         <p:spPr>
-          <a:xfrm flipH="1" flipV="1">
+          <a:xfrm flipH="true" flipV="true">
             <a:off x="3738245" y="2762885"/>
             <a:ext cx="104775" cy="1270"/>
           </a:xfrm>
@@ -16094,7 +17986,7 @@
           <p:nvPr/>
         </p:nvCxnSpPr>
         <p:spPr>
-          <a:xfrm flipH="1" flipV="1">
+          <a:xfrm flipH="true" flipV="true">
             <a:off x="3932555" y="2761615"/>
             <a:ext cx="104775" cy="1270"/>
           </a:xfrm>
@@ -16131,7 +18023,7 @@
           <p:nvPr/>
         </p:nvCxnSpPr>
         <p:spPr>
-          <a:xfrm flipH="1" flipV="1">
+          <a:xfrm flipH="true" flipV="true">
             <a:off x="4175125" y="2764155"/>
             <a:ext cx="104775" cy="1270"/>
           </a:xfrm>
@@ -16221,7 +18113,7 @@
           <p:nvPr/>
         </p:nvCxnSpPr>
         <p:spPr>
-          <a:xfrm flipH="1">
+          <a:xfrm flipH="true">
             <a:off x="4582795" y="2468880"/>
             <a:ext cx="1270" cy="190500"/>
           </a:xfrm>
@@ -16263,7 +18155,7 @@
       <p:sp>
         <p:nvSpPr>
           <p:cNvPr id="88" name="Text Box 87"/>
-          <p:cNvSpPr txBox="1"/>
+          <p:cNvSpPr txBox="true"/>
           <p:nvPr/>
         </p:nvSpPr>
         <p:spPr>
@@ -16320,7 +18212,7 @@
       <p:sp>
         <p:nvSpPr>
           <p:cNvPr id="89" name="Text Box 88"/>
-          <p:cNvSpPr txBox="1"/>
+          <p:cNvSpPr txBox="true"/>
           <p:nvPr/>
         </p:nvSpPr>
         <p:spPr>
@@ -16434,7 +18326,7 @@
           <p:nvPr/>
         </p:nvCxnSpPr>
         <p:spPr>
-          <a:xfrm flipH="1" flipV="1">
+          <a:xfrm flipH="true" flipV="true">
             <a:off x="4373245" y="2762250"/>
             <a:ext cx="104775" cy="1270"/>
           </a:xfrm>
@@ -16516,7 +18408,7 @@
           <p:nvPr/>
         </p:nvCxnSpPr>
         <p:spPr>
-          <a:xfrm flipH="1" flipV="1">
+          <a:xfrm flipH="true" flipV="true">
             <a:off x="4688840" y="2760980"/>
             <a:ext cx="104775" cy="1270"/>
           </a:xfrm>
@@ -16556,7 +18448,7 @@
           <p:nvPr/>
         </p:nvCxnSpPr>
         <p:spPr>
-          <a:xfrm flipH="1" flipV="1">
+          <a:xfrm flipH="true" flipV="true">
             <a:off x="4883150" y="2759710"/>
             <a:ext cx="104775" cy="1270"/>
           </a:xfrm>
@@ -16596,7 +18488,7 @@
           <p:nvPr/>
         </p:nvCxnSpPr>
         <p:spPr>
-          <a:xfrm flipV="1">
+          <a:xfrm flipV="true">
             <a:off x="5298440" y="2764155"/>
             <a:ext cx="161925" cy="1270"/>
           </a:xfrm>
@@ -16636,7 +18528,7 @@
           <p:nvPr/>
         </p:nvCxnSpPr>
         <p:spPr>
-          <a:xfrm flipH="1" flipV="1">
+          <a:xfrm flipH="true" flipV="true">
             <a:off x="5125720" y="2762250"/>
             <a:ext cx="104775" cy="1270"/>
           </a:xfrm>
@@ -16771,7 +18663,7 @@
           <p:nvPr/>
         </p:nvCxnSpPr>
         <p:spPr>
-          <a:xfrm flipH="1">
+          <a:xfrm flipH="true">
             <a:off x="1725295" y="2468880"/>
             <a:ext cx="1270" cy="190500"/>
           </a:xfrm>
@@ -16813,7 +18705,7 @@
       <p:sp>
         <p:nvSpPr>
           <p:cNvPr id="129" name="Text Box 128"/>
-          <p:cNvSpPr txBox="1"/>
+          <p:cNvSpPr txBox="true"/>
           <p:nvPr/>
         </p:nvSpPr>
         <p:spPr>
@@ -16870,7 +18762,7 @@
       <p:sp>
         <p:nvSpPr>
           <p:cNvPr id="130" name="Text Box 129"/>
-          <p:cNvSpPr txBox="1"/>
+          <p:cNvSpPr txBox="true"/>
           <p:nvPr/>
         </p:nvSpPr>
         <p:spPr>
@@ -16984,7 +18876,7 @@
           <p:nvPr/>
         </p:nvCxnSpPr>
         <p:spPr>
-          <a:xfrm flipH="1" flipV="1">
+          <a:xfrm flipH="true" flipV="true">
             <a:off x="1515745" y="2762250"/>
             <a:ext cx="104775" cy="1270"/>
           </a:xfrm>
@@ -17066,7 +18958,7 @@
           <p:nvPr/>
         </p:nvCxnSpPr>
         <p:spPr>
-          <a:xfrm flipH="1" flipV="1">
+          <a:xfrm flipH="true" flipV="true">
             <a:off x="1831340" y="2760980"/>
             <a:ext cx="104775" cy="1270"/>
           </a:xfrm>
@@ -17106,7 +18998,7 @@
           <p:nvPr/>
         </p:nvCxnSpPr>
         <p:spPr>
-          <a:xfrm flipH="1" flipV="1">
+          <a:xfrm flipH="true" flipV="true">
             <a:off x="2025650" y="2759710"/>
             <a:ext cx="104775" cy="1270"/>
           </a:xfrm>
@@ -17146,7 +19038,7 @@
           <p:nvPr/>
         </p:nvCxnSpPr>
         <p:spPr>
-          <a:xfrm flipH="1" flipV="1">
+          <a:xfrm flipH="true" flipV="true">
             <a:off x="2268220" y="2762250"/>
             <a:ext cx="104775" cy="1270"/>
           </a:xfrm>
@@ -17228,7 +19120,7 @@
           <p:nvPr/>
         </p:nvCxnSpPr>
         <p:spPr>
-          <a:xfrm flipV="1">
+          <a:xfrm flipV="true">
             <a:off x="1285240" y="2761615"/>
             <a:ext cx="161925" cy="1270"/>
           </a:xfrm>
@@ -17442,7 +19334,7 @@
         <a:solidFill>
           <a:schemeClr val="phClr"/>
         </a:solidFill>
-        <a:gradFill rotWithShape="1">
+        <a:gradFill rotWithShape="true">
           <a:gsLst>
             <a:gs pos="0">
               <a:schemeClr val="phClr">
@@ -17466,9 +19358,9 @@
               </a:schemeClr>
             </a:gs>
           </a:gsLst>
-          <a:lin ang="5400000" scaled="0"/>
+          <a:lin ang="5400000" scaled="false"/>
         </a:gradFill>
-        <a:gradFill rotWithShape="1">
+        <a:gradFill rotWithShape="true">
           <a:gsLst>
             <a:gs pos="0">
               <a:schemeClr val="phClr">
@@ -17492,7 +19384,7 @@
               </a:schemeClr>
             </a:gs>
           </a:gsLst>
-          <a:lin ang="5400000" scaled="0"/>
+          <a:lin ang="5400000" scaled="false"/>
         </a:gradFill>
       </a:fillStyleLst>
       <a:lnStyleLst>
@@ -17545,7 +19437,7 @@
             <a:satMod val="170000"/>
           </a:schemeClr>
         </a:solidFill>
-        <a:gradFill rotWithShape="1">
+        <a:gradFill rotWithShape="true">
           <a:gsLst>
             <a:gs pos="0">
               <a:schemeClr val="phClr">
@@ -17570,7 +19462,7 @@
               </a:schemeClr>
             </a:gs>
           </a:gsLst>
-          <a:lin ang="5400000" scaled="0"/>
+          <a:lin ang="5400000" scaled="false"/>
         </a:gradFill>
       </a:bgFillStyleLst>
     </a:fmtScheme>
@@ -17701,7 +19593,7 @@
         <a:solidFill>
           <a:schemeClr val="phClr"/>
         </a:solidFill>
-        <a:gradFill rotWithShape="1">
+        <a:gradFill rotWithShape="true">
           <a:gsLst>
             <a:gs pos="0">
               <a:schemeClr val="phClr">
@@ -17725,9 +19617,9 @@
               </a:schemeClr>
             </a:gs>
           </a:gsLst>
-          <a:lin ang="5400000" scaled="0"/>
+          <a:lin ang="5400000" scaled="false"/>
         </a:gradFill>
-        <a:gradFill rotWithShape="1">
+        <a:gradFill rotWithShape="true">
           <a:gsLst>
             <a:gs pos="0">
               <a:schemeClr val="phClr">
@@ -17751,7 +19643,7 @@
               </a:schemeClr>
             </a:gs>
           </a:gsLst>
-          <a:lin ang="5400000" scaled="0"/>
+          <a:lin ang="5400000" scaled="false"/>
         </a:gradFill>
       </a:fillStyleLst>
       <a:lnStyleLst>
@@ -17804,7 +19696,7 @@
             <a:satMod val="170000"/>
           </a:schemeClr>
         </a:solidFill>
-        <a:gradFill rotWithShape="1">
+        <a:gradFill rotWithShape="true">
           <a:gsLst>
             <a:gs pos="0">
               <a:schemeClr val="phClr">
@@ -17829,7 +19721,7 @@
               </a:schemeClr>
             </a:gs>
           </a:gsLst>
-          <a:lin ang="5400000" scaled="0"/>
+          <a:lin ang="5400000" scaled="false"/>
         </a:gradFill>
       </a:bgFillStyleLst>
     </a:fmtScheme>
@@ -17960,7 +19852,7 @@
         <a:solidFill>
           <a:schemeClr val="phClr"/>
         </a:solidFill>
-        <a:gradFill rotWithShape="1">
+        <a:gradFill rotWithShape="true">
           <a:gsLst>
             <a:gs pos="0">
               <a:schemeClr val="phClr">
@@ -17984,9 +19876,9 @@
               </a:schemeClr>
             </a:gs>
           </a:gsLst>
-          <a:lin ang="5400000" scaled="0"/>
+          <a:lin ang="5400000" scaled="false"/>
         </a:gradFill>
-        <a:gradFill rotWithShape="1">
+        <a:gradFill rotWithShape="true">
           <a:gsLst>
             <a:gs pos="0">
               <a:schemeClr val="phClr">
@@ -18010,7 +19902,7 @@
               </a:schemeClr>
             </a:gs>
           </a:gsLst>
-          <a:lin ang="5400000" scaled="0"/>
+          <a:lin ang="5400000" scaled="false"/>
         </a:gradFill>
       </a:fillStyleLst>
       <a:lnStyleLst>
@@ -18063,7 +19955,7 @@
             <a:satMod val="170000"/>
           </a:schemeClr>
         </a:solidFill>
-        <a:gradFill rotWithShape="1">
+        <a:gradFill rotWithShape="true">
           <a:gsLst>
             <a:gs pos="0">
               <a:schemeClr val="phClr">
@@ -18088,7 +19980,7 @@
               </a:schemeClr>
             </a:gs>
           </a:gsLst>
-          <a:lin ang="5400000" scaled="0"/>
+          <a:lin ang="5400000" scaled="false"/>
         </a:gradFill>
       </a:bgFillStyleLst>
     </a:fmtScheme>

--- a/material/material.pptx
+++ b/material/material.pptx
@@ -8,7 +8,7 @@
     <p:notesMasterId r:id="rId13"/>
   </p:notesMasterIdLst>
   <p:handoutMasterIdLst>
-    <p:handoutMasterId r:id="rId18"/>
+    <p:handoutMasterId r:id="rId19"/>
   </p:handoutMasterIdLst>
   <p:sldIdLst>
     <p:sldId id="256" r:id="rId3"/>
@@ -25,6 +25,7 @@
     <p:sldId id="274" r:id="rId15"/>
     <p:sldId id="275" r:id="rId16"/>
     <p:sldId id="276" r:id="rId17"/>
+    <p:sldId id="278" r:id="rId18"/>
   </p:sldIdLst>
   <p:sldSz cx="12192000" cy="6858000"/>
   <p:notesSz cx="7103745" cy="10234295"/>
@@ -9575,13 +9576,9 @@
           <a:p>
             <a:r>
               <a:rPr lang="en-US" altLang="en-US" sz="1400"/>
-              <a:t>uT</a:t>
+              <a:t>uT2</a:t>
             </a:r>
-            <a:r>
-              <a:rPr lang="" altLang="en-US" sz="1400"/>
-              <a:t>2</a:t>
-            </a:r>
-            <a:endParaRPr lang="" altLang="en-US" sz="1400"/>
+            <a:endParaRPr lang="en-US" altLang="en-US" sz="1400"/>
           </a:p>
         </p:txBody>
       </p:sp>
@@ -9694,14 +9691,14 @@
           </a:bodyPr>
           <a:p>
             <a:r>
-              <a:rPr lang="" altLang="en-US" sz="800" i="1">
+              <a:rPr lang="en-US" altLang="en-US" sz="800" i="1">
                 <a:solidFill>
                   <a:srgbClr val="C00000"/>
                 </a:solidFill>
               </a:rPr>
               <a:t>100</a:t>
             </a:r>
-            <a:endParaRPr lang="" altLang="en-US" sz="800" i="1">
+            <a:endParaRPr lang="en-US" altLang="en-US" sz="800" i="1">
               <a:solidFill>
                 <a:srgbClr val="C00000"/>
               </a:solidFill>
@@ -9731,14 +9728,14 @@
           </a:bodyPr>
           <a:p>
             <a:r>
-              <a:rPr lang="" altLang="en-US" sz="800" i="1">
+              <a:rPr lang="en-US" altLang="en-US" sz="800" i="1">
                 <a:solidFill>
                   <a:srgbClr val="C00000"/>
                 </a:solidFill>
               </a:rPr>
               <a:t>101</a:t>
             </a:r>
-            <a:endParaRPr lang="" altLang="en-US" sz="800" i="1">
+            <a:endParaRPr lang="en-US" altLang="en-US" sz="800" i="1">
               <a:solidFill>
                 <a:srgbClr val="C00000"/>
               </a:solidFill>
@@ -9773,17 +9770,9 @@
                   <a:srgbClr val="C00000"/>
                 </a:solidFill>
               </a:rPr>
-              <a:t>10</a:t>
+              <a:t>102</a:t>
             </a:r>
-            <a:r>
-              <a:rPr lang="" altLang="en-US" sz="800" i="1">
-                <a:solidFill>
-                  <a:srgbClr val="C00000"/>
-                </a:solidFill>
-              </a:rPr>
-              <a:t>2</a:t>
-            </a:r>
-            <a:endParaRPr lang="" altLang="en-US" sz="800" i="1">
+            <a:endParaRPr lang="en-US" altLang="en-US" sz="800" i="1">
               <a:solidFill>
                 <a:srgbClr val="C00000"/>
               </a:solidFill>
@@ -10489,10 +10478,10 @@
           </a:bodyPr>
           <a:p>
             <a:r>
-              <a:rPr lang="" altLang="en-US" sz="1400"/>
+              <a:rPr lang="en-US" altLang="en-US" sz="1400"/>
               <a:t>Bond(s)</a:t>
             </a:r>
-            <a:endParaRPr lang="" altLang="en-US" sz="1400"/>
+            <a:endParaRPr lang="en-US" altLang="en-US" sz="1400"/>
           </a:p>
         </p:txBody>
       </p:sp>
@@ -10565,17 +10554,17 @@
           </a:bodyPr>
           <a:p>
             <a:r>
-              <a:rPr lang="" altLang="en-US" sz="1400"/>
+              <a:rPr lang="en-US" altLang="en-US" sz="1400"/>
               <a:t> Block(s) </a:t>
             </a:r>
             <a:br>
-              <a:rPr lang="" altLang="en-US" sz="1400"/>
+              <a:rPr lang="en-US" altLang="en-US" sz="1400"/>
             </a:br>
             <a:r>
-              <a:rPr lang="" altLang="en-US" sz="1400" baseline="-25000"/>
+              <a:rPr lang="en-US" altLang="en-US" sz="1400" baseline="-25000"/>
               <a:t>(cytnx.Tensor)</a:t>
             </a:r>
-            <a:endParaRPr lang="" altLang="en-US" sz="1400" baseline="-25000"/>
+            <a:endParaRPr lang="en-US" altLang="en-US" sz="1400" baseline="-25000"/>
           </a:p>
         </p:txBody>
       </p:sp>
@@ -10936,10 +10925,10 @@
           </a:bodyPr>
           <a:p>
             <a:r>
-              <a:rPr lang="" altLang="en-US" sz="1400"/>
+              <a:rPr lang="en-US" altLang="en-US" sz="1400"/>
               <a:t>UniTensor</a:t>
             </a:r>
-            <a:endParaRPr lang="" altLang="en-US" sz="1400" baseline="-25000"/>
+            <a:endParaRPr lang="en-US" altLang="en-US" sz="1400" baseline="-25000"/>
           </a:p>
         </p:txBody>
       </p:sp>
@@ -11012,10 +11001,10 @@
           </a:bodyPr>
           <a:p>
             <a:r>
-              <a:rPr lang="" altLang="en-US" sz="1400"/>
+              <a:rPr lang="en-US" altLang="en-US" sz="1400"/>
               <a:t>label(s)</a:t>
             </a:r>
-            <a:endParaRPr lang="" altLang="en-US" sz="1400" baseline="-25000"/>
+            <a:endParaRPr lang="en-US" altLang="en-US" sz="1400" baseline="-25000"/>
           </a:p>
         </p:txBody>
       </p:sp>
@@ -11042,14 +11031,14 @@
           <a:p>
             <a:pPr algn="l"/>
             <a:r>
-              <a:rPr lang="" altLang="en-US" sz="800" i="1">
+              <a:rPr lang="en-US" altLang="en-US" sz="800" i="1">
                 <a:solidFill>
                   <a:schemeClr val="accent2"/>
                 </a:solidFill>
               </a:rPr>
               <a:t>lbl1</a:t>
             </a:r>
-            <a:endParaRPr lang="" altLang="en-US" sz="800" i="1">
+            <a:endParaRPr lang="en-US" altLang="en-US" sz="800" i="1">
               <a:solidFill>
                 <a:schemeClr val="accent2"/>
               </a:solidFill>
@@ -11064,17 +11053,52 @@
                 </a:solidFill>
                 <a:sym typeface="+mn-ea"/>
               </a:rPr>
-              <a:t>l</a:t>
+              <a:t>lbl2</a:t>
             </a:r>
+            <a:endParaRPr lang="en-US" altLang="en-US" sz="800" i="1">
+              <a:solidFill>
+                <a:schemeClr val="accent2"/>
+              </a:solidFill>
+            </a:endParaRPr>
+          </a:p>
+          <a:p>
             <a:r>
-              <a:rPr lang="" altLang="en-US" sz="800" i="1">
+              <a:rPr lang="en-US" altLang="en-US" sz="800" i="1">
                 <a:solidFill>
                   <a:schemeClr val="accent2"/>
                 </a:solidFill>
-                <a:sym typeface="+mn-ea"/>
               </a:rPr>
-              <a:t>b</a:t>
+              <a:t>....</a:t>
             </a:r>
+            <a:endParaRPr lang="en-US" altLang="en-US" sz="800" i="1">
+              <a:solidFill>
+                <a:schemeClr val="accent2"/>
+              </a:solidFill>
+            </a:endParaRPr>
+          </a:p>
+        </p:txBody>
+      </p:sp>
+      <p:sp>
+        <p:nvSpPr>
+          <p:cNvPr id="48" name="Text Box 47"/>
+          <p:cNvSpPr txBox="true"/>
+          <p:nvPr/>
+        </p:nvSpPr>
+        <p:spPr>
+          <a:xfrm>
+            <a:off x="6390005" y="2673350"/>
+            <a:ext cx="341630" cy="213995"/>
+          </a:xfrm>
+          <a:prstGeom prst="rect">
+            <a:avLst/>
+          </a:prstGeom>
+          <a:noFill/>
+        </p:spPr>
+        <p:txBody>
+          <a:bodyPr wrap="none" rtlCol="0" anchor="t">
+            <a:spAutoFit/>
+          </a:bodyPr>
+          <a:p>
             <a:r>
               <a:rPr lang="en-US" altLang="en-US" sz="800" i="1">
                 <a:solidFill>
@@ -11082,62 +11106,9 @@
                 </a:solidFill>
                 <a:sym typeface="+mn-ea"/>
               </a:rPr>
-              <a:t>l2</a:t>
+              <a:t>lbl1</a:t>
             </a:r>
             <a:endParaRPr lang="en-US" altLang="en-US" sz="800" i="1">
-              <a:solidFill>
-                <a:schemeClr val="accent2"/>
-              </a:solidFill>
-            </a:endParaRPr>
-          </a:p>
-          <a:p>
-            <a:r>
-              <a:rPr lang="" altLang="en-US" sz="800" i="1">
-                <a:solidFill>
-                  <a:schemeClr val="accent2"/>
-                </a:solidFill>
-              </a:rPr>
-              <a:t>....</a:t>
-            </a:r>
-            <a:endParaRPr lang="" altLang="en-US" sz="800" i="1">
-              <a:solidFill>
-                <a:schemeClr val="accent2"/>
-              </a:solidFill>
-            </a:endParaRPr>
-          </a:p>
-        </p:txBody>
-      </p:sp>
-      <p:sp>
-        <p:nvSpPr>
-          <p:cNvPr id="48" name="Text Box 47"/>
-          <p:cNvSpPr txBox="true"/>
-          <p:nvPr/>
-        </p:nvSpPr>
-        <p:spPr>
-          <a:xfrm>
-            <a:off x="6390005" y="2673350"/>
-            <a:ext cx="341630" cy="213995"/>
-          </a:xfrm>
-          <a:prstGeom prst="rect">
-            <a:avLst/>
-          </a:prstGeom>
-          <a:noFill/>
-        </p:spPr>
-        <p:txBody>
-          <a:bodyPr wrap="none" rtlCol="0" anchor="t">
-            <a:spAutoFit/>
-          </a:bodyPr>
-          <a:p>
-            <a:r>
-              <a:rPr lang="" altLang="en-US" sz="800" i="1">
-                <a:solidFill>
-                  <a:schemeClr val="accent2"/>
-                </a:solidFill>
-                <a:sym typeface="+mn-ea"/>
-              </a:rPr>
-              <a:t>lbl1</a:t>
-            </a:r>
-            <a:endParaRPr lang="" altLang="en-US" sz="800" i="1">
               <a:solidFill>
                 <a:schemeClr val="accent2"/>
               </a:solidFill>
@@ -11174,18 +11145,9 @@
                 </a:solidFill>
                 <a:sym typeface="+mn-ea"/>
               </a:rPr>
-              <a:t>lbl</a:t>
+              <a:t>lbl2</a:t>
             </a:r>
-            <a:r>
-              <a:rPr lang="" altLang="en-US" sz="800" i="1">
-                <a:solidFill>
-                  <a:schemeClr val="accent2"/>
-                </a:solidFill>
-                <a:sym typeface="+mn-ea"/>
-              </a:rPr>
-              <a:t>2</a:t>
-            </a:r>
-            <a:endParaRPr lang="" altLang="en-US" sz="800" i="1">
+            <a:endParaRPr lang="en-US" altLang="en-US" sz="800" i="1">
               <a:solidFill>
                 <a:schemeClr val="accent2"/>
               </a:solidFill>
@@ -11222,23 +11184,527 @@
                 </a:solidFill>
                 <a:sym typeface="+mn-ea"/>
               </a:rPr>
-              <a:t>lbl</a:t>
+              <a:t>lbl3</a:t>
             </a:r>
-            <a:r>
-              <a:rPr lang="" altLang="en-US" sz="800" i="1">
-                <a:solidFill>
-                  <a:schemeClr val="accent2"/>
-                </a:solidFill>
-                <a:sym typeface="+mn-ea"/>
-              </a:rPr>
-              <a:t>3</a:t>
-            </a:r>
-            <a:endParaRPr lang="" altLang="en-US" sz="800" i="1">
+            <a:endParaRPr lang="en-US" altLang="en-US" sz="800" i="1">
               <a:solidFill>
                 <a:schemeClr val="accent2"/>
               </a:solidFill>
               <a:sym typeface="+mn-ea"/>
             </a:endParaRPr>
+          </a:p>
+        </p:txBody>
+      </p:sp>
+    </p:spTree>
+  </p:cSld>
+  <p:clrMapOvr>
+    <a:masterClrMapping/>
+  </p:clrMapOvr>
+</p:sld>
+</file>
+
+<file path=ppt/slides/slide15.xml><?xml version="1.0" encoding="utf-8"?>
+<p:sld xmlns:a="http://schemas.openxmlformats.org/drawingml/2006/main" xmlns:r="http://schemas.openxmlformats.org/officeDocument/2006/relationships" xmlns:p="http://schemas.openxmlformats.org/presentationml/2006/main">
+  <p:cSld>
+    <p:spTree>
+      <p:nvGrpSpPr>
+        <p:cNvPr id="1" name=""/>
+        <p:cNvGrpSpPr/>
+        <p:nvPr/>
+      </p:nvGrpSpPr>
+      <p:grpSpPr/>
+      <p:cxnSp>
+        <p:nvCxnSpPr>
+          <p:cNvPr id="21" name="Straight Connector 20"/>
+          <p:cNvCxnSpPr/>
+          <p:nvPr/>
+        </p:nvCxnSpPr>
+        <p:spPr>
+          <a:xfrm>
+            <a:off x="3338830" y="790575"/>
+            <a:ext cx="4526280" cy="0"/>
+          </a:xfrm>
+          <a:prstGeom prst="line">
+            <a:avLst/>
+          </a:prstGeom>
+        </p:spPr>
+        <p:style>
+          <a:lnRef idx="1">
+            <a:schemeClr val="accent1"/>
+          </a:lnRef>
+          <a:fillRef idx="0">
+            <a:schemeClr val="accent1"/>
+          </a:fillRef>
+          <a:effectRef idx="0">
+            <a:schemeClr val="accent1"/>
+          </a:effectRef>
+          <a:fontRef idx="minor">
+            <a:schemeClr val="tx1"/>
+          </a:fontRef>
+        </p:style>
+      </p:cxnSp>
+      <p:cxnSp>
+        <p:nvCxnSpPr>
+          <p:cNvPr id="28" name="Straight Connector 27"/>
+          <p:cNvCxnSpPr/>
+          <p:nvPr/>
+        </p:nvCxnSpPr>
+        <p:spPr>
+          <a:xfrm>
+            <a:off x="4077970" y="2554811"/>
+            <a:ext cx="492166" cy="0"/>
+          </a:xfrm>
+          <a:prstGeom prst="line">
+            <a:avLst/>
+          </a:prstGeom>
+          <a:ln w="44450">
+            <a:solidFill>
+              <a:schemeClr val="accent1"/>
+            </a:solidFill>
+          </a:ln>
+        </p:spPr>
+        <p:style>
+          <a:lnRef idx="1">
+            <a:schemeClr val="accent1"/>
+          </a:lnRef>
+          <a:fillRef idx="0">
+            <a:schemeClr val="accent1"/>
+          </a:fillRef>
+          <a:effectRef idx="0">
+            <a:schemeClr val="accent1"/>
+          </a:effectRef>
+          <a:fontRef idx="minor">
+            <a:schemeClr val="tx1"/>
+          </a:fontRef>
+        </p:style>
+      </p:cxnSp>
+      <p:sp>
+        <p:nvSpPr>
+          <p:cNvPr id="29" name="Text Box 28"/>
+          <p:cNvSpPr txBox="true"/>
+          <p:nvPr/>
+        </p:nvSpPr>
+        <p:spPr>
+          <a:xfrm>
+            <a:off x="2270125" y="1750060"/>
+            <a:ext cx="1068705" cy="398780"/>
+          </a:xfrm>
+          <a:prstGeom prst="rect">
+            <a:avLst/>
+          </a:prstGeom>
+          <a:noFill/>
+        </p:spPr>
+        <p:txBody>
+          <a:bodyPr wrap="square" rtlCol="0">
+            <a:spAutoFit/>
+          </a:bodyPr>
+          <a:p>
+            <a:r>
+              <a:rPr lang="en-US" altLang="en-US" sz="2000"/>
+              <a:t>Bond</a:t>
+            </a:r>
+            <a:endParaRPr lang="en-US" altLang="en-US" sz="2000"/>
+          </a:p>
+        </p:txBody>
+      </p:sp>
+      <p:cxnSp>
+        <p:nvCxnSpPr>
+          <p:cNvPr id="2" name="Straight Connector 1"/>
+          <p:cNvCxnSpPr/>
+          <p:nvPr/>
+        </p:nvCxnSpPr>
+        <p:spPr>
+          <a:xfrm>
+            <a:off x="5459730" y="3124835"/>
+            <a:ext cx="528320" cy="0"/>
+          </a:xfrm>
+          <a:prstGeom prst="line">
+            <a:avLst/>
+          </a:prstGeom>
+          <a:ln w="44450">
+            <a:solidFill>
+              <a:schemeClr val="accent1"/>
+            </a:solidFill>
+            <a:tailEnd type="triangle"/>
+          </a:ln>
+        </p:spPr>
+        <p:style>
+          <a:lnRef idx="1">
+            <a:schemeClr val="accent1"/>
+          </a:lnRef>
+          <a:fillRef idx="0">
+            <a:schemeClr val="accent1"/>
+          </a:fillRef>
+          <a:effectRef idx="0">
+            <a:schemeClr val="accent1"/>
+          </a:effectRef>
+          <a:fontRef idx="minor">
+            <a:schemeClr val="tx1"/>
+          </a:fontRef>
+        </p:style>
+      </p:cxnSp>
+      <p:sp>
+        <p:nvSpPr>
+          <p:cNvPr id="4" name="Text Box 3"/>
+          <p:cNvSpPr txBox="true"/>
+          <p:nvPr/>
+        </p:nvSpPr>
+        <p:spPr>
+          <a:xfrm>
+            <a:off x="2412365" y="2400935"/>
+            <a:ext cx="1665605" cy="306705"/>
+          </a:xfrm>
+          <a:prstGeom prst="rect">
+            <a:avLst/>
+          </a:prstGeom>
+          <a:noFill/>
+        </p:spPr>
+        <p:txBody>
+          <a:bodyPr wrap="square" rtlCol="0">
+            <a:spAutoFit/>
+          </a:bodyPr>
+          <a:p>
+            <a:pPr marL="285750" indent="-285750">
+              <a:buFont typeface="Arial" panose="020B0604020202020204" pitchFamily="34" charset="0"/>
+              <a:buChar char="•"/>
+            </a:pPr>
+            <a:r>
+              <a:rPr lang="" altLang="en-US" sz="1400"/>
+              <a:t>Undirectional</a:t>
+            </a:r>
+            <a:endParaRPr lang="" altLang="en-US" sz="1400"/>
+          </a:p>
+        </p:txBody>
+      </p:sp>
+      <p:sp>
+        <p:nvSpPr>
+          <p:cNvPr id="5" name="Text Box 4"/>
+          <p:cNvSpPr txBox="true"/>
+          <p:nvPr/>
+        </p:nvSpPr>
+        <p:spPr>
+          <a:xfrm>
+            <a:off x="2418715" y="2970530"/>
+            <a:ext cx="1791970" cy="306705"/>
+          </a:xfrm>
+          <a:prstGeom prst="rect">
+            <a:avLst/>
+          </a:prstGeom>
+          <a:noFill/>
+        </p:spPr>
+        <p:txBody>
+          <a:bodyPr wrap="square" rtlCol="0">
+            <a:spAutoFit/>
+          </a:bodyPr>
+          <a:p>
+            <a:pPr marL="285750" indent="-285750">
+              <a:buFont typeface="Arial" panose="020B0604020202020204" pitchFamily="34" charset="0"/>
+              <a:buChar char="•"/>
+            </a:pPr>
+            <a:r>
+              <a:rPr lang="" altLang="en-US" sz="1400"/>
+              <a:t>Directional </a:t>
+            </a:r>
+            <a:endParaRPr lang="" altLang="en-US" sz="1400"/>
+          </a:p>
+        </p:txBody>
+      </p:sp>
+      <p:cxnSp>
+        <p:nvCxnSpPr>
+          <p:cNvPr id="7" name="Straight Connector 6"/>
+          <p:cNvCxnSpPr>
+            <a:endCxn id="5" idx="3"/>
+          </p:cNvCxnSpPr>
+          <p:nvPr/>
+        </p:nvCxnSpPr>
+        <p:spPr>
+          <a:xfrm flipV="true">
+            <a:off x="3865880" y="3124200"/>
+            <a:ext cx="344805" cy="635"/>
+          </a:xfrm>
+          <a:prstGeom prst="line">
+            <a:avLst/>
+          </a:prstGeom>
+          <a:ln w="12700"/>
+        </p:spPr>
+        <p:style>
+          <a:lnRef idx="1">
+            <a:schemeClr val="dk1"/>
+          </a:lnRef>
+          <a:fillRef idx="0">
+            <a:schemeClr val="dk1"/>
+          </a:fillRef>
+          <a:effectRef idx="0">
+            <a:schemeClr val="dk1"/>
+          </a:effectRef>
+          <a:fontRef idx="minor">
+            <a:schemeClr val="tx1"/>
+          </a:fontRef>
+        </p:style>
+      </p:cxnSp>
+      <p:cxnSp>
+        <p:nvCxnSpPr>
+          <p:cNvPr id="8" name="Straight Connector 7"/>
+          <p:cNvCxnSpPr/>
+          <p:nvPr/>
+        </p:nvCxnSpPr>
+        <p:spPr>
+          <a:xfrm>
+            <a:off x="3959225" y="3626485"/>
+            <a:ext cx="259080" cy="0"/>
+          </a:xfrm>
+          <a:prstGeom prst="line">
+            <a:avLst/>
+          </a:prstGeom>
+          <a:ln w="12700"/>
+        </p:spPr>
+        <p:style>
+          <a:lnRef idx="1">
+            <a:schemeClr val="dk1"/>
+          </a:lnRef>
+          <a:fillRef idx="0">
+            <a:schemeClr val="dk1"/>
+          </a:fillRef>
+          <a:effectRef idx="0">
+            <a:schemeClr val="dk1"/>
+          </a:effectRef>
+          <a:fontRef idx="minor">
+            <a:schemeClr val="tx1"/>
+          </a:fontRef>
+        </p:style>
+      </p:cxnSp>
+      <p:cxnSp>
+        <p:nvCxnSpPr>
+          <p:cNvPr id="9" name="Straight Connector 8"/>
+          <p:cNvCxnSpPr/>
+          <p:nvPr/>
+        </p:nvCxnSpPr>
+        <p:spPr>
+          <a:xfrm flipH="true">
+            <a:off x="3959225" y="3123565"/>
+            <a:ext cx="1270" cy="502920"/>
+          </a:xfrm>
+          <a:prstGeom prst="line">
+            <a:avLst/>
+          </a:prstGeom>
+          <a:ln w="12700"/>
+        </p:spPr>
+        <p:style>
+          <a:lnRef idx="1">
+            <a:schemeClr val="dk1"/>
+          </a:lnRef>
+          <a:fillRef idx="0">
+            <a:schemeClr val="dk1"/>
+          </a:fillRef>
+          <a:effectRef idx="0">
+            <a:schemeClr val="dk1"/>
+          </a:effectRef>
+          <a:fontRef idx="minor">
+            <a:schemeClr val="tx1"/>
+          </a:fontRef>
+        </p:style>
+      </p:cxnSp>
+      <p:sp>
+        <p:nvSpPr>
+          <p:cNvPr id="10" name="Text Box 9"/>
+          <p:cNvSpPr txBox="true"/>
+          <p:nvPr/>
+        </p:nvSpPr>
+        <p:spPr>
+          <a:xfrm>
+            <a:off x="4164965" y="2985770"/>
+            <a:ext cx="1003300" cy="275590"/>
+          </a:xfrm>
+          <a:prstGeom prst="rect">
+            <a:avLst/>
+          </a:prstGeom>
+          <a:noFill/>
+        </p:spPr>
+        <p:txBody>
+          <a:bodyPr wrap="none" rtlCol="0" anchor="t">
+            <a:spAutoFit/>
+          </a:bodyPr>
+          <a:p>
+            <a:pPr indent="0">
+              <a:buNone/>
+            </a:pPr>
+            <a:r>
+              <a:rPr lang="" altLang="en-US" sz="1200">
+                <a:sym typeface="+mn-ea"/>
+              </a:rPr>
+              <a:t>Ket (inward)</a:t>
+            </a:r>
+            <a:endParaRPr lang="" altLang="en-US" sz="1200">
+              <a:sym typeface="+mn-ea"/>
+            </a:endParaRPr>
+          </a:p>
+        </p:txBody>
+      </p:sp>
+      <p:sp>
+        <p:nvSpPr>
+          <p:cNvPr id="12" name="Text Box 11"/>
+          <p:cNvSpPr txBox="true"/>
+          <p:nvPr/>
+        </p:nvSpPr>
+        <p:spPr>
+          <a:xfrm>
+            <a:off x="4172585" y="3481070"/>
+            <a:ext cx="1104900" cy="275590"/>
+          </a:xfrm>
+          <a:prstGeom prst="rect">
+            <a:avLst/>
+          </a:prstGeom>
+          <a:noFill/>
+        </p:spPr>
+        <p:txBody>
+          <a:bodyPr wrap="none" rtlCol="0" anchor="t">
+            <a:spAutoFit/>
+          </a:bodyPr>
+          <a:p>
+            <a:pPr indent="0">
+              <a:buNone/>
+            </a:pPr>
+            <a:r>
+              <a:rPr lang="" altLang="en-US" sz="1200">
+                <a:sym typeface="+mn-ea"/>
+              </a:rPr>
+              <a:t>Bra</a:t>
+            </a:r>
+            <a:r>
+              <a:rPr lang="en-US" altLang="en-US" sz="1200">
+                <a:sym typeface="+mn-ea"/>
+              </a:rPr>
+              <a:t> (</a:t>
+            </a:r>
+            <a:r>
+              <a:rPr lang="" altLang="en-US" sz="1200">
+                <a:sym typeface="+mn-ea"/>
+              </a:rPr>
+              <a:t>out</a:t>
+            </a:r>
+            <a:r>
+              <a:rPr lang="en-US" altLang="en-US" sz="1200">
+                <a:sym typeface="+mn-ea"/>
+              </a:rPr>
+              <a:t>ward)</a:t>
+            </a:r>
+            <a:endParaRPr lang="en-US" altLang="en-US" sz="1200">
+              <a:sym typeface="+mn-ea"/>
+            </a:endParaRPr>
+          </a:p>
+        </p:txBody>
+      </p:sp>
+      <p:sp>
+        <p:nvSpPr>
+          <p:cNvPr id="14" name="Oval 13"/>
+          <p:cNvSpPr/>
+          <p:nvPr/>
+        </p:nvSpPr>
+        <p:spPr>
+          <a:xfrm>
+            <a:off x="5988050" y="2985770"/>
+            <a:ext cx="266700" cy="266700"/>
+          </a:xfrm>
+          <a:prstGeom prst="ellipse">
+            <a:avLst/>
+          </a:prstGeom>
+        </p:spPr>
+        <p:style>
+          <a:lnRef idx="2">
+            <a:schemeClr val="accent1">
+              <a:shade val="50000"/>
+            </a:schemeClr>
+          </a:lnRef>
+          <a:fillRef idx="1">
+            <a:schemeClr val="accent1"/>
+          </a:fillRef>
+          <a:effectRef idx="0">
+            <a:schemeClr val="accent1"/>
+          </a:effectRef>
+          <a:fontRef idx="minor">
+            <a:schemeClr val="lt1"/>
+          </a:fontRef>
+        </p:style>
+        <p:txBody>
+          <a:bodyPr rtlCol="0" anchor="ctr"/>
+          <a:p>
+            <a:pPr algn="ctr"/>
+            <a:endParaRPr lang="en-US"/>
+          </a:p>
+        </p:txBody>
+      </p:sp>
+      <p:cxnSp>
+        <p:nvCxnSpPr>
+          <p:cNvPr id="15" name="Straight Connector 14"/>
+          <p:cNvCxnSpPr/>
+          <p:nvPr/>
+        </p:nvCxnSpPr>
+        <p:spPr>
+          <a:xfrm>
+            <a:off x="5703570" y="3618865"/>
+            <a:ext cx="528320" cy="0"/>
+          </a:xfrm>
+          <a:prstGeom prst="line">
+            <a:avLst/>
+          </a:prstGeom>
+          <a:ln w="44450">
+            <a:solidFill>
+              <a:schemeClr val="accent1"/>
+            </a:solidFill>
+            <a:tailEnd type="triangle"/>
+          </a:ln>
+        </p:spPr>
+        <p:style>
+          <a:lnRef idx="1">
+            <a:schemeClr val="accent1"/>
+          </a:lnRef>
+          <a:fillRef idx="0">
+            <a:schemeClr val="accent1"/>
+          </a:fillRef>
+          <a:effectRef idx="0">
+            <a:schemeClr val="accent1"/>
+          </a:effectRef>
+          <a:fontRef idx="minor">
+            <a:schemeClr val="tx1"/>
+          </a:fontRef>
+        </p:style>
+      </p:cxnSp>
+      <p:sp>
+        <p:nvSpPr>
+          <p:cNvPr id="16" name="Oval 15"/>
+          <p:cNvSpPr/>
+          <p:nvPr/>
+        </p:nvSpPr>
+        <p:spPr>
+          <a:xfrm>
+            <a:off x="5436870" y="3485515"/>
+            <a:ext cx="266700" cy="266700"/>
+          </a:xfrm>
+          <a:prstGeom prst="ellipse">
+            <a:avLst/>
+          </a:prstGeom>
+        </p:spPr>
+        <p:style>
+          <a:lnRef idx="2">
+            <a:schemeClr val="accent1">
+              <a:shade val="50000"/>
+            </a:schemeClr>
+          </a:lnRef>
+          <a:fillRef idx="1">
+            <a:schemeClr val="accent1"/>
+          </a:fillRef>
+          <a:effectRef idx="0">
+            <a:schemeClr val="accent1"/>
+          </a:effectRef>
+          <a:fontRef idx="minor">
+            <a:schemeClr val="lt1"/>
+          </a:fontRef>
+        </p:style>
+        <p:txBody>
+          <a:bodyPr rtlCol="0" anchor="ctr"/>
+          <a:p>
+            <a:pPr algn="ctr"/>
+            <a:endParaRPr lang="en-US"/>
           </a:p>
         </p:txBody>
       </p:sp>

--- a/material/material.pptx
+++ b/material/material.pptx
@@ -8,7 +8,7 @@
     <p:notesMasterId r:id="rId13"/>
   </p:notesMasterIdLst>
   <p:handoutMasterIdLst>
-    <p:handoutMasterId r:id="rId19"/>
+    <p:handoutMasterId r:id="rId20"/>
   </p:handoutMasterIdLst>
   <p:sldIdLst>
     <p:sldId id="256" r:id="rId3"/>
@@ -26,6 +26,7 @@
     <p:sldId id="275" r:id="rId16"/>
     <p:sldId id="276" r:id="rId17"/>
     <p:sldId id="278" r:id="rId18"/>
+    <p:sldId id="279" r:id="rId19"/>
   </p:sldIdLst>
   <p:sldSz cx="12192000" cy="6858000"/>
   <p:notesSz cx="7103745" cy="10234295"/>
@@ -153,7 +154,7 @@
         <p:nvSpPr>
           <p:cNvPr id="2" name="页眉占位符 1"/>
           <p:cNvSpPr>
-            <a:spLocks noGrp="true"/>
+            <a:spLocks noGrp="1"/>
           </p:cNvSpPr>
           <p:nvPr>
             <p:ph type="hdr" sz="quarter"/>
@@ -184,7 +185,7 @@
         <p:nvSpPr>
           <p:cNvPr id="3" name="日期占位符 2"/>
           <p:cNvSpPr>
-            <a:spLocks noGrp="true"/>
+            <a:spLocks noGrp="1"/>
           </p:cNvSpPr>
           <p:nvPr>
             <p:ph type="dt" sz="quarter" idx="1"/>
@@ -218,7 +219,7 @@
         <p:nvSpPr>
           <p:cNvPr id="4" name="页脚占位符 3"/>
           <p:cNvSpPr>
-            <a:spLocks noGrp="true"/>
+            <a:spLocks noGrp="1"/>
           </p:cNvSpPr>
           <p:nvPr>
             <p:ph type="ftr" sz="quarter" idx="2"/>
@@ -249,7 +250,7 @@
         <p:nvSpPr>
           <p:cNvPr id="5" name="灯片编号占位符 4"/>
           <p:cNvSpPr>
-            <a:spLocks noGrp="true"/>
+            <a:spLocks noGrp="1"/>
           </p:cNvSpPr>
           <p:nvPr>
             <p:ph type="sldNum" sz="quarter" idx="3"/>
@@ -311,7 +312,7 @@
         <p:nvSpPr>
           <p:cNvPr id="2" name="页眉占位符 1"/>
           <p:cNvSpPr>
-            <a:spLocks noGrp="true"/>
+            <a:spLocks noGrp="1"/>
           </p:cNvSpPr>
           <p:nvPr>
             <p:ph type="hdr" sz="quarter"/>
@@ -342,7 +343,7 @@
         <p:nvSpPr>
           <p:cNvPr id="3" name="日期占位符 2"/>
           <p:cNvSpPr>
-            <a:spLocks noGrp="true"/>
+            <a:spLocks noGrp="1"/>
           </p:cNvSpPr>
           <p:nvPr>
             <p:ph type="dt" idx="1"/>
@@ -376,7 +377,7 @@
         <p:nvSpPr>
           <p:cNvPr id="4" name="幻灯片图像占位符 3"/>
           <p:cNvSpPr>
-            <a:spLocks noGrp="true" noRot="true" noChangeAspect="true"/>
+            <a:spLocks noGrp="1" noRot="1" noChangeAspect="1"/>
           </p:cNvSpPr>
           <p:nvPr>
             <p:ph type="sldImg" idx="2"/>
@@ -409,7 +410,7 @@
         <p:nvSpPr>
           <p:cNvPr id="5" name="备注占位符 4"/>
           <p:cNvSpPr>
-            <a:spLocks noGrp="true"/>
+            <a:spLocks noGrp="1"/>
           </p:cNvSpPr>
           <p:nvPr>
             <p:ph type="body" sz="quarter" idx="3"/>
@@ -473,7 +474,7 @@
         <p:nvSpPr>
           <p:cNvPr id="6" name="页脚占位符 5"/>
           <p:cNvSpPr>
-            <a:spLocks noGrp="true"/>
+            <a:spLocks noGrp="1"/>
           </p:cNvSpPr>
           <p:nvPr>
             <p:ph type="ftr" sz="quarter" idx="4"/>
@@ -504,7 +505,7 @@
         <p:nvSpPr>
           <p:cNvPr id="7" name="灯片编号占位符 6"/>
           <p:cNvSpPr>
-            <a:spLocks noGrp="true"/>
+            <a:spLocks noGrp="1"/>
           </p:cNvSpPr>
           <p:nvPr>
             <p:ph type="sldNum" sz="quarter" idx="5"/>
@@ -676,6 +677,50 @@
 </p:notes>
 </file>
 
+<file path=ppt/notesSlides/notesSlide2.xml><?xml version="1.0" encoding="utf-8"?>
+<p:notes xmlns:a="http://schemas.openxmlformats.org/drawingml/2006/main" xmlns:r="http://schemas.openxmlformats.org/officeDocument/2006/relationships" xmlns:p="http://schemas.openxmlformats.org/presentationml/2006/main">
+  <p:cSld>
+    <p:spTree>
+      <p:nvGrpSpPr>
+        <p:cNvPr id="1" name=""/>
+        <p:cNvGrpSpPr/>
+        <p:nvPr/>
+      </p:nvGrpSpPr>
+      <p:grpSpPr/>
+      <p:sp>
+        <p:nvSpPr>
+          <p:cNvPr id="2" name="Slide Image Placeholder 1"/>
+          <p:cNvSpPr/>
+          <p:nvPr>
+            <p:ph type="sldImg" idx="2"/>
+          </p:nvPr>
+        </p:nvSpPr>
+        <p:spPr/>
+      </p:sp>
+      <p:sp>
+        <p:nvSpPr>
+          <p:cNvPr id="3" name="Text Placeholder 2"/>
+          <p:cNvSpPr/>
+          <p:nvPr>
+            <p:ph type="body" idx="3"/>
+          </p:nvPr>
+        </p:nvSpPr>
+        <p:spPr/>
+        <p:txBody>
+          <a:bodyPr/>
+          <a:p>
+            <a:endParaRPr lang="en-US"/>
+          </a:p>
+        </p:txBody>
+      </p:sp>
+    </p:spTree>
+  </p:cSld>
+  <p:clrMapOvr>
+    <a:masterClrMapping/>
+  </p:clrMapOvr>
+</p:notes>
+</file>
+
 <file path=ppt/slideLayouts/slideLayout1.xml><?xml version="1.0" encoding="utf-8"?>
 <p:sldLayout xmlns:a="http://schemas.openxmlformats.org/drawingml/2006/main" xmlns:r="http://schemas.openxmlformats.org/officeDocument/2006/relationships" xmlns:p="http://schemas.openxmlformats.org/presentationml/2006/main" type="title" preserve="1">
   <p:cSld name="Title Slide">
@@ -697,7 +742,7 @@
         <p:nvSpPr>
           <p:cNvPr id="2" name="标题 1"/>
           <p:cNvSpPr>
-            <a:spLocks noGrp="true"/>
+            <a:spLocks noGrp="1"/>
           </p:cNvSpPr>
           <p:nvPr>
             <p:ph type="ctrTitle"/>
@@ -746,7 +791,7 @@
         <p:nvSpPr>
           <p:cNvPr id="4" name="日期占位符 3"/>
           <p:cNvSpPr>
-            <a:spLocks noGrp="true"/>
+            <a:spLocks noGrp="1"/>
           </p:cNvSpPr>
           <p:nvPr>
             <p:ph type="dt" sz="half" idx="10"/>
@@ -768,7 +813,7 @@
         <p:nvSpPr>
           <p:cNvPr id="5" name="页脚占位符 4"/>
           <p:cNvSpPr>
-            <a:spLocks noGrp="true"/>
+            <a:spLocks noGrp="1"/>
           </p:cNvSpPr>
           <p:nvPr>
             <p:ph type="ftr" sz="quarter" idx="11"/>
@@ -787,7 +832,7 @@
         <p:nvSpPr>
           <p:cNvPr id="6" name="灯片编号占位符 5"/>
           <p:cNvSpPr>
-            <a:spLocks noGrp="true"/>
+            <a:spLocks noGrp="1"/>
           </p:cNvSpPr>
           <p:nvPr>
             <p:ph type="sldNum" sz="quarter" idx="12"/>
@@ -809,7 +854,7 @@
         <p:nvSpPr>
           <p:cNvPr id="3" name="副标题 2"/>
           <p:cNvSpPr>
-            <a:spLocks noGrp="true"/>
+            <a:spLocks noGrp="1"/>
           </p:cNvSpPr>
           <p:nvPr>
             <p:ph type="subTitle" idx="1"/>
@@ -911,7 +956,7 @@
         <p:nvSpPr>
           <p:cNvPr id="3" name="日期占位符 2"/>
           <p:cNvSpPr>
-            <a:spLocks noGrp="true"/>
+            <a:spLocks noGrp="1"/>
           </p:cNvSpPr>
           <p:nvPr>
             <p:ph type="dt" sz="half" idx="10"/>
@@ -933,7 +978,7 @@
         <p:nvSpPr>
           <p:cNvPr id="4" name="页脚占位符 3"/>
           <p:cNvSpPr>
-            <a:spLocks noGrp="true"/>
+            <a:spLocks noGrp="1"/>
           </p:cNvSpPr>
           <p:nvPr>
             <p:ph type="ftr" sz="quarter" idx="11"/>
@@ -952,7 +997,7 @@
         <p:nvSpPr>
           <p:cNvPr id="5" name="灯片编号占位符 4"/>
           <p:cNvSpPr>
-            <a:spLocks noGrp="true"/>
+            <a:spLocks noGrp="1"/>
           </p:cNvSpPr>
           <p:nvPr>
             <p:ph type="sldNum" sz="quarter" idx="12"/>
@@ -974,7 +1019,7 @@
         <p:nvSpPr>
           <p:cNvPr id="7" name="内容占位符 6"/>
           <p:cNvSpPr>
-            <a:spLocks noGrp="true"/>
+            <a:spLocks noGrp="1"/>
           </p:cNvSpPr>
           <p:nvPr>
             <p:ph sz="quarter" idx="13"/>
@@ -1064,7 +1109,7 @@
         <p:nvSpPr>
           <p:cNvPr id="2" name="标题 1"/>
           <p:cNvSpPr>
-            <a:spLocks noGrp="true"/>
+            <a:spLocks noGrp="1"/>
           </p:cNvSpPr>
           <p:nvPr>
             <p:ph type="title"/>
@@ -1077,7 +1122,7 @@
           </a:xfrm>
         </p:spPr>
         <p:txBody>
-          <a:bodyPr anchor="ctr" anchorCtr="false">
+          <a:bodyPr anchor="ctr" anchorCtr="0">
             <a:normAutofit/>
           </a:bodyPr>
           <a:lstStyle>
@@ -1106,7 +1151,7 @@
         <p:nvSpPr>
           <p:cNvPr id="3" name="内容占位符 2"/>
           <p:cNvSpPr>
-            <a:spLocks noGrp="true"/>
+            <a:spLocks noGrp="1"/>
           </p:cNvSpPr>
           <p:nvPr>
             <p:ph idx="1"/>
@@ -1224,7 +1269,7 @@
         <p:nvSpPr>
           <p:cNvPr id="4" name="日期占位符 3"/>
           <p:cNvSpPr>
-            <a:spLocks noGrp="true"/>
+            <a:spLocks noGrp="1"/>
           </p:cNvSpPr>
           <p:nvPr>
             <p:ph type="dt" sz="half" idx="10"/>
@@ -1246,7 +1291,7 @@
         <p:nvSpPr>
           <p:cNvPr id="5" name="页脚占位符 4"/>
           <p:cNvSpPr>
-            <a:spLocks noGrp="true"/>
+            <a:spLocks noGrp="1"/>
           </p:cNvSpPr>
           <p:nvPr>
             <p:ph type="ftr" sz="quarter" idx="11"/>
@@ -1265,7 +1310,7 @@
         <p:nvSpPr>
           <p:cNvPr id="6" name="灯片编号占位符 5"/>
           <p:cNvSpPr>
-            <a:spLocks noGrp="true"/>
+            <a:spLocks noGrp="1"/>
           </p:cNvSpPr>
           <p:nvPr>
             <p:ph type="sldNum" sz="quarter" idx="12"/>
@@ -1312,7 +1357,7 @@
         <p:nvSpPr>
           <p:cNvPr id="2" name="标题 1"/>
           <p:cNvSpPr>
-            <a:spLocks noGrp="true"/>
+            <a:spLocks noGrp="1"/>
           </p:cNvSpPr>
           <p:nvPr>
             <p:ph type="title"/>
@@ -1354,7 +1399,7 @@
         <p:nvSpPr>
           <p:cNvPr id="3" name="文本占位符 2"/>
           <p:cNvSpPr>
-            <a:spLocks noGrp="true"/>
+            <a:spLocks noGrp="1"/>
           </p:cNvSpPr>
           <p:nvPr>
             <p:ph type="body" idx="1"/>
@@ -1478,7 +1523,7 @@
         <p:nvSpPr>
           <p:cNvPr id="4" name="日期占位符 3"/>
           <p:cNvSpPr>
-            <a:spLocks noGrp="true"/>
+            <a:spLocks noGrp="1"/>
           </p:cNvSpPr>
           <p:nvPr>
             <p:ph type="dt" sz="half" idx="10"/>
@@ -1500,7 +1545,7 @@
         <p:nvSpPr>
           <p:cNvPr id="5" name="页脚占位符 4"/>
           <p:cNvSpPr>
-            <a:spLocks noGrp="true"/>
+            <a:spLocks noGrp="1"/>
           </p:cNvSpPr>
           <p:nvPr>
             <p:ph type="ftr" sz="quarter" idx="11"/>
@@ -1519,7 +1564,7 @@
         <p:nvSpPr>
           <p:cNvPr id="6" name="灯片编号占位符 5"/>
           <p:cNvSpPr>
-            <a:spLocks noGrp="true"/>
+            <a:spLocks noGrp="1"/>
           </p:cNvSpPr>
           <p:nvPr>
             <p:ph type="sldNum" sz="quarter" idx="12"/>
@@ -1566,7 +1611,7 @@
         <p:nvSpPr>
           <p:cNvPr id="2" name="标题 1"/>
           <p:cNvSpPr>
-            <a:spLocks noGrp="true"/>
+            <a:spLocks noGrp="1"/>
           </p:cNvSpPr>
           <p:nvPr>
             <p:ph type="title"/>
@@ -1608,7 +1653,7 @@
         <p:nvSpPr>
           <p:cNvPr id="3" name="内容占位符 2"/>
           <p:cNvSpPr>
-            <a:spLocks noGrp="true"/>
+            <a:spLocks noGrp="1"/>
           </p:cNvSpPr>
           <p:nvPr>
             <p:ph sz="half" idx="1"/>
@@ -1741,7 +1786,7 @@
         <p:nvSpPr>
           <p:cNvPr id="4" name="内容占位符 3"/>
           <p:cNvSpPr>
-            <a:spLocks noGrp="true"/>
+            <a:spLocks noGrp="1"/>
           </p:cNvSpPr>
           <p:nvPr>
             <p:ph sz="half" idx="2"/>
@@ -1874,7 +1919,7 @@
         <p:nvSpPr>
           <p:cNvPr id="5" name="日期占位符 4"/>
           <p:cNvSpPr>
-            <a:spLocks noGrp="true"/>
+            <a:spLocks noGrp="1"/>
           </p:cNvSpPr>
           <p:nvPr>
             <p:ph type="dt" sz="half" idx="10"/>
@@ -1896,7 +1941,7 @@
         <p:nvSpPr>
           <p:cNvPr id="6" name="页脚占位符 5"/>
           <p:cNvSpPr>
-            <a:spLocks noGrp="true"/>
+            <a:spLocks noGrp="1"/>
           </p:cNvSpPr>
           <p:nvPr>
             <p:ph type="ftr" sz="quarter" idx="11"/>
@@ -1915,7 +1960,7 @@
         <p:nvSpPr>
           <p:cNvPr id="7" name="灯片编号占位符 6"/>
           <p:cNvSpPr>
-            <a:spLocks noGrp="true"/>
+            <a:spLocks noGrp="1"/>
           </p:cNvSpPr>
           <p:nvPr>
             <p:ph type="sldNum" sz="quarter" idx="12"/>
@@ -1962,7 +2007,7 @@
         <p:nvSpPr>
           <p:cNvPr id="2" name="标题 1"/>
           <p:cNvSpPr>
-            <a:spLocks noGrp="true"/>
+            <a:spLocks noGrp="1"/>
           </p:cNvSpPr>
           <p:nvPr>
             <p:ph type="title"/>
@@ -1990,7 +2035,7 @@
         <p:nvSpPr>
           <p:cNvPr id="3" name="文本占位符 2"/>
           <p:cNvSpPr>
-            <a:spLocks noGrp="true"/>
+            <a:spLocks noGrp="1"/>
           </p:cNvSpPr>
           <p:nvPr>
             <p:ph type="body" idx="1"/>
@@ -2060,7 +2105,7 @@
         <p:nvSpPr>
           <p:cNvPr id="4" name="内容占位符 3"/>
           <p:cNvSpPr>
-            <a:spLocks noGrp="true"/>
+            <a:spLocks noGrp="1"/>
           </p:cNvSpPr>
           <p:nvPr>
             <p:ph sz="half" idx="2"/>
@@ -2125,7 +2170,7 @@
         <p:nvSpPr>
           <p:cNvPr id="5" name="文本占位符 4"/>
           <p:cNvSpPr>
-            <a:spLocks noGrp="true"/>
+            <a:spLocks noGrp="1"/>
           </p:cNvSpPr>
           <p:nvPr>
             <p:ph type="body" sz="quarter" idx="3"/>
@@ -2195,7 +2240,7 @@
         <p:nvSpPr>
           <p:cNvPr id="6" name="内容占位符 5"/>
           <p:cNvSpPr>
-            <a:spLocks noGrp="true"/>
+            <a:spLocks noGrp="1"/>
           </p:cNvSpPr>
           <p:nvPr>
             <p:ph sz="quarter" idx="4"/>
@@ -2260,7 +2305,7 @@
         <p:nvSpPr>
           <p:cNvPr id="7" name="日期占位符 6"/>
           <p:cNvSpPr>
-            <a:spLocks noGrp="true"/>
+            <a:spLocks noGrp="1"/>
           </p:cNvSpPr>
           <p:nvPr>
             <p:ph type="dt" sz="half" idx="10"/>
@@ -2282,7 +2327,7 @@
         <p:nvSpPr>
           <p:cNvPr id="8" name="页脚占位符 7"/>
           <p:cNvSpPr>
-            <a:spLocks noGrp="true"/>
+            <a:spLocks noGrp="1"/>
           </p:cNvSpPr>
           <p:nvPr>
             <p:ph type="ftr" sz="quarter" idx="11"/>
@@ -2301,7 +2346,7 @@
         <p:nvSpPr>
           <p:cNvPr id="9" name="灯片编号占位符 8"/>
           <p:cNvSpPr>
-            <a:spLocks noGrp="true"/>
+            <a:spLocks noGrp="1"/>
           </p:cNvSpPr>
           <p:nvPr>
             <p:ph type="sldNum" sz="quarter" idx="12"/>
@@ -2348,7 +2393,7 @@
         <p:nvSpPr>
           <p:cNvPr id="2" name="标题 1"/>
           <p:cNvSpPr>
-            <a:spLocks noGrp="true"/>
+            <a:spLocks noGrp="1"/>
           </p:cNvSpPr>
           <p:nvPr>
             <p:ph type="title"/>
@@ -2390,7 +2435,7 @@
         <p:nvSpPr>
           <p:cNvPr id="3" name="日期占位符 2"/>
           <p:cNvSpPr>
-            <a:spLocks noGrp="true"/>
+            <a:spLocks noGrp="1"/>
           </p:cNvSpPr>
           <p:nvPr>
             <p:ph type="dt" sz="half" idx="10"/>
@@ -2412,7 +2457,7 @@
         <p:nvSpPr>
           <p:cNvPr id="4" name="页脚占位符 3"/>
           <p:cNvSpPr>
-            <a:spLocks noGrp="true"/>
+            <a:spLocks noGrp="1"/>
           </p:cNvSpPr>
           <p:nvPr>
             <p:ph type="ftr" sz="quarter" idx="11"/>
@@ -2431,7 +2476,7 @@
         <p:nvSpPr>
           <p:cNvPr id="5" name="灯片编号占位符 4"/>
           <p:cNvSpPr>
-            <a:spLocks noGrp="true"/>
+            <a:spLocks noGrp="1"/>
           </p:cNvSpPr>
           <p:nvPr>
             <p:ph type="sldNum" sz="quarter" idx="12"/>
@@ -2478,7 +2523,7 @@
         <p:nvSpPr>
           <p:cNvPr id="2" name="日期占位符 1"/>
           <p:cNvSpPr>
-            <a:spLocks noGrp="true"/>
+            <a:spLocks noGrp="1"/>
           </p:cNvSpPr>
           <p:nvPr>
             <p:ph type="dt" sz="half" idx="10"/>
@@ -2500,7 +2545,7 @@
         <p:nvSpPr>
           <p:cNvPr id="3" name="页脚占位符 2"/>
           <p:cNvSpPr>
-            <a:spLocks noGrp="true"/>
+            <a:spLocks noGrp="1"/>
           </p:cNvSpPr>
           <p:nvPr>
             <p:ph type="ftr" sz="quarter" idx="11"/>
@@ -2519,7 +2564,7 @@
         <p:nvSpPr>
           <p:cNvPr id="4" name="灯片编号占位符 3"/>
           <p:cNvSpPr>
-            <a:spLocks noGrp="true"/>
+            <a:spLocks noGrp="1"/>
           </p:cNvSpPr>
           <p:nvPr>
             <p:ph type="sldNum" sz="quarter" idx="12"/>
@@ -2566,7 +2611,7 @@
         <p:nvSpPr>
           <p:cNvPr id="2" name="标题 1"/>
           <p:cNvSpPr>
-            <a:spLocks noGrp="true"/>
+            <a:spLocks noGrp="1"/>
           </p:cNvSpPr>
           <p:nvPr>
             <p:ph type="title"/>
@@ -2579,7 +2624,7 @@
           </a:xfrm>
         </p:spPr>
         <p:txBody>
-          <a:bodyPr anchor="ctr" anchorCtr="false">
+          <a:bodyPr anchor="ctr" anchorCtr="0">
             <a:normAutofit/>
           </a:bodyPr>
           <a:lstStyle>
@@ -2612,7 +2657,7 @@
         <p:nvSpPr>
           <p:cNvPr id="3" name="图片占位符 2"/>
           <p:cNvSpPr>
-            <a:spLocks noGrp="true" noChangeAspect="true"/>
+            <a:spLocks noGrp="1" noChangeAspect="1"/>
           </p:cNvSpPr>
           <p:nvPr>
             <p:ph type="pic" idx="1"/>
@@ -2673,7 +2718,7 @@
         <p:nvSpPr>
           <p:cNvPr id="4" name="文本占位符 3"/>
           <p:cNvSpPr>
-            <a:spLocks noGrp="true"/>
+            <a:spLocks noGrp="1"/>
           </p:cNvSpPr>
           <p:nvPr>
             <p:ph type="body" sz="half" idx="2"/>
@@ -2744,7 +2789,7 @@
         <p:nvSpPr>
           <p:cNvPr id="5" name="日期占位符 4"/>
           <p:cNvSpPr>
-            <a:spLocks noGrp="true"/>
+            <a:spLocks noGrp="1"/>
           </p:cNvSpPr>
           <p:nvPr>
             <p:ph type="dt" sz="half" idx="10"/>
@@ -2766,7 +2811,7 @@
         <p:nvSpPr>
           <p:cNvPr id="6" name="页脚占位符 5"/>
           <p:cNvSpPr>
-            <a:spLocks noGrp="true"/>
+            <a:spLocks noGrp="1"/>
           </p:cNvSpPr>
           <p:nvPr>
             <p:ph type="ftr" sz="quarter" idx="11"/>
@@ -2785,7 +2830,7 @@
         <p:nvSpPr>
           <p:cNvPr id="7" name="灯片编号占位符 6"/>
           <p:cNvSpPr>
-            <a:spLocks noGrp="true"/>
+            <a:spLocks noGrp="1"/>
           </p:cNvSpPr>
           <p:nvPr>
             <p:ph type="sldNum" sz="quarter" idx="12"/>
@@ -2805,9 +2850,9 @@
       </p:sp>
       <p:cxnSp>
         <p:nvCxnSpPr>
-          <p:cNvPr id="8" name="直接连接符 7" hidden="true"/>
+          <p:cNvPr id="8" name="直接连接符 7" hidden="1"/>
           <p:cNvCxnSpPr/>
-          <p:nvPr userDrawn="true"/>
+          <p:nvPr userDrawn="1"/>
         </p:nvCxnSpPr>
         <p:spPr>
           <a:xfrm>
@@ -2862,7 +2907,7 @@
         <p:nvSpPr>
           <p:cNvPr id="2" name="竖排标题 1"/>
           <p:cNvSpPr>
-            <a:spLocks noGrp="true"/>
+            <a:spLocks noGrp="1"/>
           </p:cNvSpPr>
           <p:nvPr>
             <p:ph type="title" orient="vert"/>
@@ -2896,7 +2941,7 @@
         <p:nvSpPr>
           <p:cNvPr id="3" name="竖排文字占位符 2"/>
           <p:cNvSpPr>
-            <a:spLocks noGrp="true"/>
+            <a:spLocks noGrp="1"/>
           </p:cNvSpPr>
           <p:nvPr>
             <p:ph type="body" orient="vert" idx="1"/>
@@ -2961,7 +3006,7 @@
         <p:nvSpPr>
           <p:cNvPr id="4" name="日期占位符 3"/>
           <p:cNvSpPr>
-            <a:spLocks noGrp="true"/>
+            <a:spLocks noGrp="1"/>
           </p:cNvSpPr>
           <p:nvPr>
             <p:ph type="dt" sz="half" idx="10"/>
@@ -2983,7 +3028,7 @@
         <p:nvSpPr>
           <p:cNvPr id="5" name="页脚占位符 4"/>
           <p:cNvSpPr>
-            <a:spLocks noGrp="true"/>
+            <a:spLocks noGrp="1"/>
           </p:cNvSpPr>
           <p:nvPr>
             <p:ph type="ftr" sz="quarter" idx="11"/>
@@ -3002,7 +3047,7 @@
         <p:nvSpPr>
           <p:cNvPr id="6" name="灯片编号占位符 5"/>
           <p:cNvSpPr>
-            <a:spLocks noGrp="true"/>
+            <a:spLocks noGrp="1"/>
           </p:cNvSpPr>
           <p:nvPr>
             <p:ph type="sldNum" sz="quarter" idx="12"/>
@@ -3057,7 +3102,7 @@
         <p:nvSpPr>
           <p:cNvPr id="2" name="标题占位符 1"/>
           <p:cNvSpPr>
-            <a:spLocks noGrp="true"/>
+            <a:spLocks noGrp="1"/>
           </p:cNvSpPr>
           <p:nvPr>
             <p:ph type="title"/>
@@ -3090,7 +3135,7 @@
         <p:nvSpPr>
           <p:cNvPr id="3" name="文本占位符 2"/>
           <p:cNvSpPr>
-            <a:spLocks noGrp="true"/>
+            <a:spLocks noGrp="1"/>
           </p:cNvSpPr>
           <p:nvPr>
             <p:ph type="body" idx="1"/>
@@ -3160,7 +3205,7 @@
         <p:nvSpPr>
           <p:cNvPr id="4" name="日期占位符 3"/>
           <p:cNvSpPr>
-            <a:spLocks noGrp="true"/>
+            <a:spLocks noGrp="1"/>
           </p:cNvSpPr>
           <p:nvPr>
             <p:ph type="dt" sz="half" idx="2"/>
@@ -3202,7 +3247,7 @@
         <p:nvSpPr>
           <p:cNvPr id="5" name="页脚占位符 4"/>
           <p:cNvSpPr>
-            <a:spLocks noGrp="true"/>
+            <a:spLocks noGrp="1"/>
           </p:cNvSpPr>
           <p:nvPr>
             <p:ph type="ftr" sz="quarter" idx="3"/>
@@ -3241,7 +3286,7 @@
         <p:nvSpPr>
           <p:cNvPr id="6" name="灯片编号占位符 5"/>
           <p:cNvSpPr>
-            <a:spLocks noGrp="true"/>
+            <a:spLocks noGrp="1"/>
           </p:cNvSpPr>
           <p:nvPr>
             <p:ph type="sldNum" sz="quarter" idx="4"/>
@@ -3859,7 +3904,7 @@
           <p:nvPr/>
         </p:nvCxnSpPr>
         <p:spPr>
-          <a:xfrm flipV="true">
+          <a:xfrm flipV="1">
             <a:off x="5440045" y="1609090"/>
             <a:ext cx="191135" cy="239395"/>
           </a:xfrm>
@@ -3960,7 +4005,7 @@
       <p:sp>
         <p:nvSpPr>
           <p:cNvPr id="18" name="Text Box 17"/>
-          <p:cNvSpPr txBox="true"/>
+          <p:cNvSpPr txBox="1"/>
           <p:nvPr/>
         </p:nvSpPr>
         <p:spPr>
@@ -3989,7 +4034,7 @@
       <p:sp>
         <p:nvSpPr>
           <p:cNvPr id="19" name="Text Box 18"/>
-          <p:cNvSpPr txBox="true"/>
+          <p:cNvSpPr txBox="1"/>
           <p:nvPr/>
         </p:nvSpPr>
         <p:spPr>
@@ -4018,7 +4063,7 @@
       <p:sp>
         <p:nvSpPr>
           <p:cNvPr id="20" name="Text Box 19"/>
-          <p:cNvSpPr txBox="true"/>
+          <p:cNvSpPr txBox="1"/>
           <p:nvPr/>
         </p:nvSpPr>
         <p:spPr>
@@ -4077,7 +4122,7 @@
       <p:sp>
         <p:nvSpPr>
           <p:cNvPr id="22" name="Text Box 21"/>
-          <p:cNvSpPr txBox="true"/>
+          <p:cNvSpPr txBox="1"/>
           <p:nvPr/>
         </p:nvSpPr>
         <p:spPr>
@@ -4152,7 +4197,7 @@
           <p:sp>
             <p:nvSpPr>
               <p:cNvPr id="38" name="Text Box 37"/>
-              <p:cNvSpPr txBox="true"/>
+              <p:cNvSpPr txBox="1"/>
               <p:nvPr/>
             </p:nvSpPr>
             <p:spPr>
@@ -4308,7 +4353,7 @@
               <p:nvPr/>
             </p:nvCxnSpPr>
             <p:spPr>
-              <a:xfrm flipH="true" flipV="true">
+              <a:xfrm flipH="1" flipV="1">
                 <a:off x="3296" y="4930"/>
                 <a:ext cx="165" cy="2"/>
               </a:xfrm>
@@ -4389,7 +4434,7 @@
             <p:nvPr/>
           </p:nvCxnSpPr>
           <p:spPr>
-            <a:xfrm flipH="true">
+            <a:xfrm flipH="1">
               <a:off x="4235" y="3160"/>
               <a:ext cx="2" cy="300"/>
             </a:xfrm>
@@ -4428,7 +4473,7 @@
             <p:nvPr/>
           </p:nvCxnSpPr>
           <p:spPr>
-            <a:xfrm flipH="true">
+            <a:xfrm flipH="1">
               <a:off x="5210" y="3160"/>
               <a:ext cx="2" cy="300"/>
             </a:xfrm>
@@ -4467,7 +4512,7 @@
             <p:nvPr/>
           </p:nvCxnSpPr>
           <p:spPr>
-            <a:xfrm flipH="true">
+            <a:xfrm flipH="1">
               <a:off x="4237" y="4143"/>
               <a:ext cx="2" cy="300"/>
             </a:xfrm>
@@ -4506,7 +4551,7 @@
             <p:nvPr/>
           </p:nvCxnSpPr>
           <p:spPr>
-            <a:xfrm flipH="true">
+            <a:xfrm flipH="1">
               <a:off x="5209" y="4134"/>
               <a:ext cx="2" cy="300"/>
             </a:xfrm>
@@ -4541,7 +4586,7 @@
         <p:sp>
           <p:nvSpPr>
             <p:cNvPr id="10" name="Text Box 9"/>
-            <p:cNvSpPr txBox="true"/>
+            <p:cNvSpPr txBox="1"/>
             <p:nvPr/>
           </p:nvSpPr>
           <p:spPr>
@@ -4583,7 +4628,7 @@
         <p:sp>
           <p:nvSpPr>
             <p:cNvPr id="15" name="Text Box 14"/>
-            <p:cNvSpPr txBox="true"/>
+            <p:cNvSpPr txBox="1"/>
             <p:nvPr/>
           </p:nvSpPr>
           <p:spPr>
@@ -4760,7 +4805,7 @@
           <p:sp>
             <p:nvSpPr>
               <p:cNvPr id="14" name="Text Box 13"/>
-              <p:cNvSpPr txBox="true"/>
+              <p:cNvSpPr txBox="1"/>
               <p:nvPr/>
             </p:nvSpPr>
             <p:spPr>
@@ -4806,7 +4851,7 @@
               <p:nvPr/>
             </p:nvCxnSpPr>
             <p:spPr>
-              <a:xfrm flipH="true" flipV="true">
+              <a:xfrm flipH="1" flipV="1">
                 <a:off x="3734" y="5883"/>
                 <a:ext cx="165" cy="2"/>
               </a:xfrm>
@@ -4845,7 +4890,7 @@
               <p:nvPr/>
             </p:nvCxnSpPr>
             <p:spPr>
-              <a:xfrm flipH="true" flipV="true">
+              <a:xfrm flipH="1" flipV="1">
                 <a:off x="4231" y="5881"/>
                 <a:ext cx="212" cy="3"/>
               </a:xfrm>
@@ -4879,7 +4924,7 @@
         <p:sp>
           <p:nvSpPr>
             <p:cNvPr id="30" name="Text Box 29"/>
-            <p:cNvSpPr txBox="true"/>
+            <p:cNvSpPr txBox="1"/>
             <p:nvPr/>
           </p:nvSpPr>
           <p:spPr>
@@ -4964,7 +5009,7 @@
             <p:nvPr/>
           </p:nvCxnSpPr>
           <p:spPr>
-            <a:xfrm flipH="true" flipV="true">
+            <a:xfrm flipH="1" flipV="1">
               <a:off x="5759" y="4894"/>
               <a:ext cx="165" cy="2"/>
             </a:xfrm>
@@ -5135,7 +5180,7 @@
           <p:sp>
             <p:nvSpPr>
               <p:cNvPr id="50" name="Text Box 49"/>
-              <p:cNvSpPr txBox="true"/>
+              <p:cNvSpPr txBox="1"/>
               <p:nvPr/>
             </p:nvSpPr>
             <p:spPr>
@@ -5181,7 +5226,7 @@
               <p:nvPr/>
             </p:nvCxnSpPr>
             <p:spPr>
-              <a:xfrm flipH="true" flipV="true">
+              <a:xfrm flipH="1" flipV="1">
                 <a:off x="4231" y="5881"/>
                 <a:ext cx="165" cy="2"/>
               </a:xfrm>
@@ -5219,7 +5264,7 @@
             <p:nvPr/>
           </p:nvCxnSpPr>
           <p:spPr>
-            <a:xfrm flipH="true" flipV="true">
+            <a:xfrm flipH="1" flipV="1">
               <a:off x="4836" y="4896"/>
               <a:ext cx="212" cy="3"/>
             </a:xfrm>
@@ -5281,7 +5326,7 @@
           <p:sp>
             <p:nvSpPr>
               <p:cNvPr id="112" name="Text Box 111"/>
-              <p:cNvSpPr txBox="true"/>
+              <p:cNvSpPr txBox="1"/>
               <p:nvPr/>
             </p:nvSpPr>
             <p:spPr>
@@ -5437,7 +5482,7 @@
               <p:nvPr/>
             </p:nvCxnSpPr>
             <p:spPr>
-              <a:xfrm flipH="true" flipV="true">
+              <a:xfrm flipH="1" flipV="1">
                 <a:off x="3681" y="4937"/>
                 <a:ext cx="165" cy="2"/>
               </a:xfrm>
@@ -5544,7 +5589,7 @@
               <p:nvPr/>
             </p:nvCxnSpPr>
             <p:spPr>
-              <a:xfrm flipH="true">
+              <a:xfrm flipH="1">
                 <a:off x="5694" y="3125"/>
                 <a:ext cx="2" cy="300"/>
               </a:xfrm>
@@ -5589,7 +5634,7 @@
               <p:nvPr/>
             </p:nvCxnSpPr>
             <p:spPr>
-              <a:xfrm flipH="true">
+              <a:xfrm flipH="1">
                 <a:off x="6669" y="3125"/>
                 <a:ext cx="2" cy="300"/>
               </a:xfrm>
@@ -5634,7 +5679,7 @@
               <p:nvPr/>
             </p:nvCxnSpPr>
             <p:spPr>
-              <a:xfrm flipH="true">
+              <a:xfrm flipH="1">
                 <a:off x="5696" y="4108"/>
                 <a:ext cx="2" cy="300"/>
               </a:xfrm>
@@ -5679,7 +5724,7 @@
               <p:nvPr/>
             </p:nvCxnSpPr>
             <p:spPr>
-              <a:xfrm flipH="true">
+              <a:xfrm flipH="1">
                 <a:off x="6668" y="4099"/>
                 <a:ext cx="2" cy="300"/>
               </a:xfrm>
@@ -5720,7 +5765,7 @@
           <p:sp>
             <p:nvSpPr>
               <p:cNvPr id="122" name="Text Box 121"/>
-              <p:cNvSpPr txBox="true"/>
+              <p:cNvSpPr txBox="1"/>
               <p:nvPr/>
             </p:nvSpPr>
             <p:spPr>
@@ -5763,7 +5808,7 @@
         <p:sp>
           <p:nvSpPr>
             <p:cNvPr id="123" name="Text Box 122"/>
-            <p:cNvSpPr txBox="true"/>
+            <p:cNvSpPr txBox="1"/>
             <p:nvPr/>
           </p:nvSpPr>
           <p:spPr>
@@ -5940,7 +5985,7 @@
           <p:sp>
             <p:nvSpPr>
               <p:cNvPr id="141" name="Text Box 140"/>
-              <p:cNvSpPr txBox="true"/>
+              <p:cNvSpPr txBox="1"/>
               <p:nvPr/>
             </p:nvSpPr>
             <p:spPr>
@@ -5983,7 +6028,7 @@
         <p:sp>
           <p:nvSpPr>
             <p:cNvPr id="144" name="Text Box 143"/>
-            <p:cNvSpPr txBox="true"/>
+            <p:cNvSpPr txBox="1"/>
             <p:nvPr/>
           </p:nvSpPr>
           <p:spPr>
@@ -6160,7 +6205,7 @@
           <p:sp>
             <p:nvSpPr>
               <p:cNvPr id="151" name="Text Box 150"/>
-              <p:cNvSpPr txBox="true"/>
+              <p:cNvSpPr txBox="1"/>
               <p:nvPr/>
             </p:nvSpPr>
             <p:spPr>
@@ -6206,7 +6251,7 @@
               <p:nvPr/>
             </p:nvCxnSpPr>
             <p:spPr>
-              <a:xfrm flipH="true">
+              <a:xfrm flipH="1">
                 <a:off x="4231" y="5880"/>
                 <a:ext cx="213" cy="1"/>
               </a:xfrm>
@@ -6244,7 +6289,7 @@
             <p:nvPr/>
           </p:nvCxnSpPr>
           <p:spPr>
-            <a:xfrm flipH="true" flipV="true">
+            <a:xfrm flipH="1" flipV="1">
               <a:off x="6295" y="4861"/>
               <a:ext cx="212" cy="3"/>
             </a:xfrm>
@@ -6281,7 +6326,7 @@
             <p:nvPr/>
           </p:nvCxnSpPr>
           <p:spPr>
-            <a:xfrm flipH="true">
+            <a:xfrm flipH="1">
               <a:off x="7270" y="4855"/>
               <a:ext cx="213" cy="1"/>
             </a:xfrm>
@@ -6318,7 +6363,7 @@
             <p:nvPr/>
           </p:nvCxnSpPr>
           <p:spPr>
-            <a:xfrm flipH="true">
+            <a:xfrm flipH="1">
               <a:off x="7816" y="4854"/>
               <a:ext cx="213" cy="1"/>
             </a:xfrm>
@@ -6422,7 +6467,7 @@
           <p:sp>
             <p:nvSpPr>
               <p:cNvPr id="162" name="Text Box 161"/>
-              <p:cNvSpPr txBox="true"/>
+              <p:cNvSpPr txBox="1"/>
               <p:nvPr/>
             </p:nvSpPr>
             <p:spPr>
@@ -6578,7 +6623,7 @@
               <p:nvPr/>
             </p:nvCxnSpPr>
             <p:spPr>
-              <a:xfrm flipH="true" flipV="true">
+              <a:xfrm flipH="1" flipV="1">
                 <a:off x="3296" y="4930"/>
                 <a:ext cx="165" cy="2"/>
               </a:xfrm>
@@ -6659,7 +6704,7 @@
             <p:nvPr/>
           </p:nvCxnSpPr>
           <p:spPr>
-            <a:xfrm flipH="true">
+            <a:xfrm flipH="1">
               <a:off x="7408" y="4100"/>
               <a:ext cx="2" cy="300"/>
             </a:xfrm>
@@ -6698,7 +6743,7 @@
             <p:nvPr/>
           </p:nvCxnSpPr>
           <p:spPr>
-            <a:xfrm flipH="true">
+            <a:xfrm flipH="1">
               <a:off x="8383" y="4100"/>
               <a:ext cx="2" cy="300"/>
             </a:xfrm>
@@ -6737,7 +6782,7 @@
             <p:nvPr/>
           </p:nvCxnSpPr>
           <p:spPr>
-            <a:xfrm flipH="true">
+            <a:xfrm flipH="1">
               <a:off x="7410" y="5083"/>
               <a:ext cx="2" cy="300"/>
             </a:xfrm>
@@ -6776,7 +6821,7 @@
             <p:nvPr/>
           </p:nvCxnSpPr>
           <p:spPr>
-            <a:xfrm flipH="true">
+            <a:xfrm flipH="1">
               <a:off x="8382" y="5074"/>
               <a:ext cx="2" cy="300"/>
             </a:xfrm>
@@ -6811,7 +6856,7 @@
         <p:sp>
           <p:nvSpPr>
             <p:cNvPr id="171" name="Text Box 170"/>
-            <p:cNvSpPr txBox="true"/>
+            <p:cNvSpPr txBox="1"/>
             <p:nvPr/>
           </p:nvSpPr>
           <p:spPr>
@@ -6853,7 +6898,7 @@
         <p:sp>
           <p:nvSpPr>
             <p:cNvPr id="172" name="Text Box 171"/>
-            <p:cNvSpPr txBox="true"/>
+            <p:cNvSpPr txBox="1"/>
             <p:nvPr/>
           </p:nvSpPr>
           <p:spPr>
@@ -7030,7 +7075,7 @@
           <p:sp>
             <p:nvSpPr>
               <p:cNvPr id="177" name="Text Box 176"/>
-              <p:cNvSpPr txBox="true"/>
+              <p:cNvSpPr txBox="1"/>
               <p:nvPr/>
             </p:nvSpPr>
             <p:spPr>
@@ -7076,7 +7121,7 @@
               <p:nvPr/>
             </p:nvCxnSpPr>
             <p:spPr>
-              <a:xfrm flipH="true" flipV="true">
+              <a:xfrm flipH="1" flipV="1">
                 <a:off x="3734" y="5883"/>
                 <a:ext cx="165" cy="2"/>
               </a:xfrm>
@@ -7115,7 +7160,7 @@
               <p:nvPr/>
             </p:nvCxnSpPr>
             <p:spPr>
-              <a:xfrm flipH="true" flipV="true">
+              <a:xfrm flipH="1" flipV="1">
                 <a:off x="4231" y="5881"/>
                 <a:ext cx="212" cy="3"/>
               </a:xfrm>
@@ -7149,7 +7194,7 @@
         <p:sp>
           <p:nvSpPr>
             <p:cNvPr id="180" name="Text Box 179"/>
-            <p:cNvSpPr txBox="true"/>
+            <p:cNvSpPr txBox="1"/>
             <p:nvPr/>
           </p:nvSpPr>
           <p:spPr>
@@ -7326,7 +7371,7 @@
           <p:sp>
             <p:nvSpPr>
               <p:cNvPr id="187" name="Text Box 186"/>
-              <p:cNvSpPr txBox="true"/>
+              <p:cNvSpPr txBox="1"/>
               <p:nvPr/>
             </p:nvSpPr>
             <p:spPr>
@@ -7373,7 +7418,7 @@
             <p:nvPr/>
           </p:nvCxnSpPr>
           <p:spPr>
-            <a:xfrm flipH="true" flipV="true">
+            <a:xfrm flipH="1" flipV="1">
               <a:off x="8009" y="5836"/>
               <a:ext cx="212" cy="3"/>
             </a:xfrm>
@@ -7505,7 +7550,7 @@
         <p:sp>
           <p:nvSpPr>
             <p:cNvPr id="198" name="Text Box 197"/>
-            <p:cNvSpPr txBox="true"/>
+            <p:cNvSpPr txBox="1"/>
             <p:nvPr/>
           </p:nvSpPr>
           <p:spPr>
@@ -7566,7 +7611,7 @@
             <p:nvPr/>
           </p:nvCxnSpPr>
           <p:spPr>
-            <a:xfrm flipH="true" flipV="true">
+            <a:xfrm flipH="1" flipV="1">
               <a:off x="9530" y="5834"/>
               <a:ext cx="165" cy="2"/>
             </a:xfrm>
@@ -7700,7 +7745,7 @@
             <p:nvPr/>
           </p:nvCxnSpPr>
           <p:spPr>
-            <a:xfrm flipH="true">
+            <a:xfrm flipH="1">
               <a:off x="8384" y="2710"/>
               <a:ext cx="2" cy="300"/>
             </a:xfrm>
@@ -7739,7 +7784,7 @@
             <p:nvPr/>
           </p:nvCxnSpPr>
           <p:spPr>
-            <a:xfrm flipH="true">
+            <a:xfrm flipH="1">
               <a:off x="9359" y="2710"/>
               <a:ext cx="2" cy="300"/>
             </a:xfrm>
@@ -7778,7 +7823,7 @@
             <p:nvPr/>
           </p:nvCxnSpPr>
           <p:spPr>
-            <a:xfrm flipH="true">
+            <a:xfrm flipH="1">
               <a:off x="8386" y="3693"/>
               <a:ext cx="2" cy="300"/>
             </a:xfrm>
@@ -7817,7 +7862,7 @@
             <p:nvPr/>
           </p:nvCxnSpPr>
           <p:spPr>
-            <a:xfrm flipH="true">
+            <a:xfrm flipH="1">
               <a:off x="9358" y="3684"/>
               <a:ext cx="2" cy="300"/>
             </a:xfrm>
@@ -7852,7 +7897,7 @@
         <p:sp>
           <p:nvSpPr>
             <p:cNvPr id="206" name="Text Box 205"/>
-            <p:cNvSpPr txBox="true"/>
+            <p:cNvSpPr txBox="1"/>
             <p:nvPr/>
           </p:nvSpPr>
           <p:spPr>
@@ -7898,7 +7943,7 @@
             <p:nvPr/>
           </p:nvCxnSpPr>
           <p:spPr>
-            <a:xfrm flipH="true" flipV="true">
+            <a:xfrm flipH="1" flipV="1">
               <a:off x="8556" y="5838"/>
               <a:ext cx="212" cy="3"/>
             </a:xfrm>
@@ -7935,7 +7980,7 @@
             <p:nvPr/>
           </p:nvCxnSpPr>
           <p:spPr>
-            <a:xfrm flipH="true" flipV="true">
+            <a:xfrm flipH="1" flipV="1">
               <a:off x="8986" y="5837"/>
               <a:ext cx="212" cy="3"/>
             </a:xfrm>
@@ -7968,7 +8013,7 @@
         <p:sp>
           <p:nvSpPr>
             <p:cNvPr id="214" name="Text Box 213"/>
-            <p:cNvSpPr txBox="true"/>
+            <p:cNvSpPr txBox="1"/>
             <p:nvPr/>
           </p:nvSpPr>
           <p:spPr>
@@ -8054,7 +8099,7 @@
             <p:nvPr/>
           </p:nvCxnSpPr>
           <p:spPr>
-            <a:xfrm flipH="true">
+            <a:xfrm flipH="1">
               <a:off x="7409" y="1345"/>
               <a:ext cx="2" cy="300"/>
             </a:xfrm>
@@ -8093,7 +8138,7 @@
             <p:nvPr/>
           </p:nvCxnSpPr>
           <p:spPr>
-            <a:xfrm flipH="true">
+            <a:xfrm flipH="1">
               <a:off x="8384" y="1345"/>
               <a:ext cx="2" cy="300"/>
             </a:xfrm>
@@ -8132,7 +8177,7 @@
             <p:nvPr/>
           </p:nvCxnSpPr>
           <p:spPr>
-            <a:xfrm flipH="true">
+            <a:xfrm flipH="1">
               <a:off x="7411" y="2328"/>
               <a:ext cx="2" cy="300"/>
             </a:xfrm>
@@ -8171,7 +8216,7 @@
             <p:nvPr/>
           </p:nvCxnSpPr>
           <p:spPr>
-            <a:xfrm flipH="true">
+            <a:xfrm flipH="1">
               <a:off x="8383" y="2319"/>
               <a:ext cx="2" cy="300"/>
             </a:xfrm>
@@ -8206,7 +8251,7 @@
         <p:sp>
           <p:nvSpPr>
             <p:cNvPr id="220" name="Text Box 219"/>
-            <p:cNvSpPr txBox="true"/>
+            <p:cNvSpPr txBox="1"/>
             <p:nvPr/>
           </p:nvSpPr>
           <p:spPr>
@@ -8306,7 +8351,7 @@
               <p:nvPr/>
             </p:nvCxnSpPr>
             <p:spPr>
-              <a:xfrm flipH="true">
+              <a:xfrm flipH="1">
                 <a:off x="9361" y="4130"/>
                 <a:ext cx="2" cy="300"/>
               </a:xfrm>
@@ -8345,7 +8390,7 @@
               <p:nvPr/>
             </p:nvCxnSpPr>
             <p:spPr>
-              <a:xfrm flipH="true">
+              <a:xfrm flipH="1">
                 <a:off x="9363" y="5113"/>
                 <a:ext cx="2" cy="300"/>
               </a:xfrm>
@@ -8482,7 +8527,7 @@
             <p:nvPr/>
           </p:nvCxnSpPr>
           <p:spPr>
-            <a:xfrm flipH="true">
+            <a:xfrm flipH="1">
               <a:off x="6435" y="2710"/>
               <a:ext cx="2" cy="300"/>
             </a:xfrm>
@@ -8521,7 +8566,7 @@
             <p:nvPr/>
           </p:nvCxnSpPr>
           <p:spPr>
-            <a:xfrm flipH="true">
+            <a:xfrm flipH="1">
               <a:off x="7410" y="2710"/>
               <a:ext cx="2" cy="300"/>
             </a:xfrm>
@@ -8560,7 +8605,7 @@
             <p:nvPr/>
           </p:nvCxnSpPr>
           <p:spPr>
-            <a:xfrm flipH="true">
+            <a:xfrm flipH="1">
               <a:off x="6437" y="3693"/>
               <a:ext cx="2" cy="300"/>
             </a:xfrm>
@@ -8599,7 +8644,7 @@
             <p:nvPr/>
           </p:nvCxnSpPr>
           <p:spPr>
-            <a:xfrm flipH="true">
+            <a:xfrm flipH="1">
               <a:off x="7409" y="3684"/>
               <a:ext cx="2" cy="300"/>
             </a:xfrm>
@@ -8634,7 +8679,7 @@
         <p:sp>
           <p:nvSpPr>
             <p:cNvPr id="228" name="Text Box 227"/>
-            <p:cNvSpPr txBox="true"/>
+            <p:cNvSpPr txBox="1"/>
             <p:nvPr/>
           </p:nvSpPr>
           <p:spPr>
@@ -8779,7 +8824,7 @@
               <p:nvPr/>
             </p:nvCxnSpPr>
             <p:spPr>
-              <a:xfrm flipH="true">
+              <a:xfrm flipH="1">
                 <a:off x="9361" y="4130"/>
                 <a:ext cx="2" cy="300"/>
               </a:xfrm>
@@ -8818,7 +8863,7 @@
               <p:nvPr/>
             </p:nvCxnSpPr>
             <p:spPr>
-              <a:xfrm flipH="true">
+              <a:xfrm flipH="1">
                 <a:off x="9363" y="5113"/>
                 <a:ext cx="2" cy="300"/>
               </a:xfrm>
@@ -8939,7 +8984,7 @@
       <p:sp>
         <p:nvSpPr>
           <p:cNvPr id="239" name="Text Box 238"/>
-          <p:cNvSpPr txBox="true"/>
+          <p:cNvSpPr txBox="1"/>
           <p:nvPr/>
         </p:nvSpPr>
         <p:spPr>
@@ -8968,7 +9013,7 @@
       <p:sp>
         <p:nvSpPr>
           <p:cNvPr id="240" name="Text Box 239"/>
-          <p:cNvSpPr txBox="true"/>
+          <p:cNvSpPr txBox="1"/>
           <p:nvPr/>
         </p:nvSpPr>
         <p:spPr>
@@ -8997,7 +9042,7 @@
       <p:sp>
         <p:nvSpPr>
           <p:cNvPr id="241" name="Text Box 240"/>
-          <p:cNvSpPr txBox="true"/>
+          <p:cNvSpPr txBox="1"/>
           <p:nvPr/>
         </p:nvSpPr>
         <p:spPr>
@@ -9101,7 +9146,7 @@
             <p:nvPr/>
           </p:nvCxnSpPr>
           <p:spPr>
-            <a:xfrm flipV="true">
+            <a:xfrm flipV="1">
               <a:off x="8567" y="2534"/>
               <a:ext cx="301" cy="377"/>
             </a:xfrm>
@@ -9233,7 +9278,7 @@
       <p:sp>
         <p:nvSpPr>
           <p:cNvPr id="3" name="Text Box 2"/>
-          <p:cNvSpPr txBox="true"/>
+          <p:cNvSpPr txBox="1"/>
           <p:nvPr/>
         </p:nvSpPr>
         <p:spPr>
@@ -9262,7 +9307,7 @@
       <p:sp>
         <p:nvSpPr>
           <p:cNvPr id="6" name="Text Box 5"/>
-          <p:cNvSpPr txBox="true"/>
+          <p:cNvSpPr txBox="1"/>
           <p:nvPr/>
         </p:nvSpPr>
         <p:spPr>
@@ -9291,7 +9336,7 @@
       <p:sp>
         <p:nvSpPr>
           <p:cNvPr id="8" name="Text Box 7"/>
-          <p:cNvSpPr txBox="true"/>
+          <p:cNvSpPr txBox="1"/>
           <p:nvPr/>
         </p:nvSpPr>
         <p:spPr>
@@ -9320,7 +9365,7 @@
       <p:sp>
         <p:nvSpPr>
           <p:cNvPr id="9" name="Text Box 8"/>
-          <p:cNvSpPr txBox="true"/>
+          <p:cNvSpPr txBox="1"/>
           <p:nvPr/>
         </p:nvSpPr>
         <p:spPr>
@@ -9424,7 +9469,7 @@
             <p:nvPr/>
           </p:nvCxnSpPr>
           <p:spPr>
-            <a:xfrm flipV="true">
+            <a:xfrm flipV="1">
               <a:off x="8567" y="2534"/>
               <a:ext cx="301" cy="377"/>
             </a:xfrm>
@@ -9556,7 +9601,7 @@
       <p:sp>
         <p:nvSpPr>
           <p:cNvPr id="3" name="Text Box 2"/>
-          <p:cNvSpPr txBox="true"/>
+          <p:cNvSpPr txBox="1"/>
           <p:nvPr/>
         </p:nvSpPr>
         <p:spPr>
@@ -9585,7 +9630,7 @@
       <p:sp>
         <p:nvSpPr>
           <p:cNvPr id="6" name="Text Box 5"/>
-          <p:cNvSpPr txBox="true"/>
+          <p:cNvSpPr txBox="1"/>
           <p:nvPr/>
         </p:nvSpPr>
         <p:spPr>
@@ -9614,7 +9659,7 @@
       <p:sp>
         <p:nvSpPr>
           <p:cNvPr id="8" name="Text Box 7"/>
-          <p:cNvSpPr txBox="true"/>
+          <p:cNvSpPr txBox="1"/>
           <p:nvPr/>
         </p:nvSpPr>
         <p:spPr>
@@ -9643,7 +9688,7 @@
       <p:sp>
         <p:nvSpPr>
           <p:cNvPr id="9" name="Text Box 8"/>
-          <p:cNvSpPr txBox="true"/>
+          <p:cNvSpPr txBox="1"/>
           <p:nvPr/>
         </p:nvSpPr>
         <p:spPr>
@@ -9672,7 +9717,7 @@
       <p:sp>
         <p:nvSpPr>
           <p:cNvPr id="4" name="Text Box 3"/>
-          <p:cNvSpPr txBox="true"/>
+          <p:cNvSpPr txBox="1"/>
           <p:nvPr/>
         </p:nvSpPr>
         <p:spPr>
@@ -9709,7 +9754,7 @@
       <p:sp>
         <p:nvSpPr>
           <p:cNvPr id="5" name="Text Box 4"/>
-          <p:cNvSpPr txBox="true"/>
+          <p:cNvSpPr txBox="1"/>
           <p:nvPr/>
         </p:nvSpPr>
         <p:spPr>
@@ -9746,7 +9791,7 @@
       <p:sp>
         <p:nvSpPr>
           <p:cNvPr id="7" name="Text Box 6"/>
-          <p:cNvSpPr txBox="true"/>
+          <p:cNvSpPr txBox="1"/>
           <p:nvPr/>
         </p:nvSpPr>
         <p:spPr>
@@ -9858,7 +9903,7 @@
             <p:nvPr/>
           </p:nvCxnSpPr>
           <p:spPr>
-            <a:xfrm flipV="true">
+            <a:xfrm flipV="1">
               <a:off x="8567" y="2534"/>
               <a:ext cx="301" cy="377"/>
             </a:xfrm>
@@ -9990,7 +10035,7 @@
       <p:sp>
         <p:nvSpPr>
           <p:cNvPr id="3" name="Text Box 2"/>
-          <p:cNvSpPr txBox="true"/>
+          <p:cNvSpPr txBox="1"/>
           <p:nvPr/>
         </p:nvSpPr>
         <p:spPr>
@@ -10019,7 +10064,7 @@
       <p:sp>
         <p:nvSpPr>
           <p:cNvPr id="6" name="Text Box 5"/>
-          <p:cNvSpPr txBox="true"/>
+          <p:cNvSpPr txBox="1"/>
           <p:nvPr/>
         </p:nvSpPr>
         <p:spPr>
@@ -10048,7 +10093,7 @@
       <p:sp>
         <p:nvSpPr>
           <p:cNvPr id="8" name="Text Box 7"/>
-          <p:cNvSpPr txBox="true"/>
+          <p:cNvSpPr txBox="1"/>
           <p:nvPr/>
         </p:nvSpPr>
         <p:spPr>
@@ -10077,7 +10122,7 @@
       <p:sp>
         <p:nvSpPr>
           <p:cNvPr id="9" name="Text Box 8"/>
-          <p:cNvSpPr txBox="true"/>
+          <p:cNvSpPr txBox="1"/>
           <p:nvPr/>
         </p:nvSpPr>
         <p:spPr>
@@ -10106,7 +10151,7 @@
       <p:sp>
         <p:nvSpPr>
           <p:cNvPr id="4" name="Text Box 3"/>
-          <p:cNvSpPr txBox="true"/>
+          <p:cNvSpPr txBox="1"/>
           <p:nvPr/>
         </p:nvSpPr>
         <p:spPr>
@@ -10143,7 +10188,7 @@
       <p:sp>
         <p:nvSpPr>
           <p:cNvPr id="5" name="Text Box 4"/>
-          <p:cNvSpPr txBox="true"/>
+          <p:cNvSpPr txBox="1"/>
           <p:nvPr/>
         </p:nvSpPr>
         <p:spPr>
@@ -10180,7 +10225,7 @@
       <p:sp>
         <p:nvSpPr>
           <p:cNvPr id="7" name="Text Box 6"/>
-          <p:cNvSpPr txBox="true"/>
+          <p:cNvSpPr txBox="1"/>
           <p:nvPr/>
         </p:nvSpPr>
         <p:spPr>
@@ -10322,7 +10367,7 @@
             <p:nvPr/>
           </p:nvCxnSpPr>
           <p:spPr>
-            <a:xfrm flipV="true">
+            <a:xfrm flipV="1">
               <a:off x="8554" y="2567"/>
               <a:ext cx="301" cy="377"/>
             </a:xfrm>
@@ -10459,7 +10504,7 @@
       <p:sp>
         <p:nvSpPr>
           <p:cNvPr id="29" name="Text Box 28"/>
-          <p:cNvSpPr txBox="true"/>
+          <p:cNvSpPr txBox="1"/>
           <p:nvPr/>
         </p:nvSpPr>
         <p:spPr>
@@ -10535,7 +10580,7 @@
       <p:sp>
         <p:nvSpPr>
           <p:cNvPr id="33" name="Text Box 32"/>
-          <p:cNvSpPr txBox="true"/>
+          <p:cNvSpPr txBox="1"/>
           <p:nvPr/>
         </p:nvSpPr>
         <p:spPr>
@@ -10906,7 +10951,7 @@
       <p:sp>
         <p:nvSpPr>
           <p:cNvPr id="43" name="Text Box 42"/>
-          <p:cNvSpPr txBox="true"/>
+          <p:cNvSpPr txBox="1"/>
           <p:nvPr/>
         </p:nvSpPr>
         <p:spPr>
@@ -10982,7 +11027,7 @@
       <p:sp>
         <p:nvSpPr>
           <p:cNvPr id="45" name="Text Box 44"/>
-          <p:cNvSpPr txBox="true"/>
+          <p:cNvSpPr txBox="1"/>
           <p:nvPr/>
         </p:nvSpPr>
         <p:spPr>
@@ -11011,7 +11056,7 @@
       <p:sp>
         <p:nvSpPr>
           <p:cNvPr id="46" name="Text Box 45"/>
-          <p:cNvSpPr txBox="true"/>
+          <p:cNvSpPr txBox="1"/>
           <p:nvPr/>
         </p:nvSpPr>
         <p:spPr>
@@ -11081,7 +11126,7 @@
       <p:sp>
         <p:nvSpPr>
           <p:cNvPr id="48" name="Text Box 47"/>
-          <p:cNvSpPr txBox="true"/>
+          <p:cNvSpPr txBox="1"/>
           <p:nvPr/>
         </p:nvSpPr>
         <p:spPr>
@@ -11120,7 +11165,7 @@
       <p:sp>
         <p:nvSpPr>
           <p:cNvPr id="49" name="Text Box 48"/>
-          <p:cNvSpPr txBox="true"/>
+          <p:cNvSpPr txBox="1"/>
           <p:nvPr/>
         </p:nvSpPr>
         <p:spPr>
@@ -11159,7 +11204,7 @@
       <p:sp>
         <p:nvSpPr>
           <p:cNvPr id="50" name="Text Box 49"/>
-          <p:cNvSpPr txBox="true"/>
+          <p:cNvSpPr txBox="1"/>
           <p:nvPr/>
         </p:nvSpPr>
         <p:spPr>
@@ -11281,7 +11326,7 @@
       <p:sp>
         <p:nvSpPr>
           <p:cNvPr id="29" name="Text Box 28"/>
-          <p:cNvSpPr txBox="true"/>
+          <p:cNvSpPr txBox="1"/>
           <p:nvPr/>
         </p:nvSpPr>
         <p:spPr>
@@ -11346,7 +11391,7 @@
       <p:sp>
         <p:nvSpPr>
           <p:cNvPr id="4" name="Text Box 3"/>
-          <p:cNvSpPr txBox="true"/>
+          <p:cNvSpPr txBox="1"/>
           <p:nvPr/>
         </p:nvSpPr>
         <p:spPr>
@@ -11369,17 +11414,17 @@
               <a:buChar char="•"/>
             </a:pPr>
             <a:r>
-              <a:rPr lang="" altLang="en-US" sz="1400"/>
+              <a:rPr lang="en-US" altLang="en-US" sz="1400"/>
               <a:t>Undirectional</a:t>
             </a:r>
-            <a:endParaRPr lang="" altLang="en-US" sz="1400"/>
+            <a:endParaRPr lang="en-US" altLang="en-US" sz="1400"/>
           </a:p>
         </p:txBody>
       </p:sp>
       <p:sp>
         <p:nvSpPr>
           <p:cNvPr id="5" name="Text Box 4"/>
-          <p:cNvSpPr txBox="true"/>
+          <p:cNvSpPr txBox="1"/>
           <p:nvPr/>
         </p:nvSpPr>
         <p:spPr>
@@ -11402,10 +11447,10 @@
               <a:buChar char="•"/>
             </a:pPr>
             <a:r>
-              <a:rPr lang="" altLang="en-US" sz="1400"/>
+              <a:rPr lang="en-US" altLang="en-US" sz="1400"/>
               <a:t>Directional </a:t>
             </a:r>
-            <a:endParaRPr lang="" altLang="en-US" sz="1400"/>
+            <a:endParaRPr lang="en-US" altLang="en-US" sz="1400"/>
           </a:p>
         </p:txBody>
       </p:sp>
@@ -11418,7 +11463,7 @@
           <p:nvPr/>
         </p:nvCxnSpPr>
         <p:spPr>
-          <a:xfrm flipV="true">
+          <a:xfrm flipV="1">
             <a:off x="3865880" y="3124200"/>
             <a:ext cx="344805" cy="635"/>
           </a:xfrm>
@@ -11480,7 +11525,7 @@
           <p:nvPr/>
         </p:nvCxnSpPr>
         <p:spPr>
-          <a:xfrm flipH="true">
+          <a:xfrm flipH="1">
             <a:off x="3959225" y="3123565"/>
             <a:ext cx="1270" cy="502920"/>
           </a:xfrm>
@@ -11507,7 +11552,7 @@
       <p:sp>
         <p:nvSpPr>
           <p:cNvPr id="10" name="Text Box 9"/>
-          <p:cNvSpPr txBox="true"/>
+          <p:cNvSpPr txBox="1"/>
           <p:nvPr/>
         </p:nvSpPr>
         <p:spPr>
@@ -11529,12 +11574,12 @@
               <a:buNone/>
             </a:pPr>
             <a:r>
-              <a:rPr lang="" altLang="en-US" sz="1200">
+              <a:rPr lang="en-US" altLang="en-US" sz="1200">
                 <a:sym typeface="+mn-ea"/>
               </a:rPr>
               <a:t>Ket (inward)</a:t>
             </a:r>
-            <a:endParaRPr lang="" altLang="en-US" sz="1200">
+            <a:endParaRPr lang="en-US" altLang="en-US" sz="1200">
               <a:sym typeface="+mn-ea"/>
             </a:endParaRPr>
           </a:p>
@@ -11543,7 +11588,7 @@
       <p:sp>
         <p:nvSpPr>
           <p:cNvPr id="12" name="Text Box 11"/>
-          <p:cNvSpPr txBox="true"/>
+          <p:cNvSpPr txBox="1"/>
           <p:nvPr/>
         </p:nvSpPr>
         <p:spPr>
@@ -11565,28 +11610,10 @@
               <a:buNone/>
             </a:pPr>
             <a:r>
-              <a:rPr lang="" altLang="en-US" sz="1200">
-                <a:sym typeface="+mn-ea"/>
-              </a:rPr>
-              <a:t>Bra</a:t>
-            </a:r>
-            <a:r>
               <a:rPr lang="en-US" altLang="en-US" sz="1200">
                 <a:sym typeface="+mn-ea"/>
               </a:rPr>
-              <a:t> (</a:t>
-            </a:r>
-            <a:r>
-              <a:rPr lang="" altLang="en-US" sz="1200">
-                <a:sym typeface="+mn-ea"/>
-              </a:rPr>
-              <a:t>out</a:t>
-            </a:r>
-            <a:r>
-              <a:rPr lang="en-US" altLang="en-US" sz="1200">
-                <a:sym typeface="+mn-ea"/>
-              </a:rPr>
-              <a:t>ward)</a:t>
+              <a:t>Bra (outward)</a:t>
             </a:r>
             <a:endParaRPr lang="en-US" altLang="en-US" sz="1200">
               <a:sym typeface="+mn-ea"/>
@@ -11705,6 +11732,2761 @@
           <a:p>
             <a:pPr algn="ctr"/>
             <a:endParaRPr lang="en-US"/>
+          </a:p>
+        </p:txBody>
+      </p:sp>
+    </p:spTree>
+  </p:cSld>
+  <p:clrMapOvr>
+    <a:masterClrMapping/>
+  </p:clrMapOvr>
+</p:sld>
+</file>
+
+<file path=ppt/slides/slide16.xml><?xml version="1.0" encoding="utf-8"?>
+<p:sld xmlns:a="http://schemas.openxmlformats.org/drawingml/2006/main" xmlns:r="http://schemas.openxmlformats.org/officeDocument/2006/relationships" xmlns:p="http://schemas.openxmlformats.org/presentationml/2006/main">
+  <p:cSld>
+    <p:spTree>
+      <p:nvGrpSpPr>
+        <p:cNvPr id="1" name=""/>
+        <p:cNvGrpSpPr/>
+        <p:nvPr/>
+      </p:nvGrpSpPr>
+      <p:grpSpPr/>
+      <p:cxnSp>
+        <p:nvCxnSpPr>
+          <p:cNvPr id="21" name="Straight Connector 20"/>
+          <p:cNvCxnSpPr/>
+          <p:nvPr/>
+        </p:nvCxnSpPr>
+        <p:spPr>
+          <a:xfrm>
+            <a:off x="3369310" y="790575"/>
+            <a:ext cx="4526280" cy="0"/>
+          </a:xfrm>
+          <a:prstGeom prst="line">
+            <a:avLst/>
+          </a:prstGeom>
+        </p:spPr>
+        <p:style>
+          <a:lnRef idx="1">
+            <a:schemeClr val="accent1"/>
+          </a:lnRef>
+          <a:fillRef idx="0">
+            <a:schemeClr val="accent1"/>
+          </a:fillRef>
+          <a:effectRef idx="0">
+            <a:schemeClr val="accent1"/>
+          </a:effectRef>
+          <a:fontRef idx="minor">
+            <a:schemeClr val="tx1"/>
+          </a:fontRef>
+        </p:style>
+      </p:cxnSp>
+      <p:cxnSp>
+        <p:nvCxnSpPr>
+          <p:cNvPr id="26" name="Straight Connector 25"/>
+          <p:cNvCxnSpPr/>
+          <p:nvPr/>
+        </p:nvCxnSpPr>
+        <p:spPr>
+          <a:xfrm>
+            <a:off x="4663440" y="2449195"/>
+            <a:ext cx="81915" cy="1270"/>
+          </a:xfrm>
+          <a:prstGeom prst="line">
+            <a:avLst/>
+          </a:prstGeom>
+          <a:ln w="12700">
+            <a:solidFill>
+              <a:schemeClr val="bg1">
+                <a:lumMod val="65000"/>
+              </a:schemeClr>
+            </a:solidFill>
+            <a:prstDash val="sysDot"/>
+            <a:headEnd type="none"/>
+            <a:tailEnd type="none" w="med" len="med"/>
+          </a:ln>
+        </p:spPr>
+        <p:style>
+          <a:lnRef idx="2">
+            <a:schemeClr val="accent4">
+              <a:shade val="50000"/>
+            </a:schemeClr>
+          </a:lnRef>
+          <a:fillRef idx="1">
+            <a:schemeClr val="accent4"/>
+          </a:fillRef>
+          <a:effectRef idx="0">
+            <a:schemeClr val="accent4"/>
+          </a:effectRef>
+          <a:fontRef idx="minor">
+            <a:schemeClr val="lt1"/>
+          </a:fontRef>
+        </p:style>
+      </p:cxnSp>
+      <p:sp>
+        <p:nvSpPr>
+          <p:cNvPr id="69" name="Oval 68"/>
+          <p:cNvSpPr/>
+          <p:nvPr/>
+        </p:nvSpPr>
+        <p:spPr>
+          <a:xfrm>
+            <a:off x="4851400" y="2344420"/>
+            <a:ext cx="210820" cy="210820"/>
+          </a:xfrm>
+          <a:prstGeom prst="ellipse">
+            <a:avLst/>
+          </a:prstGeom>
+          <a:solidFill>
+            <a:schemeClr val="accent1">
+              <a:lumMod val="60000"/>
+              <a:lumOff val="40000"/>
+            </a:schemeClr>
+          </a:solidFill>
+        </p:spPr>
+        <p:style>
+          <a:lnRef idx="2">
+            <a:schemeClr val="accent1">
+              <a:shade val="50000"/>
+            </a:schemeClr>
+          </a:lnRef>
+          <a:fillRef idx="1">
+            <a:schemeClr val="accent1"/>
+          </a:fillRef>
+          <a:effectRef idx="0">
+            <a:schemeClr val="accent1"/>
+          </a:effectRef>
+          <a:fontRef idx="minor">
+            <a:schemeClr val="lt1"/>
+          </a:fontRef>
+        </p:style>
+        <p:txBody>
+          <a:bodyPr rtlCol="0" anchor="ctr"/>
+          <a:p>
+            <a:pPr algn="ctr"/>
+            <a:endParaRPr lang="en-US"/>
+          </a:p>
+        </p:txBody>
+      </p:sp>
+      <p:cxnSp>
+        <p:nvCxnSpPr>
+          <p:cNvPr id="70" name="Straight Connector 69"/>
+          <p:cNvCxnSpPr/>
+          <p:nvPr/>
+        </p:nvCxnSpPr>
+        <p:spPr>
+          <a:xfrm>
+            <a:off x="4956810" y="2247265"/>
+            <a:ext cx="0" cy="97155"/>
+          </a:xfrm>
+          <a:prstGeom prst="line">
+            <a:avLst/>
+          </a:prstGeom>
+          <a:ln w="28575">
+            <a:solidFill>
+              <a:schemeClr val="accent1"/>
+            </a:solidFill>
+            <a:headEnd type="none"/>
+            <a:tailEnd type="none" w="med" len="med"/>
+          </a:ln>
+        </p:spPr>
+        <p:style>
+          <a:lnRef idx="1">
+            <a:schemeClr val="accent1"/>
+          </a:lnRef>
+          <a:fillRef idx="0">
+            <a:schemeClr val="accent1"/>
+          </a:fillRef>
+          <a:effectRef idx="0">
+            <a:schemeClr val="accent1"/>
+          </a:effectRef>
+          <a:fontRef idx="minor">
+            <a:schemeClr val="tx1"/>
+          </a:fontRef>
+        </p:style>
+      </p:cxnSp>
+      <p:cxnSp>
+        <p:nvCxnSpPr>
+          <p:cNvPr id="71" name="Straight Connector 70"/>
+          <p:cNvCxnSpPr/>
+          <p:nvPr/>
+        </p:nvCxnSpPr>
+        <p:spPr>
+          <a:xfrm flipH="1" flipV="1">
+            <a:off x="4746625" y="2447290"/>
+            <a:ext cx="104775" cy="1270"/>
+          </a:xfrm>
+          <a:prstGeom prst="line">
+            <a:avLst/>
+          </a:prstGeom>
+          <a:ln w="28575">
+            <a:solidFill>
+              <a:schemeClr val="accent2"/>
+            </a:solidFill>
+            <a:headEnd type="none"/>
+            <a:tailEnd type="none" w="med" len="med"/>
+          </a:ln>
+        </p:spPr>
+        <p:style>
+          <a:lnRef idx="1">
+            <a:schemeClr val="accent1"/>
+          </a:lnRef>
+          <a:fillRef idx="0">
+            <a:schemeClr val="accent1"/>
+          </a:fillRef>
+          <a:effectRef idx="0">
+            <a:schemeClr val="accent1"/>
+          </a:effectRef>
+          <a:fontRef idx="minor">
+            <a:schemeClr val="tx1"/>
+          </a:fontRef>
+        </p:style>
+      </p:cxnSp>
+      <p:cxnSp>
+        <p:nvCxnSpPr>
+          <p:cNvPr id="80" name="Straight Connector 79"/>
+          <p:cNvCxnSpPr/>
+          <p:nvPr/>
+        </p:nvCxnSpPr>
+        <p:spPr>
+          <a:xfrm>
+            <a:off x="5171440" y="2447925"/>
+            <a:ext cx="81915" cy="1270"/>
+          </a:xfrm>
+          <a:prstGeom prst="line">
+            <a:avLst/>
+          </a:prstGeom>
+          <a:ln w="12700">
+            <a:solidFill>
+              <a:schemeClr val="bg1">
+                <a:lumMod val="65000"/>
+              </a:schemeClr>
+            </a:solidFill>
+            <a:prstDash val="sysDot"/>
+            <a:headEnd type="none"/>
+            <a:tailEnd type="none" w="med" len="med"/>
+          </a:ln>
+        </p:spPr>
+        <p:style>
+          <a:lnRef idx="2">
+            <a:schemeClr val="accent4">
+              <a:shade val="50000"/>
+            </a:schemeClr>
+          </a:lnRef>
+          <a:fillRef idx="1">
+            <a:schemeClr val="accent4"/>
+          </a:fillRef>
+          <a:effectRef idx="0">
+            <a:schemeClr val="accent4"/>
+          </a:effectRef>
+          <a:fontRef idx="minor">
+            <a:schemeClr val="lt1"/>
+          </a:fontRef>
+        </p:style>
+      </p:cxnSp>
+      <p:cxnSp>
+        <p:nvCxnSpPr>
+          <p:cNvPr id="81" name="Straight Connector 80"/>
+          <p:cNvCxnSpPr/>
+          <p:nvPr/>
+        </p:nvCxnSpPr>
+        <p:spPr>
+          <a:xfrm flipH="1" flipV="1">
+            <a:off x="5062855" y="2447925"/>
+            <a:ext cx="104775" cy="1270"/>
+          </a:xfrm>
+          <a:prstGeom prst="line">
+            <a:avLst/>
+          </a:prstGeom>
+          <a:ln w="28575">
+            <a:solidFill>
+              <a:schemeClr val="accent2"/>
+            </a:solidFill>
+            <a:headEnd type="none"/>
+            <a:tailEnd type="none" w="med" len="med"/>
+          </a:ln>
+        </p:spPr>
+        <p:style>
+          <a:lnRef idx="1">
+            <a:schemeClr val="accent1"/>
+          </a:lnRef>
+          <a:fillRef idx="0">
+            <a:schemeClr val="accent1"/>
+          </a:fillRef>
+          <a:effectRef idx="0">
+            <a:schemeClr val="accent1"/>
+          </a:effectRef>
+          <a:fontRef idx="minor">
+            <a:schemeClr val="tx1"/>
+          </a:fontRef>
+        </p:style>
+      </p:cxnSp>
+      <p:cxnSp>
+        <p:nvCxnSpPr>
+          <p:cNvPr id="22" name="Straight Connector 21"/>
+          <p:cNvCxnSpPr/>
+          <p:nvPr/>
+        </p:nvCxnSpPr>
+        <p:spPr>
+          <a:xfrm>
+            <a:off x="5263515" y="2447290"/>
+            <a:ext cx="81915" cy="1270"/>
+          </a:xfrm>
+          <a:prstGeom prst="line">
+            <a:avLst/>
+          </a:prstGeom>
+          <a:ln w="12700">
+            <a:solidFill>
+              <a:schemeClr val="bg1">
+                <a:lumMod val="65000"/>
+              </a:schemeClr>
+            </a:solidFill>
+            <a:prstDash val="sysDot"/>
+            <a:headEnd type="none"/>
+            <a:tailEnd type="none" w="med" len="med"/>
+          </a:ln>
+        </p:spPr>
+        <p:style>
+          <a:lnRef idx="2">
+            <a:schemeClr val="accent4">
+              <a:shade val="50000"/>
+            </a:schemeClr>
+          </a:lnRef>
+          <a:fillRef idx="1">
+            <a:schemeClr val="accent4"/>
+          </a:fillRef>
+          <a:effectRef idx="0">
+            <a:schemeClr val="accent4"/>
+          </a:effectRef>
+          <a:fontRef idx="minor">
+            <a:schemeClr val="lt1"/>
+          </a:fontRef>
+        </p:style>
+      </p:cxnSp>
+      <p:sp>
+        <p:nvSpPr>
+          <p:cNvPr id="23" name="Oval 22"/>
+          <p:cNvSpPr/>
+          <p:nvPr/>
+        </p:nvSpPr>
+        <p:spPr>
+          <a:xfrm>
+            <a:off x="5451475" y="2342515"/>
+            <a:ext cx="210820" cy="210820"/>
+          </a:xfrm>
+          <a:prstGeom prst="ellipse">
+            <a:avLst/>
+          </a:prstGeom>
+          <a:solidFill>
+            <a:schemeClr val="accent1">
+              <a:lumMod val="60000"/>
+              <a:lumOff val="40000"/>
+            </a:schemeClr>
+          </a:solidFill>
+        </p:spPr>
+        <p:style>
+          <a:lnRef idx="2">
+            <a:schemeClr val="accent1">
+              <a:shade val="50000"/>
+            </a:schemeClr>
+          </a:lnRef>
+          <a:fillRef idx="1">
+            <a:schemeClr val="accent1"/>
+          </a:fillRef>
+          <a:effectRef idx="0">
+            <a:schemeClr val="accent1"/>
+          </a:effectRef>
+          <a:fontRef idx="minor">
+            <a:schemeClr val="lt1"/>
+          </a:fontRef>
+        </p:style>
+        <p:txBody>
+          <a:bodyPr rtlCol="0" anchor="ctr"/>
+          <a:p>
+            <a:pPr algn="ctr"/>
+            <a:endParaRPr lang="en-US"/>
+          </a:p>
+        </p:txBody>
+      </p:sp>
+      <p:cxnSp>
+        <p:nvCxnSpPr>
+          <p:cNvPr id="24" name="Straight Connector 23"/>
+          <p:cNvCxnSpPr/>
+          <p:nvPr/>
+        </p:nvCxnSpPr>
+        <p:spPr>
+          <a:xfrm>
+            <a:off x="5556885" y="2245360"/>
+            <a:ext cx="0" cy="97155"/>
+          </a:xfrm>
+          <a:prstGeom prst="line">
+            <a:avLst/>
+          </a:prstGeom>
+          <a:ln w="28575">
+            <a:solidFill>
+              <a:schemeClr val="accent1"/>
+            </a:solidFill>
+            <a:headEnd type="none"/>
+            <a:tailEnd type="none" w="med" len="med"/>
+          </a:ln>
+        </p:spPr>
+        <p:style>
+          <a:lnRef idx="1">
+            <a:schemeClr val="accent1"/>
+          </a:lnRef>
+          <a:fillRef idx="0">
+            <a:schemeClr val="accent1"/>
+          </a:fillRef>
+          <a:effectRef idx="0">
+            <a:schemeClr val="accent1"/>
+          </a:effectRef>
+          <a:fontRef idx="minor">
+            <a:schemeClr val="tx1"/>
+          </a:fontRef>
+        </p:style>
+      </p:cxnSp>
+      <p:cxnSp>
+        <p:nvCxnSpPr>
+          <p:cNvPr id="25" name="Straight Connector 24"/>
+          <p:cNvCxnSpPr/>
+          <p:nvPr/>
+        </p:nvCxnSpPr>
+        <p:spPr>
+          <a:xfrm flipH="1" flipV="1">
+            <a:off x="5346700" y="2445385"/>
+            <a:ext cx="104775" cy="1270"/>
+          </a:xfrm>
+          <a:prstGeom prst="line">
+            <a:avLst/>
+          </a:prstGeom>
+          <a:ln w="28575">
+            <a:solidFill>
+              <a:schemeClr val="accent2"/>
+            </a:solidFill>
+            <a:headEnd type="none"/>
+            <a:tailEnd type="none" w="med" len="med"/>
+          </a:ln>
+        </p:spPr>
+        <p:style>
+          <a:lnRef idx="1">
+            <a:schemeClr val="accent1"/>
+          </a:lnRef>
+          <a:fillRef idx="0">
+            <a:schemeClr val="accent1"/>
+          </a:fillRef>
+          <a:effectRef idx="0">
+            <a:schemeClr val="accent1"/>
+          </a:effectRef>
+          <a:fontRef idx="minor">
+            <a:schemeClr val="tx1"/>
+          </a:fontRef>
+        </p:style>
+      </p:cxnSp>
+      <p:cxnSp>
+        <p:nvCxnSpPr>
+          <p:cNvPr id="27" name="Straight Connector 26"/>
+          <p:cNvCxnSpPr/>
+          <p:nvPr/>
+        </p:nvCxnSpPr>
+        <p:spPr>
+          <a:xfrm>
+            <a:off x="5771515" y="2449195"/>
+            <a:ext cx="81915" cy="1270"/>
+          </a:xfrm>
+          <a:prstGeom prst="line">
+            <a:avLst/>
+          </a:prstGeom>
+          <a:ln w="12700">
+            <a:solidFill>
+              <a:schemeClr val="bg1">
+                <a:lumMod val="65000"/>
+              </a:schemeClr>
+            </a:solidFill>
+            <a:prstDash val="sysDot"/>
+            <a:headEnd type="none"/>
+            <a:tailEnd type="none" w="med" len="med"/>
+          </a:ln>
+        </p:spPr>
+        <p:style>
+          <a:lnRef idx="2">
+            <a:schemeClr val="accent4">
+              <a:shade val="50000"/>
+            </a:schemeClr>
+          </a:lnRef>
+          <a:fillRef idx="1">
+            <a:schemeClr val="accent4"/>
+          </a:fillRef>
+          <a:effectRef idx="0">
+            <a:schemeClr val="accent4"/>
+          </a:effectRef>
+          <a:fontRef idx="minor">
+            <a:schemeClr val="lt1"/>
+          </a:fontRef>
+        </p:style>
+      </p:cxnSp>
+      <p:cxnSp>
+        <p:nvCxnSpPr>
+          <p:cNvPr id="30" name="Straight Connector 29"/>
+          <p:cNvCxnSpPr/>
+          <p:nvPr/>
+        </p:nvCxnSpPr>
+        <p:spPr>
+          <a:xfrm flipH="1" flipV="1">
+            <a:off x="5662930" y="2446020"/>
+            <a:ext cx="104775" cy="1270"/>
+          </a:xfrm>
+          <a:prstGeom prst="line">
+            <a:avLst/>
+          </a:prstGeom>
+          <a:ln w="28575">
+            <a:solidFill>
+              <a:schemeClr val="accent2"/>
+            </a:solidFill>
+            <a:headEnd type="none"/>
+            <a:tailEnd type="none" w="med" len="med"/>
+          </a:ln>
+        </p:spPr>
+        <p:style>
+          <a:lnRef idx="1">
+            <a:schemeClr val="accent1"/>
+          </a:lnRef>
+          <a:fillRef idx="0">
+            <a:schemeClr val="accent1"/>
+          </a:fillRef>
+          <a:effectRef idx="0">
+            <a:schemeClr val="accent1"/>
+          </a:effectRef>
+          <a:fontRef idx="minor">
+            <a:schemeClr val="tx1"/>
+          </a:fontRef>
+        </p:style>
+      </p:cxnSp>
+      <p:cxnSp>
+        <p:nvCxnSpPr>
+          <p:cNvPr id="33" name="Straight Connector 32"/>
+          <p:cNvCxnSpPr/>
+          <p:nvPr/>
+        </p:nvCxnSpPr>
+        <p:spPr>
+          <a:xfrm>
+            <a:off x="6270625" y="2455545"/>
+            <a:ext cx="81915" cy="1270"/>
+          </a:xfrm>
+          <a:prstGeom prst="line">
+            <a:avLst/>
+          </a:prstGeom>
+          <a:ln w="12700">
+            <a:solidFill>
+              <a:schemeClr val="bg1">
+                <a:lumMod val="65000"/>
+              </a:schemeClr>
+            </a:solidFill>
+            <a:prstDash val="sysDot"/>
+            <a:headEnd type="none"/>
+            <a:tailEnd type="none" w="med" len="med"/>
+          </a:ln>
+        </p:spPr>
+        <p:style>
+          <a:lnRef idx="2">
+            <a:schemeClr val="accent4">
+              <a:shade val="50000"/>
+            </a:schemeClr>
+          </a:lnRef>
+          <a:fillRef idx="1">
+            <a:schemeClr val="accent4"/>
+          </a:fillRef>
+          <a:effectRef idx="0">
+            <a:schemeClr val="accent4"/>
+          </a:effectRef>
+          <a:fontRef idx="minor">
+            <a:schemeClr val="lt1"/>
+          </a:fontRef>
+        </p:style>
+      </p:cxnSp>
+      <p:sp>
+        <p:nvSpPr>
+          <p:cNvPr id="34" name="Oval 33"/>
+          <p:cNvSpPr/>
+          <p:nvPr/>
+        </p:nvSpPr>
+        <p:spPr>
+          <a:xfrm>
+            <a:off x="6458585" y="2350770"/>
+            <a:ext cx="210820" cy="210820"/>
+          </a:xfrm>
+          <a:prstGeom prst="ellipse">
+            <a:avLst/>
+          </a:prstGeom>
+          <a:solidFill>
+            <a:schemeClr val="accent1">
+              <a:lumMod val="60000"/>
+              <a:lumOff val="40000"/>
+            </a:schemeClr>
+          </a:solidFill>
+        </p:spPr>
+        <p:style>
+          <a:lnRef idx="2">
+            <a:schemeClr val="accent1">
+              <a:shade val="50000"/>
+            </a:schemeClr>
+          </a:lnRef>
+          <a:fillRef idx="1">
+            <a:schemeClr val="accent1"/>
+          </a:fillRef>
+          <a:effectRef idx="0">
+            <a:schemeClr val="accent1"/>
+          </a:effectRef>
+          <a:fontRef idx="minor">
+            <a:schemeClr val="lt1"/>
+          </a:fontRef>
+        </p:style>
+        <p:txBody>
+          <a:bodyPr rtlCol="0" anchor="ctr"/>
+          <a:p>
+            <a:pPr algn="ctr"/>
+            <a:endParaRPr lang="en-US"/>
+          </a:p>
+        </p:txBody>
+      </p:sp>
+      <p:cxnSp>
+        <p:nvCxnSpPr>
+          <p:cNvPr id="35" name="Straight Connector 34"/>
+          <p:cNvCxnSpPr/>
+          <p:nvPr/>
+        </p:nvCxnSpPr>
+        <p:spPr>
+          <a:xfrm>
+            <a:off x="6563995" y="2253615"/>
+            <a:ext cx="0" cy="97155"/>
+          </a:xfrm>
+          <a:prstGeom prst="line">
+            <a:avLst/>
+          </a:prstGeom>
+          <a:ln w="28575">
+            <a:solidFill>
+              <a:schemeClr val="accent1"/>
+            </a:solidFill>
+            <a:headEnd type="none"/>
+            <a:tailEnd type="none" w="med" len="med"/>
+          </a:ln>
+        </p:spPr>
+        <p:style>
+          <a:lnRef idx="1">
+            <a:schemeClr val="accent1"/>
+          </a:lnRef>
+          <a:fillRef idx="0">
+            <a:schemeClr val="accent1"/>
+          </a:fillRef>
+          <a:effectRef idx="0">
+            <a:schemeClr val="accent1"/>
+          </a:effectRef>
+          <a:fontRef idx="minor">
+            <a:schemeClr val="tx1"/>
+          </a:fontRef>
+        </p:style>
+      </p:cxnSp>
+      <p:cxnSp>
+        <p:nvCxnSpPr>
+          <p:cNvPr id="36" name="Straight Connector 35"/>
+          <p:cNvCxnSpPr/>
+          <p:nvPr/>
+        </p:nvCxnSpPr>
+        <p:spPr>
+          <a:xfrm flipH="1" flipV="1">
+            <a:off x="6353810" y="2453640"/>
+            <a:ext cx="104775" cy="1270"/>
+          </a:xfrm>
+          <a:prstGeom prst="line">
+            <a:avLst/>
+          </a:prstGeom>
+          <a:ln w="28575">
+            <a:solidFill>
+              <a:schemeClr val="accent2"/>
+            </a:solidFill>
+            <a:headEnd type="none"/>
+            <a:tailEnd type="none" w="med" len="med"/>
+          </a:ln>
+        </p:spPr>
+        <p:style>
+          <a:lnRef idx="1">
+            <a:schemeClr val="accent1"/>
+          </a:lnRef>
+          <a:fillRef idx="0">
+            <a:schemeClr val="accent1"/>
+          </a:fillRef>
+          <a:effectRef idx="0">
+            <a:schemeClr val="accent1"/>
+          </a:effectRef>
+          <a:fontRef idx="minor">
+            <a:schemeClr val="tx1"/>
+          </a:fontRef>
+        </p:style>
+      </p:cxnSp>
+      <p:cxnSp>
+        <p:nvCxnSpPr>
+          <p:cNvPr id="37" name="Straight Connector 36"/>
+          <p:cNvCxnSpPr/>
+          <p:nvPr/>
+        </p:nvCxnSpPr>
+        <p:spPr>
+          <a:xfrm>
+            <a:off x="6778625" y="2454275"/>
+            <a:ext cx="81915" cy="1270"/>
+          </a:xfrm>
+          <a:prstGeom prst="line">
+            <a:avLst/>
+          </a:prstGeom>
+          <a:ln w="12700">
+            <a:solidFill>
+              <a:schemeClr val="bg1">
+                <a:lumMod val="65000"/>
+              </a:schemeClr>
+            </a:solidFill>
+            <a:prstDash val="sysDot"/>
+            <a:headEnd type="none"/>
+            <a:tailEnd type="none" w="med" len="med"/>
+          </a:ln>
+        </p:spPr>
+        <p:style>
+          <a:lnRef idx="2">
+            <a:schemeClr val="accent4">
+              <a:shade val="50000"/>
+            </a:schemeClr>
+          </a:lnRef>
+          <a:fillRef idx="1">
+            <a:schemeClr val="accent4"/>
+          </a:fillRef>
+          <a:effectRef idx="0">
+            <a:schemeClr val="accent4"/>
+          </a:effectRef>
+          <a:fontRef idx="minor">
+            <a:schemeClr val="lt1"/>
+          </a:fontRef>
+        </p:style>
+      </p:cxnSp>
+      <p:cxnSp>
+        <p:nvCxnSpPr>
+          <p:cNvPr id="38" name="Straight Connector 37"/>
+          <p:cNvCxnSpPr/>
+          <p:nvPr/>
+        </p:nvCxnSpPr>
+        <p:spPr>
+          <a:xfrm flipH="1" flipV="1">
+            <a:off x="6670040" y="2454275"/>
+            <a:ext cx="104775" cy="1270"/>
+          </a:xfrm>
+          <a:prstGeom prst="line">
+            <a:avLst/>
+          </a:prstGeom>
+          <a:ln w="28575">
+            <a:solidFill>
+              <a:schemeClr val="accent2"/>
+            </a:solidFill>
+            <a:headEnd type="none"/>
+            <a:tailEnd type="none" w="med" len="med"/>
+          </a:ln>
+        </p:spPr>
+        <p:style>
+          <a:lnRef idx="1">
+            <a:schemeClr val="accent1"/>
+          </a:lnRef>
+          <a:fillRef idx="0">
+            <a:schemeClr val="accent1"/>
+          </a:fillRef>
+          <a:effectRef idx="0">
+            <a:schemeClr val="accent1"/>
+          </a:effectRef>
+          <a:fontRef idx="minor">
+            <a:schemeClr val="tx1"/>
+          </a:fontRef>
+        </p:style>
+      </p:cxnSp>
+      <p:sp>
+        <p:nvSpPr>
+          <p:cNvPr id="74" name="Text Box 73"/>
+          <p:cNvSpPr txBox="1"/>
+          <p:nvPr/>
+        </p:nvSpPr>
+        <p:spPr>
+          <a:xfrm>
+            <a:off x="5843905" y="2171065"/>
+            <a:ext cx="436880" cy="368300"/>
+          </a:xfrm>
+          <a:prstGeom prst="rect">
+            <a:avLst/>
+          </a:prstGeom>
+          <a:noFill/>
+        </p:spPr>
+        <p:txBody>
+          <a:bodyPr wrap="none" rtlCol="0">
+            <a:spAutoFit/>
+          </a:bodyPr>
+          <a:p>
+            <a:r>
+              <a:rPr lang="" altLang="en-US"/>
+              <a:t>....</a:t>
+            </a:r>
+            <a:endParaRPr lang="" altLang="en-US"/>
+          </a:p>
+        </p:txBody>
+      </p:sp>
+      <p:grpSp>
+        <p:nvGrpSpPr>
+          <p:cNvPr id="86" name="Group 85"/>
+          <p:cNvGrpSpPr/>
+          <p:nvPr/>
+        </p:nvGrpSpPr>
+        <p:grpSpPr>
+          <a:xfrm>
+            <a:off x="3769360" y="2252345"/>
+            <a:ext cx="324485" cy="368300"/>
+            <a:chOff x="1610" y="5447"/>
+            <a:chExt cx="511" cy="580"/>
+          </a:xfrm>
+        </p:grpSpPr>
+        <p:grpSp>
+          <p:nvGrpSpPr>
+            <p:cNvPr id="85" name="Group 84"/>
+            <p:cNvGrpSpPr/>
+            <p:nvPr/>
+          </p:nvGrpSpPr>
+          <p:grpSpPr>
+            <a:xfrm>
+              <a:off x="1679" y="5586"/>
+              <a:ext cx="442" cy="336"/>
+              <a:chOff x="1383" y="5165"/>
+              <a:chExt cx="691" cy="524"/>
+            </a:xfrm>
+          </p:grpSpPr>
+          <p:cxnSp>
+            <p:nvCxnSpPr>
+              <p:cNvPr id="76" name="Straight Connector 75"/>
+              <p:cNvCxnSpPr/>
+              <p:nvPr/>
+            </p:nvCxnSpPr>
+            <p:spPr>
+              <a:xfrm>
+                <a:off x="1383" y="5169"/>
+                <a:ext cx="0" cy="521"/>
+              </a:xfrm>
+              <a:prstGeom prst="line">
+                <a:avLst/>
+              </a:prstGeom>
+            </p:spPr>
+            <p:style>
+              <a:lnRef idx="1">
+                <a:schemeClr val="dk1"/>
+              </a:lnRef>
+              <a:fillRef idx="0">
+                <a:schemeClr val="dk1"/>
+              </a:fillRef>
+              <a:effectRef idx="0">
+                <a:schemeClr val="dk1"/>
+              </a:effectRef>
+              <a:fontRef idx="minor">
+                <a:schemeClr val="tx1"/>
+              </a:fontRef>
+            </p:style>
+          </p:cxnSp>
+          <p:cxnSp>
+            <p:nvCxnSpPr>
+              <p:cNvPr id="77" name="Straight Connector 76"/>
+              <p:cNvCxnSpPr>
+                <a:stCxn id="79" idx="2"/>
+                <a:endCxn id="79" idx="0"/>
+              </p:cNvCxnSpPr>
+              <p:nvPr/>
+            </p:nvCxnSpPr>
+            <p:spPr>
+              <a:xfrm>
+                <a:off x="1864" y="5165"/>
+                <a:ext cx="210" cy="262"/>
+              </a:xfrm>
+              <a:prstGeom prst="line">
+                <a:avLst/>
+              </a:prstGeom>
+            </p:spPr>
+            <p:style>
+              <a:lnRef idx="1">
+                <a:schemeClr val="accent1"/>
+              </a:lnRef>
+              <a:fillRef idx="0">
+                <a:schemeClr val="accent1"/>
+              </a:fillRef>
+              <a:effectRef idx="0">
+                <a:schemeClr val="accent1"/>
+              </a:effectRef>
+              <a:fontRef idx="minor">
+                <a:schemeClr val="tx1"/>
+              </a:fontRef>
+            </p:style>
+          </p:cxnSp>
+          <p:cxnSp>
+            <p:nvCxnSpPr>
+              <p:cNvPr id="78" name="Straight Connector 77"/>
+              <p:cNvCxnSpPr>
+                <a:stCxn id="79" idx="0"/>
+                <a:endCxn id="79" idx="4"/>
+              </p:cNvCxnSpPr>
+              <p:nvPr/>
+            </p:nvCxnSpPr>
+            <p:spPr>
+              <a:xfrm flipH="1">
+                <a:off x="1864" y="5427"/>
+                <a:ext cx="210" cy="263"/>
+              </a:xfrm>
+              <a:prstGeom prst="line">
+                <a:avLst/>
+              </a:prstGeom>
+            </p:spPr>
+            <p:style>
+              <a:lnRef idx="1">
+                <a:schemeClr val="accent1"/>
+              </a:lnRef>
+              <a:fillRef idx="0">
+                <a:schemeClr val="accent1"/>
+              </a:fillRef>
+              <a:effectRef idx="0">
+                <a:schemeClr val="accent1"/>
+              </a:effectRef>
+              <a:fontRef idx="minor">
+                <a:schemeClr val="tx1"/>
+              </a:fontRef>
+            </p:style>
+          </p:cxnSp>
+          <p:cxnSp>
+            <p:nvCxnSpPr>
+              <p:cNvPr id="82" name="Straight Connector 81"/>
+              <p:cNvCxnSpPr/>
+              <p:nvPr/>
+            </p:nvCxnSpPr>
+            <p:spPr>
+              <a:xfrm>
+                <a:off x="1861" y="5165"/>
+                <a:ext cx="210" cy="262"/>
+              </a:xfrm>
+              <a:prstGeom prst="line">
+                <a:avLst/>
+              </a:prstGeom>
+            </p:spPr>
+            <p:style>
+              <a:lnRef idx="1">
+                <a:schemeClr val="dk1"/>
+              </a:lnRef>
+              <a:fillRef idx="0">
+                <a:schemeClr val="dk1"/>
+              </a:fillRef>
+              <a:effectRef idx="0">
+                <a:schemeClr val="dk1"/>
+              </a:effectRef>
+              <a:fontRef idx="minor">
+                <a:schemeClr val="tx1"/>
+              </a:fontRef>
+            </p:style>
+          </p:cxnSp>
+          <p:cxnSp>
+            <p:nvCxnSpPr>
+              <p:cNvPr id="83" name="Straight Connector 82"/>
+              <p:cNvCxnSpPr/>
+              <p:nvPr/>
+            </p:nvCxnSpPr>
+            <p:spPr>
+              <a:xfrm flipH="1">
+                <a:off x="1861" y="5427"/>
+                <a:ext cx="210" cy="263"/>
+              </a:xfrm>
+              <a:prstGeom prst="line">
+                <a:avLst/>
+              </a:prstGeom>
+            </p:spPr>
+            <p:style>
+              <a:lnRef idx="1">
+                <a:schemeClr val="dk1"/>
+              </a:lnRef>
+              <a:fillRef idx="0">
+                <a:schemeClr val="dk1"/>
+              </a:fillRef>
+              <a:effectRef idx="0">
+                <a:schemeClr val="dk1"/>
+              </a:effectRef>
+              <a:fontRef idx="minor">
+                <a:schemeClr val="tx1"/>
+              </a:fontRef>
+            </p:style>
+          </p:cxnSp>
+        </p:grpSp>
+        <p:sp>
+          <p:nvSpPr>
+            <p:cNvPr id="84" name="Text Box 83"/>
+            <p:cNvSpPr txBox="1"/>
+            <p:nvPr/>
+          </p:nvSpPr>
+          <p:spPr>
+            <a:xfrm>
+              <a:off x="1610" y="5447"/>
+              <a:ext cx="241" cy="580"/>
+            </a:xfrm>
+            <a:prstGeom prst="rect">
+              <a:avLst/>
+            </a:prstGeom>
+            <a:noFill/>
+          </p:spPr>
+          <p:txBody>
+            <a:bodyPr wrap="square" rtlCol="0">
+              <a:spAutoFit/>
+            </a:bodyPr>
+            <a:p>
+              <a:r>
+                <a:rPr lang="en-US">
+                  <a:latin typeface="TeX Gyre Schola" panose="00000500000000000000" charset="0"/>
+                  <a:cs typeface="TeX Gyre Schola" panose="00000500000000000000" charset="0"/>
+                </a:rPr>
+                <a:t>Ψ</a:t>
+              </a:r>
+              <a:endParaRPr lang="en-US">
+                <a:latin typeface="TeX Gyre Schola" panose="00000500000000000000" charset="0"/>
+                <a:cs typeface="TeX Gyre Schola" panose="00000500000000000000" charset="0"/>
+              </a:endParaRPr>
+            </a:p>
+          </p:txBody>
+        </p:sp>
+      </p:grpSp>
+      <p:sp>
+        <p:nvSpPr>
+          <p:cNvPr id="87" name="Equal 86"/>
+          <p:cNvSpPr/>
+          <p:nvPr/>
+        </p:nvSpPr>
+        <p:spPr>
+          <a:xfrm>
+            <a:off x="4187825" y="2350770"/>
+            <a:ext cx="184785" cy="184785"/>
+          </a:xfrm>
+          <a:prstGeom prst="mathEqual">
+            <a:avLst>
+              <a:gd name="adj1" fmla="val 4696"/>
+              <a:gd name="adj2" fmla="val 35121"/>
+            </a:avLst>
+          </a:prstGeom>
+        </p:spPr>
+        <p:style>
+          <a:lnRef idx="2">
+            <a:schemeClr val="dk1">
+              <a:shade val="50000"/>
+            </a:schemeClr>
+          </a:lnRef>
+          <a:fillRef idx="1">
+            <a:schemeClr val="dk1"/>
+          </a:fillRef>
+          <a:effectRef idx="0">
+            <a:schemeClr val="dk1"/>
+          </a:effectRef>
+          <a:fontRef idx="minor">
+            <a:schemeClr val="lt1"/>
+          </a:fontRef>
+        </p:style>
+        <p:txBody>
+          <a:bodyPr rtlCol="0" anchor="ctr"/>
+          <a:p>
+            <a:pPr algn="ctr"/>
+            <a:endParaRPr lang="en-US">
+              <a:solidFill>
+                <a:schemeClr val="tx1"/>
+              </a:solidFill>
+            </a:endParaRPr>
+          </a:p>
+        </p:txBody>
+      </p:sp>
+      <p:sp>
+        <p:nvSpPr>
+          <p:cNvPr id="88" name="Text Box 87"/>
+          <p:cNvSpPr txBox="1"/>
+          <p:nvPr/>
+        </p:nvSpPr>
+        <p:spPr>
+          <a:xfrm>
+            <a:off x="3788410" y="3437890"/>
+            <a:ext cx="671830" cy="368300"/>
+          </a:xfrm>
+          <a:prstGeom prst="rect">
+            <a:avLst/>
+          </a:prstGeom>
+          <a:noFill/>
+        </p:spPr>
+        <p:txBody>
+          <a:bodyPr wrap="none" rtlCol="0">
+            <a:spAutoFit/>
+          </a:bodyPr>
+          <a:p>
+            <a:pPr algn="l"/>
+            <a:r>
+              <a:rPr lang="en-US" altLang="en-US">
+                <a:sym typeface="+mn-ea"/>
+              </a:rPr>
+              <a:t>H</a:t>
+            </a:r>
+            <a:r>
+              <a:rPr lang="" altLang="en-US"/>
+              <a:t>  = </a:t>
+            </a:r>
+            <a:endParaRPr lang="" altLang="en-US"/>
+          </a:p>
+        </p:txBody>
+      </p:sp>
+      <p:sp>
+        <p:nvSpPr>
+          <p:cNvPr id="89" name="Left Bracket 88"/>
+          <p:cNvSpPr/>
+          <p:nvPr/>
+        </p:nvSpPr>
+        <p:spPr>
+          <a:xfrm>
+            <a:off x="4465955" y="4697730"/>
+            <a:ext cx="177165" cy="762000"/>
+          </a:xfrm>
+          <a:prstGeom prst="leftBracket">
+            <a:avLst>
+              <a:gd name="adj" fmla="val 98222"/>
+            </a:avLst>
+          </a:prstGeom>
+          <a:ln w="12700"/>
+        </p:spPr>
+        <p:style>
+          <a:lnRef idx="1">
+            <a:schemeClr val="dk1"/>
+          </a:lnRef>
+          <a:fillRef idx="0">
+            <a:schemeClr val="dk1"/>
+          </a:fillRef>
+          <a:effectRef idx="0">
+            <a:schemeClr val="dk1"/>
+          </a:effectRef>
+          <a:fontRef idx="minor">
+            <a:schemeClr val="tx1"/>
+          </a:fontRef>
+        </p:style>
+        <p:txBody>
+          <a:bodyPr rtlCol="0" anchor="ctr"/>
+          <a:p>
+            <a:pPr algn="ctr"/>
+            <a:endParaRPr lang="en-US"/>
+          </a:p>
+        </p:txBody>
+      </p:sp>
+      <p:cxnSp>
+        <p:nvCxnSpPr>
+          <p:cNvPr id="90" name="Straight Connector 89"/>
+          <p:cNvCxnSpPr/>
+          <p:nvPr/>
+        </p:nvCxnSpPr>
+        <p:spPr>
+          <a:xfrm>
+            <a:off x="4465955" y="5078730"/>
+            <a:ext cx="170815" cy="0"/>
+          </a:xfrm>
+          <a:prstGeom prst="line">
+            <a:avLst/>
+          </a:prstGeom>
+          <a:ln w="12700"/>
+        </p:spPr>
+        <p:style>
+          <a:lnRef idx="1">
+            <a:schemeClr val="dk1"/>
+          </a:lnRef>
+          <a:fillRef idx="0">
+            <a:schemeClr val="dk1"/>
+          </a:fillRef>
+          <a:effectRef idx="0">
+            <a:schemeClr val="dk1"/>
+          </a:effectRef>
+          <a:fontRef idx="minor">
+            <a:schemeClr val="tx1"/>
+          </a:fontRef>
+        </p:style>
+      </p:cxnSp>
+      <p:grpSp>
+        <p:nvGrpSpPr>
+          <p:cNvPr id="95" name="Group 94"/>
+          <p:cNvGrpSpPr/>
+          <p:nvPr/>
+        </p:nvGrpSpPr>
+        <p:grpSpPr>
+          <a:xfrm>
+            <a:off x="4334510" y="4971415"/>
+            <a:ext cx="239395" cy="213995"/>
+            <a:chOff x="2541" y="6870"/>
+            <a:chExt cx="377" cy="337"/>
+          </a:xfrm>
+        </p:grpSpPr>
+        <p:sp>
+          <p:nvSpPr>
+            <p:cNvPr id="92" name="Rounded Rectangle 91"/>
+            <p:cNvSpPr/>
+            <p:nvPr/>
+          </p:nvSpPr>
+          <p:spPr>
+            <a:xfrm>
+              <a:off x="2604" y="6909"/>
+              <a:ext cx="260" cy="260"/>
+            </a:xfrm>
+            <a:prstGeom prst="roundRect">
+              <a:avLst/>
+            </a:prstGeom>
+            <a:solidFill>
+              <a:schemeClr val="accent6">
+                <a:lumMod val="40000"/>
+                <a:lumOff val="60000"/>
+              </a:schemeClr>
+            </a:solidFill>
+          </p:spPr>
+          <p:style>
+            <a:lnRef idx="2">
+              <a:schemeClr val="accent6"/>
+            </a:lnRef>
+            <a:fillRef idx="1">
+              <a:schemeClr val="lt1"/>
+            </a:fillRef>
+            <a:effectRef idx="0">
+              <a:schemeClr val="accent6"/>
+            </a:effectRef>
+            <a:fontRef idx="minor">
+              <a:schemeClr val="dk1"/>
+            </a:fontRef>
+          </p:style>
+          <p:txBody>
+            <a:bodyPr rtlCol="0" anchor="ctr"/>
+            <a:p>
+              <a:pPr algn="ctr"/>
+              <a:endParaRPr lang="en-US"/>
+            </a:p>
+          </p:txBody>
+        </p:sp>
+        <p:sp>
+          <p:nvSpPr>
+            <p:cNvPr id="93" name="Text Box 92"/>
+            <p:cNvSpPr txBox="1"/>
+            <p:nvPr/>
+          </p:nvSpPr>
+          <p:spPr>
+            <a:xfrm>
+              <a:off x="2541" y="6870"/>
+              <a:ext cx="377" cy="337"/>
+            </a:xfrm>
+            <a:prstGeom prst="rect">
+              <a:avLst/>
+            </a:prstGeom>
+            <a:noFill/>
+          </p:spPr>
+          <p:txBody>
+            <a:bodyPr wrap="square" rtlCol="0">
+              <a:spAutoFit/>
+            </a:bodyPr>
+            <a:p>
+              <a:r>
+                <a:rPr lang="" altLang="en-US" sz="800"/>
+                <a:t>L</a:t>
+              </a:r>
+              <a:endParaRPr lang="" altLang="en-US" sz="800" baseline="-25000"/>
+            </a:p>
+          </p:txBody>
+        </p:sp>
+      </p:grpSp>
+      <p:grpSp>
+        <p:nvGrpSpPr>
+          <p:cNvPr id="97" name="Group 96"/>
+          <p:cNvGrpSpPr/>
+          <p:nvPr/>
+        </p:nvGrpSpPr>
+        <p:grpSpPr>
+          <a:xfrm>
+            <a:off x="4669790" y="4846320"/>
+            <a:ext cx="487045" cy="463550"/>
+            <a:chOff x="3855" y="6546"/>
+            <a:chExt cx="767" cy="730"/>
+          </a:xfrm>
+        </p:grpSpPr>
+        <p:grpSp>
+          <p:nvGrpSpPr>
+            <p:cNvPr id="91" name="Group 90"/>
+            <p:cNvGrpSpPr/>
+            <p:nvPr/>
+          </p:nvGrpSpPr>
+          <p:grpSpPr>
+            <a:xfrm>
+              <a:off x="3855" y="6546"/>
+              <a:ext cx="609" cy="731"/>
+              <a:chOff x="4207" y="6348"/>
+              <a:chExt cx="1008" cy="1210"/>
+            </a:xfrm>
+          </p:grpSpPr>
+          <p:sp>
+            <p:nvSpPr>
+              <p:cNvPr id="201" name="Rounded Rectangle 200"/>
+              <p:cNvSpPr/>
+              <p:nvPr/>
+            </p:nvSpPr>
+            <p:spPr>
+              <a:xfrm>
+                <a:off x="4470" y="6616"/>
+                <a:ext cx="745" cy="674"/>
+              </a:xfrm>
+              <a:prstGeom prst="roundRect">
+                <a:avLst/>
+              </a:prstGeom>
+              <a:solidFill>
+                <a:schemeClr val="accent6">
+                  <a:lumMod val="60000"/>
+                  <a:lumOff val="40000"/>
+                </a:schemeClr>
+              </a:solidFill>
+              <a:ln>
+                <a:solidFill>
+                  <a:schemeClr val="accent6">
+                    <a:lumMod val="75000"/>
+                  </a:schemeClr>
+                </a:solidFill>
+              </a:ln>
+            </p:spPr>
+            <p:style>
+              <a:lnRef idx="2">
+                <a:schemeClr val="accent4">
+                  <a:shade val="50000"/>
+                </a:schemeClr>
+              </a:lnRef>
+              <a:fillRef idx="1">
+                <a:schemeClr val="accent4"/>
+              </a:fillRef>
+              <a:effectRef idx="0">
+                <a:schemeClr val="accent4"/>
+              </a:effectRef>
+              <a:fontRef idx="minor">
+                <a:schemeClr val="lt1"/>
+              </a:fontRef>
+            </p:style>
+            <p:txBody>
+              <a:bodyPr rtlCol="0" anchor="ctr"/>
+              <a:p>
+                <a:pPr algn="ctr"/>
+                <a:endParaRPr lang="en-US"/>
+              </a:p>
+            </p:txBody>
+          </p:sp>
+          <p:cxnSp>
+            <p:nvCxnSpPr>
+              <p:cNvPr id="3" name="Straight Connector 2"/>
+              <p:cNvCxnSpPr>
+                <a:stCxn id="201" idx="0"/>
+              </p:cNvCxnSpPr>
+              <p:nvPr/>
+            </p:nvCxnSpPr>
+            <p:spPr>
+              <a:xfrm flipV="1">
+                <a:off x="4843" y="6348"/>
+                <a:ext cx="0" cy="268"/>
+              </a:xfrm>
+              <a:prstGeom prst="line">
+                <a:avLst/>
+              </a:prstGeom>
+              <a:ln w="12700"/>
+            </p:spPr>
+            <p:style>
+              <a:lnRef idx="1">
+                <a:schemeClr val="dk1"/>
+              </a:lnRef>
+              <a:fillRef idx="0">
+                <a:schemeClr val="dk1"/>
+              </a:fillRef>
+              <a:effectRef idx="0">
+                <a:schemeClr val="dk1"/>
+              </a:effectRef>
+              <a:fontRef idx="minor">
+                <a:schemeClr val="tx1"/>
+              </a:fontRef>
+            </p:style>
+          </p:cxnSp>
+          <p:cxnSp>
+            <p:nvCxnSpPr>
+              <p:cNvPr id="6" name="Straight Connector 5"/>
+              <p:cNvCxnSpPr/>
+              <p:nvPr/>
+            </p:nvCxnSpPr>
+            <p:spPr>
+              <a:xfrm flipV="1">
+                <a:off x="4843" y="7290"/>
+                <a:ext cx="0" cy="268"/>
+              </a:xfrm>
+              <a:prstGeom prst="line">
+                <a:avLst/>
+              </a:prstGeom>
+              <a:ln w="12700"/>
+            </p:spPr>
+            <p:style>
+              <a:lnRef idx="1">
+                <a:schemeClr val="dk1"/>
+              </a:lnRef>
+              <a:fillRef idx="0">
+                <a:schemeClr val="dk1"/>
+              </a:fillRef>
+              <a:effectRef idx="0">
+                <a:schemeClr val="dk1"/>
+              </a:effectRef>
+              <a:fontRef idx="minor">
+                <a:schemeClr val="tx1"/>
+              </a:fontRef>
+            </p:style>
+          </p:cxnSp>
+          <p:cxnSp>
+            <p:nvCxnSpPr>
+              <p:cNvPr id="13" name="Straight Connector 12"/>
+              <p:cNvCxnSpPr/>
+              <p:nvPr/>
+            </p:nvCxnSpPr>
+            <p:spPr>
+              <a:xfrm flipV="1">
+                <a:off x="4207" y="6954"/>
+                <a:ext cx="263" cy="2"/>
+              </a:xfrm>
+              <a:prstGeom prst="line">
+                <a:avLst/>
+              </a:prstGeom>
+              <a:ln w="12700"/>
+            </p:spPr>
+            <p:style>
+              <a:lnRef idx="1">
+                <a:schemeClr val="dk1"/>
+              </a:lnRef>
+              <a:fillRef idx="0">
+                <a:schemeClr val="dk1"/>
+              </a:fillRef>
+              <a:effectRef idx="0">
+                <a:schemeClr val="dk1"/>
+              </a:effectRef>
+              <a:fontRef idx="minor">
+                <a:schemeClr val="tx1"/>
+              </a:fontRef>
+            </p:style>
+          </p:cxnSp>
+        </p:grpSp>
+        <p:sp>
+          <p:nvSpPr>
+            <p:cNvPr id="17" name="Text Box 16"/>
+            <p:cNvSpPr txBox="1"/>
+            <p:nvPr/>
+          </p:nvSpPr>
+          <p:spPr>
+            <a:xfrm>
+              <a:off x="3980" y="6691"/>
+              <a:ext cx="575" cy="434"/>
+            </a:xfrm>
+            <a:prstGeom prst="rect">
+              <a:avLst/>
+            </a:prstGeom>
+            <a:noFill/>
+          </p:spPr>
+          <p:txBody>
+            <a:bodyPr wrap="none" rtlCol="0">
+              <a:spAutoFit/>
+            </a:bodyPr>
+            <a:p>
+              <a:r>
+                <a:rPr lang="" altLang="en-US" sz="1200"/>
+                <a:t>M</a:t>
+              </a:r>
+              <a:r>
+                <a:rPr lang="" altLang="en-US" sz="1200" baseline="-25000"/>
+                <a:t>1</a:t>
+              </a:r>
+              <a:endParaRPr lang="" altLang="en-US" sz="1200" baseline="-25000"/>
+            </a:p>
+          </p:txBody>
+        </p:sp>
+        <p:cxnSp>
+          <p:nvCxnSpPr>
+            <p:cNvPr id="96" name="Straight Connector 95"/>
+            <p:cNvCxnSpPr/>
+            <p:nvPr/>
+          </p:nvCxnSpPr>
+          <p:spPr>
+            <a:xfrm flipV="1">
+              <a:off x="4464" y="6915"/>
+              <a:ext cx="159" cy="1"/>
+            </a:xfrm>
+            <a:prstGeom prst="line">
+              <a:avLst/>
+            </a:prstGeom>
+            <a:ln w="12700"/>
+          </p:spPr>
+          <p:style>
+            <a:lnRef idx="1">
+              <a:schemeClr val="dk1"/>
+            </a:lnRef>
+            <a:fillRef idx="0">
+              <a:schemeClr val="dk1"/>
+            </a:fillRef>
+            <a:effectRef idx="0">
+              <a:schemeClr val="dk1"/>
+            </a:effectRef>
+            <a:fontRef idx="minor">
+              <a:schemeClr val="tx1"/>
+            </a:fontRef>
+          </p:style>
+        </p:cxnSp>
+      </p:grpSp>
+      <p:grpSp>
+        <p:nvGrpSpPr>
+          <p:cNvPr id="98" name="Group 97"/>
+          <p:cNvGrpSpPr/>
+          <p:nvPr/>
+        </p:nvGrpSpPr>
+        <p:grpSpPr>
+          <a:xfrm>
+            <a:off x="5192395" y="4849495"/>
+            <a:ext cx="487680" cy="464185"/>
+            <a:chOff x="3855" y="6546"/>
+            <a:chExt cx="768" cy="731"/>
+          </a:xfrm>
+        </p:grpSpPr>
+        <p:grpSp>
+          <p:nvGrpSpPr>
+            <p:cNvPr id="99" name="Group 98"/>
+            <p:cNvGrpSpPr/>
+            <p:nvPr/>
+          </p:nvGrpSpPr>
+          <p:grpSpPr>
+            <a:xfrm>
+              <a:off x="3855" y="6546"/>
+              <a:ext cx="609" cy="731"/>
+              <a:chOff x="4207" y="6348"/>
+              <a:chExt cx="1008" cy="1210"/>
+            </a:xfrm>
+          </p:grpSpPr>
+          <p:sp>
+            <p:nvSpPr>
+              <p:cNvPr id="100" name="Rounded Rectangle 99"/>
+              <p:cNvSpPr/>
+              <p:nvPr/>
+            </p:nvSpPr>
+            <p:spPr>
+              <a:xfrm>
+                <a:off x="4470" y="6616"/>
+                <a:ext cx="745" cy="674"/>
+              </a:xfrm>
+              <a:prstGeom prst="roundRect">
+                <a:avLst/>
+              </a:prstGeom>
+              <a:solidFill>
+                <a:schemeClr val="accent6">
+                  <a:lumMod val="60000"/>
+                  <a:lumOff val="40000"/>
+                </a:schemeClr>
+              </a:solidFill>
+              <a:ln>
+                <a:solidFill>
+                  <a:schemeClr val="accent6">
+                    <a:lumMod val="75000"/>
+                  </a:schemeClr>
+                </a:solidFill>
+              </a:ln>
+            </p:spPr>
+            <p:style>
+              <a:lnRef idx="2">
+                <a:schemeClr val="accent4">
+                  <a:shade val="50000"/>
+                </a:schemeClr>
+              </a:lnRef>
+              <a:fillRef idx="1">
+                <a:schemeClr val="accent4"/>
+              </a:fillRef>
+              <a:effectRef idx="0">
+                <a:schemeClr val="accent4"/>
+              </a:effectRef>
+              <a:fontRef idx="minor">
+                <a:schemeClr val="lt1"/>
+              </a:fontRef>
+            </p:style>
+            <p:txBody>
+              <a:bodyPr rtlCol="0" anchor="ctr"/>
+              <a:p>
+                <a:pPr algn="ctr"/>
+                <a:endParaRPr lang="en-US"/>
+              </a:p>
+            </p:txBody>
+          </p:sp>
+          <p:cxnSp>
+            <p:nvCxnSpPr>
+              <p:cNvPr id="101" name="Straight Connector 100"/>
+              <p:cNvCxnSpPr>
+                <a:stCxn id="100" idx="0"/>
+              </p:cNvCxnSpPr>
+              <p:nvPr/>
+            </p:nvCxnSpPr>
+            <p:spPr>
+              <a:xfrm flipV="1">
+                <a:off x="4843" y="6348"/>
+                <a:ext cx="0" cy="268"/>
+              </a:xfrm>
+              <a:prstGeom prst="line">
+                <a:avLst/>
+              </a:prstGeom>
+              <a:ln w="12700"/>
+            </p:spPr>
+            <p:style>
+              <a:lnRef idx="1">
+                <a:schemeClr val="dk1"/>
+              </a:lnRef>
+              <a:fillRef idx="0">
+                <a:schemeClr val="dk1"/>
+              </a:fillRef>
+              <a:effectRef idx="0">
+                <a:schemeClr val="dk1"/>
+              </a:effectRef>
+              <a:fontRef idx="minor">
+                <a:schemeClr val="tx1"/>
+              </a:fontRef>
+            </p:style>
+          </p:cxnSp>
+          <p:cxnSp>
+            <p:nvCxnSpPr>
+              <p:cNvPr id="102" name="Straight Connector 101"/>
+              <p:cNvCxnSpPr/>
+              <p:nvPr/>
+            </p:nvCxnSpPr>
+            <p:spPr>
+              <a:xfrm flipV="1">
+                <a:off x="4843" y="7290"/>
+                <a:ext cx="0" cy="268"/>
+              </a:xfrm>
+              <a:prstGeom prst="line">
+                <a:avLst/>
+              </a:prstGeom>
+              <a:ln w="12700"/>
+            </p:spPr>
+            <p:style>
+              <a:lnRef idx="1">
+                <a:schemeClr val="dk1"/>
+              </a:lnRef>
+              <a:fillRef idx="0">
+                <a:schemeClr val="dk1"/>
+              </a:fillRef>
+              <a:effectRef idx="0">
+                <a:schemeClr val="dk1"/>
+              </a:effectRef>
+              <a:fontRef idx="minor">
+                <a:schemeClr val="tx1"/>
+              </a:fontRef>
+            </p:style>
+          </p:cxnSp>
+          <p:cxnSp>
+            <p:nvCxnSpPr>
+              <p:cNvPr id="103" name="Straight Connector 102"/>
+              <p:cNvCxnSpPr/>
+              <p:nvPr/>
+            </p:nvCxnSpPr>
+            <p:spPr>
+              <a:xfrm flipV="1">
+                <a:off x="4207" y="6954"/>
+                <a:ext cx="263" cy="2"/>
+              </a:xfrm>
+              <a:prstGeom prst="line">
+                <a:avLst/>
+              </a:prstGeom>
+              <a:ln w="12700"/>
+            </p:spPr>
+            <p:style>
+              <a:lnRef idx="1">
+                <a:schemeClr val="dk1"/>
+              </a:lnRef>
+              <a:fillRef idx="0">
+                <a:schemeClr val="dk1"/>
+              </a:fillRef>
+              <a:effectRef idx="0">
+                <a:schemeClr val="dk1"/>
+              </a:effectRef>
+              <a:fontRef idx="minor">
+                <a:schemeClr val="tx1"/>
+              </a:fontRef>
+            </p:style>
+          </p:cxnSp>
+        </p:grpSp>
+        <p:sp>
+          <p:nvSpPr>
+            <p:cNvPr id="104" name="Text Box 103"/>
+            <p:cNvSpPr txBox="1"/>
+            <p:nvPr/>
+          </p:nvSpPr>
+          <p:spPr>
+            <a:xfrm>
+              <a:off x="3980" y="6691"/>
+              <a:ext cx="575" cy="434"/>
+            </a:xfrm>
+            <a:prstGeom prst="rect">
+              <a:avLst/>
+            </a:prstGeom>
+            <a:noFill/>
+          </p:spPr>
+          <p:txBody>
+            <a:bodyPr wrap="none" rtlCol="0">
+              <a:spAutoFit/>
+            </a:bodyPr>
+            <a:p>
+              <a:r>
+                <a:rPr lang="en-US" altLang="en-US" sz="1200"/>
+                <a:t>M</a:t>
+              </a:r>
+              <a:r>
+                <a:rPr lang="" altLang="en-US" sz="1200" baseline="-25000"/>
+                <a:t>2</a:t>
+              </a:r>
+              <a:endParaRPr lang="" altLang="en-US" sz="1200" baseline="-25000"/>
+            </a:p>
+          </p:txBody>
+        </p:sp>
+        <p:cxnSp>
+          <p:nvCxnSpPr>
+            <p:cNvPr id="105" name="Straight Connector 104"/>
+            <p:cNvCxnSpPr/>
+            <p:nvPr/>
+          </p:nvCxnSpPr>
+          <p:spPr>
+            <a:xfrm flipV="1">
+              <a:off x="4464" y="6915"/>
+              <a:ext cx="159" cy="1"/>
+            </a:xfrm>
+            <a:prstGeom prst="line">
+              <a:avLst/>
+            </a:prstGeom>
+            <a:ln w="12700"/>
+          </p:spPr>
+          <p:style>
+            <a:lnRef idx="1">
+              <a:schemeClr val="dk1"/>
+            </a:lnRef>
+            <a:fillRef idx="0">
+              <a:schemeClr val="dk1"/>
+            </a:fillRef>
+            <a:effectRef idx="0">
+              <a:schemeClr val="dk1"/>
+            </a:effectRef>
+            <a:fontRef idx="minor">
+              <a:schemeClr val="tx1"/>
+            </a:fontRef>
+          </p:style>
+        </p:cxnSp>
+      </p:grpSp>
+      <p:sp>
+        <p:nvSpPr>
+          <p:cNvPr id="106" name="Text Box 105"/>
+          <p:cNvSpPr txBox="1"/>
+          <p:nvPr/>
+        </p:nvSpPr>
+        <p:spPr>
+          <a:xfrm>
+            <a:off x="5674995" y="4839335"/>
+            <a:ext cx="436880" cy="368300"/>
+          </a:xfrm>
+          <a:prstGeom prst="rect">
+            <a:avLst/>
+          </a:prstGeom>
+          <a:noFill/>
+        </p:spPr>
+        <p:txBody>
+          <a:bodyPr wrap="none" rtlCol="0">
+            <a:spAutoFit/>
+          </a:bodyPr>
+          <a:p>
+            <a:r>
+              <a:rPr lang="en-US" altLang="en-US"/>
+              <a:t>....</a:t>
+            </a:r>
+            <a:endParaRPr lang="en-US" altLang="en-US"/>
+          </a:p>
+        </p:txBody>
+      </p:sp>
+      <p:grpSp>
+        <p:nvGrpSpPr>
+          <p:cNvPr id="107" name="Group 106"/>
+          <p:cNvGrpSpPr/>
+          <p:nvPr/>
+        </p:nvGrpSpPr>
+        <p:grpSpPr>
+          <a:xfrm>
+            <a:off x="6111875" y="4846320"/>
+            <a:ext cx="487680" cy="464185"/>
+            <a:chOff x="3855" y="6546"/>
+            <a:chExt cx="768" cy="731"/>
+          </a:xfrm>
+        </p:grpSpPr>
+        <p:grpSp>
+          <p:nvGrpSpPr>
+            <p:cNvPr id="108" name="Group 107"/>
+            <p:cNvGrpSpPr/>
+            <p:nvPr/>
+          </p:nvGrpSpPr>
+          <p:grpSpPr>
+            <a:xfrm>
+              <a:off x="3855" y="6546"/>
+              <a:ext cx="609" cy="731"/>
+              <a:chOff x="4207" y="6348"/>
+              <a:chExt cx="1008" cy="1210"/>
+            </a:xfrm>
+          </p:grpSpPr>
+          <p:sp>
+            <p:nvSpPr>
+              <p:cNvPr id="109" name="Rounded Rectangle 108"/>
+              <p:cNvSpPr/>
+              <p:nvPr/>
+            </p:nvSpPr>
+            <p:spPr>
+              <a:xfrm>
+                <a:off x="4470" y="6616"/>
+                <a:ext cx="745" cy="674"/>
+              </a:xfrm>
+              <a:prstGeom prst="roundRect">
+                <a:avLst/>
+              </a:prstGeom>
+              <a:solidFill>
+                <a:schemeClr val="accent6">
+                  <a:lumMod val="60000"/>
+                  <a:lumOff val="40000"/>
+                </a:schemeClr>
+              </a:solidFill>
+              <a:ln>
+                <a:solidFill>
+                  <a:schemeClr val="accent6">
+                    <a:lumMod val="75000"/>
+                  </a:schemeClr>
+                </a:solidFill>
+              </a:ln>
+            </p:spPr>
+            <p:style>
+              <a:lnRef idx="2">
+                <a:schemeClr val="accent4">
+                  <a:shade val="50000"/>
+                </a:schemeClr>
+              </a:lnRef>
+              <a:fillRef idx="1">
+                <a:schemeClr val="accent4"/>
+              </a:fillRef>
+              <a:effectRef idx="0">
+                <a:schemeClr val="accent4"/>
+              </a:effectRef>
+              <a:fontRef idx="minor">
+                <a:schemeClr val="lt1"/>
+              </a:fontRef>
+            </p:style>
+            <p:txBody>
+              <a:bodyPr rtlCol="0" anchor="ctr"/>
+              <a:p>
+                <a:pPr algn="ctr"/>
+                <a:endParaRPr lang="en-US"/>
+              </a:p>
+            </p:txBody>
+          </p:sp>
+          <p:cxnSp>
+            <p:nvCxnSpPr>
+              <p:cNvPr id="110" name="Straight Connector 109"/>
+              <p:cNvCxnSpPr>
+                <a:stCxn id="109" idx="0"/>
+              </p:cNvCxnSpPr>
+              <p:nvPr/>
+            </p:nvCxnSpPr>
+            <p:spPr>
+              <a:xfrm flipV="1">
+                <a:off x="4843" y="6348"/>
+                <a:ext cx="0" cy="268"/>
+              </a:xfrm>
+              <a:prstGeom prst="line">
+                <a:avLst/>
+              </a:prstGeom>
+              <a:ln w="12700"/>
+            </p:spPr>
+            <p:style>
+              <a:lnRef idx="1">
+                <a:schemeClr val="dk1"/>
+              </a:lnRef>
+              <a:fillRef idx="0">
+                <a:schemeClr val="dk1"/>
+              </a:fillRef>
+              <a:effectRef idx="0">
+                <a:schemeClr val="dk1"/>
+              </a:effectRef>
+              <a:fontRef idx="minor">
+                <a:schemeClr val="tx1"/>
+              </a:fontRef>
+            </p:style>
+          </p:cxnSp>
+          <p:cxnSp>
+            <p:nvCxnSpPr>
+              <p:cNvPr id="111" name="Straight Connector 110"/>
+              <p:cNvCxnSpPr/>
+              <p:nvPr/>
+            </p:nvCxnSpPr>
+            <p:spPr>
+              <a:xfrm flipV="1">
+                <a:off x="4843" y="7290"/>
+                <a:ext cx="0" cy="268"/>
+              </a:xfrm>
+              <a:prstGeom prst="line">
+                <a:avLst/>
+              </a:prstGeom>
+              <a:ln w="12700"/>
+            </p:spPr>
+            <p:style>
+              <a:lnRef idx="1">
+                <a:schemeClr val="dk1"/>
+              </a:lnRef>
+              <a:fillRef idx="0">
+                <a:schemeClr val="dk1"/>
+              </a:fillRef>
+              <a:effectRef idx="0">
+                <a:schemeClr val="dk1"/>
+              </a:effectRef>
+              <a:fontRef idx="minor">
+                <a:schemeClr val="tx1"/>
+              </a:fontRef>
+            </p:style>
+          </p:cxnSp>
+          <p:cxnSp>
+            <p:nvCxnSpPr>
+              <p:cNvPr id="112" name="Straight Connector 111"/>
+              <p:cNvCxnSpPr/>
+              <p:nvPr/>
+            </p:nvCxnSpPr>
+            <p:spPr>
+              <a:xfrm flipV="1">
+                <a:off x="4207" y="6954"/>
+                <a:ext cx="263" cy="2"/>
+              </a:xfrm>
+              <a:prstGeom prst="line">
+                <a:avLst/>
+              </a:prstGeom>
+              <a:ln w="12700"/>
+            </p:spPr>
+            <p:style>
+              <a:lnRef idx="1">
+                <a:schemeClr val="dk1"/>
+              </a:lnRef>
+              <a:fillRef idx="0">
+                <a:schemeClr val="dk1"/>
+              </a:fillRef>
+              <a:effectRef idx="0">
+                <a:schemeClr val="dk1"/>
+              </a:effectRef>
+              <a:fontRef idx="minor">
+                <a:schemeClr val="tx1"/>
+              </a:fontRef>
+            </p:style>
+          </p:cxnSp>
+        </p:grpSp>
+        <p:sp>
+          <p:nvSpPr>
+            <p:cNvPr id="113" name="Text Box 112"/>
+            <p:cNvSpPr txBox="1"/>
+            <p:nvPr/>
+          </p:nvSpPr>
+          <p:spPr>
+            <a:xfrm>
+              <a:off x="3980" y="6691"/>
+              <a:ext cx="575" cy="434"/>
+            </a:xfrm>
+            <a:prstGeom prst="rect">
+              <a:avLst/>
+            </a:prstGeom>
+            <a:noFill/>
+          </p:spPr>
+          <p:txBody>
+            <a:bodyPr wrap="none" rtlCol="0">
+              <a:spAutoFit/>
+            </a:bodyPr>
+            <a:p>
+              <a:r>
+                <a:rPr lang="en-US" altLang="en-US" sz="1200"/>
+                <a:t>M</a:t>
+              </a:r>
+              <a:r>
+                <a:rPr lang="" altLang="en-US" sz="1200" baseline="-25000"/>
+                <a:t>L</a:t>
+              </a:r>
+              <a:endParaRPr lang="" altLang="en-US" sz="1200" baseline="-25000"/>
+            </a:p>
+          </p:txBody>
+        </p:sp>
+        <p:cxnSp>
+          <p:nvCxnSpPr>
+            <p:cNvPr id="114" name="Straight Connector 113"/>
+            <p:cNvCxnSpPr/>
+            <p:nvPr/>
+          </p:nvCxnSpPr>
+          <p:spPr>
+            <a:xfrm flipV="1">
+              <a:off x="4464" y="6915"/>
+              <a:ext cx="159" cy="1"/>
+            </a:xfrm>
+            <a:prstGeom prst="line">
+              <a:avLst/>
+            </a:prstGeom>
+            <a:ln w="12700"/>
+          </p:spPr>
+          <p:style>
+            <a:lnRef idx="1">
+              <a:schemeClr val="dk1"/>
+            </a:lnRef>
+            <a:fillRef idx="0">
+              <a:schemeClr val="dk1"/>
+            </a:fillRef>
+            <a:effectRef idx="0">
+              <a:schemeClr val="dk1"/>
+            </a:effectRef>
+            <a:fontRef idx="minor">
+              <a:schemeClr val="tx1"/>
+            </a:fontRef>
+          </p:style>
+        </p:cxnSp>
+      </p:grpSp>
+      <p:sp>
+        <p:nvSpPr>
+          <p:cNvPr id="115" name="Left Bracket 114"/>
+          <p:cNvSpPr/>
+          <p:nvPr/>
+        </p:nvSpPr>
+        <p:spPr>
+          <a:xfrm rot="10800000">
+            <a:off x="6645910" y="4703445"/>
+            <a:ext cx="177165" cy="762000"/>
+          </a:xfrm>
+          <a:prstGeom prst="leftBracket">
+            <a:avLst>
+              <a:gd name="adj" fmla="val 98222"/>
+            </a:avLst>
+          </a:prstGeom>
+          <a:ln w="12700"/>
+        </p:spPr>
+        <p:style>
+          <a:lnRef idx="1">
+            <a:schemeClr val="dk1"/>
+          </a:lnRef>
+          <a:fillRef idx="0">
+            <a:schemeClr val="dk1"/>
+          </a:fillRef>
+          <a:effectRef idx="0">
+            <a:schemeClr val="dk1"/>
+          </a:effectRef>
+          <a:fontRef idx="minor">
+            <a:schemeClr val="tx1"/>
+          </a:fontRef>
+        </p:style>
+        <p:txBody>
+          <a:bodyPr rtlCol="0" anchor="ctr"/>
+          <a:p>
+            <a:pPr algn="ctr"/>
+            <a:endParaRPr lang="en-US"/>
+          </a:p>
+        </p:txBody>
+      </p:sp>
+      <p:cxnSp>
+        <p:nvCxnSpPr>
+          <p:cNvPr id="116" name="Straight Connector 115"/>
+          <p:cNvCxnSpPr/>
+          <p:nvPr/>
+        </p:nvCxnSpPr>
+        <p:spPr>
+          <a:xfrm rot="10800000">
+            <a:off x="6645910" y="5084445"/>
+            <a:ext cx="170815" cy="0"/>
+          </a:xfrm>
+          <a:prstGeom prst="line">
+            <a:avLst/>
+          </a:prstGeom>
+          <a:ln w="12700"/>
+        </p:spPr>
+        <p:style>
+          <a:lnRef idx="1">
+            <a:schemeClr val="dk1"/>
+          </a:lnRef>
+          <a:fillRef idx="0">
+            <a:schemeClr val="dk1"/>
+          </a:fillRef>
+          <a:effectRef idx="0">
+            <a:schemeClr val="dk1"/>
+          </a:effectRef>
+          <a:fontRef idx="minor">
+            <a:schemeClr val="tx1"/>
+          </a:fontRef>
+        </p:style>
+      </p:cxnSp>
+      <p:grpSp>
+        <p:nvGrpSpPr>
+          <p:cNvPr id="117" name="Group 116"/>
+          <p:cNvGrpSpPr/>
+          <p:nvPr/>
+        </p:nvGrpSpPr>
+        <p:grpSpPr>
+          <a:xfrm>
+            <a:off x="6706870" y="4968875"/>
+            <a:ext cx="239395" cy="213995"/>
+            <a:chOff x="2541" y="6870"/>
+            <a:chExt cx="377" cy="337"/>
+          </a:xfrm>
+        </p:grpSpPr>
+        <p:sp>
+          <p:nvSpPr>
+            <p:cNvPr id="118" name="Rounded Rectangle 117"/>
+            <p:cNvSpPr/>
+            <p:nvPr/>
+          </p:nvSpPr>
+          <p:spPr>
+            <a:xfrm>
+              <a:off x="2604" y="6909"/>
+              <a:ext cx="260" cy="260"/>
+            </a:xfrm>
+            <a:prstGeom prst="roundRect">
+              <a:avLst/>
+            </a:prstGeom>
+            <a:solidFill>
+              <a:schemeClr val="accent6">
+                <a:lumMod val="40000"/>
+                <a:lumOff val="60000"/>
+              </a:schemeClr>
+            </a:solidFill>
+          </p:spPr>
+          <p:style>
+            <a:lnRef idx="2">
+              <a:schemeClr val="accent6"/>
+            </a:lnRef>
+            <a:fillRef idx="1">
+              <a:schemeClr val="lt1"/>
+            </a:fillRef>
+            <a:effectRef idx="0">
+              <a:schemeClr val="accent6"/>
+            </a:effectRef>
+            <a:fontRef idx="minor">
+              <a:schemeClr val="dk1"/>
+            </a:fontRef>
+          </p:style>
+          <p:txBody>
+            <a:bodyPr rtlCol="0" anchor="ctr"/>
+            <a:p>
+              <a:pPr algn="ctr"/>
+              <a:endParaRPr lang="en-US"/>
+            </a:p>
+          </p:txBody>
+        </p:sp>
+        <p:sp>
+          <p:nvSpPr>
+            <p:cNvPr id="119" name="Text Box 118"/>
+            <p:cNvSpPr txBox="1"/>
+            <p:nvPr/>
+          </p:nvSpPr>
+          <p:spPr>
+            <a:xfrm>
+              <a:off x="2541" y="6870"/>
+              <a:ext cx="377" cy="337"/>
+            </a:xfrm>
+            <a:prstGeom prst="rect">
+              <a:avLst/>
+            </a:prstGeom>
+            <a:noFill/>
+          </p:spPr>
+          <p:txBody>
+            <a:bodyPr wrap="square" rtlCol="0">
+              <a:spAutoFit/>
+            </a:bodyPr>
+            <a:p>
+              <a:r>
+                <a:rPr lang="" altLang="en-US" sz="800"/>
+                <a:t>R</a:t>
+              </a:r>
+              <a:endParaRPr lang="" altLang="en-US" sz="800" baseline="-25000"/>
+            </a:p>
+          </p:txBody>
+        </p:sp>
+      </p:grpSp>
+      <p:sp>
+        <p:nvSpPr>
+          <p:cNvPr id="122" name="Rounded Rectangle 121"/>
+          <p:cNvSpPr/>
+          <p:nvPr/>
+        </p:nvSpPr>
+        <p:spPr>
+          <a:xfrm>
+            <a:off x="4526915" y="3493135"/>
+            <a:ext cx="2143125" cy="258445"/>
+          </a:xfrm>
+          <a:prstGeom prst="roundRect">
+            <a:avLst/>
+          </a:prstGeom>
+          <a:solidFill>
+            <a:schemeClr val="accent6">
+              <a:lumMod val="60000"/>
+              <a:lumOff val="40000"/>
+            </a:schemeClr>
+          </a:solidFill>
+          <a:ln>
+            <a:solidFill>
+              <a:schemeClr val="accent6">
+                <a:lumMod val="75000"/>
+              </a:schemeClr>
+            </a:solidFill>
+          </a:ln>
+        </p:spPr>
+        <p:style>
+          <a:lnRef idx="2">
+            <a:schemeClr val="accent4">
+              <a:shade val="50000"/>
+            </a:schemeClr>
+          </a:lnRef>
+          <a:fillRef idx="1">
+            <a:schemeClr val="accent4"/>
+          </a:fillRef>
+          <a:effectRef idx="0">
+            <a:schemeClr val="accent4"/>
+          </a:effectRef>
+          <a:fontRef idx="minor">
+            <a:schemeClr val="lt1"/>
+          </a:fontRef>
+        </p:style>
+        <p:txBody>
+          <a:bodyPr rtlCol="0" anchor="ctr"/>
+          <a:p>
+            <a:pPr algn="ctr"/>
+            <a:endParaRPr lang="en-US"/>
+          </a:p>
+        </p:txBody>
+      </p:sp>
+      <p:cxnSp>
+        <p:nvCxnSpPr>
+          <p:cNvPr id="128" name="Straight Connector 127"/>
+          <p:cNvCxnSpPr/>
+          <p:nvPr/>
+        </p:nvCxnSpPr>
+        <p:spPr>
+          <a:xfrm flipV="1">
+            <a:off x="4851400" y="3302635"/>
+            <a:ext cx="0" cy="190500"/>
+          </a:xfrm>
+          <a:prstGeom prst="line">
+            <a:avLst/>
+          </a:prstGeom>
+          <a:ln w="12700"/>
+        </p:spPr>
+        <p:style>
+          <a:lnRef idx="1">
+            <a:schemeClr val="dk1"/>
+          </a:lnRef>
+          <a:fillRef idx="0">
+            <a:schemeClr val="dk1"/>
+          </a:fillRef>
+          <a:effectRef idx="0">
+            <a:schemeClr val="dk1"/>
+          </a:effectRef>
+          <a:fontRef idx="minor">
+            <a:schemeClr val="tx1"/>
+          </a:fontRef>
+        </p:style>
+      </p:cxnSp>
+      <p:cxnSp>
+        <p:nvCxnSpPr>
+          <p:cNvPr id="129" name="Straight Connector 128"/>
+          <p:cNvCxnSpPr/>
+          <p:nvPr/>
+        </p:nvCxnSpPr>
+        <p:spPr>
+          <a:xfrm flipV="1">
+            <a:off x="5127625" y="3302635"/>
+            <a:ext cx="0" cy="190500"/>
+          </a:xfrm>
+          <a:prstGeom prst="line">
+            <a:avLst/>
+          </a:prstGeom>
+          <a:ln w="12700"/>
+        </p:spPr>
+        <p:style>
+          <a:lnRef idx="1">
+            <a:schemeClr val="dk1"/>
+          </a:lnRef>
+          <a:fillRef idx="0">
+            <a:schemeClr val="dk1"/>
+          </a:fillRef>
+          <a:effectRef idx="0">
+            <a:schemeClr val="dk1"/>
+          </a:effectRef>
+          <a:fontRef idx="minor">
+            <a:schemeClr val="tx1"/>
+          </a:fontRef>
+        </p:style>
+      </p:cxnSp>
+      <p:cxnSp>
+        <p:nvCxnSpPr>
+          <p:cNvPr id="130" name="Straight Connector 129"/>
+          <p:cNvCxnSpPr/>
+          <p:nvPr/>
+        </p:nvCxnSpPr>
+        <p:spPr>
+          <a:xfrm flipV="1">
+            <a:off x="6369050" y="3302635"/>
+            <a:ext cx="0" cy="190500"/>
+          </a:xfrm>
+          <a:prstGeom prst="line">
+            <a:avLst/>
+          </a:prstGeom>
+          <a:ln w="12700"/>
+        </p:spPr>
+        <p:style>
+          <a:lnRef idx="1">
+            <a:schemeClr val="dk1"/>
+          </a:lnRef>
+          <a:fillRef idx="0">
+            <a:schemeClr val="dk1"/>
+          </a:fillRef>
+          <a:effectRef idx="0">
+            <a:schemeClr val="dk1"/>
+          </a:effectRef>
+          <a:fontRef idx="minor">
+            <a:schemeClr val="tx1"/>
+          </a:fontRef>
+        </p:style>
+      </p:cxnSp>
+      <p:sp>
+        <p:nvSpPr>
+          <p:cNvPr id="131" name="Text Box 130"/>
+          <p:cNvSpPr txBox="1"/>
+          <p:nvPr/>
+        </p:nvSpPr>
+        <p:spPr>
+          <a:xfrm>
+            <a:off x="5789295" y="3124835"/>
+            <a:ext cx="436880" cy="368300"/>
+          </a:xfrm>
+          <a:prstGeom prst="rect">
+            <a:avLst/>
+          </a:prstGeom>
+          <a:noFill/>
+        </p:spPr>
+        <p:txBody>
+          <a:bodyPr wrap="none" rtlCol="0">
+            <a:spAutoFit/>
+          </a:bodyPr>
+          <a:p>
+            <a:r>
+              <a:rPr lang="en-US" altLang="en-US"/>
+              <a:t>....</a:t>
+            </a:r>
+            <a:endParaRPr lang="en-US" altLang="en-US"/>
+          </a:p>
+        </p:txBody>
+      </p:sp>
+      <p:cxnSp>
+        <p:nvCxnSpPr>
+          <p:cNvPr id="132" name="Straight Connector 131"/>
+          <p:cNvCxnSpPr/>
+          <p:nvPr/>
+        </p:nvCxnSpPr>
+        <p:spPr>
+          <a:xfrm flipV="1">
+            <a:off x="5399405" y="3302635"/>
+            <a:ext cx="0" cy="190500"/>
+          </a:xfrm>
+          <a:prstGeom prst="line">
+            <a:avLst/>
+          </a:prstGeom>
+          <a:ln w="12700"/>
+        </p:spPr>
+        <p:style>
+          <a:lnRef idx="1">
+            <a:schemeClr val="dk1"/>
+          </a:lnRef>
+          <a:fillRef idx="0">
+            <a:schemeClr val="dk1"/>
+          </a:fillRef>
+          <a:effectRef idx="0">
+            <a:schemeClr val="dk1"/>
+          </a:effectRef>
+          <a:fontRef idx="minor">
+            <a:schemeClr val="tx1"/>
+          </a:fontRef>
+        </p:style>
+      </p:cxnSp>
+      <p:cxnSp>
+        <p:nvCxnSpPr>
+          <p:cNvPr id="133" name="Straight Connector 132"/>
+          <p:cNvCxnSpPr/>
+          <p:nvPr/>
+        </p:nvCxnSpPr>
+        <p:spPr>
+          <a:xfrm flipV="1">
+            <a:off x="5688330" y="3302635"/>
+            <a:ext cx="0" cy="190500"/>
+          </a:xfrm>
+          <a:prstGeom prst="line">
+            <a:avLst/>
+          </a:prstGeom>
+          <a:ln w="12700"/>
+        </p:spPr>
+        <p:style>
+          <a:lnRef idx="1">
+            <a:schemeClr val="dk1"/>
+          </a:lnRef>
+          <a:fillRef idx="0">
+            <a:schemeClr val="dk1"/>
+          </a:fillRef>
+          <a:effectRef idx="0">
+            <a:schemeClr val="dk1"/>
+          </a:effectRef>
+          <a:fontRef idx="minor">
+            <a:schemeClr val="tx1"/>
+          </a:fontRef>
+        </p:style>
+      </p:cxnSp>
+      <p:cxnSp>
+        <p:nvCxnSpPr>
+          <p:cNvPr id="134" name="Straight Connector 133"/>
+          <p:cNvCxnSpPr/>
+          <p:nvPr/>
+        </p:nvCxnSpPr>
+        <p:spPr>
+          <a:xfrm flipV="1">
+            <a:off x="4856480" y="3751580"/>
+            <a:ext cx="0" cy="190500"/>
+          </a:xfrm>
+          <a:prstGeom prst="line">
+            <a:avLst/>
+          </a:prstGeom>
+          <a:ln w="12700"/>
+        </p:spPr>
+        <p:style>
+          <a:lnRef idx="1">
+            <a:schemeClr val="dk1"/>
+          </a:lnRef>
+          <a:fillRef idx="0">
+            <a:schemeClr val="dk1"/>
+          </a:fillRef>
+          <a:effectRef idx="0">
+            <a:schemeClr val="dk1"/>
+          </a:effectRef>
+          <a:fontRef idx="minor">
+            <a:schemeClr val="tx1"/>
+          </a:fontRef>
+        </p:style>
+      </p:cxnSp>
+      <p:cxnSp>
+        <p:nvCxnSpPr>
+          <p:cNvPr id="135" name="Straight Connector 134"/>
+          <p:cNvCxnSpPr/>
+          <p:nvPr/>
+        </p:nvCxnSpPr>
+        <p:spPr>
+          <a:xfrm flipV="1">
+            <a:off x="5132705" y="3751580"/>
+            <a:ext cx="0" cy="190500"/>
+          </a:xfrm>
+          <a:prstGeom prst="line">
+            <a:avLst/>
+          </a:prstGeom>
+          <a:ln w="12700"/>
+        </p:spPr>
+        <p:style>
+          <a:lnRef idx="1">
+            <a:schemeClr val="dk1"/>
+          </a:lnRef>
+          <a:fillRef idx="0">
+            <a:schemeClr val="dk1"/>
+          </a:fillRef>
+          <a:effectRef idx="0">
+            <a:schemeClr val="dk1"/>
+          </a:effectRef>
+          <a:fontRef idx="minor">
+            <a:schemeClr val="tx1"/>
+          </a:fontRef>
+        </p:style>
+      </p:cxnSp>
+      <p:cxnSp>
+        <p:nvCxnSpPr>
+          <p:cNvPr id="136" name="Straight Connector 135"/>
+          <p:cNvCxnSpPr/>
+          <p:nvPr/>
+        </p:nvCxnSpPr>
+        <p:spPr>
+          <a:xfrm flipV="1">
+            <a:off x="6374130" y="3751580"/>
+            <a:ext cx="0" cy="190500"/>
+          </a:xfrm>
+          <a:prstGeom prst="line">
+            <a:avLst/>
+          </a:prstGeom>
+          <a:ln w="12700"/>
+        </p:spPr>
+        <p:style>
+          <a:lnRef idx="1">
+            <a:schemeClr val="dk1"/>
+          </a:lnRef>
+          <a:fillRef idx="0">
+            <a:schemeClr val="dk1"/>
+          </a:fillRef>
+          <a:effectRef idx="0">
+            <a:schemeClr val="dk1"/>
+          </a:effectRef>
+          <a:fontRef idx="minor">
+            <a:schemeClr val="tx1"/>
+          </a:fontRef>
+        </p:style>
+      </p:cxnSp>
+      <p:cxnSp>
+        <p:nvCxnSpPr>
+          <p:cNvPr id="137" name="Straight Connector 136"/>
+          <p:cNvCxnSpPr/>
+          <p:nvPr/>
+        </p:nvCxnSpPr>
+        <p:spPr>
+          <a:xfrm flipV="1">
+            <a:off x="5404485" y="3751580"/>
+            <a:ext cx="0" cy="190500"/>
+          </a:xfrm>
+          <a:prstGeom prst="line">
+            <a:avLst/>
+          </a:prstGeom>
+          <a:ln w="12700"/>
+        </p:spPr>
+        <p:style>
+          <a:lnRef idx="1">
+            <a:schemeClr val="dk1"/>
+          </a:lnRef>
+          <a:fillRef idx="0">
+            <a:schemeClr val="dk1"/>
+          </a:fillRef>
+          <a:effectRef idx="0">
+            <a:schemeClr val="dk1"/>
+          </a:effectRef>
+          <a:fontRef idx="minor">
+            <a:schemeClr val="tx1"/>
+          </a:fontRef>
+        </p:style>
+      </p:cxnSp>
+      <p:cxnSp>
+        <p:nvCxnSpPr>
+          <p:cNvPr id="138" name="Straight Connector 137"/>
+          <p:cNvCxnSpPr/>
+          <p:nvPr/>
+        </p:nvCxnSpPr>
+        <p:spPr>
+          <a:xfrm flipV="1">
+            <a:off x="5693410" y="3751580"/>
+            <a:ext cx="0" cy="190500"/>
+          </a:xfrm>
+          <a:prstGeom prst="line">
+            <a:avLst/>
+          </a:prstGeom>
+          <a:ln w="12700"/>
+        </p:spPr>
+        <p:style>
+          <a:lnRef idx="1">
+            <a:schemeClr val="dk1"/>
+          </a:lnRef>
+          <a:fillRef idx="0">
+            <a:schemeClr val="dk1"/>
+          </a:fillRef>
+          <a:effectRef idx="0">
+            <a:schemeClr val="dk1"/>
+          </a:effectRef>
+          <a:fontRef idx="minor">
+            <a:schemeClr val="tx1"/>
+          </a:fontRef>
+        </p:style>
+      </p:cxnSp>
+      <p:sp>
+        <p:nvSpPr>
+          <p:cNvPr id="139" name="Text Box 138"/>
+          <p:cNvSpPr txBox="1"/>
+          <p:nvPr/>
+        </p:nvSpPr>
+        <p:spPr>
+          <a:xfrm>
+            <a:off x="5789295" y="3649980"/>
+            <a:ext cx="436880" cy="368300"/>
+          </a:xfrm>
+          <a:prstGeom prst="rect">
+            <a:avLst/>
+          </a:prstGeom>
+          <a:noFill/>
+        </p:spPr>
+        <p:txBody>
+          <a:bodyPr wrap="none" rtlCol="0">
+            <a:spAutoFit/>
+          </a:bodyPr>
+          <a:p>
+            <a:r>
+              <a:rPr lang="en-US" altLang="en-US"/>
+              <a:t>....</a:t>
+            </a:r>
+            <a:endParaRPr lang="en-US" altLang="en-US"/>
+          </a:p>
+        </p:txBody>
+      </p:sp>
+      <p:sp>
+        <p:nvSpPr>
+          <p:cNvPr id="140" name="Text Box 139"/>
+          <p:cNvSpPr txBox="1"/>
+          <p:nvPr/>
+        </p:nvSpPr>
+        <p:spPr>
+          <a:xfrm>
+            <a:off x="5417185" y="3482340"/>
+            <a:ext cx="311150" cy="306705"/>
+          </a:xfrm>
+          <a:prstGeom prst="rect">
+            <a:avLst/>
+          </a:prstGeom>
+          <a:noFill/>
+        </p:spPr>
+        <p:txBody>
+          <a:bodyPr wrap="none" rtlCol="0" anchor="t">
+            <a:spAutoFit/>
+          </a:bodyPr>
+          <a:p>
+            <a:r>
+              <a:rPr lang="en-US" altLang="en-US" sz="1400">
+                <a:sym typeface="+mn-ea"/>
+              </a:rPr>
+              <a:t>H</a:t>
+            </a:r>
+            <a:endParaRPr lang="en-US" altLang="en-US" sz="1400">
+              <a:sym typeface="+mn-ea"/>
+            </a:endParaRPr>
+          </a:p>
+        </p:txBody>
+      </p:sp>
+      <p:sp>
+        <p:nvSpPr>
+          <p:cNvPr id="141" name="Down Arrow 140"/>
+          <p:cNvSpPr/>
+          <p:nvPr/>
+        </p:nvSpPr>
+        <p:spPr>
+          <a:xfrm>
+            <a:off x="5287645" y="4199255"/>
+            <a:ext cx="570865" cy="292100"/>
+          </a:xfrm>
+          <a:prstGeom prst="downArrow">
+            <a:avLst/>
+          </a:prstGeom>
+        </p:spPr>
+        <p:style>
+          <a:lnRef idx="2">
+            <a:schemeClr val="accent2">
+              <a:shade val="50000"/>
+            </a:schemeClr>
+          </a:lnRef>
+          <a:fillRef idx="1">
+            <a:schemeClr val="accent2"/>
+          </a:fillRef>
+          <a:effectRef idx="0">
+            <a:schemeClr val="accent2"/>
+          </a:effectRef>
+          <a:fontRef idx="minor">
+            <a:schemeClr val="lt1"/>
+          </a:fontRef>
+        </p:style>
+        <p:txBody>
+          <a:bodyPr rtlCol="0" anchor="ctr"/>
+          <a:p>
+            <a:pPr algn="ctr"/>
+            <a:endParaRPr lang="en-US"/>
+          </a:p>
+        </p:txBody>
+      </p:sp>
+      <p:sp>
+        <p:nvSpPr>
+          <p:cNvPr id="142" name="Text Box 141"/>
+          <p:cNvSpPr txBox="1"/>
+          <p:nvPr/>
+        </p:nvSpPr>
+        <p:spPr>
+          <a:xfrm>
+            <a:off x="5822950" y="4184650"/>
+            <a:ext cx="1102995" cy="306705"/>
+          </a:xfrm>
+          <a:prstGeom prst="rect">
+            <a:avLst/>
+          </a:prstGeom>
+          <a:noFill/>
+        </p:spPr>
+        <p:txBody>
+          <a:bodyPr wrap="none" rtlCol="0">
+            <a:spAutoFit/>
+          </a:bodyPr>
+          <a:p>
+            <a:r>
+              <a:rPr lang="" altLang="en-US" sz="1400"/>
+              <a:t>decompose</a:t>
+            </a:r>
+            <a:endParaRPr lang="" altLang="en-US" sz="1400"/>
+          </a:p>
+        </p:txBody>
+      </p:sp>
+      <p:sp>
+        <p:nvSpPr>
+          <p:cNvPr id="143" name="Text Box 142"/>
+          <p:cNvSpPr txBox="1"/>
+          <p:nvPr/>
+        </p:nvSpPr>
+        <p:spPr>
+          <a:xfrm>
+            <a:off x="3369310" y="1885315"/>
+            <a:ext cx="462280" cy="368300"/>
+          </a:xfrm>
+          <a:prstGeom prst="rect">
+            <a:avLst/>
+          </a:prstGeom>
+          <a:noFill/>
+        </p:spPr>
+        <p:txBody>
+          <a:bodyPr wrap="none" rtlCol="0">
+            <a:spAutoFit/>
+          </a:bodyPr>
+          <a:p>
+            <a:r>
+              <a:rPr lang="" altLang="en-US"/>
+              <a:t>(a)</a:t>
+            </a:r>
+            <a:endParaRPr lang="" altLang="en-US"/>
+          </a:p>
+        </p:txBody>
+      </p:sp>
+      <p:sp>
+        <p:nvSpPr>
+          <p:cNvPr id="144" name="Text Box 143"/>
+          <p:cNvSpPr txBox="1"/>
+          <p:nvPr/>
+        </p:nvSpPr>
+        <p:spPr>
+          <a:xfrm>
+            <a:off x="3369310" y="3124835"/>
+            <a:ext cx="462280" cy="368300"/>
+          </a:xfrm>
+          <a:prstGeom prst="rect">
+            <a:avLst/>
+          </a:prstGeom>
+          <a:noFill/>
+        </p:spPr>
+        <p:txBody>
+          <a:bodyPr wrap="none" rtlCol="0">
+            <a:spAutoFit/>
+          </a:bodyPr>
+          <a:p>
+            <a:r>
+              <a:rPr lang="en-US" altLang="en-US"/>
+              <a:t>(</a:t>
+            </a:r>
+            <a:r>
+              <a:rPr lang="" altLang="en-US"/>
+              <a:t>b</a:t>
+            </a:r>
+            <a:r>
+              <a:rPr lang="en-US" altLang="en-US"/>
+              <a:t>)</a:t>
+            </a:r>
+            <a:endParaRPr lang="en-US" altLang="en-US"/>
           </a:p>
         </p:txBody>
       </p:sp>
@@ -11778,7 +14560,7 @@
           <p:nvPr/>
         </p:nvCxnSpPr>
         <p:spPr>
-          <a:xfrm flipV="true">
+          <a:xfrm flipV="1">
             <a:off x="2091055" y="1924050"/>
             <a:ext cx="170815" cy="225425"/>
           </a:xfrm>
@@ -12098,7 +14880,7 @@
       <p:sp>
         <p:nvSpPr>
           <p:cNvPr id="26" name="Text Box 25"/>
-          <p:cNvSpPr txBox="true"/>
+          <p:cNvSpPr txBox="1"/>
           <p:nvPr/>
         </p:nvSpPr>
         <p:spPr>
@@ -12127,7 +14909,7 @@
       <p:sp>
         <p:nvSpPr>
           <p:cNvPr id="27" name="Text Box 26"/>
-          <p:cNvSpPr txBox="true"/>
+          <p:cNvSpPr txBox="1"/>
           <p:nvPr/>
         </p:nvSpPr>
         <p:spPr>
@@ -12156,7 +14938,7 @@
       <p:sp>
         <p:nvSpPr>
           <p:cNvPr id="28" name="Text Box 27"/>
-          <p:cNvSpPr txBox="true"/>
+          <p:cNvSpPr txBox="1"/>
           <p:nvPr/>
         </p:nvSpPr>
         <p:spPr>
@@ -12276,7 +15058,7 @@
           <p:nvPr/>
         </p:nvCxnSpPr>
         <p:spPr>
-          <a:xfrm flipV="true">
+          <a:xfrm flipV="1">
             <a:off x="1970405" y="4679950"/>
             <a:ext cx="170815" cy="225425"/>
           </a:xfrm>
@@ -12566,7 +15348,7 @@
       <p:sp>
         <p:nvSpPr>
           <p:cNvPr id="43" name="Text Box 42"/>
-          <p:cNvSpPr txBox="true"/>
+          <p:cNvSpPr txBox="1"/>
           <p:nvPr/>
         </p:nvSpPr>
         <p:spPr>
@@ -12595,7 +15377,7 @@
       <p:sp>
         <p:nvSpPr>
           <p:cNvPr id="44" name="Text Box 43"/>
-          <p:cNvSpPr txBox="true"/>
+          <p:cNvSpPr txBox="1"/>
           <p:nvPr/>
         </p:nvSpPr>
         <p:spPr>
@@ -12624,7 +15406,7 @@
       <p:sp>
         <p:nvSpPr>
           <p:cNvPr id="45" name="Text Box 44"/>
-          <p:cNvSpPr txBox="true"/>
+          <p:cNvSpPr txBox="1"/>
           <p:nvPr/>
         </p:nvSpPr>
         <p:spPr>
@@ -12945,7 +15727,7 @@
       <p:sp>
         <p:nvSpPr>
           <p:cNvPr id="3" name="Text Box 2"/>
-          <p:cNvSpPr txBox="true"/>
+          <p:cNvSpPr txBox="1"/>
           <p:nvPr/>
         </p:nvSpPr>
         <p:spPr>
@@ -12982,7 +15764,7 @@
       <p:sp>
         <p:nvSpPr>
           <p:cNvPr id="4" name="Text Box 3"/>
-          <p:cNvSpPr txBox="true"/>
+          <p:cNvSpPr txBox="1"/>
           <p:nvPr/>
         </p:nvSpPr>
         <p:spPr>
@@ -13019,7 +15801,7 @@
       <p:sp>
         <p:nvSpPr>
           <p:cNvPr id="5" name="Text Box 4"/>
-          <p:cNvSpPr txBox="true"/>
+          <p:cNvSpPr txBox="1"/>
           <p:nvPr/>
         </p:nvSpPr>
         <p:spPr>
@@ -13056,7 +15838,7 @@
       <p:sp>
         <p:nvSpPr>
           <p:cNvPr id="7" name="Text Box 6"/>
-          <p:cNvSpPr txBox="true"/>
+          <p:cNvSpPr txBox="1"/>
           <p:nvPr/>
         </p:nvSpPr>
         <p:spPr>
@@ -13093,7 +15875,7 @@
       <p:sp>
         <p:nvSpPr>
           <p:cNvPr id="8" name="Text Box 7"/>
-          <p:cNvSpPr txBox="true"/>
+          <p:cNvSpPr txBox="1"/>
           <p:nvPr/>
         </p:nvSpPr>
         <p:spPr>
@@ -13130,7 +15912,7 @@
       <p:sp>
         <p:nvSpPr>
           <p:cNvPr id="10" name="Text Box 9"/>
-          <p:cNvSpPr txBox="true"/>
+          <p:cNvSpPr txBox="1"/>
           <p:nvPr/>
         </p:nvSpPr>
         <p:spPr>
@@ -13167,7 +15949,7 @@
       <p:sp>
         <p:nvSpPr>
           <p:cNvPr id="11" name="Text Box 10"/>
-          <p:cNvSpPr txBox="true"/>
+          <p:cNvSpPr txBox="1"/>
           <p:nvPr/>
         </p:nvSpPr>
         <p:spPr>
@@ -13204,7 +15986,7 @@
       <p:sp>
         <p:nvSpPr>
           <p:cNvPr id="12" name="Text Box 11"/>
-          <p:cNvSpPr txBox="true"/>
+          <p:cNvSpPr txBox="1"/>
           <p:nvPr/>
         </p:nvSpPr>
         <p:spPr>
@@ -13241,7 +16023,7 @@
       <p:sp>
         <p:nvSpPr>
           <p:cNvPr id="13" name="Text Box 12"/>
-          <p:cNvSpPr txBox="true"/>
+          <p:cNvSpPr txBox="1"/>
           <p:nvPr/>
         </p:nvSpPr>
         <p:spPr>
@@ -13439,7 +16221,7 @@
       <p:sp>
         <p:nvSpPr>
           <p:cNvPr id="44" name="Text Box 43"/>
-          <p:cNvSpPr txBox="true"/>
+          <p:cNvSpPr txBox="1"/>
           <p:nvPr/>
         </p:nvSpPr>
         <p:spPr>
@@ -13468,7 +16250,7 @@
       <p:sp>
         <p:nvSpPr>
           <p:cNvPr id="18" name="Text Box 17"/>
-          <p:cNvSpPr txBox="true"/>
+          <p:cNvSpPr txBox="1"/>
           <p:nvPr/>
         </p:nvSpPr>
         <p:spPr>
@@ -13505,7 +16287,7 @@
       <p:sp>
         <p:nvSpPr>
           <p:cNvPr id="19" name="Text Box 18"/>
-          <p:cNvSpPr txBox="true"/>
+          <p:cNvSpPr txBox="1"/>
           <p:nvPr/>
         </p:nvSpPr>
         <p:spPr>
@@ -13591,7 +16373,7 @@
           <p:nvPr/>
         </p:nvCxnSpPr>
         <p:spPr>
-          <a:xfrm flipV="true">
+          <a:xfrm flipV="1">
             <a:off x="2821305" y="2410460"/>
             <a:ext cx="170815" cy="225425"/>
           </a:xfrm>
@@ -13661,7 +16443,7 @@
       <p:sp>
         <p:nvSpPr>
           <p:cNvPr id="46" name="Text Box 45"/>
-          <p:cNvSpPr txBox="true"/>
+          <p:cNvSpPr txBox="1"/>
           <p:nvPr/>
         </p:nvSpPr>
         <p:spPr>
@@ -13690,7 +16472,7 @@
       <p:sp>
         <p:nvSpPr>
           <p:cNvPr id="47" name="Text Box 46"/>
-          <p:cNvSpPr txBox="true"/>
+          <p:cNvSpPr txBox="1"/>
           <p:nvPr/>
         </p:nvSpPr>
         <p:spPr>
@@ -13727,7 +16509,7 @@
       <p:sp>
         <p:nvSpPr>
           <p:cNvPr id="49" name="Text Box 48"/>
-          <p:cNvSpPr txBox="true"/>
+          <p:cNvSpPr txBox="1"/>
           <p:nvPr/>
         </p:nvSpPr>
         <p:spPr>
@@ -13764,7 +16546,7 @@
       <p:sp>
         <p:nvSpPr>
           <p:cNvPr id="50" name="Text Box 49"/>
-          <p:cNvSpPr txBox="true"/>
+          <p:cNvSpPr txBox="1"/>
           <p:nvPr/>
         </p:nvSpPr>
         <p:spPr>
@@ -13838,7 +16620,7 @@
       <p:sp>
         <p:nvSpPr>
           <p:cNvPr id="52" name="Text Box 51"/>
-          <p:cNvSpPr txBox="true"/>
+          <p:cNvSpPr txBox="1"/>
           <p:nvPr/>
         </p:nvSpPr>
         <p:spPr>
@@ -13867,7 +16649,7 @@
       <p:sp>
         <p:nvSpPr>
           <p:cNvPr id="53" name="Text Box 52"/>
-          <p:cNvSpPr txBox="true"/>
+          <p:cNvSpPr txBox="1"/>
           <p:nvPr/>
         </p:nvSpPr>
         <p:spPr>
@@ -14007,7 +16789,7 @@
       <p:sp>
         <p:nvSpPr>
           <p:cNvPr id="4" name="Text Box 3"/>
-          <p:cNvSpPr txBox="true"/>
+          <p:cNvSpPr txBox="1"/>
           <p:nvPr/>
         </p:nvSpPr>
         <p:spPr>
@@ -14048,7 +16830,7 @@
       <p:sp>
         <p:nvSpPr>
           <p:cNvPr id="5" name="Text Box 4"/>
-          <p:cNvSpPr txBox="true"/>
+          <p:cNvSpPr txBox="1"/>
           <p:nvPr/>
         </p:nvSpPr>
         <p:spPr>
@@ -14077,7 +16859,7 @@
       <p:sp>
         <p:nvSpPr>
           <p:cNvPr id="13" name="Text Box 12"/>
-          <p:cNvSpPr txBox="true"/>
+          <p:cNvSpPr txBox="1"/>
           <p:nvPr/>
         </p:nvSpPr>
         <p:spPr>
@@ -14120,7 +16902,7 @@
       <p:sp>
         <p:nvSpPr>
           <p:cNvPr id="21" name="Text Box 20"/>
-          <p:cNvSpPr txBox="true"/>
+          <p:cNvSpPr txBox="1"/>
           <p:nvPr/>
         </p:nvSpPr>
         <p:spPr>
@@ -14167,7 +16949,7 @@
           <p:nvPr/>
         </p:nvCxnSpPr>
         <p:spPr>
-          <a:xfrm flipV="true">
+          <a:xfrm flipV="1">
             <a:off x="3300730" y="3284855"/>
             <a:ext cx="211455" cy="454660"/>
           </a:xfrm>
@@ -14203,7 +16985,7 @@
           <p:nvPr/>
         </p:nvCxnSpPr>
         <p:spPr>
-          <a:xfrm flipH="true" flipV="true">
+          <a:xfrm flipH="1" flipV="1">
             <a:off x="4282440" y="3384550"/>
             <a:ext cx="202565" cy="324485"/>
           </a:xfrm>
@@ -14291,7 +17073,7 @@
       <p:sp>
         <p:nvSpPr>
           <p:cNvPr id="25" name="Text Box 24"/>
-          <p:cNvSpPr txBox="true"/>
+          <p:cNvSpPr txBox="1"/>
           <p:nvPr/>
         </p:nvSpPr>
         <p:spPr>
@@ -14406,7 +17188,7 @@
       <p:sp>
         <p:nvSpPr>
           <p:cNvPr id="4" name="Text Box 3"/>
-          <p:cNvSpPr txBox="true"/>
+          <p:cNvSpPr txBox="1"/>
           <p:nvPr/>
         </p:nvSpPr>
         <p:spPr>
@@ -14447,7 +17229,7 @@
       <p:sp>
         <p:nvSpPr>
           <p:cNvPr id="13" name="Text Box 12"/>
-          <p:cNvSpPr txBox="true"/>
+          <p:cNvSpPr txBox="1"/>
           <p:nvPr/>
         </p:nvSpPr>
         <p:spPr>
@@ -14655,7 +17437,7 @@
       <p:sp>
         <p:nvSpPr>
           <p:cNvPr id="8" name="Text Box 7"/>
-          <p:cNvSpPr txBox="true"/>
+          <p:cNvSpPr txBox="1"/>
           <p:nvPr/>
         </p:nvSpPr>
         <p:spPr>
@@ -14696,7 +17478,7 @@
       <p:sp>
         <p:nvSpPr>
           <p:cNvPr id="10" name="Text Box 9"/>
-          <p:cNvSpPr txBox="true"/>
+          <p:cNvSpPr txBox="1"/>
           <p:nvPr/>
         </p:nvSpPr>
         <p:spPr>
@@ -14832,7 +17614,7 @@
       <p:sp>
         <p:nvSpPr>
           <p:cNvPr id="18" name="Text Box 17"/>
-          <p:cNvSpPr txBox="true"/>
+          <p:cNvSpPr txBox="1"/>
           <p:nvPr/>
         </p:nvSpPr>
         <p:spPr>
@@ -14920,7 +17702,7 @@
           <p:nvPr/>
         </p:nvCxnSpPr>
         <p:spPr>
-          <a:xfrm flipH="true">
+          <a:xfrm flipH="1">
             <a:off x="5046980" y="3255010"/>
             <a:ext cx="969010" cy="822960"/>
           </a:xfrm>
@@ -15060,7 +17842,7 @@
       <p:sp>
         <p:nvSpPr>
           <p:cNvPr id="4" name="Text Box 3"/>
-          <p:cNvSpPr txBox="true"/>
+          <p:cNvSpPr txBox="1"/>
           <p:nvPr/>
         </p:nvSpPr>
         <p:spPr>
@@ -15101,7 +17883,7 @@
       <p:sp>
         <p:nvSpPr>
           <p:cNvPr id="13" name="Text Box 12"/>
-          <p:cNvSpPr txBox="true"/>
+          <p:cNvSpPr txBox="1"/>
           <p:nvPr/>
         </p:nvSpPr>
         <p:spPr>
@@ -15309,7 +18091,7 @@
       <p:sp>
         <p:nvSpPr>
           <p:cNvPr id="8" name="Text Box 7"/>
-          <p:cNvSpPr txBox="true"/>
+          <p:cNvSpPr txBox="1"/>
           <p:nvPr/>
         </p:nvSpPr>
         <p:spPr>
@@ -15350,7 +18132,7 @@
       <p:sp>
         <p:nvSpPr>
           <p:cNvPr id="10" name="Text Box 9"/>
-          <p:cNvSpPr txBox="true"/>
+          <p:cNvSpPr txBox="1"/>
           <p:nvPr/>
         </p:nvSpPr>
         <p:spPr>
@@ -15486,7 +18268,7 @@
       <p:sp>
         <p:nvSpPr>
           <p:cNvPr id="18" name="Text Box 17"/>
-          <p:cNvSpPr txBox="true"/>
+          <p:cNvSpPr txBox="1"/>
           <p:nvPr/>
         </p:nvSpPr>
         <p:spPr>
@@ -15574,7 +18356,7 @@
           <p:nvPr/>
         </p:nvCxnSpPr>
         <p:spPr>
-          <a:xfrm flipH="true">
+          <a:xfrm flipH="1">
             <a:off x="5046980" y="3255010"/>
             <a:ext cx="969010" cy="822960"/>
           </a:xfrm>
@@ -15696,7 +18478,7 @@
       <p:sp>
         <p:nvSpPr>
           <p:cNvPr id="9" name="Text Box 8"/>
-          <p:cNvSpPr txBox="true"/>
+          <p:cNvSpPr txBox="1"/>
           <p:nvPr/>
         </p:nvSpPr>
         <p:spPr>
@@ -15737,7 +18519,7 @@
       <p:sp>
         <p:nvSpPr>
           <p:cNvPr id="12" name="Text Box 11"/>
-          <p:cNvSpPr txBox="true"/>
+          <p:cNvSpPr txBox="1"/>
           <p:nvPr/>
         </p:nvSpPr>
         <p:spPr>
@@ -15878,7 +18660,7 @@
       <p:sp>
         <p:nvSpPr>
           <p:cNvPr id="16" name="Text Box 15"/>
-          <p:cNvSpPr txBox="true"/>
+          <p:cNvSpPr txBox="1"/>
           <p:nvPr/>
         </p:nvSpPr>
         <p:spPr>
@@ -15946,7 +18728,7 @@
       <p:sp>
         <p:nvSpPr>
           <p:cNvPr id="22" name="Text Box 21"/>
-          <p:cNvSpPr txBox="true"/>
+          <p:cNvSpPr txBox="1"/>
           <p:nvPr/>
         </p:nvSpPr>
         <p:spPr>
@@ -16128,7 +18910,7 @@
       <p:sp>
         <p:nvSpPr>
           <p:cNvPr id="18" name="Text Box 17"/>
-          <p:cNvSpPr txBox="true"/>
+          <p:cNvSpPr txBox="1"/>
           <p:nvPr/>
         </p:nvSpPr>
         <p:spPr>
@@ -16165,7 +18947,7 @@
       <p:sp>
         <p:nvSpPr>
           <p:cNvPr id="19" name="Text Box 18"/>
-          <p:cNvSpPr txBox="true"/>
+          <p:cNvSpPr txBox="1"/>
           <p:nvPr/>
         </p:nvSpPr>
         <p:spPr>
@@ -16202,7 +18984,7 @@
       <p:sp>
         <p:nvSpPr>
           <p:cNvPr id="6" name="Text Box 5"/>
-          <p:cNvSpPr txBox="true"/>
+          <p:cNvSpPr txBox="1"/>
           <p:nvPr/>
         </p:nvSpPr>
         <p:spPr>
@@ -16249,7 +19031,7 @@
           <p:nvPr/>
         </p:nvCxnSpPr>
         <p:spPr>
-          <a:xfrm flipH="true">
+          <a:xfrm flipH="1">
             <a:off x="4762500" y="2430145"/>
             <a:ext cx="125095" cy="161290"/>
           </a:xfrm>
@@ -16285,7 +19067,7 @@
           <p:nvPr/>
         </p:nvCxnSpPr>
         <p:spPr>
-          <a:xfrm flipH="true">
+          <a:xfrm flipH="1">
             <a:off x="4000500" y="2409190"/>
             <a:ext cx="795020" cy="182245"/>
           </a:xfrm>
@@ -16317,7 +19099,7 @@
       <p:sp>
         <p:nvSpPr>
           <p:cNvPr id="10" name="Text Box 9"/>
-          <p:cNvSpPr txBox="true"/>
+          <p:cNvSpPr txBox="1"/>
           <p:nvPr/>
         </p:nvSpPr>
         <p:spPr>
@@ -16364,7 +19146,7 @@
           <p:nvPr/>
         </p:nvCxnSpPr>
         <p:spPr>
-          <a:xfrm flipV="true">
+          <a:xfrm flipV="1">
             <a:off x="3798570" y="2802890"/>
             <a:ext cx="241300" cy="288925"/>
           </a:xfrm>
@@ -16400,7 +19182,7 @@
           <p:nvPr/>
         </p:nvCxnSpPr>
         <p:spPr>
-          <a:xfrm flipV="true">
+          <a:xfrm flipV="1">
             <a:off x="3922395" y="2802890"/>
             <a:ext cx="711200" cy="336550"/>
           </a:xfrm>
@@ -16486,7 +19268,7 @@
       <p:sp>
         <p:nvSpPr>
           <p:cNvPr id="15" name="Text Box 14"/>
-          <p:cNvSpPr txBox="true"/>
+          <p:cNvSpPr txBox="1"/>
           <p:nvPr/>
         </p:nvSpPr>
         <p:spPr>
@@ -16536,7 +19318,7 @@
       <p:sp>
         <p:nvSpPr>
           <p:cNvPr id="17" name="Text Box 16"/>
-          <p:cNvSpPr txBox="true"/>
+          <p:cNvSpPr txBox="1"/>
           <p:nvPr/>
         </p:nvSpPr>
         <p:spPr>
@@ -16579,7 +19361,7 @@
       <p:sp>
         <p:nvSpPr>
           <p:cNvPr id="20" name="Text Box 19"/>
-          <p:cNvSpPr txBox="true"/>
+          <p:cNvSpPr txBox="1"/>
           <p:nvPr/>
         </p:nvSpPr>
         <p:spPr>
@@ -16785,7 +19567,7 @@
       <p:sp>
         <p:nvSpPr>
           <p:cNvPr id="27" name="Text Box 26"/>
-          <p:cNvSpPr txBox="true"/>
+          <p:cNvSpPr txBox="1"/>
           <p:nvPr/>
         </p:nvSpPr>
         <p:spPr>
@@ -16814,7 +19596,7 @@
       <p:sp>
         <p:nvSpPr>
           <p:cNvPr id="10" name="Text Box 9"/>
-          <p:cNvSpPr txBox="true"/>
+          <p:cNvSpPr txBox="1"/>
           <p:nvPr/>
         </p:nvSpPr>
         <p:spPr>
@@ -16851,7 +19633,7 @@
       <p:sp>
         <p:nvSpPr>
           <p:cNvPr id="11" name="Text Box 10"/>
-          <p:cNvSpPr txBox="true"/>
+          <p:cNvSpPr txBox="1"/>
           <p:nvPr/>
         </p:nvSpPr>
         <p:spPr>
@@ -16969,7 +19751,7 @@
       <p:sp>
         <p:nvSpPr>
           <p:cNvPr id="28" name="Text Box 27"/>
-          <p:cNvSpPr txBox="true"/>
+          <p:cNvSpPr txBox="1"/>
           <p:nvPr/>
         </p:nvSpPr>
         <p:spPr>
@@ -16998,7 +19780,7 @@
       <p:sp>
         <p:nvSpPr>
           <p:cNvPr id="3" name="Text Box 2"/>
-          <p:cNvSpPr txBox="true"/>
+          <p:cNvSpPr txBox="1"/>
           <p:nvPr/>
         </p:nvSpPr>
         <p:spPr>
@@ -17292,7 +20074,7 @@
       <p:sp>
         <p:nvSpPr>
           <p:cNvPr id="17" name="Text Box 16"/>
-          <p:cNvSpPr txBox="true"/>
+          <p:cNvSpPr txBox="1"/>
           <p:nvPr/>
         </p:nvSpPr>
         <p:spPr>
@@ -17402,7 +20184,7 @@
       <p:sp>
         <p:nvSpPr>
           <p:cNvPr id="24" name="Text Box 23"/>
-          <p:cNvSpPr txBox="true"/>
+          <p:cNvSpPr txBox="1"/>
           <p:nvPr/>
         </p:nvSpPr>
         <p:spPr>
@@ -17473,7 +20255,7 @@
       <p:sp>
         <p:nvSpPr>
           <p:cNvPr id="33" name="Text Box 32"/>
-          <p:cNvSpPr txBox="true"/>
+          <p:cNvSpPr txBox="1"/>
           <p:nvPr/>
         </p:nvSpPr>
         <p:spPr>
@@ -17510,7 +20292,7 @@
       <p:sp>
         <p:nvSpPr>
           <p:cNvPr id="34" name="Text Box 33"/>
-          <p:cNvSpPr txBox="true"/>
+          <p:cNvSpPr txBox="1"/>
           <p:nvPr/>
         </p:nvSpPr>
         <p:spPr>
@@ -17547,7 +20329,7 @@
       <p:sp>
         <p:nvSpPr>
           <p:cNvPr id="35" name="Text Box 34"/>
-          <p:cNvSpPr txBox="true"/>
+          <p:cNvSpPr txBox="1"/>
           <p:nvPr/>
         </p:nvSpPr>
         <p:spPr>
@@ -17584,7 +20366,7 @@
       <p:sp>
         <p:nvSpPr>
           <p:cNvPr id="36" name="Text Box 35"/>
-          <p:cNvSpPr txBox="true"/>
+          <p:cNvSpPr txBox="1"/>
           <p:nvPr/>
         </p:nvSpPr>
         <p:spPr>
@@ -17613,7 +20395,7 @@
       <p:sp>
         <p:nvSpPr>
           <p:cNvPr id="37" name="Text Box 36"/>
-          <p:cNvSpPr txBox="true"/>
+          <p:cNvSpPr txBox="1"/>
           <p:nvPr/>
         </p:nvSpPr>
         <p:spPr>
@@ -17739,7 +20521,7 @@
           <p:nvPr/>
         </p:nvCxnSpPr>
         <p:spPr>
-          <a:xfrm flipH="true">
+          <a:xfrm flipH="1">
             <a:off x="2680970" y="2468880"/>
             <a:ext cx="1270" cy="190500"/>
           </a:xfrm>
@@ -17772,7 +20554,7 @@
       <p:sp>
         <p:nvSpPr>
           <p:cNvPr id="46" name="Text Box 45"/>
-          <p:cNvSpPr txBox="true"/>
+          <p:cNvSpPr txBox="1"/>
           <p:nvPr/>
         </p:nvSpPr>
         <p:spPr>
@@ -17814,7 +20596,7 @@
       <p:sp>
         <p:nvSpPr>
           <p:cNvPr id="6" name="Text Box 5"/>
-          <p:cNvSpPr txBox="true"/>
+          <p:cNvSpPr txBox="1"/>
           <p:nvPr/>
         </p:nvSpPr>
         <p:spPr>
@@ -17899,7 +20681,7 @@
           <p:nvPr/>
         </p:nvCxnSpPr>
         <p:spPr>
-          <a:xfrm flipH="true" flipV="true">
+          <a:xfrm flipH="1" flipV="1">
             <a:off x="2471420" y="2762250"/>
             <a:ext cx="104775" cy="1270"/>
           </a:xfrm>
@@ -17978,7 +20760,7 @@
           <p:nvPr/>
         </p:nvCxnSpPr>
         <p:spPr>
-          <a:xfrm flipH="true" flipV="true">
+          <a:xfrm flipH="1" flipV="1">
             <a:off x="2787015" y="2760980"/>
             <a:ext cx="104775" cy="1270"/>
           </a:xfrm>
@@ -18015,7 +20797,7 @@
           <p:nvPr/>
         </p:nvCxnSpPr>
         <p:spPr>
-          <a:xfrm flipH="true" flipV="true">
+          <a:xfrm flipH="1" flipV="1">
             <a:off x="2981325" y="2759710"/>
             <a:ext cx="104775" cy="1270"/>
           </a:xfrm>
@@ -18094,7 +20876,7 @@
           <p:nvPr/>
         </p:nvCxnSpPr>
         <p:spPr>
-          <a:xfrm flipH="true" flipV="true">
+          <a:xfrm flipH="1" flipV="1">
             <a:off x="3223895" y="2762250"/>
             <a:ext cx="104775" cy="1270"/>
           </a:xfrm>
@@ -18176,7 +20958,7 @@
           <p:nvPr/>
         </p:nvCxnSpPr>
         <p:spPr>
-          <a:xfrm flipH="true">
+          <a:xfrm flipH="1">
             <a:off x="3631565" y="2468880"/>
             <a:ext cx="1270" cy="190500"/>
           </a:xfrm>
@@ -18213,7 +20995,7 @@
           <p:nvPr/>
         </p:nvCxnSpPr>
         <p:spPr>
-          <a:xfrm flipH="true" flipV="true">
+          <a:xfrm flipH="1" flipV="1">
             <a:off x="3422015" y="2762250"/>
             <a:ext cx="104775" cy="1270"/>
           </a:xfrm>
@@ -18246,7 +21028,7 @@
       <p:sp>
         <p:nvSpPr>
           <p:cNvPr id="72" name="Text Box 71"/>
-          <p:cNvSpPr txBox="true"/>
+          <p:cNvSpPr txBox="1"/>
           <p:nvPr/>
         </p:nvSpPr>
         <p:spPr>
@@ -18288,7 +21070,7 @@
       <p:sp>
         <p:nvSpPr>
           <p:cNvPr id="78" name="Text Box 77"/>
-          <p:cNvSpPr txBox="true"/>
+          <p:cNvSpPr txBox="1"/>
           <p:nvPr/>
         </p:nvSpPr>
         <p:spPr>
@@ -18415,7 +21197,7 @@
           <p:nvPr/>
         </p:nvCxnSpPr>
         <p:spPr>
-          <a:xfrm flipH="true" flipV="true">
+          <a:xfrm flipH="1" flipV="1">
             <a:off x="3738245" y="2762885"/>
             <a:ext cx="104775" cy="1270"/>
           </a:xfrm>
@@ -18452,7 +21234,7 @@
           <p:nvPr/>
         </p:nvCxnSpPr>
         <p:spPr>
-          <a:xfrm flipH="true" flipV="true">
+          <a:xfrm flipH="1" flipV="1">
             <a:off x="3932555" y="2761615"/>
             <a:ext cx="104775" cy="1270"/>
           </a:xfrm>
@@ -18489,7 +21271,7 @@
           <p:nvPr/>
         </p:nvCxnSpPr>
         <p:spPr>
-          <a:xfrm flipH="true" flipV="true">
+          <a:xfrm flipH="1" flipV="1">
             <a:off x="4175125" y="2764155"/>
             <a:ext cx="104775" cy="1270"/>
           </a:xfrm>
@@ -18579,7 +21361,7 @@
           <p:nvPr/>
         </p:nvCxnSpPr>
         <p:spPr>
-          <a:xfrm flipH="true">
+          <a:xfrm flipH="1">
             <a:off x="4582795" y="2468880"/>
             <a:ext cx="1270" cy="190500"/>
           </a:xfrm>
@@ -18621,7 +21403,7 @@
       <p:sp>
         <p:nvSpPr>
           <p:cNvPr id="88" name="Text Box 87"/>
-          <p:cNvSpPr txBox="true"/>
+          <p:cNvSpPr txBox="1"/>
           <p:nvPr/>
         </p:nvSpPr>
         <p:spPr>
@@ -18678,7 +21460,7 @@
       <p:sp>
         <p:nvSpPr>
           <p:cNvPr id="89" name="Text Box 88"/>
-          <p:cNvSpPr txBox="true"/>
+          <p:cNvSpPr txBox="1"/>
           <p:nvPr/>
         </p:nvSpPr>
         <p:spPr>
@@ -18792,7 +21574,7 @@
           <p:nvPr/>
         </p:nvCxnSpPr>
         <p:spPr>
-          <a:xfrm flipH="true" flipV="true">
+          <a:xfrm flipH="1" flipV="1">
             <a:off x="4373245" y="2762250"/>
             <a:ext cx="104775" cy="1270"/>
           </a:xfrm>
@@ -18874,7 +21656,7 @@
           <p:nvPr/>
         </p:nvCxnSpPr>
         <p:spPr>
-          <a:xfrm flipH="true" flipV="true">
+          <a:xfrm flipH="1" flipV="1">
             <a:off x="4688840" y="2760980"/>
             <a:ext cx="104775" cy="1270"/>
           </a:xfrm>
@@ -18914,7 +21696,7 @@
           <p:nvPr/>
         </p:nvCxnSpPr>
         <p:spPr>
-          <a:xfrm flipH="true" flipV="true">
+          <a:xfrm flipH="1" flipV="1">
             <a:off x="4883150" y="2759710"/>
             <a:ext cx="104775" cy="1270"/>
           </a:xfrm>
@@ -18954,7 +21736,7 @@
           <p:nvPr/>
         </p:nvCxnSpPr>
         <p:spPr>
-          <a:xfrm flipV="true">
+          <a:xfrm flipV="1">
             <a:off x="5298440" y="2764155"/>
             <a:ext cx="161925" cy="1270"/>
           </a:xfrm>
@@ -18994,7 +21776,7 @@
           <p:nvPr/>
         </p:nvCxnSpPr>
         <p:spPr>
-          <a:xfrm flipH="true" flipV="true">
+          <a:xfrm flipH="1" flipV="1">
             <a:off x="5125720" y="2762250"/>
             <a:ext cx="104775" cy="1270"/>
           </a:xfrm>
@@ -19129,7 +21911,7 @@
           <p:nvPr/>
         </p:nvCxnSpPr>
         <p:spPr>
-          <a:xfrm flipH="true">
+          <a:xfrm flipH="1">
             <a:off x="1725295" y="2468880"/>
             <a:ext cx="1270" cy="190500"/>
           </a:xfrm>
@@ -19171,7 +21953,7 @@
       <p:sp>
         <p:nvSpPr>
           <p:cNvPr id="129" name="Text Box 128"/>
-          <p:cNvSpPr txBox="true"/>
+          <p:cNvSpPr txBox="1"/>
           <p:nvPr/>
         </p:nvSpPr>
         <p:spPr>
@@ -19228,7 +22010,7 @@
       <p:sp>
         <p:nvSpPr>
           <p:cNvPr id="130" name="Text Box 129"/>
-          <p:cNvSpPr txBox="true"/>
+          <p:cNvSpPr txBox="1"/>
           <p:nvPr/>
         </p:nvSpPr>
         <p:spPr>
@@ -19342,7 +22124,7 @@
           <p:nvPr/>
         </p:nvCxnSpPr>
         <p:spPr>
-          <a:xfrm flipH="true" flipV="true">
+          <a:xfrm flipH="1" flipV="1">
             <a:off x="1515745" y="2762250"/>
             <a:ext cx="104775" cy="1270"/>
           </a:xfrm>
@@ -19424,7 +22206,7 @@
           <p:nvPr/>
         </p:nvCxnSpPr>
         <p:spPr>
-          <a:xfrm flipH="true" flipV="true">
+          <a:xfrm flipH="1" flipV="1">
             <a:off x="1831340" y="2760980"/>
             <a:ext cx="104775" cy="1270"/>
           </a:xfrm>
@@ -19464,7 +22246,7 @@
           <p:nvPr/>
         </p:nvCxnSpPr>
         <p:spPr>
-          <a:xfrm flipH="true" flipV="true">
+          <a:xfrm flipH="1" flipV="1">
             <a:off x="2025650" y="2759710"/>
             <a:ext cx="104775" cy="1270"/>
           </a:xfrm>
@@ -19504,7 +22286,7 @@
           <p:nvPr/>
         </p:nvCxnSpPr>
         <p:spPr>
-          <a:xfrm flipH="true" flipV="true">
+          <a:xfrm flipH="1" flipV="1">
             <a:off x="2268220" y="2762250"/>
             <a:ext cx="104775" cy="1270"/>
           </a:xfrm>
@@ -19586,7 +22368,7 @@
           <p:nvPr/>
         </p:nvCxnSpPr>
         <p:spPr>
-          <a:xfrm flipV="true">
+          <a:xfrm flipV="1">
             <a:off x="1285240" y="2761615"/>
             <a:ext cx="161925" cy="1270"/>
           </a:xfrm>
@@ -19800,7 +22582,7 @@
         <a:solidFill>
           <a:schemeClr val="phClr"/>
         </a:solidFill>
-        <a:gradFill rotWithShape="true">
+        <a:gradFill rotWithShape="1">
           <a:gsLst>
             <a:gs pos="0">
               <a:schemeClr val="phClr">
@@ -19824,9 +22606,9 @@
               </a:schemeClr>
             </a:gs>
           </a:gsLst>
-          <a:lin ang="5400000" scaled="false"/>
+          <a:lin ang="5400000" scaled="0"/>
         </a:gradFill>
-        <a:gradFill rotWithShape="true">
+        <a:gradFill rotWithShape="1">
           <a:gsLst>
             <a:gs pos="0">
               <a:schemeClr val="phClr">
@@ -19850,7 +22632,7 @@
               </a:schemeClr>
             </a:gs>
           </a:gsLst>
-          <a:lin ang="5400000" scaled="false"/>
+          <a:lin ang="5400000" scaled="0"/>
         </a:gradFill>
       </a:fillStyleLst>
       <a:lnStyleLst>
@@ -19903,7 +22685,7 @@
             <a:satMod val="170000"/>
           </a:schemeClr>
         </a:solidFill>
-        <a:gradFill rotWithShape="true">
+        <a:gradFill rotWithShape="1">
           <a:gsLst>
             <a:gs pos="0">
               <a:schemeClr val="phClr">
@@ -19928,7 +22710,7 @@
               </a:schemeClr>
             </a:gs>
           </a:gsLst>
-          <a:lin ang="5400000" scaled="false"/>
+          <a:lin ang="5400000" scaled="0"/>
         </a:gradFill>
       </a:bgFillStyleLst>
     </a:fmtScheme>
@@ -20059,7 +22841,7 @@
         <a:solidFill>
           <a:schemeClr val="phClr"/>
         </a:solidFill>
-        <a:gradFill rotWithShape="true">
+        <a:gradFill rotWithShape="1">
           <a:gsLst>
             <a:gs pos="0">
               <a:schemeClr val="phClr">
@@ -20083,9 +22865,9 @@
               </a:schemeClr>
             </a:gs>
           </a:gsLst>
-          <a:lin ang="5400000" scaled="false"/>
+          <a:lin ang="5400000" scaled="0"/>
         </a:gradFill>
-        <a:gradFill rotWithShape="true">
+        <a:gradFill rotWithShape="1">
           <a:gsLst>
             <a:gs pos="0">
               <a:schemeClr val="phClr">
@@ -20109,7 +22891,7 @@
               </a:schemeClr>
             </a:gs>
           </a:gsLst>
-          <a:lin ang="5400000" scaled="false"/>
+          <a:lin ang="5400000" scaled="0"/>
         </a:gradFill>
       </a:fillStyleLst>
       <a:lnStyleLst>
@@ -20162,7 +22944,7 @@
             <a:satMod val="170000"/>
           </a:schemeClr>
         </a:solidFill>
-        <a:gradFill rotWithShape="true">
+        <a:gradFill rotWithShape="1">
           <a:gsLst>
             <a:gs pos="0">
               <a:schemeClr val="phClr">
@@ -20187,7 +22969,7 @@
               </a:schemeClr>
             </a:gs>
           </a:gsLst>
-          <a:lin ang="5400000" scaled="false"/>
+          <a:lin ang="5400000" scaled="0"/>
         </a:gradFill>
       </a:bgFillStyleLst>
     </a:fmtScheme>
@@ -20318,7 +23100,7 @@
         <a:solidFill>
           <a:schemeClr val="phClr"/>
         </a:solidFill>
-        <a:gradFill rotWithShape="true">
+        <a:gradFill rotWithShape="1">
           <a:gsLst>
             <a:gs pos="0">
               <a:schemeClr val="phClr">
@@ -20342,9 +23124,9 @@
               </a:schemeClr>
             </a:gs>
           </a:gsLst>
-          <a:lin ang="5400000" scaled="false"/>
+          <a:lin ang="5400000" scaled="0"/>
         </a:gradFill>
-        <a:gradFill rotWithShape="true">
+        <a:gradFill rotWithShape="1">
           <a:gsLst>
             <a:gs pos="0">
               <a:schemeClr val="phClr">
@@ -20368,7 +23150,7 @@
               </a:schemeClr>
             </a:gs>
           </a:gsLst>
-          <a:lin ang="5400000" scaled="false"/>
+          <a:lin ang="5400000" scaled="0"/>
         </a:gradFill>
       </a:fillStyleLst>
       <a:lnStyleLst>
@@ -20421,7 +23203,7 @@
             <a:satMod val="170000"/>
           </a:schemeClr>
         </a:solidFill>
-        <a:gradFill rotWithShape="true">
+        <a:gradFill rotWithShape="1">
           <a:gsLst>
             <a:gs pos="0">
               <a:schemeClr val="phClr">
@@ -20446,7 +23228,7 @@
               </a:schemeClr>
             </a:gs>
           </a:gsLst>
-          <a:lin ang="5400000" scaled="false"/>
+          <a:lin ang="5400000" scaled="0"/>
         </a:gradFill>
       </a:bgFillStyleLst>
     </a:fmtScheme>

--- a/material/material.pptx
+++ b/material/material.pptx
@@ -25,6 +25,7 @@
     <p:sldId id="270" r:id="rId22"/>
     <p:sldId id="271" r:id="rId23"/>
     <p:sldId id="272" r:id="rId24"/>
+    <p:sldId id="273" r:id="rId25"/>
   </p:sldIdLst>
   <p:sldSz cx="12192000" cy="6858000"/>
   <p:notesSz cx="6858000" cy="9144000"/>
@@ -14300,189 +14301,1599 @@
           <a:chExt cx="0" cy="0"/>
         </a:xfrm>
       </p:grpSpPr>
-      <p:sp>
-        <p:nvSpPr>
-          <p:cNvPr id="602" name="Straight Connector 27"/>
+      <p:grpSp>
+        <p:nvGrpSpPr>
+          <p:cNvPr id="638" name="群組"/>
+          <p:cNvGrpSpPr/>
+          <p:nvPr/>
+        </p:nvGrpSpPr>
+        <p:grpSpPr>
+          <a:xfrm>
+            <a:off x="36898" y="1005933"/>
+            <a:ext cx="3453178" cy="3176322"/>
+            <a:chOff x="0" y="0"/>
+            <a:chExt cx="3453177" cy="3176321"/>
+          </a:xfrm>
+        </p:grpSpPr>
+        <p:sp>
+          <p:nvSpPr>
+            <p:cNvPr id="602" name="Straight Connector 27"/>
+            <p:cNvSpPr/>
+            <p:nvPr/>
+          </p:nvSpPr>
+          <p:spPr>
+            <a:xfrm>
+              <a:off x="1040469" y="760156"/>
+              <a:ext cx="1372239" cy="1656009"/>
+            </a:xfrm>
+            <a:prstGeom prst="line">
+              <a:avLst/>
+            </a:prstGeom>
+            <a:noFill/>
+            <a:ln w="44450" cap="flat">
+              <a:solidFill>
+                <a:srgbClr val="535353"/>
+              </a:solidFill>
+              <a:prstDash val="solid"/>
+              <a:miter lim="800000"/>
+            </a:ln>
+            <a:effectLst/>
+          </p:spPr>
+          <p:txBody>
+            <a:bodyPr wrap="square" lIns="0" tIns="0" rIns="0" bIns="0" numCol="1" anchor="t">
+              <a:noAutofit/>
+            </a:bodyPr>
+            <a:lstStyle/>
+            <a:p>
+              <a:pPr/>
+            </a:p>
+          </p:txBody>
+        </p:sp>
+        <p:sp>
+          <p:nvSpPr>
+            <p:cNvPr id="603" name="Straight Connector 27"/>
+            <p:cNvSpPr/>
+            <p:nvPr/>
+          </p:nvSpPr>
+          <p:spPr>
+            <a:xfrm flipV="1">
+              <a:off x="914517" y="1088799"/>
+              <a:ext cx="1624143" cy="998723"/>
+            </a:xfrm>
+            <a:prstGeom prst="line">
+              <a:avLst/>
+            </a:prstGeom>
+            <a:noFill/>
+            <a:ln w="44450" cap="flat">
+              <a:solidFill>
+                <a:srgbClr val="535353"/>
+              </a:solidFill>
+              <a:prstDash val="solid"/>
+              <a:miter lim="800000"/>
+            </a:ln>
+            <a:effectLst/>
+          </p:spPr>
+          <p:txBody>
+            <a:bodyPr wrap="square" lIns="0" tIns="0" rIns="0" bIns="0" numCol="1" anchor="t">
+              <a:noAutofit/>
+            </a:bodyPr>
+            <a:lstStyle/>
+            <a:p>
+              <a:pPr/>
+            </a:p>
+          </p:txBody>
+        </p:sp>
+        <p:sp>
+          <p:nvSpPr>
+            <p:cNvPr id="604" name="Straight Connector 27"/>
+            <p:cNvSpPr/>
+            <p:nvPr/>
+          </p:nvSpPr>
+          <p:spPr>
+            <a:xfrm flipV="1">
+              <a:off x="1574917" y="1863499"/>
+              <a:ext cx="1624143" cy="998723"/>
+            </a:xfrm>
+            <a:prstGeom prst="line">
+              <a:avLst/>
+            </a:prstGeom>
+            <a:noFill/>
+            <a:ln w="44450" cap="flat">
+              <a:solidFill>
+                <a:srgbClr val="535353"/>
+              </a:solidFill>
+              <a:prstDash val="solid"/>
+              <a:miter lim="800000"/>
+            </a:ln>
+            <a:effectLst/>
+          </p:spPr>
+          <p:txBody>
+            <a:bodyPr wrap="square" lIns="0" tIns="0" rIns="0" bIns="0" numCol="1" anchor="t">
+              <a:noAutofit/>
+            </a:bodyPr>
+            <a:lstStyle/>
+            <a:p>
+              <a:pPr/>
+            </a:p>
+          </p:txBody>
+        </p:sp>
+        <p:sp>
+          <p:nvSpPr>
+            <p:cNvPr id="605" name="Straight Connector 27"/>
+            <p:cNvSpPr/>
+            <p:nvPr/>
+          </p:nvSpPr>
+          <p:spPr>
+            <a:xfrm flipV="1">
+              <a:off x="410429" y="199799"/>
+              <a:ext cx="1624143" cy="998723"/>
+            </a:xfrm>
+            <a:prstGeom prst="line">
+              <a:avLst/>
+            </a:prstGeom>
+            <a:noFill/>
+            <a:ln w="44450" cap="flat">
+              <a:solidFill>
+                <a:srgbClr val="535353"/>
+              </a:solidFill>
+              <a:prstDash val="solid"/>
+              <a:miter lim="800000"/>
+            </a:ln>
+            <a:effectLst/>
+          </p:spPr>
+          <p:txBody>
+            <a:bodyPr wrap="square" lIns="0" tIns="0" rIns="0" bIns="0" numCol="1" anchor="t">
+              <a:noAutofit/>
+            </a:bodyPr>
+            <a:lstStyle/>
+            <a:p>
+              <a:pPr/>
+            </a:p>
+          </p:txBody>
+        </p:sp>
+        <p:sp>
+          <p:nvSpPr>
+            <p:cNvPr id="606" name="Straight Connector 27"/>
+            <p:cNvSpPr/>
+            <p:nvPr/>
+          </p:nvSpPr>
+          <p:spPr>
+            <a:xfrm>
+              <a:off x="324594" y="1303350"/>
+              <a:ext cx="1330789" cy="1583279"/>
+            </a:xfrm>
+            <a:prstGeom prst="line">
+              <a:avLst/>
+            </a:prstGeom>
+            <a:noFill/>
+            <a:ln w="44450" cap="flat">
+              <a:solidFill>
+                <a:srgbClr val="535353"/>
+              </a:solidFill>
+              <a:prstDash val="solid"/>
+              <a:miter lim="800000"/>
+            </a:ln>
+            <a:effectLst/>
+          </p:spPr>
+          <p:txBody>
+            <a:bodyPr wrap="square" lIns="0" tIns="0" rIns="0" bIns="0" numCol="1" anchor="t">
+              <a:noAutofit/>
+            </a:bodyPr>
+            <a:lstStyle/>
+            <a:p>
+              <a:pPr/>
+            </a:p>
+          </p:txBody>
+        </p:sp>
+        <p:sp>
+          <p:nvSpPr>
+            <p:cNvPr id="607" name="Straight Connector 27"/>
+            <p:cNvSpPr/>
+            <p:nvPr/>
+          </p:nvSpPr>
+          <p:spPr>
+            <a:xfrm>
+              <a:off x="1807591" y="294498"/>
+              <a:ext cx="1387395" cy="1578076"/>
+            </a:xfrm>
+            <a:prstGeom prst="line">
+              <a:avLst/>
+            </a:prstGeom>
+            <a:noFill/>
+            <a:ln w="44450" cap="flat">
+              <a:solidFill>
+                <a:srgbClr val="535353"/>
+              </a:solidFill>
+              <a:prstDash val="solid"/>
+              <a:miter lim="800000"/>
+            </a:ln>
+            <a:effectLst/>
+          </p:spPr>
+          <p:txBody>
+            <a:bodyPr wrap="square" lIns="0" tIns="0" rIns="0" bIns="0" numCol="1" anchor="t">
+              <a:noAutofit/>
+            </a:bodyPr>
+            <a:lstStyle/>
+            <a:p>
+              <a:pPr/>
+            </a:p>
+          </p:txBody>
+        </p:sp>
+        <p:sp>
+          <p:nvSpPr>
+            <p:cNvPr id="608" name="Oval 13"/>
+            <p:cNvSpPr/>
+            <p:nvPr/>
+          </p:nvSpPr>
+          <p:spPr>
+            <a:xfrm>
+              <a:off x="0" y="901700"/>
+              <a:ext cx="582978" cy="585522"/>
+            </a:xfrm>
+            <a:prstGeom prst="ellipse">
+              <a:avLst/>
+            </a:prstGeom>
+            <a:solidFill>
+              <a:srgbClr val="535353"/>
+            </a:solidFill>
+            <a:ln w="12700" cap="flat">
+              <a:solidFill>
+                <a:srgbClr val="42719B"/>
+              </a:solidFill>
+              <a:prstDash val="solid"/>
+              <a:miter lim="800000"/>
+            </a:ln>
+            <a:effectLst/>
+          </p:spPr>
+          <p:txBody>
+            <a:bodyPr wrap="square" lIns="0" tIns="0" rIns="0" bIns="0" numCol="1" anchor="ctr">
+              <a:noAutofit/>
+            </a:bodyPr>
+            <a:lstStyle/>
+            <a:p>
+              <a:pPr algn="ctr">
+                <a:defRPr>
+                  <a:solidFill>
+                    <a:srgbClr val="FFFFFF"/>
+                  </a:solidFill>
+                </a:defRPr>
+              </a:pPr>
+            </a:p>
+          </p:txBody>
+        </p:sp>
+        <p:sp>
+          <p:nvSpPr>
+            <p:cNvPr id="609" name="Oval 13"/>
+            <p:cNvSpPr/>
+            <p:nvPr/>
+          </p:nvSpPr>
+          <p:spPr>
+            <a:xfrm>
+              <a:off x="800100" y="406400"/>
+              <a:ext cx="582978" cy="585522"/>
+            </a:xfrm>
+            <a:prstGeom prst="ellipse">
+              <a:avLst/>
+            </a:prstGeom>
+            <a:solidFill>
+              <a:srgbClr val="535353"/>
+            </a:solidFill>
+            <a:ln w="12700" cap="flat">
+              <a:solidFill>
+                <a:srgbClr val="42719B"/>
+              </a:solidFill>
+              <a:prstDash val="solid"/>
+              <a:miter lim="800000"/>
+            </a:ln>
+            <a:effectLst/>
+          </p:spPr>
+          <p:txBody>
+            <a:bodyPr wrap="square" lIns="0" tIns="0" rIns="0" bIns="0" numCol="1" anchor="ctr">
+              <a:noAutofit/>
+            </a:bodyPr>
+            <a:lstStyle/>
+            <a:p>
+              <a:pPr algn="ctr">
+                <a:defRPr>
+                  <a:solidFill>
+                    <a:srgbClr val="FFFFFF"/>
+                  </a:solidFill>
+                </a:defRPr>
+              </a:pPr>
+            </a:p>
+          </p:txBody>
+        </p:sp>
+        <p:sp>
+          <p:nvSpPr>
+            <p:cNvPr id="610" name="Oval 13"/>
+            <p:cNvSpPr/>
+            <p:nvPr/>
+          </p:nvSpPr>
+          <p:spPr>
+            <a:xfrm>
+              <a:off x="1596513" y="0"/>
+              <a:ext cx="582978" cy="585522"/>
+            </a:xfrm>
+            <a:prstGeom prst="ellipse">
+              <a:avLst/>
+            </a:prstGeom>
+            <a:solidFill>
+              <a:srgbClr val="535353"/>
+            </a:solidFill>
+            <a:ln w="12700" cap="flat">
+              <a:solidFill>
+                <a:srgbClr val="42719B"/>
+              </a:solidFill>
+              <a:prstDash val="solid"/>
+              <a:miter lim="800000"/>
+            </a:ln>
+            <a:effectLst/>
+          </p:spPr>
+          <p:txBody>
+            <a:bodyPr wrap="square" lIns="0" tIns="0" rIns="0" bIns="0" numCol="1" anchor="ctr">
+              <a:noAutofit/>
+            </a:bodyPr>
+            <a:lstStyle/>
+            <a:p>
+              <a:pPr algn="ctr">
+                <a:defRPr>
+                  <a:solidFill>
+                    <a:srgbClr val="FFFFFF"/>
+                  </a:solidFill>
+                </a:defRPr>
+              </a:pPr>
+            </a:p>
+          </p:txBody>
+        </p:sp>
+        <p:sp>
+          <p:nvSpPr>
+            <p:cNvPr id="611" name="Oval 13"/>
+            <p:cNvSpPr/>
+            <p:nvPr/>
+          </p:nvSpPr>
+          <p:spPr>
+            <a:xfrm>
+              <a:off x="571500" y="1739145"/>
+              <a:ext cx="582978" cy="585522"/>
+            </a:xfrm>
+            <a:prstGeom prst="ellipse">
+              <a:avLst/>
+            </a:prstGeom>
+            <a:solidFill>
+              <a:srgbClr val="535353"/>
+            </a:solidFill>
+            <a:ln w="12700" cap="flat">
+              <a:solidFill>
+                <a:srgbClr val="42719B"/>
+              </a:solidFill>
+              <a:prstDash val="solid"/>
+              <a:miter lim="800000"/>
+            </a:ln>
+            <a:effectLst/>
+          </p:spPr>
+          <p:txBody>
+            <a:bodyPr wrap="square" lIns="0" tIns="0" rIns="0" bIns="0" numCol="1" anchor="ctr">
+              <a:noAutofit/>
+            </a:bodyPr>
+            <a:lstStyle/>
+            <a:p>
+              <a:pPr algn="ctr">
+                <a:defRPr>
+                  <a:solidFill>
+                    <a:srgbClr val="FFFFFF"/>
+                  </a:solidFill>
+                </a:defRPr>
+              </a:pPr>
+            </a:p>
+          </p:txBody>
+        </p:sp>
+        <p:sp>
+          <p:nvSpPr>
+            <p:cNvPr id="612" name="Oval 13"/>
+            <p:cNvSpPr/>
+            <p:nvPr/>
+          </p:nvSpPr>
+          <p:spPr>
+            <a:xfrm>
+              <a:off x="1435100" y="1295400"/>
+              <a:ext cx="582978" cy="585522"/>
+            </a:xfrm>
+            <a:prstGeom prst="ellipse">
+              <a:avLst/>
+            </a:prstGeom>
+            <a:solidFill>
+              <a:srgbClr val="535353"/>
+            </a:solidFill>
+            <a:ln w="12700" cap="flat">
+              <a:solidFill>
+                <a:srgbClr val="42719B"/>
+              </a:solidFill>
+              <a:prstDash val="solid"/>
+              <a:miter lim="800000"/>
+            </a:ln>
+            <a:effectLst/>
+          </p:spPr>
+          <p:txBody>
+            <a:bodyPr wrap="square" lIns="0" tIns="0" rIns="0" bIns="0" numCol="1" anchor="ctr">
+              <a:noAutofit/>
+            </a:bodyPr>
+            <a:lstStyle/>
+            <a:p>
+              <a:pPr algn="ctr">
+                <a:defRPr>
+                  <a:solidFill>
+                    <a:srgbClr val="FFFFFF"/>
+                  </a:solidFill>
+                </a:defRPr>
+              </a:pPr>
+            </a:p>
+          </p:txBody>
+        </p:sp>
+        <p:sp>
+          <p:nvSpPr>
+            <p:cNvPr id="613" name="Oval 13"/>
+            <p:cNvSpPr/>
+            <p:nvPr/>
+          </p:nvSpPr>
+          <p:spPr>
+            <a:xfrm>
+              <a:off x="2209800" y="790775"/>
+              <a:ext cx="582978" cy="585522"/>
+            </a:xfrm>
+            <a:prstGeom prst="ellipse">
+              <a:avLst/>
+            </a:prstGeom>
+            <a:solidFill>
+              <a:srgbClr val="535353"/>
+            </a:solidFill>
+            <a:ln w="12700" cap="flat">
+              <a:solidFill>
+                <a:srgbClr val="42719B"/>
+              </a:solidFill>
+              <a:prstDash val="solid"/>
+              <a:miter lim="800000"/>
+            </a:ln>
+            <a:effectLst/>
+          </p:spPr>
+          <p:txBody>
+            <a:bodyPr wrap="square" lIns="0" tIns="0" rIns="0" bIns="0" numCol="1" anchor="ctr">
+              <a:noAutofit/>
+            </a:bodyPr>
+            <a:lstStyle/>
+            <a:p>
+              <a:pPr algn="ctr">
+                <a:defRPr>
+                  <a:solidFill>
+                    <a:srgbClr val="FFFFFF"/>
+                  </a:solidFill>
+                </a:defRPr>
+              </a:pPr>
+            </a:p>
+          </p:txBody>
+        </p:sp>
+        <p:sp>
+          <p:nvSpPr>
+            <p:cNvPr id="614" name="Oval 13"/>
+            <p:cNvSpPr/>
+            <p:nvPr/>
+          </p:nvSpPr>
+          <p:spPr>
+            <a:xfrm>
+              <a:off x="1257300" y="2590800"/>
+              <a:ext cx="582978" cy="585522"/>
+            </a:xfrm>
+            <a:prstGeom prst="ellipse">
+              <a:avLst/>
+            </a:prstGeom>
+            <a:solidFill>
+              <a:srgbClr val="535353"/>
+            </a:solidFill>
+            <a:ln w="12700" cap="flat">
+              <a:solidFill>
+                <a:srgbClr val="42719B"/>
+              </a:solidFill>
+              <a:prstDash val="solid"/>
+              <a:miter lim="800000"/>
+            </a:ln>
+            <a:effectLst/>
+          </p:spPr>
+          <p:txBody>
+            <a:bodyPr wrap="square" lIns="0" tIns="0" rIns="0" bIns="0" numCol="1" anchor="ctr">
+              <a:noAutofit/>
+            </a:bodyPr>
+            <a:lstStyle/>
+            <a:p>
+              <a:pPr algn="ctr">
+                <a:defRPr>
+                  <a:solidFill>
+                    <a:srgbClr val="FFFFFF"/>
+                  </a:solidFill>
+                </a:defRPr>
+              </a:pPr>
+            </a:p>
+          </p:txBody>
+        </p:sp>
+        <p:sp>
+          <p:nvSpPr>
+            <p:cNvPr id="615" name="Oval 13"/>
+            <p:cNvSpPr/>
+            <p:nvPr/>
+          </p:nvSpPr>
+          <p:spPr>
+            <a:xfrm>
+              <a:off x="2095500" y="2070100"/>
+              <a:ext cx="582978" cy="585522"/>
+            </a:xfrm>
+            <a:prstGeom prst="ellipse">
+              <a:avLst/>
+            </a:prstGeom>
+            <a:solidFill>
+              <a:srgbClr val="535353"/>
+            </a:solidFill>
+            <a:ln w="12700" cap="flat">
+              <a:solidFill>
+                <a:srgbClr val="42719B"/>
+              </a:solidFill>
+              <a:prstDash val="solid"/>
+              <a:miter lim="800000"/>
+            </a:ln>
+            <a:effectLst/>
+          </p:spPr>
+          <p:txBody>
+            <a:bodyPr wrap="square" lIns="0" tIns="0" rIns="0" bIns="0" numCol="1" anchor="ctr">
+              <a:noAutofit/>
+            </a:bodyPr>
+            <a:lstStyle/>
+            <a:p>
+              <a:pPr algn="ctr">
+                <a:defRPr>
+                  <a:solidFill>
+                    <a:srgbClr val="FFFFFF"/>
+                  </a:solidFill>
+                </a:defRPr>
+              </a:pPr>
+            </a:p>
+          </p:txBody>
+        </p:sp>
+        <p:sp>
+          <p:nvSpPr>
+            <p:cNvPr id="616" name="Oval 13"/>
+            <p:cNvSpPr/>
+            <p:nvPr/>
+          </p:nvSpPr>
+          <p:spPr>
+            <a:xfrm>
+              <a:off x="2870200" y="1473200"/>
+              <a:ext cx="582978" cy="585522"/>
+            </a:xfrm>
+            <a:prstGeom prst="ellipse">
+              <a:avLst/>
+            </a:prstGeom>
+            <a:solidFill>
+              <a:srgbClr val="535353"/>
+            </a:solidFill>
+            <a:ln w="12700" cap="flat">
+              <a:solidFill>
+                <a:srgbClr val="42719B"/>
+              </a:solidFill>
+              <a:prstDash val="solid"/>
+              <a:miter lim="800000"/>
+            </a:ln>
+            <a:effectLst/>
+          </p:spPr>
+          <p:txBody>
+            <a:bodyPr wrap="square" lIns="0" tIns="0" rIns="0" bIns="0" numCol="1" anchor="ctr">
+              <a:noAutofit/>
+            </a:bodyPr>
+            <a:lstStyle/>
+            <a:p>
+              <a:pPr algn="ctr">
+                <a:defRPr>
+                  <a:solidFill>
+                    <a:srgbClr val="FFFFFF"/>
+                  </a:solidFill>
+                </a:defRPr>
+              </a:pPr>
+            </a:p>
+          </p:txBody>
+        </p:sp>
+        <p:sp>
+          <p:nvSpPr>
+            <p:cNvPr id="617" name="w"/>
+            <p:cNvSpPr txBox="1"/>
+            <p:nvPr/>
+          </p:nvSpPr>
+          <p:spPr>
+            <a:xfrm>
+              <a:off x="1637694" y="1458549"/>
+              <a:ext cx="177789" cy="259223"/>
+            </a:xfrm>
+            <a:prstGeom prst="rect">
+              <a:avLst/>
+            </a:prstGeom>
+            <a:noFill/>
+            <a:ln w="12700" cap="flat">
+              <a:noFill/>
+              <a:miter lim="400000"/>
+            </a:ln>
+            <a:effectLst/>
+            <a:extLst>
+              <a:ext uri="{C572A759-6A51-4108-AA02-DFA0A04FC94B}">
+                <ma14:wrappingTextBoxFlag xmlns:ma14="http://schemas.microsoft.com/office/mac/drawingml/2011/main" val="1"/>
+              </a:ext>
+            </a:extLst>
+          </p:spPr>
+          <p:txBody>
+            <a:bodyPr wrap="none" lIns="0" tIns="0" rIns="0" bIns="0" numCol="1" anchor="t">
+              <a:spAutoFit/>
+            </a:bodyPr>
+            <a:lstStyle>
+              <a:lvl1pPr>
+                <a:defRPr>
+                  <a:solidFill>
+                    <a:srgbClr val="FFFFFF"/>
+                  </a:solidFill>
+                </a:defRPr>
+              </a:lvl1pPr>
+            </a:lstStyle>
+            <a:p>
+              <a:pPr/>
+              <a:r>
+                <a:t>w</a:t>
+              </a:r>
+            </a:p>
+          </p:txBody>
+        </p:sp>
+        <p:sp>
+          <p:nvSpPr>
+            <p:cNvPr id="618" name="t1"/>
+            <p:cNvSpPr txBox="1"/>
+            <p:nvPr/>
+          </p:nvSpPr>
+          <p:spPr>
+            <a:xfrm>
+              <a:off x="2285313" y="2233249"/>
+              <a:ext cx="203350" cy="259223"/>
+            </a:xfrm>
+            <a:prstGeom prst="rect">
+              <a:avLst/>
+            </a:prstGeom>
+            <a:noFill/>
+            <a:ln w="12700" cap="flat">
+              <a:noFill/>
+              <a:miter lim="400000"/>
+            </a:ln>
+            <a:effectLst/>
+            <a:extLst>
+              <a:ext uri="{C572A759-6A51-4108-AA02-DFA0A04FC94B}">
+                <ma14:wrappingTextBoxFlag xmlns:ma14="http://schemas.microsoft.com/office/mac/drawingml/2011/main" val="1"/>
+              </a:ext>
+            </a:extLst>
+          </p:spPr>
+          <p:txBody>
+            <a:bodyPr wrap="none" lIns="0" tIns="0" rIns="0" bIns="0" numCol="1" anchor="t">
+              <a:spAutoFit/>
+            </a:bodyPr>
+            <a:lstStyle>
+              <a:lvl1pPr>
+                <a:defRPr>
+                  <a:solidFill>
+                    <a:srgbClr val="FFFFFF"/>
+                  </a:solidFill>
+                </a:defRPr>
+              </a:lvl1pPr>
+            </a:lstStyle>
+            <a:p>
+              <a:pPr/>
+              <a:r>
+                <a:t>t1</a:t>
+              </a:r>
+            </a:p>
+          </p:txBody>
+        </p:sp>
+        <p:sp>
+          <p:nvSpPr>
+            <p:cNvPr id="619" name="t2"/>
+            <p:cNvSpPr txBox="1"/>
+            <p:nvPr/>
+          </p:nvSpPr>
+          <p:spPr>
+            <a:xfrm>
+              <a:off x="2399613" y="953925"/>
+              <a:ext cx="203350" cy="259222"/>
+            </a:xfrm>
+            <a:prstGeom prst="rect">
+              <a:avLst/>
+            </a:prstGeom>
+            <a:noFill/>
+            <a:ln w="12700" cap="flat">
+              <a:noFill/>
+              <a:miter lim="400000"/>
+            </a:ln>
+            <a:effectLst/>
+            <a:extLst>
+              <a:ext uri="{C572A759-6A51-4108-AA02-DFA0A04FC94B}">
+                <ma14:wrappingTextBoxFlag xmlns:ma14="http://schemas.microsoft.com/office/mac/drawingml/2011/main" val="1"/>
+              </a:ext>
+            </a:extLst>
+          </p:spPr>
+          <p:txBody>
+            <a:bodyPr wrap="none" lIns="0" tIns="0" rIns="0" bIns="0" numCol="1" anchor="t">
+              <a:spAutoFit/>
+            </a:bodyPr>
+            <a:lstStyle>
+              <a:lvl1pPr>
+                <a:defRPr>
+                  <a:solidFill>
+                    <a:srgbClr val="FFFFFF"/>
+                  </a:solidFill>
+                </a:defRPr>
+              </a:lvl1pPr>
+            </a:lstStyle>
+            <a:p>
+              <a:pPr/>
+              <a:r>
+                <a:t>t2</a:t>
+              </a:r>
+            </a:p>
+          </p:txBody>
+        </p:sp>
+        <p:sp>
+          <p:nvSpPr>
+            <p:cNvPr id="620" name="t4"/>
+            <p:cNvSpPr txBox="1"/>
+            <p:nvPr/>
+          </p:nvSpPr>
+          <p:spPr>
+            <a:xfrm>
+              <a:off x="761313" y="1902295"/>
+              <a:ext cx="203350" cy="259222"/>
+            </a:xfrm>
+            <a:prstGeom prst="rect">
+              <a:avLst/>
+            </a:prstGeom>
+            <a:noFill/>
+            <a:ln w="12700" cap="flat">
+              <a:noFill/>
+              <a:miter lim="400000"/>
+            </a:ln>
+            <a:effectLst/>
+            <a:extLst>
+              <a:ext uri="{C572A759-6A51-4108-AA02-DFA0A04FC94B}">
+                <ma14:wrappingTextBoxFlag xmlns:ma14="http://schemas.microsoft.com/office/mac/drawingml/2011/main" val="1"/>
+              </a:ext>
+            </a:extLst>
+          </p:spPr>
+          <p:txBody>
+            <a:bodyPr wrap="none" lIns="0" tIns="0" rIns="0" bIns="0" numCol="1" anchor="t">
+              <a:spAutoFit/>
+            </a:bodyPr>
+            <a:lstStyle>
+              <a:lvl1pPr>
+                <a:defRPr>
+                  <a:solidFill>
+                    <a:srgbClr val="FFFFFF"/>
+                  </a:solidFill>
+                </a:defRPr>
+              </a:lvl1pPr>
+            </a:lstStyle>
+            <a:p>
+              <a:pPr/>
+              <a:r>
+                <a:t>t4</a:t>
+              </a:r>
+            </a:p>
+          </p:txBody>
+        </p:sp>
+        <p:sp>
+          <p:nvSpPr>
+            <p:cNvPr id="621" name="t3"/>
+            <p:cNvSpPr txBox="1"/>
+            <p:nvPr/>
+          </p:nvSpPr>
+          <p:spPr>
+            <a:xfrm>
+              <a:off x="989913" y="569549"/>
+              <a:ext cx="203350" cy="259223"/>
+            </a:xfrm>
+            <a:prstGeom prst="rect">
+              <a:avLst/>
+            </a:prstGeom>
+            <a:noFill/>
+            <a:ln w="12700" cap="flat">
+              <a:noFill/>
+              <a:miter lim="400000"/>
+            </a:ln>
+            <a:effectLst/>
+            <a:extLst>
+              <a:ext uri="{C572A759-6A51-4108-AA02-DFA0A04FC94B}">
+                <ma14:wrappingTextBoxFlag xmlns:ma14="http://schemas.microsoft.com/office/mac/drawingml/2011/main" val="1"/>
+              </a:ext>
+            </a:extLst>
+          </p:spPr>
+          <p:txBody>
+            <a:bodyPr wrap="none" lIns="0" tIns="0" rIns="0" bIns="0" numCol="1" anchor="t">
+              <a:spAutoFit/>
+            </a:bodyPr>
+            <a:lstStyle>
+              <a:lvl1pPr>
+                <a:defRPr>
+                  <a:solidFill>
+                    <a:srgbClr val="FFFFFF"/>
+                  </a:solidFill>
+                </a:defRPr>
+              </a:lvl1pPr>
+            </a:lstStyle>
+            <a:p>
+              <a:pPr/>
+              <a:r>
+                <a:t>t3</a:t>
+              </a:r>
+            </a:p>
+          </p:txBody>
+        </p:sp>
+        <p:sp>
+          <p:nvSpPr>
+            <p:cNvPr id="622" name="c3"/>
+            <p:cNvSpPr txBox="1"/>
+            <p:nvPr/>
+          </p:nvSpPr>
+          <p:spPr>
+            <a:xfrm>
+              <a:off x="1760933" y="163149"/>
+              <a:ext cx="254138" cy="259223"/>
+            </a:xfrm>
+            <a:prstGeom prst="rect">
+              <a:avLst/>
+            </a:prstGeom>
+            <a:noFill/>
+            <a:ln w="12700" cap="flat">
+              <a:noFill/>
+              <a:miter lim="400000"/>
+            </a:ln>
+            <a:effectLst/>
+            <a:extLst>
+              <a:ext uri="{C572A759-6A51-4108-AA02-DFA0A04FC94B}">
+                <ma14:wrappingTextBoxFlag xmlns:ma14="http://schemas.microsoft.com/office/mac/drawingml/2011/main" val="1"/>
+              </a:ext>
+            </a:extLst>
+          </p:spPr>
+          <p:txBody>
+            <a:bodyPr wrap="none" lIns="0" tIns="0" rIns="0" bIns="0" numCol="1" anchor="t">
+              <a:spAutoFit/>
+            </a:bodyPr>
+            <a:lstStyle>
+              <a:lvl1pPr>
+                <a:defRPr>
+                  <a:solidFill>
+                    <a:srgbClr val="FFFFFF"/>
+                  </a:solidFill>
+                </a:defRPr>
+              </a:lvl1pPr>
+            </a:lstStyle>
+            <a:p>
+              <a:pPr/>
+              <a:r>
+                <a:t>c3</a:t>
+              </a:r>
+            </a:p>
+          </p:txBody>
+        </p:sp>
+        <p:sp>
+          <p:nvSpPr>
+            <p:cNvPr id="623" name="c4"/>
+            <p:cNvSpPr txBox="1"/>
+            <p:nvPr/>
+          </p:nvSpPr>
+          <p:spPr>
+            <a:xfrm>
+              <a:off x="164420" y="1064849"/>
+              <a:ext cx="254137" cy="259223"/>
+            </a:xfrm>
+            <a:prstGeom prst="rect">
+              <a:avLst/>
+            </a:prstGeom>
+            <a:noFill/>
+            <a:ln w="12700" cap="flat">
+              <a:noFill/>
+              <a:miter lim="400000"/>
+            </a:ln>
+            <a:effectLst/>
+            <a:extLst>
+              <a:ext uri="{C572A759-6A51-4108-AA02-DFA0A04FC94B}">
+                <ma14:wrappingTextBoxFlag xmlns:ma14="http://schemas.microsoft.com/office/mac/drawingml/2011/main" val="1"/>
+              </a:ext>
+            </a:extLst>
+          </p:spPr>
+          <p:txBody>
+            <a:bodyPr wrap="none" lIns="0" tIns="0" rIns="0" bIns="0" numCol="1" anchor="t">
+              <a:spAutoFit/>
+            </a:bodyPr>
+            <a:lstStyle>
+              <a:lvl1pPr>
+                <a:defRPr>
+                  <a:solidFill>
+                    <a:srgbClr val="FFFFFF"/>
+                  </a:solidFill>
+                </a:defRPr>
+              </a:lvl1pPr>
+            </a:lstStyle>
+            <a:p>
+              <a:pPr/>
+              <a:r>
+                <a:t>c4</a:t>
+              </a:r>
+            </a:p>
+          </p:txBody>
+        </p:sp>
+        <p:sp>
+          <p:nvSpPr>
+            <p:cNvPr id="624" name="c1"/>
+            <p:cNvSpPr txBox="1"/>
+            <p:nvPr/>
+          </p:nvSpPr>
+          <p:spPr>
+            <a:xfrm>
+              <a:off x="1421720" y="2753949"/>
+              <a:ext cx="254137" cy="259223"/>
+            </a:xfrm>
+            <a:prstGeom prst="rect">
+              <a:avLst/>
+            </a:prstGeom>
+            <a:noFill/>
+            <a:ln w="12700" cap="flat">
+              <a:noFill/>
+              <a:miter lim="400000"/>
+            </a:ln>
+            <a:effectLst/>
+            <a:extLst>
+              <a:ext uri="{C572A759-6A51-4108-AA02-DFA0A04FC94B}">
+                <ma14:wrappingTextBoxFlag xmlns:ma14="http://schemas.microsoft.com/office/mac/drawingml/2011/main" val="1"/>
+              </a:ext>
+            </a:extLst>
+          </p:spPr>
+          <p:txBody>
+            <a:bodyPr wrap="none" lIns="0" tIns="0" rIns="0" bIns="0" numCol="1" anchor="t">
+              <a:spAutoFit/>
+            </a:bodyPr>
+            <a:lstStyle>
+              <a:lvl1pPr>
+                <a:defRPr>
+                  <a:solidFill>
+                    <a:srgbClr val="FFFFFF"/>
+                  </a:solidFill>
+                </a:defRPr>
+              </a:lvl1pPr>
+            </a:lstStyle>
+            <a:p>
+              <a:pPr/>
+              <a:r>
+                <a:t>c1</a:t>
+              </a:r>
+            </a:p>
+          </p:txBody>
+        </p:sp>
+        <p:sp>
+          <p:nvSpPr>
+            <p:cNvPr id="625" name="c2"/>
+            <p:cNvSpPr txBox="1"/>
+            <p:nvPr/>
+          </p:nvSpPr>
+          <p:spPr>
+            <a:xfrm>
+              <a:off x="3034620" y="1636349"/>
+              <a:ext cx="254137" cy="259223"/>
+            </a:xfrm>
+            <a:prstGeom prst="rect">
+              <a:avLst/>
+            </a:prstGeom>
+            <a:noFill/>
+            <a:ln w="12700" cap="flat">
+              <a:noFill/>
+              <a:miter lim="400000"/>
+            </a:ln>
+            <a:effectLst/>
+            <a:extLst>
+              <a:ext uri="{C572A759-6A51-4108-AA02-DFA0A04FC94B}">
+                <ma14:wrappingTextBoxFlag xmlns:ma14="http://schemas.microsoft.com/office/mac/drawingml/2011/main" val="1"/>
+              </a:ext>
+            </a:extLst>
+          </p:spPr>
+          <p:txBody>
+            <a:bodyPr wrap="none" lIns="0" tIns="0" rIns="0" bIns="0" numCol="1" anchor="t">
+              <a:spAutoFit/>
+            </a:bodyPr>
+            <a:lstStyle>
+              <a:lvl1pPr>
+                <a:defRPr>
+                  <a:solidFill>
+                    <a:srgbClr val="FFFFFF"/>
+                  </a:solidFill>
+                </a:defRPr>
+              </a:lvl1pPr>
+            </a:lstStyle>
+            <a:p>
+              <a:pPr/>
+              <a:r>
+                <a:t>c2</a:t>
+              </a:r>
+            </a:p>
+          </p:txBody>
+        </p:sp>
+        <p:sp>
+          <p:nvSpPr>
+            <p:cNvPr id="626" name="0"/>
+            <p:cNvSpPr txBox="1"/>
+            <p:nvPr/>
+          </p:nvSpPr>
+          <p:spPr>
+            <a:xfrm>
+              <a:off x="2026444" y="2753949"/>
+              <a:ext cx="139838" cy="259223"/>
+            </a:xfrm>
+            <a:prstGeom prst="rect">
+              <a:avLst/>
+            </a:prstGeom>
+            <a:noFill/>
+            <a:ln w="12700" cap="flat">
+              <a:noFill/>
+              <a:miter lim="400000"/>
+            </a:ln>
+            <a:effectLst/>
+            <a:extLst>
+              <a:ext uri="{C572A759-6A51-4108-AA02-DFA0A04FC94B}">
+                <ma14:wrappingTextBoxFlag xmlns:ma14="http://schemas.microsoft.com/office/mac/drawingml/2011/main" val="1"/>
+              </a:ext>
+            </a:extLst>
+          </p:spPr>
+          <p:txBody>
+            <a:bodyPr wrap="none" lIns="0" tIns="0" rIns="0" bIns="0" numCol="1" anchor="t">
+              <a:spAutoFit/>
+            </a:bodyPr>
+            <a:lstStyle>
+              <a:lvl1pPr>
+                <a:defRPr>
+                  <a:solidFill>
+                    <a:srgbClr val="535353"/>
+                  </a:solidFill>
+                </a:defRPr>
+              </a:lvl1pPr>
+            </a:lstStyle>
+            <a:p>
+              <a:pPr/>
+              <a:r>
+                <a:t>0</a:t>
+              </a:r>
+            </a:p>
+          </p:txBody>
+        </p:sp>
+        <p:sp>
+          <p:nvSpPr>
+            <p:cNvPr id="627" name="1"/>
+            <p:cNvSpPr txBox="1"/>
+            <p:nvPr/>
+          </p:nvSpPr>
+          <p:spPr>
+            <a:xfrm>
+              <a:off x="2863850" y="2233250"/>
+              <a:ext cx="139837" cy="259222"/>
+            </a:xfrm>
+            <a:prstGeom prst="rect">
+              <a:avLst/>
+            </a:prstGeom>
+            <a:noFill/>
+            <a:ln w="12700" cap="flat">
+              <a:noFill/>
+              <a:miter lim="400000"/>
+            </a:ln>
+            <a:effectLst/>
+            <a:extLst>
+              <a:ext uri="{C572A759-6A51-4108-AA02-DFA0A04FC94B}">
+                <ma14:wrappingTextBoxFlag xmlns:ma14="http://schemas.microsoft.com/office/mac/drawingml/2011/main" val="1"/>
+              </a:ext>
+            </a:extLst>
+          </p:spPr>
+          <p:txBody>
+            <a:bodyPr wrap="none" lIns="0" tIns="0" rIns="0" bIns="0" numCol="1" anchor="t">
+              <a:spAutoFit/>
+            </a:bodyPr>
+            <a:lstStyle>
+              <a:lvl1pPr>
+                <a:defRPr>
+                  <a:solidFill>
+                    <a:srgbClr val="535353"/>
+                  </a:solidFill>
+                </a:defRPr>
+              </a:lvl1pPr>
+            </a:lstStyle>
+            <a:p>
+              <a:pPr/>
+              <a:r>
+                <a:t>1</a:t>
+              </a:r>
+            </a:p>
+          </p:txBody>
+        </p:sp>
+        <p:sp>
+          <p:nvSpPr>
+            <p:cNvPr id="628" name="2"/>
+            <p:cNvSpPr txBox="1"/>
+            <p:nvPr/>
+          </p:nvSpPr>
+          <p:spPr>
+            <a:xfrm>
+              <a:off x="1422508" y="2170980"/>
+              <a:ext cx="139838" cy="259222"/>
+            </a:xfrm>
+            <a:prstGeom prst="rect">
+              <a:avLst/>
+            </a:prstGeom>
+            <a:noFill/>
+            <a:ln w="12700" cap="flat">
+              <a:noFill/>
+              <a:miter lim="400000"/>
+            </a:ln>
+            <a:effectLst/>
+            <a:extLst>
+              <a:ext uri="{C572A759-6A51-4108-AA02-DFA0A04FC94B}">
+                <ma14:wrappingTextBoxFlag xmlns:ma14="http://schemas.microsoft.com/office/mac/drawingml/2011/main" val="1"/>
+              </a:ext>
+            </a:extLst>
+          </p:spPr>
+          <p:txBody>
+            <a:bodyPr wrap="none" lIns="0" tIns="0" rIns="0" bIns="0" numCol="1" anchor="t">
+              <a:spAutoFit/>
+            </a:bodyPr>
+            <a:lstStyle>
+              <a:lvl1pPr>
+                <a:defRPr>
+                  <a:solidFill>
+                    <a:srgbClr val="535353"/>
+                  </a:solidFill>
+                </a:defRPr>
+              </a:lvl1pPr>
+            </a:lstStyle>
+            <a:p>
+              <a:pPr/>
+              <a:r>
+                <a:t>2</a:t>
+              </a:r>
+            </a:p>
+          </p:txBody>
+        </p:sp>
+        <p:sp>
+          <p:nvSpPr>
+            <p:cNvPr id="629" name="3"/>
+            <p:cNvSpPr txBox="1"/>
+            <p:nvPr/>
+          </p:nvSpPr>
+          <p:spPr>
+            <a:xfrm>
+              <a:off x="2203450" y="1678337"/>
+              <a:ext cx="139837" cy="259222"/>
+            </a:xfrm>
+            <a:prstGeom prst="rect">
+              <a:avLst/>
+            </a:prstGeom>
+            <a:noFill/>
+            <a:ln w="12700" cap="flat">
+              <a:noFill/>
+              <a:miter lim="400000"/>
+            </a:ln>
+            <a:effectLst/>
+            <a:extLst>
+              <a:ext uri="{C572A759-6A51-4108-AA02-DFA0A04FC94B}">
+                <ma14:wrappingTextBoxFlag xmlns:ma14="http://schemas.microsoft.com/office/mac/drawingml/2011/main" val="1"/>
+              </a:ext>
+            </a:extLst>
+          </p:spPr>
+          <p:txBody>
+            <a:bodyPr wrap="none" lIns="0" tIns="0" rIns="0" bIns="0" numCol="1" anchor="t">
+              <a:spAutoFit/>
+            </a:bodyPr>
+            <a:lstStyle>
+              <a:lvl1pPr>
+                <a:defRPr>
+                  <a:solidFill>
+                    <a:srgbClr val="535353"/>
+                  </a:solidFill>
+                </a:defRPr>
+              </a:lvl1pPr>
+            </a:lstStyle>
+            <a:p>
+              <a:pPr/>
+              <a:r>
+                <a:t>3</a:t>
+              </a:r>
+            </a:p>
+          </p:txBody>
+        </p:sp>
+        <p:sp>
+          <p:nvSpPr>
+            <p:cNvPr id="630" name="4"/>
+            <p:cNvSpPr txBox="1"/>
+            <p:nvPr/>
+          </p:nvSpPr>
+          <p:spPr>
+            <a:xfrm>
+              <a:off x="2956363" y="1119686"/>
+              <a:ext cx="139837" cy="259223"/>
+            </a:xfrm>
+            <a:prstGeom prst="rect">
+              <a:avLst/>
+            </a:prstGeom>
+            <a:noFill/>
+            <a:ln w="12700" cap="flat">
+              <a:noFill/>
+              <a:miter lim="400000"/>
+            </a:ln>
+            <a:effectLst/>
+            <a:extLst>
+              <a:ext uri="{C572A759-6A51-4108-AA02-DFA0A04FC94B}">
+                <ma14:wrappingTextBoxFlag xmlns:ma14="http://schemas.microsoft.com/office/mac/drawingml/2011/main" val="1"/>
+              </a:ext>
+            </a:extLst>
+          </p:spPr>
+          <p:txBody>
+            <a:bodyPr wrap="none" lIns="0" tIns="0" rIns="0" bIns="0" numCol="1" anchor="t">
+              <a:spAutoFit/>
+            </a:bodyPr>
+            <a:lstStyle>
+              <a:lvl1pPr>
+                <a:defRPr>
+                  <a:solidFill>
+                    <a:srgbClr val="535353"/>
+                  </a:solidFill>
+                </a:defRPr>
+              </a:lvl1pPr>
+            </a:lstStyle>
+            <a:p>
+              <a:pPr/>
+              <a:r>
+                <a:t>4</a:t>
+              </a:r>
+            </a:p>
+          </p:txBody>
+        </p:sp>
+        <p:sp>
+          <p:nvSpPr>
+            <p:cNvPr id="631" name="5"/>
+            <p:cNvSpPr txBox="1"/>
+            <p:nvPr/>
+          </p:nvSpPr>
+          <p:spPr>
+            <a:xfrm>
+              <a:off x="1168049" y="1564606"/>
+              <a:ext cx="139838" cy="259222"/>
+            </a:xfrm>
+            <a:prstGeom prst="rect">
+              <a:avLst/>
+            </a:prstGeom>
+            <a:noFill/>
+            <a:ln w="12700" cap="flat">
+              <a:noFill/>
+              <a:miter lim="400000"/>
+            </a:ln>
+            <a:effectLst/>
+            <a:extLst>
+              <a:ext uri="{C572A759-6A51-4108-AA02-DFA0A04FC94B}">
+                <ma14:wrappingTextBoxFlag xmlns:ma14="http://schemas.microsoft.com/office/mac/drawingml/2011/main" val="1"/>
+              </a:ext>
+            </a:extLst>
+          </p:spPr>
+          <p:txBody>
+            <a:bodyPr wrap="none" lIns="0" tIns="0" rIns="0" bIns="0" numCol="1" anchor="t">
+              <a:spAutoFit/>
+            </a:bodyPr>
+            <a:lstStyle>
+              <a:lvl1pPr>
+                <a:defRPr>
+                  <a:solidFill>
+                    <a:srgbClr val="535353"/>
+                  </a:solidFill>
+                </a:defRPr>
+              </a:lvl1pPr>
+            </a:lstStyle>
+            <a:p>
+              <a:pPr/>
+              <a:r>
+                <a:t>5</a:t>
+              </a:r>
+            </a:p>
+          </p:txBody>
+        </p:sp>
+        <p:sp>
+          <p:nvSpPr>
+            <p:cNvPr id="632" name="6"/>
+            <p:cNvSpPr txBox="1"/>
+            <p:nvPr/>
+          </p:nvSpPr>
+          <p:spPr>
+            <a:xfrm>
+              <a:off x="2026444" y="1064849"/>
+              <a:ext cx="139838" cy="259223"/>
+            </a:xfrm>
+            <a:prstGeom prst="rect">
+              <a:avLst/>
+            </a:prstGeom>
+            <a:noFill/>
+            <a:ln w="12700" cap="flat">
+              <a:noFill/>
+              <a:miter lim="400000"/>
+            </a:ln>
+            <a:effectLst/>
+            <a:extLst>
+              <a:ext uri="{C572A759-6A51-4108-AA02-DFA0A04FC94B}">
+                <ma14:wrappingTextBoxFlag xmlns:ma14="http://schemas.microsoft.com/office/mac/drawingml/2011/main" val="1"/>
+              </a:ext>
+            </a:extLst>
+          </p:spPr>
+          <p:txBody>
+            <a:bodyPr wrap="none" lIns="0" tIns="0" rIns="0" bIns="0" numCol="1" anchor="t">
+              <a:spAutoFit/>
+            </a:bodyPr>
+            <a:lstStyle>
+              <a:lvl1pPr>
+                <a:defRPr>
+                  <a:solidFill>
+                    <a:srgbClr val="535353"/>
+                  </a:solidFill>
+                </a:defRPr>
+              </a:lvl1pPr>
+            </a:lstStyle>
+            <a:p>
+              <a:pPr/>
+              <a:r>
+                <a:t>6</a:t>
+              </a:r>
+            </a:p>
+          </p:txBody>
+        </p:sp>
+        <p:sp>
+          <p:nvSpPr>
+            <p:cNvPr id="633" name="7"/>
+            <p:cNvSpPr txBox="1"/>
+            <p:nvPr/>
+          </p:nvSpPr>
+          <p:spPr>
+            <a:xfrm>
+              <a:off x="723151" y="1345513"/>
+              <a:ext cx="139838" cy="259223"/>
+            </a:xfrm>
+            <a:prstGeom prst="rect">
+              <a:avLst/>
+            </a:prstGeom>
+            <a:noFill/>
+            <a:ln w="12700" cap="flat">
+              <a:noFill/>
+              <a:miter lim="400000"/>
+            </a:ln>
+            <a:effectLst/>
+            <a:extLst>
+              <a:ext uri="{C572A759-6A51-4108-AA02-DFA0A04FC94B}">
+                <ma14:wrappingTextBoxFlag xmlns:ma14="http://schemas.microsoft.com/office/mac/drawingml/2011/main" val="1"/>
+              </a:ext>
+            </a:extLst>
+          </p:spPr>
+          <p:txBody>
+            <a:bodyPr wrap="none" lIns="0" tIns="0" rIns="0" bIns="0" numCol="1" anchor="t">
+              <a:spAutoFit/>
+            </a:bodyPr>
+            <a:lstStyle>
+              <a:lvl1pPr>
+                <a:defRPr>
+                  <a:solidFill>
+                    <a:srgbClr val="535353"/>
+                  </a:solidFill>
+                </a:defRPr>
+              </a:lvl1pPr>
+            </a:lstStyle>
+            <a:p>
+              <a:pPr/>
+              <a:r>
+                <a:t>7</a:t>
+              </a:r>
+            </a:p>
+          </p:txBody>
+        </p:sp>
+        <p:sp>
+          <p:nvSpPr>
+            <p:cNvPr id="634" name="8"/>
+            <p:cNvSpPr txBox="1"/>
+            <p:nvPr/>
+          </p:nvSpPr>
+          <p:spPr>
+            <a:xfrm>
+              <a:off x="1520245" y="810849"/>
+              <a:ext cx="139837" cy="259223"/>
+            </a:xfrm>
+            <a:prstGeom prst="rect">
+              <a:avLst/>
+            </a:prstGeom>
+            <a:noFill/>
+            <a:ln w="12700" cap="flat">
+              <a:noFill/>
+              <a:miter lim="400000"/>
+            </a:ln>
+            <a:effectLst/>
+            <a:extLst>
+              <a:ext uri="{C572A759-6A51-4108-AA02-DFA0A04FC94B}">
+                <ma14:wrappingTextBoxFlag xmlns:ma14="http://schemas.microsoft.com/office/mac/drawingml/2011/main" val="1"/>
+              </a:ext>
+            </a:extLst>
+          </p:spPr>
+          <p:txBody>
+            <a:bodyPr wrap="none" lIns="0" tIns="0" rIns="0" bIns="0" numCol="1" anchor="t">
+              <a:spAutoFit/>
+            </a:bodyPr>
+            <a:lstStyle>
+              <a:lvl1pPr>
+                <a:defRPr>
+                  <a:solidFill>
+                    <a:srgbClr val="535353"/>
+                  </a:solidFill>
+                </a:defRPr>
+              </a:lvl1pPr>
+            </a:lstStyle>
+            <a:p>
+              <a:pPr/>
+              <a:r>
+                <a:t>8</a:t>
+              </a:r>
+            </a:p>
+          </p:txBody>
+        </p:sp>
+        <p:sp>
+          <p:nvSpPr>
+            <p:cNvPr id="635" name="9"/>
+            <p:cNvSpPr txBox="1"/>
+            <p:nvPr/>
+          </p:nvSpPr>
+          <p:spPr>
+            <a:xfrm>
+              <a:off x="2304344" y="332649"/>
+              <a:ext cx="139838" cy="259223"/>
+            </a:xfrm>
+            <a:prstGeom prst="rect">
+              <a:avLst/>
+            </a:prstGeom>
+            <a:noFill/>
+            <a:ln w="12700" cap="flat">
+              <a:noFill/>
+              <a:miter lim="400000"/>
+            </a:ln>
+            <a:effectLst/>
+            <a:extLst>
+              <a:ext uri="{C572A759-6A51-4108-AA02-DFA0A04FC94B}">
+                <ma14:wrappingTextBoxFlag xmlns:ma14="http://schemas.microsoft.com/office/mac/drawingml/2011/main" val="1"/>
+              </a:ext>
+            </a:extLst>
+          </p:spPr>
+          <p:txBody>
+            <a:bodyPr wrap="none" lIns="0" tIns="0" rIns="0" bIns="0" numCol="1" anchor="t">
+              <a:spAutoFit/>
+            </a:bodyPr>
+            <a:lstStyle>
+              <a:lvl1pPr>
+                <a:defRPr>
+                  <a:solidFill>
+                    <a:srgbClr val="535353"/>
+                  </a:solidFill>
+                </a:defRPr>
+              </a:lvl1pPr>
+            </a:lstStyle>
+            <a:p>
+              <a:pPr/>
+              <a:r>
+                <a:t>9</a:t>
+              </a:r>
+            </a:p>
+          </p:txBody>
+        </p:sp>
+        <p:sp>
+          <p:nvSpPr>
+            <p:cNvPr id="636" name="10"/>
+            <p:cNvSpPr txBox="1"/>
+            <p:nvPr/>
+          </p:nvSpPr>
+          <p:spPr>
+            <a:xfrm>
+              <a:off x="489608" y="571647"/>
+              <a:ext cx="266974" cy="259223"/>
+            </a:xfrm>
+            <a:prstGeom prst="rect">
+              <a:avLst/>
+            </a:prstGeom>
+            <a:noFill/>
+            <a:ln w="12700" cap="flat">
+              <a:noFill/>
+              <a:miter lim="400000"/>
+            </a:ln>
+            <a:effectLst/>
+            <a:extLst>
+              <a:ext uri="{C572A759-6A51-4108-AA02-DFA0A04FC94B}">
+                <ma14:wrappingTextBoxFlag xmlns:ma14="http://schemas.microsoft.com/office/mac/drawingml/2011/main" val="1"/>
+              </a:ext>
+            </a:extLst>
+          </p:spPr>
+          <p:txBody>
+            <a:bodyPr wrap="none" lIns="0" tIns="0" rIns="0" bIns="0" numCol="1" anchor="t">
+              <a:spAutoFit/>
+            </a:bodyPr>
+            <a:lstStyle>
+              <a:lvl1pPr>
+                <a:defRPr>
+                  <a:solidFill>
+                    <a:srgbClr val="535353"/>
+                  </a:solidFill>
+                </a:defRPr>
+              </a:lvl1pPr>
+            </a:lstStyle>
+            <a:p>
+              <a:pPr/>
+              <a:r>
+                <a:t>10</a:t>
+              </a:r>
+            </a:p>
+          </p:txBody>
+        </p:sp>
+        <p:sp>
+          <p:nvSpPr>
+            <p:cNvPr id="637" name="11"/>
+            <p:cNvSpPr txBox="1"/>
+            <p:nvPr/>
+          </p:nvSpPr>
+          <p:spPr>
+            <a:xfrm>
+              <a:off x="1228564" y="76121"/>
+              <a:ext cx="250008" cy="259222"/>
+            </a:xfrm>
+            <a:prstGeom prst="rect">
+              <a:avLst/>
+            </a:prstGeom>
+            <a:noFill/>
+            <a:ln w="12700" cap="flat">
+              <a:noFill/>
+              <a:miter lim="400000"/>
+            </a:ln>
+            <a:effectLst/>
+            <a:extLst>
+              <a:ext uri="{C572A759-6A51-4108-AA02-DFA0A04FC94B}">
+                <ma14:wrappingTextBoxFlag xmlns:ma14="http://schemas.microsoft.com/office/mac/drawingml/2011/main" val="1"/>
+              </a:ext>
+            </a:extLst>
+          </p:spPr>
+          <p:txBody>
+            <a:bodyPr wrap="none" lIns="0" tIns="0" rIns="0" bIns="0" numCol="1" anchor="t">
+              <a:spAutoFit/>
+            </a:bodyPr>
+            <a:lstStyle>
+              <a:lvl1pPr>
+                <a:defRPr>
+                  <a:solidFill>
+                    <a:srgbClr val="535353"/>
+                  </a:solidFill>
+                </a:defRPr>
+              </a:lvl1pPr>
+            </a:lstStyle>
+            <a:p>
+              <a:pPr/>
+              <a:r>
+                <a:t>11</a:t>
+              </a:r>
+            </a:p>
+          </p:txBody>
+        </p:sp>
+      </p:grpSp>
+      <p:sp>
+        <p:nvSpPr>
+          <p:cNvPr id="639" name="Oval 13"/>
           <p:cNvSpPr/>
           <p:nvPr/>
         </p:nvSpPr>
         <p:spPr>
           <a:xfrm>
-            <a:off x="3584279" y="2157250"/>
-            <a:ext cx="1372239" cy="1656009"/>
-          </a:xfrm>
-          <a:prstGeom prst="line">
-            <a:avLst/>
-          </a:prstGeom>
-          <a:ln w="44450">
-            <a:solidFill>
-              <a:srgbClr val="535353"/>
-            </a:solidFill>
-            <a:miter/>
-          </a:ln>
-        </p:spPr>
-        <p:txBody>
-          <a:bodyPr lIns="0" tIns="0" rIns="0" bIns="0"/>
-          <a:lstStyle/>
-          <a:p>
-            <a:pPr/>
-          </a:p>
-        </p:txBody>
-      </p:sp>
-      <p:sp>
-        <p:nvSpPr>
-          <p:cNvPr id="603" name="Straight Connector 27"/>
-          <p:cNvSpPr/>
-          <p:nvPr/>
-        </p:nvSpPr>
-        <p:spPr>
-          <a:xfrm flipV="1">
-            <a:off x="3458327" y="2485893"/>
-            <a:ext cx="1624143" cy="998723"/>
-          </a:xfrm>
-          <a:prstGeom prst="line">
-            <a:avLst/>
-          </a:prstGeom>
-          <a:ln w="44450">
-            <a:solidFill>
-              <a:srgbClr val="535353"/>
-            </a:solidFill>
-            <a:miter/>
-          </a:ln>
-        </p:spPr>
-        <p:txBody>
-          <a:bodyPr lIns="0" tIns="0" rIns="0" bIns="0"/>
-          <a:lstStyle/>
-          <a:p>
-            <a:pPr/>
-          </a:p>
-        </p:txBody>
-      </p:sp>
-      <p:sp>
-        <p:nvSpPr>
-          <p:cNvPr id="604" name="Straight Connector 27"/>
-          <p:cNvSpPr/>
-          <p:nvPr/>
-        </p:nvSpPr>
-        <p:spPr>
-          <a:xfrm flipV="1">
-            <a:off x="4118727" y="3260593"/>
-            <a:ext cx="1624143" cy="998723"/>
-          </a:xfrm>
-          <a:prstGeom prst="line">
-            <a:avLst/>
-          </a:prstGeom>
-          <a:ln w="44450">
-            <a:solidFill>
-              <a:srgbClr val="535353"/>
-            </a:solidFill>
-            <a:miter/>
-          </a:ln>
-        </p:spPr>
-        <p:txBody>
-          <a:bodyPr lIns="0" tIns="0" rIns="0" bIns="0"/>
-          <a:lstStyle/>
-          <a:p>
-            <a:pPr/>
-          </a:p>
-        </p:txBody>
-      </p:sp>
-      <p:sp>
-        <p:nvSpPr>
-          <p:cNvPr id="605" name="Straight Connector 27"/>
-          <p:cNvSpPr/>
-          <p:nvPr/>
-        </p:nvSpPr>
-        <p:spPr>
-          <a:xfrm flipV="1">
-            <a:off x="2954239" y="1596893"/>
-            <a:ext cx="1624143" cy="998723"/>
-          </a:xfrm>
-          <a:prstGeom prst="line">
-            <a:avLst/>
-          </a:prstGeom>
-          <a:ln w="44450">
-            <a:solidFill>
-              <a:srgbClr val="535353"/>
-            </a:solidFill>
-            <a:miter/>
-          </a:ln>
-        </p:spPr>
-        <p:txBody>
-          <a:bodyPr lIns="0" tIns="0" rIns="0" bIns="0"/>
-          <a:lstStyle/>
-          <a:p>
-            <a:pPr/>
-          </a:p>
-        </p:txBody>
-      </p:sp>
-      <p:sp>
-        <p:nvSpPr>
-          <p:cNvPr id="606" name="Straight Connector 27"/>
-          <p:cNvSpPr/>
-          <p:nvPr/>
-        </p:nvSpPr>
-        <p:spPr>
-          <a:xfrm>
-            <a:off x="2868404" y="2700443"/>
-            <a:ext cx="1330788" cy="1583279"/>
-          </a:xfrm>
-          <a:prstGeom prst="line">
-            <a:avLst/>
-          </a:prstGeom>
-          <a:ln w="44450">
-            <a:solidFill>
-              <a:srgbClr val="535353"/>
-            </a:solidFill>
-            <a:miter/>
-          </a:ln>
-        </p:spPr>
-        <p:txBody>
-          <a:bodyPr lIns="0" tIns="0" rIns="0" bIns="0"/>
-          <a:lstStyle/>
-          <a:p>
-            <a:pPr/>
-          </a:p>
-        </p:txBody>
-      </p:sp>
-      <p:sp>
-        <p:nvSpPr>
-          <p:cNvPr id="607" name="Straight Connector 27"/>
-          <p:cNvSpPr/>
-          <p:nvPr/>
-        </p:nvSpPr>
-        <p:spPr>
-          <a:xfrm>
-            <a:off x="4351400" y="1691591"/>
-            <a:ext cx="1387396" cy="1578077"/>
-          </a:xfrm>
-          <a:prstGeom prst="line">
-            <a:avLst/>
-          </a:prstGeom>
-          <a:ln w="44450">
-            <a:solidFill>
-              <a:srgbClr val="535353"/>
-            </a:solidFill>
-            <a:miter/>
-          </a:ln>
-        </p:spPr>
-        <p:txBody>
-          <a:bodyPr lIns="0" tIns="0" rIns="0" bIns="0"/>
-          <a:lstStyle/>
-          <a:p>
-            <a:pPr/>
-          </a:p>
-        </p:txBody>
-      </p:sp>
-      <p:sp>
-        <p:nvSpPr>
-          <p:cNvPr id="608" name="Oval 13"/>
-          <p:cNvSpPr/>
-          <p:nvPr/>
-        </p:nvSpPr>
-        <p:spPr>
-          <a:xfrm>
-            <a:off x="2543809" y="2298793"/>
+            <a:off x="5125108" y="2281013"/>
             <a:ext cx="582978" cy="585522"/>
           </a:xfrm>
           <a:prstGeom prst="ellipse">
@@ -14514,14 +15925,14 @@
       </p:sp>
       <p:sp>
         <p:nvSpPr>
-          <p:cNvPr id="609" name="Oval 13"/>
+          <p:cNvPr id="640" name="Oval 13"/>
           <p:cNvSpPr/>
           <p:nvPr/>
         </p:nvSpPr>
         <p:spPr>
           <a:xfrm>
-            <a:off x="3343909" y="1803493"/>
-            <a:ext cx="582978" cy="585522"/>
+            <a:off x="7918181" y="2301333"/>
+            <a:ext cx="582978" cy="585523"/>
           </a:xfrm>
           <a:prstGeom prst="ellipse">
             <a:avLst/>
@@ -14552,14 +15963,164 @@
       </p:sp>
       <p:sp>
         <p:nvSpPr>
-          <p:cNvPr id="610" name="Oval 13"/>
+          <p:cNvPr id="641" name="線條"/>
           <p:cNvSpPr/>
           <p:nvPr/>
         </p:nvSpPr>
         <p:spPr>
           <a:xfrm>
-            <a:off x="4140323" y="1397093"/>
-            <a:ext cx="582978" cy="585522"/>
+            <a:off x="4356964" y="2573774"/>
+            <a:ext cx="595678" cy="1"/>
+          </a:xfrm>
+          <a:prstGeom prst="line">
+            <a:avLst/>
+          </a:prstGeom>
+          <a:ln w="38100">
+            <a:solidFill>
+              <a:srgbClr val="535353"/>
+            </a:solidFill>
+            <a:miter/>
+            <a:tailEnd type="triangle"/>
+          </a:ln>
+        </p:spPr>
+        <p:txBody>
+          <a:bodyPr lIns="0" tIns="0" rIns="0" bIns="0"/>
+          <a:lstStyle/>
+          <a:p>
+            <a:pPr/>
+          </a:p>
+        </p:txBody>
+      </p:sp>
+      <p:sp>
+        <p:nvSpPr>
+          <p:cNvPr id="642" name="線條"/>
+          <p:cNvSpPr/>
+          <p:nvPr/>
+        </p:nvSpPr>
+        <p:spPr>
+          <a:xfrm>
+            <a:off x="5865936" y="2573774"/>
+            <a:ext cx="595678" cy="1"/>
+          </a:xfrm>
+          <a:prstGeom prst="line">
+            <a:avLst/>
+          </a:prstGeom>
+          <a:ln w="38100">
+            <a:solidFill>
+              <a:srgbClr val="535353"/>
+            </a:solidFill>
+            <a:miter/>
+            <a:tailEnd type="triangle"/>
+          </a:ln>
+        </p:spPr>
+        <p:txBody>
+          <a:bodyPr lIns="0" tIns="0" rIns="0" bIns="0"/>
+          <a:lstStyle/>
+          <a:p>
+            <a:pPr/>
+          </a:p>
+        </p:txBody>
+      </p:sp>
+      <p:sp>
+        <p:nvSpPr>
+          <p:cNvPr id="643" name="線條"/>
+          <p:cNvSpPr/>
+          <p:nvPr/>
+        </p:nvSpPr>
+        <p:spPr>
+          <a:xfrm>
+            <a:off x="5416597" y="1599097"/>
+            <a:ext cx="1" cy="598222"/>
+          </a:xfrm>
+          <a:prstGeom prst="line">
+            <a:avLst/>
+          </a:prstGeom>
+          <a:ln w="38100">
+            <a:solidFill>
+              <a:srgbClr val="535353"/>
+            </a:solidFill>
+            <a:miter/>
+            <a:tailEnd type="triangle"/>
+          </a:ln>
+        </p:spPr>
+        <p:txBody>
+          <a:bodyPr lIns="0" tIns="0" rIns="0" bIns="0"/>
+          <a:lstStyle/>
+          <a:p>
+            <a:pPr/>
+          </a:p>
+        </p:txBody>
+      </p:sp>
+      <p:sp>
+        <p:nvSpPr>
+          <p:cNvPr id="644" name="線條"/>
+          <p:cNvSpPr/>
+          <p:nvPr/>
+        </p:nvSpPr>
+        <p:spPr>
+          <a:xfrm>
+            <a:off x="8209670" y="1619417"/>
+            <a:ext cx="1" cy="598222"/>
+          </a:xfrm>
+          <a:prstGeom prst="line">
+            <a:avLst/>
+          </a:prstGeom>
+          <a:ln w="38100">
+            <a:solidFill>
+              <a:srgbClr val="535353"/>
+            </a:solidFill>
+            <a:miter/>
+            <a:tailEnd type="triangle"/>
+          </a:ln>
+        </p:spPr>
+        <p:txBody>
+          <a:bodyPr lIns="0" tIns="0" rIns="0" bIns="0"/>
+          <a:lstStyle/>
+          <a:p>
+            <a:pPr/>
+          </a:p>
+        </p:txBody>
+      </p:sp>
+      <p:sp>
+        <p:nvSpPr>
+          <p:cNvPr id="645" name="線條"/>
+          <p:cNvSpPr/>
+          <p:nvPr/>
+        </p:nvSpPr>
+        <p:spPr>
+          <a:xfrm>
+            <a:off x="8693687" y="2594094"/>
+            <a:ext cx="595678" cy="1"/>
+          </a:xfrm>
+          <a:prstGeom prst="line">
+            <a:avLst/>
+          </a:prstGeom>
+          <a:ln w="38100">
+            <a:solidFill>
+              <a:srgbClr val="535353"/>
+            </a:solidFill>
+            <a:miter/>
+            <a:tailEnd type="triangle"/>
+          </a:ln>
+        </p:spPr>
+        <p:txBody>
+          <a:bodyPr lIns="0" tIns="0" rIns="0" bIns="0"/>
+          <a:lstStyle/>
+          <a:p>
+            <a:pPr/>
+          </a:p>
+        </p:txBody>
+      </p:sp>
+      <p:sp>
+        <p:nvSpPr>
+          <p:cNvPr id="646" name="Oval 13"/>
+          <p:cNvSpPr/>
+          <p:nvPr/>
+        </p:nvSpPr>
+        <p:spPr>
+          <a:xfrm>
+            <a:off x="6619464" y="2377533"/>
+            <a:ext cx="387340" cy="392482"/>
           </a:xfrm>
           <a:prstGeom prst="ellipse">
             <a:avLst/>
@@ -14590,14 +16151,14 @@
       </p:sp>
       <p:sp>
         <p:nvSpPr>
-          <p:cNvPr id="611" name="Oval 13"/>
+          <p:cNvPr id="647" name="Oval 13"/>
           <p:cNvSpPr/>
           <p:nvPr/>
         </p:nvSpPr>
         <p:spPr>
           <a:xfrm>
-            <a:off x="3115309" y="3136239"/>
-            <a:ext cx="582978" cy="585522"/>
+            <a:off x="9481894" y="2397853"/>
+            <a:ext cx="387341" cy="392482"/>
           </a:xfrm>
           <a:prstGeom prst="ellipse">
             <a:avLst/>
@@ -14628,24 +16189,1804 @@
       </p:sp>
       <p:sp>
         <p:nvSpPr>
-          <p:cNvPr id="612" name="Oval 13"/>
+          <p:cNvPr id="648" name="線條"/>
           <p:cNvSpPr/>
           <p:nvPr/>
         </p:nvSpPr>
         <p:spPr>
           <a:xfrm>
-            <a:off x="3978909" y="2692493"/>
-            <a:ext cx="582978" cy="585522"/>
-          </a:xfrm>
-          <a:prstGeom prst="ellipse">
-            <a:avLst/>
+            <a:off x="7164654" y="2594094"/>
+            <a:ext cx="595678" cy="1"/>
+          </a:xfrm>
+          <a:prstGeom prst="line">
+            <a:avLst/>
+          </a:prstGeom>
+          <a:ln w="38100">
+            <a:solidFill>
+              <a:srgbClr val="535353"/>
+            </a:solidFill>
+            <a:miter/>
+            <a:tailEnd type="triangle"/>
+          </a:ln>
+        </p:spPr>
+        <p:txBody>
+          <a:bodyPr lIns="0" tIns="0" rIns="0" bIns="0"/>
+          <a:lstStyle/>
+          <a:p>
+            <a:pPr/>
+          </a:p>
+        </p:txBody>
+      </p:sp>
+      <p:sp>
+        <p:nvSpPr>
+          <p:cNvPr id="649" name="1, -1"/>
+          <p:cNvSpPr txBox="1"/>
+          <p:nvPr/>
+        </p:nvSpPr>
+        <p:spPr>
+          <a:xfrm>
+            <a:off x="4419741" y="2132329"/>
+            <a:ext cx="470124" cy="259223"/>
+          </a:xfrm>
+          <a:prstGeom prst="rect">
+            <a:avLst/>
+          </a:prstGeom>
+          <a:ln w="12700">
+            <a:miter lim="400000"/>
+          </a:ln>
+          <a:extLst>
+            <a:ext uri="{C572A759-6A51-4108-AA02-DFA0A04FC94B}">
+              <ma14:wrappingTextBoxFlag xmlns:ma14="http://schemas.microsoft.com/office/mac/drawingml/2011/main" val="1"/>
+            </a:ext>
+          </a:extLst>
+        </p:spPr>
+        <p:txBody>
+          <a:bodyPr wrap="none" lIns="0" tIns="0" rIns="0" bIns="0">
+            <a:spAutoFit/>
+          </a:bodyPr>
+          <a:lstStyle/>
+          <a:p>
+            <a:pPr/>
+            <a:r>
+              <a:t>1, -1</a:t>
+            </a:r>
+          </a:p>
+        </p:txBody>
+      </p:sp>
+      <p:sp>
+        <p:nvSpPr>
+          <p:cNvPr id="650" name="1, -1"/>
+          <p:cNvSpPr txBox="1"/>
+          <p:nvPr/>
+        </p:nvSpPr>
+        <p:spPr>
+          <a:xfrm>
+            <a:off x="5572901" y="1649729"/>
+            <a:ext cx="470124" cy="259223"/>
+          </a:xfrm>
+          <a:prstGeom prst="rect">
+            <a:avLst/>
+          </a:prstGeom>
+          <a:ln w="12700">
+            <a:miter lim="400000"/>
+          </a:ln>
+          <a:extLst>
+            <a:ext uri="{C572A759-6A51-4108-AA02-DFA0A04FC94B}">
+              <ma14:wrappingTextBoxFlag xmlns:ma14="http://schemas.microsoft.com/office/mac/drawingml/2011/main" val="1"/>
+            </a:ext>
+          </a:extLst>
+        </p:spPr>
+        <p:txBody>
+          <a:bodyPr wrap="none" lIns="0" tIns="0" rIns="0" bIns="0">
+            <a:spAutoFit/>
+          </a:bodyPr>
+          <a:lstStyle/>
+          <a:p>
+            <a:pPr/>
+            <a:r>
+              <a:t>1, -1</a:t>
+            </a:r>
+          </a:p>
+        </p:txBody>
+      </p:sp>
+      <p:sp>
+        <p:nvSpPr>
+          <p:cNvPr id="651" name="2,0,0,-2"/>
+          <p:cNvSpPr txBox="1"/>
+          <p:nvPr/>
+        </p:nvSpPr>
+        <p:spPr>
+          <a:xfrm>
+            <a:off x="5769820" y="2132329"/>
+            <a:ext cx="787910" cy="259223"/>
+          </a:xfrm>
+          <a:prstGeom prst="rect">
+            <a:avLst/>
+          </a:prstGeom>
+          <a:ln w="12700">
+            <a:miter lim="400000"/>
+          </a:ln>
+          <a:extLst>
+            <a:ext uri="{C572A759-6A51-4108-AA02-DFA0A04FC94B}">
+              <ma14:wrappingTextBoxFlag xmlns:ma14="http://schemas.microsoft.com/office/mac/drawingml/2011/main" val="1"/>
+            </a:ext>
+          </a:extLst>
+        </p:spPr>
+        <p:txBody>
+          <a:bodyPr wrap="none" lIns="0" tIns="0" rIns="0" bIns="0">
+            <a:spAutoFit/>
+          </a:bodyPr>
+          <a:lstStyle/>
+          <a:p>
+            <a:pPr/>
+            <a:r>
+              <a:t>2,0,0,-2</a:t>
+            </a:r>
+          </a:p>
+        </p:txBody>
+      </p:sp>
+      <p:sp>
+        <p:nvSpPr>
+          <p:cNvPr id="652" name="2,0,0,-2"/>
+          <p:cNvSpPr txBox="1"/>
+          <p:nvPr/>
+        </p:nvSpPr>
+        <p:spPr>
+          <a:xfrm>
+            <a:off x="7068538" y="2132329"/>
+            <a:ext cx="787909" cy="259223"/>
+          </a:xfrm>
+          <a:prstGeom prst="rect">
+            <a:avLst/>
+          </a:prstGeom>
+          <a:ln w="12700">
+            <a:miter lim="400000"/>
+          </a:ln>
+          <a:extLst>
+            <a:ext uri="{C572A759-6A51-4108-AA02-DFA0A04FC94B}">
+              <ma14:wrappingTextBoxFlag xmlns:ma14="http://schemas.microsoft.com/office/mac/drawingml/2011/main" val="1"/>
+            </a:ext>
+          </a:extLst>
+        </p:spPr>
+        <p:txBody>
+          <a:bodyPr wrap="none" lIns="0" tIns="0" rIns="0" bIns="0">
+            <a:spAutoFit/>
+          </a:bodyPr>
+          <a:lstStyle/>
+          <a:p>
+            <a:pPr/>
+            <a:r>
+              <a:t>2,0,0,-2</a:t>
+            </a:r>
+          </a:p>
+        </p:txBody>
+      </p:sp>
+      <p:sp>
+        <p:nvSpPr>
+          <p:cNvPr id="653" name="1, -1"/>
+          <p:cNvSpPr txBox="1"/>
+          <p:nvPr/>
+        </p:nvSpPr>
+        <p:spPr>
+          <a:xfrm>
+            <a:off x="8382141" y="1649729"/>
+            <a:ext cx="470124" cy="259223"/>
+          </a:xfrm>
+          <a:prstGeom prst="rect">
+            <a:avLst/>
+          </a:prstGeom>
+          <a:ln w="12700">
+            <a:miter lim="400000"/>
+          </a:ln>
+          <a:extLst>
+            <a:ext uri="{C572A759-6A51-4108-AA02-DFA0A04FC94B}">
+              <ma14:wrappingTextBoxFlag xmlns:ma14="http://schemas.microsoft.com/office/mac/drawingml/2011/main" val="1"/>
+            </a:ext>
+          </a:extLst>
+        </p:spPr>
+        <p:txBody>
+          <a:bodyPr wrap="none" lIns="0" tIns="0" rIns="0" bIns="0">
+            <a:spAutoFit/>
+          </a:bodyPr>
+          <a:lstStyle/>
+          <a:p>
+            <a:pPr/>
+            <a:r>
+              <a:t>1, -1</a:t>
+            </a:r>
+          </a:p>
+        </p:txBody>
+      </p:sp>
+      <p:sp>
+        <p:nvSpPr>
+          <p:cNvPr id="654" name="1, -1"/>
+          <p:cNvSpPr txBox="1"/>
+          <p:nvPr/>
+        </p:nvSpPr>
+        <p:spPr>
+          <a:xfrm>
+            <a:off x="8756465" y="2132329"/>
+            <a:ext cx="470124" cy="259223"/>
+          </a:xfrm>
+          <a:prstGeom prst="rect">
+            <a:avLst/>
+          </a:prstGeom>
+          <a:ln w="12700">
+            <a:miter lim="400000"/>
+          </a:ln>
+          <a:extLst>
+            <a:ext uri="{C572A759-6A51-4108-AA02-DFA0A04FC94B}">
+              <ma14:wrappingTextBoxFlag xmlns:ma14="http://schemas.microsoft.com/office/mac/drawingml/2011/main" val="1"/>
+            </a:ext>
+          </a:extLst>
+        </p:spPr>
+        <p:txBody>
+          <a:bodyPr wrap="none" lIns="0" tIns="0" rIns="0" bIns="0">
+            <a:spAutoFit/>
+          </a:bodyPr>
+          <a:lstStyle/>
+          <a:p>
+            <a:pPr/>
+            <a:r>
+              <a:t>1, -1</a:t>
+            </a:r>
+          </a:p>
+        </p:txBody>
+      </p:sp>
+      <p:sp>
+        <p:nvSpPr>
+          <p:cNvPr id="655" name="線條"/>
+          <p:cNvSpPr/>
+          <p:nvPr/>
+        </p:nvSpPr>
+        <p:spPr>
+          <a:xfrm>
+            <a:off x="10061763" y="2589014"/>
+            <a:ext cx="595678" cy="1"/>
+          </a:xfrm>
+          <a:prstGeom prst="line">
+            <a:avLst/>
+          </a:prstGeom>
+          <a:ln w="38100">
+            <a:solidFill>
+              <a:srgbClr val="535353"/>
+            </a:solidFill>
+            <a:miter/>
+            <a:tailEnd type="triangle"/>
+          </a:ln>
+        </p:spPr>
+        <p:txBody>
+          <a:bodyPr lIns="0" tIns="0" rIns="0" bIns="0"/>
+          <a:lstStyle/>
+          <a:p>
+            <a:pPr/>
+          </a:p>
+        </p:txBody>
+      </p:sp>
+      <p:sp>
+        <p:nvSpPr>
+          <p:cNvPr id="656" name="1, -1"/>
+          <p:cNvSpPr txBox="1"/>
+          <p:nvPr/>
+        </p:nvSpPr>
+        <p:spPr>
+          <a:xfrm>
+            <a:off x="10061763" y="2132329"/>
+            <a:ext cx="470124" cy="259223"/>
+          </a:xfrm>
+          <a:prstGeom prst="rect">
+            <a:avLst/>
+          </a:prstGeom>
+          <a:ln w="12700">
+            <a:miter lim="400000"/>
+          </a:ln>
+          <a:extLst>
+            <a:ext uri="{C572A759-6A51-4108-AA02-DFA0A04FC94B}">
+              <ma14:wrappingTextBoxFlag xmlns:ma14="http://schemas.microsoft.com/office/mac/drawingml/2011/main" val="1"/>
+            </a:ext>
+          </a:extLst>
+        </p:spPr>
+        <p:txBody>
+          <a:bodyPr wrap="none" lIns="0" tIns="0" rIns="0" bIns="0">
+            <a:spAutoFit/>
+          </a:bodyPr>
+          <a:lstStyle/>
+          <a:p>
+            <a:pPr/>
+            <a:r>
+              <a:t>1, -1</a:t>
+            </a:r>
+          </a:p>
+        </p:txBody>
+      </p:sp>
+      <p:sp>
+        <p:nvSpPr>
+          <p:cNvPr id="657" name="A"/>
+          <p:cNvSpPr txBox="1"/>
+          <p:nvPr/>
+        </p:nvSpPr>
+        <p:spPr>
+          <a:xfrm>
+            <a:off x="5334009" y="2950230"/>
+            <a:ext cx="165176" cy="259223"/>
+          </a:xfrm>
+          <a:prstGeom prst="rect">
+            <a:avLst/>
+          </a:prstGeom>
+          <a:ln w="12700">
+            <a:miter lim="400000"/>
+          </a:ln>
+          <a:extLst>
+            <a:ext uri="{C572A759-6A51-4108-AA02-DFA0A04FC94B}">
+              <ma14:wrappingTextBoxFlag xmlns:ma14="http://schemas.microsoft.com/office/mac/drawingml/2011/main" val="1"/>
+            </a:ext>
+          </a:extLst>
+        </p:spPr>
+        <p:txBody>
+          <a:bodyPr wrap="none" lIns="0" tIns="0" rIns="0" bIns="0">
+            <a:spAutoFit/>
+          </a:bodyPr>
+          <a:lstStyle/>
+          <a:p>
+            <a:pPr/>
+            <a:r>
+              <a:t>A</a:t>
+            </a:r>
+          </a:p>
+        </p:txBody>
+      </p:sp>
+      <p:sp>
+        <p:nvSpPr>
+          <p:cNvPr id="658" name="B"/>
+          <p:cNvSpPr txBox="1"/>
+          <p:nvPr/>
+        </p:nvSpPr>
+        <p:spPr>
+          <a:xfrm>
+            <a:off x="8127083" y="2970550"/>
+            <a:ext cx="165175" cy="259223"/>
+          </a:xfrm>
+          <a:prstGeom prst="rect">
+            <a:avLst/>
+          </a:prstGeom>
+          <a:ln w="12700">
+            <a:miter lim="400000"/>
+          </a:ln>
+          <a:extLst>
+            <a:ext uri="{C572A759-6A51-4108-AA02-DFA0A04FC94B}">
+              <ma14:wrappingTextBoxFlag xmlns:ma14="http://schemas.microsoft.com/office/mac/drawingml/2011/main" val="1"/>
+            </a:ext>
+          </a:extLst>
+        </p:spPr>
+        <p:txBody>
+          <a:bodyPr wrap="none" lIns="0" tIns="0" rIns="0" bIns="0">
+            <a:spAutoFit/>
+          </a:bodyPr>
+          <a:lstStyle/>
+          <a:p>
+            <a:pPr/>
+            <a:r>
+              <a:t>B</a:t>
+            </a:r>
+          </a:p>
+        </p:txBody>
+      </p:sp>
+      <p:sp>
+        <p:nvSpPr>
+          <p:cNvPr id="659" name="la"/>
+          <p:cNvSpPr txBox="1"/>
+          <p:nvPr/>
+        </p:nvSpPr>
+        <p:spPr>
+          <a:xfrm>
+            <a:off x="6730546" y="2970550"/>
+            <a:ext cx="190625" cy="259223"/>
+          </a:xfrm>
+          <a:prstGeom prst="rect">
+            <a:avLst/>
+          </a:prstGeom>
+          <a:ln w="12700">
+            <a:miter lim="400000"/>
+          </a:ln>
+          <a:extLst>
+            <a:ext uri="{C572A759-6A51-4108-AA02-DFA0A04FC94B}">
+              <ma14:wrappingTextBoxFlag xmlns:ma14="http://schemas.microsoft.com/office/mac/drawingml/2011/main" val="1"/>
+            </a:ext>
+          </a:extLst>
+        </p:spPr>
+        <p:txBody>
+          <a:bodyPr wrap="none" lIns="0" tIns="0" rIns="0" bIns="0">
+            <a:spAutoFit/>
+          </a:bodyPr>
+          <a:lstStyle/>
+          <a:p>
+            <a:pPr/>
+            <a:r>
+              <a:t>la</a:t>
+            </a:r>
+          </a:p>
+        </p:txBody>
+      </p:sp>
+      <p:sp>
+        <p:nvSpPr>
+          <p:cNvPr id="660" name="lb"/>
+          <p:cNvSpPr txBox="1"/>
+          <p:nvPr/>
+        </p:nvSpPr>
+        <p:spPr>
+          <a:xfrm>
+            <a:off x="9580252" y="2970550"/>
+            <a:ext cx="190625" cy="259223"/>
+          </a:xfrm>
+          <a:prstGeom prst="rect">
+            <a:avLst/>
+          </a:prstGeom>
+          <a:ln w="12700">
+            <a:miter lim="400000"/>
+          </a:ln>
+          <a:extLst>
+            <a:ext uri="{C572A759-6A51-4108-AA02-DFA0A04FC94B}">
+              <ma14:wrappingTextBoxFlag xmlns:ma14="http://schemas.microsoft.com/office/mac/drawingml/2011/main" val="1"/>
+            </a:ext>
+          </a:extLst>
+        </p:spPr>
+        <p:txBody>
+          <a:bodyPr wrap="none" lIns="0" tIns="0" rIns="0" bIns="0">
+            <a:spAutoFit/>
+          </a:bodyPr>
+          <a:lstStyle/>
+          <a:p>
+            <a:pPr/>
+            <a:r>
+              <a:t>lb</a:t>
+            </a:r>
+          </a:p>
+        </p:txBody>
+      </p:sp>
+      <p:sp>
+        <p:nvSpPr>
+          <p:cNvPr id="661" name="圓角矩形"/>
+          <p:cNvSpPr/>
+          <p:nvPr/>
+        </p:nvSpPr>
+        <p:spPr>
+          <a:xfrm>
+            <a:off x="5116095" y="928023"/>
+            <a:ext cx="3394077" cy="491979"/>
+          </a:xfrm>
+          <a:prstGeom prst="roundRect">
+            <a:avLst>
+              <a:gd name="adj" fmla="val 38721"/>
+            </a:avLst>
           </a:prstGeom>
           <a:solidFill>
             <a:srgbClr val="535353"/>
           </a:solidFill>
           <a:ln w="12700">
             <a:solidFill>
-              <a:srgbClr val="42719B"/>
+              <a:schemeClr val="accent1"/>
+            </a:solidFill>
+            <a:miter/>
+          </a:ln>
+        </p:spPr>
+        <p:txBody>
+          <a:bodyPr lIns="0" tIns="0" rIns="0" bIns="0"/>
+          <a:lstStyle/>
+          <a:p>
+            <a:pPr/>
+          </a:p>
+        </p:txBody>
+      </p:sp>
+      <p:sp>
+        <p:nvSpPr>
+          <p:cNvPr id="662" name="線條"/>
+          <p:cNvSpPr/>
+          <p:nvPr/>
+        </p:nvSpPr>
+        <p:spPr>
+          <a:xfrm>
+            <a:off x="5431837" y="227643"/>
+            <a:ext cx="1" cy="598222"/>
+          </a:xfrm>
+          <a:prstGeom prst="line">
+            <a:avLst/>
+          </a:prstGeom>
+          <a:ln w="38100">
+            <a:solidFill>
+              <a:srgbClr val="535353"/>
+            </a:solidFill>
+            <a:miter/>
+            <a:tailEnd type="triangle"/>
+          </a:ln>
+        </p:spPr>
+        <p:txBody>
+          <a:bodyPr lIns="0" tIns="0" rIns="0" bIns="0"/>
+          <a:lstStyle/>
+          <a:p>
+            <a:pPr/>
+          </a:p>
+        </p:txBody>
+      </p:sp>
+      <p:sp>
+        <p:nvSpPr>
+          <p:cNvPr id="663" name="線條"/>
+          <p:cNvSpPr/>
+          <p:nvPr/>
+        </p:nvSpPr>
+        <p:spPr>
+          <a:xfrm>
+            <a:off x="8224910" y="247963"/>
+            <a:ext cx="1" cy="598222"/>
+          </a:xfrm>
+          <a:prstGeom prst="line">
+            <a:avLst/>
+          </a:prstGeom>
+          <a:ln w="38100">
+            <a:solidFill>
+              <a:srgbClr val="535353"/>
+            </a:solidFill>
+            <a:miter/>
+            <a:tailEnd type="triangle"/>
+          </a:ln>
+        </p:spPr>
+        <p:txBody>
+          <a:bodyPr lIns="0" tIns="0" rIns="0" bIns="0"/>
+          <a:lstStyle/>
+          <a:p>
+            <a:pPr/>
+          </a:p>
+        </p:txBody>
+      </p:sp>
+      <p:sp>
+        <p:nvSpPr>
+          <p:cNvPr id="664" name="1, -1"/>
+          <p:cNvSpPr txBox="1"/>
+          <p:nvPr/>
+        </p:nvSpPr>
+        <p:spPr>
+          <a:xfrm>
+            <a:off x="5588141" y="278276"/>
+            <a:ext cx="470124" cy="259222"/>
+          </a:xfrm>
+          <a:prstGeom prst="rect">
+            <a:avLst/>
+          </a:prstGeom>
+          <a:ln w="12700">
+            <a:miter lim="400000"/>
+          </a:ln>
+          <a:extLst>
+            <a:ext uri="{C572A759-6A51-4108-AA02-DFA0A04FC94B}">
+              <ma14:wrappingTextBoxFlag xmlns:ma14="http://schemas.microsoft.com/office/mac/drawingml/2011/main" val="1"/>
+            </a:ext>
+          </a:extLst>
+        </p:spPr>
+        <p:txBody>
+          <a:bodyPr wrap="none" lIns="0" tIns="0" rIns="0" bIns="0">
+            <a:spAutoFit/>
+          </a:bodyPr>
+          <a:lstStyle/>
+          <a:p>
+            <a:pPr/>
+            <a:r>
+              <a:t>1, -1</a:t>
+            </a:r>
+          </a:p>
+        </p:txBody>
+      </p:sp>
+      <p:sp>
+        <p:nvSpPr>
+          <p:cNvPr id="665" name="1, -1"/>
+          <p:cNvSpPr txBox="1"/>
+          <p:nvPr/>
+        </p:nvSpPr>
+        <p:spPr>
+          <a:xfrm>
+            <a:off x="8397381" y="278276"/>
+            <a:ext cx="470124" cy="259222"/>
+          </a:xfrm>
+          <a:prstGeom prst="rect">
+            <a:avLst/>
+          </a:prstGeom>
+          <a:ln w="12700">
+            <a:miter lim="400000"/>
+          </a:ln>
+          <a:extLst>
+            <a:ext uri="{C572A759-6A51-4108-AA02-DFA0A04FC94B}">
+              <ma14:wrappingTextBoxFlag xmlns:ma14="http://schemas.microsoft.com/office/mac/drawingml/2011/main" val="1"/>
+            </a:ext>
+          </a:extLst>
+        </p:spPr>
+        <p:txBody>
+          <a:bodyPr wrap="none" lIns="0" tIns="0" rIns="0" bIns="0">
+            <a:spAutoFit/>
+          </a:bodyPr>
+          <a:lstStyle/>
+          <a:p>
+            <a:pPr/>
+            <a:r>
+              <a:t>1, -1</a:t>
+            </a:r>
+          </a:p>
+        </p:txBody>
+      </p:sp>
+      <p:sp>
+        <p:nvSpPr>
+          <p:cNvPr id="666" name="H"/>
+          <p:cNvSpPr txBox="1"/>
+          <p:nvPr/>
+        </p:nvSpPr>
+        <p:spPr>
+          <a:xfrm>
+            <a:off x="6730546" y="566643"/>
+            <a:ext cx="177789" cy="259222"/>
+          </a:xfrm>
+          <a:prstGeom prst="rect">
+            <a:avLst/>
+          </a:prstGeom>
+          <a:ln w="12700">
+            <a:miter lim="400000"/>
+          </a:ln>
+          <a:extLst>
+            <a:ext uri="{C572A759-6A51-4108-AA02-DFA0A04FC94B}">
+              <ma14:wrappingTextBoxFlag xmlns:ma14="http://schemas.microsoft.com/office/mac/drawingml/2011/main" val="1"/>
+            </a:ext>
+          </a:extLst>
+        </p:spPr>
+        <p:txBody>
+          <a:bodyPr wrap="none" lIns="0" tIns="0" rIns="0" bIns="0">
+            <a:spAutoFit/>
+          </a:bodyPr>
+          <a:lstStyle/>
+          <a:p>
+            <a:pPr/>
+            <a:r>
+              <a:t>H</a:t>
+            </a:r>
+          </a:p>
+        </p:txBody>
+      </p:sp>
+      <p:sp>
+        <p:nvSpPr>
+          <p:cNvPr id="667" name="圓角矩形"/>
+          <p:cNvSpPr/>
+          <p:nvPr/>
+        </p:nvSpPr>
+        <p:spPr>
+          <a:xfrm>
+            <a:off x="5423666" y="4876674"/>
+            <a:ext cx="575554" cy="491979"/>
+          </a:xfrm>
+          <a:prstGeom prst="roundRect">
+            <a:avLst>
+              <a:gd name="adj" fmla="val 38721"/>
+            </a:avLst>
+          </a:prstGeom>
+          <a:solidFill>
+            <a:srgbClr val="535353"/>
+          </a:solidFill>
+          <a:ln w="12700">
+            <a:solidFill>
+              <a:schemeClr val="accent1"/>
+            </a:solidFill>
+            <a:miter/>
+          </a:ln>
+        </p:spPr>
+        <p:txBody>
+          <a:bodyPr lIns="0" tIns="0" rIns="0" bIns="0"/>
+          <a:lstStyle/>
+          <a:p>
+            <a:pPr/>
+          </a:p>
+        </p:txBody>
+      </p:sp>
+      <p:sp>
+        <p:nvSpPr>
+          <p:cNvPr id="668" name="線條"/>
+          <p:cNvSpPr/>
+          <p:nvPr/>
+        </p:nvSpPr>
+        <p:spPr>
+          <a:xfrm>
+            <a:off x="6206190" y="5149334"/>
+            <a:ext cx="595678" cy="1"/>
+          </a:xfrm>
+          <a:prstGeom prst="line">
+            <a:avLst/>
+          </a:prstGeom>
+          <a:ln w="38100">
+            <a:solidFill>
+              <a:srgbClr val="535353"/>
+            </a:solidFill>
+            <a:miter/>
+            <a:tailEnd type="triangle"/>
+          </a:ln>
+        </p:spPr>
+        <p:txBody>
+          <a:bodyPr lIns="0" tIns="0" rIns="0" bIns="0"/>
+          <a:lstStyle/>
+          <a:p>
+            <a:pPr/>
+          </a:p>
+        </p:txBody>
+      </p:sp>
+      <p:sp>
+        <p:nvSpPr>
+          <p:cNvPr id="669" name="2,0,0,-2"/>
+          <p:cNvSpPr txBox="1"/>
+          <p:nvPr/>
+        </p:nvSpPr>
+        <p:spPr>
+          <a:xfrm>
+            <a:off x="6110074" y="4707889"/>
+            <a:ext cx="787910" cy="259223"/>
+          </a:xfrm>
+          <a:prstGeom prst="rect">
+            <a:avLst/>
+          </a:prstGeom>
+          <a:ln w="12700">
+            <a:miter lim="400000"/>
+          </a:ln>
+          <a:extLst>
+            <a:ext uri="{C572A759-6A51-4108-AA02-DFA0A04FC94B}">
+              <ma14:wrappingTextBoxFlag xmlns:ma14="http://schemas.microsoft.com/office/mac/drawingml/2011/main" val="1"/>
+            </a:ext>
+          </a:extLst>
+        </p:spPr>
+        <p:txBody>
+          <a:bodyPr wrap="none" lIns="0" tIns="0" rIns="0" bIns="0">
+            <a:spAutoFit/>
+          </a:bodyPr>
+          <a:lstStyle/>
+          <a:p>
+            <a:pPr/>
+            <a:r>
+              <a:t>2,0,0,-2</a:t>
+            </a:r>
+          </a:p>
+        </p:txBody>
+      </p:sp>
+      <p:sp>
+        <p:nvSpPr>
+          <p:cNvPr id="670" name="線條"/>
+          <p:cNvSpPr/>
+          <p:nvPr/>
+        </p:nvSpPr>
+        <p:spPr>
+          <a:xfrm>
+            <a:off x="4621017" y="5144254"/>
+            <a:ext cx="595678" cy="1"/>
+          </a:xfrm>
+          <a:prstGeom prst="line">
+            <a:avLst/>
+          </a:prstGeom>
+          <a:ln w="38100">
+            <a:solidFill>
+              <a:srgbClr val="535353"/>
+            </a:solidFill>
+            <a:miter/>
+            <a:tailEnd type="triangle"/>
+          </a:ln>
+        </p:spPr>
+        <p:txBody>
+          <a:bodyPr lIns="0" tIns="0" rIns="0" bIns="0"/>
+          <a:lstStyle/>
+          <a:p>
+            <a:pPr/>
+          </a:p>
+        </p:txBody>
+      </p:sp>
+      <p:sp>
+        <p:nvSpPr>
+          <p:cNvPr id="671" name="2,0,0,-2"/>
+          <p:cNvSpPr txBox="1"/>
+          <p:nvPr/>
+        </p:nvSpPr>
+        <p:spPr>
+          <a:xfrm>
+            <a:off x="4524902" y="4702809"/>
+            <a:ext cx="787909" cy="259223"/>
+          </a:xfrm>
+          <a:prstGeom prst="rect">
+            <a:avLst/>
+          </a:prstGeom>
+          <a:ln w="12700">
+            <a:miter lim="400000"/>
+          </a:ln>
+          <a:extLst>
+            <a:ext uri="{C572A759-6A51-4108-AA02-DFA0A04FC94B}">
+              <ma14:wrappingTextBoxFlag xmlns:ma14="http://schemas.microsoft.com/office/mac/drawingml/2011/main" val="1"/>
+            </a:ext>
+          </a:extLst>
+        </p:spPr>
+        <p:txBody>
+          <a:bodyPr wrap="none" lIns="0" tIns="0" rIns="0" bIns="0">
+            <a:spAutoFit/>
+          </a:bodyPr>
+          <a:lstStyle/>
+          <a:p>
+            <a:pPr/>
+            <a:r>
+              <a:t>2,0,0,-2</a:t>
+            </a:r>
+          </a:p>
+        </p:txBody>
+      </p:sp>
+      <p:sp>
+        <p:nvSpPr>
+          <p:cNvPr id="672" name="線條"/>
+          <p:cNvSpPr/>
+          <p:nvPr/>
+        </p:nvSpPr>
+        <p:spPr>
+          <a:xfrm>
+            <a:off x="5704853" y="5546257"/>
+            <a:ext cx="1" cy="598222"/>
+          </a:xfrm>
+          <a:prstGeom prst="line">
+            <a:avLst/>
+          </a:prstGeom>
+          <a:ln w="38100">
+            <a:solidFill>
+              <a:srgbClr val="535353"/>
+            </a:solidFill>
+            <a:miter/>
+            <a:tailEnd type="triangle"/>
+          </a:ln>
+        </p:spPr>
+        <p:txBody>
+          <a:bodyPr lIns="0" tIns="0" rIns="0" bIns="0"/>
+          <a:lstStyle/>
+          <a:p>
+            <a:pPr/>
+          </a:p>
+        </p:txBody>
+      </p:sp>
+      <p:sp>
+        <p:nvSpPr>
+          <p:cNvPr id="673" name="1, -1"/>
+          <p:cNvSpPr txBox="1"/>
+          <p:nvPr/>
+        </p:nvSpPr>
+        <p:spPr>
+          <a:xfrm>
+            <a:off x="5877323" y="5576570"/>
+            <a:ext cx="470125" cy="259222"/>
+          </a:xfrm>
+          <a:prstGeom prst="rect">
+            <a:avLst/>
+          </a:prstGeom>
+          <a:ln w="12700">
+            <a:miter lim="400000"/>
+          </a:ln>
+          <a:extLst>
+            <a:ext uri="{C572A759-6A51-4108-AA02-DFA0A04FC94B}">
+              <ma14:wrappingTextBoxFlag xmlns:ma14="http://schemas.microsoft.com/office/mac/drawingml/2011/main" val="1"/>
+            </a:ext>
+          </a:extLst>
+        </p:spPr>
+        <p:txBody>
+          <a:bodyPr wrap="none" lIns="0" tIns="0" rIns="0" bIns="0">
+            <a:spAutoFit/>
+          </a:bodyPr>
+          <a:lstStyle/>
+          <a:p>
+            <a:pPr/>
+            <a:r>
+              <a:t>1, -1</a:t>
+            </a:r>
+          </a:p>
+        </p:txBody>
+      </p:sp>
+      <p:sp>
+        <p:nvSpPr>
+          <p:cNvPr id="674" name="線條"/>
+          <p:cNvSpPr/>
+          <p:nvPr/>
+        </p:nvSpPr>
+        <p:spPr>
+          <a:xfrm>
+            <a:off x="5704853" y="4123878"/>
+            <a:ext cx="1" cy="598222"/>
+          </a:xfrm>
+          <a:prstGeom prst="line">
+            <a:avLst/>
+          </a:prstGeom>
+          <a:ln w="38100">
+            <a:solidFill>
+              <a:srgbClr val="535353"/>
+            </a:solidFill>
+            <a:miter/>
+            <a:tailEnd type="triangle"/>
+          </a:ln>
+        </p:spPr>
+        <p:txBody>
+          <a:bodyPr lIns="0" tIns="0" rIns="0" bIns="0"/>
+          <a:lstStyle/>
+          <a:p>
+            <a:pPr/>
+          </a:p>
+        </p:txBody>
+      </p:sp>
+      <p:sp>
+        <p:nvSpPr>
+          <p:cNvPr id="675" name="1, -1"/>
+          <p:cNvSpPr txBox="1"/>
+          <p:nvPr/>
+        </p:nvSpPr>
+        <p:spPr>
+          <a:xfrm>
+            <a:off x="5877323" y="4154190"/>
+            <a:ext cx="470125" cy="259223"/>
+          </a:xfrm>
+          <a:prstGeom prst="rect">
+            <a:avLst/>
+          </a:prstGeom>
+          <a:ln w="12700">
+            <a:miter lim="400000"/>
+          </a:ln>
+          <a:extLst>
+            <a:ext uri="{C572A759-6A51-4108-AA02-DFA0A04FC94B}">
+              <ma14:wrappingTextBoxFlag xmlns:ma14="http://schemas.microsoft.com/office/mac/drawingml/2011/main" val="1"/>
+            </a:ext>
+          </a:extLst>
+        </p:spPr>
+        <p:txBody>
+          <a:bodyPr wrap="none" lIns="0" tIns="0" rIns="0" bIns="0">
+            <a:spAutoFit/>
+          </a:bodyPr>
+          <a:lstStyle/>
+          <a:p>
+            <a:pPr/>
+            <a:r>
+              <a:t>1, -1</a:t>
+            </a:r>
+          </a:p>
+        </p:txBody>
+      </p:sp>
+      <p:sp>
+        <p:nvSpPr>
+          <p:cNvPr id="676" name="圓角矩形"/>
+          <p:cNvSpPr/>
+          <p:nvPr/>
+        </p:nvSpPr>
+        <p:spPr>
+          <a:xfrm>
+            <a:off x="7008838" y="4891830"/>
+            <a:ext cx="575554" cy="491979"/>
+          </a:xfrm>
+          <a:prstGeom prst="roundRect">
+            <a:avLst>
+              <a:gd name="adj" fmla="val 38721"/>
+            </a:avLst>
+          </a:prstGeom>
+          <a:solidFill>
+            <a:srgbClr val="535353"/>
+          </a:solidFill>
+          <a:ln w="12700">
+            <a:solidFill>
+              <a:schemeClr val="accent1"/>
+            </a:solidFill>
+            <a:miter/>
+          </a:ln>
+        </p:spPr>
+        <p:txBody>
+          <a:bodyPr lIns="0" tIns="0" rIns="0" bIns="0"/>
+          <a:lstStyle/>
+          <a:p>
+            <a:pPr/>
+          </a:p>
+        </p:txBody>
+      </p:sp>
+      <p:sp>
+        <p:nvSpPr>
+          <p:cNvPr id="677" name="線條"/>
+          <p:cNvSpPr/>
+          <p:nvPr/>
+        </p:nvSpPr>
+        <p:spPr>
+          <a:xfrm>
+            <a:off x="7791362" y="5164490"/>
+            <a:ext cx="595678" cy="1"/>
+          </a:xfrm>
+          <a:prstGeom prst="line">
+            <a:avLst/>
+          </a:prstGeom>
+          <a:ln w="38100">
+            <a:solidFill>
+              <a:srgbClr val="535353"/>
+            </a:solidFill>
+            <a:miter/>
+            <a:tailEnd type="triangle"/>
+          </a:ln>
+        </p:spPr>
+        <p:txBody>
+          <a:bodyPr lIns="0" tIns="0" rIns="0" bIns="0"/>
+          <a:lstStyle/>
+          <a:p>
+            <a:pPr/>
+          </a:p>
+        </p:txBody>
+      </p:sp>
+      <p:sp>
+        <p:nvSpPr>
+          <p:cNvPr id="678" name="2,0,0,-2"/>
+          <p:cNvSpPr txBox="1"/>
+          <p:nvPr/>
+        </p:nvSpPr>
+        <p:spPr>
+          <a:xfrm>
+            <a:off x="7695246" y="4723046"/>
+            <a:ext cx="787910" cy="259222"/>
+          </a:xfrm>
+          <a:prstGeom prst="rect">
+            <a:avLst/>
+          </a:prstGeom>
+          <a:ln w="12700">
+            <a:miter lim="400000"/>
+          </a:ln>
+          <a:extLst>
+            <a:ext uri="{C572A759-6A51-4108-AA02-DFA0A04FC94B}">
+              <ma14:wrappingTextBoxFlag xmlns:ma14="http://schemas.microsoft.com/office/mac/drawingml/2011/main" val="1"/>
+            </a:ext>
+          </a:extLst>
+        </p:spPr>
+        <p:txBody>
+          <a:bodyPr wrap="none" lIns="0" tIns="0" rIns="0" bIns="0">
+            <a:spAutoFit/>
+          </a:bodyPr>
+          <a:lstStyle/>
+          <a:p>
+            <a:pPr/>
+            <a:r>
+              <a:t>2,0,0,-2</a:t>
+            </a:r>
+          </a:p>
+        </p:txBody>
+      </p:sp>
+      <p:sp>
+        <p:nvSpPr>
+          <p:cNvPr id="679" name="線條"/>
+          <p:cNvSpPr/>
+          <p:nvPr/>
+        </p:nvSpPr>
+        <p:spPr>
+          <a:xfrm>
+            <a:off x="7290024" y="5561413"/>
+            <a:ext cx="1" cy="598222"/>
+          </a:xfrm>
+          <a:prstGeom prst="line">
+            <a:avLst/>
+          </a:prstGeom>
+          <a:ln w="38100">
+            <a:solidFill>
+              <a:srgbClr val="535353"/>
+            </a:solidFill>
+            <a:miter/>
+            <a:tailEnd type="triangle"/>
+          </a:ln>
+        </p:spPr>
+        <p:txBody>
+          <a:bodyPr lIns="0" tIns="0" rIns="0" bIns="0"/>
+          <a:lstStyle/>
+          <a:p>
+            <a:pPr/>
+          </a:p>
+        </p:txBody>
+      </p:sp>
+      <p:sp>
+        <p:nvSpPr>
+          <p:cNvPr id="680" name="1, -1"/>
+          <p:cNvSpPr txBox="1"/>
+          <p:nvPr/>
+        </p:nvSpPr>
+        <p:spPr>
+          <a:xfrm>
+            <a:off x="7462495" y="5591726"/>
+            <a:ext cx="470124" cy="259222"/>
+          </a:xfrm>
+          <a:prstGeom prst="rect">
+            <a:avLst/>
+          </a:prstGeom>
+          <a:ln w="12700">
+            <a:miter lim="400000"/>
+          </a:ln>
+          <a:extLst>
+            <a:ext uri="{C572A759-6A51-4108-AA02-DFA0A04FC94B}">
+              <ma14:wrappingTextBoxFlag xmlns:ma14="http://schemas.microsoft.com/office/mac/drawingml/2011/main" val="1"/>
+            </a:ext>
+          </a:extLst>
+        </p:spPr>
+        <p:txBody>
+          <a:bodyPr wrap="none" lIns="0" tIns="0" rIns="0" bIns="0">
+            <a:spAutoFit/>
+          </a:bodyPr>
+          <a:lstStyle/>
+          <a:p>
+            <a:pPr/>
+            <a:r>
+              <a:t>1, -1</a:t>
+            </a:r>
+          </a:p>
+        </p:txBody>
+      </p:sp>
+      <p:sp>
+        <p:nvSpPr>
+          <p:cNvPr id="681" name="線條"/>
+          <p:cNvSpPr/>
+          <p:nvPr/>
+        </p:nvSpPr>
+        <p:spPr>
+          <a:xfrm>
+            <a:off x="7290024" y="4139034"/>
+            <a:ext cx="1" cy="598222"/>
+          </a:xfrm>
+          <a:prstGeom prst="line">
+            <a:avLst/>
+          </a:prstGeom>
+          <a:ln w="38100">
+            <a:solidFill>
+              <a:srgbClr val="535353"/>
+            </a:solidFill>
+            <a:miter/>
+            <a:tailEnd type="triangle"/>
+          </a:ln>
+        </p:spPr>
+        <p:txBody>
+          <a:bodyPr lIns="0" tIns="0" rIns="0" bIns="0"/>
+          <a:lstStyle/>
+          <a:p>
+            <a:pPr/>
+          </a:p>
+        </p:txBody>
+      </p:sp>
+      <p:sp>
+        <p:nvSpPr>
+          <p:cNvPr id="682" name="1, -1"/>
+          <p:cNvSpPr txBox="1"/>
+          <p:nvPr/>
+        </p:nvSpPr>
+        <p:spPr>
+          <a:xfrm>
+            <a:off x="7462495" y="4169347"/>
+            <a:ext cx="470124" cy="259222"/>
+          </a:xfrm>
+          <a:prstGeom prst="rect">
+            <a:avLst/>
+          </a:prstGeom>
+          <a:ln w="12700">
+            <a:miter lim="400000"/>
+          </a:ln>
+          <a:extLst>
+            <a:ext uri="{C572A759-6A51-4108-AA02-DFA0A04FC94B}">
+              <ma14:wrappingTextBoxFlag xmlns:ma14="http://schemas.microsoft.com/office/mac/drawingml/2011/main" val="1"/>
+            </a:ext>
+          </a:extLst>
+        </p:spPr>
+        <p:txBody>
+          <a:bodyPr wrap="none" lIns="0" tIns="0" rIns="0" bIns="0">
+            <a:spAutoFit/>
+          </a:bodyPr>
+          <a:lstStyle/>
+          <a:p>
+            <a:pPr/>
+            <a:r>
+              <a:t>1, -1</a:t>
+            </a:r>
+          </a:p>
+        </p:txBody>
+      </p:sp>
+      <p:sp>
+        <p:nvSpPr>
+          <p:cNvPr id="683" name="圓角矩形"/>
+          <p:cNvSpPr/>
+          <p:nvPr/>
+        </p:nvSpPr>
+        <p:spPr>
+          <a:xfrm>
+            <a:off x="8586586" y="4906986"/>
+            <a:ext cx="575554" cy="491979"/>
+          </a:xfrm>
+          <a:prstGeom prst="roundRect">
+            <a:avLst>
+              <a:gd name="adj" fmla="val 38721"/>
+            </a:avLst>
+          </a:prstGeom>
+          <a:solidFill>
+            <a:srgbClr val="535353"/>
+          </a:solidFill>
+          <a:ln w="12700">
+            <a:solidFill>
+              <a:schemeClr val="accent1"/>
+            </a:solidFill>
+            <a:miter/>
+          </a:ln>
+        </p:spPr>
+        <p:txBody>
+          <a:bodyPr lIns="0" tIns="0" rIns="0" bIns="0"/>
+          <a:lstStyle/>
+          <a:p>
+            <a:pPr/>
+          </a:p>
+        </p:txBody>
+      </p:sp>
+      <p:sp>
+        <p:nvSpPr>
+          <p:cNvPr id="684" name="線條"/>
+          <p:cNvSpPr/>
+          <p:nvPr/>
+        </p:nvSpPr>
+        <p:spPr>
+          <a:xfrm>
+            <a:off x="9429322" y="5179647"/>
+            <a:ext cx="595678" cy="1"/>
+          </a:xfrm>
+          <a:prstGeom prst="line">
+            <a:avLst/>
+          </a:prstGeom>
+          <a:ln w="38100">
+            <a:solidFill>
+              <a:srgbClr val="535353"/>
+            </a:solidFill>
+            <a:miter/>
+            <a:tailEnd type="triangle"/>
+          </a:ln>
+        </p:spPr>
+        <p:txBody>
+          <a:bodyPr lIns="0" tIns="0" rIns="0" bIns="0"/>
+          <a:lstStyle/>
+          <a:p>
+            <a:pPr/>
+          </a:p>
+        </p:txBody>
+      </p:sp>
+      <p:sp>
+        <p:nvSpPr>
+          <p:cNvPr id="685" name="2,0,0,-2"/>
+          <p:cNvSpPr txBox="1"/>
+          <p:nvPr/>
+        </p:nvSpPr>
+        <p:spPr>
+          <a:xfrm>
+            <a:off x="9272994" y="4738202"/>
+            <a:ext cx="787909" cy="259223"/>
+          </a:xfrm>
+          <a:prstGeom prst="rect">
+            <a:avLst/>
+          </a:prstGeom>
+          <a:ln w="12700">
+            <a:miter lim="400000"/>
+          </a:ln>
+          <a:extLst>
+            <a:ext uri="{C572A759-6A51-4108-AA02-DFA0A04FC94B}">
+              <ma14:wrappingTextBoxFlag xmlns:ma14="http://schemas.microsoft.com/office/mac/drawingml/2011/main" val="1"/>
+            </a:ext>
+          </a:extLst>
+        </p:spPr>
+        <p:txBody>
+          <a:bodyPr wrap="none" lIns="0" tIns="0" rIns="0" bIns="0">
+            <a:spAutoFit/>
+          </a:bodyPr>
+          <a:lstStyle/>
+          <a:p>
+            <a:pPr/>
+            <a:r>
+              <a:t>2,0,0,-2</a:t>
+            </a:r>
+          </a:p>
+        </p:txBody>
+      </p:sp>
+      <p:sp>
+        <p:nvSpPr>
+          <p:cNvPr id="686" name="線條"/>
+          <p:cNvSpPr/>
+          <p:nvPr/>
+        </p:nvSpPr>
+        <p:spPr>
+          <a:xfrm>
+            <a:off x="8867772" y="5576569"/>
+            <a:ext cx="1" cy="598223"/>
+          </a:xfrm>
+          <a:prstGeom prst="line">
+            <a:avLst/>
+          </a:prstGeom>
+          <a:ln w="38100">
+            <a:solidFill>
+              <a:srgbClr val="535353"/>
+            </a:solidFill>
+            <a:miter/>
+            <a:tailEnd type="triangle"/>
+          </a:ln>
+        </p:spPr>
+        <p:txBody>
+          <a:bodyPr lIns="0" tIns="0" rIns="0" bIns="0"/>
+          <a:lstStyle/>
+          <a:p>
+            <a:pPr/>
+          </a:p>
+        </p:txBody>
+      </p:sp>
+      <p:sp>
+        <p:nvSpPr>
+          <p:cNvPr id="687" name="1, -1"/>
+          <p:cNvSpPr txBox="1"/>
+          <p:nvPr/>
+        </p:nvSpPr>
+        <p:spPr>
+          <a:xfrm>
+            <a:off x="9040243" y="5606882"/>
+            <a:ext cx="470124" cy="259222"/>
+          </a:xfrm>
+          <a:prstGeom prst="rect">
+            <a:avLst/>
+          </a:prstGeom>
+          <a:ln w="12700">
+            <a:miter lim="400000"/>
+          </a:ln>
+          <a:extLst>
+            <a:ext uri="{C572A759-6A51-4108-AA02-DFA0A04FC94B}">
+              <ma14:wrappingTextBoxFlag xmlns:ma14="http://schemas.microsoft.com/office/mac/drawingml/2011/main" val="1"/>
+            </a:ext>
+          </a:extLst>
+        </p:spPr>
+        <p:txBody>
+          <a:bodyPr wrap="none" lIns="0" tIns="0" rIns="0" bIns="0">
+            <a:spAutoFit/>
+          </a:bodyPr>
+          <a:lstStyle/>
+          <a:p>
+            <a:pPr/>
+            <a:r>
+              <a:t>1, -1</a:t>
+            </a:r>
+          </a:p>
+        </p:txBody>
+      </p:sp>
+      <p:sp>
+        <p:nvSpPr>
+          <p:cNvPr id="688" name="線條"/>
+          <p:cNvSpPr/>
+          <p:nvPr/>
+        </p:nvSpPr>
+        <p:spPr>
+          <a:xfrm>
+            <a:off x="8867772" y="4154190"/>
+            <a:ext cx="1" cy="598222"/>
+          </a:xfrm>
+          <a:prstGeom prst="line">
+            <a:avLst/>
+          </a:prstGeom>
+          <a:ln w="38100">
+            <a:solidFill>
+              <a:srgbClr val="535353"/>
+            </a:solidFill>
+            <a:miter/>
+            <a:tailEnd type="triangle"/>
+          </a:ln>
+        </p:spPr>
+        <p:txBody>
+          <a:bodyPr lIns="0" tIns="0" rIns="0" bIns="0"/>
+          <a:lstStyle/>
+          <a:p>
+            <a:pPr/>
+          </a:p>
+        </p:txBody>
+      </p:sp>
+      <p:sp>
+        <p:nvSpPr>
+          <p:cNvPr id="689" name="1, -1"/>
+          <p:cNvSpPr txBox="1"/>
+          <p:nvPr/>
+        </p:nvSpPr>
+        <p:spPr>
+          <a:xfrm>
+            <a:off x="9040243" y="4184503"/>
+            <a:ext cx="470124" cy="259222"/>
+          </a:xfrm>
+          <a:prstGeom prst="rect">
+            <a:avLst/>
+          </a:prstGeom>
+          <a:ln w="12700">
+            <a:miter lim="400000"/>
+          </a:ln>
+          <a:extLst>
+            <a:ext uri="{C572A759-6A51-4108-AA02-DFA0A04FC94B}">
+              <ma14:wrappingTextBoxFlag xmlns:ma14="http://schemas.microsoft.com/office/mac/drawingml/2011/main" val="1"/>
+            </a:ext>
+          </a:extLst>
+        </p:spPr>
+        <p:txBody>
+          <a:bodyPr wrap="none" lIns="0" tIns="0" rIns="0" bIns="0">
+            <a:spAutoFit/>
+          </a:bodyPr>
+          <a:lstStyle/>
+          <a:p>
+            <a:pPr/>
+            <a:r>
+              <a:t>1, -1</a:t>
+            </a:r>
+          </a:p>
+        </p:txBody>
+      </p:sp>
+      <p:sp>
+        <p:nvSpPr>
+          <p:cNvPr id="690" name="圓角矩形"/>
+          <p:cNvSpPr/>
+          <p:nvPr/>
+        </p:nvSpPr>
+        <p:spPr>
+          <a:xfrm>
+            <a:off x="3894586" y="4068125"/>
+            <a:ext cx="575554" cy="2109077"/>
+          </a:xfrm>
+          <a:prstGeom prst="roundRect">
+            <a:avLst>
+              <a:gd name="adj" fmla="val 33099"/>
+            </a:avLst>
+          </a:prstGeom>
+          <a:solidFill>
+            <a:srgbClr val="535353"/>
+          </a:solidFill>
+          <a:ln w="12700">
+            <a:solidFill>
+              <a:schemeClr val="accent1"/>
+            </a:solidFill>
+            <a:miter/>
+          </a:ln>
+        </p:spPr>
+        <p:txBody>
+          <a:bodyPr lIns="0" tIns="0" rIns="0" bIns="0"/>
+          <a:lstStyle/>
+          <a:p>
+            <a:pPr/>
+          </a:p>
+        </p:txBody>
+      </p:sp>
+      <p:sp>
+        <p:nvSpPr>
+          <p:cNvPr id="691" name="圓角矩形"/>
+          <p:cNvSpPr/>
+          <p:nvPr/>
+        </p:nvSpPr>
+        <p:spPr>
+          <a:xfrm>
+            <a:off x="10179182" y="4068125"/>
+            <a:ext cx="575554" cy="2109077"/>
+          </a:xfrm>
+          <a:prstGeom prst="roundRect">
+            <a:avLst>
+              <a:gd name="adj" fmla="val 33099"/>
+            </a:avLst>
+          </a:prstGeom>
+          <a:solidFill>
+            <a:srgbClr val="535353"/>
+          </a:solidFill>
+          <a:ln w="12700">
+            <a:solidFill>
+              <a:schemeClr val="accent1"/>
+            </a:solidFill>
+            <a:miter/>
+          </a:ln>
+        </p:spPr>
+        <p:txBody>
+          <a:bodyPr lIns="0" tIns="0" rIns="0" bIns="0"/>
+          <a:lstStyle/>
+          <a:p>
+            <a:pPr/>
+          </a:p>
+        </p:txBody>
+      </p:sp>
+      <p:sp>
+        <p:nvSpPr>
+          <p:cNvPr id="692" name="線條"/>
+          <p:cNvSpPr/>
+          <p:nvPr/>
+        </p:nvSpPr>
+        <p:spPr>
+          <a:xfrm flipV="1">
+            <a:off x="4621018" y="3709694"/>
+            <a:ext cx="491208" cy="491209"/>
+          </a:xfrm>
+          <a:prstGeom prst="line">
+            <a:avLst/>
+          </a:prstGeom>
+          <a:ln w="38100">
+            <a:solidFill>
+              <a:srgbClr val="535353"/>
+            </a:solidFill>
+            <a:miter/>
+            <a:tailEnd type="triangle"/>
+          </a:ln>
+        </p:spPr>
+        <p:txBody>
+          <a:bodyPr lIns="0" tIns="0" rIns="0" bIns="0"/>
+          <a:lstStyle/>
+          <a:p>
+            <a:pPr/>
+          </a:p>
+        </p:txBody>
+      </p:sp>
+      <p:sp>
+        <p:nvSpPr>
+          <p:cNvPr id="693" name="線條"/>
+          <p:cNvSpPr/>
+          <p:nvPr/>
+        </p:nvSpPr>
+        <p:spPr>
+          <a:xfrm flipH="1" flipV="1">
+            <a:off x="4646514" y="5875047"/>
+            <a:ext cx="531215" cy="531216"/>
+          </a:xfrm>
+          <a:prstGeom prst="line">
+            <a:avLst/>
+          </a:prstGeom>
+          <a:ln w="38100">
+            <a:solidFill>
+              <a:srgbClr val="535353"/>
+            </a:solidFill>
+            <a:miter/>
+            <a:tailEnd type="triangle"/>
+          </a:ln>
+        </p:spPr>
+        <p:txBody>
+          <a:bodyPr lIns="0" tIns="0" rIns="0" bIns="0"/>
+          <a:lstStyle/>
+          <a:p>
+            <a:pPr/>
+          </a:p>
+        </p:txBody>
+      </p:sp>
+      <p:sp>
+        <p:nvSpPr>
+          <p:cNvPr id="694" name="線條"/>
+          <p:cNvSpPr/>
+          <p:nvPr/>
+        </p:nvSpPr>
+        <p:spPr>
+          <a:xfrm>
+            <a:off x="9499117" y="3758894"/>
+            <a:ext cx="469558" cy="469558"/>
+          </a:xfrm>
+          <a:prstGeom prst="line">
+            <a:avLst/>
+          </a:prstGeom>
+          <a:ln w="38100">
+            <a:solidFill>
+              <a:srgbClr val="535353"/>
+            </a:solidFill>
+            <a:miter/>
+            <a:tailEnd type="triangle"/>
+          </a:ln>
+        </p:spPr>
+        <p:txBody>
+          <a:bodyPr lIns="0" tIns="0" rIns="0" bIns="0"/>
+          <a:lstStyle/>
+          <a:p>
+            <a:pPr/>
+          </a:p>
+        </p:txBody>
+      </p:sp>
+      <p:sp>
+        <p:nvSpPr>
+          <p:cNvPr id="695" name="線條"/>
+          <p:cNvSpPr/>
+          <p:nvPr/>
+        </p:nvSpPr>
+        <p:spPr>
+          <a:xfrm flipH="1">
+            <a:off x="9474821" y="5929039"/>
+            <a:ext cx="491208" cy="491208"/>
+          </a:xfrm>
+          <a:prstGeom prst="line">
+            <a:avLst/>
+          </a:prstGeom>
+          <a:ln w="38100">
+            <a:solidFill>
+              <a:srgbClr val="535353"/>
+            </a:solidFill>
+            <a:miter/>
+            <a:tailEnd type="triangle"/>
+          </a:ln>
+        </p:spPr>
+        <p:txBody>
+          <a:bodyPr lIns="0" tIns="0" rIns="0" bIns="0"/>
+          <a:lstStyle/>
+          <a:p>
+            <a:pPr/>
+          </a:p>
+        </p:txBody>
+      </p:sp>
+      <p:sp>
+        <p:nvSpPr>
+          <p:cNvPr id="696" name="0"/>
+          <p:cNvSpPr txBox="1"/>
+          <p:nvPr/>
+        </p:nvSpPr>
+        <p:spPr>
+          <a:xfrm>
+            <a:off x="4789968" y="3528626"/>
+            <a:ext cx="139837" cy="259222"/>
+          </a:xfrm>
+          <a:prstGeom prst="rect">
+            <a:avLst/>
+          </a:prstGeom>
+          <a:ln w="12700">
+            <a:miter lim="400000"/>
+          </a:ln>
+          <a:extLst>
+            <a:ext uri="{C572A759-6A51-4108-AA02-DFA0A04FC94B}">
+              <ma14:wrappingTextBoxFlag xmlns:ma14="http://schemas.microsoft.com/office/mac/drawingml/2011/main" val="1"/>
+            </a:ext>
+          </a:extLst>
+        </p:spPr>
+        <p:txBody>
+          <a:bodyPr wrap="none" lIns="0" tIns="0" rIns="0" bIns="0">
+            <a:spAutoFit/>
+          </a:bodyPr>
+          <a:lstStyle/>
+          <a:p>
+            <a:pPr/>
+            <a:r>
+              <a:t>0</a:t>
+            </a:r>
+          </a:p>
+        </p:txBody>
+      </p:sp>
+      <p:sp>
+        <p:nvSpPr>
+          <p:cNvPr id="697" name="0"/>
+          <p:cNvSpPr txBox="1"/>
+          <p:nvPr/>
+        </p:nvSpPr>
+        <p:spPr>
+          <a:xfrm>
+            <a:off x="4874650" y="5715756"/>
+            <a:ext cx="139837" cy="259223"/>
+          </a:xfrm>
+          <a:prstGeom prst="rect">
+            <a:avLst/>
+          </a:prstGeom>
+          <a:ln w="12700">
+            <a:miter lim="400000"/>
+          </a:ln>
+          <a:extLst>
+            <a:ext uri="{C572A759-6A51-4108-AA02-DFA0A04FC94B}">
+              <ma14:wrappingTextBoxFlag xmlns:ma14="http://schemas.microsoft.com/office/mac/drawingml/2011/main" val="1"/>
+            </a:ext>
+          </a:extLst>
+        </p:spPr>
+        <p:txBody>
+          <a:bodyPr wrap="none" lIns="0" tIns="0" rIns="0" bIns="0">
+            <a:spAutoFit/>
+          </a:bodyPr>
+          <a:lstStyle/>
+          <a:p>
+            <a:pPr/>
+            <a:r>
+              <a:t>0</a:t>
+            </a:r>
+          </a:p>
+        </p:txBody>
+      </p:sp>
+      <p:sp>
+        <p:nvSpPr>
+          <p:cNvPr id="698" name="0"/>
+          <p:cNvSpPr txBox="1"/>
+          <p:nvPr/>
+        </p:nvSpPr>
+        <p:spPr>
+          <a:xfrm>
+            <a:off x="9771681" y="3637832"/>
+            <a:ext cx="139838" cy="259223"/>
+          </a:xfrm>
+          <a:prstGeom prst="rect">
+            <a:avLst/>
+          </a:prstGeom>
+          <a:ln w="12700">
+            <a:miter lim="400000"/>
+          </a:ln>
+          <a:extLst>
+            <a:ext uri="{C572A759-6A51-4108-AA02-DFA0A04FC94B}">
+              <ma14:wrappingTextBoxFlag xmlns:ma14="http://schemas.microsoft.com/office/mac/drawingml/2011/main" val="1"/>
+            </a:ext>
+          </a:extLst>
+        </p:spPr>
+        <p:txBody>
+          <a:bodyPr wrap="none" lIns="0" tIns="0" rIns="0" bIns="0">
+            <a:spAutoFit/>
+          </a:bodyPr>
+          <a:lstStyle/>
+          <a:p>
+            <a:pPr/>
+            <a:r>
+              <a:t>0</a:t>
+            </a:r>
+          </a:p>
+        </p:txBody>
+      </p:sp>
+      <p:sp>
+        <p:nvSpPr>
+          <p:cNvPr id="699" name="0"/>
+          <p:cNvSpPr txBox="1"/>
+          <p:nvPr/>
+        </p:nvSpPr>
+        <p:spPr>
+          <a:xfrm>
+            <a:off x="9771681" y="5591726"/>
+            <a:ext cx="139838" cy="259222"/>
+          </a:xfrm>
+          <a:prstGeom prst="rect">
+            <a:avLst/>
+          </a:prstGeom>
+          <a:ln w="12700">
+            <a:miter lim="400000"/>
+          </a:ln>
+          <a:extLst>
+            <a:ext uri="{C572A759-6A51-4108-AA02-DFA0A04FC94B}">
+              <ma14:wrappingTextBoxFlag xmlns:ma14="http://schemas.microsoft.com/office/mac/drawingml/2011/main" val="1"/>
+            </a:ext>
+          </a:extLst>
+        </p:spPr>
+        <p:txBody>
+          <a:bodyPr wrap="none" lIns="0" tIns="0" rIns="0" bIns="0">
+            <a:spAutoFit/>
+          </a:bodyPr>
+          <a:lstStyle/>
+          <a:p>
+            <a:pPr/>
+            <a:r>
+              <a:t>0</a:t>
+            </a:r>
+          </a:p>
+        </p:txBody>
+      </p:sp>
+    </p:spTree>
+  </p:cSld>
+  <p:clrMapOvr>
+    <a:masterClrMapping/>
+  </p:clrMapOvr>
+  <p:transition xmlns:p14="http://schemas.microsoft.com/office/powerpoint/2010/main" spd="med" advClick="1"/>
+</p:sld>
+</file>
+
+<file path=ppt/slides/slide18.xml><?xml version="1.0" encoding="utf-8"?>
+<p:sld xmlns:a="http://schemas.openxmlformats.org/drawingml/2006/main" xmlns:r="http://schemas.openxmlformats.org/officeDocument/2006/relationships" xmlns:p="http://schemas.openxmlformats.org/presentationml/2006/main" xmlns:m="http://schemas.openxmlformats.org/officeDocument/2006/math" xmlns:a14="http://schemas.microsoft.com/office/drawing/2010/main" showMasterSp="1" showMasterPhAnim="1">
+  <p:cSld>
+    <p:spTree>
+      <p:nvGrpSpPr>
+        <p:cNvPr id="1" name=""/>
+        <p:cNvGrpSpPr/>
+        <p:nvPr/>
+      </p:nvGrpSpPr>
+      <p:grpSpPr>
+        <a:xfrm>
+          <a:off x="0" y="0"/>
+          <a:ext cx="0" cy="0"/>
+          <a:chOff x="0" y="0"/>
+          <a:chExt cx="0" cy="0"/>
+        </a:xfrm>
+      </p:grpSpPr>
+      <p:sp>
+        <p:nvSpPr>
+          <p:cNvPr id="701" name="Rounded Rectangle 40"/>
+          <p:cNvSpPr/>
+          <p:nvPr/>
+        </p:nvSpPr>
+        <p:spPr>
+          <a:xfrm>
+            <a:off x="3144690" y="5342337"/>
+            <a:ext cx="479467" cy="466769"/>
+          </a:xfrm>
+          <a:prstGeom prst="roundRect">
+            <a:avLst>
+              <a:gd name="adj" fmla="val 11870"/>
+            </a:avLst>
+          </a:prstGeom>
+          <a:solidFill>
+            <a:srgbClr val="535353"/>
+          </a:solidFill>
+          <a:ln w="12700">
+            <a:solidFill>
+              <a:srgbClr val="535353"/>
             </a:solidFill>
             <a:miter/>
           </a:ln>
@@ -14666,36 +18007,1647 @@
       </p:sp>
       <p:sp>
         <p:nvSpPr>
-          <p:cNvPr id="613" name="Oval 13"/>
+          <p:cNvPr id="702" name="Equal 33"/>
           <p:cNvSpPr/>
           <p:nvPr/>
         </p:nvSpPr>
         <p:spPr>
           <a:xfrm>
-            <a:off x="4753609" y="2187869"/>
-            <a:ext cx="582978" cy="585522"/>
-          </a:xfrm>
-          <a:prstGeom prst="ellipse">
-            <a:avLst/>
-          </a:prstGeom>
+            <a:off x="4457630" y="5491901"/>
+            <a:ext cx="250068" cy="167641"/>
+          </a:xfrm>
+          <a:custGeom>
+            <a:avLst/>
+            <a:gdLst/>
+            <a:ahLst/>
+            <a:cxnLst>
+              <a:cxn ang="0">
+                <a:pos x="wd2" y="hd2"/>
+              </a:cxn>
+              <a:cxn ang="5400000">
+                <a:pos x="wd2" y="hd2"/>
+              </a:cxn>
+              <a:cxn ang="10800000">
+                <a:pos x="wd2" y="hd2"/>
+              </a:cxn>
+              <a:cxn ang="16200000">
+                <a:pos x="wd2" y="hd2"/>
+              </a:cxn>
+            </a:cxnLst>
+            <a:rect l="0" t="0" r="r" b="b"/>
+            <a:pathLst>
+              <a:path w="21600" h="21600" fill="norm" stroke="1" extrusionOk="0">
+                <a:moveTo>
+                  <a:pt x="0" y="0"/>
+                </a:moveTo>
+                <a:lnTo>
+                  <a:pt x="21600" y="0"/>
+                </a:lnTo>
+                <a:lnTo>
+                  <a:pt x="21600" y="6487"/>
+                </a:lnTo>
+                <a:lnTo>
+                  <a:pt x="0" y="6487"/>
+                </a:lnTo>
+                <a:close/>
+                <a:moveTo>
+                  <a:pt x="0" y="15113"/>
+                </a:moveTo>
+                <a:lnTo>
+                  <a:pt x="21600" y="15113"/>
+                </a:lnTo>
+                <a:lnTo>
+                  <a:pt x="21600" y="21600"/>
+                </a:lnTo>
+                <a:lnTo>
+                  <a:pt x="0" y="21600"/>
+                </a:lnTo>
+                <a:close/>
+              </a:path>
+            </a:pathLst>
+          </a:custGeom>
+          <a:solidFill>
+            <a:srgbClr val="C00000"/>
+          </a:solidFill>
+          <a:ln w="12700">
+            <a:miter lim="400000"/>
+          </a:ln>
+        </p:spPr>
+        <p:txBody>
+          <a:bodyPr lIns="0" tIns="0" rIns="0" bIns="0" anchor="ctr"/>
+          <a:lstStyle/>
+          <a:p>
+            <a:pPr algn="ctr"/>
+          </a:p>
+        </p:txBody>
+      </p:sp>
+      <p:sp>
+        <p:nvSpPr>
+          <p:cNvPr id="703" name="線條"/>
+          <p:cNvSpPr/>
+          <p:nvPr/>
+        </p:nvSpPr>
+        <p:spPr>
+          <a:xfrm>
+            <a:off x="4916656" y="5547154"/>
+            <a:ext cx="595678" cy="1"/>
+          </a:xfrm>
+          <a:prstGeom prst="line">
+            <a:avLst/>
+          </a:prstGeom>
+          <a:ln w="50800">
+            <a:solidFill>
+              <a:schemeClr val="accent1">
+                <a:satOff val="-19091"/>
+                <a:lumOff val="-11921"/>
+              </a:schemeClr>
+            </a:solidFill>
+            <a:miter/>
+            <a:tailEnd type="triangle"/>
+          </a:ln>
+        </p:spPr>
+        <p:txBody>
+          <a:bodyPr lIns="0" tIns="0" rIns="0" bIns="0"/>
+          <a:lstStyle/>
+          <a:p>
+            <a:pPr/>
+          </a:p>
+        </p:txBody>
+      </p:sp>
+      <p:sp>
+        <p:nvSpPr>
+          <p:cNvPr id="704" name="線條"/>
+          <p:cNvSpPr/>
+          <p:nvPr/>
+        </p:nvSpPr>
+        <p:spPr>
+          <a:xfrm>
+            <a:off x="6181146" y="5547155"/>
+            <a:ext cx="595678" cy="1"/>
+          </a:xfrm>
+          <a:prstGeom prst="line">
+            <a:avLst/>
+          </a:prstGeom>
+          <a:ln w="50800">
+            <a:solidFill>
+              <a:schemeClr val="accent1">
+                <a:satOff val="-19091"/>
+                <a:lumOff val="-11921"/>
+              </a:schemeClr>
+            </a:solidFill>
+            <a:miter/>
+            <a:tailEnd type="triangle"/>
+          </a:ln>
+        </p:spPr>
+        <p:txBody>
+          <a:bodyPr lIns="0" tIns="0" rIns="0" bIns="0"/>
+          <a:lstStyle/>
+          <a:p>
+            <a:pPr/>
+          </a:p>
+        </p:txBody>
+      </p:sp>
+      <p:grpSp>
+        <p:nvGrpSpPr>
+          <p:cNvPr id="708" name="群組"/>
+          <p:cNvGrpSpPr/>
+          <p:nvPr/>
+        </p:nvGrpSpPr>
+        <p:grpSpPr>
+          <a:xfrm>
+            <a:off x="2440332" y="5335987"/>
+            <a:ext cx="600670" cy="479469"/>
+            <a:chOff x="0" y="0"/>
+            <a:chExt cx="600668" cy="479467"/>
+          </a:xfrm>
+        </p:grpSpPr>
+        <p:sp>
+          <p:nvSpPr>
+            <p:cNvPr id="705" name="線條"/>
+            <p:cNvSpPr/>
+            <p:nvPr/>
+          </p:nvSpPr>
+          <p:spPr>
+            <a:xfrm>
+              <a:off x="4991" y="0"/>
+              <a:ext cx="595678" cy="0"/>
+            </a:xfrm>
+            <a:prstGeom prst="line">
+              <a:avLst/>
+            </a:prstGeom>
+            <a:noFill/>
+            <a:ln w="38100" cap="flat">
+              <a:solidFill>
+                <a:srgbClr val="535353"/>
+              </a:solidFill>
+              <a:prstDash val="solid"/>
+              <a:miter lim="800000"/>
+              <a:tailEnd type="triangle" w="med" len="med"/>
+            </a:ln>
+            <a:effectLst/>
+          </p:spPr>
+          <p:txBody>
+            <a:bodyPr wrap="square" lIns="0" tIns="0" rIns="0" bIns="0" numCol="1" anchor="t">
+              <a:noAutofit/>
+            </a:bodyPr>
+            <a:lstStyle/>
+            <a:p>
+              <a:pPr/>
+            </a:p>
+          </p:txBody>
+        </p:sp>
+        <p:sp>
+          <p:nvSpPr>
+            <p:cNvPr id="706" name="線條"/>
+            <p:cNvSpPr/>
+            <p:nvPr/>
+          </p:nvSpPr>
+          <p:spPr>
+            <a:xfrm>
+              <a:off x="0" y="479467"/>
+              <a:ext cx="595678" cy="1"/>
+            </a:xfrm>
+            <a:prstGeom prst="line">
+              <a:avLst/>
+            </a:prstGeom>
+            <a:noFill/>
+            <a:ln w="38100" cap="flat">
+              <a:solidFill>
+                <a:srgbClr val="535353"/>
+              </a:solidFill>
+              <a:prstDash val="solid"/>
+              <a:miter lim="800000"/>
+              <a:tailEnd type="triangle" w="med" len="med"/>
+            </a:ln>
+            <a:effectLst/>
+          </p:spPr>
+          <p:txBody>
+            <a:bodyPr wrap="square" lIns="0" tIns="0" rIns="0" bIns="0" numCol="1" anchor="t">
+              <a:noAutofit/>
+            </a:bodyPr>
+            <a:lstStyle/>
+            <a:p>
+              <a:pPr/>
+            </a:p>
+          </p:txBody>
+        </p:sp>
+        <p:sp>
+          <p:nvSpPr>
+            <p:cNvPr id="707" name="Straight Connector 27"/>
+            <p:cNvSpPr/>
+            <p:nvPr/>
+          </p:nvSpPr>
+          <p:spPr>
+            <a:xfrm flipH="1">
+              <a:off x="297838" y="22600"/>
+              <a:ext cx="1" cy="377135"/>
+            </a:xfrm>
+            <a:prstGeom prst="line">
+              <a:avLst/>
+            </a:prstGeom>
+            <a:noFill/>
+            <a:ln w="38100" cap="rnd">
+              <a:solidFill>
+                <a:srgbClr val="535353"/>
+              </a:solidFill>
+              <a:custDash>
+                <a:ds d="100000" sp="200000"/>
+              </a:custDash>
+              <a:round/>
+            </a:ln>
+            <a:effectLst/>
+          </p:spPr>
+          <p:txBody>
+            <a:bodyPr wrap="square" lIns="0" tIns="0" rIns="0" bIns="0" numCol="1" anchor="t">
+              <a:noAutofit/>
+            </a:bodyPr>
+            <a:lstStyle/>
+            <a:p>
+              <a:pPr/>
+            </a:p>
+          </p:txBody>
+        </p:sp>
+      </p:grpSp>
+      <p:sp>
+        <p:nvSpPr>
+          <p:cNvPr id="709" name="線條"/>
+          <p:cNvSpPr/>
+          <p:nvPr/>
+        </p:nvSpPr>
+        <p:spPr>
+          <a:xfrm>
+            <a:off x="3732837" y="5335987"/>
+            <a:ext cx="595678" cy="1"/>
+          </a:xfrm>
+          <a:prstGeom prst="line">
+            <a:avLst/>
+          </a:prstGeom>
+          <a:ln w="38100">
+            <a:solidFill>
+              <a:srgbClr val="535353"/>
+            </a:solidFill>
+            <a:miter/>
+            <a:tailEnd type="triangle"/>
+          </a:ln>
+        </p:spPr>
+        <p:txBody>
+          <a:bodyPr lIns="0" tIns="0" rIns="0" bIns="0"/>
+          <a:lstStyle/>
+          <a:p>
+            <a:pPr/>
+          </a:p>
+        </p:txBody>
+      </p:sp>
+      <p:sp>
+        <p:nvSpPr>
+          <p:cNvPr id="710" name="線條"/>
+          <p:cNvSpPr/>
+          <p:nvPr/>
+        </p:nvSpPr>
+        <p:spPr>
+          <a:xfrm>
+            <a:off x="3727846" y="5815455"/>
+            <a:ext cx="595678" cy="1"/>
+          </a:xfrm>
+          <a:prstGeom prst="line">
+            <a:avLst/>
+          </a:prstGeom>
+          <a:ln w="38100">
+            <a:solidFill>
+              <a:srgbClr val="535353"/>
+            </a:solidFill>
+            <a:miter/>
+            <a:tailEnd type="triangle"/>
+          </a:ln>
+        </p:spPr>
+        <p:txBody>
+          <a:bodyPr lIns="0" tIns="0" rIns="0" bIns="0"/>
+          <a:lstStyle/>
+          <a:p>
+            <a:pPr/>
+          </a:p>
+        </p:txBody>
+      </p:sp>
+      <p:sp>
+        <p:nvSpPr>
+          <p:cNvPr id="711" name="Straight Connector 27"/>
+          <p:cNvSpPr/>
+          <p:nvPr/>
+        </p:nvSpPr>
+        <p:spPr>
+          <a:xfrm>
+            <a:off x="4025684" y="5358587"/>
+            <a:ext cx="1" cy="377136"/>
+          </a:xfrm>
+          <a:prstGeom prst="line">
+            <a:avLst/>
+          </a:prstGeom>
+          <a:ln w="38100" cap="rnd">
+            <a:solidFill>
+              <a:srgbClr val="535353"/>
+            </a:solidFill>
+            <a:custDash>
+              <a:ds d="100000" sp="200000"/>
+            </a:custDash>
+          </a:ln>
+        </p:spPr>
+        <p:txBody>
+          <a:bodyPr lIns="0" tIns="0" rIns="0" bIns="0"/>
+          <a:lstStyle/>
+          <a:p>
+            <a:pPr/>
+          </a:p>
+        </p:txBody>
+      </p:sp>
+      <p:sp>
+        <p:nvSpPr>
+          <p:cNvPr id="712" name="Equal 33"/>
+          <p:cNvSpPr/>
+          <p:nvPr/>
+        </p:nvSpPr>
+        <p:spPr>
+          <a:xfrm>
+            <a:off x="6944872" y="5491901"/>
+            <a:ext cx="250069" cy="167641"/>
+          </a:xfrm>
+          <a:custGeom>
+            <a:avLst/>
+            <a:gdLst/>
+            <a:ahLst/>
+            <a:cxnLst>
+              <a:cxn ang="0">
+                <a:pos x="wd2" y="hd2"/>
+              </a:cxn>
+              <a:cxn ang="5400000">
+                <a:pos x="wd2" y="hd2"/>
+              </a:cxn>
+              <a:cxn ang="10800000">
+                <a:pos x="wd2" y="hd2"/>
+              </a:cxn>
+              <a:cxn ang="16200000">
+                <a:pos x="wd2" y="hd2"/>
+              </a:cxn>
+            </a:cxnLst>
+            <a:rect l="0" t="0" r="r" b="b"/>
+            <a:pathLst>
+              <a:path w="21600" h="21600" fill="norm" stroke="1" extrusionOk="0">
+                <a:moveTo>
+                  <a:pt x="0" y="0"/>
+                </a:moveTo>
+                <a:lnTo>
+                  <a:pt x="21600" y="0"/>
+                </a:lnTo>
+                <a:lnTo>
+                  <a:pt x="21600" y="6487"/>
+                </a:lnTo>
+                <a:lnTo>
+                  <a:pt x="0" y="6487"/>
+                </a:lnTo>
+                <a:close/>
+                <a:moveTo>
+                  <a:pt x="0" y="15113"/>
+                </a:moveTo>
+                <a:lnTo>
+                  <a:pt x="21600" y="15113"/>
+                </a:lnTo>
+                <a:lnTo>
+                  <a:pt x="21600" y="21600"/>
+                </a:lnTo>
+                <a:lnTo>
+                  <a:pt x="0" y="21600"/>
+                </a:lnTo>
+                <a:close/>
+              </a:path>
+            </a:pathLst>
+          </a:custGeom>
+          <a:solidFill>
+            <a:srgbClr val="C00000"/>
+          </a:solidFill>
+          <a:ln w="12700">
+            <a:miter lim="400000"/>
+          </a:ln>
+        </p:spPr>
+        <p:txBody>
+          <a:bodyPr lIns="0" tIns="0" rIns="0" bIns="0" anchor="ctr"/>
+          <a:lstStyle/>
+          <a:p>
+            <a:pPr algn="ctr"/>
+          </a:p>
+        </p:txBody>
+      </p:sp>
+      <p:grpSp>
+        <p:nvGrpSpPr>
+          <p:cNvPr id="721" name="群組"/>
+          <p:cNvGrpSpPr/>
+          <p:nvPr/>
+        </p:nvGrpSpPr>
+        <p:grpSpPr>
+          <a:xfrm>
+            <a:off x="7248345" y="4888326"/>
+            <a:ext cx="1514545" cy="1374792"/>
+            <a:chOff x="0" y="0"/>
+            <a:chExt cx="1514544" cy="1374791"/>
+          </a:xfrm>
+        </p:grpSpPr>
+        <p:sp>
+          <p:nvSpPr>
+            <p:cNvPr id="713" name="Straight Connector 27"/>
+            <p:cNvSpPr/>
+            <p:nvPr/>
+          </p:nvSpPr>
+          <p:spPr>
+            <a:xfrm flipH="1" flipV="1">
+              <a:off x="1269916" y="1130163"/>
+              <a:ext cx="244629" cy="244629"/>
+            </a:xfrm>
+            <a:prstGeom prst="line">
+              <a:avLst/>
+            </a:prstGeom>
+            <a:noFill/>
+            <a:ln w="38100" cap="rnd">
+              <a:solidFill>
+                <a:schemeClr val="accent1">
+                  <a:satOff val="-19091"/>
+                  <a:lumOff val="-11921"/>
+                </a:schemeClr>
+              </a:solidFill>
+              <a:custDash>
+                <a:ds d="100000" sp="200000"/>
+              </a:custDash>
+              <a:round/>
+            </a:ln>
+            <a:effectLst/>
+          </p:spPr>
+          <p:txBody>
+            <a:bodyPr wrap="square" lIns="0" tIns="0" rIns="0" bIns="0" numCol="1" anchor="t">
+              <a:noAutofit/>
+            </a:bodyPr>
+            <a:lstStyle/>
+            <a:p>
+              <a:pPr/>
+            </a:p>
+          </p:txBody>
+        </p:sp>
+        <p:sp>
+          <p:nvSpPr>
+            <p:cNvPr id="714" name="Rounded Rectangle 40"/>
+            <p:cNvSpPr/>
+            <p:nvPr/>
+          </p:nvSpPr>
+          <p:spPr>
+            <a:xfrm>
+              <a:off x="250392" y="233398"/>
+              <a:ext cx="242616" cy="241131"/>
+            </a:xfrm>
+            <a:prstGeom prst="roundRect">
+              <a:avLst>
+                <a:gd name="adj" fmla="val 11626"/>
+              </a:avLst>
+            </a:prstGeom>
+            <a:solidFill>
+              <a:schemeClr val="accent1">
+                <a:satOff val="-19091"/>
+                <a:lumOff val="-11921"/>
+              </a:schemeClr>
+            </a:solidFill>
+            <a:ln w="12700" cap="flat">
+              <a:solidFill>
+                <a:schemeClr val="accent1">
+                  <a:satOff val="-19091"/>
+                  <a:lumOff val="-11921"/>
+                </a:schemeClr>
+              </a:solidFill>
+              <a:prstDash val="solid"/>
+              <a:miter lim="800000"/>
+            </a:ln>
+            <a:effectLst/>
+          </p:spPr>
+          <p:txBody>
+            <a:bodyPr wrap="square" lIns="0" tIns="0" rIns="0" bIns="0" numCol="1" anchor="ctr">
+              <a:noAutofit/>
+            </a:bodyPr>
+            <a:lstStyle/>
+            <a:p>
+              <a:pPr algn="ctr">
+                <a:defRPr>
+                  <a:solidFill>
+                    <a:schemeClr val="accent1">
+                      <a:satOff val="-19091"/>
+                      <a:lumOff val="-11921"/>
+                    </a:schemeClr>
+                  </a:solidFill>
+                </a:defRPr>
+              </a:pPr>
+            </a:p>
+          </p:txBody>
+        </p:sp>
+        <p:sp>
+          <p:nvSpPr>
+            <p:cNvPr id="715" name="Rounded Rectangle 40"/>
+            <p:cNvSpPr/>
+            <p:nvPr/>
+          </p:nvSpPr>
+          <p:spPr>
+            <a:xfrm>
+              <a:off x="544057" y="491016"/>
+              <a:ext cx="360998" cy="309427"/>
+            </a:xfrm>
+            <a:prstGeom prst="roundRect">
+              <a:avLst>
+                <a:gd name="adj" fmla="val 11626"/>
+              </a:avLst>
+            </a:prstGeom>
+            <a:solidFill>
+              <a:schemeClr val="accent1">
+                <a:satOff val="-19091"/>
+                <a:lumOff val="-11921"/>
+              </a:schemeClr>
+            </a:solidFill>
+            <a:ln w="12700" cap="flat">
+              <a:solidFill>
+                <a:schemeClr val="accent1">
+                  <a:satOff val="-19091"/>
+                  <a:lumOff val="-11921"/>
+                </a:schemeClr>
+              </a:solidFill>
+              <a:prstDash val="solid"/>
+              <a:miter lim="800000"/>
+            </a:ln>
+            <a:effectLst/>
+          </p:spPr>
+          <p:txBody>
+            <a:bodyPr wrap="square" lIns="0" tIns="0" rIns="0" bIns="0" numCol="1" anchor="ctr">
+              <a:noAutofit/>
+            </a:bodyPr>
+            <a:lstStyle/>
+            <a:p>
+              <a:pPr algn="ctr">
+                <a:defRPr>
+                  <a:solidFill>
+                    <a:schemeClr val="accent1">
+                      <a:satOff val="-19091"/>
+                      <a:lumOff val="-11921"/>
+                    </a:schemeClr>
+                  </a:solidFill>
+                </a:defRPr>
+              </a:pPr>
+            </a:p>
+          </p:txBody>
+        </p:sp>
+        <p:sp>
+          <p:nvSpPr>
+            <p:cNvPr id="716" name="Rounded Rectangle 40"/>
+            <p:cNvSpPr/>
+            <p:nvPr/>
+          </p:nvSpPr>
+          <p:spPr>
+            <a:xfrm>
+              <a:off x="969026" y="849338"/>
+              <a:ext cx="242615" cy="241131"/>
+            </a:xfrm>
+            <a:prstGeom prst="roundRect">
+              <a:avLst>
+                <a:gd name="adj" fmla="val 11626"/>
+              </a:avLst>
+            </a:prstGeom>
+            <a:solidFill>
+              <a:schemeClr val="accent1">
+                <a:satOff val="-19091"/>
+                <a:lumOff val="-11921"/>
+              </a:schemeClr>
+            </a:solidFill>
+            <a:ln w="12700" cap="flat">
+              <a:solidFill>
+                <a:schemeClr val="accent1">
+                  <a:satOff val="-19091"/>
+                  <a:lumOff val="-11921"/>
+                </a:schemeClr>
+              </a:solidFill>
+              <a:prstDash val="solid"/>
+              <a:miter lim="800000"/>
+            </a:ln>
+            <a:effectLst/>
+          </p:spPr>
+          <p:txBody>
+            <a:bodyPr wrap="square" lIns="0" tIns="0" rIns="0" bIns="0" numCol="1" anchor="ctr">
+              <a:noAutofit/>
+            </a:bodyPr>
+            <a:lstStyle/>
+            <a:p>
+              <a:pPr algn="ctr">
+                <a:defRPr>
+                  <a:solidFill>
+                    <a:schemeClr val="accent1">
+                      <a:satOff val="-19091"/>
+                      <a:lumOff val="-11921"/>
+                    </a:schemeClr>
+                  </a:solidFill>
+                </a:defRPr>
+              </a:pPr>
+            </a:p>
+          </p:txBody>
+        </p:sp>
+        <p:sp>
+          <p:nvSpPr>
+            <p:cNvPr id="717" name="Straight Connector 27"/>
+            <p:cNvSpPr/>
+            <p:nvPr/>
+          </p:nvSpPr>
+          <p:spPr>
+            <a:xfrm flipH="1" flipV="1">
+              <a:off x="0" y="0"/>
+              <a:ext cx="250728" cy="250728"/>
+            </a:xfrm>
+            <a:prstGeom prst="line">
+              <a:avLst/>
+            </a:prstGeom>
+            <a:noFill/>
+            <a:ln w="38100" cap="rnd">
+              <a:solidFill>
+                <a:schemeClr val="accent1">
+                  <a:satOff val="-19091"/>
+                  <a:lumOff val="-11921"/>
+                </a:schemeClr>
+              </a:solidFill>
+              <a:custDash>
+                <a:ds d="100000" sp="200000"/>
+              </a:custDash>
+              <a:round/>
+            </a:ln>
+            <a:effectLst/>
+          </p:spPr>
+          <p:txBody>
+            <a:bodyPr wrap="square" lIns="0" tIns="0" rIns="0" bIns="0" numCol="1" anchor="t">
+              <a:noAutofit/>
+            </a:bodyPr>
+            <a:lstStyle/>
+            <a:p>
+              <a:pPr/>
+            </a:p>
+          </p:txBody>
+        </p:sp>
+        <p:sp>
+          <p:nvSpPr>
+            <p:cNvPr id="718" name="Text Box 28"/>
+            <p:cNvSpPr txBox="1"/>
+            <p:nvPr/>
+          </p:nvSpPr>
+          <p:spPr>
+            <a:xfrm>
+              <a:off x="180829" y="5728"/>
+              <a:ext cx="492167" cy="239271"/>
+            </a:xfrm>
+            <a:prstGeom prst="rect">
+              <a:avLst/>
+            </a:prstGeom>
+            <a:noFill/>
+            <a:ln w="12700" cap="flat">
+              <a:noFill/>
+              <a:miter lim="400000"/>
+            </a:ln>
+            <a:effectLst/>
+            <a:extLst>
+              <a:ext uri="{C572A759-6A51-4108-AA02-DFA0A04FC94B}">
+                <ma14:wrappingTextBoxFlag xmlns:ma14="http://schemas.microsoft.com/office/mac/drawingml/2011/main" val="1"/>
+              </a:ext>
+            </a:extLst>
+          </p:spPr>
+          <p:txBody>
+            <a:bodyPr wrap="square" lIns="45719" tIns="45719" rIns="45719" bIns="45719" numCol="1" anchor="t">
+              <a:spAutoFit/>
+            </a:bodyPr>
+            <a:lstStyle>
+              <a:lvl1pPr>
+                <a:defRPr b="1" sz="1100">
+                  <a:solidFill>
+                    <a:schemeClr val="accent1">
+                      <a:satOff val="-19091"/>
+                      <a:lumOff val="-11921"/>
+                    </a:schemeClr>
+                  </a:solidFill>
+                </a:defRPr>
+              </a:lvl1pPr>
+            </a:lstStyle>
+            <a:p>
+              <a:pPr/>
+              <a:r>
+                <a:t>{Q1}</a:t>
+              </a:r>
+            </a:p>
+          </p:txBody>
+        </p:sp>
+        <p:sp>
+          <p:nvSpPr>
+            <p:cNvPr id="719" name="Text Box 28"/>
+            <p:cNvSpPr txBox="1"/>
+            <p:nvPr/>
+          </p:nvSpPr>
+          <p:spPr>
+            <a:xfrm>
+              <a:off x="533162" y="234328"/>
+              <a:ext cx="492167" cy="239271"/>
+            </a:xfrm>
+            <a:prstGeom prst="rect">
+              <a:avLst/>
+            </a:prstGeom>
+            <a:noFill/>
+            <a:ln w="12700" cap="flat">
+              <a:noFill/>
+              <a:miter lim="400000"/>
+            </a:ln>
+            <a:effectLst/>
+            <a:extLst>
+              <a:ext uri="{C572A759-6A51-4108-AA02-DFA0A04FC94B}">
+                <ma14:wrappingTextBoxFlag xmlns:ma14="http://schemas.microsoft.com/office/mac/drawingml/2011/main" val="1"/>
+              </a:ext>
+            </a:extLst>
+          </p:spPr>
+          <p:txBody>
+            <a:bodyPr wrap="square" lIns="45719" tIns="45719" rIns="45719" bIns="45719" numCol="1" anchor="t">
+              <a:spAutoFit/>
+            </a:bodyPr>
+            <a:lstStyle>
+              <a:lvl1pPr>
+                <a:defRPr b="1" sz="1100">
+                  <a:solidFill>
+                    <a:schemeClr val="accent1">
+                      <a:satOff val="-19091"/>
+                      <a:lumOff val="-11921"/>
+                    </a:schemeClr>
+                  </a:solidFill>
+                </a:defRPr>
+              </a:lvl1pPr>
+            </a:lstStyle>
+            <a:p>
+              <a:pPr/>
+              <a:r>
+                <a:t>{Q2}</a:t>
+              </a:r>
+            </a:p>
+          </p:txBody>
+        </p:sp>
+        <p:sp>
+          <p:nvSpPr>
+            <p:cNvPr id="720" name="Text Box 28"/>
+            <p:cNvSpPr txBox="1"/>
+            <p:nvPr/>
+          </p:nvSpPr>
+          <p:spPr>
+            <a:xfrm>
+              <a:off x="896133" y="608814"/>
+              <a:ext cx="492167" cy="239271"/>
+            </a:xfrm>
+            <a:prstGeom prst="rect">
+              <a:avLst/>
+            </a:prstGeom>
+            <a:noFill/>
+            <a:ln w="12700" cap="flat">
+              <a:noFill/>
+              <a:miter lim="400000"/>
+            </a:ln>
+            <a:effectLst/>
+            <a:extLst>
+              <a:ext uri="{C572A759-6A51-4108-AA02-DFA0A04FC94B}">
+                <ma14:wrappingTextBoxFlag xmlns:ma14="http://schemas.microsoft.com/office/mac/drawingml/2011/main" val="1"/>
+              </a:ext>
+            </a:extLst>
+          </p:spPr>
+          <p:txBody>
+            <a:bodyPr wrap="square" lIns="45719" tIns="45719" rIns="45719" bIns="45719" numCol="1" anchor="t">
+              <a:spAutoFit/>
+            </a:bodyPr>
+            <a:lstStyle>
+              <a:lvl1pPr>
+                <a:defRPr b="1" sz="1100">
+                  <a:solidFill>
+                    <a:schemeClr val="accent1">
+                      <a:satOff val="-19091"/>
+                      <a:lumOff val="-11921"/>
+                    </a:schemeClr>
+                  </a:solidFill>
+                </a:defRPr>
+              </a:lvl1pPr>
+            </a:lstStyle>
+            <a:p>
+              <a:pPr/>
+              <a:r>
+                <a:t>{Q3}</a:t>
+              </a:r>
+            </a:p>
+          </p:txBody>
+        </p:sp>
+      </p:grpSp>
+      <p:grpSp>
+        <p:nvGrpSpPr>
+          <p:cNvPr id="733" name="群組"/>
+          <p:cNvGrpSpPr/>
+          <p:nvPr/>
+        </p:nvGrpSpPr>
+        <p:grpSpPr>
+          <a:xfrm>
+            <a:off x="5966979" y="2525260"/>
+            <a:ext cx="2642943" cy="1271835"/>
+            <a:chOff x="0" y="0"/>
+            <a:chExt cx="2642942" cy="1271834"/>
+          </a:xfrm>
+        </p:grpSpPr>
+        <p:sp>
+          <p:nvSpPr>
+            <p:cNvPr id="722" name="線條"/>
+            <p:cNvSpPr/>
+            <p:nvPr/>
+          </p:nvSpPr>
+          <p:spPr>
+            <a:xfrm>
+              <a:off x="0" y="664659"/>
+              <a:ext cx="674982" cy="1"/>
+            </a:xfrm>
+            <a:prstGeom prst="line">
+              <a:avLst/>
+            </a:prstGeom>
+            <a:noFill/>
+            <a:ln w="50800" cap="flat">
+              <a:solidFill>
+                <a:schemeClr val="accent1">
+                  <a:satOff val="-19091"/>
+                  <a:lumOff val="-11921"/>
+                </a:schemeClr>
+              </a:solidFill>
+              <a:prstDash val="solid"/>
+              <a:miter lim="800000"/>
+              <a:tailEnd type="triangle" w="med" len="med"/>
+            </a:ln>
+            <a:effectLst/>
+          </p:spPr>
+          <p:txBody>
+            <a:bodyPr wrap="square" lIns="0" tIns="0" rIns="0" bIns="0" numCol="1" anchor="t">
+              <a:noAutofit/>
+            </a:bodyPr>
+            <a:lstStyle/>
+            <a:p>
+              <a:pPr/>
+            </a:p>
+          </p:txBody>
+        </p:sp>
+        <p:sp>
+          <p:nvSpPr>
+            <p:cNvPr id="723" name="Equal 33"/>
+            <p:cNvSpPr/>
+            <p:nvPr/>
+          </p:nvSpPr>
+          <p:spPr>
+            <a:xfrm>
+              <a:off x="894346" y="580839"/>
+              <a:ext cx="250069" cy="167641"/>
+            </a:xfrm>
+            <a:custGeom>
+              <a:avLst/>
+              <a:gdLst/>
+              <a:ahLst/>
+              <a:cxnLst>
+                <a:cxn ang="0">
+                  <a:pos x="wd2" y="hd2"/>
+                </a:cxn>
+                <a:cxn ang="5400000">
+                  <a:pos x="wd2" y="hd2"/>
+                </a:cxn>
+                <a:cxn ang="10800000">
+                  <a:pos x="wd2" y="hd2"/>
+                </a:cxn>
+                <a:cxn ang="16200000">
+                  <a:pos x="wd2" y="hd2"/>
+                </a:cxn>
+              </a:cxnLst>
+              <a:rect l="0" t="0" r="r" b="b"/>
+              <a:pathLst>
+                <a:path w="21600" h="21600" fill="norm" stroke="1" extrusionOk="0">
+                  <a:moveTo>
+                    <a:pt x="0" y="0"/>
+                  </a:moveTo>
+                  <a:lnTo>
+                    <a:pt x="21600" y="0"/>
+                  </a:lnTo>
+                  <a:lnTo>
+                    <a:pt x="21600" y="6487"/>
+                  </a:lnTo>
+                  <a:lnTo>
+                    <a:pt x="0" y="6487"/>
+                  </a:lnTo>
+                  <a:close/>
+                  <a:moveTo>
+                    <a:pt x="0" y="15113"/>
+                  </a:moveTo>
+                  <a:lnTo>
+                    <a:pt x="21600" y="15113"/>
+                  </a:lnTo>
+                  <a:lnTo>
+                    <a:pt x="21600" y="21600"/>
+                  </a:lnTo>
+                  <a:lnTo>
+                    <a:pt x="0" y="21600"/>
+                  </a:lnTo>
+                  <a:close/>
+                </a:path>
+              </a:pathLst>
+            </a:custGeom>
+            <a:solidFill>
+              <a:srgbClr val="C00000"/>
+            </a:solidFill>
+            <a:ln w="12700" cap="flat">
+              <a:noFill/>
+              <a:miter lim="400000"/>
+            </a:ln>
+            <a:effectLst/>
+          </p:spPr>
+          <p:txBody>
+            <a:bodyPr wrap="square" lIns="0" tIns="0" rIns="0" bIns="0" numCol="1" anchor="ctr">
+              <a:noAutofit/>
+            </a:bodyPr>
+            <a:lstStyle/>
+            <a:p>
+              <a:pPr algn="ctr"/>
+            </a:p>
+          </p:txBody>
+        </p:sp>
+        <p:sp>
+          <p:nvSpPr>
+            <p:cNvPr id="724" name="Straight Connector 27"/>
+            <p:cNvSpPr/>
+            <p:nvPr/>
+          </p:nvSpPr>
+          <p:spPr>
+            <a:xfrm>
+              <a:off x="1757664" y="474117"/>
+              <a:ext cx="601981" cy="1"/>
+            </a:xfrm>
+            <a:prstGeom prst="line">
+              <a:avLst/>
+            </a:prstGeom>
+            <a:noFill/>
+            <a:ln w="38100" cap="flat">
+              <a:solidFill>
+                <a:schemeClr val="accent1">
+                  <a:satOff val="-19091"/>
+                  <a:lumOff val="-11921"/>
+                </a:schemeClr>
+              </a:solidFill>
+              <a:prstDash val="solid"/>
+              <a:miter lim="800000"/>
+            </a:ln>
+            <a:effectLst/>
+          </p:spPr>
+          <p:txBody>
+            <a:bodyPr wrap="square" lIns="0" tIns="0" rIns="0" bIns="0" numCol="1" anchor="t">
+              <a:noAutofit/>
+            </a:bodyPr>
+            <a:lstStyle/>
+            <a:p>
+              <a:pPr/>
+            </a:p>
+          </p:txBody>
+        </p:sp>
+        <p:sp>
+          <p:nvSpPr>
+            <p:cNvPr id="725" name="Straight Connector 27"/>
+            <p:cNvSpPr/>
+            <p:nvPr/>
+          </p:nvSpPr>
+          <p:spPr>
+            <a:xfrm>
+              <a:off x="1757664" y="677151"/>
+              <a:ext cx="601981" cy="1"/>
+            </a:xfrm>
+            <a:prstGeom prst="line">
+              <a:avLst/>
+            </a:prstGeom>
+            <a:noFill/>
+            <a:ln w="38100" cap="flat">
+              <a:solidFill>
+                <a:schemeClr val="accent1">
+                  <a:satOff val="-19091"/>
+                  <a:lumOff val="-11921"/>
+                </a:schemeClr>
+              </a:solidFill>
+              <a:prstDash val="solid"/>
+              <a:miter lim="800000"/>
+            </a:ln>
+            <a:effectLst/>
+          </p:spPr>
+          <p:txBody>
+            <a:bodyPr wrap="square" lIns="0" tIns="0" rIns="0" bIns="0" numCol="1" anchor="t">
+              <a:noAutofit/>
+            </a:bodyPr>
+            <a:lstStyle/>
+            <a:p>
+              <a:pPr/>
+            </a:p>
+          </p:txBody>
+        </p:sp>
+        <p:sp>
+          <p:nvSpPr>
+            <p:cNvPr id="726" name="Straight Connector 27"/>
+            <p:cNvSpPr/>
+            <p:nvPr/>
+          </p:nvSpPr>
+          <p:spPr>
+            <a:xfrm>
+              <a:off x="1757664" y="880185"/>
+              <a:ext cx="601981" cy="1"/>
+            </a:xfrm>
+            <a:prstGeom prst="line">
+              <a:avLst/>
+            </a:prstGeom>
+            <a:noFill/>
+            <a:ln w="38100" cap="flat">
+              <a:solidFill>
+                <a:schemeClr val="accent1">
+                  <a:satOff val="-19091"/>
+                  <a:lumOff val="-11921"/>
+                </a:schemeClr>
+              </a:solidFill>
+              <a:prstDash val="solid"/>
+              <a:miter lim="800000"/>
+            </a:ln>
+            <a:effectLst/>
+          </p:spPr>
+          <p:txBody>
+            <a:bodyPr wrap="square" lIns="0" tIns="0" rIns="0" bIns="0" numCol="1" anchor="t">
+              <a:noAutofit/>
+            </a:bodyPr>
+            <a:lstStyle/>
+            <a:p>
+              <a:pPr/>
+            </a:p>
+          </p:txBody>
+        </p:sp>
+        <p:sp>
+          <p:nvSpPr>
+            <p:cNvPr id="727" name="Straight Connector 27"/>
+            <p:cNvSpPr/>
+            <p:nvPr/>
+          </p:nvSpPr>
+          <p:spPr>
+            <a:xfrm>
+              <a:off x="2058653" y="0"/>
+              <a:ext cx="1" cy="377135"/>
+            </a:xfrm>
+            <a:prstGeom prst="line">
+              <a:avLst/>
+            </a:prstGeom>
+            <a:noFill/>
+            <a:ln w="38100" cap="rnd">
+              <a:solidFill>
+                <a:schemeClr val="accent1">
+                  <a:satOff val="-19091"/>
+                  <a:lumOff val="-11921"/>
+                </a:schemeClr>
+              </a:solidFill>
+              <a:custDash>
+                <a:ds d="100000" sp="200000"/>
+              </a:custDash>
+              <a:round/>
+            </a:ln>
+            <a:effectLst/>
+          </p:spPr>
+          <p:txBody>
+            <a:bodyPr wrap="square" lIns="0" tIns="0" rIns="0" bIns="0" numCol="1" anchor="t">
+              <a:noAutofit/>
+            </a:bodyPr>
+            <a:lstStyle/>
+            <a:p>
+              <a:pPr/>
+            </a:p>
+          </p:txBody>
+        </p:sp>
+        <p:sp>
+          <p:nvSpPr>
+            <p:cNvPr id="728" name="三角形"/>
+            <p:cNvSpPr/>
+            <p:nvPr/>
+          </p:nvSpPr>
+          <p:spPr>
+            <a:xfrm rot="5394855">
+              <a:off x="2456353" y="574470"/>
+              <a:ext cx="192801" cy="180090"/>
+            </a:xfrm>
+            <a:custGeom>
+              <a:avLst/>
+              <a:gdLst/>
+              <a:ahLst/>
+              <a:cxnLst>
+                <a:cxn ang="0">
+                  <a:pos x="wd2" y="hd2"/>
+                </a:cxn>
+                <a:cxn ang="5400000">
+                  <a:pos x="wd2" y="hd2"/>
+                </a:cxn>
+                <a:cxn ang="10800000">
+                  <a:pos x="wd2" y="hd2"/>
+                </a:cxn>
+                <a:cxn ang="16200000">
+                  <a:pos x="wd2" y="hd2"/>
+                </a:cxn>
+              </a:cxnLst>
+              <a:rect l="0" t="0" r="r" b="b"/>
+              <a:pathLst>
+                <a:path w="21600" h="21600" fill="norm" stroke="1" extrusionOk="0">
+                  <a:moveTo>
+                    <a:pt x="10800" y="0"/>
+                  </a:moveTo>
+                  <a:lnTo>
+                    <a:pt x="21600" y="21600"/>
+                  </a:lnTo>
+                  <a:lnTo>
+                    <a:pt x="0" y="21600"/>
+                  </a:lnTo>
+                  <a:close/>
+                </a:path>
+              </a:pathLst>
+            </a:custGeom>
+            <a:solidFill>
+              <a:schemeClr val="accent1">
+                <a:satOff val="-19091"/>
+                <a:lumOff val="-11921"/>
+              </a:schemeClr>
+            </a:solidFill>
+            <a:ln w="12700" cap="flat">
+              <a:solidFill>
+                <a:schemeClr val="accent1">
+                  <a:satOff val="-19091"/>
+                  <a:lumOff val="-11921"/>
+                </a:schemeClr>
+              </a:solidFill>
+              <a:prstDash val="solid"/>
+              <a:miter lim="800000"/>
+            </a:ln>
+            <a:effectLst/>
+          </p:spPr>
+          <p:txBody>
+            <a:bodyPr wrap="square" lIns="0" tIns="0" rIns="0" bIns="0" numCol="1" anchor="t">
+              <a:noAutofit/>
+            </a:bodyPr>
+            <a:lstStyle/>
+            <a:p>
+              <a:pPr>
+                <a:defRPr>
+                  <a:solidFill>
+                    <a:schemeClr val="accent1">
+                      <a:satOff val="-19091"/>
+                      <a:lumOff val="-11921"/>
+                    </a:schemeClr>
+                  </a:solidFill>
+                </a:defRPr>
+              </a:pPr>
+            </a:p>
+          </p:txBody>
+        </p:sp>
+        <p:sp>
+          <p:nvSpPr>
+            <p:cNvPr id="729" name="Text Box 28"/>
+            <p:cNvSpPr txBox="1"/>
+            <p:nvPr/>
+          </p:nvSpPr>
+          <p:spPr>
+            <a:xfrm>
+              <a:off x="1362512" y="341990"/>
+              <a:ext cx="492167" cy="239271"/>
+            </a:xfrm>
+            <a:prstGeom prst="rect">
+              <a:avLst/>
+            </a:prstGeom>
+            <a:noFill/>
+            <a:ln w="12700" cap="flat">
+              <a:noFill/>
+              <a:miter lim="400000"/>
+            </a:ln>
+            <a:effectLst/>
+            <a:extLst>
+              <a:ext uri="{C572A759-6A51-4108-AA02-DFA0A04FC94B}">
+                <ma14:wrappingTextBoxFlag xmlns:ma14="http://schemas.microsoft.com/office/mac/drawingml/2011/main" val="1"/>
+              </a:ext>
+            </a:extLst>
+          </p:spPr>
+          <p:txBody>
+            <a:bodyPr wrap="square" lIns="45719" tIns="45719" rIns="45719" bIns="45719" numCol="1" anchor="t">
+              <a:spAutoFit/>
+            </a:bodyPr>
+            <a:lstStyle>
+              <a:lvl1pPr>
+                <a:defRPr b="1" sz="1100">
+                  <a:solidFill>
+                    <a:schemeClr val="accent1">
+                      <a:satOff val="-19091"/>
+                      <a:lumOff val="-11921"/>
+                    </a:schemeClr>
+                  </a:solidFill>
+                </a:defRPr>
+              </a:lvl1pPr>
+            </a:lstStyle>
+            <a:p>
+              <a:pPr/>
+              <a:r>
+                <a:t>{Q1}</a:t>
+              </a:r>
+            </a:p>
+          </p:txBody>
+        </p:sp>
+        <p:sp>
+          <p:nvSpPr>
+            <p:cNvPr id="730" name="Text Box 28"/>
+            <p:cNvSpPr txBox="1"/>
+            <p:nvPr/>
+          </p:nvSpPr>
+          <p:spPr>
+            <a:xfrm>
+              <a:off x="1362512" y="545024"/>
+              <a:ext cx="492167" cy="239270"/>
+            </a:xfrm>
+            <a:prstGeom prst="rect">
+              <a:avLst/>
+            </a:prstGeom>
+            <a:noFill/>
+            <a:ln w="12700" cap="flat">
+              <a:noFill/>
+              <a:miter lim="400000"/>
+            </a:ln>
+            <a:effectLst/>
+            <a:extLst>
+              <a:ext uri="{C572A759-6A51-4108-AA02-DFA0A04FC94B}">
+                <ma14:wrappingTextBoxFlag xmlns:ma14="http://schemas.microsoft.com/office/mac/drawingml/2011/main" val="1"/>
+              </a:ext>
+            </a:extLst>
+          </p:spPr>
+          <p:txBody>
+            <a:bodyPr wrap="square" lIns="45719" tIns="45719" rIns="45719" bIns="45719" numCol="1" anchor="t">
+              <a:spAutoFit/>
+            </a:bodyPr>
+            <a:lstStyle>
+              <a:lvl1pPr>
+                <a:defRPr b="1" sz="1100">
+                  <a:solidFill>
+                    <a:schemeClr val="accent1">
+                      <a:satOff val="-19091"/>
+                      <a:lumOff val="-11921"/>
+                    </a:schemeClr>
+                  </a:solidFill>
+                </a:defRPr>
+              </a:lvl1pPr>
+            </a:lstStyle>
+            <a:p>
+              <a:pPr/>
+              <a:r>
+                <a:t>{Q2}</a:t>
+              </a:r>
+            </a:p>
+          </p:txBody>
+        </p:sp>
+        <p:sp>
+          <p:nvSpPr>
+            <p:cNvPr id="731" name="Text Box 28"/>
+            <p:cNvSpPr txBox="1"/>
+            <p:nvPr/>
+          </p:nvSpPr>
+          <p:spPr>
+            <a:xfrm>
+              <a:off x="1362512" y="748123"/>
+              <a:ext cx="492167" cy="239271"/>
+            </a:xfrm>
+            <a:prstGeom prst="rect">
+              <a:avLst/>
+            </a:prstGeom>
+            <a:noFill/>
+            <a:ln w="12700" cap="flat">
+              <a:noFill/>
+              <a:miter lim="400000"/>
+            </a:ln>
+            <a:effectLst/>
+            <a:extLst>
+              <a:ext uri="{C572A759-6A51-4108-AA02-DFA0A04FC94B}">
+                <ma14:wrappingTextBoxFlag xmlns:ma14="http://schemas.microsoft.com/office/mac/drawingml/2011/main" val="1"/>
+              </a:ext>
+            </a:extLst>
+          </p:spPr>
+          <p:txBody>
+            <a:bodyPr wrap="square" lIns="45719" tIns="45719" rIns="45719" bIns="45719" numCol="1" anchor="t">
+              <a:spAutoFit/>
+            </a:bodyPr>
+            <a:lstStyle>
+              <a:lvl1pPr>
+                <a:defRPr b="1" sz="1100">
+                  <a:solidFill>
+                    <a:schemeClr val="accent1">
+                      <a:satOff val="-19091"/>
+                      <a:lumOff val="-11921"/>
+                    </a:schemeClr>
+                  </a:solidFill>
+                </a:defRPr>
+              </a:lvl1pPr>
+            </a:lstStyle>
+            <a:p>
+              <a:pPr/>
+              <a:r>
+                <a:t>{Q3}</a:t>
+              </a:r>
+            </a:p>
+          </p:txBody>
+        </p:sp>
+        <p:sp>
+          <p:nvSpPr>
+            <p:cNvPr id="732" name="Straight Connector 27"/>
+            <p:cNvSpPr/>
+            <p:nvPr/>
+          </p:nvSpPr>
+          <p:spPr>
+            <a:xfrm>
+              <a:off x="2058653" y="894699"/>
+              <a:ext cx="1" cy="377136"/>
+            </a:xfrm>
+            <a:prstGeom prst="line">
+              <a:avLst/>
+            </a:prstGeom>
+            <a:noFill/>
+            <a:ln w="38100" cap="rnd">
+              <a:solidFill>
+                <a:schemeClr val="accent1">
+                  <a:satOff val="-19091"/>
+                  <a:lumOff val="-11921"/>
+                </a:schemeClr>
+              </a:solidFill>
+              <a:custDash>
+                <a:ds d="100000" sp="200000"/>
+              </a:custDash>
+              <a:round/>
+            </a:ln>
+            <a:effectLst/>
+          </p:spPr>
+          <p:txBody>
+            <a:bodyPr wrap="square" lIns="0" tIns="0" rIns="0" bIns="0" numCol="1" anchor="t">
+              <a:noAutofit/>
+            </a:bodyPr>
+            <a:lstStyle/>
+            <a:p>
+              <a:pPr/>
+            </a:p>
+          </p:txBody>
+        </p:sp>
+      </p:grpSp>
+      <p:sp>
+        <p:nvSpPr>
+          <p:cNvPr id="734" name="Equal 33"/>
+          <p:cNvSpPr/>
+          <p:nvPr/>
+        </p:nvSpPr>
+        <p:spPr>
+          <a:xfrm>
+            <a:off x="3603551" y="3077357"/>
+            <a:ext cx="250068" cy="167641"/>
+          </a:xfrm>
+          <a:custGeom>
+            <a:avLst/>
+            <a:gdLst/>
+            <a:ahLst/>
+            <a:cxnLst>
+              <a:cxn ang="0">
+                <a:pos x="wd2" y="hd2"/>
+              </a:cxn>
+              <a:cxn ang="5400000">
+                <a:pos x="wd2" y="hd2"/>
+              </a:cxn>
+              <a:cxn ang="10800000">
+                <a:pos x="wd2" y="hd2"/>
+              </a:cxn>
+              <a:cxn ang="16200000">
+                <a:pos x="wd2" y="hd2"/>
+              </a:cxn>
+            </a:cxnLst>
+            <a:rect l="0" t="0" r="r" b="b"/>
+            <a:pathLst>
+              <a:path w="21600" h="21600" fill="norm" stroke="1" extrusionOk="0">
+                <a:moveTo>
+                  <a:pt x="0" y="0"/>
+                </a:moveTo>
+                <a:lnTo>
+                  <a:pt x="21600" y="0"/>
+                </a:lnTo>
+                <a:lnTo>
+                  <a:pt x="21600" y="6487"/>
+                </a:lnTo>
+                <a:lnTo>
+                  <a:pt x="0" y="6487"/>
+                </a:lnTo>
+                <a:close/>
+                <a:moveTo>
+                  <a:pt x="0" y="15113"/>
+                </a:moveTo>
+                <a:lnTo>
+                  <a:pt x="21600" y="15113"/>
+                </a:lnTo>
+                <a:lnTo>
+                  <a:pt x="21600" y="21600"/>
+                </a:lnTo>
+                <a:lnTo>
+                  <a:pt x="0" y="21600"/>
+                </a:lnTo>
+                <a:close/>
+              </a:path>
+            </a:pathLst>
+          </a:custGeom>
+          <a:solidFill>
+            <a:srgbClr val="C00000"/>
+          </a:solidFill>
+          <a:ln w="12700">
+            <a:miter lim="400000"/>
+          </a:ln>
+        </p:spPr>
+        <p:txBody>
+          <a:bodyPr lIns="0" tIns="0" rIns="0" bIns="0" anchor="ctr"/>
+          <a:lstStyle/>
+          <a:p>
+            <a:pPr algn="ctr"/>
+          </a:p>
+        </p:txBody>
+      </p:sp>
+      <p:sp>
+        <p:nvSpPr>
+          <p:cNvPr id="735" name="Straight Connector 27"/>
+          <p:cNvSpPr/>
+          <p:nvPr/>
+        </p:nvSpPr>
+        <p:spPr>
+          <a:xfrm>
+            <a:off x="4466868" y="2970636"/>
+            <a:ext cx="601981" cy="1"/>
+          </a:xfrm>
+          <a:prstGeom prst="line">
+            <a:avLst/>
+          </a:prstGeom>
+          <a:ln w="38100">
+            <a:solidFill>
+              <a:srgbClr val="535353"/>
+            </a:solidFill>
+            <a:miter/>
+          </a:ln>
+        </p:spPr>
+        <p:txBody>
+          <a:bodyPr lIns="0" tIns="0" rIns="0" bIns="0"/>
+          <a:lstStyle/>
+          <a:p>
+            <a:pPr/>
+          </a:p>
+        </p:txBody>
+      </p:sp>
+      <p:sp>
+        <p:nvSpPr>
+          <p:cNvPr id="736" name="Straight Connector 27"/>
+          <p:cNvSpPr/>
+          <p:nvPr/>
+        </p:nvSpPr>
+        <p:spPr>
+          <a:xfrm>
+            <a:off x="4466868" y="3173669"/>
+            <a:ext cx="601981" cy="1"/>
+          </a:xfrm>
+          <a:prstGeom prst="line">
+            <a:avLst/>
+          </a:prstGeom>
+          <a:ln w="38100">
+            <a:solidFill>
+              <a:srgbClr val="535353"/>
+            </a:solidFill>
+            <a:miter/>
+          </a:ln>
+        </p:spPr>
+        <p:txBody>
+          <a:bodyPr lIns="0" tIns="0" rIns="0" bIns="0"/>
+          <a:lstStyle/>
+          <a:p>
+            <a:pPr/>
+          </a:p>
+        </p:txBody>
+      </p:sp>
+      <p:sp>
+        <p:nvSpPr>
+          <p:cNvPr id="737" name="Straight Connector 27"/>
+          <p:cNvSpPr/>
+          <p:nvPr/>
+        </p:nvSpPr>
+        <p:spPr>
+          <a:xfrm>
+            <a:off x="4466868" y="3376703"/>
+            <a:ext cx="601981" cy="1"/>
+          </a:xfrm>
+          <a:prstGeom prst="line">
+            <a:avLst/>
+          </a:prstGeom>
+          <a:ln w="38100">
+            <a:solidFill>
+              <a:srgbClr val="535353"/>
+            </a:solidFill>
+            <a:miter/>
+          </a:ln>
+        </p:spPr>
+        <p:txBody>
+          <a:bodyPr lIns="0" tIns="0" rIns="0" bIns="0"/>
+          <a:lstStyle/>
+          <a:p>
+            <a:pPr/>
+          </a:p>
+        </p:txBody>
+      </p:sp>
+      <p:sp>
+        <p:nvSpPr>
+          <p:cNvPr id="738" name="Straight Connector 27"/>
+          <p:cNvSpPr/>
+          <p:nvPr/>
+        </p:nvSpPr>
+        <p:spPr>
+          <a:xfrm>
+            <a:off x="4767858" y="2496518"/>
+            <a:ext cx="1" cy="377136"/>
+          </a:xfrm>
+          <a:prstGeom prst="line">
+            <a:avLst/>
+          </a:prstGeom>
+          <a:ln w="38100" cap="rnd">
+            <a:solidFill>
+              <a:srgbClr val="535353"/>
+            </a:solidFill>
+            <a:custDash>
+              <a:ds d="100000" sp="200000"/>
+            </a:custDash>
+          </a:ln>
+        </p:spPr>
+        <p:txBody>
+          <a:bodyPr lIns="0" tIns="0" rIns="0" bIns="0"/>
+          <a:lstStyle/>
+          <a:p>
+            <a:pPr/>
+          </a:p>
+        </p:txBody>
+      </p:sp>
+      <p:sp>
+        <p:nvSpPr>
+          <p:cNvPr id="739" name="三角形"/>
+          <p:cNvSpPr/>
+          <p:nvPr/>
+        </p:nvSpPr>
+        <p:spPr>
+          <a:xfrm rot="5394855">
+            <a:off x="5165558" y="3070988"/>
+            <a:ext cx="192801" cy="180091"/>
+          </a:xfrm>
+          <a:custGeom>
+            <a:avLst/>
+            <a:gdLst/>
+            <a:ahLst/>
+            <a:cxnLst>
+              <a:cxn ang="0">
+                <a:pos x="wd2" y="hd2"/>
+              </a:cxn>
+              <a:cxn ang="5400000">
+                <a:pos x="wd2" y="hd2"/>
+              </a:cxn>
+              <a:cxn ang="10800000">
+                <a:pos x="wd2" y="hd2"/>
+              </a:cxn>
+              <a:cxn ang="16200000">
+                <a:pos x="wd2" y="hd2"/>
+              </a:cxn>
+            </a:cxnLst>
+            <a:rect l="0" t="0" r="r" b="b"/>
+            <a:pathLst>
+              <a:path w="21600" h="21600" fill="norm" stroke="1" extrusionOk="0">
+                <a:moveTo>
+                  <a:pt x="10800" y="0"/>
+                </a:moveTo>
+                <a:lnTo>
+                  <a:pt x="21600" y="21600"/>
+                </a:lnTo>
+                <a:lnTo>
+                  <a:pt x="0" y="21600"/>
+                </a:lnTo>
+                <a:close/>
+              </a:path>
+            </a:pathLst>
+          </a:custGeom>
           <a:solidFill>
             <a:srgbClr val="535353"/>
           </a:solidFill>
           <a:ln w="12700">
             <a:solidFill>
-              <a:srgbClr val="42719B"/>
+              <a:srgbClr val="535353"/>
             </a:solidFill>
             <a:miter/>
           </a:ln>
         </p:spPr>
         <p:txBody>
-          <a:bodyPr lIns="0" tIns="0" rIns="0" bIns="0" anchor="ctr"/>
-          <a:lstStyle/>
-          <a:p>
-            <a:pPr algn="ctr">
+          <a:bodyPr lIns="0" tIns="0" rIns="0" bIns="0"/>
+          <a:lstStyle/>
+          <a:p>
+            <a:pPr>
               <a:defRPr>
                 <a:solidFill>
-                  <a:srgbClr val="FFFFFF"/>
+                  <a:srgbClr val="535353"/>
                 </a:solidFill>
               </a:defRPr>
             </a:pPr>
@@ -14704,128 +19656,14 @@
       </p:sp>
       <p:sp>
         <p:nvSpPr>
-          <p:cNvPr id="614" name="Oval 13"/>
-          <p:cNvSpPr/>
-          <p:nvPr/>
-        </p:nvSpPr>
-        <p:spPr>
-          <a:xfrm>
-            <a:off x="3801109" y="3987893"/>
-            <a:ext cx="582978" cy="585522"/>
-          </a:xfrm>
-          <a:prstGeom prst="ellipse">
-            <a:avLst/>
-          </a:prstGeom>
-          <a:solidFill>
-            <a:srgbClr val="535353"/>
-          </a:solidFill>
-          <a:ln w="12700">
-            <a:solidFill>
-              <a:srgbClr val="42719B"/>
-            </a:solidFill>
-            <a:miter/>
-          </a:ln>
-        </p:spPr>
-        <p:txBody>
-          <a:bodyPr lIns="0" tIns="0" rIns="0" bIns="0" anchor="ctr"/>
-          <a:lstStyle/>
-          <a:p>
-            <a:pPr algn="ctr">
-              <a:defRPr>
-                <a:solidFill>
-                  <a:srgbClr val="FFFFFF"/>
-                </a:solidFill>
-              </a:defRPr>
-            </a:pPr>
-          </a:p>
-        </p:txBody>
-      </p:sp>
-      <p:sp>
-        <p:nvSpPr>
-          <p:cNvPr id="615" name="Oval 13"/>
-          <p:cNvSpPr/>
-          <p:nvPr/>
-        </p:nvSpPr>
-        <p:spPr>
-          <a:xfrm>
-            <a:off x="4639309" y="3467193"/>
-            <a:ext cx="582978" cy="585522"/>
-          </a:xfrm>
-          <a:prstGeom prst="ellipse">
-            <a:avLst/>
-          </a:prstGeom>
-          <a:solidFill>
-            <a:srgbClr val="535353"/>
-          </a:solidFill>
-          <a:ln w="12700">
-            <a:solidFill>
-              <a:srgbClr val="42719B"/>
-            </a:solidFill>
-            <a:miter/>
-          </a:ln>
-        </p:spPr>
-        <p:txBody>
-          <a:bodyPr lIns="0" tIns="0" rIns="0" bIns="0" anchor="ctr"/>
-          <a:lstStyle/>
-          <a:p>
-            <a:pPr algn="ctr">
-              <a:defRPr>
-                <a:solidFill>
-                  <a:srgbClr val="FFFFFF"/>
-                </a:solidFill>
-              </a:defRPr>
-            </a:pPr>
-          </a:p>
-        </p:txBody>
-      </p:sp>
-      <p:sp>
-        <p:nvSpPr>
-          <p:cNvPr id="616" name="Oval 13"/>
-          <p:cNvSpPr/>
-          <p:nvPr/>
-        </p:nvSpPr>
-        <p:spPr>
-          <a:xfrm>
-            <a:off x="5414009" y="2870293"/>
-            <a:ext cx="582978" cy="585522"/>
-          </a:xfrm>
-          <a:prstGeom prst="ellipse">
-            <a:avLst/>
-          </a:prstGeom>
-          <a:solidFill>
-            <a:srgbClr val="535353"/>
-          </a:solidFill>
-          <a:ln w="12700">
-            <a:solidFill>
-              <a:srgbClr val="42719B"/>
-            </a:solidFill>
-            <a:miter/>
-          </a:ln>
-        </p:spPr>
-        <p:txBody>
-          <a:bodyPr lIns="0" tIns="0" rIns="0" bIns="0" anchor="ctr"/>
-          <a:lstStyle/>
-          <a:p>
-            <a:pPr algn="ctr">
-              <a:defRPr>
-                <a:solidFill>
-                  <a:srgbClr val="FFFFFF"/>
-                </a:solidFill>
-              </a:defRPr>
-            </a:pPr>
-          </a:p>
-        </p:txBody>
-      </p:sp>
-      <p:sp>
-        <p:nvSpPr>
-          <p:cNvPr id="617" name="w"/>
+          <p:cNvPr id="740" name="Text Box 28"/>
           <p:cNvSpPr txBox="1"/>
           <p:nvPr/>
         </p:nvSpPr>
         <p:spPr>
           <a:xfrm>
-            <a:off x="4181504" y="2855643"/>
-            <a:ext cx="177789" cy="259223"/>
+            <a:off x="4071716" y="2838508"/>
+            <a:ext cx="492167" cy="239271"/>
           </a:xfrm>
           <a:prstGeom prst="rect">
             <a:avLst/>
@@ -14840,408 +19678,12 @@
           </a:extLst>
         </p:spPr>
         <p:txBody>
-          <a:bodyPr wrap="none" lIns="0" tIns="0" rIns="0" bIns="0">
+          <a:bodyPr lIns="45719" rIns="45719">
             <a:spAutoFit/>
           </a:bodyPr>
           <a:lstStyle>
             <a:lvl1pPr>
-              <a:defRPr>
-                <a:solidFill>
-                  <a:srgbClr val="FFFFFF"/>
-                </a:solidFill>
-              </a:defRPr>
-            </a:lvl1pPr>
-          </a:lstStyle>
-          <a:p>
-            <a:pPr/>
-            <a:r>
-              <a:t>w</a:t>
-            </a:r>
-          </a:p>
-        </p:txBody>
-      </p:sp>
-      <p:sp>
-        <p:nvSpPr>
-          <p:cNvPr id="618" name="t1"/>
-          <p:cNvSpPr txBox="1"/>
-          <p:nvPr/>
-        </p:nvSpPr>
-        <p:spPr>
-          <a:xfrm>
-            <a:off x="4829123" y="3630343"/>
-            <a:ext cx="203350" cy="259222"/>
-          </a:xfrm>
-          <a:prstGeom prst="rect">
-            <a:avLst/>
-          </a:prstGeom>
-          <a:ln w="12700">
-            <a:miter lim="400000"/>
-          </a:ln>
-          <a:extLst>
-            <a:ext uri="{C572A759-6A51-4108-AA02-DFA0A04FC94B}">
-              <ma14:wrappingTextBoxFlag xmlns:ma14="http://schemas.microsoft.com/office/mac/drawingml/2011/main" val="1"/>
-            </a:ext>
-          </a:extLst>
-        </p:spPr>
-        <p:txBody>
-          <a:bodyPr wrap="none" lIns="0" tIns="0" rIns="0" bIns="0">
-            <a:spAutoFit/>
-          </a:bodyPr>
-          <a:lstStyle>
-            <a:lvl1pPr>
-              <a:defRPr>
-                <a:solidFill>
-                  <a:srgbClr val="FFFFFF"/>
-                </a:solidFill>
-              </a:defRPr>
-            </a:lvl1pPr>
-          </a:lstStyle>
-          <a:p>
-            <a:pPr/>
-            <a:r>
-              <a:t>t1</a:t>
-            </a:r>
-          </a:p>
-        </p:txBody>
-      </p:sp>
-      <p:sp>
-        <p:nvSpPr>
-          <p:cNvPr id="619" name="t2"/>
-          <p:cNvSpPr txBox="1"/>
-          <p:nvPr/>
-        </p:nvSpPr>
-        <p:spPr>
-          <a:xfrm>
-            <a:off x="4943423" y="2351019"/>
-            <a:ext cx="203350" cy="259222"/>
-          </a:xfrm>
-          <a:prstGeom prst="rect">
-            <a:avLst/>
-          </a:prstGeom>
-          <a:ln w="12700">
-            <a:miter lim="400000"/>
-          </a:ln>
-          <a:extLst>
-            <a:ext uri="{C572A759-6A51-4108-AA02-DFA0A04FC94B}">
-              <ma14:wrappingTextBoxFlag xmlns:ma14="http://schemas.microsoft.com/office/mac/drawingml/2011/main" val="1"/>
-            </a:ext>
-          </a:extLst>
-        </p:spPr>
-        <p:txBody>
-          <a:bodyPr wrap="none" lIns="0" tIns="0" rIns="0" bIns="0">
-            <a:spAutoFit/>
-          </a:bodyPr>
-          <a:lstStyle>
-            <a:lvl1pPr>
-              <a:defRPr>
-                <a:solidFill>
-                  <a:srgbClr val="FFFFFF"/>
-                </a:solidFill>
-              </a:defRPr>
-            </a:lvl1pPr>
-          </a:lstStyle>
-          <a:p>
-            <a:pPr/>
-            <a:r>
-              <a:t>t2</a:t>
-            </a:r>
-          </a:p>
-        </p:txBody>
-      </p:sp>
-      <p:sp>
-        <p:nvSpPr>
-          <p:cNvPr id="620" name="t4"/>
-          <p:cNvSpPr txBox="1"/>
-          <p:nvPr/>
-        </p:nvSpPr>
-        <p:spPr>
-          <a:xfrm>
-            <a:off x="3305123" y="3299389"/>
-            <a:ext cx="203350" cy="259222"/>
-          </a:xfrm>
-          <a:prstGeom prst="rect">
-            <a:avLst/>
-          </a:prstGeom>
-          <a:ln w="12700">
-            <a:miter lim="400000"/>
-          </a:ln>
-          <a:extLst>
-            <a:ext uri="{C572A759-6A51-4108-AA02-DFA0A04FC94B}">
-              <ma14:wrappingTextBoxFlag xmlns:ma14="http://schemas.microsoft.com/office/mac/drawingml/2011/main" val="1"/>
-            </a:ext>
-          </a:extLst>
-        </p:spPr>
-        <p:txBody>
-          <a:bodyPr wrap="none" lIns="0" tIns="0" rIns="0" bIns="0">
-            <a:spAutoFit/>
-          </a:bodyPr>
-          <a:lstStyle>
-            <a:lvl1pPr>
-              <a:defRPr>
-                <a:solidFill>
-                  <a:srgbClr val="FFFFFF"/>
-                </a:solidFill>
-              </a:defRPr>
-            </a:lvl1pPr>
-          </a:lstStyle>
-          <a:p>
-            <a:pPr/>
-            <a:r>
-              <a:t>t4</a:t>
-            </a:r>
-          </a:p>
-        </p:txBody>
-      </p:sp>
-      <p:sp>
-        <p:nvSpPr>
-          <p:cNvPr id="621" name="t3"/>
-          <p:cNvSpPr txBox="1"/>
-          <p:nvPr/>
-        </p:nvSpPr>
-        <p:spPr>
-          <a:xfrm>
-            <a:off x="3533723" y="1966643"/>
-            <a:ext cx="203350" cy="259223"/>
-          </a:xfrm>
-          <a:prstGeom prst="rect">
-            <a:avLst/>
-          </a:prstGeom>
-          <a:ln w="12700">
-            <a:miter lim="400000"/>
-          </a:ln>
-          <a:extLst>
-            <a:ext uri="{C572A759-6A51-4108-AA02-DFA0A04FC94B}">
-              <ma14:wrappingTextBoxFlag xmlns:ma14="http://schemas.microsoft.com/office/mac/drawingml/2011/main" val="1"/>
-            </a:ext>
-          </a:extLst>
-        </p:spPr>
-        <p:txBody>
-          <a:bodyPr wrap="none" lIns="0" tIns="0" rIns="0" bIns="0">
-            <a:spAutoFit/>
-          </a:bodyPr>
-          <a:lstStyle>
-            <a:lvl1pPr>
-              <a:defRPr>
-                <a:solidFill>
-                  <a:srgbClr val="FFFFFF"/>
-                </a:solidFill>
-              </a:defRPr>
-            </a:lvl1pPr>
-          </a:lstStyle>
-          <a:p>
-            <a:pPr/>
-            <a:r>
-              <a:t>t3</a:t>
-            </a:r>
-          </a:p>
-        </p:txBody>
-      </p:sp>
-      <p:sp>
-        <p:nvSpPr>
-          <p:cNvPr id="622" name="c3"/>
-          <p:cNvSpPr txBox="1"/>
-          <p:nvPr/>
-        </p:nvSpPr>
-        <p:spPr>
-          <a:xfrm>
-            <a:off x="4304743" y="1560243"/>
-            <a:ext cx="254137" cy="259223"/>
-          </a:xfrm>
-          <a:prstGeom prst="rect">
-            <a:avLst/>
-          </a:prstGeom>
-          <a:ln w="12700">
-            <a:miter lim="400000"/>
-          </a:ln>
-          <a:extLst>
-            <a:ext uri="{C572A759-6A51-4108-AA02-DFA0A04FC94B}">
-              <ma14:wrappingTextBoxFlag xmlns:ma14="http://schemas.microsoft.com/office/mac/drawingml/2011/main" val="1"/>
-            </a:ext>
-          </a:extLst>
-        </p:spPr>
-        <p:txBody>
-          <a:bodyPr wrap="none" lIns="0" tIns="0" rIns="0" bIns="0">
-            <a:spAutoFit/>
-          </a:bodyPr>
-          <a:lstStyle>
-            <a:lvl1pPr>
-              <a:defRPr>
-                <a:solidFill>
-                  <a:srgbClr val="FFFFFF"/>
-                </a:solidFill>
-              </a:defRPr>
-            </a:lvl1pPr>
-          </a:lstStyle>
-          <a:p>
-            <a:pPr/>
-            <a:r>
-              <a:t>c3</a:t>
-            </a:r>
-          </a:p>
-        </p:txBody>
-      </p:sp>
-      <p:sp>
-        <p:nvSpPr>
-          <p:cNvPr id="623" name="c4"/>
-          <p:cNvSpPr txBox="1"/>
-          <p:nvPr/>
-        </p:nvSpPr>
-        <p:spPr>
-          <a:xfrm>
-            <a:off x="2708230" y="2461943"/>
-            <a:ext cx="254137" cy="259222"/>
-          </a:xfrm>
-          <a:prstGeom prst="rect">
-            <a:avLst/>
-          </a:prstGeom>
-          <a:ln w="12700">
-            <a:miter lim="400000"/>
-          </a:ln>
-          <a:extLst>
-            <a:ext uri="{C572A759-6A51-4108-AA02-DFA0A04FC94B}">
-              <ma14:wrappingTextBoxFlag xmlns:ma14="http://schemas.microsoft.com/office/mac/drawingml/2011/main" val="1"/>
-            </a:ext>
-          </a:extLst>
-        </p:spPr>
-        <p:txBody>
-          <a:bodyPr wrap="none" lIns="0" tIns="0" rIns="0" bIns="0">
-            <a:spAutoFit/>
-          </a:bodyPr>
-          <a:lstStyle>
-            <a:lvl1pPr>
-              <a:defRPr>
-                <a:solidFill>
-                  <a:srgbClr val="FFFFFF"/>
-                </a:solidFill>
-              </a:defRPr>
-            </a:lvl1pPr>
-          </a:lstStyle>
-          <a:p>
-            <a:pPr/>
-            <a:r>
-              <a:t>c4</a:t>
-            </a:r>
-          </a:p>
-        </p:txBody>
-      </p:sp>
-      <p:sp>
-        <p:nvSpPr>
-          <p:cNvPr id="624" name="c1"/>
-          <p:cNvSpPr txBox="1"/>
-          <p:nvPr/>
-        </p:nvSpPr>
-        <p:spPr>
-          <a:xfrm>
-            <a:off x="3965530" y="4151043"/>
-            <a:ext cx="254137" cy="259222"/>
-          </a:xfrm>
-          <a:prstGeom prst="rect">
-            <a:avLst/>
-          </a:prstGeom>
-          <a:ln w="12700">
-            <a:miter lim="400000"/>
-          </a:ln>
-          <a:extLst>
-            <a:ext uri="{C572A759-6A51-4108-AA02-DFA0A04FC94B}">
-              <ma14:wrappingTextBoxFlag xmlns:ma14="http://schemas.microsoft.com/office/mac/drawingml/2011/main" val="1"/>
-            </a:ext>
-          </a:extLst>
-        </p:spPr>
-        <p:txBody>
-          <a:bodyPr wrap="none" lIns="0" tIns="0" rIns="0" bIns="0">
-            <a:spAutoFit/>
-          </a:bodyPr>
-          <a:lstStyle>
-            <a:lvl1pPr>
-              <a:defRPr>
-                <a:solidFill>
-                  <a:srgbClr val="FFFFFF"/>
-                </a:solidFill>
-              </a:defRPr>
-            </a:lvl1pPr>
-          </a:lstStyle>
-          <a:p>
-            <a:pPr/>
-            <a:r>
-              <a:t>c1</a:t>
-            </a:r>
-          </a:p>
-        </p:txBody>
-      </p:sp>
-      <p:sp>
-        <p:nvSpPr>
-          <p:cNvPr id="625" name="c2"/>
-          <p:cNvSpPr txBox="1"/>
-          <p:nvPr/>
-        </p:nvSpPr>
-        <p:spPr>
-          <a:xfrm>
-            <a:off x="5578430" y="3033443"/>
-            <a:ext cx="254137" cy="259223"/>
-          </a:xfrm>
-          <a:prstGeom prst="rect">
-            <a:avLst/>
-          </a:prstGeom>
-          <a:ln w="12700">
-            <a:miter lim="400000"/>
-          </a:ln>
-          <a:extLst>
-            <a:ext uri="{C572A759-6A51-4108-AA02-DFA0A04FC94B}">
-              <ma14:wrappingTextBoxFlag xmlns:ma14="http://schemas.microsoft.com/office/mac/drawingml/2011/main" val="1"/>
-            </a:ext>
-          </a:extLst>
-        </p:spPr>
-        <p:txBody>
-          <a:bodyPr wrap="none" lIns="0" tIns="0" rIns="0" bIns="0">
-            <a:spAutoFit/>
-          </a:bodyPr>
-          <a:lstStyle>
-            <a:lvl1pPr>
-              <a:defRPr>
-                <a:solidFill>
-                  <a:srgbClr val="FFFFFF"/>
-                </a:solidFill>
-              </a:defRPr>
-            </a:lvl1pPr>
-          </a:lstStyle>
-          <a:p>
-            <a:pPr/>
-            <a:r>
-              <a:t>c2</a:t>
-            </a:r>
-          </a:p>
-        </p:txBody>
-      </p:sp>
-      <p:sp>
-        <p:nvSpPr>
-          <p:cNvPr id="626" name="0"/>
-          <p:cNvSpPr txBox="1"/>
-          <p:nvPr/>
-        </p:nvSpPr>
-        <p:spPr>
-          <a:xfrm>
-            <a:off x="4570254" y="4151043"/>
-            <a:ext cx="139838" cy="259222"/>
-          </a:xfrm>
-          <a:prstGeom prst="rect">
-            <a:avLst/>
-          </a:prstGeom>
-          <a:ln w="12700">
-            <a:miter lim="400000"/>
-          </a:ln>
-          <a:extLst>
-            <a:ext uri="{C572A759-6A51-4108-AA02-DFA0A04FC94B}">
-              <ma14:wrappingTextBoxFlag xmlns:ma14="http://schemas.microsoft.com/office/mac/drawingml/2011/main" val="1"/>
-            </a:ext>
-          </a:extLst>
-        </p:spPr>
-        <p:txBody>
-          <a:bodyPr wrap="none" lIns="0" tIns="0" rIns="0" bIns="0">
-            <a:spAutoFit/>
-          </a:bodyPr>
-          <a:lstStyle>
-            <a:lvl1pPr>
-              <a:defRPr>
+              <a:defRPr b="1" sz="1100">
                 <a:solidFill>
                   <a:srgbClr val="535353"/>
                 </a:solidFill>
@@ -15251,21 +19693,21 @@
           <a:p>
             <a:pPr/>
             <a:r>
-              <a:t>0</a:t>
+              <a:t>{Qa}</a:t>
             </a:r>
           </a:p>
         </p:txBody>
       </p:sp>
       <p:sp>
         <p:nvSpPr>
-          <p:cNvPr id="627" name="1"/>
+          <p:cNvPr id="741" name="Text Box 28"/>
           <p:cNvSpPr txBox="1"/>
           <p:nvPr/>
         </p:nvSpPr>
         <p:spPr>
           <a:xfrm>
-            <a:off x="5407659" y="3630343"/>
-            <a:ext cx="139838" cy="259223"/>
+            <a:off x="4071716" y="3041542"/>
+            <a:ext cx="492167" cy="239271"/>
           </a:xfrm>
           <a:prstGeom prst="rect">
             <a:avLst/>
@@ -15280,12 +19722,12 @@
           </a:extLst>
         </p:spPr>
         <p:txBody>
-          <a:bodyPr wrap="none" lIns="0" tIns="0" rIns="0" bIns="0">
+          <a:bodyPr lIns="45719" rIns="45719">
             <a:spAutoFit/>
           </a:bodyPr>
           <a:lstStyle>
             <a:lvl1pPr>
-              <a:defRPr>
+              <a:defRPr b="1" sz="1100">
                 <a:solidFill>
                   <a:srgbClr val="535353"/>
                 </a:solidFill>
@@ -15295,21 +19737,21 @@
           <a:p>
             <a:pPr/>
             <a:r>
-              <a:t>1</a:t>
+              <a:t>{Qb}</a:t>
             </a:r>
           </a:p>
         </p:txBody>
       </p:sp>
       <p:sp>
         <p:nvSpPr>
-          <p:cNvPr id="628" name="2"/>
+          <p:cNvPr id="742" name="Text Box 28"/>
           <p:cNvSpPr txBox="1"/>
           <p:nvPr/>
         </p:nvSpPr>
         <p:spPr>
           <a:xfrm>
-            <a:off x="3966318" y="3568074"/>
-            <a:ext cx="139838" cy="259222"/>
+            <a:off x="4071716" y="3244642"/>
+            <a:ext cx="492167" cy="239270"/>
           </a:xfrm>
           <a:prstGeom prst="rect">
             <a:avLst/>
@@ -15324,12 +19766,12 @@
           </a:extLst>
         </p:spPr>
         <p:txBody>
-          <a:bodyPr wrap="none" lIns="0" tIns="0" rIns="0" bIns="0">
+          <a:bodyPr lIns="45719" rIns="45719">
             <a:spAutoFit/>
           </a:bodyPr>
           <a:lstStyle>
             <a:lvl1pPr>
-              <a:defRPr>
+              <a:defRPr b="1" sz="1100">
                 <a:solidFill>
                   <a:srgbClr val="535353"/>
                 </a:solidFill>
@@ -15339,404 +19781,118 @@
           <a:p>
             <a:pPr/>
             <a:r>
-              <a:t>2</a:t>
+              <a:t>{Qc}</a:t>
             </a:r>
           </a:p>
         </p:txBody>
       </p:sp>
       <p:sp>
         <p:nvSpPr>
-          <p:cNvPr id="629" name="3"/>
-          <p:cNvSpPr txBox="1"/>
-          <p:nvPr/>
-        </p:nvSpPr>
-        <p:spPr>
-          <a:xfrm>
-            <a:off x="4747259" y="3075431"/>
-            <a:ext cx="139838" cy="259222"/>
-          </a:xfrm>
-          <a:prstGeom prst="rect">
-            <a:avLst/>
-          </a:prstGeom>
+          <p:cNvPr id="743" name="Straight Connector 27"/>
+          <p:cNvSpPr/>
+          <p:nvPr/>
+        </p:nvSpPr>
+        <p:spPr>
+          <a:xfrm>
+            <a:off x="4767858" y="3391218"/>
+            <a:ext cx="1" cy="377135"/>
+          </a:xfrm>
+          <a:prstGeom prst="line">
+            <a:avLst/>
+          </a:prstGeom>
+          <a:ln w="38100" cap="rnd">
+            <a:solidFill>
+              <a:srgbClr val="535353"/>
+            </a:solidFill>
+            <a:custDash>
+              <a:ds d="100000" sp="200000"/>
+            </a:custDash>
+          </a:ln>
+        </p:spPr>
+        <p:txBody>
+          <a:bodyPr lIns="0" tIns="0" rIns="0" bIns="0"/>
+          <a:lstStyle/>
+          <a:p>
+            <a:pPr/>
+          </a:p>
+        </p:txBody>
+      </p:sp>
+      <p:sp>
+        <p:nvSpPr>
+          <p:cNvPr id="744" name="線條"/>
+          <p:cNvSpPr/>
+          <p:nvPr/>
+        </p:nvSpPr>
+        <p:spPr>
+          <a:xfrm>
+            <a:off x="2709204" y="3161177"/>
+            <a:ext cx="674983" cy="1"/>
+          </a:xfrm>
+          <a:prstGeom prst="line">
+            <a:avLst/>
+          </a:prstGeom>
+          <a:ln w="50800">
+            <a:solidFill>
+              <a:srgbClr val="535353"/>
+            </a:solidFill>
+            <a:miter/>
+            <a:tailEnd type="triangle"/>
+          </a:ln>
+        </p:spPr>
+        <p:txBody>
+          <a:bodyPr lIns="0" tIns="0" rIns="0" bIns="0"/>
+          <a:lstStyle/>
+          <a:p>
+            <a:pPr/>
+          </a:p>
+        </p:txBody>
+      </p:sp>
+      <p:sp>
+        <p:nvSpPr>
+          <p:cNvPr id="745" name="Rounded Rectangle 40"/>
+          <p:cNvSpPr/>
+          <p:nvPr/>
+        </p:nvSpPr>
+        <p:spPr>
+          <a:xfrm>
+            <a:off x="5590727" y="5313771"/>
+            <a:ext cx="479467" cy="466769"/>
+          </a:xfrm>
+          <a:prstGeom prst="roundRect">
+            <a:avLst>
+              <a:gd name="adj" fmla="val 11870"/>
+            </a:avLst>
+          </a:prstGeom>
+          <a:solidFill>
+            <a:schemeClr val="accent1">
+              <a:satOff val="-19091"/>
+              <a:lumOff val="-11921"/>
+            </a:schemeClr>
+          </a:solidFill>
           <a:ln w="12700">
-            <a:miter lim="400000"/>
-          </a:ln>
-          <a:extLst>
-            <a:ext uri="{C572A759-6A51-4108-AA02-DFA0A04FC94B}">
-              <ma14:wrappingTextBoxFlag xmlns:ma14="http://schemas.microsoft.com/office/mac/drawingml/2011/main" val="1"/>
-            </a:ext>
-          </a:extLst>
-        </p:spPr>
-        <p:txBody>
-          <a:bodyPr wrap="none" lIns="0" tIns="0" rIns="0" bIns="0">
-            <a:spAutoFit/>
-          </a:bodyPr>
-          <a:lstStyle>
-            <a:lvl1pPr>
+            <a:solidFill>
+              <a:schemeClr val="accent1">
+                <a:satOff val="-19091"/>
+                <a:lumOff val="-11921"/>
+              </a:schemeClr>
+            </a:solidFill>
+            <a:miter/>
+          </a:ln>
+        </p:spPr>
+        <p:txBody>
+          <a:bodyPr lIns="0" tIns="0" rIns="0" bIns="0" anchor="ctr"/>
+          <a:lstStyle/>
+          <a:p>
+            <a:pPr algn="ctr">
               <a:defRPr>
                 <a:solidFill>
-                  <a:srgbClr val="535353"/>
+                  <a:schemeClr val="accent1">
+                    <a:satOff val="-19091"/>
+                    <a:lumOff val="-11921"/>
+                  </a:schemeClr>
                 </a:solidFill>
               </a:defRPr>
-            </a:lvl1pPr>
-          </a:lstStyle>
-          <a:p>
-            <a:pPr/>
-            <a:r>
-              <a:t>3</a:t>
-            </a:r>
-          </a:p>
-        </p:txBody>
-      </p:sp>
-      <p:sp>
-        <p:nvSpPr>
-          <p:cNvPr id="630" name="4"/>
-          <p:cNvSpPr txBox="1"/>
-          <p:nvPr/>
-        </p:nvSpPr>
-        <p:spPr>
-          <a:xfrm>
-            <a:off x="5500173" y="2516780"/>
-            <a:ext cx="139837" cy="259223"/>
-          </a:xfrm>
-          <a:prstGeom prst="rect">
-            <a:avLst/>
-          </a:prstGeom>
-          <a:ln w="12700">
-            <a:miter lim="400000"/>
-          </a:ln>
-          <a:extLst>
-            <a:ext uri="{C572A759-6A51-4108-AA02-DFA0A04FC94B}">
-              <ma14:wrappingTextBoxFlag xmlns:ma14="http://schemas.microsoft.com/office/mac/drawingml/2011/main" val="1"/>
-            </a:ext>
-          </a:extLst>
-        </p:spPr>
-        <p:txBody>
-          <a:bodyPr wrap="none" lIns="0" tIns="0" rIns="0" bIns="0">
-            <a:spAutoFit/>
-          </a:bodyPr>
-          <a:lstStyle>
-            <a:lvl1pPr>
-              <a:defRPr>
-                <a:solidFill>
-                  <a:srgbClr val="535353"/>
-                </a:solidFill>
-              </a:defRPr>
-            </a:lvl1pPr>
-          </a:lstStyle>
-          <a:p>
-            <a:pPr/>
-            <a:r>
-              <a:t>4</a:t>
-            </a:r>
-          </a:p>
-        </p:txBody>
-      </p:sp>
-      <p:sp>
-        <p:nvSpPr>
-          <p:cNvPr id="631" name="5"/>
-          <p:cNvSpPr txBox="1"/>
-          <p:nvPr/>
-        </p:nvSpPr>
-        <p:spPr>
-          <a:xfrm>
-            <a:off x="3711859" y="2961700"/>
-            <a:ext cx="139837" cy="259222"/>
-          </a:xfrm>
-          <a:prstGeom prst="rect">
-            <a:avLst/>
-          </a:prstGeom>
-          <a:ln w="12700">
-            <a:miter lim="400000"/>
-          </a:ln>
-          <a:extLst>
-            <a:ext uri="{C572A759-6A51-4108-AA02-DFA0A04FC94B}">
-              <ma14:wrappingTextBoxFlag xmlns:ma14="http://schemas.microsoft.com/office/mac/drawingml/2011/main" val="1"/>
-            </a:ext>
-          </a:extLst>
-        </p:spPr>
-        <p:txBody>
-          <a:bodyPr wrap="none" lIns="0" tIns="0" rIns="0" bIns="0">
-            <a:spAutoFit/>
-          </a:bodyPr>
-          <a:lstStyle>
-            <a:lvl1pPr>
-              <a:defRPr>
-                <a:solidFill>
-                  <a:srgbClr val="535353"/>
-                </a:solidFill>
-              </a:defRPr>
-            </a:lvl1pPr>
-          </a:lstStyle>
-          <a:p>
-            <a:pPr/>
-            <a:r>
-              <a:t>5</a:t>
-            </a:r>
-          </a:p>
-        </p:txBody>
-      </p:sp>
-      <p:sp>
-        <p:nvSpPr>
-          <p:cNvPr id="632" name="6"/>
-          <p:cNvSpPr txBox="1"/>
-          <p:nvPr/>
-        </p:nvSpPr>
-        <p:spPr>
-          <a:xfrm>
-            <a:off x="4570254" y="2461943"/>
-            <a:ext cx="139838" cy="259223"/>
-          </a:xfrm>
-          <a:prstGeom prst="rect">
-            <a:avLst/>
-          </a:prstGeom>
-          <a:ln w="12700">
-            <a:miter lim="400000"/>
-          </a:ln>
-          <a:extLst>
-            <a:ext uri="{C572A759-6A51-4108-AA02-DFA0A04FC94B}">
-              <ma14:wrappingTextBoxFlag xmlns:ma14="http://schemas.microsoft.com/office/mac/drawingml/2011/main" val="1"/>
-            </a:ext>
-          </a:extLst>
-        </p:spPr>
-        <p:txBody>
-          <a:bodyPr wrap="none" lIns="0" tIns="0" rIns="0" bIns="0">
-            <a:spAutoFit/>
-          </a:bodyPr>
-          <a:lstStyle>
-            <a:lvl1pPr>
-              <a:defRPr>
-                <a:solidFill>
-                  <a:srgbClr val="535353"/>
-                </a:solidFill>
-              </a:defRPr>
-            </a:lvl1pPr>
-          </a:lstStyle>
-          <a:p>
-            <a:pPr/>
-            <a:r>
-              <a:t>6</a:t>
-            </a:r>
-          </a:p>
-        </p:txBody>
-      </p:sp>
-      <p:sp>
-        <p:nvSpPr>
-          <p:cNvPr id="633" name="7"/>
-          <p:cNvSpPr txBox="1"/>
-          <p:nvPr/>
-        </p:nvSpPr>
-        <p:spPr>
-          <a:xfrm>
-            <a:off x="3266961" y="2742607"/>
-            <a:ext cx="139838" cy="259223"/>
-          </a:xfrm>
-          <a:prstGeom prst="rect">
-            <a:avLst/>
-          </a:prstGeom>
-          <a:ln w="12700">
-            <a:miter lim="400000"/>
-          </a:ln>
-          <a:extLst>
-            <a:ext uri="{C572A759-6A51-4108-AA02-DFA0A04FC94B}">
-              <ma14:wrappingTextBoxFlag xmlns:ma14="http://schemas.microsoft.com/office/mac/drawingml/2011/main" val="1"/>
-            </a:ext>
-          </a:extLst>
-        </p:spPr>
-        <p:txBody>
-          <a:bodyPr wrap="none" lIns="0" tIns="0" rIns="0" bIns="0">
-            <a:spAutoFit/>
-          </a:bodyPr>
-          <a:lstStyle>
-            <a:lvl1pPr>
-              <a:defRPr>
-                <a:solidFill>
-                  <a:srgbClr val="535353"/>
-                </a:solidFill>
-              </a:defRPr>
-            </a:lvl1pPr>
-          </a:lstStyle>
-          <a:p>
-            <a:pPr/>
-            <a:r>
-              <a:t>7</a:t>
-            </a:r>
-          </a:p>
-        </p:txBody>
-      </p:sp>
-      <p:sp>
-        <p:nvSpPr>
-          <p:cNvPr id="634" name="8"/>
-          <p:cNvSpPr txBox="1"/>
-          <p:nvPr/>
-        </p:nvSpPr>
-        <p:spPr>
-          <a:xfrm>
-            <a:off x="4064055" y="2207943"/>
-            <a:ext cx="139837" cy="259223"/>
-          </a:xfrm>
-          <a:prstGeom prst="rect">
-            <a:avLst/>
-          </a:prstGeom>
-          <a:ln w="12700">
-            <a:miter lim="400000"/>
-          </a:ln>
-          <a:extLst>
-            <a:ext uri="{C572A759-6A51-4108-AA02-DFA0A04FC94B}">
-              <ma14:wrappingTextBoxFlag xmlns:ma14="http://schemas.microsoft.com/office/mac/drawingml/2011/main" val="1"/>
-            </a:ext>
-          </a:extLst>
-        </p:spPr>
-        <p:txBody>
-          <a:bodyPr wrap="none" lIns="0" tIns="0" rIns="0" bIns="0">
-            <a:spAutoFit/>
-          </a:bodyPr>
-          <a:lstStyle>
-            <a:lvl1pPr>
-              <a:defRPr>
-                <a:solidFill>
-                  <a:srgbClr val="535353"/>
-                </a:solidFill>
-              </a:defRPr>
-            </a:lvl1pPr>
-          </a:lstStyle>
-          <a:p>
-            <a:pPr/>
-            <a:r>
-              <a:t>8</a:t>
-            </a:r>
-          </a:p>
-        </p:txBody>
-      </p:sp>
-      <p:sp>
-        <p:nvSpPr>
-          <p:cNvPr id="635" name="9"/>
-          <p:cNvSpPr txBox="1"/>
-          <p:nvPr/>
-        </p:nvSpPr>
-        <p:spPr>
-          <a:xfrm>
-            <a:off x="4848154" y="1729743"/>
-            <a:ext cx="139837" cy="259223"/>
-          </a:xfrm>
-          <a:prstGeom prst="rect">
-            <a:avLst/>
-          </a:prstGeom>
-          <a:ln w="12700">
-            <a:miter lim="400000"/>
-          </a:ln>
-          <a:extLst>
-            <a:ext uri="{C572A759-6A51-4108-AA02-DFA0A04FC94B}">
-              <ma14:wrappingTextBoxFlag xmlns:ma14="http://schemas.microsoft.com/office/mac/drawingml/2011/main" val="1"/>
-            </a:ext>
-          </a:extLst>
-        </p:spPr>
-        <p:txBody>
-          <a:bodyPr wrap="none" lIns="0" tIns="0" rIns="0" bIns="0">
-            <a:spAutoFit/>
-          </a:bodyPr>
-          <a:lstStyle>
-            <a:lvl1pPr>
-              <a:defRPr>
-                <a:solidFill>
-                  <a:srgbClr val="535353"/>
-                </a:solidFill>
-              </a:defRPr>
-            </a:lvl1pPr>
-          </a:lstStyle>
-          <a:p>
-            <a:pPr/>
-            <a:r>
-              <a:t>9</a:t>
-            </a:r>
-          </a:p>
-        </p:txBody>
-      </p:sp>
-      <p:sp>
-        <p:nvSpPr>
-          <p:cNvPr id="636" name="10"/>
-          <p:cNvSpPr txBox="1"/>
-          <p:nvPr/>
-        </p:nvSpPr>
-        <p:spPr>
-          <a:xfrm>
-            <a:off x="3033418" y="1968741"/>
-            <a:ext cx="266973" cy="259223"/>
-          </a:xfrm>
-          <a:prstGeom prst="rect">
-            <a:avLst/>
-          </a:prstGeom>
-          <a:ln w="12700">
-            <a:miter lim="400000"/>
-          </a:ln>
-          <a:extLst>
-            <a:ext uri="{C572A759-6A51-4108-AA02-DFA0A04FC94B}">
-              <ma14:wrappingTextBoxFlag xmlns:ma14="http://schemas.microsoft.com/office/mac/drawingml/2011/main" val="1"/>
-            </a:ext>
-          </a:extLst>
-        </p:spPr>
-        <p:txBody>
-          <a:bodyPr wrap="none" lIns="0" tIns="0" rIns="0" bIns="0">
-            <a:spAutoFit/>
-          </a:bodyPr>
-          <a:lstStyle>
-            <a:lvl1pPr>
-              <a:defRPr>
-                <a:solidFill>
-                  <a:srgbClr val="535353"/>
-                </a:solidFill>
-              </a:defRPr>
-            </a:lvl1pPr>
-          </a:lstStyle>
-          <a:p>
-            <a:pPr/>
-            <a:r>
-              <a:t>10</a:t>
-            </a:r>
-          </a:p>
-        </p:txBody>
-      </p:sp>
-      <p:sp>
-        <p:nvSpPr>
-          <p:cNvPr id="637" name="11"/>
-          <p:cNvSpPr txBox="1"/>
-          <p:nvPr/>
-        </p:nvSpPr>
-        <p:spPr>
-          <a:xfrm>
-            <a:off x="3772374" y="1473215"/>
-            <a:ext cx="250008" cy="259222"/>
-          </a:xfrm>
-          <a:prstGeom prst="rect">
-            <a:avLst/>
-          </a:prstGeom>
-          <a:ln w="12700">
-            <a:miter lim="400000"/>
-          </a:ln>
-          <a:extLst>
-            <a:ext uri="{C572A759-6A51-4108-AA02-DFA0A04FC94B}">
-              <ma14:wrappingTextBoxFlag xmlns:ma14="http://schemas.microsoft.com/office/mac/drawingml/2011/main" val="1"/>
-            </a:ext>
-          </a:extLst>
-        </p:spPr>
-        <p:txBody>
-          <a:bodyPr wrap="none" lIns="0" tIns="0" rIns="0" bIns="0">
-            <a:spAutoFit/>
-          </a:bodyPr>
-          <a:lstStyle>
-            <a:lvl1pPr>
-              <a:defRPr>
-                <a:solidFill>
-                  <a:srgbClr val="535353"/>
-                </a:solidFill>
-              </a:defRPr>
-            </a:lvl1pPr>
-          </a:lstStyle>
-          <a:p>
-            <a:pPr/>
-            <a:r>
-              <a:t>11</a:t>
-            </a:r>
+            </a:pPr>
           </a:p>
         </p:txBody>
       </p:sp>

--- a/material/material.pptx
+++ b/material/material.pptx
@@ -5,7 +5,7 @@
     <p:sldMasterId id="2147483648" r:id="rId1"/>
   </p:sldMasterIdLst>
   <p:notesMasterIdLst>
-    <p:notesMasterId r:id="rId21"/>
+    <p:notesMasterId r:id="rId23"/>
   </p:notesMasterIdLst>
   <p:sldIdLst>
     <p:sldId id="256" r:id="rId3"/>
@@ -26,6 +26,8 @@
     <p:sldId id="271" r:id="rId18"/>
     <p:sldId id="272" r:id="rId19"/>
     <p:sldId id="273" r:id="rId20"/>
+    <p:sldId id="274" r:id="rId21"/>
+    <p:sldId id="275" r:id="rId22"/>
   </p:sldIdLst>
   <p:sldSz cx="12192000" cy="6858000"/>
   <p:notesSz cx="6858000" cy="9144000"/>
@@ -488,9 +490,9 @@
       <p:sp>
         <p:nvSpPr>
           <p:cNvPr id="11" name="大標題文字"/>
-          <p:cNvSpPr txBox="true"/>
+          <p:cNvSpPr txBox="1"/>
           <p:nvPr>
-            <p:ph type="title" hasCustomPrompt="true"/>
+            <p:ph type="title" hasCustomPrompt="1"/>
           </p:nvPr>
         </p:nvSpPr>
         <p:spPr>
@@ -522,9 +524,9 @@
       <p:sp>
         <p:nvSpPr>
           <p:cNvPr id="12" name="內文層級一…"/>
-          <p:cNvSpPr txBox="true"/>
+          <p:cNvSpPr txBox="1"/>
           <p:nvPr>
-            <p:ph type="body" sz="quarter" idx="1" hasCustomPrompt="true"/>
+            <p:ph type="body" sz="quarter" idx="1" hasCustomPrompt="1"/>
           </p:nvPr>
         </p:nvSpPr>
         <p:spPr>
@@ -629,7 +631,7 @@
       <p:sp>
         <p:nvSpPr>
           <p:cNvPr id="13" name="幻燈片編號"/>
-          <p:cNvSpPr txBox="true"/>
+          <p:cNvSpPr txBox="1"/>
           <p:nvPr>
             <p:ph type="sldNum" sz="quarter" idx="2"/>
           </p:nvPr>
@@ -679,9 +681,9 @@
       <p:sp>
         <p:nvSpPr>
           <p:cNvPr id="20" name="大標題文字"/>
-          <p:cNvSpPr txBox="true"/>
+          <p:cNvSpPr txBox="1"/>
           <p:nvPr>
-            <p:ph type="title" hasCustomPrompt="true"/>
+            <p:ph type="title" hasCustomPrompt="1"/>
           </p:nvPr>
         </p:nvSpPr>
         <p:spPr>
@@ -702,9 +704,9 @@
       <p:sp>
         <p:nvSpPr>
           <p:cNvPr id="21" name="內文層級一…"/>
-          <p:cNvSpPr txBox="true"/>
+          <p:cNvSpPr txBox="1"/>
           <p:nvPr>
-            <p:ph type="body" idx="1" hasCustomPrompt="true"/>
+            <p:ph type="body" idx="1" hasCustomPrompt="1"/>
           </p:nvPr>
         </p:nvSpPr>
         <p:spPr>
@@ -749,7 +751,7 @@
       <p:sp>
         <p:nvSpPr>
           <p:cNvPr id="22" name="幻燈片編號"/>
-          <p:cNvSpPr txBox="true"/>
+          <p:cNvSpPr txBox="1"/>
           <p:nvPr>
             <p:ph type="sldNum" sz="quarter" idx="2"/>
           </p:nvPr>
@@ -799,9 +801,9 @@
       <p:sp>
         <p:nvSpPr>
           <p:cNvPr id="29" name="大標題文字"/>
-          <p:cNvSpPr txBox="true"/>
+          <p:cNvSpPr txBox="1"/>
           <p:nvPr>
-            <p:ph type="title" hasCustomPrompt="true"/>
+            <p:ph type="title" hasCustomPrompt="1"/>
           </p:nvPr>
         </p:nvSpPr>
         <p:spPr>
@@ -830,9 +832,9 @@
       <p:sp>
         <p:nvSpPr>
           <p:cNvPr id="30" name="內文層級一…"/>
-          <p:cNvSpPr txBox="true"/>
+          <p:cNvSpPr txBox="1"/>
           <p:nvPr>
-            <p:ph type="body" sz="quarter" idx="1" hasCustomPrompt="true"/>
+            <p:ph type="body" sz="quarter" idx="1" hasCustomPrompt="1"/>
           </p:nvPr>
         </p:nvSpPr>
         <p:spPr>
@@ -932,7 +934,7 @@
       <p:sp>
         <p:nvSpPr>
           <p:cNvPr id="31" name="幻燈片編號"/>
-          <p:cNvSpPr txBox="true"/>
+          <p:cNvSpPr txBox="1"/>
           <p:nvPr>
             <p:ph type="sldNum" sz="quarter" idx="2"/>
           </p:nvPr>
@@ -982,9 +984,9 @@
       <p:sp>
         <p:nvSpPr>
           <p:cNvPr id="38" name="大標題文字"/>
-          <p:cNvSpPr txBox="true"/>
+          <p:cNvSpPr txBox="1"/>
           <p:nvPr>
-            <p:ph type="title" hasCustomPrompt="true"/>
+            <p:ph type="title" hasCustomPrompt="1"/>
           </p:nvPr>
         </p:nvSpPr>
         <p:spPr>
@@ -1005,9 +1007,9 @@
       <p:sp>
         <p:nvSpPr>
           <p:cNvPr id="39" name="內文層級一…"/>
-          <p:cNvSpPr txBox="true"/>
+          <p:cNvSpPr txBox="1"/>
           <p:nvPr>
-            <p:ph type="body" sz="half" idx="1" hasCustomPrompt="true"/>
+            <p:ph type="body" sz="half" idx="1" hasCustomPrompt="1"/>
           </p:nvPr>
         </p:nvSpPr>
         <p:spPr>
@@ -1082,7 +1084,7 @@
       <p:sp>
         <p:nvSpPr>
           <p:cNvPr id="40" name="幻燈片編號"/>
-          <p:cNvSpPr txBox="true"/>
+          <p:cNvSpPr txBox="1"/>
           <p:nvPr>
             <p:ph type="sldNum" sz="quarter" idx="2"/>
           </p:nvPr>
@@ -1132,9 +1134,9 @@
       <p:sp>
         <p:nvSpPr>
           <p:cNvPr id="47" name="大標題文字"/>
-          <p:cNvSpPr txBox="true"/>
+          <p:cNvSpPr txBox="1"/>
           <p:nvPr>
-            <p:ph type="title" hasCustomPrompt="true"/>
+            <p:ph type="title" hasCustomPrompt="1"/>
           </p:nvPr>
         </p:nvSpPr>
         <p:spPr>
@@ -1168,9 +1170,9 @@
       <p:sp>
         <p:nvSpPr>
           <p:cNvPr id="48" name="內文層級一…"/>
-          <p:cNvSpPr txBox="true"/>
+          <p:cNvSpPr txBox="1"/>
           <p:nvPr>
-            <p:ph type="body" sz="quarter" idx="1" hasCustomPrompt="true"/>
+            <p:ph type="body" sz="quarter" idx="1" hasCustomPrompt="1"/>
           </p:nvPr>
         </p:nvSpPr>
         <p:spPr>
@@ -1304,7 +1306,7 @@
       <p:sp>
         <p:nvSpPr>
           <p:cNvPr id="50" name="幻燈片編號"/>
-          <p:cNvSpPr txBox="true"/>
+          <p:cNvSpPr txBox="1"/>
           <p:nvPr>
             <p:ph type="sldNum" sz="quarter" idx="2"/>
           </p:nvPr>
@@ -1354,9 +1356,9 @@
       <p:sp>
         <p:nvSpPr>
           <p:cNvPr id="57" name="大標題文字"/>
-          <p:cNvSpPr txBox="true"/>
+          <p:cNvSpPr txBox="1"/>
           <p:nvPr>
-            <p:ph type="title" hasCustomPrompt="true"/>
+            <p:ph type="title" hasCustomPrompt="1"/>
           </p:nvPr>
         </p:nvSpPr>
         <p:spPr>
@@ -1385,7 +1387,7 @@
       <p:sp>
         <p:nvSpPr>
           <p:cNvPr id="58" name="幻燈片編號"/>
-          <p:cNvSpPr txBox="true"/>
+          <p:cNvSpPr txBox="1"/>
           <p:nvPr>
             <p:ph type="sldNum" sz="quarter" idx="2"/>
           </p:nvPr>
@@ -1435,7 +1437,7 @@
       <p:sp>
         <p:nvSpPr>
           <p:cNvPr id="65" name="幻燈片編號"/>
-          <p:cNvSpPr txBox="true"/>
+          <p:cNvSpPr txBox="1"/>
           <p:nvPr>
             <p:ph type="sldNum" sz="quarter" idx="2"/>
           </p:nvPr>
@@ -1485,9 +1487,9 @@
       <p:sp>
         <p:nvSpPr>
           <p:cNvPr id="72" name="大標題文字"/>
-          <p:cNvSpPr txBox="true"/>
+          <p:cNvSpPr txBox="1"/>
           <p:nvPr>
-            <p:ph type="title" hasCustomPrompt="true"/>
+            <p:ph type="title" hasCustomPrompt="1"/>
           </p:nvPr>
         </p:nvSpPr>
         <p:spPr>
@@ -1537,9 +1539,9 @@
       <p:sp>
         <p:nvSpPr>
           <p:cNvPr id="74" name="內文層級一…"/>
-          <p:cNvSpPr txBox="true"/>
+          <p:cNvSpPr txBox="1"/>
           <p:nvPr>
-            <p:ph type="body" sz="quarter" idx="1" hasCustomPrompt="true"/>
+            <p:ph type="body" sz="quarter" idx="1" hasCustomPrompt="1"/>
           </p:nvPr>
         </p:nvSpPr>
         <p:spPr>
@@ -1654,7 +1656,7 @@
       <p:sp>
         <p:nvSpPr>
           <p:cNvPr id="75" name="幻燈片編號"/>
-          <p:cNvSpPr txBox="true"/>
+          <p:cNvSpPr txBox="1"/>
           <p:nvPr>
             <p:ph type="sldNum" sz="quarter" idx="2"/>
           </p:nvPr>
@@ -1704,9 +1706,9 @@
       <p:sp>
         <p:nvSpPr>
           <p:cNvPr id="82" name="內文層級一…"/>
-          <p:cNvSpPr txBox="true"/>
+          <p:cNvSpPr txBox="1"/>
           <p:nvPr>
-            <p:ph type="body" idx="1" hasCustomPrompt="true"/>
+            <p:ph type="body" idx="1" hasCustomPrompt="1"/>
           </p:nvPr>
         </p:nvSpPr>
         <p:spPr>
@@ -1791,7 +1793,7 @@
       <p:sp>
         <p:nvSpPr>
           <p:cNvPr id="83" name="幻燈片編號"/>
-          <p:cNvSpPr txBox="true"/>
+          <p:cNvSpPr txBox="1"/>
           <p:nvPr>
             <p:ph type="sldNum" sz="quarter" idx="2"/>
           </p:nvPr>
@@ -1849,7 +1851,7 @@
       <p:sp>
         <p:nvSpPr>
           <p:cNvPr id="2" name="大標題文字"/>
-          <p:cNvSpPr txBox="true"/>
+          <p:cNvSpPr txBox="1"/>
           <p:nvPr>
             <p:ph type="title"/>
           </p:nvPr>
@@ -1881,7 +1883,7 @@
       <p:sp>
         <p:nvSpPr>
           <p:cNvPr id="3" name="內文層級一…"/>
-          <p:cNvSpPr txBox="true"/>
+          <p:cNvSpPr txBox="1"/>
           <p:nvPr>
             <p:ph type="body" idx="1"/>
           </p:nvPr>
@@ -1937,7 +1939,7 @@
       <p:sp>
         <p:nvSpPr>
           <p:cNvPr id="4" name="幻燈片編號"/>
-          <p:cNvSpPr txBox="true"/>
+          <p:cNvSpPr txBox="1"/>
           <p:nvPr>
             <p:ph type="sldNum" sz="quarter" idx="2"/>
           </p:nvPr>
@@ -2996,7 +2998,7 @@
           <p:nvPr/>
         </p:nvSpPr>
         <p:spPr>
-          <a:xfrm flipV="true">
+          <a:xfrm flipV="1">
             <a:off x="5440045" y="1609089"/>
             <a:ext cx="191136" cy="239397"/>
           </a:xfrm>
@@ -3073,7 +3075,7 @@
       <p:sp>
         <p:nvSpPr>
           <p:cNvPr id="102" name="Text Box 17"/>
-          <p:cNvSpPr txBox="true"/>
+          <p:cNvSpPr txBox="1"/>
           <p:nvPr/>
         </p:nvSpPr>
         <p:spPr>
@@ -3107,7 +3109,7 @@
       <p:sp>
         <p:nvSpPr>
           <p:cNvPr id="103" name="Text Box 18"/>
-          <p:cNvSpPr txBox="true"/>
+          <p:cNvSpPr txBox="1"/>
           <p:nvPr/>
         </p:nvSpPr>
         <p:spPr>
@@ -3141,7 +3143,7 @@
       <p:sp>
         <p:nvSpPr>
           <p:cNvPr id="104" name="Text Box 19"/>
-          <p:cNvSpPr txBox="true"/>
+          <p:cNvSpPr txBox="1"/>
           <p:nvPr/>
         </p:nvSpPr>
         <p:spPr>
@@ -3202,7 +3204,7 @@
       <p:sp>
         <p:nvSpPr>
           <p:cNvPr id="106" name="Text Box 21"/>
-          <p:cNvSpPr txBox="true"/>
+          <p:cNvSpPr txBox="1"/>
           <p:nvPr/>
         </p:nvSpPr>
         <p:spPr>
@@ -3290,7 +3292,7 @@
           <p:sp>
             <p:nvSpPr>
               <p:cNvPr id="310" name="Text Box 37"/>
-              <p:cNvSpPr txBox="true"/>
+              <p:cNvSpPr txBox="1"/>
               <p:nvPr/>
             </p:nvSpPr>
             <p:spPr>
@@ -3367,7 +3369,7 @@
                 </a:cxnLst>
                 <a:rect l="0" t="0" r="r" b="b"/>
                 <a:pathLst>
-                  <a:path w="21600" h="21600" extrusionOk="false">
+                  <a:path w="21600" h="21600" extrusionOk="0">
                     <a:moveTo>
                       <a:pt x="0" y="10800"/>
                     </a:moveTo>
@@ -3453,7 +3455,7 @@
               <p:nvPr/>
             </p:nvSpPr>
             <p:spPr>
-              <a:xfrm flipH="true" flipV="true">
+              <a:xfrm flipH="1" flipV="1">
                 <a:off x="85725" y="272415"/>
                 <a:ext cx="104776" cy="1271"/>
               </a:xfrm>
@@ -3530,7 +3532,7 @@
             <p:nvPr/>
           </p:nvSpPr>
           <p:spPr>
-            <a:xfrm flipH="true">
+            <a:xfrm flipH="1">
               <a:off x="538480" y="-1"/>
               <a:ext cx="1270" cy="190502"/>
             </a:xfrm>
@@ -3562,7 +3564,7 @@
             <p:nvPr/>
           </p:nvSpPr>
           <p:spPr>
-            <a:xfrm flipH="true">
+            <a:xfrm flipH="1">
               <a:off x="1157605" y="-1"/>
               <a:ext cx="1271" cy="190502"/>
             </a:xfrm>
@@ -3594,7 +3596,7 @@
             <p:nvPr/>
           </p:nvSpPr>
           <p:spPr>
-            <a:xfrm flipH="true">
+            <a:xfrm flipH="1">
               <a:off x="539750" y="624205"/>
               <a:ext cx="1271" cy="190501"/>
             </a:xfrm>
@@ -3626,7 +3628,7 @@
             <p:nvPr/>
           </p:nvSpPr>
           <p:spPr>
-            <a:xfrm flipH="true">
+            <a:xfrm flipH="1">
               <a:off x="1156970" y="618490"/>
               <a:ext cx="1270" cy="190501"/>
             </a:xfrm>
@@ -3654,7 +3656,7 @@
         <p:sp>
           <p:nvSpPr>
             <p:cNvPr id="320" name="Text Box 9"/>
-            <p:cNvSpPr txBox="true"/>
+            <p:cNvSpPr txBox="1"/>
             <p:nvPr/>
           </p:nvSpPr>
           <p:spPr>
@@ -3700,7 +3702,7 @@
         <p:sp>
           <p:nvSpPr>
             <p:cNvPr id="321" name="Text Box 14"/>
-            <p:cNvSpPr txBox="true"/>
+            <p:cNvSpPr txBox="1"/>
             <p:nvPr/>
           </p:nvSpPr>
           <p:spPr>
@@ -3774,7 +3776,7 @@
               </a:cxnLst>
               <a:rect l="0" t="0" r="r" b="b"/>
               <a:pathLst>
-                <a:path w="21600" h="21600" extrusionOk="false">
+                <a:path w="21600" h="21600" extrusionOk="0">
                   <a:moveTo>
                     <a:pt x="0" y="10800"/>
                   </a:moveTo>
@@ -3910,7 +3912,7 @@
           <p:sp>
             <p:nvSpPr>
               <p:cNvPr id="325" name="Text Box 13"/>
-              <p:cNvSpPr txBox="true"/>
+              <p:cNvSpPr txBox="1"/>
               <p:nvPr/>
             </p:nvSpPr>
             <p:spPr>
@@ -3960,7 +3962,7 @@
               <p:nvPr/>
             </p:nvSpPr>
             <p:spPr>
-              <a:xfrm flipH="true" flipV="true">
+              <a:xfrm flipH="1" flipV="1">
                 <a:off x="-1" y="222250"/>
                 <a:ext cx="104777" cy="1271"/>
               </a:xfrm>
@@ -3992,7 +3994,7 @@
               <p:nvPr/>
             </p:nvSpPr>
             <p:spPr>
-              <a:xfrm flipH="true" flipV="true">
+              <a:xfrm flipH="1" flipV="1">
                 <a:off x="315595" y="220980"/>
                 <a:ext cx="134621" cy="1905"/>
               </a:xfrm>
@@ -4021,7 +4023,7 @@
         <p:sp>
           <p:nvSpPr>
             <p:cNvPr id="329" name="Text Box 29"/>
-            <p:cNvSpPr txBox="true"/>
+            <p:cNvSpPr txBox="1"/>
             <p:nvPr/>
           </p:nvSpPr>
           <p:spPr>
@@ -4095,7 +4097,7 @@
               </a:cxnLst>
               <a:rect l="0" t="0" r="r" b="b"/>
               <a:pathLst>
-                <a:path w="21600" h="21600" extrusionOk="false">
+                <a:path w="21600" h="21600" extrusionOk="0">
                   <a:moveTo>
                     <a:pt x="0" y="10800"/>
                   </a:moveTo>
@@ -4147,7 +4149,7 @@
             <p:nvPr/>
           </p:nvSpPr>
           <p:spPr>
-            <a:xfrm flipH="true" flipV="true">
+            <a:xfrm flipH="1" flipV="1">
               <a:off x="1506220" y="1101090"/>
               <a:ext cx="104776" cy="1270"/>
             </a:xfrm>
@@ -4269,7 +4271,7 @@
               <p:nvPr/>
             </p:nvSpPr>
             <p:spPr>
-              <a:xfrm flipH="true">
+              <a:xfrm flipH="1">
                 <a:off x="123190" y="0"/>
                 <a:ext cx="1" cy="119381"/>
               </a:xfrm>
@@ -4297,7 +4299,7 @@
           <p:sp>
             <p:nvSpPr>
               <p:cNvPr id="335" name="Text Box 49"/>
-              <p:cNvSpPr txBox="true"/>
+              <p:cNvSpPr txBox="1"/>
               <p:nvPr/>
             </p:nvSpPr>
             <p:spPr>
@@ -4347,7 +4349,7 @@
               <p:nvPr/>
             </p:nvSpPr>
             <p:spPr>
-              <a:xfrm flipH="true" flipV="true">
+              <a:xfrm flipH="1" flipV="1">
                 <a:off x="229235" y="220980"/>
                 <a:ext cx="104776" cy="1271"/>
               </a:xfrm>
@@ -4380,7 +4382,7 @@
             <p:nvPr/>
           </p:nvSpPr>
           <p:spPr>
-            <a:xfrm flipH="true" flipV="true">
+            <a:xfrm flipH="1" flipV="1">
               <a:off x="920115" y="1102360"/>
               <a:ext cx="134621" cy="1905"/>
             </a:xfrm>
@@ -4437,7 +4439,7 @@
           <p:sp>
             <p:nvSpPr>
               <p:cNvPr id="340" name="Text Box 111"/>
-              <p:cNvSpPr txBox="true"/>
+              <p:cNvSpPr txBox="1"/>
               <p:nvPr/>
             </p:nvSpPr>
             <p:spPr>
@@ -4514,7 +4516,7 @@
                 </a:cxnLst>
                 <a:rect l="0" t="0" r="r" b="b"/>
                 <a:pathLst>
-                  <a:path w="21600" h="21600" extrusionOk="false">
+                  <a:path w="21600" h="21600" extrusionOk="0">
                     <a:moveTo>
                       <a:pt x="0" y="10800"/>
                     </a:moveTo>
@@ -4600,7 +4602,7 @@
               <p:nvPr/>
             </p:nvSpPr>
             <p:spPr>
-              <a:xfrm flipH="true" flipV="true">
+              <a:xfrm flipH="1" flipV="1">
                 <a:off x="181610" y="276860"/>
                 <a:ext cx="104776" cy="1271"/>
               </a:xfrm>
@@ -4691,7 +4693,7 @@
               <p:nvPr/>
             </p:nvSpPr>
             <p:spPr>
-              <a:xfrm flipH="true">
+              <a:xfrm flipH="1">
                 <a:off x="103505" y="0"/>
                 <a:ext cx="1270" cy="190501"/>
               </a:xfrm>
@@ -4725,7 +4727,7 @@
               <p:nvPr/>
             </p:nvSpPr>
             <p:spPr>
-              <a:xfrm flipH="true">
+              <a:xfrm flipH="1">
                 <a:off x="722630" y="0"/>
                 <a:ext cx="1270" cy="190501"/>
               </a:xfrm>
@@ -4759,7 +4761,7 @@
               <p:nvPr/>
             </p:nvSpPr>
             <p:spPr>
-              <a:xfrm flipH="true">
+              <a:xfrm flipH="1">
                 <a:off x="104775" y="624205"/>
                 <a:ext cx="1270" cy="190501"/>
               </a:xfrm>
@@ -4793,7 +4795,7 @@
               <p:nvPr/>
             </p:nvSpPr>
             <p:spPr>
-              <a:xfrm flipH="true">
+              <a:xfrm flipH="1">
                 <a:off x="721995" y="618490"/>
                 <a:ext cx="1270" cy="190501"/>
               </a:xfrm>
@@ -4823,7 +4825,7 @@
           <p:sp>
             <p:nvSpPr>
               <p:cNvPr id="350" name="Text Box 121"/>
-              <p:cNvSpPr txBox="true"/>
+              <p:cNvSpPr txBox="1"/>
               <p:nvPr/>
             </p:nvSpPr>
             <p:spPr>
@@ -4870,7 +4872,7 @@
         <p:sp>
           <p:nvSpPr>
             <p:cNvPr id="352" name="Text Box 122"/>
-            <p:cNvSpPr txBox="true"/>
+            <p:cNvSpPr txBox="1"/>
             <p:nvPr/>
           </p:nvSpPr>
           <p:spPr>
@@ -4944,7 +4946,7 @@
               </a:cxnLst>
               <a:rect l="0" t="0" r="r" b="b"/>
               <a:pathLst>
-                <a:path w="21600" h="21600" extrusionOk="false">
+                <a:path w="21600" h="21600" extrusionOk="0">
                   <a:moveTo>
                     <a:pt x="0" y="10800"/>
                   </a:moveTo>
@@ -5052,7 +5054,7 @@
               <p:nvPr/>
             </p:nvSpPr>
             <p:spPr>
-              <a:xfrm flipH="true">
+              <a:xfrm flipH="1">
                 <a:off x="123189" y="0"/>
                 <a:ext cx="1" cy="119381"/>
               </a:xfrm>
@@ -5080,7 +5082,7 @@
           <p:sp>
             <p:nvSpPr>
               <p:cNvPr id="356" name="Text Box 140"/>
-              <p:cNvSpPr txBox="true"/>
+              <p:cNvSpPr txBox="1"/>
               <p:nvPr/>
             </p:nvSpPr>
             <p:spPr>
@@ -5127,7 +5129,7 @@
         <p:sp>
           <p:nvSpPr>
             <p:cNvPr id="358" name="Text Box 143"/>
-            <p:cNvSpPr txBox="true"/>
+            <p:cNvSpPr txBox="1"/>
             <p:nvPr/>
           </p:nvSpPr>
           <p:spPr>
@@ -5201,7 +5203,7 @@
               </a:cxnLst>
               <a:rect l="0" t="0" r="r" b="b"/>
               <a:pathLst>
-                <a:path w="21600" h="21600" extrusionOk="false">
+                <a:path w="21600" h="21600" extrusionOk="0">
                   <a:moveTo>
                     <a:pt x="0" y="10800"/>
                   </a:moveTo>
@@ -5309,7 +5311,7 @@
               <p:nvPr/>
             </p:nvSpPr>
             <p:spPr>
-              <a:xfrm flipH="true">
+              <a:xfrm flipH="1">
                 <a:off x="123189" y="0"/>
                 <a:ext cx="1" cy="119381"/>
               </a:xfrm>
@@ -5337,7 +5339,7 @@
           <p:sp>
             <p:nvSpPr>
               <p:cNvPr id="362" name="Text Box 150"/>
-              <p:cNvSpPr txBox="true"/>
+              <p:cNvSpPr txBox="1"/>
               <p:nvPr/>
             </p:nvSpPr>
             <p:spPr>
@@ -5387,7 +5389,7 @@
               <p:nvPr/>
             </p:nvSpPr>
             <p:spPr>
-              <a:xfrm flipH="true">
+              <a:xfrm flipH="1">
                 <a:off x="229234" y="220344"/>
                 <a:ext cx="135256" cy="637"/>
               </a:xfrm>
@@ -5420,7 +5422,7 @@
             <p:nvPr/>
           </p:nvSpPr>
           <p:spPr>
-            <a:xfrm flipH="true" flipV="true">
+            <a:xfrm flipH="1" flipV="1">
               <a:off x="242570" y="1102360"/>
               <a:ext cx="134621" cy="1905"/>
             </a:xfrm>
@@ -5452,7 +5454,7 @@
             <p:nvPr/>
           </p:nvSpPr>
           <p:spPr>
-            <a:xfrm flipH="true">
+            <a:xfrm flipH="1">
               <a:off x="861695" y="1098550"/>
               <a:ext cx="135256" cy="636"/>
             </a:xfrm>
@@ -5484,7 +5486,7 @@
             <p:nvPr/>
           </p:nvSpPr>
           <p:spPr>
-            <a:xfrm flipH="true">
+            <a:xfrm flipH="1">
               <a:off x="1208404" y="1097914"/>
               <a:ext cx="135256" cy="636"/>
             </a:xfrm>
@@ -5575,7 +5577,7 @@
           <p:sp>
             <p:nvSpPr>
               <p:cNvPr id="370" name="Text Box 161"/>
-              <p:cNvSpPr txBox="true"/>
+              <p:cNvSpPr txBox="1"/>
               <p:nvPr/>
             </p:nvSpPr>
             <p:spPr>
@@ -5652,7 +5654,7 @@
                 </a:cxnLst>
                 <a:rect l="0" t="0" r="r" b="b"/>
                 <a:pathLst>
-                  <a:path w="21600" h="21600" extrusionOk="false">
+                  <a:path w="21600" h="21600" extrusionOk="0">
                     <a:moveTo>
                       <a:pt x="0" y="10800"/>
                     </a:moveTo>
@@ -5738,7 +5740,7 @@
               <p:nvPr/>
             </p:nvSpPr>
             <p:spPr>
-              <a:xfrm flipH="true" flipV="true">
+              <a:xfrm flipH="1" flipV="1">
                 <a:off x="85725" y="272415"/>
                 <a:ext cx="104776" cy="1270"/>
               </a:xfrm>
@@ -5815,7 +5817,7 @@
             <p:nvPr/>
           </p:nvSpPr>
           <p:spPr>
-            <a:xfrm flipH="true">
+            <a:xfrm flipH="1">
               <a:off x="815340" y="1749424"/>
               <a:ext cx="1271" cy="190500"/>
             </a:xfrm>
@@ -5847,7 +5849,7 @@
             <p:nvPr/>
           </p:nvSpPr>
           <p:spPr>
-            <a:xfrm flipH="true">
+            <a:xfrm flipH="1">
               <a:off x="1434464" y="1749424"/>
               <a:ext cx="1271" cy="190500"/>
             </a:xfrm>
@@ -5879,7 +5881,7 @@
             <p:nvPr/>
           </p:nvSpPr>
           <p:spPr>
-            <a:xfrm flipH="true">
+            <a:xfrm flipH="1">
               <a:off x="816610" y="2373629"/>
               <a:ext cx="1270" cy="190500"/>
             </a:xfrm>
@@ -5911,7 +5913,7 @@
             <p:nvPr/>
           </p:nvSpPr>
           <p:spPr>
-            <a:xfrm flipH="true">
+            <a:xfrm flipH="1">
               <a:off x="1433830" y="2367914"/>
               <a:ext cx="1271" cy="190500"/>
             </a:xfrm>
@@ -5939,7 +5941,7 @@
         <p:sp>
           <p:nvSpPr>
             <p:cNvPr id="380" name="Text Box 170"/>
-            <p:cNvSpPr txBox="true"/>
+            <p:cNvSpPr txBox="1"/>
             <p:nvPr/>
           </p:nvSpPr>
           <p:spPr>
@@ -5985,7 +5987,7 @@
         <p:sp>
           <p:nvSpPr>
             <p:cNvPr id="381" name="Text Box 171"/>
-            <p:cNvSpPr txBox="true"/>
+            <p:cNvSpPr txBox="1"/>
             <p:nvPr/>
           </p:nvSpPr>
           <p:spPr>
@@ -6059,7 +6061,7 @@
               </a:cxnLst>
               <a:rect l="0" t="0" r="r" b="b"/>
               <a:pathLst>
-                <a:path w="21600" h="21600" extrusionOk="false">
+                <a:path w="21600" h="21600" extrusionOk="0">
                   <a:moveTo>
                     <a:pt x="0" y="10800"/>
                   </a:moveTo>
@@ -6195,7 +6197,7 @@
           <p:sp>
             <p:nvSpPr>
               <p:cNvPr id="385" name="Text Box 176"/>
-              <p:cNvSpPr txBox="true"/>
+              <p:cNvSpPr txBox="1"/>
               <p:nvPr/>
             </p:nvSpPr>
             <p:spPr>
@@ -6245,7 +6247,7 @@
               <p:nvPr/>
             </p:nvSpPr>
             <p:spPr>
-              <a:xfrm flipH="true" flipV="true">
+              <a:xfrm flipH="1" flipV="1">
                 <a:off x="-1" y="222251"/>
                 <a:ext cx="104777" cy="1269"/>
               </a:xfrm>
@@ -6277,7 +6279,7 @@
               <p:nvPr/>
             </p:nvSpPr>
             <p:spPr>
-              <a:xfrm flipH="true" flipV="true">
+              <a:xfrm flipH="1" flipV="1">
                 <a:off x="315595" y="220980"/>
                 <a:ext cx="134620" cy="1905"/>
               </a:xfrm>
@@ -6306,7 +6308,7 @@
         <p:sp>
           <p:nvSpPr>
             <p:cNvPr id="389" name="Text Box 179"/>
-            <p:cNvSpPr txBox="true"/>
+            <p:cNvSpPr txBox="1"/>
             <p:nvPr/>
           </p:nvSpPr>
           <p:spPr>
@@ -6380,7 +6382,7 @@
               </a:cxnLst>
               <a:rect l="0" t="0" r="r" b="b"/>
               <a:pathLst>
-                <a:path w="21600" h="21600" extrusionOk="false">
+                <a:path w="21600" h="21600" extrusionOk="0">
                   <a:moveTo>
                     <a:pt x="0" y="10800"/>
                   </a:moveTo>
@@ -6488,7 +6490,7 @@
               <p:nvPr/>
             </p:nvSpPr>
             <p:spPr>
-              <a:xfrm flipH="true">
+              <a:xfrm flipH="1">
                 <a:off x="123190" y="0"/>
                 <a:ext cx="1" cy="119380"/>
               </a:xfrm>
@@ -6516,7 +6518,7 @@
           <p:sp>
             <p:nvSpPr>
               <p:cNvPr id="393" name="Text Box 186"/>
-              <p:cNvSpPr txBox="true"/>
+              <p:cNvSpPr txBox="1"/>
               <p:nvPr/>
             </p:nvSpPr>
             <p:spPr>
@@ -6567,7 +6569,7 @@
             <p:nvPr/>
           </p:nvSpPr>
           <p:spPr>
-            <a:xfrm flipH="true" flipV="true">
+            <a:xfrm flipH="1" flipV="1">
               <a:off x="1196975" y="2851785"/>
               <a:ext cx="134621" cy="1905"/>
             </a:xfrm>
@@ -6671,7 +6673,7 @@
         <p:sp>
           <p:nvSpPr>
             <p:cNvPr id="398" name="Text Box 197"/>
-            <p:cNvSpPr txBox="true"/>
+            <p:cNvSpPr txBox="1"/>
             <p:nvPr/>
           </p:nvSpPr>
           <p:spPr>
@@ -6724,7 +6726,7 @@
             <p:nvPr/>
           </p:nvSpPr>
           <p:spPr>
-            <a:xfrm flipH="true" flipV="true">
+            <a:xfrm flipH="1" flipV="1">
               <a:off x="2162810" y="2850515"/>
               <a:ext cx="104776" cy="1270"/>
             </a:xfrm>
@@ -6834,7 +6836,7 @@
             <p:nvPr/>
           </p:nvSpPr>
           <p:spPr>
-            <a:xfrm flipH="true">
+            <a:xfrm flipH="1">
               <a:off x="1435100" y="866775"/>
               <a:ext cx="1270" cy="190500"/>
             </a:xfrm>
@@ -6866,7 +6868,7 @@
             <p:nvPr/>
           </p:nvSpPr>
           <p:spPr>
-            <a:xfrm flipH="true">
+            <a:xfrm flipH="1">
               <a:off x="2054225" y="866775"/>
               <a:ext cx="1271" cy="190500"/>
             </a:xfrm>
@@ -6898,7 +6900,7 @@
             <p:nvPr/>
           </p:nvSpPr>
           <p:spPr>
-            <a:xfrm flipH="true">
+            <a:xfrm flipH="1">
               <a:off x="1436370" y="1490979"/>
               <a:ext cx="1270" cy="190500"/>
             </a:xfrm>
@@ -6930,7 +6932,7 @@
             <p:nvPr/>
           </p:nvSpPr>
           <p:spPr>
-            <a:xfrm flipH="true">
+            <a:xfrm flipH="1">
               <a:off x="2053590" y="1485264"/>
               <a:ext cx="1271" cy="190500"/>
             </a:xfrm>
@@ -6958,7 +6960,7 @@
         <p:sp>
           <p:nvSpPr>
             <p:cNvPr id="406" name="Text Box 205"/>
-            <p:cNvSpPr txBox="true"/>
+            <p:cNvSpPr txBox="1"/>
             <p:nvPr/>
           </p:nvSpPr>
           <p:spPr>
@@ -7008,7 +7010,7 @@
             <p:nvPr/>
           </p:nvSpPr>
           <p:spPr>
-            <a:xfrm flipH="true" flipV="true">
+            <a:xfrm flipH="1" flipV="1">
               <a:off x="1544320" y="2853055"/>
               <a:ext cx="134621" cy="1905"/>
             </a:xfrm>
@@ -7040,7 +7042,7 @@
             <p:nvPr/>
           </p:nvSpPr>
           <p:spPr>
-            <a:xfrm flipH="true" flipV="true">
+            <a:xfrm flipH="1" flipV="1">
               <a:off x="1817370" y="2852420"/>
               <a:ext cx="134621" cy="1905"/>
             </a:xfrm>
@@ -7068,7 +7070,7 @@
         <p:sp>
           <p:nvSpPr>
             <p:cNvPr id="409" name="Text Box 213"/>
-            <p:cNvSpPr txBox="true"/>
+            <p:cNvSpPr txBox="1"/>
             <p:nvPr/>
           </p:nvSpPr>
           <p:spPr>
@@ -7162,7 +7164,7 @@
             <p:nvPr/>
           </p:nvSpPr>
           <p:spPr>
-            <a:xfrm flipH="true">
+            <a:xfrm flipH="1">
               <a:off x="815975" y="0"/>
               <a:ext cx="1270" cy="190500"/>
             </a:xfrm>
@@ -7194,7 +7196,7 @@
             <p:nvPr/>
           </p:nvSpPr>
           <p:spPr>
-            <a:xfrm flipH="true">
+            <a:xfrm flipH="1">
               <a:off x="1435100" y="0"/>
               <a:ext cx="1270" cy="190500"/>
             </a:xfrm>
@@ -7226,7 +7228,7 @@
             <p:nvPr/>
           </p:nvSpPr>
           <p:spPr>
-            <a:xfrm flipH="true">
+            <a:xfrm flipH="1">
               <a:off x="817245" y="624204"/>
               <a:ext cx="1270" cy="190500"/>
             </a:xfrm>
@@ -7258,7 +7260,7 @@
             <p:nvPr/>
           </p:nvSpPr>
           <p:spPr>
-            <a:xfrm flipH="true">
+            <a:xfrm flipH="1">
               <a:off x="1434464" y="618489"/>
               <a:ext cx="1271" cy="190500"/>
             </a:xfrm>
@@ -7286,7 +7288,7 @@
         <p:sp>
           <p:nvSpPr>
             <p:cNvPr id="415" name="Text Box 219"/>
-            <p:cNvSpPr txBox="true"/>
+            <p:cNvSpPr txBox="1"/>
             <p:nvPr/>
           </p:nvSpPr>
           <p:spPr>
@@ -7394,7 +7396,7 @@
               <p:nvPr/>
             </p:nvSpPr>
             <p:spPr>
-              <a:xfrm flipH="true">
+              <a:xfrm flipH="1">
                 <a:off x="103505" y="-1"/>
                 <a:ext cx="1270" cy="190501"/>
               </a:xfrm>
@@ -7426,7 +7428,7 @@
               <p:nvPr/>
             </p:nvSpPr>
             <p:spPr>
-              <a:xfrm flipH="true">
+              <a:xfrm flipH="1">
                 <a:off x="104775" y="624205"/>
                 <a:ext cx="1270" cy="190501"/>
               </a:xfrm>
@@ -7542,7 +7544,7 @@
             <p:nvPr/>
           </p:nvSpPr>
           <p:spPr>
-            <a:xfrm flipH="true">
+            <a:xfrm flipH="1">
               <a:off x="197485" y="866775"/>
               <a:ext cx="1270" cy="190500"/>
             </a:xfrm>
@@ -7574,7 +7576,7 @@
             <p:nvPr/>
           </p:nvSpPr>
           <p:spPr>
-            <a:xfrm flipH="true">
+            <a:xfrm flipH="1">
               <a:off x="816610" y="866775"/>
               <a:ext cx="1270" cy="190500"/>
             </a:xfrm>
@@ -7606,7 +7608,7 @@
             <p:nvPr/>
           </p:nvSpPr>
           <p:spPr>
-            <a:xfrm flipH="true">
+            <a:xfrm flipH="1">
               <a:off x="198755" y="1490979"/>
               <a:ext cx="1270" cy="190500"/>
             </a:xfrm>
@@ -7638,7 +7640,7 @@
             <p:nvPr/>
           </p:nvSpPr>
           <p:spPr>
-            <a:xfrm flipH="true">
+            <a:xfrm flipH="1">
               <a:off x="815975" y="1485264"/>
               <a:ext cx="1270" cy="190500"/>
             </a:xfrm>
@@ -7666,7 +7668,7 @@
         <p:sp>
           <p:nvSpPr>
             <p:cNvPr id="426" name="Text Box 227"/>
-            <p:cNvSpPr txBox="true"/>
+            <p:cNvSpPr txBox="1"/>
             <p:nvPr/>
           </p:nvSpPr>
           <p:spPr>
@@ -7813,7 +7815,7 @@
               <p:nvPr/>
             </p:nvSpPr>
             <p:spPr>
-              <a:xfrm flipH="true">
+              <a:xfrm flipH="1">
                 <a:off x="103505" y="-1"/>
                 <a:ext cx="1270" cy="190501"/>
               </a:xfrm>
@@ -7845,7 +7847,7 @@
               <p:nvPr/>
             </p:nvSpPr>
             <p:spPr>
-              <a:xfrm flipH="true">
+              <a:xfrm flipH="1">
                 <a:off x="104775" y="624205"/>
                 <a:ext cx="1270" cy="190501"/>
               </a:xfrm>
@@ -7942,7 +7944,7 @@
             </a:cxnLst>
             <a:rect l="0" t="0" r="r" b="b"/>
             <a:pathLst>
-              <a:path w="21600" h="21600" extrusionOk="false">
+              <a:path w="21600" h="21600" extrusionOk="0">
                 <a:moveTo>
                   <a:pt x="0" y="5400"/>
                 </a:moveTo>
@@ -7998,7 +8000,7 @@
       <p:sp>
         <p:nvSpPr>
           <p:cNvPr id="435" name="Text Box 238"/>
-          <p:cNvSpPr txBox="true"/>
+          <p:cNvSpPr txBox="1"/>
           <p:nvPr/>
         </p:nvSpPr>
         <p:spPr>
@@ -8032,7 +8034,7 @@
       <p:sp>
         <p:nvSpPr>
           <p:cNvPr id="436" name="Text Box 239"/>
-          <p:cNvSpPr txBox="true"/>
+          <p:cNvSpPr txBox="1"/>
           <p:nvPr/>
         </p:nvSpPr>
         <p:spPr>
@@ -8066,7 +8068,7 @@
       <p:sp>
         <p:nvSpPr>
           <p:cNvPr id="437" name="Text Box 240"/>
-          <p:cNvSpPr txBox="true"/>
+          <p:cNvSpPr txBox="1"/>
           <p:nvPr/>
         </p:nvSpPr>
         <p:spPr>
@@ -8186,7 +8188,7 @@
             <p:nvPr/>
           </p:nvSpPr>
           <p:spPr>
-            <a:xfrm flipV="true">
+            <a:xfrm flipV="1">
               <a:off x="961236" y="-1"/>
               <a:ext cx="395804" cy="495687"/>
             </a:xfrm>
@@ -8306,7 +8308,7 @@
       <p:sp>
         <p:nvSpPr>
           <p:cNvPr id="445" name="Text Box 2"/>
-          <p:cNvSpPr txBox="true"/>
+          <p:cNvSpPr txBox="1"/>
           <p:nvPr/>
         </p:nvSpPr>
         <p:spPr>
@@ -8336,7 +8338,7 @@
       <p:sp>
         <p:nvSpPr>
           <p:cNvPr id="446" name="Text Box 5"/>
-          <p:cNvSpPr txBox="true"/>
+          <p:cNvSpPr txBox="1"/>
           <p:nvPr/>
         </p:nvSpPr>
         <p:spPr>
@@ -8370,7 +8372,7 @@
       <p:sp>
         <p:nvSpPr>
           <p:cNvPr id="447" name="Text Box 7"/>
-          <p:cNvSpPr txBox="true"/>
+          <p:cNvSpPr txBox="1"/>
           <p:nvPr/>
         </p:nvSpPr>
         <p:spPr>
@@ -8404,7 +8406,7 @@
       <p:sp>
         <p:nvSpPr>
           <p:cNvPr id="448" name="Text Box 8"/>
-          <p:cNvSpPr txBox="true"/>
+          <p:cNvSpPr txBox="1"/>
           <p:nvPr/>
         </p:nvSpPr>
         <p:spPr>
@@ -8524,7 +8526,7 @@
             <p:nvPr/>
           </p:nvSpPr>
           <p:spPr>
-            <a:xfrm flipV="true">
+            <a:xfrm flipV="1">
               <a:off x="961236" y="-1"/>
               <a:ext cx="395804" cy="495687"/>
             </a:xfrm>
@@ -8644,7 +8646,7 @@
       <p:sp>
         <p:nvSpPr>
           <p:cNvPr id="456" name="Text Box 2"/>
-          <p:cNvSpPr txBox="true"/>
+          <p:cNvSpPr txBox="1"/>
           <p:nvPr/>
         </p:nvSpPr>
         <p:spPr>
@@ -8678,7 +8680,7 @@
       <p:sp>
         <p:nvSpPr>
           <p:cNvPr id="457" name="Text Box 5"/>
-          <p:cNvSpPr txBox="true"/>
+          <p:cNvSpPr txBox="1"/>
           <p:nvPr/>
         </p:nvSpPr>
         <p:spPr>
@@ -8712,7 +8714,7 @@
       <p:sp>
         <p:nvSpPr>
           <p:cNvPr id="458" name="Text Box 7"/>
-          <p:cNvSpPr txBox="true"/>
+          <p:cNvSpPr txBox="1"/>
           <p:nvPr/>
         </p:nvSpPr>
         <p:spPr>
@@ -8746,7 +8748,7 @@
       <p:sp>
         <p:nvSpPr>
           <p:cNvPr id="459" name="Text Box 8"/>
-          <p:cNvSpPr txBox="true"/>
+          <p:cNvSpPr txBox="1"/>
           <p:nvPr/>
         </p:nvSpPr>
         <p:spPr>
@@ -8780,7 +8782,7 @@
       <p:sp>
         <p:nvSpPr>
           <p:cNvPr id="460" name="Text Box 3"/>
-          <p:cNvSpPr txBox="true"/>
+          <p:cNvSpPr txBox="1"/>
           <p:nvPr/>
         </p:nvSpPr>
         <p:spPr>
@@ -8818,7 +8820,7 @@
       <p:sp>
         <p:nvSpPr>
           <p:cNvPr id="461" name="Text Box 4"/>
-          <p:cNvSpPr txBox="true"/>
+          <p:cNvSpPr txBox="1"/>
           <p:nvPr/>
         </p:nvSpPr>
         <p:spPr>
@@ -8856,7 +8858,7 @@
       <p:sp>
         <p:nvSpPr>
           <p:cNvPr id="462" name="Text Box 6"/>
-          <p:cNvSpPr txBox="true"/>
+          <p:cNvSpPr txBox="1"/>
           <p:nvPr/>
         </p:nvSpPr>
         <p:spPr>
@@ -8980,7 +8982,7 @@
             <p:nvPr/>
           </p:nvSpPr>
           <p:spPr>
-            <a:xfrm flipV="true">
+            <a:xfrm flipV="1">
               <a:off x="961236" y="-1"/>
               <a:ext cx="395804" cy="495687"/>
             </a:xfrm>
@@ -9100,7 +9102,7 @@
       <p:sp>
         <p:nvSpPr>
           <p:cNvPr id="470" name="Text Box 2"/>
-          <p:cNvSpPr txBox="true"/>
+          <p:cNvSpPr txBox="1"/>
           <p:nvPr/>
         </p:nvSpPr>
         <p:spPr>
@@ -9134,7 +9136,7 @@
       <p:sp>
         <p:nvSpPr>
           <p:cNvPr id="471" name="Text Box 5"/>
-          <p:cNvSpPr txBox="true"/>
+          <p:cNvSpPr txBox="1"/>
           <p:nvPr/>
         </p:nvSpPr>
         <p:spPr>
@@ -9168,7 +9170,7 @@
       <p:sp>
         <p:nvSpPr>
           <p:cNvPr id="472" name="Text Box 7"/>
-          <p:cNvSpPr txBox="true"/>
+          <p:cNvSpPr txBox="1"/>
           <p:nvPr/>
         </p:nvSpPr>
         <p:spPr>
@@ -9202,7 +9204,7 @@
       <p:sp>
         <p:nvSpPr>
           <p:cNvPr id="473" name="Text Box 8"/>
-          <p:cNvSpPr txBox="true"/>
+          <p:cNvSpPr txBox="1"/>
           <p:nvPr/>
         </p:nvSpPr>
         <p:spPr>
@@ -9236,7 +9238,7 @@
       <p:sp>
         <p:nvSpPr>
           <p:cNvPr id="474" name="Text Box 3"/>
-          <p:cNvSpPr txBox="true"/>
+          <p:cNvSpPr txBox="1"/>
           <p:nvPr/>
         </p:nvSpPr>
         <p:spPr>
@@ -9274,7 +9276,7 @@
       <p:sp>
         <p:nvSpPr>
           <p:cNvPr id="475" name="Text Box 4"/>
-          <p:cNvSpPr txBox="true"/>
+          <p:cNvSpPr txBox="1"/>
           <p:nvPr/>
         </p:nvSpPr>
         <p:spPr>
@@ -9312,7 +9314,7 @@
       <p:sp>
         <p:nvSpPr>
           <p:cNvPr id="476" name="Text Box 6"/>
-          <p:cNvSpPr txBox="true"/>
+          <p:cNvSpPr txBox="1"/>
           <p:nvPr/>
         </p:nvSpPr>
         <p:spPr>
@@ -9461,7 +9463,7 @@
             <p:nvPr/>
           </p:nvSpPr>
           <p:spPr>
-            <a:xfrm flipV="true">
+            <a:xfrm flipV="1">
               <a:off x="906107" y="0"/>
               <a:ext cx="327025" cy="409780"/>
             </a:xfrm>
@@ -9581,7 +9583,7 @@
       <p:sp>
         <p:nvSpPr>
           <p:cNvPr id="485" name="Text Box 28"/>
-          <p:cNvSpPr txBox="true"/>
+          <p:cNvSpPr txBox="1"/>
           <p:nvPr/>
         </p:nvSpPr>
         <p:spPr>
@@ -9652,7 +9654,7 @@
       <p:sp>
         <p:nvSpPr>
           <p:cNvPr id="487" name="Text Box 32"/>
-          <p:cNvSpPr txBox="true"/>
+          <p:cNvSpPr txBox="1"/>
           <p:nvPr/>
         </p:nvSpPr>
         <p:spPr>
@@ -9719,7 +9721,7 @@
             </a:cxnLst>
             <a:rect l="0" t="0" r="r" b="b"/>
             <a:pathLst>
-              <a:path w="21600" h="21600" extrusionOk="false">
+              <a:path w="21600" h="21600" extrusionOk="0">
                 <a:moveTo>
                   <a:pt x="0" y="0"/>
                 </a:moveTo>
@@ -9795,7 +9797,7 @@
             </a:cxnLst>
             <a:rect l="0" t="0" r="r" b="b"/>
             <a:pathLst>
-              <a:path w="21600" h="21600" extrusionOk="false">
+              <a:path w="21600" h="21600" extrusionOk="0">
                 <a:moveTo>
                   <a:pt x="0" y="0"/>
                 </a:moveTo>
@@ -9884,7 +9886,7 @@
               </a:cxnLst>
               <a:rect l="0" t="0" r="r" b="b"/>
               <a:pathLst>
-                <a:path w="21600" h="21600" extrusionOk="false">
+                <a:path w="21600" h="21600" extrusionOk="0">
                   <a:moveTo>
                     <a:pt x="0" y="0"/>
                   </a:moveTo>
@@ -9967,7 +9969,7 @@
               </a:cxnLst>
               <a:rect l="0" t="0" r="r" b="b"/>
               <a:pathLst>
-                <a:path w="21600" h="21600" extrusionOk="false">
+                <a:path w="21600" h="21600" extrusionOk="0">
                   <a:moveTo>
                     <a:pt x="0" y="0"/>
                   </a:moveTo>
@@ -10050,7 +10052,7 @@
               </a:cxnLst>
               <a:rect l="0" t="0" r="r" b="b"/>
               <a:pathLst>
-                <a:path w="21600" h="21600" extrusionOk="false">
+                <a:path w="21600" h="21600" extrusionOk="0">
                   <a:moveTo>
                     <a:pt x="0" y="0"/>
                   </a:moveTo>
@@ -10141,7 +10143,7 @@
       <p:sp>
         <p:nvSpPr>
           <p:cNvPr id="495" name="Text Box 42"/>
-          <p:cNvSpPr txBox="true"/>
+          <p:cNvSpPr txBox="1"/>
           <p:nvPr/>
         </p:nvSpPr>
         <p:spPr>
@@ -10212,7 +10214,7 @@
       <p:sp>
         <p:nvSpPr>
           <p:cNvPr id="497" name="Text Box 44"/>
-          <p:cNvSpPr txBox="true"/>
+          <p:cNvSpPr txBox="1"/>
           <p:nvPr/>
         </p:nvSpPr>
         <p:spPr>
@@ -10246,7 +10248,7 @@
       <p:sp>
         <p:nvSpPr>
           <p:cNvPr id="498" name="Text Box 45"/>
-          <p:cNvSpPr txBox="true"/>
+          <p:cNvSpPr txBox="1"/>
           <p:nvPr/>
         </p:nvSpPr>
         <p:spPr>
@@ -10307,7 +10309,7 @@
       <p:sp>
         <p:nvSpPr>
           <p:cNvPr id="499" name="Text Box 47"/>
-          <p:cNvSpPr txBox="true"/>
+          <p:cNvSpPr txBox="1"/>
           <p:nvPr/>
         </p:nvSpPr>
         <p:spPr>
@@ -10345,7 +10347,7 @@
       <p:sp>
         <p:nvSpPr>
           <p:cNvPr id="500" name="Text Box 48"/>
-          <p:cNvSpPr txBox="true"/>
+          <p:cNvSpPr txBox="1"/>
           <p:nvPr/>
         </p:nvSpPr>
         <p:spPr>
@@ -10383,7 +10385,7 @@
       <p:sp>
         <p:nvSpPr>
           <p:cNvPr id="501" name="Text Box 49"/>
-          <p:cNvSpPr txBox="true"/>
+          <p:cNvSpPr txBox="1"/>
           <p:nvPr/>
         </p:nvSpPr>
         <p:spPr>
@@ -10501,7 +10503,7 @@
       <p:sp>
         <p:nvSpPr>
           <p:cNvPr id="505" name="Text Box 28"/>
-          <p:cNvSpPr txBox="true"/>
+          <p:cNvSpPr txBox="1"/>
           <p:nvPr/>
         </p:nvSpPr>
         <p:spPr>
@@ -10563,7 +10565,7 @@
       <p:sp>
         <p:nvSpPr>
           <p:cNvPr id="507" name="Text Box 3"/>
-          <p:cNvSpPr txBox="true"/>
+          <p:cNvSpPr txBox="1"/>
           <p:nvPr/>
         </p:nvSpPr>
         <p:spPr>
@@ -10600,7 +10602,7 @@
       <p:sp>
         <p:nvSpPr>
           <p:cNvPr id="508" name="Text Box 4"/>
-          <p:cNvSpPr txBox="true"/>
+          <p:cNvSpPr txBox="1"/>
           <p:nvPr/>
         </p:nvSpPr>
         <p:spPr>
@@ -10641,7 +10643,7 @@
           <p:nvPr/>
         </p:nvSpPr>
         <p:spPr>
-          <a:xfrm flipV="true">
+          <a:xfrm flipV="1">
             <a:off x="3865879" y="3124199"/>
             <a:ext cx="344806" cy="636"/>
           </a:xfrm>
@@ -10695,7 +10697,7 @@
           <p:nvPr/>
         </p:nvSpPr>
         <p:spPr>
-          <a:xfrm flipH="true">
+          <a:xfrm flipH="1">
             <a:off x="3959224" y="3123565"/>
             <a:ext cx="1271" cy="502920"/>
           </a:xfrm>
@@ -10718,7 +10720,7 @@
       <p:sp>
         <p:nvSpPr>
           <p:cNvPr id="512" name="Text Box 9"/>
-          <p:cNvSpPr txBox="true"/>
+          <p:cNvSpPr txBox="1"/>
           <p:nvPr/>
         </p:nvSpPr>
         <p:spPr>
@@ -10752,7 +10754,7 @@
       <p:sp>
         <p:nvSpPr>
           <p:cNvPr id="513" name="Text Box 11"/>
-          <p:cNvSpPr txBox="true"/>
+          <p:cNvSpPr txBox="1"/>
           <p:nvPr/>
         </p:nvSpPr>
         <p:spPr>
@@ -11043,7 +11045,7 @@
           <p:nvPr/>
         </p:nvSpPr>
         <p:spPr>
-          <a:xfrm flipH="true" flipV="true">
+          <a:xfrm flipH="1" flipV="1">
             <a:off x="4746624" y="2447290"/>
             <a:ext cx="104776" cy="1270"/>
           </a:xfrm>
@@ -11101,7 +11103,7 @@
           <p:nvPr/>
         </p:nvSpPr>
         <p:spPr>
-          <a:xfrm flipH="true" flipV="true">
+          <a:xfrm flipH="1" flipV="1">
             <a:off x="5062854" y="2447925"/>
             <a:ext cx="104776" cy="1271"/>
           </a:xfrm>
@@ -11224,7 +11226,7 @@
           <p:nvPr/>
         </p:nvSpPr>
         <p:spPr>
-          <a:xfrm flipH="true" flipV="true">
+          <a:xfrm flipH="1" flipV="1">
             <a:off x="5346699" y="2445385"/>
             <a:ext cx="104776" cy="1271"/>
           </a:xfrm>
@@ -11282,7 +11284,7 @@
           <p:nvPr/>
         </p:nvSpPr>
         <p:spPr>
-          <a:xfrm flipH="true" flipV="true">
+          <a:xfrm flipH="1" flipV="1">
             <a:off x="5662929" y="2446020"/>
             <a:ext cx="104776" cy="1271"/>
           </a:xfrm>
@@ -11405,7 +11407,7 @@
           <p:nvPr/>
         </p:nvSpPr>
         <p:spPr>
-          <a:xfrm flipH="true" flipV="true">
+          <a:xfrm flipH="1" flipV="1">
             <a:off x="6353809" y="2453640"/>
             <a:ext cx="104776" cy="1270"/>
           </a:xfrm>
@@ -11463,7 +11465,7 @@
           <p:nvPr/>
         </p:nvSpPr>
         <p:spPr>
-          <a:xfrm flipH="true" flipV="true">
+          <a:xfrm flipH="1" flipV="1">
             <a:off x="6670040" y="2454275"/>
             <a:ext cx="104776" cy="1271"/>
           </a:xfrm>
@@ -11486,7 +11488,7 @@
       <p:sp>
         <p:nvSpPr>
           <p:cNvPr id="537" name="Text Box 73"/>
-          <p:cNvSpPr txBox="true"/>
+          <p:cNvSpPr txBox="1"/>
           <p:nvPr/>
         </p:nvSpPr>
         <p:spPr>
@@ -11548,7 +11550,7 @@
               <p:nvPr/>
             </p:nvSpPr>
             <p:spPr>
-              <a:xfrm flipH="true">
+              <a:xfrm flipH="1">
                 <a:off x="-1" y="1628"/>
                 <a:ext cx="2" cy="212139"/>
               </a:xfrm>
@@ -11612,7 +11614,7 @@
               <p:nvPr/>
             </p:nvSpPr>
             <p:spPr>
-              <a:xfrm flipH="true">
+              <a:xfrm flipH="1">
                 <a:off x="195372" y="106680"/>
                 <a:ext cx="85298" cy="107088"/>
               </a:xfrm>
@@ -11676,7 +11678,7 @@
               <p:nvPr/>
             </p:nvSpPr>
             <p:spPr>
-              <a:xfrm flipH="true">
+              <a:xfrm flipH="1">
                 <a:off x="194154" y="106680"/>
                 <a:ext cx="85298" cy="107088"/>
               </a:xfrm>
@@ -11705,7 +11707,7 @@
         <p:sp>
           <p:nvSpPr>
             <p:cNvPr id="544" name="Text Box 83"/>
-            <p:cNvSpPr txBox="true"/>
+            <p:cNvSpPr txBox="1"/>
             <p:nvPr/>
           </p:nvSpPr>
           <p:spPr>
@@ -11776,7 +11778,7 @@
             </a:cxnLst>
             <a:rect l="0" t="0" r="r" b="b"/>
             <a:pathLst>
-              <a:path w="21600" h="21600" extrusionOk="false">
+              <a:path w="21600" h="21600" extrusionOk="0">
                 <a:moveTo>
                   <a:pt x="0" y="0"/>
                 </a:moveTo>
@@ -11827,7 +11829,7 @@
       <p:sp>
         <p:nvSpPr>
           <p:cNvPr id="547" name="Text Box 87"/>
-          <p:cNvSpPr txBox="true"/>
+          <p:cNvSpPr txBox="1"/>
           <p:nvPr/>
         </p:nvSpPr>
         <p:spPr>
@@ -11885,7 +11887,7 @@
             </a:cxnLst>
             <a:rect l="0" t="0" r="r" b="b"/>
             <a:pathLst>
-              <a:path w="21600" h="21600" extrusionOk="false">
+              <a:path w="21600" h="21600" extrusionOk="0">
                 <a:moveTo>
                   <a:pt x="21600" y="21600"/>
                 </a:moveTo>
@@ -12002,7 +12004,7 @@
         <p:sp>
           <p:nvSpPr>
             <p:cNvPr id="551" name="Text Box 92"/>
-            <p:cNvSpPr txBox="true"/>
+            <p:cNvSpPr txBox="1"/>
             <p:nvPr/>
           </p:nvSpPr>
           <p:spPr>
@@ -12116,7 +12118,7 @@
               <p:nvPr/>
             </p:nvSpPr>
             <p:spPr>
-              <a:xfrm flipV="true">
+              <a:xfrm flipV="1">
                 <a:off x="243998" y="0"/>
                 <a:ext cx="1" cy="102812"/>
               </a:xfrm>
@@ -12148,7 +12150,7 @@
               <p:nvPr/>
             </p:nvSpPr>
             <p:spPr>
-              <a:xfrm flipV="true">
+              <a:xfrm flipV="1">
                 <a:off x="243998" y="361374"/>
                 <a:ext cx="1" cy="102812"/>
               </a:xfrm>
@@ -12180,7 +12182,7 @@
               <p:nvPr/>
             </p:nvSpPr>
             <p:spPr>
-              <a:xfrm flipV="true">
+              <a:xfrm flipV="1">
                 <a:off x="-1" y="232476"/>
                 <a:ext cx="100899" cy="768"/>
               </a:xfrm>
@@ -12209,7 +12211,7 @@
         <p:sp>
           <p:nvSpPr>
             <p:cNvPr id="558" name="Text Box 16"/>
-            <p:cNvSpPr txBox="true"/>
+            <p:cNvSpPr txBox="1"/>
             <p:nvPr/>
           </p:nvSpPr>
           <p:spPr>
@@ -12254,7 +12256,7 @@
             <p:nvPr/>
           </p:nvSpPr>
           <p:spPr>
-            <a:xfrm flipV="true">
+            <a:xfrm flipV="1">
               <a:off x="386714" y="234314"/>
               <a:ext cx="100965" cy="636"/>
             </a:xfrm>
@@ -12359,7 +12361,7 @@
               <p:nvPr/>
             </p:nvSpPr>
             <p:spPr>
-              <a:xfrm flipV="true">
+              <a:xfrm flipV="1">
                 <a:off x="243998" y="0"/>
                 <a:ext cx="1" cy="102812"/>
               </a:xfrm>
@@ -12391,7 +12393,7 @@
               <p:nvPr/>
             </p:nvSpPr>
             <p:spPr>
-              <a:xfrm flipV="true">
+              <a:xfrm flipV="1">
                 <a:off x="243998" y="361374"/>
                 <a:ext cx="1" cy="102812"/>
               </a:xfrm>
@@ -12423,7 +12425,7 @@
               <p:nvPr/>
             </p:nvSpPr>
             <p:spPr>
-              <a:xfrm flipV="true">
+              <a:xfrm flipV="1">
                 <a:off x="0" y="232476"/>
                 <a:ext cx="100898" cy="768"/>
               </a:xfrm>
@@ -12452,7 +12454,7 @@
         <p:sp>
           <p:nvSpPr>
             <p:cNvPr id="566" name="Text Box 103"/>
-            <p:cNvSpPr txBox="true"/>
+            <p:cNvSpPr txBox="1"/>
             <p:nvPr/>
           </p:nvSpPr>
           <p:spPr>
@@ -12497,7 +12499,7 @@
             <p:nvPr/>
           </p:nvSpPr>
           <p:spPr>
-            <a:xfrm flipV="true">
+            <a:xfrm flipV="1">
               <a:off x="386715" y="234315"/>
               <a:ext cx="100966" cy="636"/>
             </a:xfrm>
@@ -12526,7 +12528,7 @@
       <p:sp>
         <p:nvSpPr>
           <p:cNvPr id="569" name="Text Box 105"/>
-          <p:cNvSpPr txBox="true"/>
+          <p:cNvSpPr txBox="1"/>
           <p:nvPr/>
         </p:nvSpPr>
         <p:spPr>
@@ -12632,7 +12634,7 @@
               <p:nvPr/>
             </p:nvSpPr>
             <p:spPr>
-              <a:xfrm flipV="true">
+              <a:xfrm flipV="1">
                 <a:off x="243998" y="0"/>
                 <a:ext cx="1" cy="102812"/>
               </a:xfrm>
@@ -12664,7 +12666,7 @@
               <p:nvPr/>
             </p:nvSpPr>
             <p:spPr>
-              <a:xfrm flipV="true">
+              <a:xfrm flipV="1">
                 <a:off x="243998" y="361374"/>
                 <a:ext cx="1" cy="102812"/>
               </a:xfrm>
@@ -12696,7 +12698,7 @@
               <p:nvPr/>
             </p:nvSpPr>
             <p:spPr>
-              <a:xfrm flipV="true">
+              <a:xfrm flipV="1">
                 <a:off x="0" y="232476"/>
                 <a:ext cx="100898" cy="768"/>
               </a:xfrm>
@@ -12725,7 +12727,7 @@
         <p:sp>
           <p:nvSpPr>
             <p:cNvPr id="575" name="Text Box 112"/>
-            <p:cNvSpPr txBox="true"/>
+            <p:cNvSpPr txBox="1"/>
             <p:nvPr/>
           </p:nvSpPr>
           <p:spPr>
@@ -12770,7 +12772,7 @@
             <p:nvPr/>
           </p:nvSpPr>
           <p:spPr>
-            <a:xfrm flipV="true">
+            <a:xfrm flipV="1">
               <a:off x="386715" y="234315"/>
               <a:ext cx="100966" cy="636"/>
             </a:xfrm>
@@ -12827,7 +12829,7 @@
             </a:cxnLst>
             <a:rect l="0" t="0" r="r" b="b"/>
             <a:pathLst>
-              <a:path w="21600" h="21600" extrusionOk="false">
+              <a:path w="21600" h="21600" extrusionOk="0">
                 <a:moveTo>
                   <a:pt x="21600" y="21600"/>
                 </a:moveTo>
@@ -12869,7 +12871,7 @@
           <p:nvPr/>
         </p:nvSpPr>
         <p:spPr>
-          <a:xfrm flipH="true">
+          <a:xfrm flipH="1">
             <a:off x="6645909" y="5085715"/>
             <a:ext cx="170816" cy="1"/>
           </a:xfrm>
@@ -12944,7 +12946,7 @@
         <p:sp>
           <p:nvSpPr>
             <p:cNvPr id="581" name="Text Box 118"/>
-            <p:cNvSpPr txBox="true"/>
+            <p:cNvSpPr txBox="1"/>
             <p:nvPr/>
           </p:nvSpPr>
           <p:spPr>
@@ -13026,7 +13028,7 @@
           <p:nvPr/>
         </p:nvSpPr>
         <p:spPr>
-          <a:xfrm flipV="true">
+          <a:xfrm flipV="1">
             <a:off x="4851400" y="3302634"/>
             <a:ext cx="0" cy="190501"/>
           </a:xfrm>
@@ -13053,7 +13055,7 @@
           <p:nvPr/>
         </p:nvSpPr>
         <p:spPr>
-          <a:xfrm flipV="true">
+          <a:xfrm flipV="1">
             <a:off x="5127625" y="3302634"/>
             <a:ext cx="0" cy="190501"/>
           </a:xfrm>
@@ -13080,7 +13082,7 @@
           <p:nvPr/>
         </p:nvSpPr>
         <p:spPr>
-          <a:xfrm flipV="true">
+          <a:xfrm flipV="1">
             <a:off x="6369050" y="3302634"/>
             <a:ext cx="0" cy="190501"/>
           </a:xfrm>
@@ -13103,7 +13105,7 @@
       <p:sp>
         <p:nvSpPr>
           <p:cNvPr id="587" name="Text Box 130"/>
-          <p:cNvSpPr txBox="true"/>
+          <p:cNvSpPr txBox="1"/>
           <p:nvPr/>
         </p:nvSpPr>
         <p:spPr>
@@ -13137,7 +13139,7 @@
           <p:nvPr/>
         </p:nvSpPr>
         <p:spPr>
-          <a:xfrm flipV="true">
+          <a:xfrm flipV="1">
             <a:off x="5399404" y="3302634"/>
             <a:ext cx="1" cy="190501"/>
           </a:xfrm>
@@ -13164,7 +13166,7 @@
           <p:nvPr/>
         </p:nvSpPr>
         <p:spPr>
-          <a:xfrm flipV="true">
+          <a:xfrm flipV="1">
             <a:off x="5688329" y="3302634"/>
             <a:ext cx="1" cy="190501"/>
           </a:xfrm>
@@ -13191,7 +13193,7 @@
           <p:nvPr/>
         </p:nvSpPr>
         <p:spPr>
-          <a:xfrm flipV="true">
+          <a:xfrm flipV="1">
             <a:off x="4856479" y="3751579"/>
             <a:ext cx="1" cy="190501"/>
           </a:xfrm>
@@ -13218,7 +13220,7 @@
           <p:nvPr/>
         </p:nvSpPr>
         <p:spPr>
-          <a:xfrm flipV="true">
+          <a:xfrm flipV="1">
             <a:off x="5132704" y="3751579"/>
             <a:ext cx="1" cy="190501"/>
           </a:xfrm>
@@ -13245,7 +13247,7 @@
           <p:nvPr/>
         </p:nvSpPr>
         <p:spPr>
-          <a:xfrm flipV="true">
+          <a:xfrm flipV="1">
             <a:off x="6374129" y="3751579"/>
             <a:ext cx="1" cy="190501"/>
           </a:xfrm>
@@ -13272,7 +13274,7 @@
           <p:nvPr/>
         </p:nvSpPr>
         <p:spPr>
-          <a:xfrm flipV="true">
+          <a:xfrm flipV="1">
             <a:off x="5404484" y="3751579"/>
             <a:ext cx="1" cy="190501"/>
           </a:xfrm>
@@ -13299,7 +13301,7 @@
           <p:nvPr/>
         </p:nvSpPr>
         <p:spPr>
-          <a:xfrm flipV="true">
+          <a:xfrm flipV="1">
             <a:off x="5693409" y="3751579"/>
             <a:ext cx="1" cy="190501"/>
           </a:xfrm>
@@ -13322,7 +13324,7 @@
       <p:sp>
         <p:nvSpPr>
           <p:cNvPr id="595" name="Text Box 138"/>
-          <p:cNvSpPr txBox="true"/>
+          <p:cNvSpPr txBox="1"/>
           <p:nvPr/>
         </p:nvSpPr>
         <p:spPr>
@@ -13352,7 +13354,7 @@
       <p:sp>
         <p:nvSpPr>
           <p:cNvPr id="596" name="Text Box 139"/>
-          <p:cNvSpPr txBox="true"/>
+          <p:cNvSpPr txBox="1"/>
           <p:nvPr/>
         </p:nvSpPr>
         <p:spPr>
@@ -13414,7 +13416,7 @@
             </a:cxnLst>
             <a:rect l="0" t="0" r="r" b="b"/>
             <a:pathLst>
-              <a:path w="21600" h="21600" extrusionOk="false">
+              <a:path w="21600" h="21600" extrusionOk="0">
                 <a:moveTo>
                   <a:pt x="0" y="10800"/>
                 </a:moveTo>
@@ -13467,7 +13469,7 @@
       <p:sp>
         <p:nvSpPr>
           <p:cNvPr id="598" name="Text Box 141"/>
-          <p:cNvSpPr txBox="true"/>
+          <p:cNvSpPr txBox="1"/>
           <p:nvPr/>
         </p:nvSpPr>
         <p:spPr>
@@ -13501,7 +13503,7 @@
       <p:sp>
         <p:nvSpPr>
           <p:cNvPr id="599" name="Text Box 142"/>
-          <p:cNvSpPr txBox="true"/>
+          <p:cNvSpPr txBox="1"/>
           <p:nvPr/>
         </p:nvSpPr>
         <p:spPr>
@@ -13531,7 +13533,7 @@
       <p:sp>
         <p:nvSpPr>
           <p:cNvPr id="600" name="Text Box 143"/>
-          <p:cNvSpPr txBox="true"/>
+          <p:cNvSpPr txBox="1"/>
           <p:nvPr/>
         </p:nvSpPr>
         <p:spPr>
@@ -13637,7 +13639,7 @@
             <p:nvPr/>
           </p:nvSpPr>
           <p:spPr>
-            <a:xfrm flipV="true">
+            <a:xfrm flipV="1">
               <a:off x="914517" y="1088799"/>
               <a:ext cx="1624143" cy="998723"/>
             </a:xfrm>
@@ -13669,7 +13671,7 @@
             <p:nvPr/>
           </p:nvSpPr>
           <p:spPr>
-            <a:xfrm flipV="true">
+            <a:xfrm flipV="1">
               <a:off x="1574917" y="1863499"/>
               <a:ext cx="1624143" cy="998723"/>
             </a:xfrm>
@@ -13701,7 +13703,7 @@
             <p:nvPr/>
           </p:nvSpPr>
           <p:spPr>
-            <a:xfrm flipV="true">
+            <a:xfrm flipV="1">
               <a:off x="410429" y="199799"/>
               <a:ext cx="1624143" cy="998723"/>
             </a:xfrm>
@@ -14171,7 +14173,7 @@
         <p:sp>
           <p:nvSpPr>
             <p:cNvPr id="617" name="w"/>
-            <p:cNvSpPr txBox="true"/>
+            <p:cNvSpPr txBox="1"/>
             <p:nvPr/>
           </p:nvSpPr>
           <p:spPr>
@@ -14212,7 +14214,7 @@
         <p:sp>
           <p:nvSpPr>
             <p:cNvPr id="618" name="t1"/>
-            <p:cNvSpPr txBox="true"/>
+            <p:cNvSpPr txBox="1"/>
             <p:nvPr/>
           </p:nvSpPr>
           <p:spPr>
@@ -14253,7 +14255,7 @@
         <p:sp>
           <p:nvSpPr>
             <p:cNvPr id="619" name="t2"/>
-            <p:cNvSpPr txBox="true"/>
+            <p:cNvSpPr txBox="1"/>
             <p:nvPr/>
           </p:nvSpPr>
           <p:spPr>
@@ -14294,7 +14296,7 @@
         <p:sp>
           <p:nvSpPr>
             <p:cNvPr id="620" name="t4"/>
-            <p:cNvSpPr txBox="true"/>
+            <p:cNvSpPr txBox="1"/>
             <p:nvPr/>
           </p:nvSpPr>
           <p:spPr>
@@ -14335,7 +14337,7 @@
         <p:sp>
           <p:nvSpPr>
             <p:cNvPr id="621" name="t3"/>
-            <p:cNvSpPr txBox="true"/>
+            <p:cNvSpPr txBox="1"/>
             <p:nvPr/>
           </p:nvSpPr>
           <p:spPr>
@@ -14376,7 +14378,7 @@
         <p:sp>
           <p:nvSpPr>
             <p:cNvPr id="622" name="c3"/>
-            <p:cNvSpPr txBox="true"/>
+            <p:cNvSpPr txBox="1"/>
             <p:nvPr/>
           </p:nvSpPr>
           <p:spPr>
@@ -14417,7 +14419,7 @@
         <p:sp>
           <p:nvSpPr>
             <p:cNvPr id="623" name="c4"/>
-            <p:cNvSpPr txBox="true"/>
+            <p:cNvSpPr txBox="1"/>
             <p:nvPr/>
           </p:nvSpPr>
           <p:spPr>
@@ -14458,7 +14460,7 @@
         <p:sp>
           <p:nvSpPr>
             <p:cNvPr id="624" name="c1"/>
-            <p:cNvSpPr txBox="true"/>
+            <p:cNvSpPr txBox="1"/>
             <p:nvPr/>
           </p:nvSpPr>
           <p:spPr>
@@ -14499,7 +14501,7 @@
         <p:sp>
           <p:nvSpPr>
             <p:cNvPr id="625" name="c2"/>
-            <p:cNvSpPr txBox="true"/>
+            <p:cNvSpPr txBox="1"/>
             <p:nvPr/>
           </p:nvSpPr>
           <p:spPr>
@@ -14540,7 +14542,7 @@
         <p:sp>
           <p:nvSpPr>
             <p:cNvPr id="626" name="0"/>
-            <p:cNvSpPr txBox="true"/>
+            <p:cNvSpPr txBox="1"/>
             <p:nvPr/>
           </p:nvSpPr>
           <p:spPr>
@@ -14581,7 +14583,7 @@
         <p:sp>
           <p:nvSpPr>
             <p:cNvPr id="627" name="1"/>
-            <p:cNvSpPr txBox="true"/>
+            <p:cNvSpPr txBox="1"/>
             <p:nvPr/>
           </p:nvSpPr>
           <p:spPr>
@@ -14622,7 +14624,7 @@
         <p:sp>
           <p:nvSpPr>
             <p:cNvPr id="628" name="2"/>
-            <p:cNvSpPr txBox="true"/>
+            <p:cNvSpPr txBox="1"/>
             <p:nvPr/>
           </p:nvSpPr>
           <p:spPr>
@@ -14663,7 +14665,7 @@
         <p:sp>
           <p:nvSpPr>
             <p:cNvPr id="629" name="3"/>
-            <p:cNvSpPr txBox="true"/>
+            <p:cNvSpPr txBox="1"/>
             <p:nvPr/>
           </p:nvSpPr>
           <p:spPr>
@@ -14704,7 +14706,7 @@
         <p:sp>
           <p:nvSpPr>
             <p:cNvPr id="630" name="4"/>
-            <p:cNvSpPr txBox="true"/>
+            <p:cNvSpPr txBox="1"/>
             <p:nvPr/>
           </p:nvSpPr>
           <p:spPr>
@@ -14745,7 +14747,7 @@
         <p:sp>
           <p:nvSpPr>
             <p:cNvPr id="631" name="5"/>
-            <p:cNvSpPr txBox="true"/>
+            <p:cNvSpPr txBox="1"/>
             <p:nvPr/>
           </p:nvSpPr>
           <p:spPr>
@@ -14786,7 +14788,7 @@
         <p:sp>
           <p:nvSpPr>
             <p:cNvPr id="632" name="6"/>
-            <p:cNvSpPr txBox="true"/>
+            <p:cNvSpPr txBox="1"/>
             <p:nvPr/>
           </p:nvSpPr>
           <p:spPr>
@@ -14827,7 +14829,7 @@
         <p:sp>
           <p:nvSpPr>
             <p:cNvPr id="633" name="7"/>
-            <p:cNvSpPr txBox="true"/>
+            <p:cNvSpPr txBox="1"/>
             <p:nvPr/>
           </p:nvSpPr>
           <p:spPr>
@@ -14868,7 +14870,7 @@
         <p:sp>
           <p:nvSpPr>
             <p:cNvPr id="634" name="8"/>
-            <p:cNvSpPr txBox="true"/>
+            <p:cNvSpPr txBox="1"/>
             <p:nvPr/>
           </p:nvSpPr>
           <p:spPr>
@@ -14909,7 +14911,7 @@
         <p:sp>
           <p:nvSpPr>
             <p:cNvPr id="635" name="9"/>
-            <p:cNvSpPr txBox="true"/>
+            <p:cNvSpPr txBox="1"/>
             <p:nvPr/>
           </p:nvSpPr>
           <p:spPr>
@@ -14950,7 +14952,7 @@
         <p:sp>
           <p:nvSpPr>
             <p:cNvPr id="636" name="10"/>
-            <p:cNvSpPr txBox="true"/>
+            <p:cNvSpPr txBox="1"/>
             <p:nvPr/>
           </p:nvSpPr>
           <p:spPr>
@@ -14991,7 +14993,7 @@
         <p:sp>
           <p:nvSpPr>
             <p:cNvPr id="637" name="11"/>
-            <p:cNvSpPr txBox="true"/>
+            <p:cNvSpPr txBox="1"/>
             <p:nvPr/>
           </p:nvSpPr>
           <p:spPr>
@@ -15353,7 +15355,7 @@
       <p:sp>
         <p:nvSpPr>
           <p:cNvPr id="649" name="1, -1"/>
-          <p:cNvSpPr txBox="true"/>
+          <p:cNvSpPr txBox="1"/>
           <p:nvPr/>
         </p:nvSpPr>
         <p:spPr>
@@ -15383,7 +15385,7 @@
       <p:sp>
         <p:nvSpPr>
           <p:cNvPr id="650" name="1, -1"/>
-          <p:cNvSpPr txBox="true"/>
+          <p:cNvSpPr txBox="1"/>
           <p:nvPr/>
         </p:nvSpPr>
         <p:spPr>
@@ -15413,7 +15415,7 @@
       <p:sp>
         <p:nvSpPr>
           <p:cNvPr id="651" name="2,0,0,-2"/>
-          <p:cNvSpPr txBox="true"/>
+          <p:cNvSpPr txBox="1"/>
           <p:nvPr/>
         </p:nvSpPr>
         <p:spPr>
@@ -15443,7 +15445,7 @@
       <p:sp>
         <p:nvSpPr>
           <p:cNvPr id="652" name="2,0,0,-2"/>
-          <p:cNvSpPr txBox="true"/>
+          <p:cNvSpPr txBox="1"/>
           <p:nvPr/>
         </p:nvSpPr>
         <p:spPr>
@@ -15473,7 +15475,7 @@
       <p:sp>
         <p:nvSpPr>
           <p:cNvPr id="653" name="1, -1"/>
-          <p:cNvSpPr txBox="true"/>
+          <p:cNvSpPr txBox="1"/>
           <p:nvPr/>
         </p:nvSpPr>
         <p:spPr>
@@ -15503,7 +15505,7 @@
       <p:sp>
         <p:nvSpPr>
           <p:cNvPr id="654" name="1, -1"/>
-          <p:cNvSpPr txBox="true"/>
+          <p:cNvSpPr txBox="1"/>
           <p:nvPr/>
         </p:nvSpPr>
         <p:spPr>
@@ -15561,7 +15563,7 @@
       <p:sp>
         <p:nvSpPr>
           <p:cNvPr id="656" name="1, -1"/>
-          <p:cNvSpPr txBox="true"/>
+          <p:cNvSpPr txBox="1"/>
           <p:nvPr/>
         </p:nvSpPr>
         <p:spPr>
@@ -15591,7 +15593,7 @@
       <p:sp>
         <p:nvSpPr>
           <p:cNvPr id="657" name="A"/>
-          <p:cNvSpPr txBox="true"/>
+          <p:cNvSpPr txBox="1"/>
           <p:nvPr/>
         </p:nvSpPr>
         <p:spPr>
@@ -15621,7 +15623,7 @@
       <p:sp>
         <p:nvSpPr>
           <p:cNvPr id="658" name="B"/>
-          <p:cNvSpPr txBox="true"/>
+          <p:cNvSpPr txBox="1"/>
           <p:nvPr/>
         </p:nvSpPr>
         <p:spPr>
@@ -15651,7 +15653,7 @@
       <p:sp>
         <p:nvSpPr>
           <p:cNvPr id="659" name="la"/>
-          <p:cNvSpPr txBox="true"/>
+          <p:cNvSpPr txBox="1"/>
           <p:nvPr/>
         </p:nvSpPr>
         <p:spPr>
@@ -15681,7 +15683,7 @@
       <p:sp>
         <p:nvSpPr>
           <p:cNvPr id="660" name="lb"/>
-          <p:cNvSpPr txBox="true"/>
+          <p:cNvSpPr txBox="1"/>
           <p:nvPr/>
         </p:nvSpPr>
         <p:spPr>
@@ -15799,7 +15801,7 @@
       <p:sp>
         <p:nvSpPr>
           <p:cNvPr id="664" name="1, -1"/>
-          <p:cNvSpPr txBox="true"/>
+          <p:cNvSpPr txBox="1"/>
           <p:nvPr/>
         </p:nvSpPr>
         <p:spPr>
@@ -15829,7 +15831,7 @@
       <p:sp>
         <p:nvSpPr>
           <p:cNvPr id="665" name="1, -1"/>
-          <p:cNvSpPr txBox="true"/>
+          <p:cNvSpPr txBox="1"/>
           <p:nvPr/>
         </p:nvSpPr>
         <p:spPr>
@@ -15859,7 +15861,7 @@
       <p:sp>
         <p:nvSpPr>
           <p:cNvPr id="666" name="H"/>
-          <p:cNvSpPr txBox="true"/>
+          <p:cNvSpPr txBox="1"/>
           <p:nvPr/>
         </p:nvSpPr>
         <p:spPr>
@@ -15949,7 +15951,7 @@
       <p:sp>
         <p:nvSpPr>
           <p:cNvPr id="669" name="2,0,0,-2"/>
-          <p:cNvSpPr txBox="true"/>
+          <p:cNvSpPr txBox="1"/>
           <p:nvPr/>
         </p:nvSpPr>
         <p:spPr>
@@ -16007,7 +16009,7 @@
       <p:sp>
         <p:nvSpPr>
           <p:cNvPr id="671" name="2,0,0,-2"/>
-          <p:cNvSpPr txBox="true"/>
+          <p:cNvSpPr txBox="1"/>
           <p:nvPr/>
         </p:nvSpPr>
         <p:spPr>
@@ -16065,7 +16067,7 @@
       <p:sp>
         <p:nvSpPr>
           <p:cNvPr id="673" name="1, -1"/>
-          <p:cNvSpPr txBox="true"/>
+          <p:cNvSpPr txBox="1"/>
           <p:nvPr/>
         </p:nvSpPr>
         <p:spPr>
@@ -16123,7 +16125,7 @@
       <p:sp>
         <p:nvSpPr>
           <p:cNvPr id="675" name="1, -1"/>
-          <p:cNvSpPr txBox="true"/>
+          <p:cNvSpPr txBox="1"/>
           <p:nvPr/>
         </p:nvSpPr>
         <p:spPr>
@@ -16213,7 +16215,7 @@
       <p:sp>
         <p:nvSpPr>
           <p:cNvPr id="678" name="2,0,0,-2"/>
-          <p:cNvSpPr txBox="true"/>
+          <p:cNvSpPr txBox="1"/>
           <p:nvPr/>
         </p:nvSpPr>
         <p:spPr>
@@ -16271,7 +16273,7 @@
       <p:sp>
         <p:nvSpPr>
           <p:cNvPr id="680" name="1, -1"/>
-          <p:cNvSpPr txBox="true"/>
+          <p:cNvSpPr txBox="1"/>
           <p:nvPr/>
         </p:nvSpPr>
         <p:spPr>
@@ -16329,7 +16331,7 @@
       <p:sp>
         <p:nvSpPr>
           <p:cNvPr id="682" name="1, -1"/>
-          <p:cNvSpPr txBox="true"/>
+          <p:cNvSpPr txBox="1"/>
           <p:nvPr/>
         </p:nvSpPr>
         <p:spPr>
@@ -16419,7 +16421,7 @@
       <p:sp>
         <p:nvSpPr>
           <p:cNvPr id="685" name="2,0,0,-2"/>
-          <p:cNvSpPr txBox="true"/>
+          <p:cNvSpPr txBox="1"/>
           <p:nvPr/>
         </p:nvSpPr>
         <p:spPr>
@@ -16477,7 +16479,7 @@
       <p:sp>
         <p:nvSpPr>
           <p:cNvPr id="687" name="1, -1"/>
-          <p:cNvSpPr txBox="true"/>
+          <p:cNvSpPr txBox="1"/>
           <p:nvPr/>
         </p:nvSpPr>
         <p:spPr>
@@ -16535,7 +16537,7 @@
       <p:sp>
         <p:nvSpPr>
           <p:cNvPr id="689" name="1, -1"/>
-          <p:cNvSpPr txBox="true"/>
+          <p:cNvSpPr txBox="1"/>
           <p:nvPr/>
         </p:nvSpPr>
         <p:spPr>
@@ -16633,7 +16635,7 @@
           <p:nvPr/>
         </p:nvSpPr>
         <p:spPr>
-          <a:xfrm flipV="true">
+          <a:xfrm flipV="1">
             <a:off x="4621018" y="3709694"/>
             <a:ext cx="491208" cy="491209"/>
           </a:xfrm>
@@ -16661,7 +16663,7 @@
           <p:nvPr/>
         </p:nvSpPr>
         <p:spPr>
-          <a:xfrm flipH="true" flipV="true">
+          <a:xfrm flipH="1" flipV="1">
             <a:off x="4646514" y="5875047"/>
             <a:ext cx="531215" cy="531216"/>
           </a:xfrm>
@@ -16717,7 +16719,7 @@
           <p:nvPr/>
         </p:nvSpPr>
         <p:spPr>
-          <a:xfrm flipH="true">
+          <a:xfrm flipH="1">
             <a:off x="9474821" y="5929039"/>
             <a:ext cx="491208" cy="491208"/>
           </a:xfrm>
@@ -16741,7 +16743,7 @@
       <p:sp>
         <p:nvSpPr>
           <p:cNvPr id="696" name="0"/>
-          <p:cNvSpPr txBox="true"/>
+          <p:cNvSpPr txBox="1"/>
           <p:nvPr/>
         </p:nvSpPr>
         <p:spPr>
@@ -16771,7 +16773,7 @@
       <p:sp>
         <p:nvSpPr>
           <p:cNvPr id="697" name="0"/>
-          <p:cNvSpPr txBox="true"/>
+          <p:cNvSpPr txBox="1"/>
           <p:nvPr/>
         </p:nvSpPr>
         <p:spPr>
@@ -16801,7 +16803,7 @@
       <p:sp>
         <p:nvSpPr>
           <p:cNvPr id="698" name="0"/>
-          <p:cNvSpPr txBox="true"/>
+          <p:cNvSpPr txBox="1"/>
           <p:nvPr/>
         </p:nvSpPr>
         <p:spPr>
@@ -16831,7 +16833,7 @@
       <p:sp>
         <p:nvSpPr>
           <p:cNvPr id="699" name="0"/>
-          <p:cNvSpPr txBox="true"/>
+          <p:cNvSpPr txBox="1"/>
           <p:nvPr/>
         </p:nvSpPr>
         <p:spPr>
@@ -16955,7 +16957,7 @@
             </a:cxnLst>
             <a:rect l="0" t="0" r="r" b="b"/>
             <a:pathLst>
-              <a:path w="21600" h="21600" extrusionOk="false">
+              <a:path w="21600" h="21600" extrusionOk="0">
                 <a:moveTo>
                   <a:pt x="0" y="0"/>
                 </a:moveTo>
@@ -17017,8 +17019,8 @@
           <a:ln w="50800">
             <a:solidFill>
               <a:schemeClr val="accent1">
-                <a:satOff val="-19090"/>
-                <a:lumOff val="-11920"/>
+                <a:satOff val="-19087"/>
+                <a:lumOff val="-11917"/>
               </a:schemeClr>
             </a:solidFill>
             <a:miter/>
@@ -17048,8 +17050,8 @@
           <a:ln w="50800">
             <a:solidFill>
               <a:schemeClr val="accent1">
-                <a:satOff val="-19090"/>
-                <a:lumOff val="-11920"/>
+                <a:satOff val="-19087"/>
+                <a:lumOff val="-11917"/>
               </a:schemeClr>
             </a:solidFill>
             <a:miter/>
@@ -17149,7 +17151,7 @@
             <p:nvPr/>
           </p:nvSpPr>
           <p:spPr>
-            <a:xfrm flipH="true">
+            <a:xfrm flipH="1">
               <a:off x="297838" y="22600"/>
               <a:ext cx="1" cy="377135"/>
             </a:xfrm>
@@ -17293,7 +17295,7 @@
             </a:cxnLst>
             <a:rect l="0" t="0" r="r" b="b"/>
             <a:pathLst>
-              <a:path w="21600" h="21600" extrusionOk="false">
+              <a:path w="21600" h="21600" extrusionOk="0">
                 <a:moveTo>
                   <a:pt x="0" y="0"/>
                 </a:moveTo>
@@ -17359,7 +17361,7 @@
             <p:nvPr/>
           </p:nvSpPr>
           <p:spPr>
-            <a:xfrm flipH="true" flipV="true">
+            <a:xfrm flipH="1" flipV="1">
               <a:off x="1269916" y="1130163"/>
               <a:ext cx="244629" cy="244629"/>
             </a:xfrm>
@@ -17370,8 +17372,8 @@
             <a:ln w="38100" cap="rnd">
               <a:solidFill>
                 <a:schemeClr val="accent1">
-                  <a:satOff val="-19090"/>
-                  <a:lumOff val="-11920"/>
+                  <a:satOff val="-19087"/>
+                  <a:lumOff val="-11917"/>
                 </a:schemeClr>
               </a:solidFill>
               <a:custDash>
@@ -17407,15 +17409,15 @@
             </a:prstGeom>
             <a:solidFill>
               <a:schemeClr val="accent1">
-                <a:satOff val="-19090"/>
-                <a:lumOff val="-11920"/>
+                <a:satOff val="-19087"/>
+                <a:lumOff val="-11917"/>
               </a:schemeClr>
             </a:solidFill>
             <a:ln w="12700" cap="flat">
               <a:solidFill>
                 <a:schemeClr val="accent1">
-                  <a:satOff val="-19090"/>
-                  <a:lumOff val="-11920"/>
+                  <a:satOff val="-19087"/>
+                  <a:lumOff val="-11917"/>
                 </a:schemeClr>
               </a:solidFill>
               <a:prstDash val="solid"/>
@@ -17433,8 +17435,8 @@
                 <a:defRPr>
                   <a:solidFill>
                     <a:schemeClr val="accent1">
-                      <a:satOff val="-19090"/>
-                      <a:lumOff val="-11920"/>
+                      <a:satOff val="-19087"/>
+                      <a:lumOff val="-11917"/>
                     </a:schemeClr>
                   </a:solidFill>
                 </a:defRPr>
@@ -17460,15 +17462,15 @@
             </a:prstGeom>
             <a:solidFill>
               <a:schemeClr val="accent1">
-                <a:satOff val="-19090"/>
-                <a:lumOff val="-11920"/>
+                <a:satOff val="-19087"/>
+                <a:lumOff val="-11917"/>
               </a:schemeClr>
             </a:solidFill>
             <a:ln w="12700" cap="flat">
               <a:solidFill>
                 <a:schemeClr val="accent1">
-                  <a:satOff val="-19090"/>
-                  <a:lumOff val="-11920"/>
+                  <a:satOff val="-19087"/>
+                  <a:lumOff val="-11917"/>
                 </a:schemeClr>
               </a:solidFill>
               <a:prstDash val="solid"/>
@@ -17486,8 +17488,8 @@
                 <a:defRPr>
                   <a:solidFill>
                     <a:schemeClr val="accent1">
-                      <a:satOff val="-19090"/>
-                      <a:lumOff val="-11920"/>
+                      <a:satOff val="-19087"/>
+                      <a:lumOff val="-11917"/>
                     </a:schemeClr>
                   </a:solidFill>
                 </a:defRPr>
@@ -17513,15 +17515,15 @@
             </a:prstGeom>
             <a:solidFill>
               <a:schemeClr val="accent1">
-                <a:satOff val="-19090"/>
-                <a:lumOff val="-11920"/>
+                <a:satOff val="-19087"/>
+                <a:lumOff val="-11917"/>
               </a:schemeClr>
             </a:solidFill>
             <a:ln w="12700" cap="flat">
               <a:solidFill>
                 <a:schemeClr val="accent1">
-                  <a:satOff val="-19090"/>
-                  <a:lumOff val="-11920"/>
+                  <a:satOff val="-19087"/>
+                  <a:lumOff val="-11917"/>
                 </a:schemeClr>
               </a:solidFill>
               <a:prstDash val="solid"/>
@@ -17539,8 +17541,8 @@
                 <a:defRPr>
                   <a:solidFill>
                     <a:schemeClr val="accent1">
-                      <a:satOff val="-19090"/>
-                      <a:lumOff val="-11920"/>
+                      <a:satOff val="-19087"/>
+                      <a:lumOff val="-11917"/>
                     </a:schemeClr>
                   </a:solidFill>
                 </a:defRPr>
@@ -17555,7 +17557,7 @@
             <p:nvPr/>
           </p:nvSpPr>
           <p:spPr>
-            <a:xfrm flipH="true" flipV="true">
+            <a:xfrm flipH="1" flipV="1">
               <a:off x="0" y="0"/>
               <a:ext cx="250728" cy="250728"/>
             </a:xfrm>
@@ -17566,8 +17568,8 @@
             <a:ln w="38100" cap="rnd">
               <a:solidFill>
                 <a:schemeClr val="accent1">
-                  <a:satOff val="-19090"/>
-                  <a:lumOff val="-11920"/>
+                  <a:satOff val="-19087"/>
+                  <a:lumOff val="-11917"/>
                 </a:schemeClr>
               </a:solidFill>
               <a:custDash>
@@ -17588,7 +17590,7 @@
         <p:sp>
           <p:nvSpPr>
             <p:cNvPr id="718" name="Text Box 28"/>
-            <p:cNvSpPr txBox="true"/>
+            <p:cNvSpPr txBox="1"/>
             <p:nvPr/>
           </p:nvSpPr>
           <p:spPr>
@@ -17615,8 +17617,8 @@
                 <a:defRPr sz="1100" b="1">
                   <a:solidFill>
                     <a:schemeClr val="accent1">
-                      <a:satOff val="-19090"/>
-                      <a:lumOff val="-11920"/>
+                      <a:satOff val="-19087"/>
+                      <a:lumOff val="-11917"/>
                     </a:schemeClr>
                   </a:solidFill>
                 </a:defRPr>
@@ -17632,7 +17634,7 @@
         <p:sp>
           <p:nvSpPr>
             <p:cNvPr id="719" name="Text Box 28"/>
-            <p:cNvSpPr txBox="true"/>
+            <p:cNvSpPr txBox="1"/>
             <p:nvPr/>
           </p:nvSpPr>
           <p:spPr>
@@ -17659,8 +17661,8 @@
                 <a:defRPr sz="1100" b="1">
                   <a:solidFill>
                     <a:schemeClr val="accent1">
-                      <a:satOff val="-19090"/>
-                      <a:lumOff val="-11920"/>
+                      <a:satOff val="-19087"/>
+                      <a:lumOff val="-11917"/>
                     </a:schemeClr>
                   </a:solidFill>
                 </a:defRPr>
@@ -17676,7 +17678,7 @@
         <p:sp>
           <p:nvSpPr>
             <p:cNvPr id="720" name="Text Box 28"/>
-            <p:cNvSpPr txBox="true"/>
+            <p:cNvSpPr txBox="1"/>
             <p:nvPr/>
           </p:nvSpPr>
           <p:spPr>
@@ -17703,8 +17705,8 @@
                 <a:defRPr sz="1100" b="1">
                   <a:solidFill>
                     <a:schemeClr val="accent1">
-                      <a:satOff val="-19090"/>
-                      <a:lumOff val="-11920"/>
+                      <a:satOff val="-19087"/>
+                      <a:lumOff val="-11917"/>
                     </a:schemeClr>
                   </a:solidFill>
                 </a:defRPr>
@@ -17750,8 +17752,8 @@
             <a:ln w="50800" cap="flat">
               <a:solidFill>
                 <a:schemeClr val="accent1">
-                  <a:satOff val="-19090"/>
-                  <a:lumOff val="-11920"/>
+                  <a:satOff val="-19087"/>
+                  <a:lumOff val="-11917"/>
                 </a:schemeClr>
               </a:solidFill>
               <a:prstDash val="solid"/>
@@ -17799,7 +17801,7 @@
               </a:cxnLst>
               <a:rect l="0" t="0" r="r" b="b"/>
               <a:pathLst>
-                <a:path w="21600" h="21600" extrusionOk="false">
+                <a:path w="21600" h="21600" extrusionOk="0">
                   <a:moveTo>
                     <a:pt x="0" y="0"/>
                   </a:moveTo>
@@ -17866,8 +17868,8 @@
             <a:ln w="38100" cap="flat">
               <a:solidFill>
                 <a:schemeClr val="accent1">
-                  <a:satOff val="-19090"/>
-                  <a:lumOff val="-11920"/>
+                  <a:satOff val="-19087"/>
+                  <a:lumOff val="-11917"/>
                 </a:schemeClr>
               </a:solidFill>
               <a:prstDash val="solid"/>
@@ -17901,8 +17903,8 @@
             <a:ln w="38100" cap="flat">
               <a:solidFill>
                 <a:schemeClr val="accent1">
-                  <a:satOff val="-19090"/>
-                  <a:lumOff val="-11920"/>
+                  <a:satOff val="-19087"/>
+                  <a:lumOff val="-11917"/>
                 </a:schemeClr>
               </a:solidFill>
               <a:prstDash val="solid"/>
@@ -17936,8 +17938,8 @@
             <a:ln w="38100" cap="flat">
               <a:solidFill>
                 <a:schemeClr val="accent1">
-                  <a:satOff val="-19090"/>
-                  <a:lumOff val="-11920"/>
+                  <a:satOff val="-19087"/>
+                  <a:lumOff val="-11917"/>
                 </a:schemeClr>
               </a:solidFill>
               <a:prstDash val="solid"/>
@@ -17971,8 +17973,8 @@
             <a:ln w="38100" cap="rnd">
               <a:solidFill>
                 <a:schemeClr val="accent1">
-                  <a:satOff val="-19090"/>
-                  <a:lumOff val="-11920"/>
+                  <a:satOff val="-19087"/>
+                  <a:lumOff val="-11917"/>
                 </a:schemeClr>
               </a:solidFill>
               <a:custDash>
@@ -18021,7 +18023,7 @@
               </a:cxnLst>
               <a:rect l="0" t="0" r="r" b="b"/>
               <a:pathLst>
-                <a:path w="21600" h="21600" extrusionOk="false">
+                <a:path w="21600" h="21600" extrusionOk="0">
                   <a:moveTo>
                     <a:pt x="10800" y="0"/>
                   </a:moveTo>
@@ -18037,15 +18039,15 @@
             </a:custGeom>
             <a:solidFill>
               <a:schemeClr val="accent1">
-                <a:satOff val="-19090"/>
-                <a:lumOff val="-11920"/>
+                <a:satOff val="-19087"/>
+                <a:lumOff val="-11917"/>
               </a:schemeClr>
             </a:solidFill>
             <a:ln w="12700" cap="flat">
               <a:solidFill>
                 <a:schemeClr val="accent1">
-                  <a:satOff val="-19090"/>
-                  <a:lumOff val="-11920"/>
+                  <a:satOff val="-19087"/>
+                  <a:lumOff val="-11917"/>
                 </a:schemeClr>
               </a:solidFill>
               <a:prstDash val="solid"/>
@@ -18063,8 +18065,8 @@
                 <a:defRPr>
                   <a:solidFill>
                     <a:schemeClr val="accent1">
-                      <a:satOff val="-19090"/>
-                      <a:lumOff val="-11920"/>
+                      <a:satOff val="-19087"/>
+                      <a:lumOff val="-11917"/>
                     </a:schemeClr>
                   </a:solidFill>
                 </a:defRPr>
@@ -18075,7 +18077,7 @@
         <p:sp>
           <p:nvSpPr>
             <p:cNvPr id="729" name="Text Box 28"/>
-            <p:cNvSpPr txBox="true"/>
+            <p:cNvSpPr txBox="1"/>
             <p:nvPr/>
           </p:nvSpPr>
           <p:spPr>
@@ -18102,8 +18104,8 @@
                 <a:defRPr sz="1100" b="1">
                   <a:solidFill>
                     <a:schemeClr val="accent1">
-                      <a:satOff val="-19090"/>
-                      <a:lumOff val="-11920"/>
+                      <a:satOff val="-19087"/>
+                      <a:lumOff val="-11917"/>
                     </a:schemeClr>
                   </a:solidFill>
                 </a:defRPr>
@@ -18119,7 +18121,7 @@
         <p:sp>
           <p:nvSpPr>
             <p:cNvPr id="730" name="Text Box 28"/>
-            <p:cNvSpPr txBox="true"/>
+            <p:cNvSpPr txBox="1"/>
             <p:nvPr/>
           </p:nvSpPr>
           <p:spPr>
@@ -18146,8 +18148,8 @@
                 <a:defRPr sz="1100" b="1">
                   <a:solidFill>
                     <a:schemeClr val="accent1">
-                      <a:satOff val="-19090"/>
-                      <a:lumOff val="-11920"/>
+                      <a:satOff val="-19087"/>
+                      <a:lumOff val="-11917"/>
                     </a:schemeClr>
                   </a:solidFill>
                 </a:defRPr>
@@ -18163,7 +18165,7 @@
         <p:sp>
           <p:nvSpPr>
             <p:cNvPr id="731" name="Text Box 28"/>
-            <p:cNvSpPr txBox="true"/>
+            <p:cNvSpPr txBox="1"/>
             <p:nvPr/>
           </p:nvSpPr>
           <p:spPr>
@@ -18190,8 +18192,8 @@
                 <a:defRPr sz="1100" b="1">
                   <a:solidFill>
                     <a:schemeClr val="accent1">
-                      <a:satOff val="-19090"/>
-                      <a:lumOff val="-11920"/>
+                      <a:satOff val="-19087"/>
+                      <a:lumOff val="-11917"/>
                     </a:schemeClr>
                   </a:solidFill>
                 </a:defRPr>
@@ -18222,8 +18224,8 @@
             <a:ln w="38100" cap="rnd">
               <a:solidFill>
                 <a:schemeClr val="accent1">
-                  <a:satOff val="-19090"/>
-                  <a:lumOff val="-11920"/>
+                  <a:satOff val="-19087"/>
+                  <a:lumOff val="-11917"/>
                 </a:schemeClr>
               </a:solidFill>
               <a:custDash>
@@ -18273,7 +18275,7 @@
             </a:cxnLst>
             <a:rect l="0" t="0" r="r" b="b"/>
             <a:pathLst>
-              <a:path w="21600" h="21600" extrusionOk="false">
+              <a:path w="21600" h="21600" extrusionOk="0">
                 <a:moveTo>
                   <a:pt x="0" y="0"/>
                 </a:moveTo>
@@ -18459,7 +18461,7 @@
             </a:cxnLst>
             <a:rect l="0" t="0" r="r" b="b"/>
             <a:pathLst>
-              <a:path w="21600" h="21600" extrusionOk="false">
+              <a:path w="21600" h="21600" extrusionOk="0">
                 <a:moveTo>
                   <a:pt x="10800" y="0"/>
                 </a:moveTo>
@@ -18500,7 +18502,7 @@
       <p:sp>
         <p:nvSpPr>
           <p:cNvPr id="740" name="Text Box 28"/>
-          <p:cNvSpPr txBox="true"/>
+          <p:cNvSpPr txBox="1"/>
           <p:nvPr/>
         </p:nvSpPr>
         <p:spPr>
@@ -18538,7 +18540,7 @@
       <p:sp>
         <p:nvSpPr>
           <p:cNvPr id="741" name="Text Box 28"/>
-          <p:cNvSpPr txBox="true"/>
+          <p:cNvSpPr txBox="1"/>
           <p:nvPr/>
         </p:nvSpPr>
         <p:spPr>
@@ -18576,7 +18578,7 @@
       <p:sp>
         <p:nvSpPr>
           <p:cNvPr id="742" name="Text Box 28"/>
-          <p:cNvSpPr txBox="true"/>
+          <p:cNvSpPr txBox="1"/>
           <p:nvPr/>
         </p:nvSpPr>
         <p:spPr>
@@ -18686,15 +18688,15 @@
           </a:prstGeom>
           <a:solidFill>
             <a:schemeClr val="accent1">
-              <a:satOff val="-19090"/>
-              <a:lumOff val="-11920"/>
+              <a:satOff val="-19087"/>
+              <a:lumOff val="-11917"/>
             </a:schemeClr>
           </a:solidFill>
           <a:ln w="12700">
             <a:solidFill>
               <a:schemeClr val="accent1">
-                <a:satOff val="-19090"/>
-                <a:lumOff val="-11920"/>
+                <a:satOff val="-19087"/>
+                <a:lumOff val="-11917"/>
               </a:schemeClr>
             </a:solidFill>
             <a:miter/>
@@ -18708,12 +18710,2120 @@
               <a:defRPr>
                 <a:solidFill>
                   <a:schemeClr val="accent1">
-                    <a:satOff val="-19090"/>
-                    <a:lumOff val="-11920"/>
+                    <a:satOff val="-19087"/>
+                    <a:lumOff val="-11917"/>
                   </a:schemeClr>
                 </a:solidFill>
               </a:defRPr>
             </a:pPr>
+          </a:p>
+        </p:txBody>
+      </p:sp>
+    </p:spTree>
+  </p:cSld>
+  <p:clrMapOvr>
+    <a:masterClrMapping/>
+  </p:clrMapOvr>
+  <p:transition spd="med"/>
+</p:sld>
+</file>
+
+<file path=ppt/slides/slide19.xml><?xml version="1.0" encoding="utf-8"?>
+<p:sld xmlns:a="http://schemas.openxmlformats.org/drawingml/2006/main" xmlns:r="http://schemas.openxmlformats.org/officeDocument/2006/relationships" xmlns:p="http://schemas.openxmlformats.org/presentationml/2006/main">
+  <p:cSld>
+    <p:spTree>
+      <p:nvGrpSpPr>
+        <p:cNvPr id="1" name=""/>
+        <p:cNvGrpSpPr/>
+        <p:nvPr/>
+      </p:nvGrpSpPr>
+      <p:grpSpPr>
+        <a:xfrm>
+          <a:off x="0" y="0"/>
+          <a:ext cx="0" cy="0"/>
+          <a:chOff x="0" y="0"/>
+          <a:chExt cx="0" cy="0"/>
+        </a:xfrm>
+      </p:grpSpPr>
+      <p:sp>
+        <p:nvSpPr>
+          <p:cNvPr id="740" name="Text Box 28"/>
+          <p:cNvSpPr txBox="1"/>
+          <p:nvPr/>
+        </p:nvSpPr>
+        <p:spPr>
+          <a:xfrm>
+            <a:off x="1387475" y="822325"/>
+            <a:ext cx="1634490" cy="598805"/>
+          </a:xfrm>
+          <a:prstGeom prst="rect">
+            <a:avLst/>
+          </a:prstGeom>
+          <a:ln w="12700">
+            <a:miter lim="400000"/>
+          </a:ln>
+        </p:spPr>
+        <p:txBody>
+          <a:bodyPr wrap="square" lIns="45719" rIns="45719">
+            <a:spAutoFit/>
+          </a:bodyPr>
+          <a:lstStyle>
+            <a:lvl1pPr>
+              <a:defRPr sz="1100" b="1">
+                <a:solidFill>
+                  <a:srgbClr val="535353"/>
+                </a:solidFill>
+              </a:defRPr>
+            </a:lvl1pPr>
+          </a:lstStyle>
+          <a:p>
+            <a:r>
+              <a:t>{Q</a:t>
+            </a:r>
+            <a:r>
+              <a:rPr lang="en-US" altLang="en-US" baseline="30000"/>
+              <a:t>a</a:t>
+            </a:r>
+            <a:r>
+              <a:rPr lang="en-US" baseline="-25000"/>
+              <a:t>1</a:t>
+            </a:r>
+            <a:r>
+              <a:t>}</a:t>
+            </a:r>
+            <a:r>
+              <a:rPr>
+                <a:sym typeface="+mn-ea"/>
+              </a:rPr>
+              <a:t>{Q</a:t>
+            </a:r>
+            <a:r>
+              <a:rPr lang="en-US" altLang="en-US" baseline="30000">
+                <a:sym typeface="+mn-ea"/>
+              </a:rPr>
+              <a:t>a</a:t>
+            </a:r>
+            <a:r>
+              <a:rPr lang="en-US" baseline="-25000">
+                <a:sym typeface="+mn-ea"/>
+              </a:rPr>
+              <a:t>2</a:t>
+            </a:r>
+            <a:r>
+              <a:rPr>
+                <a:sym typeface="+mn-ea"/>
+              </a:rPr>
+              <a:t>}</a:t>
+            </a:r>
+            <a:r>
+              <a:rPr lang="en-US">
+                <a:sym typeface="+mn-ea"/>
+              </a:rPr>
+              <a:t>... </a:t>
+            </a:r>
+            <a:r>
+              <a:rPr>
+                <a:sym typeface="+mn-ea"/>
+              </a:rPr>
+              <a:t>{Q</a:t>
+            </a:r>
+            <a:r>
+              <a:rPr lang="en-US" altLang="en-US" baseline="30000">
+                <a:sym typeface="+mn-ea"/>
+              </a:rPr>
+              <a:t>a</a:t>
+            </a:r>
+            <a:r>
+              <a:rPr lang="en-US" baseline="-25000">
+                <a:sym typeface="+mn-ea"/>
+              </a:rPr>
+              <a:t>Na</a:t>
+            </a:r>
+            <a:r>
+              <a:rPr>
+                <a:sym typeface="+mn-ea"/>
+              </a:rPr>
+              <a:t>}</a:t>
+            </a:r>
+            <a:endParaRPr>
+              <a:sym typeface="+mn-ea"/>
+            </a:endParaRPr>
+          </a:p>
+          <a:p>
+            <a:endParaRPr>
+              <a:sym typeface="+mn-ea"/>
+            </a:endParaRPr>
+          </a:p>
+          <a:p/>
+        </p:txBody>
+      </p:sp>
+      <p:sp>
+        <p:nvSpPr>
+          <p:cNvPr id="744" name="線條"/>
+          <p:cNvSpPr/>
+          <p:nvPr/>
+        </p:nvSpPr>
+        <p:spPr>
+          <a:xfrm flipV="1">
+            <a:off x="1536700" y="1101725"/>
+            <a:ext cx="1291590" cy="635"/>
+          </a:xfrm>
+          <a:prstGeom prst="line">
+            <a:avLst/>
+          </a:prstGeom>
+          <a:ln w="50800">
+            <a:solidFill>
+              <a:srgbClr val="535353"/>
+            </a:solidFill>
+            <a:miter/>
+            <a:tailEnd type="triangle"/>
+          </a:ln>
+        </p:spPr>
+        <p:txBody>
+          <a:bodyPr lIns="0" tIns="0" rIns="0" bIns="0"/>
+          <a:lstStyle/>
+          <a:p/>
+        </p:txBody>
+      </p:sp>
+      <p:sp>
+        <p:nvSpPr>
+          <p:cNvPr id="4" name="Rounded Rectangle 40"/>
+          <p:cNvSpPr/>
+          <p:nvPr/>
+        </p:nvSpPr>
+        <p:spPr>
+          <a:xfrm>
+            <a:off x="2828290" y="821690"/>
+            <a:ext cx="1609725" cy="1311275"/>
+          </a:xfrm>
+          <a:prstGeom prst="roundRect">
+            <a:avLst>
+              <a:gd name="adj" fmla="val 11870"/>
+            </a:avLst>
+          </a:prstGeom>
+          <a:solidFill>
+            <a:srgbClr val="535353"/>
+          </a:solidFill>
+          <a:ln w="12700">
+            <a:solidFill>
+              <a:srgbClr val="535353"/>
+            </a:solidFill>
+            <a:miter/>
+          </a:ln>
+        </p:spPr>
+        <p:txBody>
+          <a:bodyPr lIns="0" tIns="0" rIns="0" bIns="0" anchor="ctr"/>
+          <a:p>
+            <a:pPr algn="ctr">
+              <a:defRPr>
+                <a:solidFill>
+                  <a:srgbClr val="FFFFFF"/>
+                </a:solidFill>
+              </a:defRPr>
+            </a:pPr>
+          </a:p>
+        </p:txBody>
+      </p:sp>
+      <p:sp>
+        <p:nvSpPr>
+          <p:cNvPr id="5" name="線條"/>
+          <p:cNvSpPr/>
+          <p:nvPr/>
+        </p:nvSpPr>
+        <p:spPr>
+          <a:xfrm flipV="1">
+            <a:off x="1536700" y="1780540"/>
+            <a:ext cx="1291590" cy="635"/>
+          </a:xfrm>
+          <a:prstGeom prst="line">
+            <a:avLst/>
+          </a:prstGeom>
+          <a:ln w="50800">
+            <a:solidFill>
+              <a:srgbClr val="535353"/>
+            </a:solidFill>
+            <a:miter/>
+            <a:tailEnd type="triangle"/>
+          </a:ln>
+        </p:spPr>
+        <p:txBody>
+          <a:bodyPr lIns="0" tIns="0" rIns="0" bIns="0"/>
+          <a:p/>
+        </p:txBody>
+      </p:sp>
+      <p:sp>
+        <p:nvSpPr>
+          <p:cNvPr id="2" name="Text Box 28"/>
+          <p:cNvSpPr txBox="1"/>
+          <p:nvPr/>
+        </p:nvSpPr>
+        <p:spPr>
+          <a:xfrm>
+            <a:off x="1387475" y="1492885"/>
+            <a:ext cx="1634490" cy="598805"/>
+          </a:xfrm>
+          <a:prstGeom prst="rect">
+            <a:avLst/>
+          </a:prstGeom>
+          <a:ln w="12700">
+            <a:miter lim="400000"/>
+          </a:ln>
+        </p:spPr>
+        <p:txBody>
+          <a:bodyPr wrap="square" lIns="45719" rIns="45719">
+            <a:spAutoFit/>
+          </a:bodyPr>
+          <a:lstStyle>
+            <a:lvl1pPr>
+              <a:defRPr sz="1100" b="1">
+                <a:solidFill>
+                  <a:srgbClr val="535353"/>
+                </a:solidFill>
+              </a:defRPr>
+            </a:lvl1pPr>
+          </a:lstStyle>
+          <a:p>
+            <a:r>
+              <a:t>{Q</a:t>
+            </a:r>
+            <a:r>
+              <a:rPr lang="en-US" altLang="en-US" baseline="30000"/>
+              <a:t>b</a:t>
+            </a:r>
+            <a:r>
+              <a:rPr lang="en-US" baseline="-25000"/>
+              <a:t>1</a:t>
+            </a:r>
+            <a:r>
+              <a:t>}</a:t>
+            </a:r>
+            <a:r>
+              <a:rPr>
+                <a:sym typeface="+mn-ea"/>
+              </a:rPr>
+              <a:t>{Q</a:t>
+            </a:r>
+            <a:r>
+              <a:rPr lang="en-US" altLang="en-US" baseline="30000">
+                <a:sym typeface="+mn-ea"/>
+              </a:rPr>
+              <a:t>b</a:t>
+            </a:r>
+            <a:r>
+              <a:rPr lang="en-US" baseline="-25000">
+                <a:sym typeface="+mn-ea"/>
+              </a:rPr>
+              <a:t>2</a:t>
+            </a:r>
+            <a:r>
+              <a:rPr>
+                <a:sym typeface="+mn-ea"/>
+              </a:rPr>
+              <a:t>}</a:t>
+            </a:r>
+            <a:r>
+              <a:rPr lang="en-US">
+                <a:sym typeface="+mn-ea"/>
+              </a:rPr>
+              <a:t>... </a:t>
+            </a:r>
+            <a:r>
+              <a:rPr>
+                <a:sym typeface="+mn-ea"/>
+              </a:rPr>
+              <a:t>{Q</a:t>
+            </a:r>
+            <a:r>
+              <a:rPr lang="en-US" altLang="en-US" baseline="30000">
+                <a:sym typeface="+mn-ea"/>
+              </a:rPr>
+              <a:t>b</a:t>
+            </a:r>
+            <a:r>
+              <a:rPr lang="en-US" baseline="-25000">
+                <a:sym typeface="+mn-ea"/>
+              </a:rPr>
+              <a:t>N</a:t>
+            </a:r>
+            <a:r>
+              <a:rPr lang="en-US" altLang="en-US" baseline="-25000">
+                <a:sym typeface="+mn-ea"/>
+              </a:rPr>
+              <a:t>b</a:t>
+            </a:r>
+            <a:r>
+              <a:rPr>
+                <a:sym typeface="+mn-ea"/>
+              </a:rPr>
+              <a:t>}</a:t>
+            </a:r>
+            <a:endParaRPr>
+              <a:sym typeface="+mn-ea"/>
+            </a:endParaRPr>
+          </a:p>
+          <a:p>
+            <a:endParaRPr>
+              <a:sym typeface="+mn-ea"/>
+            </a:endParaRPr>
+          </a:p>
+          <a:p/>
+        </p:txBody>
+      </p:sp>
+      <p:sp>
+        <p:nvSpPr>
+          <p:cNvPr id="3" name="線條"/>
+          <p:cNvSpPr/>
+          <p:nvPr/>
+        </p:nvSpPr>
+        <p:spPr>
+          <a:xfrm flipV="1">
+            <a:off x="4438015" y="1420495"/>
+            <a:ext cx="1291590" cy="635"/>
+          </a:xfrm>
+          <a:prstGeom prst="line">
+            <a:avLst/>
+          </a:prstGeom>
+          <a:ln w="50800">
+            <a:solidFill>
+              <a:srgbClr val="535353"/>
+            </a:solidFill>
+            <a:miter/>
+            <a:tailEnd type="triangle"/>
+          </a:ln>
+        </p:spPr>
+        <p:txBody>
+          <a:bodyPr lIns="0" tIns="0" rIns="0" bIns="0"/>
+          <a:p/>
+        </p:txBody>
+      </p:sp>
+      <p:sp>
+        <p:nvSpPr>
+          <p:cNvPr id="9" name="Text Box 28"/>
+          <p:cNvSpPr txBox="1"/>
+          <p:nvPr/>
+        </p:nvSpPr>
+        <p:spPr>
+          <a:xfrm>
+            <a:off x="4523105" y="1099185"/>
+            <a:ext cx="1634490" cy="598805"/>
+          </a:xfrm>
+          <a:prstGeom prst="rect">
+            <a:avLst/>
+          </a:prstGeom>
+          <a:ln w="12700">
+            <a:miter lim="400000"/>
+          </a:ln>
+        </p:spPr>
+        <p:txBody>
+          <a:bodyPr wrap="square" lIns="45719" rIns="45719">
+            <a:spAutoFit/>
+          </a:bodyPr>
+          <a:lstStyle>
+            <a:lvl1pPr>
+              <a:defRPr sz="1100" b="1">
+                <a:solidFill>
+                  <a:srgbClr val="535353"/>
+                </a:solidFill>
+              </a:defRPr>
+            </a:lvl1pPr>
+          </a:lstStyle>
+          <a:p>
+            <a:r>
+              <a:t>{Q</a:t>
+            </a:r>
+            <a:r>
+              <a:rPr lang="en-US" altLang="en-US" baseline="30000"/>
+              <a:t>c</a:t>
+            </a:r>
+            <a:r>
+              <a:rPr lang="en-US" baseline="-25000"/>
+              <a:t>1</a:t>
+            </a:r>
+            <a:r>
+              <a:t>}</a:t>
+            </a:r>
+            <a:r>
+              <a:rPr>
+                <a:sym typeface="+mn-ea"/>
+              </a:rPr>
+              <a:t>{Q</a:t>
+            </a:r>
+            <a:r>
+              <a:rPr lang="en-US" altLang="en-US" baseline="30000">
+                <a:sym typeface="+mn-ea"/>
+              </a:rPr>
+              <a:t>c</a:t>
+            </a:r>
+            <a:r>
+              <a:rPr lang="en-US" baseline="-25000">
+                <a:sym typeface="+mn-ea"/>
+              </a:rPr>
+              <a:t>2</a:t>
+            </a:r>
+            <a:r>
+              <a:rPr>
+                <a:sym typeface="+mn-ea"/>
+              </a:rPr>
+              <a:t>}</a:t>
+            </a:r>
+            <a:r>
+              <a:rPr lang="en-US">
+                <a:sym typeface="+mn-ea"/>
+              </a:rPr>
+              <a:t>... </a:t>
+            </a:r>
+            <a:r>
+              <a:rPr>
+                <a:sym typeface="+mn-ea"/>
+              </a:rPr>
+              <a:t>{Q</a:t>
+            </a:r>
+            <a:r>
+              <a:rPr lang="en-US" altLang="en-US" baseline="30000">
+                <a:sym typeface="+mn-ea"/>
+              </a:rPr>
+              <a:t>c</a:t>
+            </a:r>
+            <a:r>
+              <a:rPr lang="en-US" baseline="-25000">
+                <a:sym typeface="+mn-ea"/>
+              </a:rPr>
+              <a:t>N</a:t>
+            </a:r>
+            <a:r>
+              <a:rPr lang="en-US" altLang="en-US" baseline="-25000">
+                <a:sym typeface="+mn-ea"/>
+              </a:rPr>
+              <a:t>c</a:t>
+            </a:r>
+            <a:r>
+              <a:rPr>
+                <a:sym typeface="+mn-ea"/>
+              </a:rPr>
+              <a:t>}</a:t>
+            </a:r>
+            <a:endParaRPr>
+              <a:sym typeface="+mn-ea"/>
+            </a:endParaRPr>
+          </a:p>
+          <a:p>
+            <a:endParaRPr>
+              <a:sym typeface="+mn-ea"/>
+            </a:endParaRPr>
+          </a:p>
+          <a:p/>
+        </p:txBody>
+      </p:sp>
+      <p:sp>
+        <p:nvSpPr>
+          <p:cNvPr id="712" name="Equal 33"/>
+          <p:cNvSpPr/>
+          <p:nvPr/>
+        </p:nvSpPr>
+        <p:spPr>
+          <a:xfrm rot="5400000">
+            <a:off x="3507617" y="2459776"/>
+            <a:ext cx="250069" cy="167641"/>
+          </a:xfrm>
+          <a:custGeom>
+            <a:avLst/>
+            <a:gdLst/>
+            <a:ahLst/>
+            <a:cxnLst>
+              <a:cxn ang="0">
+                <a:pos x="wd2" y="hd2"/>
+              </a:cxn>
+              <a:cxn ang="5400000">
+                <a:pos x="wd2" y="hd2"/>
+              </a:cxn>
+              <a:cxn ang="10800000">
+                <a:pos x="wd2" y="hd2"/>
+              </a:cxn>
+              <a:cxn ang="16200000">
+                <a:pos x="wd2" y="hd2"/>
+              </a:cxn>
+            </a:cxnLst>
+            <a:rect l="0" t="0" r="r" b="b"/>
+            <a:pathLst>
+              <a:path w="21600" h="21600" extrusionOk="0">
+                <a:moveTo>
+                  <a:pt x="0" y="0"/>
+                </a:moveTo>
+                <a:lnTo>
+                  <a:pt x="21600" y="0"/>
+                </a:lnTo>
+                <a:lnTo>
+                  <a:pt x="21600" y="6487"/>
+                </a:lnTo>
+                <a:lnTo>
+                  <a:pt x="0" y="6487"/>
+                </a:lnTo>
+                <a:close/>
+                <a:moveTo>
+                  <a:pt x="0" y="15113"/>
+                </a:moveTo>
+                <a:lnTo>
+                  <a:pt x="21600" y="15113"/>
+                </a:lnTo>
+                <a:lnTo>
+                  <a:pt x="21600" y="21600"/>
+                </a:lnTo>
+                <a:lnTo>
+                  <a:pt x="0" y="21600"/>
+                </a:lnTo>
+                <a:close/>
+              </a:path>
+            </a:pathLst>
+          </a:custGeom>
+          <a:solidFill>
+            <a:srgbClr val="C00000"/>
+          </a:solidFill>
+          <a:ln w="12700">
+            <a:miter lim="400000"/>
+          </a:ln>
+        </p:spPr>
+        <p:txBody>
+          <a:bodyPr lIns="0" tIns="0" rIns="0" bIns="0" anchor="ctr"/>
+          <a:p>
+            <a:pPr algn="ctr"/>
+          </a:p>
+        </p:txBody>
+      </p:sp>
+      <p:sp>
+        <p:nvSpPr>
+          <p:cNvPr id="714" name="Rounded Rectangle 40"/>
+          <p:cNvSpPr/>
+          <p:nvPr/>
+        </p:nvSpPr>
+        <p:spPr>
+          <a:xfrm>
+            <a:off x="3295650" y="3039745"/>
+            <a:ext cx="675005" cy="638810"/>
+          </a:xfrm>
+          <a:prstGeom prst="roundRect">
+            <a:avLst>
+              <a:gd name="adj" fmla="val 11626"/>
+            </a:avLst>
+          </a:prstGeom>
+          <a:solidFill>
+            <a:schemeClr val="accent1">
+              <a:satOff val="-19086"/>
+              <a:lumOff val="-11916"/>
+            </a:schemeClr>
+          </a:solidFill>
+          <a:ln w="12700" cap="flat">
+            <a:solidFill>
+              <a:schemeClr val="accent1">
+                <a:satOff val="-19086"/>
+                <a:lumOff val="-11916"/>
+              </a:schemeClr>
+            </a:solidFill>
+            <a:prstDash val="solid"/>
+            <a:miter lim="800000"/>
+          </a:ln>
+          <a:effectLst/>
+        </p:spPr>
+        <p:txBody>
+          <a:bodyPr wrap="square" lIns="0" tIns="0" rIns="0" bIns="0" numCol="1" anchor="ctr">
+            <a:noAutofit/>
+          </a:bodyPr>
+          <a:p>
+            <a:pPr algn="ctr">
+              <a:defRPr>
+                <a:solidFill>
+                  <a:schemeClr val="accent1">
+                    <a:satOff val="-19086"/>
+                    <a:lumOff val="-11916"/>
+                  </a:schemeClr>
+                </a:solidFill>
+              </a:defRPr>
+            </a:pPr>
+          </a:p>
+        </p:txBody>
+      </p:sp>
+      <p:sp>
+        <p:nvSpPr>
+          <p:cNvPr id="703" name="線條"/>
+          <p:cNvSpPr/>
+          <p:nvPr/>
+        </p:nvSpPr>
+        <p:spPr>
+          <a:xfrm>
+            <a:off x="2699871" y="3179874"/>
+            <a:ext cx="595678" cy="1"/>
+          </a:xfrm>
+          <a:prstGeom prst="line">
+            <a:avLst/>
+          </a:prstGeom>
+          <a:ln w="50800">
+            <a:solidFill>
+              <a:schemeClr val="accent1">
+                <a:satOff val="-19086"/>
+                <a:lumOff val="-11916"/>
+              </a:schemeClr>
+            </a:solidFill>
+            <a:miter/>
+            <a:tailEnd type="triangle"/>
+          </a:ln>
+        </p:spPr>
+        <p:txBody>
+          <a:bodyPr lIns="0" tIns="0" rIns="0" bIns="0"/>
+          <a:p/>
+        </p:txBody>
+      </p:sp>
+      <p:sp>
+        <p:nvSpPr>
+          <p:cNvPr id="11" name="線條"/>
+          <p:cNvSpPr/>
+          <p:nvPr/>
+        </p:nvSpPr>
+        <p:spPr>
+          <a:xfrm>
+            <a:off x="2699871" y="3538014"/>
+            <a:ext cx="595678" cy="1"/>
+          </a:xfrm>
+          <a:prstGeom prst="line">
+            <a:avLst/>
+          </a:prstGeom>
+          <a:ln w="50800">
+            <a:solidFill>
+              <a:schemeClr val="accent1">
+                <a:satOff val="-19085"/>
+                <a:lumOff val="-11915"/>
+              </a:schemeClr>
+            </a:solidFill>
+            <a:miter/>
+            <a:tailEnd type="triangle"/>
+          </a:ln>
+        </p:spPr>
+        <p:txBody>
+          <a:bodyPr lIns="0" tIns="0" rIns="0" bIns="0"/>
+          <a:p/>
+        </p:txBody>
+      </p:sp>
+      <p:sp>
+        <p:nvSpPr>
+          <p:cNvPr id="12" name="線條"/>
+          <p:cNvSpPr/>
+          <p:nvPr/>
+        </p:nvSpPr>
+        <p:spPr>
+          <a:xfrm>
+            <a:off x="3970506" y="3358944"/>
+            <a:ext cx="595678" cy="1"/>
+          </a:xfrm>
+          <a:prstGeom prst="line">
+            <a:avLst/>
+          </a:prstGeom>
+          <a:ln w="50800">
+            <a:solidFill>
+              <a:schemeClr val="accent1">
+                <a:satOff val="-19084"/>
+                <a:lumOff val="-11914"/>
+              </a:schemeClr>
+            </a:solidFill>
+            <a:miter/>
+            <a:tailEnd type="triangle"/>
+          </a:ln>
+        </p:spPr>
+        <p:txBody>
+          <a:bodyPr lIns="0" tIns="0" rIns="0" bIns="0"/>
+          <a:p/>
+        </p:txBody>
+      </p:sp>
+      <p:sp>
+        <p:nvSpPr>
+          <p:cNvPr id="14" name="Text Box 13"/>
+          <p:cNvSpPr txBox="1"/>
+          <p:nvPr/>
+        </p:nvSpPr>
+        <p:spPr>
+          <a:xfrm>
+            <a:off x="2720975" y="2916555"/>
+            <a:ext cx="330835" cy="184150"/>
+          </a:xfrm>
+          <a:prstGeom prst="rect">
+            <a:avLst/>
+          </a:prstGeom>
+          <a:noFill/>
+          <a:ln w="12700" cap="flat">
+            <a:noFill/>
+            <a:miter lim="400000"/>
+          </a:ln>
+        </p:spPr>
+        <p:style>
+          <a:lnRef idx="0">
+            <a:srgbClr val="FFFFFF"/>
+          </a:lnRef>
+          <a:fillRef idx="0">
+            <a:srgbClr val="FFFFFF"/>
+          </a:fillRef>
+          <a:effectRef idx="0">
+            <a:srgbClr val="FFFFFF"/>
+          </a:effectRef>
+          <a:fontRef idx="none"/>
+        </p:style>
+        <p:txBody>
+          <a:bodyPr rot="0" vertOverflow="overflow" horzOverflow="overflow" vert="horz" wrap="none" lIns="0" tIns="0" rIns="0" bIns="0" numCol="1" spcCol="38100" rtlCol="0" anchor="t" forceAA="0" upright="0">
+            <a:spAutoFit/>
+          </a:bodyPr>
+          <a:p>
+            <a:pPr marL="0" marR="0" indent="0" algn="l" defTabSz="914400" rtl="0" fontAlgn="auto" latinLnBrk="0" hangingPunct="0">
+              <a:lnSpc>
+                <a:spcPct val="100000"/>
+              </a:lnSpc>
+              <a:spcBef>
+                <a:spcPts val="0"/>
+              </a:spcBef>
+              <a:spcAft>
+                <a:spcPts val="0"/>
+              </a:spcAft>
+              <a:buClrTx/>
+              <a:buSzTx/>
+              <a:buFontTx/>
+              <a:buNone/>
+            </a:pPr>
+            <a:r>
+              <a:rPr sz="1200">
+                <a:sym typeface="+mn-ea"/>
+              </a:rPr>
+              <a:t>{Q</a:t>
+            </a:r>
+            <a:r>
+              <a:rPr lang="en-US" altLang="en-US" sz="1200" baseline="30000">
+                <a:sym typeface="+mn-ea"/>
+              </a:rPr>
+              <a:t>a</a:t>
+            </a:r>
+            <a:r>
+              <a:rPr lang="en-US" sz="1200" baseline="-25000">
+                <a:sym typeface="+mn-ea"/>
+              </a:rPr>
+              <a:t>1</a:t>
+            </a:r>
+            <a:r>
+              <a:rPr sz="1200">
+                <a:sym typeface="+mn-ea"/>
+              </a:rPr>
+              <a:t>}</a:t>
+            </a:r>
+            <a:endParaRPr kumimoji="0" lang="en-US" sz="1200" b="0" i="0" u="none" strike="noStrike" cap="none" spc="0" normalizeH="0" baseline="0">
+              <a:ln>
+                <a:noFill/>
+              </a:ln>
+              <a:solidFill>
+                <a:srgbClr val="000000"/>
+              </a:solidFill>
+              <a:effectLst/>
+              <a:uFillTx/>
+              <a:latin typeface="Arial" panose="020B0604020202020204"/>
+              <a:ea typeface="Arial" panose="020B0604020202020204"/>
+              <a:cs typeface="Arial" panose="020B0604020202020204"/>
+              <a:sym typeface="Arial" panose="020B0604020202020204"/>
+            </a:endParaRPr>
+          </a:p>
+        </p:txBody>
+      </p:sp>
+      <p:sp>
+        <p:nvSpPr>
+          <p:cNvPr id="15" name="Text Box 14"/>
+          <p:cNvSpPr txBox="1"/>
+          <p:nvPr/>
+        </p:nvSpPr>
+        <p:spPr>
+          <a:xfrm>
+            <a:off x="2720975" y="3287395"/>
+            <a:ext cx="330835" cy="184150"/>
+          </a:xfrm>
+          <a:prstGeom prst="rect">
+            <a:avLst/>
+          </a:prstGeom>
+          <a:noFill/>
+          <a:ln w="12700" cap="flat">
+            <a:noFill/>
+            <a:miter lim="400000"/>
+          </a:ln>
+        </p:spPr>
+        <p:style>
+          <a:lnRef idx="0">
+            <a:srgbClr val="FFFFFF"/>
+          </a:lnRef>
+          <a:fillRef idx="0">
+            <a:srgbClr val="FFFFFF"/>
+          </a:fillRef>
+          <a:effectRef idx="0">
+            <a:srgbClr val="FFFFFF"/>
+          </a:effectRef>
+          <a:fontRef idx="none"/>
+        </p:style>
+        <p:txBody>
+          <a:bodyPr rot="0" vertOverflow="overflow" horzOverflow="overflow" vert="horz" wrap="none" lIns="0" tIns="0" rIns="0" bIns="0" numCol="1" spcCol="38100" rtlCol="0" anchor="t" forceAA="0" upright="0">
+            <a:spAutoFit/>
+          </a:bodyPr>
+          <a:p>
+            <a:pPr marL="0" marR="0" indent="0" algn="l" defTabSz="914400" rtl="0" fontAlgn="auto" latinLnBrk="0" hangingPunct="0">
+              <a:lnSpc>
+                <a:spcPct val="100000"/>
+              </a:lnSpc>
+              <a:spcBef>
+                <a:spcPts val="0"/>
+              </a:spcBef>
+              <a:spcAft>
+                <a:spcPts val="0"/>
+              </a:spcAft>
+              <a:buClrTx/>
+              <a:buSzTx/>
+              <a:buFontTx/>
+              <a:buNone/>
+            </a:pPr>
+            <a:r>
+              <a:rPr sz="1200">
+                <a:sym typeface="+mn-ea"/>
+              </a:rPr>
+              <a:t>{Q</a:t>
+            </a:r>
+            <a:r>
+              <a:rPr lang="en-US" altLang="en-US" sz="1200" baseline="30000">
+                <a:sym typeface="+mn-ea"/>
+              </a:rPr>
+              <a:t>b</a:t>
+            </a:r>
+            <a:r>
+              <a:rPr lang="en-US" sz="1200" baseline="-25000">
+                <a:sym typeface="+mn-ea"/>
+              </a:rPr>
+              <a:t>2</a:t>
+            </a:r>
+            <a:r>
+              <a:rPr sz="1200">
+                <a:sym typeface="+mn-ea"/>
+              </a:rPr>
+              <a:t>}</a:t>
+            </a:r>
+            <a:endParaRPr kumimoji="0" lang="en-US" sz="1200" b="0" i="0" u="none" strike="noStrike" cap="none" spc="0" normalizeH="0" baseline="0">
+              <a:ln>
+                <a:noFill/>
+              </a:ln>
+              <a:solidFill>
+                <a:srgbClr val="000000"/>
+              </a:solidFill>
+              <a:effectLst/>
+              <a:uFillTx/>
+              <a:latin typeface="Arial" panose="020B0604020202020204"/>
+              <a:ea typeface="Arial" panose="020B0604020202020204"/>
+              <a:cs typeface="Arial" panose="020B0604020202020204"/>
+              <a:sym typeface="Arial" panose="020B0604020202020204"/>
+            </a:endParaRPr>
+          </a:p>
+        </p:txBody>
+      </p:sp>
+      <p:sp>
+        <p:nvSpPr>
+          <p:cNvPr id="16" name="Text Box 15"/>
+          <p:cNvSpPr txBox="1"/>
+          <p:nvPr/>
+        </p:nvSpPr>
+        <p:spPr>
+          <a:xfrm>
+            <a:off x="4084955" y="3103245"/>
+            <a:ext cx="367665" cy="184150"/>
+          </a:xfrm>
+          <a:prstGeom prst="rect">
+            <a:avLst/>
+          </a:prstGeom>
+          <a:noFill/>
+          <a:ln w="12700" cap="flat">
+            <a:noFill/>
+            <a:miter lim="400000"/>
+          </a:ln>
+        </p:spPr>
+        <p:style>
+          <a:lnRef idx="0">
+            <a:srgbClr val="FFFFFF"/>
+          </a:lnRef>
+          <a:fillRef idx="0">
+            <a:srgbClr val="FFFFFF"/>
+          </a:fillRef>
+          <a:effectRef idx="0">
+            <a:srgbClr val="FFFFFF"/>
+          </a:effectRef>
+          <a:fontRef idx="none"/>
+        </p:style>
+        <p:txBody>
+          <a:bodyPr rot="0" vertOverflow="overflow" horzOverflow="overflow" vert="horz" wrap="none" lIns="0" tIns="0" rIns="0" bIns="0" numCol="1" spcCol="38100" rtlCol="0" anchor="t" forceAA="0" upright="0">
+            <a:spAutoFit/>
+          </a:bodyPr>
+          <a:p>
+            <a:pPr marL="0" marR="0" indent="0" algn="l" defTabSz="914400" rtl="0" fontAlgn="auto" latinLnBrk="0" hangingPunct="0">
+              <a:lnSpc>
+                <a:spcPct val="100000"/>
+              </a:lnSpc>
+              <a:spcBef>
+                <a:spcPts val="0"/>
+              </a:spcBef>
+              <a:spcAft>
+                <a:spcPts val="0"/>
+              </a:spcAft>
+              <a:buClrTx/>
+              <a:buSzTx/>
+              <a:buFontTx/>
+              <a:buNone/>
+            </a:pPr>
+            <a:r>
+              <a:rPr sz="1200">
+                <a:sym typeface="+mn-ea"/>
+              </a:rPr>
+              <a:t>{Q</a:t>
+            </a:r>
+            <a:r>
+              <a:rPr lang="en-US" altLang="en-US" sz="1200" baseline="30000">
+                <a:sym typeface="+mn-ea"/>
+              </a:rPr>
+              <a:t>c</a:t>
+            </a:r>
+            <a:r>
+              <a:rPr lang="en-US" sz="1200" baseline="-25000">
+                <a:sym typeface="+mn-ea"/>
+              </a:rPr>
+              <a:t>2</a:t>
+            </a:r>
+            <a:r>
+              <a:rPr sz="1200">
+                <a:sym typeface="+mn-ea"/>
+              </a:rPr>
+              <a:t>}</a:t>
+            </a:r>
+            <a:r>
+              <a:rPr lang="en-US" sz="1200">
+                <a:sym typeface="+mn-ea"/>
+              </a:rPr>
+              <a:t>.</a:t>
+            </a:r>
+            <a:endParaRPr kumimoji="0" lang="en-US" sz="1200" b="0" i="0" u="none" strike="noStrike" cap="none" spc="0" normalizeH="0" baseline="0">
+              <a:ln>
+                <a:noFill/>
+              </a:ln>
+              <a:solidFill>
+                <a:srgbClr val="000000"/>
+              </a:solidFill>
+              <a:effectLst/>
+              <a:uFillTx/>
+              <a:latin typeface="Arial" panose="020B0604020202020204"/>
+              <a:ea typeface="Arial" panose="020B0604020202020204"/>
+              <a:cs typeface="Arial" panose="020B0604020202020204"/>
+              <a:sym typeface="Arial" panose="020B0604020202020204"/>
+            </a:endParaRPr>
+          </a:p>
+        </p:txBody>
+      </p:sp>
+      <p:sp>
+        <p:nvSpPr>
+          <p:cNvPr id="17" name="Flowchart: Or 16"/>
+          <p:cNvSpPr/>
+          <p:nvPr/>
+        </p:nvSpPr>
+        <p:spPr>
+          <a:xfrm>
+            <a:off x="3561080" y="3965575"/>
+            <a:ext cx="144145" cy="144145"/>
+          </a:xfrm>
+          <a:prstGeom prst="flowChartOr">
+            <a:avLst/>
+          </a:prstGeom>
+          <a:solidFill>
+            <a:srgbClr val="FFFFFF"/>
+          </a:solidFill>
+          <a:ln w="12700" cap="flat">
+            <a:solidFill>
+              <a:schemeClr val="accent1"/>
+            </a:solidFill>
+            <a:prstDash val="solid"/>
+            <a:miter lim="800000"/>
+          </a:ln>
+        </p:spPr>
+        <p:style>
+          <a:lnRef idx="0">
+            <a:srgbClr val="FFFFFF"/>
+          </a:lnRef>
+          <a:fillRef idx="0">
+            <a:srgbClr val="FFFFFF"/>
+          </a:fillRef>
+          <a:effectRef idx="0">
+            <a:srgbClr val="FFFFFF"/>
+          </a:effectRef>
+          <a:fontRef idx="none"/>
+        </p:style>
+        <p:txBody>
+          <a:bodyPr rot="0" vertOverflow="overflow" horzOverflow="overflow" vert="horz" wrap="square" lIns="0" tIns="0" rIns="0" bIns="0" numCol="1" spcCol="38100" rtlCol="0" anchor="t" forceAA="0" upright="0">
+            <a:spAutoFit/>
+          </a:bodyPr>
+          <a:p>
+            <a:pPr marL="0" marR="0" indent="0" algn="l" defTabSz="914400" rtl="0" fontAlgn="auto" latinLnBrk="0" hangingPunct="0">
+              <a:lnSpc>
+                <a:spcPct val="100000"/>
+              </a:lnSpc>
+              <a:spcBef>
+                <a:spcPts val="0"/>
+              </a:spcBef>
+              <a:spcAft>
+                <a:spcPts val="0"/>
+              </a:spcAft>
+              <a:buClrTx/>
+              <a:buSzTx/>
+              <a:buFontTx/>
+              <a:buNone/>
+            </a:pPr>
+            <a:endParaRPr kumimoji="0" lang="en-US" sz="1800" b="0" i="0" u="none" strike="noStrike" cap="none" spc="0" normalizeH="0" baseline="0">
+              <a:ln>
+                <a:noFill/>
+              </a:ln>
+              <a:solidFill>
+                <a:srgbClr val="000000"/>
+              </a:solidFill>
+              <a:effectLst/>
+              <a:uFillTx/>
+              <a:latin typeface="Arial" panose="020B0604020202020204"/>
+              <a:ea typeface="Arial" panose="020B0604020202020204"/>
+              <a:cs typeface="Arial" panose="020B0604020202020204"/>
+              <a:sym typeface="Arial" panose="020B0604020202020204"/>
+            </a:endParaRPr>
+          </a:p>
+        </p:txBody>
+      </p:sp>
+      <p:sp>
+        <p:nvSpPr>
+          <p:cNvPr id="18" name="Rounded Rectangle 40"/>
+          <p:cNvSpPr/>
+          <p:nvPr/>
+        </p:nvSpPr>
+        <p:spPr>
+          <a:xfrm>
+            <a:off x="3295650" y="4401185"/>
+            <a:ext cx="675005" cy="638810"/>
+          </a:xfrm>
+          <a:prstGeom prst="roundRect">
+            <a:avLst>
+              <a:gd name="adj" fmla="val 11626"/>
+            </a:avLst>
+          </a:prstGeom>
+          <a:solidFill>
+            <a:schemeClr val="accent1">
+              <a:satOff val="-19085"/>
+              <a:lumOff val="-11915"/>
+            </a:schemeClr>
+          </a:solidFill>
+          <a:ln w="12700" cap="flat">
+            <a:solidFill>
+              <a:schemeClr val="accent1">
+                <a:satOff val="-19085"/>
+                <a:lumOff val="-11915"/>
+              </a:schemeClr>
+            </a:solidFill>
+            <a:prstDash val="solid"/>
+            <a:miter lim="800000"/>
+          </a:ln>
+          <a:effectLst/>
+        </p:spPr>
+        <p:txBody>
+          <a:bodyPr wrap="square" lIns="0" tIns="0" rIns="0" bIns="0" numCol="1" anchor="ctr">
+            <a:noAutofit/>
+          </a:bodyPr>
+          <a:p>
+            <a:pPr algn="ctr">
+              <a:defRPr>
+                <a:solidFill>
+                  <a:schemeClr val="accent1">
+                    <a:satOff val="-19085"/>
+                    <a:lumOff val="-11915"/>
+                  </a:schemeClr>
+                </a:solidFill>
+              </a:defRPr>
+            </a:pPr>
+          </a:p>
+        </p:txBody>
+      </p:sp>
+      <p:sp>
+        <p:nvSpPr>
+          <p:cNvPr id="19" name="線條"/>
+          <p:cNvSpPr/>
+          <p:nvPr/>
+        </p:nvSpPr>
+        <p:spPr>
+          <a:xfrm>
+            <a:off x="2699871" y="4541314"/>
+            <a:ext cx="595678" cy="1"/>
+          </a:xfrm>
+          <a:prstGeom prst="line">
+            <a:avLst/>
+          </a:prstGeom>
+          <a:ln w="50800">
+            <a:solidFill>
+              <a:schemeClr val="accent1">
+                <a:satOff val="-19085"/>
+                <a:lumOff val="-11915"/>
+              </a:schemeClr>
+            </a:solidFill>
+            <a:miter/>
+            <a:tailEnd type="triangle"/>
+          </a:ln>
+        </p:spPr>
+        <p:txBody>
+          <a:bodyPr lIns="0" tIns="0" rIns="0" bIns="0"/>
+          <a:p/>
+        </p:txBody>
+      </p:sp>
+      <p:sp>
+        <p:nvSpPr>
+          <p:cNvPr id="20" name="線條"/>
+          <p:cNvSpPr/>
+          <p:nvPr/>
+        </p:nvSpPr>
+        <p:spPr>
+          <a:xfrm>
+            <a:off x="2699871" y="4899454"/>
+            <a:ext cx="595678" cy="1"/>
+          </a:xfrm>
+          <a:prstGeom prst="line">
+            <a:avLst/>
+          </a:prstGeom>
+          <a:ln w="50800">
+            <a:solidFill>
+              <a:schemeClr val="accent1">
+                <a:satOff val="-19084"/>
+                <a:lumOff val="-11914"/>
+              </a:schemeClr>
+            </a:solidFill>
+            <a:miter/>
+            <a:tailEnd type="triangle"/>
+          </a:ln>
+        </p:spPr>
+        <p:txBody>
+          <a:bodyPr lIns="0" tIns="0" rIns="0" bIns="0"/>
+          <a:p/>
+        </p:txBody>
+      </p:sp>
+      <p:sp>
+        <p:nvSpPr>
+          <p:cNvPr id="21" name="線條"/>
+          <p:cNvSpPr/>
+          <p:nvPr/>
+        </p:nvSpPr>
+        <p:spPr>
+          <a:xfrm>
+            <a:off x="3970506" y="4720384"/>
+            <a:ext cx="595678" cy="1"/>
+          </a:xfrm>
+          <a:prstGeom prst="line">
+            <a:avLst/>
+          </a:prstGeom>
+          <a:ln w="50800">
+            <a:solidFill>
+              <a:schemeClr val="accent1">
+                <a:satOff val="-19083"/>
+                <a:lumOff val="-11913"/>
+              </a:schemeClr>
+            </a:solidFill>
+            <a:miter/>
+            <a:tailEnd type="triangle"/>
+          </a:ln>
+        </p:spPr>
+        <p:txBody>
+          <a:bodyPr lIns="0" tIns="0" rIns="0" bIns="0"/>
+          <a:p/>
+        </p:txBody>
+      </p:sp>
+      <p:sp>
+        <p:nvSpPr>
+          <p:cNvPr id="22" name="Text Box 21"/>
+          <p:cNvSpPr txBox="1"/>
+          <p:nvPr/>
+        </p:nvSpPr>
+        <p:spPr>
+          <a:xfrm>
+            <a:off x="2720975" y="4277995"/>
+            <a:ext cx="330835" cy="184150"/>
+          </a:xfrm>
+          <a:prstGeom prst="rect">
+            <a:avLst/>
+          </a:prstGeom>
+          <a:noFill/>
+          <a:ln w="12700" cap="flat">
+            <a:noFill/>
+            <a:miter lim="400000"/>
+          </a:ln>
+        </p:spPr>
+        <p:style>
+          <a:lnRef idx="0">
+            <a:srgbClr val="FFFFFF"/>
+          </a:lnRef>
+          <a:fillRef idx="0">
+            <a:srgbClr val="FFFFFF"/>
+          </a:fillRef>
+          <a:effectRef idx="0">
+            <a:srgbClr val="FFFFFF"/>
+          </a:effectRef>
+          <a:fontRef idx="none"/>
+        </p:style>
+        <p:txBody>
+          <a:bodyPr rot="0" vertOverflow="overflow" horzOverflow="overflow" vert="horz" wrap="none" lIns="0" tIns="0" rIns="0" bIns="0" numCol="1" spcCol="38100" rtlCol="0" anchor="t" forceAA="0" upright="0">
+            <a:spAutoFit/>
+          </a:bodyPr>
+          <a:p>
+            <a:pPr marL="0" marR="0" indent="0" algn="l" defTabSz="914400" rtl="0" fontAlgn="auto" latinLnBrk="0" hangingPunct="0">
+              <a:lnSpc>
+                <a:spcPct val="100000"/>
+              </a:lnSpc>
+              <a:spcBef>
+                <a:spcPts val="0"/>
+              </a:spcBef>
+              <a:spcAft>
+                <a:spcPts val="0"/>
+              </a:spcAft>
+              <a:buClrTx/>
+              <a:buSzTx/>
+              <a:buFontTx/>
+              <a:buNone/>
+            </a:pPr>
+            <a:r>
+              <a:rPr sz="1200">
+                <a:sym typeface="+mn-ea"/>
+              </a:rPr>
+              <a:t>{Q</a:t>
+            </a:r>
+            <a:r>
+              <a:rPr lang="en-US" altLang="en-US" sz="1200" baseline="30000">
+                <a:sym typeface="+mn-ea"/>
+              </a:rPr>
+              <a:t>a</a:t>
+            </a:r>
+            <a:r>
+              <a:rPr lang="en-US" altLang="en-US" sz="1200" baseline="-25000">
+                <a:sym typeface="+mn-ea"/>
+              </a:rPr>
+              <a:t>4</a:t>
+            </a:r>
+            <a:r>
+              <a:rPr sz="1200">
+                <a:sym typeface="+mn-ea"/>
+              </a:rPr>
+              <a:t>}</a:t>
+            </a:r>
+            <a:endParaRPr kumimoji="0" lang="en-US" sz="1200" b="0" i="0" u="none" strike="noStrike" cap="none" spc="0" normalizeH="0" baseline="0">
+              <a:ln>
+                <a:noFill/>
+              </a:ln>
+              <a:solidFill>
+                <a:srgbClr val="000000"/>
+              </a:solidFill>
+              <a:effectLst/>
+              <a:uFillTx/>
+              <a:latin typeface="Arial" panose="020B0604020202020204"/>
+              <a:ea typeface="Arial" panose="020B0604020202020204"/>
+              <a:cs typeface="Arial" panose="020B0604020202020204"/>
+              <a:sym typeface="Arial" panose="020B0604020202020204"/>
+            </a:endParaRPr>
+          </a:p>
+        </p:txBody>
+      </p:sp>
+      <p:sp>
+        <p:nvSpPr>
+          <p:cNvPr id="23" name="Text Box 22"/>
+          <p:cNvSpPr txBox="1"/>
+          <p:nvPr/>
+        </p:nvSpPr>
+        <p:spPr>
+          <a:xfrm>
+            <a:off x="2720975" y="4648835"/>
+            <a:ext cx="330835" cy="184150"/>
+          </a:xfrm>
+          <a:prstGeom prst="rect">
+            <a:avLst/>
+          </a:prstGeom>
+          <a:noFill/>
+          <a:ln w="12700" cap="flat">
+            <a:noFill/>
+            <a:miter lim="400000"/>
+          </a:ln>
+        </p:spPr>
+        <p:style>
+          <a:lnRef idx="0">
+            <a:srgbClr val="FFFFFF"/>
+          </a:lnRef>
+          <a:fillRef idx="0">
+            <a:srgbClr val="FFFFFF"/>
+          </a:fillRef>
+          <a:effectRef idx="0">
+            <a:srgbClr val="FFFFFF"/>
+          </a:effectRef>
+          <a:fontRef idx="none"/>
+        </p:style>
+        <p:txBody>
+          <a:bodyPr rot="0" vertOverflow="overflow" horzOverflow="overflow" vert="horz" wrap="none" lIns="0" tIns="0" rIns="0" bIns="0" numCol="1" spcCol="38100" rtlCol="0" anchor="t" forceAA="0" upright="0">
+            <a:spAutoFit/>
+          </a:bodyPr>
+          <a:p>
+            <a:pPr marL="0" marR="0" indent="0" algn="l" defTabSz="914400" rtl="0" fontAlgn="auto" latinLnBrk="0" hangingPunct="0">
+              <a:lnSpc>
+                <a:spcPct val="100000"/>
+              </a:lnSpc>
+              <a:spcBef>
+                <a:spcPts val="0"/>
+              </a:spcBef>
+              <a:spcAft>
+                <a:spcPts val="0"/>
+              </a:spcAft>
+              <a:buClrTx/>
+              <a:buSzTx/>
+              <a:buFontTx/>
+              <a:buNone/>
+            </a:pPr>
+            <a:r>
+              <a:rPr sz="1200">
+                <a:sym typeface="+mn-ea"/>
+              </a:rPr>
+              <a:t>{Q</a:t>
+            </a:r>
+            <a:r>
+              <a:rPr lang="en-US" altLang="en-US" sz="1200" baseline="30000">
+                <a:sym typeface="+mn-ea"/>
+              </a:rPr>
+              <a:t>b</a:t>
+            </a:r>
+            <a:r>
+              <a:rPr lang="en-US" altLang="en-US" sz="1200" baseline="-25000">
+                <a:sym typeface="+mn-ea"/>
+              </a:rPr>
+              <a:t>3</a:t>
+            </a:r>
+            <a:r>
+              <a:rPr sz="1200">
+                <a:sym typeface="+mn-ea"/>
+              </a:rPr>
+              <a:t>}</a:t>
+            </a:r>
+            <a:endParaRPr kumimoji="0" lang="en-US" sz="1200" b="0" i="0" u="none" strike="noStrike" cap="none" spc="0" normalizeH="0" baseline="0">
+              <a:ln>
+                <a:noFill/>
+              </a:ln>
+              <a:solidFill>
+                <a:srgbClr val="000000"/>
+              </a:solidFill>
+              <a:effectLst/>
+              <a:uFillTx/>
+              <a:latin typeface="Arial" panose="020B0604020202020204"/>
+              <a:ea typeface="Arial" panose="020B0604020202020204"/>
+              <a:cs typeface="Arial" panose="020B0604020202020204"/>
+              <a:sym typeface="Arial" panose="020B0604020202020204"/>
+            </a:endParaRPr>
+          </a:p>
+        </p:txBody>
+      </p:sp>
+      <p:sp>
+        <p:nvSpPr>
+          <p:cNvPr id="24" name="Text Box 23"/>
+          <p:cNvSpPr txBox="1"/>
+          <p:nvPr/>
+        </p:nvSpPr>
+        <p:spPr>
+          <a:xfrm>
+            <a:off x="4084955" y="4464685"/>
+            <a:ext cx="367665" cy="184150"/>
+          </a:xfrm>
+          <a:prstGeom prst="rect">
+            <a:avLst/>
+          </a:prstGeom>
+          <a:noFill/>
+          <a:ln w="12700" cap="flat">
+            <a:noFill/>
+            <a:miter lim="400000"/>
+          </a:ln>
+        </p:spPr>
+        <p:style>
+          <a:lnRef idx="0">
+            <a:srgbClr val="FFFFFF"/>
+          </a:lnRef>
+          <a:fillRef idx="0">
+            <a:srgbClr val="FFFFFF"/>
+          </a:fillRef>
+          <a:effectRef idx="0">
+            <a:srgbClr val="FFFFFF"/>
+          </a:effectRef>
+          <a:fontRef idx="none"/>
+        </p:style>
+        <p:txBody>
+          <a:bodyPr rot="0" vertOverflow="overflow" horzOverflow="overflow" vert="horz" wrap="none" lIns="0" tIns="0" rIns="0" bIns="0" numCol="1" spcCol="38100" rtlCol="0" anchor="t" forceAA="0" upright="0">
+            <a:spAutoFit/>
+          </a:bodyPr>
+          <a:p>
+            <a:pPr marL="0" marR="0" indent="0" algn="l" defTabSz="914400" rtl="0" fontAlgn="auto" latinLnBrk="0" hangingPunct="0">
+              <a:lnSpc>
+                <a:spcPct val="100000"/>
+              </a:lnSpc>
+              <a:spcBef>
+                <a:spcPts val="0"/>
+              </a:spcBef>
+              <a:spcAft>
+                <a:spcPts val="0"/>
+              </a:spcAft>
+              <a:buClrTx/>
+              <a:buSzTx/>
+              <a:buFontTx/>
+              <a:buNone/>
+            </a:pPr>
+            <a:r>
+              <a:rPr sz="1200">
+                <a:sym typeface="+mn-ea"/>
+              </a:rPr>
+              <a:t>{Q</a:t>
+            </a:r>
+            <a:r>
+              <a:rPr lang="en-US" altLang="en-US" sz="1200" baseline="30000">
+                <a:sym typeface="+mn-ea"/>
+              </a:rPr>
+              <a:t>c</a:t>
+            </a:r>
+            <a:r>
+              <a:rPr lang="en-US" altLang="en-US" sz="1200" baseline="-25000">
+                <a:sym typeface="+mn-ea"/>
+              </a:rPr>
+              <a:t>4</a:t>
+            </a:r>
+            <a:r>
+              <a:rPr sz="1200">
+                <a:sym typeface="+mn-ea"/>
+              </a:rPr>
+              <a:t>}</a:t>
+            </a:r>
+            <a:r>
+              <a:rPr lang="en-US" sz="1200">
+                <a:sym typeface="+mn-ea"/>
+              </a:rPr>
+              <a:t>.</a:t>
+            </a:r>
+            <a:endParaRPr kumimoji="0" lang="en-US" sz="1200" b="0" i="0" u="none" strike="noStrike" cap="none" spc="0" normalizeH="0" baseline="0">
+              <a:ln>
+                <a:noFill/>
+              </a:ln>
+              <a:solidFill>
+                <a:srgbClr val="000000"/>
+              </a:solidFill>
+              <a:effectLst/>
+              <a:uFillTx/>
+              <a:latin typeface="Arial" panose="020B0604020202020204"/>
+              <a:ea typeface="Arial" panose="020B0604020202020204"/>
+              <a:cs typeface="Arial" panose="020B0604020202020204"/>
+              <a:sym typeface="Arial" panose="020B0604020202020204"/>
+            </a:endParaRPr>
+          </a:p>
+        </p:txBody>
+      </p:sp>
+      <p:sp>
+        <p:nvSpPr>
+          <p:cNvPr id="25" name="Flowchart: Or 24"/>
+          <p:cNvSpPr/>
+          <p:nvPr/>
+        </p:nvSpPr>
+        <p:spPr>
+          <a:xfrm>
+            <a:off x="3561080" y="5245735"/>
+            <a:ext cx="144145" cy="144145"/>
+          </a:xfrm>
+          <a:prstGeom prst="flowChartOr">
+            <a:avLst/>
+          </a:prstGeom>
+          <a:solidFill>
+            <a:srgbClr val="FFFFFF"/>
+          </a:solidFill>
+          <a:ln w="12700" cap="flat">
+            <a:solidFill>
+              <a:schemeClr val="accent1"/>
+            </a:solidFill>
+            <a:prstDash val="solid"/>
+            <a:miter lim="800000"/>
+          </a:ln>
+        </p:spPr>
+        <p:style>
+          <a:lnRef idx="0">
+            <a:srgbClr val="FFFFFF"/>
+          </a:lnRef>
+          <a:fillRef idx="0">
+            <a:srgbClr val="FFFFFF"/>
+          </a:fillRef>
+          <a:effectRef idx="0">
+            <a:srgbClr val="FFFFFF"/>
+          </a:effectRef>
+          <a:fontRef idx="none"/>
+        </p:style>
+        <p:txBody>
+          <a:bodyPr rot="0" vertOverflow="overflow" horzOverflow="overflow" vert="horz" wrap="square" lIns="0" tIns="0" rIns="0" bIns="0" numCol="1" spcCol="38100" rtlCol="0" anchor="t" forceAA="0" upright="0">
+            <a:spAutoFit/>
+          </a:bodyPr>
+          <a:p>
+            <a:pPr marL="0" marR="0" indent="0" algn="l" defTabSz="914400" rtl="0" fontAlgn="auto" latinLnBrk="0" hangingPunct="0">
+              <a:lnSpc>
+                <a:spcPct val="100000"/>
+              </a:lnSpc>
+              <a:spcBef>
+                <a:spcPts val="0"/>
+              </a:spcBef>
+              <a:spcAft>
+                <a:spcPts val="0"/>
+              </a:spcAft>
+              <a:buClrTx/>
+              <a:buSzTx/>
+              <a:buFontTx/>
+              <a:buNone/>
+            </a:pPr>
+            <a:endParaRPr kumimoji="0" lang="en-US" sz="1800" b="0" i="0" u="none" strike="noStrike" cap="none" spc="0" normalizeH="0" baseline="0">
+              <a:ln>
+                <a:noFill/>
+              </a:ln>
+              <a:solidFill>
+                <a:srgbClr val="000000"/>
+              </a:solidFill>
+              <a:effectLst/>
+              <a:uFillTx/>
+              <a:latin typeface="Arial" panose="020B0604020202020204"/>
+              <a:ea typeface="Arial" panose="020B0604020202020204"/>
+              <a:cs typeface="Arial" panose="020B0604020202020204"/>
+              <a:sym typeface="Arial" panose="020B0604020202020204"/>
+            </a:endParaRPr>
+          </a:p>
+        </p:txBody>
+      </p:sp>
+      <p:sp>
+        <p:nvSpPr>
+          <p:cNvPr id="26" name="Text Box 25"/>
+          <p:cNvSpPr txBox="1"/>
+          <p:nvPr/>
+        </p:nvSpPr>
+        <p:spPr>
+          <a:xfrm rot="5400000">
+            <a:off x="3604260" y="5571490"/>
+            <a:ext cx="190500" cy="276860"/>
+          </a:xfrm>
+          <a:prstGeom prst="rect">
+            <a:avLst/>
+          </a:prstGeom>
+          <a:noFill/>
+          <a:ln w="12700" cap="flat">
+            <a:noFill/>
+            <a:miter lim="400000"/>
+          </a:ln>
+        </p:spPr>
+        <p:style>
+          <a:lnRef idx="0">
+            <a:srgbClr val="FFFFFF"/>
+          </a:lnRef>
+          <a:fillRef idx="0">
+            <a:srgbClr val="FFFFFF"/>
+          </a:fillRef>
+          <a:effectRef idx="0">
+            <a:srgbClr val="FFFFFF"/>
+          </a:effectRef>
+          <a:fontRef idx="none"/>
+        </p:style>
+        <p:txBody>
+          <a:bodyPr rot="0" vertOverflow="overflow" horzOverflow="overflow" vert="horz" wrap="none" lIns="0" tIns="0" rIns="0" bIns="0" numCol="1" spcCol="38100" rtlCol="0" anchor="t" forceAA="0" upright="0">
+            <a:spAutoFit/>
+          </a:bodyPr>
+          <a:p>
+            <a:pPr marL="0" marR="0" indent="0" algn="l" defTabSz="914400" rtl="0" fontAlgn="auto" latinLnBrk="0" hangingPunct="0">
+              <a:lnSpc>
+                <a:spcPct val="100000"/>
+              </a:lnSpc>
+              <a:spcBef>
+                <a:spcPts val="0"/>
+              </a:spcBef>
+              <a:spcAft>
+                <a:spcPts val="0"/>
+              </a:spcAft>
+              <a:buClrTx/>
+              <a:buSzTx/>
+              <a:buFontTx/>
+              <a:buNone/>
+            </a:pPr>
+            <a:r>
+              <a:rPr kumimoji="0" lang="en-US" altLang="en-US" sz="1800" b="0" i="0" u="none" strike="noStrike" cap="none" spc="0" normalizeH="0" baseline="0">
+                <a:ln>
+                  <a:noFill/>
+                </a:ln>
+                <a:solidFill>
+                  <a:srgbClr val="000000"/>
+                </a:solidFill>
+                <a:effectLst/>
+                <a:uFillTx/>
+                <a:latin typeface="Arial" panose="020B0604020202020204"/>
+                <a:ea typeface="Arial" panose="020B0604020202020204"/>
+                <a:cs typeface="Arial" panose="020B0604020202020204"/>
+                <a:sym typeface="Arial" panose="020B0604020202020204"/>
+              </a:rPr>
+              <a:t>...</a:t>
+            </a:r>
+            <a:endParaRPr kumimoji="0" lang="en-US" altLang="en-US" sz="1800" b="0" i="0" u="none" strike="noStrike" cap="none" spc="0" normalizeH="0" baseline="0">
+              <a:ln>
+                <a:noFill/>
+              </a:ln>
+              <a:solidFill>
+                <a:srgbClr val="000000"/>
+              </a:solidFill>
+              <a:effectLst/>
+              <a:uFillTx/>
+              <a:latin typeface="Arial" panose="020B0604020202020204"/>
+              <a:ea typeface="Arial" panose="020B0604020202020204"/>
+              <a:cs typeface="Arial" panose="020B0604020202020204"/>
+              <a:sym typeface="Arial" panose="020B0604020202020204"/>
+            </a:endParaRPr>
+          </a:p>
+        </p:txBody>
+      </p:sp>
+      <p:sp>
+        <p:nvSpPr>
+          <p:cNvPr id="27" name="Text Box 26"/>
+          <p:cNvSpPr txBox="1"/>
+          <p:nvPr/>
+        </p:nvSpPr>
+        <p:spPr>
+          <a:xfrm>
+            <a:off x="4254500" y="3678555"/>
+            <a:ext cx="1101090" cy="184150"/>
+          </a:xfrm>
+          <a:prstGeom prst="rect">
+            <a:avLst/>
+          </a:prstGeom>
+          <a:noFill/>
+          <a:ln w="12700" cap="flat">
+            <a:noFill/>
+            <a:miter lim="400000"/>
+          </a:ln>
+        </p:spPr>
+        <p:style>
+          <a:lnRef idx="0">
+            <a:srgbClr val="FFFFFF"/>
+          </a:lnRef>
+          <a:fillRef idx="0">
+            <a:srgbClr val="FFFFFF"/>
+          </a:fillRef>
+          <a:effectRef idx="0">
+            <a:srgbClr val="FFFFFF"/>
+          </a:effectRef>
+          <a:fontRef idx="none"/>
+        </p:style>
+        <p:txBody>
+          <a:bodyPr rot="0" vertOverflow="overflow" horzOverflow="overflow" vert="horz" wrap="none" lIns="0" tIns="0" rIns="0" bIns="0" numCol="1" spcCol="38100" rtlCol="0" anchor="t" forceAA="0" upright="0">
+            <a:spAutoFit/>
+          </a:bodyPr>
+          <a:p>
+            <a:pPr marL="0" marR="0" indent="0" algn="l" defTabSz="914400" rtl="0" fontAlgn="auto" latinLnBrk="0" hangingPunct="0">
+              <a:lnSpc>
+                <a:spcPct val="100000"/>
+              </a:lnSpc>
+              <a:spcBef>
+                <a:spcPts val="0"/>
+              </a:spcBef>
+              <a:spcAft>
+                <a:spcPts val="0"/>
+              </a:spcAft>
+              <a:buClrTx/>
+              <a:buSzTx/>
+              <a:buFontTx/>
+              <a:buNone/>
+            </a:pPr>
+            <a:r>
+              <a:rPr lang="en-US" sz="1200">
+                <a:solidFill>
+                  <a:schemeClr val="accent2">
+                    <a:lumMod val="75000"/>
+                  </a:schemeClr>
+                </a:solidFill>
+                <a:sym typeface="+mn-ea"/>
+              </a:rPr>
+              <a:t>(</a:t>
+            </a:r>
+            <a:r>
+              <a:rPr sz="1200">
+                <a:solidFill>
+                  <a:schemeClr val="accent2">
+                    <a:lumMod val="75000"/>
+                  </a:schemeClr>
+                </a:solidFill>
+                <a:sym typeface="+mn-ea"/>
+              </a:rPr>
+              <a:t>Q</a:t>
+            </a:r>
+            <a:r>
+              <a:rPr lang="en-US" altLang="en-US" sz="1200" baseline="30000">
+                <a:solidFill>
+                  <a:schemeClr val="accent2">
+                    <a:lumMod val="75000"/>
+                  </a:schemeClr>
+                </a:solidFill>
+                <a:sym typeface="+mn-ea"/>
+              </a:rPr>
+              <a:t>a</a:t>
+            </a:r>
+            <a:r>
+              <a:rPr lang="en-US" sz="1200" baseline="-25000">
+                <a:solidFill>
+                  <a:schemeClr val="accent2">
+                    <a:lumMod val="75000"/>
+                  </a:schemeClr>
+                </a:solidFill>
+                <a:sym typeface="+mn-ea"/>
+              </a:rPr>
+              <a:t>1 </a:t>
+            </a:r>
+            <a:r>
+              <a:rPr lang="en-US" altLang="en-US" sz="1200">
+                <a:solidFill>
+                  <a:schemeClr val="accent2">
+                    <a:lumMod val="75000"/>
+                  </a:schemeClr>
+                </a:solidFill>
+                <a:sym typeface="+mn-ea"/>
+              </a:rPr>
+              <a:t>+ </a:t>
+            </a:r>
+            <a:r>
+              <a:rPr sz="1200">
+                <a:solidFill>
+                  <a:schemeClr val="accent2">
+                    <a:lumMod val="75000"/>
+                  </a:schemeClr>
+                </a:solidFill>
+                <a:sym typeface="+mn-ea"/>
+              </a:rPr>
+              <a:t>Q</a:t>
+            </a:r>
+            <a:r>
+              <a:rPr lang="en-US" altLang="en-US" sz="1200" baseline="30000">
+                <a:solidFill>
+                  <a:schemeClr val="accent2">
+                    <a:lumMod val="75000"/>
+                  </a:schemeClr>
+                </a:solidFill>
+                <a:sym typeface="+mn-ea"/>
+              </a:rPr>
+              <a:t>b</a:t>
+            </a:r>
+            <a:r>
+              <a:rPr lang="en-US" sz="1200" baseline="-25000">
+                <a:solidFill>
+                  <a:schemeClr val="accent2">
+                    <a:lumMod val="75000"/>
+                  </a:schemeClr>
+                </a:solidFill>
+                <a:sym typeface="+mn-ea"/>
+              </a:rPr>
+              <a:t>2 </a:t>
+            </a:r>
+            <a:r>
+              <a:rPr lang="en-US" altLang="en-US" sz="1200">
+                <a:solidFill>
+                  <a:schemeClr val="accent2">
+                    <a:lumMod val="75000"/>
+                  </a:schemeClr>
+                </a:solidFill>
+                <a:sym typeface="+mn-ea"/>
+              </a:rPr>
+              <a:t>= </a:t>
+            </a:r>
+            <a:r>
+              <a:rPr sz="1200">
+                <a:solidFill>
+                  <a:schemeClr val="accent2">
+                    <a:lumMod val="75000"/>
+                  </a:schemeClr>
+                </a:solidFill>
+                <a:sym typeface="+mn-ea"/>
+              </a:rPr>
+              <a:t>Q</a:t>
+            </a:r>
+            <a:r>
+              <a:rPr lang="en-US" altLang="en-US" sz="1200" baseline="30000">
+                <a:solidFill>
+                  <a:schemeClr val="accent2">
+                    <a:lumMod val="75000"/>
+                  </a:schemeClr>
+                </a:solidFill>
+                <a:sym typeface="+mn-ea"/>
+              </a:rPr>
+              <a:t>c</a:t>
+            </a:r>
+            <a:r>
+              <a:rPr lang="en-US" sz="1200" baseline="-25000">
+                <a:solidFill>
+                  <a:schemeClr val="accent2">
+                    <a:lumMod val="75000"/>
+                  </a:schemeClr>
+                </a:solidFill>
+                <a:sym typeface="+mn-ea"/>
+              </a:rPr>
+              <a:t>2</a:t>
+            </a:r>
+            <a:r>
+              <a:rPr lang="en-US" altLang="en-US" sz="1200">
+                <a:solidFill>
+                  <a:schemeClr val="accent2">
+                    <a:lumMod val="75000"/>
+                  </a:schemeClr>
+                </a:solidFill>
+                <a:sym typeface="+mn-ea"/>
+              </a:rPr>
+              <a:t>)</a:t>
+            </a:r>
+            <a:endParaRPr kumimoji="0" lang="en-US" altLang="en-US" sz="1200" b="0" i="0" u="none" strike="noStrike" cap="none" spc="0" normalizeH="0" baseline="-25000">
+              <a:ln>
+                <a:noFill/>
+              </a:ln>
+              <a:solidFill>
+                <a:schemeClr val="accent2">
+                  <a:lumMod val="75000"/>
+                </a:schemeClr>
+              </a:solidFill>
+              <a:effectLst/>
+              <a:uFillTx/>
+              <a:latin typeface="Arial" panose="020B0604020202020204"/>
+              <a:ea typeface="Arial" panose="020B0604020202020204"/>
+              <a:cs typeface="Arial" panose="020B0604020202020204"/>
+              <a:sym typeface="+mn-ea"/>
+            </a:endParaRPr>
+          </a:p>
+        </p:txBody>
+      </p:sp>
+      <p:sp>
+        <p:nvSpPr>
+          <p:cNvPr id="28" name="Text Box 27"/>
+          <p:cNvSpPr txBox="1"/>
+          <p:nvPr/>
+        </p:nvSpPr>
+        <p:spPr>
+          <a:xfrm>
+            <a:off x="4254500" y="5102860"/>
+            <a:ext cx="1101090" cy="184150"/>
+          </a:xfrm>
+          <a:prstGeom prst="rect">
+            <a:avLst/>
+          </a:prstGeom>
+          <a:noFill/>
+          <a:ln w="12700" cap="flat">
+            <a:noFill/>
+            <a:miter lim="400000"/>
+          </a:ln>
+        </p:spPr>
+        <p:style>
+          <a:lnRef idx="0">
+            <a:srgbClr val="FFFFFF"/>
+          </a:lnRef>
+          <a:fillRef idx="0">
+            <a:srgbClr val="FFFFFF"/>
+          </a:fillRef>
+          <a:effectRef idx="0">
+            <a:srgbClr val="FFFFFF"/>
+          </a:effectRef>
+          <a:fontRef idx="none"/>
+        </p:style>
+        <p:txBody>
+          <a:bodyPr rot="0" vertOverflow="overflow" horzOverflow="overflow" vert="horz" wrap="none" lIns="0" tIns="0" rIns="0" bIns="0" numCol="1" spcCol="38100" rtlCol="0" anchor="t" forceAA="0" upright="0">
+            <a:spAutoFit/>
+          </a:bodyPr>
+          <a:p>
+            <a:pPr marL="0" marR="0" indent="0" algn="l" defTabSz="914400" rtl="0" fontAlgn="auto" latinLnBrk="0" hangingPunct="0">
+              <a:lnSpc>
+                <a:spcPct val="100000"/>
+              </a:lnSpc>
+              <a:spcBef>
+                <a:spcPts val="0"/>
+              </a:spcBef>
+              <a:spcAft>
+                <a:spcPts val="0"/>
+              </a:spcAft>
+              <a:buClrTx/>
+              <a:buSzTx/>
+              <a:buFontTx/>
+              <a:buNone/>
+            </a:pPr>
+            <a:r>
+              <a:rPr lang="en-US" sz="1200">
+                <a:solidFill>
+                  <a:schemeClr val="accent2">
+                    <a:lumMod val="75000"/>
+                  </a:schemeClr>
+                </a:solidFill>
+                <a:sym typeface="+mn-ea"/>
+              </a:rPr>
+              <a:t>(</a:t>
+            </a:r>
+            <a:r>
+              <a:rPr sz="1200">
+                <a:solidFill>
+                  <a:schemeClr val="accent2">
+                    <a:lumMod val="75000"/>
+                  </a:schemeClr>
+                </a:solidFill>
+                <a:sym typeface="+mn-ea"/>
+              </a:rPr>
+              <a:t>Q</a:t>
+            </a:r>
+            <a:r>
+              <a:rPr lang="en-US" altLang="en-US" sz="1200" baseline="30000">
+                <a:solidFill>
+                  <a:schemeClr val="accent2">
+                    <a:lumMod val="75000"/>
+                  </a:schemeClr>
+                </a:solidFill>
+                <a:sym typeface="+mn-ea"/>
+              </a:rPr>
+              <a:t>a</a:t>
+            </a:r>
+            <a:r>
+              <a:rPr lang="en-US" altLang="en-US" sz="1200" baseline="-25000">
+                <a:solidFill>
+                  <a:schemeClr val="accent2">
+                    <a:lumMod val="75000"/>
+                  </a:schemeClr>
+                </a:solidFill>
+                <a:sym typeface="+mn-ea"/>
+              </a:rPr>
+              <a:t>4</a:t>
+            </a:r>
+            <a:r>
+              <a:rPr lang="en-US" sz="1200" baseline="-25000">
+                <a:solidFill>
+                  <a:schemeClr val="accent2">
+                    <a:lumMod val="75000"/>
+                  </a:schemeClr>
+                </a:solidFill>
+                <a:sym typeface="+mn-ea"/>
+              </a:rPr>
+              <a:t> </a:t>
+            </a:r>
+            <a:r>
+              <a:rPr lang="en-US" altLang="en-US" sz="1200">
+                <a:solidFill>
+                  <a:schemeClr val="accent2">
+                    <a:lumMod val="75000"/>
+                  </a:schemeClr>
+                </a:solidFill>
+                <a:sym typeface="+mn-ea"/>
+              </a:rPr>
+              <a:t>+ </a:t>
+            </a:r>
+            <a:r>
+              <a:rPr sz="1200">
+                <a:solidFill>
+                  <a:schemeClr val="accent2">
+                    <a:lumMod val="75000"/>
+                  </a:schemeClr>
+                </a:solidFill>
+                <a:sym typeface="+mn-ea"/>
+              </a:rPr>
+              <a:t>Q</a:t>
+            </a:r>
+            <a:r>
+              <a:rPr lang="en-US" altLang="en-US" sz="1200" baseline="30000">
+                <a:solidFill>
+                  <a:schemeClr val="accent2">
+                    <a:lumMod val="75000"/>
+                  </a:schemeClr>
+                </a:solidFill>
+                <a:sym typeface="+mn-ea"/>
+              </a:rPr>
+              <a:t>b</a:t>
+            </a:r>
+            <a:r>
+              <a:rPr lang="en-US" altLang="en-US" sz="1200" baseline="-25000">
+                <a:solidFill>
+                  <a:schemeClr val="accent2">
+                    <a:lumMod val="75000"/>
+                  </a:schemeClr>
+                </a:solidFill>
+                <a:sym typeface="+mn-ea"/>
+              </a:rPr>
+              <a:t>3</a:t>
+            </a:r>
+            <a:r>
+              <a:rPr lang="en-US" sz="1200" baseline="-25000">
+                <a:solidFill>
+                  <a:schemeClr val="accent2">
+                    <a:lumMod val="75000"/>
+                  </a:schemeClr>
+                </a:solidFill>
+                <a:sym typeface="+mn-ea"/>
+              </a:rPr>
+              <a:t> </a:t>
+            </a:r>
+            <a:r>
+              <a:rPr lang="en-US" altLang="en-US" sz="1200">
+                <a:solidFill>
+                  <a:schemeClr val="accent2">
+                    <a:lumMod val="75000"/>
+                  </a:schemeClr>
+                </a:solidFill>
+                <a:sym typeface="+mn-ea"/>
+              </a:rPr>
+              <a:t>= </a:t>
+            </a:r>
+            <a:r>
+              <a:rPr sz="1200">
+                <a:solidFill>
+                  <a:schemeClr val="accent2">
+                    <a:lumMod val="75000"/>
+                  </a:schemeClr>
+                </a:solidFill>
+                <a:sym typeface="+mn-ea"/>
+              </a:rPr>
+              <a:t>Q</a:t>
+            </a:r>
+            <a:r>
+              <a:rPr lang="en-US" altLang="en-US" sz="1200" baseline="30000">
+                <a:solidFill>
+                  <a:schemeClr val="accent2">
+                    <a:lumMod val="75000"/>
+                  </a:schemeClr>
+                </a:solidFill>
+                <a:sym typeface="+mn-ea"/>
+              </a:rPr>
+              <a:t>c</a:t>
+            </a:r>
+            <a:r>
+              <a:rPr lang="en-US" altLang="en-US" sz="1200" baseline="-25000">
+                <a:solidFill>
+                  <a:schemeClr val="accent2">
+                    <a:lumMod val="75000"/>
+                  </a:schemeClr>
+                </a:solidFill>
+                <a:sym typeface="+mn-ea"/>
+              </a:rPr>
+              <a:t>4</a:t>
+            </a:r>
+            <a:r>
+              <a:rPr lang="en-US" altLang="en-US" sz="1200">
+                <a:solidFill>
+                  <a:schemeClr val="accent2">
+                    <a:lumMod val="75000"/>
+                  </a:schemeClr>
+                </a:solidFill>
+                <a:sym typeface="+mn-ea"/>
+              </a:rPr>
+              <a:t>)</a:t>
+            </a:r>
+            <a:endParaRPr kumimoji="0" lang="en-US" altLang="en-US" sz="1200" b="0" i="0" u="none" strike="noStrike" cap="none" spc="0" normalizeH="0" baseline="-25000">
+              <a:ln>
+                <a:noFill/>
+              </a:ln>
+              <a:solidFill>
+                <a:schemeClr val="accent2">
+                  <a:lumMod val="75000"/>
+                </a:schemeClr>
+              </a:solidFill>
+              <a:effectLst/>
+              <a:uFillTx/>
+              <a:latin typeface="Arial" panose="020B0604020202020204"/>
+              <a:ea typeface="Arial" panose="020B0604020202020204"/>
+              <a:cs typeface="Arial" panose="020B0604020202020204"/>
+              <a:sym typeface="+mn-ea"/>
+            </a:endParaRPr>
           </a:p>
         </p:txBody>
       </p:sp>
@@ -18788,7 +20898,7 @@
           <p:nvPr/>
         </p:nvSpPr>
         <p:spPr>
-          <a:xfrm flipV="true">
+          <a:xfrm flipV="1">
             <a:off x="2091054" y="1924050"/>
             <a:ext cx="170816" cy="225425"/>
           </a:xfrm>
@@ -19058,7 +21168,7 @@
       <p:sp>
         <p:nvSpPr>
           <p:cNvPr id="118" name="Text Box 25"/>
-          <p:cNvSpPr txBox="true"/>
+          <p:cNvSpPr txBox="1"/>
           <p:nvPr/>
         </p:nvSpPr>
         <p:spPr>
@@ -19092,7 +21202,7 @@
       <p:sp>
         <p:nvSpPr>
           <p:cNvPr id="119" name="Text Box 26"/>
-          <p:cNvSpPr txBox="true"/>
+          <p:cNvSpPr txBox="1"/>
           <p:nvPr/>
         </p:nvSpPr>
         <p:spPr>
@@ -19126,7 +21236,7 @@
       <p:sp>
         <p:nvSpPr>
           <p:cNvPr id="120" name="Text Box 27"/>
-          <p:cNvSpPr txBox="true"/>
+          <p:cNvSpPr txBox="1"/>
           <p:nvPr/>
         </p:nvSpPr>
         <p:spPr>
@@ -19188,7 +21298,7 @@
             </a:cxnLst>
             <a:rect l="0" t="0" r="r" b="b"/>
             <a:pathLst>
-              <a:path w="21600" h="21600" extrusionOk="false">
+              <a:path w="21600" h="21600" extrusionOk="0">
                 <a:moveTo>
                   <a:pt x="0" y="5400"/>
                 </a:moveTo>
@@ -19286,7 +21396,7 @@
           <p:nvPr/>
         </p:nvSpPr>
         <p:spPr>
-          <a:xfrm flipV="true">
+          <a:xfrm flipV="1">
             <a:off x="1970404" y="4679950"/>
             <a:ext cx="170816" cy="225425"/>
           </a:xfrm>
@@ -19529,7 +21639,7 @@
       <p:sp>
         <p:nvSpPr>
           <p:cNvPr id="131" name="Text Box 42"/>
-          <p:cNvSpPr txBox="true"/>
+          <p:cNvSpPr txBox="1"/>
           <p:nvPr/>
         </p:nvSpPr>
         <p:spPr>
@@ -19563,7 +21673,7 @@
       <p:sp>
         <p:nvSpPr>
           <p:cNvPr id="132" name="Text Box 43"/>
-          <p:cNvSpPr txBox="true"/>
+          <p:cNvSpPr txBox="1"/>
           <p:nvPr/>
         </p:nvSpPr>
         <p:spPr>
@@ -19597,7 +21707,7 @@
       <p:sp>
         <p:nvSpPr>
           <p:cNvPr id="133" name="Text Box 44"/>
-          <p:cNvSpPr txBox="true"/>
+          <p:cNvSpPr txBox="1"/>
           <p:nvPr/>
         </p:nvSpPr>
         <p:spPr>
@@ -19659,7 +21769,7 @@
             </a:cxnLst>
             <a:rect l="0" t="0" r="r" b="b"/>
             <a:pathLst>
-              <a:path w="21600" h="20472" extrusionOk="false">
+              <a:path w="21600" h="20472" extrusionOk="0">
                 <a:moveTo>
                   <a:pt x="0" y="20472"/>
                 </a:moveTo>
@@ -19729,7 +21839,7 @@
             </a:cxnLst>
             <a:rect l="0" t="0" r="r" b="b"/>
             <a:pathLst>
-              <a:path w="21600" h="19909" extrusionOk="false">
+              <a:path w="21600" h="19909" extrusionOk="0">
                 <a:moveTo>
                   <a:pt x="0" y="0"/>
                 </a:moveTo>
@@ -19869,7 +21979,7 @@
       <p:sp>
         <p:nvSpPr>
           <p:cNvPr id="139" name="Text Box 2"/>
-          <p:cNvSpPr txBox="true"/>
+          <p:cNvSpPr txBox="1"/>
           <p:nvPr/>
         </p:nvSpPr>
         <p:spPr>
@@ -19908,7 +22018,7 @@
       <p:sp>
         <p:nvSpPr>
           <p:cNvPr id="140" name="Text Box 3"/>
-          <p:cNvSpPr txBox="true"/>
+          <p:cNvSpPr txBox="1"/>
           <p:nvPr/>
         </p:nvSpPr>
         <p:spPr>
@@ -19947,7 +22057,7 @@
       <p:sp>
         <p:nvSpPr>
           <p:cNvPr id="141" name="Text Box 4"/>
-          <p:cNvSpPr txBox="true"/>
+          <p:cNvSpPr txBox="1"/>
           <p:nvPr/>
         </p:nvSpPr>
         <p:spPr>
@@ -19986,7 +22096,7 @@
       <p:sp>
         <p:nvSpPr>
           <p:cNvPr id="142" name="Text Box 6"/>
-          <p:cNvSpPr txBox="true"/>
+          <p:cNvSpPr txBox="1"/>
           <p:nvPr/>
         </p:nvSpPr>
         <p:spPr>
@@ -20025,7 +22135,7 @@
       <p:sp>
         <p:nvSpPr>
           <p:cNvPr id="143" name="Text Box 7"/>
-          <p:cNvSpPr txBox="true"/>
+          <p:cNvSpPr txBox="1"/>
           <p:nvPr/>
         </p:nvSpPr>
         <p:spPr>
@@ -20064,7 +22174,7 @@
       <p:sp>
         <p:nvSpPr>
           <p:cNvPr id="144" name="Text Box 9"/>
-          <p:cNvSpPr txBox="true"/>
+          <p:cNvSpPr txBox="1"/>
           <p:nvPr/>
         </p:nvSpPr>
         <p:spPr>
@@ -20103,7 +22213,7 @@
       <p:sp>
         <p:nvSpPr>
           <p:cNvPr id="145" name="Text Box 10"/>
-          <p:cNvSpPr txBox="true"/>
+          <p:cNvSpPr txBox="1"/>
           <p:nvPr/>
         </p:nvSpPr>
         <p:spPr>
@@ -20142,7 +22252,7 @@
       <p:sp>
         <p:nvSpPr>
           <p:cNvPr id="146" name="Text Box 11"/>
-          <p:cNvSpPr txBox="true"/>
+          <p:cNvSpPr txBox="1"/>
           <p:nvPr/>
         </p:nvSpPr>
         <p:spPr>
@@ -20181,7 +22291,7 @@
       <p:sp>
         <p:nvSpPr>
           <p:cNvPr id="147" name="Text Box 12"/>
-          <p:cNvSpPr txBox="true"/>
+          <p:cNvSpPr txBox="1"/>
           <p:nvPr/>
         </p:nvSpPr>
         <p:spPr>
@@ -20209,6 +22319,2933 @@
             <a:r>
               <a:t>D</a:t>
             </a:r>
+          </a:p>
+        </p:txBody>
+      </p:sp>
+    </p:spTree>
+  </p:cSld>
+  <p:clrMapOvr>
+    <a:masterClrMapping/>
+  </p:clrMapOvr>
+  <p:transition spd="med"/>
+</p:sld>
+</file>
+
+<file path=ppt/slides/slide20.xml><?xml version="1.0" encoding="utf-8"?>
+<p:sld xmlns:a="http://schemas.openxmlformats.org/drawingml/2006/main" xmlns:r="http://schemas.openxmlformats.org/officeDocument/2006/relationships" xmlns:p="http://schemas.openxmlformats.org/presentationml/2006/main">
+  <p:cSld>
+    <p:spTree>
+      <p:nvGrpSpPr>
+        <p:cNvPr id="1" name=""/>
+        <p:cNvGrpSpPr/>
+        <p:nvPr/>
+      </p:nvGrpSpPr>
+      <p:grpSpPr>
+        <a:xfrm>
+          <a:off x="0" y="0"/>
+          <a:ext cx="0" cy="0"/>
+          <a:chOff x="0" y="0"/>
+          <a:chExt cx="0" cy="0"/>
+        </a:xfrm>
+      </p:grpSpPr>
+      <p:sp>
+        <p:nvSpPr>
+          <p:cNvPr id="740" name="Text Box 28"/>
+          <p:cNvSpPr txBox="1"/>
+          <p:nvPr/>
+        </p:nvSpPr>
+        <p:spPr>
+          <a:xfrm>
+            <a:off x="1387475" y="678815"/>
+            <a:ext cx="1634490" cy="768350"/>
+          </a:xfrm>
+          <a:prstGeom prst="rect">
+            <a:avLst/>
+          </a:prstGeom>
+          <a:ln w="12700">
+            <a:miter lim="400000"/>
+          </a:ln>
+        </p:spPr>
+        <p:txBody>
+          <a:bodyPr wrap="square" lIns="45719" rIns="45719">
+            <a:spAutoFit/>
+          </a:bodyPr>
+          <a:lstStyle>
+            <a:lvl1pPr>
+              <a:defRPr sz="1100" b="1">
+                <a:solidFill>
+                  <a:srgbClr val="535353"/>
+                </a:solidFill>
+              </a:defRPr>
+            </a:lvl1pPr>
+          </a:lstStyle>
+          <a:p>
+            <a:r>
+              <a:rPr lang=""/>
+              <a:t>   </a:t>
+            </a:r>
+            <a:r>
+              <a:t>{</a:t>
+            </a:r>
+            <a:r>
+              <a:rPr lang=""/>
+              <a:t>1</a:t>
+            </a:r>
+            <a:r>
+              <a:t>}</a:t>
+            </a:r>
+            <a:r>
+              <a:rPr lang=""/>
+              <a:t>&gt;&gt;1</a:t>
+            </a:r>
+            <a:r>
+              <a:t> </a:t>
+            </a:r>
+          </a:p>
+          <a:p>
+            <a:r>
+              <a:t>  </a:t>
+            </a:r>
+            <a:r>
+              <a:rPr>
+                <a:sym typeface="+mn-ea"/>
+              </a:rPr>
+              <a:t>{</a:t>
+            </a:r>
+            <a:r>
+              <a:rPr lang="">
+                <a:sym typeface="+mn-ea"/>
+              </a:rPr>
+              <a:t>-1</a:t>
+            </a:r>
+            <a:r>
+              <a:rPr>
+                <a:sym typeface="+mn-ea"/>
+              </a:rPr>
+              <a:t>}</a:t>
+            </a:r>
+            <a:r>
+              <a:rPr lang="">
+                <a:sym typeface="+mn-ea"/>
+              </a:rPr>
+              <a:t>&gt;&gt;1</a:t>
+            </a:r>
+            <a:endParaRPr>
+              <a:sym typeface="+mn-ea"/>
+            </a:endParaRPr>
+          </a:p>
+          <a:p>
+            <a:endParaRPr>
+              <a:sym typeface="+mn-ea"/>
+            </a:endParaRPr>
+          </a:p>
+          <a:p/>
+        </p:txBody>
+      </p:sp>
+      <p:sp>
+        <p:nvSpPr>
+          <p:cNvPr id="744" name="線條"/>
+          <p:cNvSpPr/>
+          <p:nvPr/>
+        </p:nvSpPr>
+        <p:spPr>
+          <a:xfrm flipV="1">
+            <a:off x="1536700" y="1101725"/>
+            <a:ext cx="765810" cy="635"/>
+          </a:xfrm>
+          <a:prstGeom prst="line">
+            <a:avLst/>
+          </a:prstGeom>
+          <a:ln w="50800">
+            <a:solidFill>
+              <a:srgbClr val="535353"/>
+            </a:solidFill>
+            <a:miter/>
+            <a:tailEnd type="triangle"/>
+          </a:ln>
+        </p:spPr>
+        <p:txBody>
+          <a:bodyPr lIns="0" tIns="0" rIns="0" bIns="0"/>
+          <a:lstStyle/>
+          <a:p/>
+        </p:txBody>
+      </p:sp>
+      <p:sp>
+        <p:nvSpPr>
+          <p:cNvPr id="4" name="Rounded Rectangle 40"/>
+          <p:cNvSpPr/>
+          <p:nvPr/>
+        </p:nvSpPr>
+        <p:spPr>
+          <a:xfrm>
+            <a:off x="2302510" y="818515"/>
+            <a:ext cx="1423670" cy="1160145"/>
+          </a:xfrm>
+          <a:prstGeom prst="roundRect">
+            <a:avLst>
+              <a:gd name="adj" fmla="val 11870"/>
+            </a:avLst>
+          </a:prstGeom>
+          <a:noFill/>
+          <a:ln w="12700">
+            <a:solidFill>
+              <a:srgbClr val="535353"/>
+            </a:solidFill>
+            <a:miter/>
+          </a:ln>
+          <a:extLst>
+            <a:ext uri="{909E8E84-426E-40DD-AFC4-6F175D3DCCD1}">
+              <a14:hiddenFill xmlns:a14="http://schemas.microsoft.com/office/drawing/2010/main">
+                <a:solidFill>
+                  <a:schemeClr val="tx1">
+                    <a:lumMod val="85000"/>
+                    <a:lumOff val="15000"/>
+                  </a:schemeClr>
+                </a:solidFill>
+              </a14:hiddenFill>
+            </a:ext>
+          </a:extLst>
+        </p:spPr>
+        <p:txBody>
+          <a:bodyPr lIns="0" tIns="0" rIns="0" bIns="0" anchor="ctr"/>
+          <a:p>
+            <a:pPr algn="ctr">
+              <a:defRPr>
+                <a:solidFill>
+                  <a:srgbClr val="FFFFFF"/>
+                </a:solidFill>
+              </a:defRPr>
+            </a:pPr>
+          </a:p>
+        </p:txBody>
+      </p:sp>
+      <p:sp>
+        <p:nvSpPr>
+          <p:cNvPr id="5" name="線條"/>
+          <p:cNvSpPr/>
+          <p:nvPr/>
+        </p:nvSpPr>
+        <p:spPr>
+          <a:xfrm flipV="1">
+            <a:off x="1536700" y="1780540"/>
+            <a:ext cx="765810" cy="635"/>
+          </a:xfrm>
+          <a:prstGeom prst="line">
+            <a:avLst/>
+          </a:prstGeom>
+          <a:ln w="50800">
+            <a:solidFill>
+              <a:srgbClr val="535353"/>
+            </a:solidFill>
+            <a:miter/>
+            <a:tailEnd type="triangle"/>
+          </a:ln>
+        </p:spPr>
+        <p:txBody>
+          <a:bodyPr lIns="0" tIns="0" rIns="0" bIns="0"/>
+          <a:p/>
+        </p:txBody>
+      </p:sp>
+      <p:sp>
+        <p:nvSpPr>
+          <p:cNvPr id="2" name="Text Box 28"/>
+          <p:cNvSpPr txBox="1"/>
+          <p:nvPr/>
+        </p:nvSpPr>
+        <p:spPr>
+          <a:xfrm>
+            <a:off x="1387475" y="1349375"/>
+            <a:ext cx="1047750" cy="768350"/>
+          </a:xfrm>
+          <a:prstGeom prst="rect">
+            <a:avLst/>
+          </a:prstGeom>
+          <a:ln w="12700">
+            <a:miter lim="400000"/>
+          </a:ln>
+        </p:spPr>
+        <p:txBody>
+          <a:bodyPr wrap="square" lIns="45719" rIns="45719">
+            <a:spAutoFit/>
+          </a:bodyPr>
+          <a:lstStyle>
+            <a:lvl1pPr>
+              <a:defRPr sz="1100" b="1">
+                <a:solidFill>
+                  <a:srgbClr val="535353"/>
+                </a:solidFill>
+              </a:defRPr>
+            </a:lvl1pPr>
+          </a:lstStyle>
+          <a:p>
+            <a:r>
+              <a:rPr lang=""/>
+              <a:t>   </a:t>
+            </a:r>
+            <a:r>
+              <a:t>{</a:t>
+            </a:r>
+            <a:r>
+              <a:rPr lang=""/>
+              <a:t>1</a:t>
+            </a:r>
+            <a:r>
+              <a:t>}</a:t>
+            </a:r>
+            <a:r>
+              <a:rPr lang=""/>
+              <a:t>&gt;&gt;1 </a:t>
+            </a:r>
+            <a:endParaRPr lang=""/>
+          </a:p>
+          <a:p>
+            <a:r>
+              <a:rPr lang=""/>
+              <a:t>  </a:t>
+            </a:r>
+            <a:r>
+              <a:rPr>
+                <a:sym typeface="+mn-ea"/>
+              </a:rPr>
+              <a:t>{</a:t>
+            </a:r>
+            <a:r>
+              <a:rPr lang="">
+                <a:sym typeface="+mn-ea"/>
+              </a:rPr>
+              <a:t>-1</a:t>
+            </a:r>
+            <a:r>
+              <a:rPr>
+                <a:sym typeface="+mn-ea"/>
+              </a:rPr>
+              <a:t>}</a:t>
+            </a:r>
+            <a:r>
+              <a:rPr lang="">
+                <a:sym typeface="+mn-ea"/>
+              </a:rPr>
+              <a:t>&gt;&gt;1</a:t>
+            </a:r>
+            <a:endParaRPr>
+              <a:sym typeface="+mn-ea"/>
+            </a:endParaRPr>
+          </a:p>
+          <a:p>
+            <a:endParaRPr>
+              <a:sym typeface="+mn-ea"/>
+            </a:endParaRPr>
+          </a:p>
+          <a:p/>
+        </p:txBody>
+      </p:sp>
+      <p:sp>
+        <p:nvSpPr>
+          <p:cNvPr id="3" name="線條"/>
+          <p:cNvSpPr/>
+          <p:nvPr/>
+        </p:nvSpPr>
+        <p:spPr>
+          <a:xfrm flipV="1">
+            <a:off x="3736340" y="1420495"/>
+            <a:ext cx="816610" cy="635"/>
+          </a:xfrm>
+          <a:prstGeom prst="line">
+            <a:avLst/>
+          </a:prstGeom>
+          <a:ln w="50800">
+            <a:solidFill>
+              <a:srgbClr val="535353"/>
+            </a:solidFill>
+            <a:miter/>
+            <a:tailEnd type="triangle"/>
+          </a:ln>
+        </p:spPr>
+        <p:txBody>
+          <a:bodyPr lIns="0" tIns="0" rIns="0" bIns="0"/>
+          <a:p/>
+        </p:txBody>
+      </p:sp>
+      <p:sp>
+        <p:nvSpPr>
+          <p:cNvPr id="9" name="Text Box 28"/>
+          <p:cNvSpPr txBox="1"/>
+          <p:nvPr/>
+        </p:nvSpPr>
+        <p:spPr>
+          <a:xfrm>
+            <a:off x="3805555" y="812165"/>
+            <a:ext cx="1311275" cy="937260"/>
+          </a:xfrm>
+          <a:prstGeom prst="rect">
+            <a:avLst/>
+          </a:prstGeom>
+          <a:ln w="12700">
+            <a:miter lim="400000"/>
+          </a:ln>
+        </p:spPr>
+        <p:txBody>
+          <a:bodyPr wrap="square" lIns="45719" rIns="45719">
+            <a:spAutoFit/>
+          </a:bodyPr>
+          <a:lstStyle>
+            <a:lvl1pPr>
+              <a:defRPr sz="1100" b="1">
+                <a:solidFill>
+                  <a:srgbClr val="535353"/>
+                </a:solidFill>
+              </a:defRPr>
+            </a:lvl1pPr>
+          </a:lstStyle>
+          <a:p>
+            <a:r>
+              <a:rPr lang=""/>
+              <a:t> {2</a:t>
+            </a:r>
+            <a:r>
+              <a:t>}</a:t>
+            </a:r>
+            <a:r>
+              <a:rPr lang=""/>
+              <a:t>&gt;&gt;1 </a:t>
+            </a:r>
+            <a:endParaRPr lang=""/>
+          </a:p>
+          <a:p>
+            <a:r>
+              <a:rPr lang=""/>
+              <a:t> {0</a:t>
+            </a:r>
+            <a:r>
+              <a:rPr>
+                <a:sym typeface="+mn-ea"/>
+              </a:rPr>
+              <a:t>}</a:t>
+            </a:r>
+            <a:r>
+              <a:rPr lang="">
+                <a:sym typeface="+mn-ea"/>
+              </a:rPr>
+              <a:t>&gt;&gt;2 </a:t>
+            </a:r>
+            <a:endParaRPr lang="">
+              <a:sym typeface="+mn-ea"/>
+            </a:endParaRPr>
+          </a:p>
+          <a:p>
+            <a:r>
+              <a:rPr lang="">
+                <a:sym typeface="+mn-ea"/>
+              </a:rPr>
+              <a:t>{-2</a:t>
+            </a:r>
+            <a:r>
+              <a:rPr>
+                <a:sym typeface="+mn-ea"/>
+              </a:rPr>
+              <a:t>}</a:t>
+            </a:r>
+            <a:r>
+              <a:rPr lang="">
+                <a:sym typeface="+mn-ea"/>
+              </a:rPr>
+              <a:t>&gt;&gt;1</a:t>
+            </a:r>
+            <a:endParaRPr>
+              <a:sym typeface="+mn-ea"/>
+            </a:endParaRPr>
+          </a:p>
+          <a:p>
+            <a:endParaRPr>
+              <a:sym typeface="+mn-ea"/>
+            </a:endParaRPr>
+          </a:p>
+          <a:p/>
+        </p:txBody>
+      </p:sp>
+      <p:sp>
+        <p:nvSpPr>
+          <p:cNvPr id="714" name="Rounded Rectangle 40"/>
+          <p:cNvSpPr/>
+          <p:nvPr/>
+        </p:nvSpPr>
+        <p:spPr>
+          <a:xfrm>
+            <a:off x="1574165" y="2716530"/>
+            <a:ext cx="675005" cy="638810"/>
+          </a:xfrm>
+          <a:prstGeom prst="roundRect">
+            <a:avLst>
+              <a:gd name="adj" fmla="val 11626"/>
+            </a:avLst>
+          </a:prstGeom>
+        </p:spPr>
+        <p:style>
+          <a:lnRef idx="2">
+            <a:schemeClr val="accent4">
+              <a:shade val="50000"/>
+            </a:schemeClr>
+          </a:lnRef>
+          <a:fillRef idx="1">
+            <a:schemeClr val="accent4"/>
+          </a:fillRef>
+          <a:effectRef idx="0">
+            <a:schemeClr val="accent4"/>
+          </a:effectRef>
+          <a:fontRef idx="minor">
+            <a:schemeClr val="lt1"/>
+          </a:fontRef>
+        </p:style>
+        <p:txBody>
+          <a:bodyPr wrap="square" lIns="0" tIns="0" rIns="0" bIns="0" numCol="1" anchor="ctr">
+            <a:noAutofit/>
+          </a:bodyPr>
+          <a:p>
+            <a:pPr algn="ctr">
+              <a:defRPr>
+                <a:solidFill>
+                  <a:schemeClr val="accent1">
+                    <a:satOff val="-19085"/>
+                    <a:lumOff val="-11915"/>
+                  </a:schemeClr>
+                </a:solidFill>
+              </a:defRPr>
+            </a:pPr>
+          </a:p>
+        </p:txBody>
+      </p:sp>
+      <p:sp>
+        <p:nvSpPr>
+          <p:cNvPr id="703" name="線條"/>
+          <p:cNvSpPr/>
+          <p:nvPr/>
+        </p:nvSpPr>
+        <p:spPr>
+          <a:xfrm>
+            <a:off x="978386" y="2856659"/>
+            <a:ext cx="595678" cy="1"/>
+          </a:xfrm>
+          <a:prstGeom prst="line">
+            <a:avLst/>
+          </a:prstGeom>
+          <a:ln w="50800">
+            <a:solidFill>
+              <a:schemeClr val="accent1">
+                <a:satOff val="-19085"/>
+                <a:lumOff val="-11915"/>
+              </a:schemeClr>
+            </a:solidFill>
+            <a:miter/>
+            <a:tailEnd type="triangle"/>
+          </a:ln>
+        </p:spPr>
+        <p:txBody>
+          <a:bodyPr lIns="0" tIns="0" rIns="0" bIns="0"/>
+          <a:p/>
+        </p:txBody>
+      </p:sp>
+      <p:sp>
+        <p:nvSpPr>
+          <p:cNvPr id="11" name="線條"/>
+          <p:cNvSpPr/>
+          <p:nvPr/>
+        </p:nvSpPr>
+        <p:spPr>
+          <a:xfrm>
+            <a:off x="978386" y="3214799"/>
+            <a:ext cx="595678" cy="1"/>
+          </a:xfrm>
+          <a:prstGeom prst="line">
+            <a:avLst/>
+          </a:prstGeom>
+          <a:ln w="50800">
+            <a:solidFill>
+              <a:schemeClr val="accent1">
+                <a:satOff val="-19084"/>
+                <a:lumOff val="-11914"/>
+              </a:schemeClr>
+            </a:solidFill>
+            <a:miter/>
+            <a:tailEnd type="triangle"/>
+          </a:ln>
+        </p:spPr>
+        <p:txBody>
+          <a:bodyPr lIns="0" tIns="0" rIns="0" bIns="0"/>
+          <a:p/>
+        </p:txBody>
+      </p:sp>
+      <p:sp>
+        <p:nvSpPr>
+          <p:cNvPr id="12" name="線條"/>
+          <p:cNvSpPr/>
+          <p:nvPr/>
+        </p:nvSpPr>
+        <p:spPr>
+          <a:xfrm>
+            <a:off x="2249021" y="3035729"/>
+            <a:ext cx="595678" cy="1"/>
+          </a:xfrm>
+          <a:prstGeom prst="line">
+            <a:avLst/>
+          </a:prstGeom>
+          <a:ln w="50800">
+            <a:solidFill>
+              <a:schemeClr val="accent1">
+                <a:satOff val="-19083"/>
+                <a:lumOff val="-11913"/>
+              </a:schemeClr>
+            </a:solidFill>
+            <a:miter/>
+            <a:tailEnd type="triangle"/>
+          </a:ln>
+        </p:spPr>
+        <p:txBody>
+          <a:bodyPr lIns="0" tIns="0" rIns="0" bIns="0"/>
+          <a:p/>
+        </p:txBody>
+      </p:sp>
+      <p:sp>
+        <p:nvSpPr>
+          <p:cNvPr id="14" name="Text Box 13"/>
+          <p:cNvSpPr txBox="1"/>
+          <p:nvPr/>
+        </p:nvSpPr>
+        <p:spPr>
+          <a:xfrm>
+            <a:off x="999490" y="2593340"/>
+            <a:ext cx="448310" cy="184150"/>
+          </a:xfrm>
+          <a:prstGeom prst="rect">
+            <a:avLst/>
+          </a:prstGeom>
+          <a:noFill/>
+          <a:ln w="12700" cap="flat">
+            <a:noFill/>
+            <a:miter lim="400000"/>
+          </a:ln>
+        </p:spPr>
+        <p:style>
+          <a:lnRef idx="0">
+            <a:srgbClr val="FFFFFF"/>
+          </a:lnRef>
+          <a:fillRef idx="0">
+            <a:srgbClr val="FFFFFF"/>
+          </a:fillRef>
+          <a:effectRef idx="0">
+            <a:srgbClr val="FFFFFF"/>
+          </a:effectRef>
+          <a:fontRef idx="none"/>
+        </p:style>
+        <p:txBody>
+          <a:bodyPr rot="0" vertOverflow="overflow" horzOverflow="overflow" vert="horz" wrap="none" lIns="0" tIns="0" rIns="0" bIns="0" numCol="1" spcCol="38100" rtlCol="0" anchor="t" forceAA="0" upright="0">
+            <a:spAutoFit/>
+          </a:bodyPr>
+          <a:p>
+            <a:pPr marL="0" marR="0" indent="0" algn="l" defTabSz="914400" rtl="0" fontAlgn="auto" latinLnBrk="0" hangingPunct="0">
+              <a:lnSpc>
+                <a:spcPct val="100000"/>
+              </a:lnSpc>
+              <a:spcBef>
+                <a:spcPts val="0"/>
+              </a:spcBef>
+              <a:spcAft>
+                <a:spcPts val="0"/>
+              </a:spcAft>
+              <a:buClrTx/>
+              <a:buSzTx/>
+              <a:buFontTx/>
+              <a:buNone/>
+            </a:pPr>
+            <a:r>
+              <a:rPr sz="1200">
+                <a:sym typeface="+mn-ea"/>
+              </a:rPr>
+              <a:t>{</a:t>
+            </a:r>
+            <a:r>
+              <a:rPr lang="" sz="1200">
+                <a:sym typeface="+mn-ea"/>
+              </a:rPr>
+              <a:t>1</a:t>
+            </a:r>
+            <a:r>
+              <a:rPr sz="1200">
+                <a:sym typeface="+mn-ea"/>
+              </a:rPr>
+              <a:t>}</a:t>
+            </a:r>
+            <a:r>
+              <a:rPr lang="" sz="1200">
+                <a:sym typeface="+mn-ea"/>
+              </a:rPr>
+              <a:t>&gt;&gt;1</a:t>
+            </a:r>
+            <a:endParaRPr kumimoji="0" lang="" sz="1200" b="0" i="0" u="none" strike="noStrike" cap="none" spc="0" normalizeH="0" baseline="0">
+              <a:ln>
+                <a:noFill/>
+              </a:ln>
+              <a:solidFill>
+                <a:srgbClr val="000000"/>
+              </a:solidFill>
+              <a:effectLst/>
+              <a:uFillTx/>
+              <a:latin typeface="Arial" panose="020B0604020202020204"/>
+              <a:ea typeface="Arial" panose="020B0604020202020204"/>
+              <a:cs typeface="Arial" panose="020B0604020202020204"/>
+              <a:sym typeface="+mn-ea"/>
+            </a:endParaRPr>
+          </a:p>
+        </p:txBody>
+      </p:sp>
+      <p:sp>
+        <p:nvSpPr>
+          <p:cNvPr id="15" name="Text Box 14"/>
+          <p:cNvSpPr txBox="1"/>
+          <p:nvPr/>
+        </p:nvSpPr>
+        <p:spPr>
+          <a:xfrm>
+            <a:off x="999490" y="2964180"/>
+            <a:ext cx="448310" cy="184150"/>
+          </a:xfrm>
+          <a:prstGeom prst="rect">
+            <a:avLst/>
+          </a:prstGeom>
+          <a:noFill/>
+          <a:ln w="12700" cap="flat">
+            <a:noFill/>
+            <a:miter lim="400000"/>
+          </a:ln>
+        </p:spPr>
+        <p:style>
+          <a:lnRef idx="0">
+            <a:srgbClr val="FFFFFF"/>
+          </a:lnRef>
+          <a:fillRef idx="0">
+            <a:srgbClr val="FFFFFF"/>
+          </a:fillRef>
+          <a:effectRef idx="0">
+            <a:srgbClr val="FFFFFF"/>
+          </a:effectRef>
+          <a:fontRef idx="none"/>
+        </p:style>
+        <p:txBody>
+          <a:bodyPr rot="0" vertOverflow="overflow" horzOverflow="overflow" vert="horz" wrap="none" lIns="0" tIns="0" rIns="0" bIns="0" numCol="1" spcCol="38100" rtlCol="0" anchor="t" forceAA="0" upright="0">
+            <a:spAutoFit/>
+          </a:bodyPr>
+          <a:p>
+            <a:pPr marL="0" marR="0" indent="0" algn="l" defTabSz="914400" rtl="0" fontAlgn="auto" latinLnBrk="0" hangingPunct="0">
+              <a:lnSpc>
+                <a:spcPct val="100000"/>
+              </a:lnSpc>
+              <a:spcBef>
+                <a:spcPts val="0"/>
+              </a:spcBef>
+              <a:spcAft>
+                <a:spcPts val="0"/>
+              </a:spcAft>
+              <a:buClrTx/>
+              <a:buSzTx/>
+              <a:buFontTx/>
+              <a:buNone/>
+            </a:pPr>
+            <a:r>
+              <a:rPr sz="1200">
+                <a:sym typeface="+mn-ea"/>
+              </a:rPr>
+              <a:t>{</a:t>
+            </a:r>
+            <a:r>
+              <a:rPr lang="" sz="1200">
+                <a:sym typeface="+mn-ea"/>
+              </a:rPr>
+              <a:t>1</a:t>
+            </a:r>
+            <a:r>
+              <a:rPr sz="1200">
+                <a:sym typeface="+mn-ea"/>
+              </a:rPr>
+              <a:t>}</a:t>
+            </a:r>
+            <a:r>
+              <a:rPr lang="" sz="1200">
+                <a:sym typeface="+mn-ea"/>
+              </a:rPr>
+              <a:t>&gt;&gt;1</a:t>
+            </a:r>
+            <a:endParaRPr kumimoji="0" lang="" sz="1200" b="0" i="0" u="none" strike="noStrike" cap="none" spc="0" normalizeH="0" baseline="0">
+              <a:ln>
+                <a:noFill/>
+              </a:ln>
+              <a:solidFill>
+                <a:srgbClr val="000000"/>
+              </a:solidFill>
+              <a:effectLst/>
+              <a:uFillTx/>
+              <a:latin typeface="Arial" panose="020B0604020202020204"/>
+              <a:ea typeface="Arial" panose="020B0604020202020204"/>
+              <a:cs typeface="Arial" panose="020B0604020202020204"/>
+              <a:sym typeface="+mn-ea"/>
+            </a:endParaRPr>
+          </a:p>
+        </p:txBody>
+      </p:sp>
+      <p:sp>
+        <p:nvSpPr>
+          <p:cNvPr id="16" name="Text Box 15"/>
+          <p:cNvSpPr txBox="1"/>
+          <p:nvPr/>
+        </p:nvSpPr>
+        <p:spPr>
+          <a:xfrm>
+            <a:off x="2363470" y="2780030"/>
+            <a:ext cx="448310" cy="184150"/>
+          </a:xfrm>
+          <a:prstGeom prst="rect">
+            <a:avLst/>
+          </a:prstGeom>
+          <a:noFill/>
+          <a:ln w="12700" cap="flat">
+            <a:noFill/>
+            <a:miter lim="400000"/>
+          </a:ln>
+        </p:spPr>
+        <p:style>
+          <a:lnRef idx="0">
+            <a:srgbClr val="FFFFFF"/>
+          </a:lnRef>
+          <a:fillRef idx="0">
+            <a:srgbClr val="FFFFFF"/>
+          </a:fillRef>
+          <a:effectRef idx="0">
+            <a:srgbClr val="FFFFFF"/>
+          </a:effectRef>
+          <a:fontRef idx="none"/>
+        </p:style>
+        <p:txBody>
+          <a:bodyPr rot="0" vertOverflow="overflow" horzOverflow="overflow" vert="horz" wrap="none" lIns="0" tIns="0" rIns="0" bIns="0" numCol="1" spcCol="38100" rtlCol="0" anchor="t" forceAA="0" upright="0">
+            <a:spAutoFit/>
+          </a:bodyPr>
+          <a:p>
+            <a:pPr marL="0" marR="0" indent="0" algn="l" defTabSz="914400" rtl="0" fontAlgn="auto" latinLnBrk="0" hangingPunct="0">
+              <a:lnSpc>
+                <a:spcPct val="100000"/>
+              </a:lnSpc>
+              <a:spcBef>
+                <a:spcPts val="0"/>
+              </a:spcBef>
+              <a:spcAft>
+                <a:spcPts val="0"/>
+              </a:spcAft>
+              <a:buClrTx/>
+              <a:buSzTx/>
+              <a:buFontTx/>
+              <a:buNone/>
+            </a:pPr>
+            <a:r>
+              <a:rPr sz="1200">
+                <a:sym typeface="+mn-ea"/>
+              </a:rPr>
+              <a:t>{</a:t>
+            </a:r>
+            <a:r>
+              <a:rPr lang="" sz="1200">
+                <a:sym typeface="+mn-ea"/>
+              </a:rPr>
+              <a:t>2</a:t>
+            </a:r>
+            <a:r>
+              <a:rPr sz="1200">
+                <a:sym typeface="+mn-ea"/>
+              </a:rPr>
+              <a:t>}</a:t>
+            </a:r>
+            <a:r>
+              <a:rPr lang="" sz="1200">
+                <a:sym typeface="+mn-ea"/>
+              </a:rPr>
+              <a:t>&gt;&gt;1</a:t>
+            </a:r>
+            <a:endParaRPr kumimoji="0" lang="" sz="1200" b="0" i="0" u="none" strike="noStrike" cap="none" spc="0" normalizeH="0" baseline="0">
+              <a:ln>
+                <a:noFill/>
+              </a:ln>
+              <a:solidFill>
+                <a:srgbClr val="000000"/>
+              </a:solidFill>
+              <a:effectLst/>
+              <a:uFillTx/>
+              <a:latin typeface="Arial" panose="020B0604020202020204"/>
+              <a:ea typeface="Arial" panose="020B0604020202020204"/>
+              <a:cs typeface="Arial" panose="020B0604020202020204"/>
+              <a:sym typeface="+mn-ea"/>
+            </a:endParaRPr>
+          </a:p>
+        </p:txBody>
+      </p:sp>
+      <p:sp>
+        <p:nvSpPr>
+          <p:cNvPr id="6" name="Text Box 5"/>
+          <p:cNvSpPr txBox="1"/>
+          <p:nvPr/>
+        </p:nvSpPr>
+        <p:spPr>
+          <a:xfrm>
+            <a:off x="1706245" y="2959100"/>
+            <a:ext cx="415925" cy="153670"/>
+          </a:xfrm>
+          <a:prstGeom prst="rect">
+            <a:avLst/>
+          </a:prstGeom>
+          <a:noFill/>
+          <a:ln w="12700" cap="flat">
+            <a:noFill/>
+            <a:miter lim="400000"/>
+          </a:ln>
+        </p:spPr>
+        <p:style>
+          <a:lnRef idx="0">
+            <a:srgbClr val="FFFFFF"/>
+          </a:lnRef>
+          <a:fillRef idx="0">
+            <a:srgbClr val="FFFFFF"/>
+          </a:fillRef>
+          <a:effectRef idx="0">
+            <a:srgbClr val="FFFFFF"/>
+          </a:effectRef>
+          <a:fontRef idx="none"/>
+        </p:style>
+        <p:txBody>
+          <a:bodyPr rot="0" vertOverflow="overflow" horzOverflow="overflow" vert="horz" wrap="none" lIns="0" tIns="0" rIns="0" bIns="0" numCol="1" spcCol="38100" rtlCol="0" anchor="t" forceAA="0" upright="0">
+            <a:spAutoFit/>
+          </a:bodyPr>
+          <a:p>
+            <a:pPr marL="0" marR="0" indent="0" algn="l" defTabSz="914400" rtl="0" fontAlgn="auto" latinLnBrk="0" hangingPunct="0">
+              <a:lnSpc>
+                <a:spcPct val="100000"/>
+              </a:lnSpc>
+              <a:spcBef>
+                <a:spcPts val="0"/>
+              </a:spcBef>
+              <a:spcAft>
+                <a:spcPts val="0"/>
+              </a:spcAft>
+              <a:buClrTx/>
+              <a:buSzTx/>
+              <a:buFontTx/>
+              <a:buNone/>
+            </a:pPr>
+            <a:r>
+              <a:rPr kumimoji="0" lang="" altLang="en-US" sz="1000" b="0" i="0" u="none" strike="noStrike" cap="none" spc="0" normalizeH="0" baseline="0">
+                <a:ln>
+                  <a:noFill/>
+                </a:ln>
+                <a:solidFill>
+                  <a:srgbClr val="000000"/>
+                </a:solidFill>
+                <a:effectLst/>
+                <a:uFillTx/>
+                <a:latin typeface="Arial" panose="020B0604020202020204"/>
+                <a:ea typeface="Arial" panose="020B0604020202020204"/>
+                <a:cs typeface="Arial" panose="020B0604020202020204"/>
+                <a:sym typeface="Arial" panose="020B0604020202020204"/>
+              </a:rPr>
+              <a:t>Block 0</a:t>
+            </a:r>
+            <a:endParaRPr kumimoji="0" lang="" altLang="en-US" sz="1000" b="0" i="0" u="none" strike="noStrike" cap="none" spc="0" normalizeH="0" baseline="0">
+              <a:ln>
+                <a:noFill/>
+              </a:ln>
+              <a:solidFill>
+                <a:srgbClr val="000000"/>
+              </a:solidFill>
+              <a:effectLst/>
+              <a:uFillTx/>
+              <a:latin typeface="Arial" panose="020B0604020202020204"/>
+              <a:ea typeface="Arial" panose="020B0604020202020204"/>
+              <a:cs typeface="Arial" panose="020B0604020202020204"/>
+              <a:sym typeface="Arial" panose="020B0604020202020204"/>
+            </a:endParaRPr>
+          </a:p>
+        </p:txBody>
+      </p:sp>
+      <p:sp>
+        <p:nvSpPr>
+          <p:cNvPr id="7" name="Rounded Rectangle 40"/>
+          <p:cNvSpPr/>
+          <p:nvPr/>
+        </p:nvSpPr>
+        <p:spPr>
+          <a:xfrm>
+            <a:off x="1581785" y="3947160"/>
+            <a:ext cx="853440" cy="499110"/>
+          </a:xfrm>
+          <a:prstGeom prst="roundRect">
+            <a:avLst>
+              <a:gd name="adj" fmla="val 11626"/>
+            </a:avLst>
+          </a:prstGeom>
+        </p:spPr>
+        <p:style>
+          <a:lnRef idx="2">
+            <a:schemeClr val="accent4">
+              <a:shade val="50000"/>
+            </a:schemeClr>
+          </a:lnRef>
+          <a:fillRef idx="1">
+            <a:schemeClr val="accent4"/>
+          </a:fillRef>
+          <a:effectRef idx="0">
+            <a:schemeClr val="accent4"/>
+          </a:effectRef>
+          <a:fontRef idx="minor">
+            <a:schemeClr val="lt1"/>
+          </a:fontRef>
+        </p:style>
+        <p:txBody>
+          <a:bodyPr wrap="square" lIns="0" tIns="0" rIns="0" bIns="0" numCol="1" anchor="ctr">
+            <a:noAutofit/>
+          </a:bodyPr>
+          <a:p>
+            <a:pPr algn="ctr">
+              <a:defRPr>
+                <a:solidFill>
+                  <a:schemeClr val="accent1">
+                    <a:satOff val="-19084"/>
+                    <a:lumOff val="-11914"/>
+                  </a:schemeClr>
+                </a:solidFill>
+              </a:defRPr>
+            </a:pPr>
+          </a:p>
+        </p:txBody>
+      </p:sp>
+      <p:sp>
+        <p:nvSpPr>
+          <p:cNvPr id="8" name="線條"/>
+          <p:cNvSpPr/>
+          <p:nvPr/>
+        </p:nvSpPr>
+        <p:spPr>
+          <a:xfrm>
+            <a:off x="986006" y="4015534"/>
+            <a:ext cx="595678" cy="1"/>
+          </a:xfrm>
+          <a:prstGeom prst="line">
+            <a:avLst/>
+          </a:prstGeom>
+          <a:ln w="50800">
+            <a:solidFill>
+              <a:schemeClr val="accent1">
+                <a:satOff val="-19084"/>
+                <a:lumOff val="-11914"/>
+              </a:schemeClr>
+            </a:solidFill>
+            <a:miter/>
+            <a:tailEnd type="triangle"/>
+          </a:ln>
+        </p:spPr>
+        <p:txBody>
+          <a:bodyPr lIns="0" tIns="0" rIns="0" bIns="0"/>
+          <a:p/>
+        </p:txBody>
+      </p:sp>
+      <p:sp>
+        <p:nvSpPr>
+          <p:cNvPr id="10" name="線條"/>
+          <p:cNvSpPr/>
+          <p:nvPr/>
+        </p:nvSpPr>
+        <p:spPr>
+          <a:xfrm>
+            <a:off x="986006" y="4373674"/>
+            <a:ext cx="595678" cy="1"/>
+          </a:xfrm>
+          <a:prstGeom prst="line">
+            <a:avLst/>
+          </a:prstGeom>
+          <a:ln w="50800">
+            <a:solidFill>
+              <a:schemeClr val="accent1">
+                <a:satOff val="-19083"/>
+                <a:lumOff val="-11913"/>
+              </a:schemeClr>
+            </a:solidFill>
+            <a:miter/>
+            <a:tailEnd type="triangle"/>
+          </a:ln>
+        </p:spPr>
+        <p:txBody>
+          <a:bodyPr lIns="0" tIns="0" rIns="0" bIns="0"/>
+          <a:p/>
+        </p:txBody>
+      </p:sp>
+      <p:sp>
+        <p:nvSpPr>
+          <p:cNvPr id="13" name="線條"/>
+          <p:cNvSpPr/>
+          <p:nvPr/>
+        </p:nvSpPr>
+        <p:spPr>
+          <a:xfrm>
+            <a:off x="2456666" y="4194604"/>
+            <a:ext cx="595678" cy="1"/>
+          </a:xfrm>
+          <a:prstGeom prst="line">
+            <a:avLst/>
+          </a:prstGeom>
+          <a:ln w="50800">
+            <a:solidFill>
+              <a:schemeClr val="accent1">
+                <a:satOff val="-19082"/>
+                <a:lumOff val="-11912"/>
+              </a:schemeClr>
+            </a:solidFill>
+            <a:miter/>
+            <a:tailEnd type="triangle"/>
+          </a:ln>
+        </p:spPr>
+        <p:txBody>
+          <a:bodyPr lIns="0" tIns="0" rIns="0" bIns="0"/>
+          <a:p/>
+        </p:txBody>
+      </p:sp>
+      <p:sp>
+        <p:nvSpPr>
+          <p:cNvPr id="29" name="Text Box 28"/>
+          <p:cNvSpPr txBox="1"/>
+          <p:nvPr/>
+        </p:nvSpPr>
+        <p:spPr>
+          <a:xfrm>
+            <a:off x="1007110" y="3752215"/>
+            <a:ext cx="448310" cy="184150"/>
+          </a:xfrm>
+          <a:prstGeom prst="rect">
+            <a:avLst/>
+          </a:prstGeom>
+          <a:noFill/>
+          <a:ln w="12700" cap="flat">
+            <a:noFill/>
+            <a:miter lim="400000"/>
+          </a:ln>
+        </p:spPr>
+        <p:style>
+          <a:lnRef idx="0">
+            <a:srgbClr val="FFFFFF"/>
+          </a:lnRef>
+          <a:fillRef idx="0">
+            <a:srgbClr val="FFFFFF"/>
+          </a:fillRef>
+          <a:effectRef idx="0">
+            <a:srgbClr val="FFFFFF"/>
+          </a:effectRef>
+          <a:fontRef idx="none"/>
+        </p:style>
+        <p:txBody>
+          <a:bodyPr rot="0" vertOverflow="overflow" horzOverflow="overflow" vert="horz" wrap="none" lIns="0" tIns="0" rIns="0" bIns="0" numCol="1" spcCol="38100" rtlCol="0" anchor="t" forceAA="0" upright="0">
+            <a:spAutoFit/>
+          </a:bodyPr>
+          <a:p>
+            <a:pPr marL="0" marR="0" indent="0" algn="l" defTabSz="914400" rtl="0" fontAlgn="auto" latinLnBrk="0" hangingPunct="0">
+              <a:lnSpc>
+                <a:spcPct val="100000"/>
+              </a:lnSpc>
+              <a:spcBef>
+                <a:spcPts val="0"/>
+              </a:spcBef>
+              <a:spcAft>
+                <a:spcPts val="0"/>
+              </a:spcAft>
+              <a:buClrTx/>
+              <a:buSzTx/>
+              <a:buFontTx/>
+              <a:buNone/>
+            </a:pPr>
+            <a:r>
+              <a:rPr sz="1200">
+                <a:sym typeface="+mn-ea"/>
+              </a:rPr>
+              <a:t>{</a:t>
+            </a:r>
+            <a:r>
+              <a:rPr lang="en-US" sz="1200">
+                <a:sym typeface="+mn-ea"/>
+              </a:rPr>
+              <a:t>1</a:t>
+            </a:r>
+            <a:r>
+              <a:rPr sz="1200">
+                <a:sym typeface="+mn-ea"/>
+              </a:rPr>
+              <a:t>}</a:t>
+            </a:r>
+            <a:r>
+              <a:rPr lang="" sz="1200">
+                <a:sym typeface="+mn-ea"/>
+              </a:rPr>
+              <a:t>&gt;&gt;1</a:t>
+            </a:r>
+            <a:endParaRPr kumimoji="0" lang="" sz="1200" b="0" i="0" u="none" strike="noStrike" cap="none" spc="0" normalizeH="0" baseline="0">
+              <a:ln>
+                <a:noFill/>
+              </a:ln>
+              <a:solidFill>
+                <a:srgbClr val="000000"/>
+              </a:solidFill>
+              <a:effectLst/>
+              <a:uFillTx/>
+              <a:latin typeface="Arial" panose="020B0604020202020204"/>
+              <a:ea typeface="Arial" panose="020B0604020202020204"/>
+              <a:cs typeface="Arial" panose="020B0604020202020204"/>
+              <a:sym typeface="+mn-ea"/>
+            </a:endParaRPr>
+          </a:p>
+        </p:txBody>
+      </p:sp>
+      <p:sp>
+        <p:nvSpPr>
+          <p:cNvPr id="30" name="Text Box 29"/>
+          <p:cNvSpPr txBox="1"/>
+          <p:nvPr/>
+        </p:nvSpPr>
+        <p:spPr>
+          <a:xfrm>
+            <a:off x="935355" y="4123055"/>
+            <a:ext cx="499110" cy="184150"/>
+          </a:xfrm>
+          <a:prstGeom prst="rect">
+            <a:avLst/>
+          </a:prstGeom>
+          <a:noFill/>
+          <a:ln w="12700" cap="flat">
+            <a:noFill/>
+            <a:miter lim="400000"/>
+          </a:ln>
+        </p:spPr>
+        <p:style>
+          <a:lnRef idx="0">
+            <a:srgbClr val="FFFFFF"/>
+          </a:lnRef>
+          <a:fillRef idx="0">
+            <a:srgbClr val="FFFFFF"/>
+          </a:fillRef>
+          <a:effectRef idx="0">
+            <a:srgbClr val="FFFFFF"/>
+          </a:effectRef>
+          <a:fontRef idx="none"/>
+        </p:style>
+        <p:txBody>
+          <a:bodyPr rot="0" vertOverflow="overflow" horzOverflow="overflow" vert="horz" wrap="none" lIns="0" tIns="0" rIns="0" bIns="0" numCol="1" spcCol="38100" rtlCol="0" anchor="t" forceAA="0" upright="0">
+            <a:spAutoFit/>
+          </a:bodyPr>
+          <a:p>
+            <a:pPr marL="0" marR="0" indent="0" algn="l" defTabSz="914400" rtl="0" fontAlgn="auto" latinLnBrk="0" hangingPunct="0">
+              <a:lnSpc>
+                <a:spcPct val="100000"/>
+              </a:lnSpc>
+              <a:spcBef>
+                <a:spcPts val="0"/>
+              </a:spcBef>
+              <a:spcAft>
+                <a:spcPts val="0"/>
+              </a:spcAft>
+              <a:buClrTx/>
+              <a:buSzTx/>
+              <a:buFontTx/>
+              <a:buNone/>
+            </a:pPr>
+            <a:r>
+              <a:rPr sz="1200">
+                <a:sym typeface="+mn-ea"/>
+              </a:rPr>
+              <a:t>{</a:t>
+            </a:r>
+            <a:r>
+              <a:rPr lang="" sz="1200">
+                <a:sym typeface="+mn-ea"/>
+              </a:rPr>
+              <a:t>-1</a:t>
+            </a:r>
+            <a:r>
+              <a:rPr sz="1200">
+                <a:sym typeface="+mn-ea"/>
+              </a:rPr>
+              <a:t>}</a:t>
+            </a:r>
+            <a:r>
+              <a:rPr lang="" sz="1200">
+                <a:sym typeface="+mn-ea"/>
+              </a:rPr>
+              <a:t>&gt;&gt;1</a:t>
+            </a:r>
+            <a:endParaRPr kumimoji="0" lang="" sz="1200" b="0" i="0" u="none" strike="noStrike" cap="none" spc="0" normalizeH="0" baseline="0">
+              <a:ln>
+                <a:noFill/>
+              </a:ln>
+              <a:solidFill>
+                <a:srgbClr val="000000"/>
+              </a:solidFill>
+              <a:effectLst/>
+              <a:uFillTx/>
+              <a:latin typeface="Arial" panose="020B0604020202020204"/>
+              <a:ea typeface="Arial" panose="020B0604020202020204"/>
+              <a:cs typeface="Arial" panose="020B0604020202020204"/>
+              <a:sym typeface="+mn-ea"/>
+            </a:endParaRPr>
+          </a:p>
+        </p:txBody>
+      </p:sp>
+      <p:sp>
+        <p:nvSpPr>
+          <p:cNvPr id="31" name="Text Box 30"/>
+          <p:cNvSpPr txBox="1"/>
+          <p:nvPr/>
+        </p:nvSpPr>
+        <p:spPr>
+          <a:xfrm>
+            <a:off x="2586355" y="3938905"/>
+            <a:ext cx="448310" cy="184150"/>
+          </a:xfrm>
+          <a:prstGeom prst="rect">
+            <a:avLst/>
+          </a:prstGeom>
+          <a:noFill/>
+          <a:ln w="12700" cap="flat">
+            <a:noFill/>
+            <a:miter lim="400000"/>
+          </a:ln>
+        </p:spPr>
+        <p:style>
+          <a:lnRef idx="0">
+            <a:srgbClr val="FFFFFF"/>
+          </a:lnRef>
+          <a:fillRef idx="0">
+            <a:srgbClr val="FFFFFF"/>
+          </a:fillRef>
+          <a:effectRef idx="0">
+            <a:srgbClr val="FFFFFF"/>
+          </a:effectRef>
+          <a:fontRef idx="none"/>
+        </p:style>
+        <p:txBody>
+          <a:bodyPr rot="0" vertOverflow="overflow" horzOverflow="overflow" vert="horz" wrap="none" lIns="0" tIns="0" rIns="0" bIns="0" numCol="1" spcCol="38100" rtlCol="0" anchor="t" forceAA="0" upright="0">
+            <a:spAutoFit/>
+          </a:bodyPr>
+          <a:p>
+            <a:pPr marL="0" marR="0" indent="0" algn="l" defTabSz="914400" rtl="0" fontAlgn="auto" latinLnBrk="0" hangingPunct="0">
+              <a:lnSpc>
+                <a:spcPct val="100000"/>
+              </a:lnSpc>
+              <a:spcBef>
+                <a:spcPts val="0"/>
+              </a:spcBef>
+              <a:spcAft>
+                <a:spcPts val="0"/>
+              </a:spcAft>
+              <a:buClrTx/>
+              <a:buSzTx/>
+              <a:buFontTx/>
+              <a:buNone/>
+            </a:pPr>
+            <a:r>
+              <a:rPr sz="1200">
+                <a:sym typeface="+mn-ea"/>
+              </a:rPr>
+              <a:t>{</a:t>
+            </a:r>
+            <a:r>
+              <a:rPr lang="" sz="1200">
+                <a:sym typeface="+mn-ea"/>
+              </a:rPr>
+              <a:t>0</a:t>
+            </a:r>
+            <a:r>
+              <a:rPr sz="1200">
+                <a:sym typeface="+mn-ea"/>
+              </a:rPr>
+              <a:t>}</a:t>
+            </a:r>
+            <a:r>
+              <a:rPr lang="" sz="1200">
+                <a:sym typeface="+mn-ea"/>
+              </a:rPr>
+              <a:t>&gt;&gt;2</a:t>
+            </a:r>
+            <a:endParaRPr kumimoji="0" lang="" sz="1200" b="0" i="0" u="none" strike="noStrike" cap="none" spc="0" normalizeH="0" baseline="0">
+              <a:ln>
+                <a:noFill/>
+              </a:ln>
+              <a:solidFill>
+                <a:srgbClr val="000000"/>
+              </a:solidFill>
+              <a:effectLst/>
+              <a:uFillTx/>
+              <a:latin typeface="Arial" panose="020B0604020202020204"/>
+              <a:ea typeface="Arial" panose="020B0604020202020204"/>
+              <a:cs typeface="Arial" panose="020B0604020202020204"/>
+              <a:sym typeface="+mn-ea"/>
+            </a:endParaRPr>
+          </a:p>
+        </p:txBody>
+      </p:sp>
+      <p:sp>
+        <p:nvSpPr>
+          <p:cNvPr id="32" name="Text Box 31"/>
+          <p:cNvSpPr txBox="1"/>
+          <p:nvPr/>
+        </p:nvSpPr>
+        <p:spPr>
+          <a:xfrm>
+            <a:off x="1800225" y="4117975"/>
+            <a:ext cx="415925" cy="153670"/>
+          </a:xfrm>
+          <a:prstGeom prst="rect">
+            <a:avLst/>
+          </a:prstGeom>
+          <a:noFill/>
+          <a:ln w="12700" cap="flat">
+            <a:noFill/>
+            <a:miter lim="400000"/>
+          </a:ln>
+        </p:spPr>
+        <p:style>
+          <a:lnRef idx="0">
+            <a:srgbClr val="FFFFFF"/>
+          </a:lnRef>
+          <a:fillRef idx="0">
+            <a:srgbClr val="FFFFFF"/>
+          </a:fillRef>
+          <a:effectRef idx="0">
+            <a:srgbClr val="FFFFFF"/>
+          </a:effectRef>
+          <a:fontRef idx="none"/>
+        </p:style>
+        <p:txBody>
+          <a:bodyPr rot="0" vertOverflow="overflow" horzOverflow="overflow" vert="horz" wrap="none" lIns="0" tIns="0" rIns="0" bIns="0" numCol="1" spcCol="38100" rtlCol="0" anchor="t" forceAA="0" upright="0">
+            <a:spAutoFit/>
+          </a:bodyPr>
+          <a:p>
+            <a:pPr marL="0" marR="0" indent="0" algn="l" defTabSz="914400" rtl="0" fontAlgn="auto" latinLnBrk="0" hangingPunct="0">
+              <a:lnSpc>
+                <a:spcPct val="100000"/>
+              </a:lnSpc>
+              <a:spcBef>
+                <a:spcPts val="0"/>
+              </a:spcBef>
+              <a:spcAft>
+                <a:spcPts val="0"/>
+              </a:spcAft>
+              <a:buClrTx/>
+              <a:buSzTx/>
+              <a:buFontTx/>
+              <a:buNone/>
+            </a:pPr>
+            <a:r>
+              <a:rPr kumimoji="0" lang="en-US" altLang="en-US" sz="1000" b="0" i="0" u="none" strike="noStrike" cap="none" spc="0" normalizeH="0" baseline="0">
+                <a:ln>
+                  <a:noFill/>
+                </a:ln>
+                <a:solidFill>
+                  <a:srgbClr val="000000"/>
+                </a:solidFill>
+                <a:effectLst/>
+                <a:uFillTx/>
+                <a:latin typeface="Arial" panose="020B0604020202020204"/>
+                <a:ea typeface="Arial" panose="020B0604020202020204"/>
+                <a:cs typeface="Arial" panose="020B0604020202020204"/>
+                <a:sym typeface="Arial" panose="020B0604020202020204"/>
+              </a:rPr>
+              <a:t>Block </a:t>
+            </a:r>
+            <a:r>
+              <a:rPr kumimoji="0" lang="" altLang="en-US" sz="1000" b="0" i="0" u="none" strike="noStrike" cap="none" spc="0" normalizeH="0" baseline="0">
+                <a:ln>
+                  <a:noFill/>
+                </a:ln>
+                <a:solidFill>
+                  <a:srgbClr val="000000"/>
+                </a:solidFill>
+                <a:effectLst/>
+                <a:uFillTx/>
+                <a:latin typeface="Arial" panose="020B0604020202020204"/>
+                <a:ea typeface="Arial" panose="020B0604020202020204"/>
+                <a:cs typeface="Arial" panose="020B0604020202020204"/>
+                <a:sym typeface="Arial" panose="020B0604020202020204"/>
+              </a:rPr>
+              <a:t>1</a:t>
+            </a:r>
+            <a:endParaRPr kumimoji="0" lang="" altLang="en-US" sz="1000" b="0" i="0" u="none" strike="noStrike" cap="none" spc="0" normalizeH="0" baseline="0">
+              <a:ln>
+                <a:noFill/>
+              </a:ln>
+              <a:solidFill>
+                <a:srgbClr val="000000"/>
+              </a:solidFill>
+              <a:effectLst/>
+              <a:uFillTx/>
+              <a:latin typeface="Arial" panose="020B0604020202020204"/>
+              <a:ea typeface="Arial" panose="020B0604020202020204"/>
+              <a:cs typeface="Arial" panose="020B0604020202020204"/>
+              <a:sym typeface="Arial" panose="020B0604020202020204"/>
+            </a:endParaRPr>
+          </a:p>
+        </p:txBody>
+      </p:sp>
+      <p:sp>
+        <p:nvSpPr>
+          <p:cNvPr id="34" name="線條"/>
+          <p:cNvSpPr/>
+          <p:nvPr/>
+        </p:nvSpPr>
+        <p:spPr>
+          <a:xfrm>
+            <a:off x="3409801" y="2856659"/>
+            <a:ext cx="595678" cy="1"/>
+          </a:xfrm>
+          <a:prstGeom prst="line">
+            <a:avLst/>
+          </a:prstGeom>
+          <a:ln w="50800">
+            <a:solidFill>
+              <a:schemeClr val="accent1">
+                <a:satOff val="-19083"/>
+                <a:lumOff val="-11913"/>
+              </a:schemeClr>
+            </a:solidFill>
+            <a:miter/>
+            <a:tailEnd type="triangle"/>
+          </a:ln>
+        </p:spPr>
+        <p:txBody>
+          <a:bodyPr lIns="0" tIns="0" rIns="0" bIns="0"/>
+          <a:p/>
+        </p:txBody>
+      </p:sp>
+      <p:sp>
+        <p:nvSpPr>
+          <p:cNvPr id="35" name="線條"/>
+          <p:cNvSpPr/>
+          <p:nvPr/>
+        </p:nvSpPr>
+        <p:spPr>
+          <a:xfrm>
+            <a:off x="3409801" y="3214799"/>
+            <a:ext cx="595678" cy="1"/>
+          </a:xfrm>
+          <a:prstGeom prst="line">
+            <a:avLst/>
+          </a:prstGeom>
+          <a:ln w="50800">
+            <a:solidFill>
+              <a:schemeClr val="accent1">
+                <a:satOff val="-19082"/>
+                <a:lumOff val="-11912"/>
+              </a:schemeClr>
+            </a:solidFill>
+            <a:miter/>
+            <a:tailEnd type="triangle"/>
+          </a:ln>
+        </p:spPr>
+        <p:txBody>
+          <a:bodyPr lIns="0" tIns="0" rIns="0" bIns="0"/>
+          <a:p/>
+        </p:txBody>
+      </p:sp>
+      <p:sp>
+        <p:nvSpPr>
+          <p:cNvPr id="36" name="線條"/>
+          <p:cNvSpPr/>
+          <p:nvPr/>
+        </p:nvSpPr>
+        <p:spPr>
+          <a:xfrm>
+            <a:off x="4872841" y="3035729"/>
+            <a:ext cx="595678" cy="1"/>
+          </a:xfrm>
+          <a:prstGeom prst="line">
+            <a:avLst/>
+          </a:prstGeom>
+          <a:ln w="50800">
+            <a:solidFill>
+              <a:schemeClr val="accent1">
+                <a:satOff val="-19081"/>
+                <a:lumOff val="-11911"/>
+              </a:schemeClr>
+            </a:solidFill>
+            <a:miter/>
+            <a:tailEnd type="triangle"/>
+          </a:ln>
+        </p:spPr>
+        <p:txBody>
+          <a:bodyPr lIns="0" tIns="0" rIns="0" bIns="0"/>
+          <a:p/>
+        </p:txBody>
+      </p:sp>
+      <p:sp>
+        <p:nvSpPr>
+          <p:cNvPr id="37" name="Text Box 36"/>
+          <p:cNvSpPr txBox="1"/>
+          <p:nvPr/>
+        </p:nvSpPr>
+        <p:spPr>
+          <a:xfrm>
+            <a:off x="3359150" y="2593340"/>
+            <a:ext cx="499110" cy="184150"/>
+          </a:xfrm>
+          <a:prstGeom prst="rect">
+            <a:avLst/>
+          </a:prstGeom>
+          <a:noFill/>
+          <a:ln w="12700" cap="flat">
+            <a:noFill/>
+            <a:miter lim="400000"/>
+          </a:ln>
+        </p:spPr>
+        <p:style>
+          <a:lnRef idx="0">
+            <a:srgbClr val="FFFFFF"/>
+          </a:lnRef>
+          <a:fillRef idx="0">
+            <a:srgbClr val="FFFFFF"/>
+          </a:fillRef>
+          <a:effectRef idx="0">
+            <a:srgbClr val="FFFFFF"/>
+          </a:effectRef>
+          <a:fontRef idx="none"/>
+        </p:style>
+        <p:txBody>
+          <a:bodyPr rot="0" vertOverflow="overflow" horzOverflow="overflow" vert="horz" wrap="none" lIns="0" tIns="0" rIns="0" bIns="0" numCol="1" spcCol="38100" rtlCol="0" anchor="t" forceAA="0" upright="0">
+            <a:spAutoFit/>
+          </a:bodyPr>
+          <a:p>
+            <a:pPr marL="0" marR="0" indent="0" algn="l" defTabSz="914400" rtl="0" fontAlgn="auto" latinLnBrk="0" hangingPunct="0">
+              <a:lnSpc>
+                <a:spcPct val="100000"/>
+              </a:lnSpc>
+              <a:spcBef>
+                <a:spcPts val="0"/>
+              </a:spcBef>
+              <a:spcAft>
+                <a:spcPts val="0"/>
+              </a:spcAft>
+              <a:buClrTx/>
+              <a:buSzTx/>
+              <a:buFontTx/>
+              <a:buNone/>
+            </a:pPr>
+            <a:r>
+              <a:rPr sz="1200">
+                <a:sym typeface="+mn-ea"/>
+              </a:rPr>
+              <a:t>{</a:t>
+            </a:r>
+            <a:r>
+              <a:rPr lang="" sz="1200">
+                <a:sym typeface="+mn-ea"/>
+              </a:rPr>
+              <a:t>-</a:t>
+            </a:r>
+            <a:r>
+              <a:rPr lang="en-US" sz="1200">
+                <a:sym typeface="+mn-ea"/>
+              </a:rPr>
+              <a:t>1</a:t>
+            </a:r>
+            <a:r>
+              <a:rPr sz="1200">
+                <a:sym typeface="+mn-ea"/>
+              </a:rPr>
+              <a:t>}</a:t>
+            </a:r>
+            <a:r>
+              <a:rPr lang="en-US" sz="1200">
+                <a:sym typeface="+mn-ea"/>
+              </a:rPr>
+              <a:t>&gt;&gt;1</a:t>
+            </a:r>
+            <a:endParaRPr kumimoji="0" lang="en-US" sz="1200" b="0" i="0" u="none" strike="noStrike" cap="none" spc="0" normalizeH="0" baseline="0">
+              <a:ln>
+                <a:noFill/>
+              </a:ln>
+              <a:solidFill>
+                <a:srgbClr val="000000"/>
+              </a:solidFill>
+              <a:effectLst/>
+              <a:uFillTx/>
+              <a:latin typeface="Arial" panose="020B0604020202020204"/>
+              <a:ea typeface="Arial" panose="020B0604020202020204"/>
+              <a:cs typeface="Arial" panose="020B0604020202020204"/>
+              <a:sym typeface="+mn-ea"/>
+            </a:endParaRPr>
+          </a:p>
+        </p:txBody>
+      </p:sp>
+      <p:sp>
+        <p:nvSpPr>
+          <p:cNvPr id="38" name="Text Box 37"/>
+          <p:cNvSpPr txBox="1"/>
+          <p:nvPr/>
+        </p:nvSpPr>
+        <p:spPr>
+          <a:xfrm>
+            <a:off x="3430905" y="2964180"/>
+            <a:ext cx="448310" cy="184150"/>
+          </a:xfrm>
+          <a:prstGeom prst="rect">
+            <a:avLst/>
+          </a:prstGeom>
+          <a:noFill/>
+          <a:ln w="12700" cap="flat">
+            <a:noFill/>
+            <a:miter lim="400000"/>
+          </a:ln>
+        </p:spPr>
+        <p:style>
+          <a:lnRef idx="0">
+            <a:srgbClr val="FFFFFF"/>
+          </a:lnRef>
+          <a:fillRef idx="0">
+            <a:srgbClr val="FFFFFF"/>
+          </a:fillRef>
+          <a:effectRef idx="0">
+            <a:srgbClr val="FFFFFF"/>
+          </a:effectRef>
+          <a:fontRef idx="none"/>
+        </p:style>
+        <p:txBody>
+          <a:bodyPr rot="0" vertOverflow="overflow" horzOverflow="overflow" vert="horz" wrap="none" lIns="0" tIns="0" rIns="0" bIns="0" numCol="1" spcCol="38100" rtlCol="0" anchor="t" forceAA="0" upright="0">
+            <a:spAutoFit/>
+          </a:bodyPr>
+          <a:p>
+            <a:pPr marL="0" marR="0" indent="0" algn="l" defTabSz="914400" rtl="0" fontAlgn="auto" latinLnBrk="0" hangingPunct="0">
+              <a:lnSpc>
+                <a:spcPct val="100000"/>
+              </a:lnSpc>
+              <a:spcBef>
+                <a:spcPts val="0"/>
+              </a:spcBef>
+              <a:spcAft>
+                <a:spcPts val="0"/>
+              </a:spcAft>
+              <a:buClrTx/>
+              <a:buSzTx/>
+              <a:buFontTx/>
+              <a:buNone/>
+            </a:pPr>
+            <a:r>
+              <a:rPr sz="1200">
+                <a:sym typeface="+mn-ea"/>
+              </a:rPr>
+              <a:t>{</a:t>
+            </a:r>
+            <a:r>
+              <a:rPr lang="en-US" sz="1200">
+                <a:sym typeface="+mn-ea"/>
+              </a:rPr>
+              <a:t>1</a:t>
+            </a:r>
+            <a:r>
+              <a:rPr sz="1200">
+                <a:sym typeface="+mn-ea"/>
+              </a:rPr>
+              <a:t>}</a:t>
+            </a:r>
+            <a:r>
+              <a:rPr lang="en-US" sz="1200">
+                <a:sym typeface="+mn-ea"/>
+              </a:rPr>
+              <a:t>&gt;&gt;1</a:t>
+            </a:r>
+            <a:endParaRPr kumimoji="0" lang="en-US" sz="1200" b="0" i="0" u="none" strike="noStrike" cap="none" spc="0" normalizeH="0" baseline="0">
+              <a:ln>
+                <a:noFill/>
+              </a:ln>
+              <a:solidFill>
+                <a:srgbClr val="000000"/>
+              </a:solidFill>
+              <a:effectLst/>
+              <a:uFillTx/>
+              <a:latin typeface="Arial" panose="020B0604020202020204"/>
+              <a:ea typeface="Arial" panose="020B0604020202020204"/>
+              <a:cs typeface="Arial" panose="020B0604020202020204"/>
+              <a:sym typeface="+mn-ea"/>
+            </a:endParaRPr>
+          </a:p>
+        </p:txBody>
+      </p:sp>
+      <p:sp>
+        <p:nvSpPr>
+          <p:cNvPr id="39" name="Text Box 38"/>
+          <p:cNvSpPr txBox="1"/>
+          <p:nvPr/>
+        </p:nvSpPr>
+        <p:spPr>
+          <a:xfrm>
+            <a:off x="5010150" y="2780030"/>
+            <a:ext cx="448310" cy="184150"/>
+          </a:xfrm>
+          <a:prstGeom prst="rect">
+            <a:avLst/>
+          </a:prstGeom>
+          <a:noFill/>
+          <a:ln w="12700" cap="flat">
+            <a:noFill/>
+            <a:miter lim="400000"/>
+          </a:ln>
+        </p:spPr>
+        <p:style>
+          <a:lnRef idx="0">
+            <a:srgbClr val="FFFFFF"/>
+          </a:lnRef>
+          <a:fillRef idx="0">
+            <a:srgbClr val="FFFFFF"/>
+          </a:fillRef>
+          <a:effectRef idx="0">
+            <a:srgbClr val="FFFFFF"/>
+          </a:effectRef>
+          <a:fontRef idx="none"/>
+        </p:style>
+        <p:txBody>
+          <a:bodyPr rot="0" vertOverflow="overflow" horzOverflow="overflow" vert="horz" wrap="none" lIns="0" tIns="0" rIns="0" bIns="0" numCol="1" spcCol="38100" rtlCol="0" anchor="t" forceAA="0" upright="0">
+            <a:spAutoFit/>
+          </a:bodyPr>
+          <a:p>
+            <a:pPr marL="0" marR="0" indent="0" algn="l" defTabSz="914400" rtl="0" fontAlgn="auto" latinLnBrk="0" hangingPunct="0">
+              <a:lnSpc>
+                <a:spcPct val="100000"/>
+              </a:lnSpc>
+              <a:spcBef>
+                <a:spcPts val="0"/>
+              </a:spcBef>
+              <a:spcAft>
+                <a:spcPts val="0"/>
+              </a:spcAft>
+              <a:buClrTx/>
+              <a:buSzTx/>
+              <a:buFontTx/>
+              <a:buNone/>
+            </a:pPr>
+            <a:r>
+              <a:rPr sz="1200">
+                <a:sym typeface="+mn-ea"/>
+              </a:rPr>
+              <a:t>{</a:t>
+            </a:r>
+            <a:r>
+              <a:rPr lang="en-US" sz="1200">
+                <a:sym typeface="+mn-ea"/>
+              </a:rPr>
+              <a:t>0</a:t>
+            </a:r>
+            <a:r>
+              <a:rPr sz="1200">
+                <a:sym typeface="+mn-ea"/>
+              </a:rPr>
+              <a:t>}</a:t>
+            </a:r>
+            <a:r>
+              <a:rPr lang="en-US" sz="1200">
+                <a:sym typeface="+mn-ea"/>
+              </a:rPr>
+              <a:t>&gt;&gt;2</a:t>
+            </a:r>
+            <a:endParaRPr kumimoji="0" lang="en-US" sz="1200" b="0" i="0" u="none" strike="noStrike" cap="none" spc="0" normalizeH="0" baseline="0">
+              <a:ln>
+                <a:noFill/>
+              </a:ln>
+              <a:solidFill>
+                <a:srgbClr val="000000"/>
+              </a:solidFill>
+              <a:effectLst/>
+              <a:uFillTx/>
+              <a:latin typeface="Arial" panose="020B0604020202020204"/>
+              <a:ea typeface="Arial" panose="020B0604020202020204"/>
+              <a:cs typeface="Arial" panose="020B0604020202020204"/>
+              <a:sym typeface="+mn-ea"/>
+            </a:endParaRPr>
+          </a:p>
+        </p:txBody>
+      </p:sp>
+      <p:sp>
+        <p:nvSpPr>
+          <p:cNvPr id="40" name="Text Box 39"/>
+          <p:cNvSpPr txBox="1"/>
+          <p:nvPr/>
+        </p:nvSpPr>
+        <p:spPr>
+          <a:xfrm>
+            <a:off x="4099560" y="2959100"/>
+            <a:ext cx="415925" cy="153670"/>
+          </a:xfrm>
+          <a:prstGeom prst="rect">
+            <a:avLst/>
+          </a:prstGeom>
+          <a:noFill/>
+          <a:ln w="12700" cap="flat">
+            <a:noFill/>
+            <a:miter lim="400000"/>
+          </a:ln>
+        </p:spPr>
+        <p:style>
+          <a:lnRef idx="0">
+            <a:srgbClr val="FFFFFF"/>
+          </a:lnRef>
+          <a:fillRef idx="0">
+            <a:srgbClr val="FFFFFF"/>
+          </a:fillRef>
+          <a:effectRef idx="0">
+            <a:srgbClr val="FFFFFF"/>
+          </a:effectRef>
+          <a:fontRef idx="none"/>
+        </p:style>
+        <p:txBody>
+          <a:bodyPr rot="0" vertOverflow="overflow" horzOverflow="overflow" vert="horz" wrap="none" lIns="0" tIns="0" rIns="0" bIns="0" numCol="1" spcCol="38100" rtlCol="0" anchor="t" forceAA="0" upright="0">
+            <a:spAutoFit/>
+          </a:bodyPr>
+          <a:p>
+            <a:pPr marL="0" marR="0" indent="0" algn="l" defTabSz="914400" rtl="0" fontAlgn="auto" latinLnBrk="0" hangingPunct="0">
+              <a:lnSpc>
+                <a:spcPct val="100000"/>
+              </a:lnSpc>
+              <a:spcBef>
+                <a:spcPts val="0"/>
+              </a:spcBef>
+              <a:spcAft>
+                <a:spcPts val="0"/>
+              </a:spcAft>
+              <a:buClrTx/>
+              <a:buSzTx/>
+              <a:buFontTx/>
+              <a:buNone/>
+            </a:pPr>
+            <a:r>
+              <a:rPr kumimoji="0" lang="en-US" altLang="en-US" sz="1000" b="0" i="0" u="none" strike="noStrike" cap="none" spc="0" normalizeH="0" baseline="0">
+                <a:ln>
+                  <a:noFill/>
+                </a:ln>
+                <a:solidFill>
+                  <a:srgbClr val="000000"/>
+                </a:solidFill>
+                <a:effectLst/>
+                <a:uFillTx/>
+                <a:latin typeface="Arial" panose="020B0604020202020204"/>
+                <a:ea typeface="Arial" panose="020B0604020202020204"/>
+                <a:cs typeface="Arial" panose="020B0604020202020204"/>
+                <a:sym typeface="Arial" panose="020B0604020202020204"/>
+              </a:rPr>
+              <a:t>Block </a:t>
+            </a:r>
+            <a:r>
+              <a:rPr kumimoji="0" lang="" altLang="en-US" sz="1000" b="0" i="0" u="none" strike="noStrike" cap="none" spc="0" normalizeH="0" baseline="0">
+                <a:ln>
+                  <a:noFill/>
+                </a:ln>
+                <a:solidFill>
+                  <a:srgbClr val="000000"/>
+                </a:solidFill>
+                <a:effectLst/>
+                <a:uFillTx/>
+                <a:latin typeface="Arial" panose="020B0604020202020204"/>
+                <a:ea typeface="Arial" panose="020B0604020202020204"/>
+                <a:cs typeface="Arial" panose="020B0604020202020204"/>
+                <a:sym typeface="Arial" panose="020B0604020202020204"/>
+              </a:rPr>
+              <a:t>2</a:t>
+            </a:r>
+            <a:endParaRPr kumimoji="0" lang="" altLang="en-US" sz="1000" b="0" i="0" u="none" strike="noStrike" cap="none" spc="0" normalizeH="0" baseline="0">
+              <a:ln>
+                <a:noFill/>
+              </a:ln>
+              <a:solidFill>
+                <a:srgbClr val="000000"/>
+              </a:solidFill>
+              <a:effectLst/>
+              <a:uFillTx/>
+              <a:latin typeface="Arial" panose="020B0604020202020204"/>
+              <a:ea typeface="Arial" panose="020B0604020202020204"/>
+              <a:cs typeface="Arial" panose="020B0604020202020204"/>
+              <a:sym typeface="Arial" panose="020B0604020202020204"/>
+            </a:endParaRPr>
+          </a:p>
+        </p:txBody>
+      </p:sp>
+      <p:sp>
+        <p:nvSpPr>
+          <p:cNvPr id="41" name="Rounded Rectangle 40"/>
+          <p:cNvSpPr/>
+          <p:nvPr/>
+        </p:nvSpPr>
+        <p:spPr>
+          <a:xfrm>
+            <a:off x="4005580" y="3875405"/>
+            <a:ext cx="675005" cy="638810"/>
+          </a:xfrm>
+          <a:prstGeom prst="roundRect">
+            <a:avLst>
+              <a:gd name="adj" fmla="val 11626"/>
+            </a:avLst>
+          </a:prstGeom>
+        </p:spPr>
+        <p:style>
+          <a:lnRef idx="2">
+            <a:schemeClr val="accent4">
+              <a:shade val="50000"/>
+            </a:schemeClr>
+          </a:lnRef>
+          <a:fillRef idx="1">
+            <a:schemeClr val="accent4"/>
+          </a:fillRef>
+          <a:effectRef idx="0">
+            <a:schemeClr val="accent4"/>
+          </a:effectRef>
+          <a:fontRef idx="minor">
+            <a:schemeClr val="lt1"/>
+          </a:fontRef>
+        </p:style>
+        <p:txBody>
+          <a:bodyPr wrap="square" lIns="0" tIns="0" rIns="0" bIns="0" numCol="1" anchor="ctr">
+            <a:noAutofit/>
+          </a:bodyPr>
+          <a:p>
+            <a:pPr algn="ctr">
+              <a:defRPr>
+                <a:solidFill>
+                  <a:schemeClr val="accent1">
+                    <a:satOff val="-19082"/>
+                    <a:lumOff val="-11912"/>
+                  </a:schemeClr>
+                </a:solidFill>
+              </a:defRPr>
+            </a:pPr>
+          </a:p>
+        </p:txBody>
+      </p:sp>
+      <p:sp>
+        <p:nvSpPr>
+          <p:cNvPr id="42" name="線條"/>
+          <p:cNvSpPr/>
+          <p:nvPr/>
+        </p:nvSpPr>
+        <p:spPr>
+          <a:xfrm>
+            <a:off x="3409801" y="4015534"/>
+            <a:ext cx="595678" cy="1"/>
+          </a:xfrm>
+          <a:prstGeom prst="line">
+            <a:avLst/>
+          </a:prstGeom>
+          <a:ln w="50800">
+            <a:solidFill>
+              <a:schemeClr val="accent1">
+                <a:satOff val="-19082"/>
+                <a:lumOff val="-11912"/>
+              </a:schemeClr>
+            </a:solidFill>
+            <a:miter/>
+            <a:tailEnd type="triangle"/>
+          </a:ln>
+        </p:spPr>
+        <p:txBody>
+          <a:bodyPr lIns="0" tIns="0" rIns="0" bIns="0"/>
+          <a:p/>
+        </p:txBody>
+      </p:sp>
+      <p:sp>
+        <p:nvSpPr>
+          <p:cNvPr id="43" name="線條"/>
+          <p:cNvSpPr/>
+          <p:nvPr/>
+        </p:nvSpPr>
+        <p:spPr>
+          <a:xfrm>
+            <a:off x="3409801" y="4373674"/>
+            <a:ext cx="595678" cy="1"/>
+          </a:xfrm>
+          <a:prstGeom prst="line">
+            <a:avLst/>
+          </a:prstGeom>
+          <a:ln w="50800">
+            <a:solidFill>
+              <a:schemeClr val="accent1">
+                <a:satOff val="-19081"/>
+                <a:lumOff val="-11911"/>
+              </a:schemeClr>
+            </a:solidFill>
+            <a:miter/>
+            <a:tailEnd type="triangle"/>
+          </a:ln>
+        </p:spPr>
+        <p:txBody>
+          <a:bodyPr lIns="0" tIns="0" rIns="0" bIns="0"/>
+          <a:p/>
+        </p:txBody>
+      </p:sp>
+      <p:sp>
+        <p:nvSpPr>
+          <p:cNvPr id="44" name="線條"/>
+          <p:cNvSpPr/>
+          <p:nvPr/>
+        </p:nvSpPr>
+        <p:spPr>
+          <a:xfrm>
+            <a:off x="4680436" y="4194604"/>
+            <a:ext cx="595678" cy="1"/>
+          </a:xfrm>
+          <a:prstGeom prst="line">
+            <a:avLst/>
+          </a:prstGeom>
+          <a:ln w="50800">
+            <a:solidFill>
+              <a:schemeClr val="accent1">
+                <a:satOff val="-19080"/>
+                <a:lumOff val="-11910"/>
+              </a:schemeClr>
+            </a:solidFill>
+            <a:miter/>
+            <a:tailEnd type="triangle"/>
+          </a:ln>
+        </p:spPr>
+        <p:txBody>
+          <a:bodyPr lIns="0" tIns="0" rIns="0" bIns="0"/>
+          <a:p/>
+        </p:txBody>
+      </p:sp>
+      <p:sp>
+        <p:nvSpPr>
+          <p:cNvPr id="45" name="Text Box 44"/>
+          <p:cNvSpPr txBox="1"/>
+          <p:nvPr/>
+        </p:nvSpPr>
+        <p:spPr>
+          <a:xfrm>
+            <a:off x="3359150" y="3752215"/>
+            <a:ext cx="499110" cy="184150"/>
+          </a:xfrm>
+          <a:prstGeom prst="rect">
+            <a:avLst/>
+          </a:prstGeom>
+          <a:noFill/>
+          <a:ln w="12700" cap="flat">
+            <a:noFill/>
+            <a:miter lim="400000"/>
+          </a:ln>
+        </p:spPr>
+        <p:style>
+          <a:lnRef idx="0">
+            <a:srgbClr val="FFFFFF"/>
+          </a:lnRef>
+          <a:fillRef idx="0">
+            <a:srgbClr val="FFFFFF"/>
+          </a:fillRef>
+          <a:effectRef idx="0">
+            <a:srgbClr val="FFFFFF"/>
+          </a:effectRef>
+          <a:fontRef idx="none"/>
+        </p:style>
+        <p:txBody>
+          <a:bodyPr rot="0" vertOverflow="overflow" horzOverflow="overflow" vert="horz" wrap="none" lIns="0" tIns="0" rIns="0" bIns="0" numCol="1" spcCol="38100" rtlCol="0" anchor="t" forceAA="0" upright="0">
+            <a:spAutoFit/>
+          </a:bodyPr>
+          <a:p>
+            <a:pPr marL="0" marR="0" indent="0" algn="l" defTabSz="914400" rtl="0" fontAlgn="auto" latinLnBrk="0" hangingPunct="0">
+              <a:lnSpc>
+                <a:spcPct val="100000"/>
+              </a:lnSpc>
+              <a:spcBef>
+                <a:spcPts val="0"/>
+              </a:spcBef>
+              <a:spcAft>
+                <a:spcPts val="0"/>
+              </a:spcAft>
+              <a:buClrTx/>
+              <a:buSzTx/>
+              <a:buFontTx/>
+              <a:buNone/>
+            </a:pPr>
+            <a:r>
+              <a:rPr sz="1200">
+                <a:sym typeface="+mn-ea"/>
+              </a:rPr>
+              <a:t>{</a:t>
+            </a:r>
+            <a:r>
+              <a:rPr lang="en-US" sz="1200">
+                <a:sym typeface="+mn-ea"/>
+              </a:rPr>
+              <a:t>-1</a:t>
+            </a:r>
+            <a:r>
+              <a:rPr sz="1200">
+                <a:sym typeface="+mn-ea"/>
+              </a:rPr>
+              <a:t>}</a:t>
+            </a:r>
+            <a:r>
+              <a:rPr lang="en-US" sz="1200">
+                <a:sym typeface="+mn-ea"/>
+              </a:rPr>
+              <a:t>&gt;&gt;1</a:t>
+            </a:r>
+            <a:endParaRPr kumimoji="0" lang="en-US" sz="1200" b="0" i="0" u="none" strike="noStrike" cap="none" spc="0" normalizeH="0" baseline="0">
+              <a:ln>
+                <a:noFill/>
+              </a:ln>
+              <a:solidFill>
+                <a:srgbClr val="000000"/>
+              </a:solidFill>
+              <a:effectLst/>
+              <a:uFillTx/>
+              <a:latin typeface="Arial" panose="020B0604020202020204"/>
+              <a:ea typeface="Arial" panose="020B0604020202020204"/>
+              <a:cs typeface="Arial" panose="020B0604020202020204"/>
+              <a:sym typeface="+mn-ea"/>
+            </a:endParaRPr>
+          </a:p>
+        </p:txBody>
+      </p:sp>
+      <p:sp>
+        <p:nvSpPr>
+          <p:cNvPr id="46" name="Text Box 45"/>
+          <p:cNvSpPr txBox="1"/>
+          <p:nvPr/>
+        </p:nvSpPr>
+        <p:spPr>
+          <a:xfrm>
+            <a:off x="3359150" y="4123055"/>
+            <a:ext cx="499110" cy="184150"/>
+          </a:xfrm>
+          <a:prstGeom prst="rect">
+            <a:avLst/>
+          </a:prstGeom>
+          <a:noFill/>
+          <a:ln w="12700" cap="flat">
+            <a:noFill/>
+            <a:miter lim="400000"/>
+          </a:ln>
+        </p:spPr>
+        <p:style>
+          <a:lnRef idx="0">
+            <a:srgbClr val="FFFFFF"/>
+          </a:lnRef>
+          <a:fillRef idx="0">
+            <a:srgbClr val="FFFFFF"/>
+          </a:fillRef>
+          <a:effectRef idx="0">
+            <a:srgbClr val="FFFFFF"/>
+          </a:effectRef>
+          <a:fontRef idx="none"/>
+        </p:style>
+        <p:txBody>
+          <a:bodyPr rot="0" vertOverflow="overflow" horzOverflow="overflow" vert="horz" wrap="none" lIns="0" tIns="0" rIns="0" bIns="0" numCol="1" spcCol="38100" rtlCol="0" anchor="t" forceAA="0" upright="0">
+            <a:spAutoFit/>
+          </a:bodyPr>
+          <a:p>
+            <a:pPr marL="0" marR="0" indent="0" algn="l" defTabSz="914400" rtl="0" fontAlgn="auto" latinLnBrk="0" hangingPunct="0">
+              <a:lnSpc>
+                <a:spcPct val="100000"/>
+              </a:lnSpc>
+              <a:spcBef>
+                <a:spcPts val="0"/>
+              </a:spcBef>
+              <a:spcAft>
+                <a:spcPts val="0"/>
+              </a:spcAft>
+              <a:buClrTx/>
+              <a:buSzTx/>
+              <a:buFontTx/>
+              <a:buNone/>
+            </a:pPr>
+            <a:r>
+              <a:rPr sz="1200">
+                <a:sym typeface="+mn-ea"/>
+              </a:rPr>
+              <a:t>{</a:t>
+            </a:r>
+            <a:r>
+              <a:rPr lang="" sz="1200">
+                <a:sym typeface="+mn-ea"/>
+              </a:rPr>
+              <a:t>-</a:t>
+            </a:r>
+            <a:r>
+              <a:rPr lang="en-US" sz="1200">
+                <a:sym typeface="+mn-ea"/>
+              </a:rPr>
+              <a:t>1</a:t>
+            </a:r>
+            <a:r>
+              <a:rPr sz="1200">
+                <a:sym typeface="+mn-ea"/>
+              </a:rPr>
+              <a:t>}</a:t>
+            </a:r>
+            <a:r>
+              <a:rPr lang="en-US" sz="1200">
+                <a:sym typeface="+mn-ea"/>
+              </a:rPr>
+              <a:t>&gt;&gt;1</a:t>
+            </a:r>
+            <a:endParaRPr kumimoji="0" lang="en-US" sz="1200" b="0" i="0" u="none" strike="noStrike" cap="none" spc="0" normalizeH="0" baseline="0">
+              <a:ln>
+                <a:noFill/>
+              </a:ln>
+              <a:solidFill>
+                <a:srgbClr val="000000"/>
+              </a:solidFill>
+              <a:effectLst/>
+              <a:uFillTx/>
+              <a:latin typeface="Arial" panose="020B0604020202020204"/>
+              <a:ea typeface="Arial" panose="020B0604020202020204"/>
+              <a:cs typeface="Arial" panose="020B0604020202020204"/>
+              <a:sym typeface="+mn-ea"/>
+            </a:endParaRPr>
+          </a:p>
+        </p:txBody>
+      </p:sp>
+      <p:sp>
+        <p:nvSpPr>
+          <p:cNvPr id="47" name="Text Box 46"/>
+          <p:cNvSpPr txBox="1"/>
+          <p:nvPr/>
+        </p:nvSpPr>
+        <p:spPr>
+          <a:xfrm>
+            <a:off x="4794885" y="3938905"/>
+            <a:ext cx="499110" cy="184150"/>
+          </a:xfrm>
+          <a:prstGeom prst="rect">
+            <a:avLst/>
+          </a:prstGeom>
+          <a:noFill/>
+          <a:ln w="12700" cap="flat">
+            <a:noFill/>
+            <a:miter lim="400000"/>
+          </a:ln>
+        </p:spPr>
+        <p:style>
+          <a:lnRef idx="0">
+            <a:srgbClr val="FFFFFF"/>
+          </a:lnRef>
+          <a:fillRef idx="0">
+            <a:srgbClr val="FFFFFF"/>
+          </a:fillRef>
+          <a:effectRef idx="0">
+            <a:srgbClr val="FFFFFF"/>
+          </a:effectRef>
+          <a:fontRef idx="none"/>
+        </p:style>
+        <p:txBody>
+          <a:bodyPr rot="0" vertOverflow="overflow" horzOverflow="overflow" vert="horz" wrap="none" lIns="0" tIns="0" rIns="0" bIns="0" numCol="1" spcCol="38100" rtlCol="0" anchor="t" forceAA="0" upright="0">
+            <a:spAutoFit/>
+          </a:bodyPr>
+          <a:p>
+            <a:pPr marL="0" marR="0" indent="0" algn="l" defTabSz="914400" rtl="0" fontAlgn="auto" latinLnBrk="0" hangingPunct="0">
+              <a:lnSpc>
+                <a:spcPct val="100000"/>
+              </a:lnSpc>
+              <a:spcBef>
+                <a:spcPts val="0"/>
+              </a:spcBef>
+              <a:spcAft>
+                <a:spcPts val="0"/>
+              </a:spcAft>
+              <a:buClrTx/>
+              <a:buSzTx/>
+              <a:buFontTx/>
+              <a:buNone/>
+            </a:pPr>
+            <a:r>
+              <a:rPr sz="1200">
+                <a:sym typeface="+mn-ea"/>
+              </a:rPr>
+              <a:t>{</a:t>
+            </a:r>
+            <a:r>
+              <a:rPr lang="" sz="1200">
+                <a:sym typeface="+mn-ea"/>
+              </a:rPr>
+              <a:t>-2</a:t>
+            </a:r>
+            <a:r>
+              <a:rPr sz="1200">
+                <a:sym typeface="+mn-ea"/>
+              </a:rPr>
+              <a:t>}</a:t>
+            </a:r>
+            <a:r>
+              <a:rPr lang="en-US" sz="1200">
+                <a:sym typeface="+mn-ea"/>
+              </a:rPr>
+              <a:t>&gt;&gt;</a:t>
+            </a:r>
+            <a:r>
+              <a:rPr lang="" altLang="en-US" sz="1200">
+                <a:sym typeface="+mn-ea"/>
+              </a:rPr>
+              <a:t>1</a:t>
+            </a:r>
+            <a:endParaRPr kumimoji="0" lang="" altLang="en-US" sz="1200" b="0" i="0" u="none" strike="noStrike" cap="none" spc="0" normalizeH="0" baseline="0">
+              <a:ln>
+                <a:noFill/>
+              </a:ln>
+              <a:solidFill>
+                <a:srgbClr val="000000"/>
+              </a:solidFill>
+              <a:effectLst/>
+              <a:uFillTx/>
+              <a:latin typeface="Arial" panose="020B0604020202020204"/>
+              <a:ea typeface="Arial" panose="020B0604020202020204"/>
+              <a:cs typeface="Arial" panose="020B0604020202020204"/>
+              <a:sym typeface="+mn-ea"/>
+            </a:endParaRPr>
+          </a:p>
+        </p:txBody>
+      </p:sp>
+      <p:sp>
+        <p:nvSpPr>
+          <p:cNvPr id="48" name="Text Box 47"/>
+          <p:cNvSpPr txBox="1"/>
+          <p:nvPr/>
+        </p:nvSpPr>
+        <p:spPr>
+          <a:xfrm>
+            <a:off x="4099560" y="4117975"/>
+            <a:ext cx="415925" cy="153670"/>
+          </a:xfrm>
+          <a:prstGeom prst="rect">
+            <a:avLst/>
+          </a:prstGeom>
+          <a:noFill/>
+          <a:ln w="12700" cap="flat">
+            <a:noFill/>
+            <a:miter lim="400000"/>
+          </a:ln>
+        </p:spPr>
+        <p:style>
+          <a:lnRef idx="0">
+            <a:srgbClr val="FFFFFF"/>
+          </a:lnRef>
+          <a:fillRef idx="0">
+            <a:srgbClr val="FFFFFF"/>
+          </a:fillRef>
+          <a:effectRef idx="0">
+            <a:srgbClr val="FFFFFF"/>
+          </a:effectRef>
+          <a:fontRef idx="none"/>
+        </p:style>
+        <p:txBody>
+          <a:bodyPr rot="0" vertOverflow="overflow" horzOverflow="overflow" vert="horz" wrap="none" lIns="0" tIns="0" rIns="0" bIns="0" numCol="1" spcCol="38100" rtlCol="0" anchor="t" forceAA="0" upright="0">
+            <a:spAutoFit/>
+          </a:bodyPr>
+          <a:p>
+            <a:pPr marL="0" marR="0" indent="0" algn="l" defTabSz="914400" rtl="0" fontAlgn="auto" latinLnBrk="0" hangingPunct="0">
+              <a:lnSpc>
+                <a:spcPct val="100000"/>
+              </a:lnSpc>
+              <a:spcBef>
+                <a:spcPts val="0"/>
+              </a:spcBef>
+              <a:spcAft>
+                <a:spcPts val="0"/>
+              </a:spcAft>
+              <a:buClrTx/>
+              <a:buSzTx/>
+              <a:buFontTx/>
+              <a:buNone/>
+            </a:pPr>
+            <a:r>
+              <a:rPr kumimoji="0" lang="en-US" altLang="en-US" sz="1000" b="0" i="0" u="none" strike="noStrike" cap="none" spc="0" normalizeH="0" baseline="0">
+                <a:ln>
+                  <a:noFill/>
+                </a:ln>
+                <a:solidFill>
+                  <a:srgbClr val="000000"/>
+                </a:solidFill>
+                <a:effectLst/>
+                <a:uFillTx/>
+                <a:latin typeface="Arial" panose="020B0604020202020204"/>
+                <a:ea typeface="Arial" panose="020B0604020202020204"/>
+                <a:cs typeface="Arial" panose="020B0604020202020204"/>
+                <a:sym typeface="Arial" panose="020B0604020202020204"/>
+              </a:rPr>
+              <a:t>Block </a:t>
+            </a:r>
+            <a:r>
+              <a:rPr kumimoji="0" lang="" altLang="en-US" sz="1000" b="0" i="0" u="none" strike="noStrike" cap="none" spc="0" normalizeH="0" baseline="0">
+                <a:ln>
+                  <a:noFill/>
+                </a:ln>
+                <a:solidFill>
+                  <a:srgbClr val="000000"/>
+                </a:solidFill>
+                <a:effectLst/>
+                <a:uFillTx/>
+                <a:latin typeface="Arial" panose="020B0604020202020204"/>
+                <a:ea typeface="Arial" panose="020B0604020202020204"/>
+                <a:cs typeface="Arial" panose="020B0604020202020204"/>
+                <a:sym typeface="Arial" panose="020B0604020202020204"/>
+              </a:rPr>
+              <a:t>3</a:t>
+            </a:r>
+            <a:endParaRPr kumimoji="0" lang="" altLang="en-US" sz="1000" b="0" i="0" u="none" strike="noStrike" cap="none" spc="0" normalizeH="0" baseline="0">
+              <a:ln>
+                <a:noFill/>
+              </a:ln>
+              <a:solidFill>
+                <a:srgbClr val="000000"/>
+              </a:solidFill>
+              <a:effectLst/>
+              <a:uFillTx/>
+              <a:latin typeface="Arial" panose="020B0604020202020204"/>
+              <a:ea typeface="Arial" panose="020B0604020202020204"/>
+              <a:cs typeface="Arial" panose="020B0604020202020204"/>
+              <a:sym typeface="Arial" panose="020B0604020202020204"/>
+            </a:endParaRPr>
+          </a:p>
+        </p:txBody>
+      </p:sp>
+      <p:sp>
+        <p:nvSpPr>
+          <p:cNvPr id="49" name="Rounded Rectangle 40"/>
+          <p:cNvSpPr/>
+          <p:nvPr/>
+        </p:nvSpPr>
+        <p:spPr>
+          <a:xfrm>
+            <a:off x="2393315" y="878840"/>
+            <a:ext cx="273685" cy="253365"/>
+          </a:xfrm>
+          <a:prstGeom prst="roundRect">
+            <a:avLst>
+              <a:gd name="adj" fmla="val 11626"/>
+            </a:avLst>
+          </a:prstGeom>
+        </p:spPr>
+        <p:style>
+          <a:lnRef idx="2">
+            <a:schemeClr val="accent4">
+              <a:shade val="50000"/>
+            </a:schemeClr>
+          </a:lnRef>
+          <a:fillRef idx="1">
+            <a:schemeClr val="accent4"/>
+          </a:fillRef>
+          <a:effectRef idx="0">
+            <a:schemeClr val="accent4"/>
+          </a:effectRef>
+          <a:fontRef idx="minor">
+            <a:schemeClr val="lt1"/>
+          </a:fontRef>
+        </p:style>
+        <p:txBody>
+          <a:bodyPr wrap="square" lIns="0" tIns="0" rIns="0" bIns="0" numCol="1" anchor="ctr">
+            <a:noAutofit/>
+          </a:bodyPr>
+          <a:p>
+            <a:pPr algn="ctr">
+              <a:defRPr>
+                <a:solidFill>
+                  <a:schemeClr val="accent1">
+                    <a:satOff val="-19084"/>
+                    <a:lumOff val="-11914"/>
+                  </a:schemeClr>
+                </a:solidFill>
+              </a:defRPr>
+            </a:pPr>
+          </a:p>
+        </p:txBody>
+      </p:sp>
+      <p:sp>
+        <p:nvSpPr>
+          <p:cNvPr id="50" name="Rounded Rectangle 40"/>
+          <p:cNvSpPr/>
+          <p:nvPr/>
+        </p:nvSpPr>
+        <p:spPr>
+          <a:xfrm>
+            <a:off x="2755265" y="1150620"/>
+            <a:ext cx="515620" cy="224790"/>
+          </a:xfrm>
+          <a:prstGeom prst="roundRect">
+            <a:avLst>
+              <a:gd name="adj" fmla="val 11626"/>
+            </a:avLst>
+          </a:prstGeom>
+        </p:spPr>
+        <p:style>
+          <a:lnRef idx="2">
+            <a:schemeClr val="accent4">
+              <a:shade val="50000"/>
+            </a:schemeClr>
+          </a:lnRef>
+          <a:fillRef idx="1">
+            <a:schemeClr val="accent4"/>
+          </a:fillRef>
+          <a:effectRef idx="0">
+            <a:schemeClr val="accent4"/>
+          </a:effectRef>
+          <a:fontRef idx="minor">
+            <a:schemeClr val="lt1"/>
+          </a:fontRef>
+        </p:style>
+        <p:txBody>
+          <a:bodyPr wrap="square" lIns="0" tIns="0" rIns="0" bIns="0" numCol="1" anchor="ctr">
+            <a:noAutofit/>
+          </a:bodyPr>
+          <a:p>
+            <a:pPr algn="ctr">
+              <a:defRPr>
+                <a:solidFill>
+                  <a:schemeClr val="accent1">
+                    <a:satOff val="-19083"/>
+                    <a:lumOff val="-11913"/>
+                  </a:schemeClr>
+                </a:solidFill>
+              </a:defRPr>
+            </a:pPr>
+          </a:p>
+        </p:txBody>
+      </p:sp>
+      <p:sp>
+        <p:nvSpPr>
+          <p:cNvPr id="51" name="Rounded Rectangle 40"/>
+          <p:cNvSpPr/>
+          <p:nvPr/>
+        </p:nvSpPr>
+        <p:spPr>
+          <a:xfrm>
+            <a:off x="2755265" y="1420495"/>
+            <a:ext cx="515620" cy="224790"/>
+          </a:xfrm>
+          <a:prstGeom prst="roundRect">
+            <a:avLst>
+              <a:gd name="adj" fmla="val 11626"/>
+            </a:avLst>
+          </a:prstGeom>
+        </p:spPr>
+        <p:style>
+          <a:lnRef idx="2">
+            <a:schemeClr val="accent4">
+              <a:shade val="50000"/>
+            </a:schemeClr>
+          </a:lnRef>
+          <a:fillRef idx="1">
+            <a:schemeClr val="accent4"/>
+          </a:fillRef>
+          <a:effectRef idx="0">
+            <a:schemeClr val="accent4"/>
+          </a:effectRef>
+          <a:fontRef idx="minor">
+            <a:schemeClr val="lt1"/>
+          </a:fontRef>
+        </p:style>
+        <p:txBody>
+          <a:bodyPr wrap="square" lIns="0" tIns="0" rIns="0" bIns="0" numCol="1" anchor="ctr">
+            <a:noAutofit/>
+          </a:bodyPr>
+          <a:p>
+            <a:pPr algn="ctr">
+              <a:defRPr>
+                <a:solidFill>
+                  <a:schemeClr val="accent1">
+                    <a:satOff val="-19082"/>
+                    <a:lumOff val="-11912"/>
+                  </a:schemeClr>
+                </a:solidFill>
+              </a:defRPr>
+            </a:pPr>
+          </a:p>
+        </p:txBody>
+      </p:sp>
+      <p:sp>
+        <p:nvSpPr>
+          <p:cNvPr id="53" name="Rounded Rectangle 40"/>
+          <p:cNvSpPr/>
+          <p:nvPr/>
+        </p:nvSpPr>
+        <p:spPr>
+          <a:xfrm>
+            <a:off x="3359150" y="1675130"/>
+            <a:ext cx="273685" cy="253365"/>
+          </a:xfrm>
+          <a:prstGeom prst="roundRect">
+            <a:avLst>
+              <a:gd name="adj" fmla="val 11626"/>
+            </a:avLst>
+          </a:prstGeom>
+        </p:spPr>
+        <p:style>
+          <a:lnRef idx="2">
+            <a:schemeClr val="accent4">
+              <a:shade val="50000"/>
+            </a:schemeClr>
+          </a:lnRef>
+          <a:fillRef idx="1">
+            <a:schemeClr val="accent4"/>
+          </a:fillRef>
+          <a:effectRef idx="0">
+            <a:schemeClr val="accent4"/>
+          </a:effectRef>
+          <a:fontRef idx="minor">
+            <a:schemeClr val="lt1"/>
+          </a:fontRef>
+        </p:style>
+        <p:txBody>
+          <a:bodyPr wrap="square" lIns="0" tIns="0" rIns="0" bIns="0" numCol="1" anchor="ctr">
+            <a:noAutofit/>
+          </a:bodyPr>
+          <a:p>
+            <a:pPr algn="ctr">
+              <a:defRPr>
+                <a:solidFill>
+                  <a:schemeClr val="accent1">
+                    <a:satOff val="-19083"/>
+                    <a:lumOff val="-11913"/>
+                  </a:schemeClr>
+                </a:solidFill>
+              </a:defRPr>
+            </a:pPr>
+          </a:p>
+        </p:txBody>
+      </p:sp>
+      <p:sp>
+        <p:nvSpPr>
+          <p:cNvPr id="54" name="Rounded Rectangle 40"/>
+          <p:cNvSpPr/>
+          <p:nvPr/>
+        </p:nvSpPr>
+        <p:spPr>
+          <a:xfrm>
+            <a:off x="4005580" y="2777490"/>
+            <a:ext cx="853440" cy="499110"/>
+          </a:xfrm>
+          <a:prstGeom prst="roundRect">
+            <a:avLst>
+              <a:gd name="adj" fmla="val 11626"/>
+            </a:avLst>
+          </a:prstGeom>
+        </p:spPr>
+        <p:style>
+          <a:lnRef idx="2">
+            <a:schemeClr val="accent4">
+              <a:shade val="50000"/>
+            </a:schemeClr>
+          </a:lnRef>
+          <a:fillRef idx="1">
+            <a:schemeClr val="accent4"/>
+          </a:fillRef>
+          <a:effectRef idx="0">
+            <a:schemeClr val="accent4"/>
+          </a:effectRef>
+          <a:fontRef idx="minor">
+            <a:schemeClr val="lt1"/>
+          </a:fontRef>
+        </p:style>
+        <p:txBody>
+          <a:bodyPr wrap="square" lIns="0" tIns="0" rIns="0" bIns="0" numCol="1" anchor="ctr">
+            <a:noAutofit/>
+          </a:bodyPr>
+          <a:p>
+            <a:pPr algn="ctr">
+              <a:defRPr>
+                <a:solidFill>
+                  <a:schemeClr val="accent1">
+                    <a:satOff val="-19083"/>
+                    <a:lumOff val="-11913"/>
+                  </a:schemeClr>
+                </a:solidFill>
+              </a:defRPr>
+            </a:pPr>
+          </a:p>
+        </p:txBody>
+      </p:sp>
+      <p:sp>
+        <p:nvSpPr>
+          <p:cNvPr id="55" name="Text Box 54"/>
+          <p:cNvSpPr txBox="1"/>
+          <p:nvPr/>
+        </p:nvSpPr>
+        <p:spPr>
+          <a:xfrm>
+            <a:off x="4224020" y="2950210"/>
+            <a:ext cx="415925" cy="153670"/>
+          </a:xfrm>
+          <a:prstGeom prst="rect">
+            <a:avLst/>
+          </a:prstGeom>
+          <a:noFill/>
+          <a:ln w="12700" cap="flat">
+            <a:noFill/>
+            <a:miter lim="400000"/>
+          </a:ln>
+        </p:spPr>
+        <p:style>
+          <a:lnRef idx="0">
+            <a:srgbClr val="FFFFFF"/>
+          </a:lnRef>
+          <a:fillRef idx="0">
+            <a:srgbClr val="FFFFFF"/>
+          </a:fillRef>
+          <a:effectRef idx="0">
+            <a:srgbClr val="FFFFFF"/>
+          </a:effectRef>
+          <a:fontRef idx="none"/>
+        </p:style>
+        <p:txBody>
+          <a:bodyPr rot="0" vertOverflow="overflow" horzOverflow="overflow" vert="horz" wrap="none" lIns="0" tIns="0" rIns="0" bIns="0" numCol="1" spcCol="38100" rtlCol="0" anchor="t" forceAA="0" upright="0">
+            <a:spAutoFit/>
+          </a:bodyPr>
+          <a:p>
+            <a:pPr marL="0" marR="0" indent="0" algn="l" defTabSz="914400" rtl="0" fontAlgn="auto" latinLnBrk="0" hangingPunct="0">
+              <a:lnSpc>
+                <a:spcPct val="100000"/>
+              </a:lnSpc>
+              <a:spcBef>
+                <a:spcPts val="0"/>
+              </a:spcBef>
+              <a:spcAft>
+                <a:spcPts val="0"/>
+              </a:spcAft>
+              <a:buClrTx/>
+              <a:buSzTx/>
+              <a:buFontTx/>
+              <a:buNone/>
+            </a:pPr>
+            <a:r>
+              <a:rPr kumimoji="0" lang="en-US" altLang="en-US" sz="1000" b="0" i="0" u="none" strike="noStrike" cap="none" spc="0" normalizeH="0" baseline="0">
+                <a:ln>
+                  <a:noFill/>
+                </a:ln>
+                <a:solidFill>
+                  <a:srgbClr val="000000"/>
+                </a:solidFill>
+                <a:effectLst/>
+                <a:uFillTx/>
+                <a:latin typeface="Arial" panose="020B0604020202020204"/>
+                <a:ea typeface="Arial" panose="020B0604020202020204"/>
+                <a:cs typeface="Arial" panose="020B0604020202020204"/>
+                <a:sym typeface="Arial" panose="020B0604020202020204"/>
+              </a:rPr>
+              <a:t>Block </a:t>
+            </a:r>
+            <a:r>
+              <a:rPr kumimoji="0" lang="" altLang="en-US" sz="1000" b="0" i="0" u="none" strike="noStrike" cap="none" spc="0" normalizeH="0" baseline="0">
+                <a:ln>
+                  <a:noFill/>
+                </a:ln>
+                <a:solidFill>
+                  <a:srgbClr val="000000"/>
+                </a:solidFill>
+                <a:effectLst/>
+                <a:uFillTx/>
+                <a:latin typeface="Arial" panose="020B0604020202020204"/>
+                <a:ea typeface="Arial" panose="020B0604020202020204"/>
+                <a:cs typeface="Arial" panose="020B0604020202020204"/>
+                <a:sym typeface="Arial" panose="020B0604020202020204"/>
+              </a:rPr>
+              <a:t>2</a:t>
+            </a:r>
+            <a:endParaRPr kumimoji="0" lang="" altLang="en-US" sz="1000" b="0" i="0" u="none" strike="noStrike" cap="none" spc="0" normalizeH="0" baseline="0">
+              <a:ln>
+                <a:noFill/>
+              </a:ln>
+              <a:solidFill>
+                <a:srgbClr val="000000"/>
+              </a:solidFill>
+              <a:effectLst/>
+              <a:uFillTx/>
+              <a:latin typeface="Arial" panose="020B0604020202020204"/>
+              <a:ea typeface="Arial" panose="020B0604020202020204"/>
+              <a:cs typeface="Arial" panose="020B0604020202020204"/>
+              <a:sym typeface="Arial" panose="020B0604020202020204"/>
+            </a:endParaRPr>
+          </a:p>
+        </p:txBody>
+      </p:sp>
+      <p:sp>
+        <p:nvSpPr>
+          <p:cNvPr id="56" name="Text Box 55"/>
+          <p:cNvSpPr txBox="1"/>
+          <p:nvPr/>
+        </p:nvSpPr>
+        <p:spPr>
+          <a:xfrm>
+            <a:off x="761365" y="2263775"/>
+            <a:ext cx="940435" cy="184150"/>
+          </a:xfrm>
+          <a:prstGeom prst="rect">
+            <a:avLst/>
+          </a:prstGeom>
+          <a:noFill/>
+          <a:ln w="12700" cap="flat">
+            <a:noFill/>
+            <a:miter lim="400000"/>
+          </a:ln>
+        </p:spPr>
+        <p:style>
+          <a:lnRef idx="0">
+            <a:srgbClr val="FFFFFF"/>
+          </a:lnRef>
+          <a:fillRef idx="0">
+            <a:srgbClr val="FFFFFF"/>
+          </a:fillRef>
+          <a:effectRef idx="0">
+            <a:srgbClr val="FFFFFF"/>
+          </a:effectRef>
+          <a:fontRef idx="none"/>
+        </p:style>
+        <p:txBody>
+          <a:bodyPr rot="0" vertOverflow="overflow" horzOverflow="overflow" vert="horz" wrap="none" lIns="0" tIns="0" rIns="0" bIns="0" numCol="1" spcCol="38100" rtlCol="0" anchor="t" forceAA="0" upright="0">
+            <a:spAutoFit/>
+          </a:bodyPr>
+          <a:p>
+            <a:pPr marL="0" marR="0" indent="0" algn="l" defTabSz="914400" rtl="0" fontAlgn="auto" latinLnBrk="0" hangingPunct="0">
+              <a:lnSpc>
+                <a:spcPct val="100000"/>
+              </a:lnSpc>
+              <a:spcBef>
+                <a:spcPts val="0"/>
+              </a:spcBef>
+              <a:spcAft>
+                <a:spcPts val="0"/>
+              </a:spcAft>
+              <a:buClrTx/>
+              <a:buSzTx/>
+              <a:buFontTx/>
+              <a:buNone/>
+            </a:pPr>
+            <a:r>
+              <a:rPr kumimoji="0" lang="" altLang="en-US" sz="1200" b="1" i="0" u="none" strike="noStrike" cap="none" spc="0" normalizeH="0" baseline="0">
+                <a:ln>
+                  <a:noFill/>
+                </a:ln>
+                <a:solidFill>
+                  <a:srgbClr val="000000"/>
+                </a:solidFill>
+                <a:effectLst/>
+                <a:uFillTx/>
+                <a:latin typeface="Arial" panose="020B0604020202020204"/>
+                <a:ea typeface="Arial" panose="020B0604020202020204"/>
+                <a:cs typeface="Arial" panose="020B0604020202020204"/>
+                <a:sym typeface="Arial" panose="020B0604020202020204"/>
+              </a:rPr>
+              <a:t>Valid blocks:</a:t>
+            </a:r>
+            <a:endParaRPr kumimoji="0" lang="" altLang="en-US" sz="1200" b="1" i="0" u="none" strike="noStrike" cap="none" spc="0" normalizeH="0" baseline="0">
+              <a:ln>
+                <a:noFill/>
+              </a:ln>
+              <a:solidFill>
+                <a:srgbClr val="000000"/>
+              </a:solidFill>
+              <a:effectLst/>
+              <a:uFillTx/>
+              <a:latin typeface="Arial" panose="020B0604020202020204"/>
+              <a:ea typeface="Arial" panose="020B0604020202020204"/>
+              <a:cs typeface="Arial" panose="020B0604020202020204"/>
+              <a:sym typeface="Arial" panose="020B0604020202020204"/>
+            </a:endParaRPr>
           </a:p>
         </p:txBody>
       </p:sp>
@@ -20362,7 +25399,7 @@
       <p:sp>
         <p:nvSpPr>
           <p:cNvPr id="153" name="Text Box 43"/>
-          <p:cNvSpPr txBox="true"/>
+          <p:cNvSpPr txBox="1"/>
           <p:nvPr/>
         </p:nvSpPr>
         <p:spPr>
@@ -20396,7 +25433,7 @@
       <p:sp>
         <p:nvSpPr>
           <p:cNvPr id="154" name="Text Box 17"/>
-          <p:cNvSpPr txBox="true"/>
+          <p:cNvSpPr txBox="1"/>
           <p:nvPr/>
         </p:nvSpPr>
         <p:spPr>
@@ -20435,7 +25472,7 @@
       <p:sp>
         <p:nvSpPr>
           <p:cNvPr id="155" name="Text Box 18"/>
-          <p:cNvSpPr txBox="true"/>
+          <p:cNvSpPr txBox="1"/>
           <p:nvPr/>
         </p:nvSpPr>
         <p:spPr>
@@ -20516,7 +25553,7 @@
           <p:nvPr/>
         </p:nvSpPr>
         <p:spPr>
-          <a:xfrm flipV="true">
+          <a:xfrm flipV="1">
             <a:off x="2821304" y="2410460"/>
             <a:ext cx="170816" cy="225426"/>
           </a:xfrm>
@@ -20568,7 +25605,7 @@
       <p:sp>
         <p:nvSpPr>
           <p:cNvPr id="159" name="Text Box 45"/>
-          <p:cNvSpPr txBox="true"/>
+          <p:cNvSpPr txBox="1"/>
           <p:nvPr/>
         </p:nvSpPr>
         <p:spPr>
@@ -20602,7 +25639,7 @@
       <p:sp>
         <p:nvSpPr>
           <p:cNvPr id="160" name="Text Box 46"/>
-          <p:cNvSpPr txBox="true"/>
+          <p:cNvSpPr txBox="1"/>
           <p:nvPr/>
         </p:nvSpPr>
         <p:spPr>
@@ -20641,7 +25678,7 @@
       <p:sp>
         <p:nvSpPr>
           <p:cNvPr id="161" name="Text Box 48"/>
-          <p:cNvSpPr txBox="true"/>
+          <p:cNvSpPr txBox="1"/>
           <p:nvPr/>
         </p:nvSpPr>
         <p:spPr>
@@ -20680,7 +25717,7 @@
       <p:sp>
         <p:nvSpPr>
           <p:cNvPr id="162" name="Text Box 49"/>
-          <p:cNvSpPr txBox="true"/>
+          <p:cNvSpPr txBox="1"/>
           <p:nvPr/>
         </p:nvSpPr>
         <p:spPr>
@@ -20747,7 +25784,7 @@
       <p:sp>
         <p:nvSpPr>
           <p:cNvPr id="164" name="Text Box 51"/>
-          <p:cNvSpPr txBox="true"/>
+          <p:cNvSpPr txBox="1"/>
           <p:nvPr/>
         </p:nvSpPr>
         <p:spPr>
@@ -20781,7 +25818,7 @@
       <p:sp>
         <p:nvSpPr>
           <p:cNvPr id="165" name="Text Box 52"/>
-          <p:cNvSpPr txBox="true"/>
+          <p:cNvSpPr txBox="1"/>
           <p:nvPr/>
         </p:nvSpPr>
         <p:spPr>
@@ -20869,7 +25906,7 @@
             </a:cxnLst>
             <a:rect l="0" t="0" r="r" b="b"/>
             <a:pathLst>
-              <a:path w="21600" h="21600" extrusionOk="false">
+              <a:path w="21600" h="21600" extrusionOk="0">
                 <a:moveTo>
                   <a:pt x="0" y="0"/>
                 </a:moveTo>
@@ -20957,7 +25994,7 @@
       <p:sp>
         <p:nvSpPr>
           <p:cNvPr id="169" name="Text Box 3"/>
-          <p:cNvSpPr txBox="true"/>
+          <p:cNvSpPr txBox="1"/>
           <p:nvPr/>
         </p:nvSpPr>
         <p:spPr>
@@ -20995,7 +26032,7 @@
       <p:sp>
         <p:nvSpPr>
           <p:cNvPr id="170" name="Text Box 4"/>
-          <p:cNvSpPr txBox="true"/>
+          <p:cNvSpPr txBox="1"/>
           <p:nvPr/>
         </p:nvSpPr>
         <p:spPr>
@@ -21029,7 +26066,7 @@
       <p:sp>
         <p:nvSpPr>
           <p:cNvPr id="171" name="Text Box 12"/>
-          <p:cNvSpPr txBox="true"/>
+          <p:cNvSpPr txBox="1"/>
           <p:nvPr/>
         </p:nvSpPr>
         <p:spPr>
@@ -21078,7 +26115,7 @@
       <p:sp>
         <p:nvSpPr>
           <p:cNvPr id="172" name="Text Box 20"/>
-          <p:cNvSpPr txBox="true"/>
+          <p:cNvSpPr txBox="1"/>
           <p:nvPr/>
         </p:nvSpPr>
         <p:spPr>
@@ -21120,7 +26157,7 @@
           <p:nvPr/>
         </p:nvSpPr>
         <p:spPr>
-          <a:xfrm flipV="true">
+          <a:xfrm flipV="1">
             <a:off x="3300729" y="3284854"/>
             <a:ext cx="211456" cy="454661"/>
           </a:xfrm>
@@ -21148,7 +26185,7 @@
           <p:nvPr/>
         </p:nvSpPr>
         <p:spPr>
-          <a:xfrm flipH="true" flipV="true">
+          <a:xfrm flipH="1" flipV="1">
             <a:off x="4282440" y="3384549"/>
             <a:ext cx="202566" cy="324486"/>
           </a:xfrm>
@@ -21207,7 +26244,7 @@
       <p:sp>
         <p:nvSpPr>
           <p:cNvPr id="176" name="Text Box 24"/>
-          <p:cNvSpPr txBox="true"/>
+          <p:cNvSpPr txBox="1"/>
           <p:nvPr/>
         </p:nvSpPr>
         <p:spPr>
@@ -21299,7 +26336,7 @@
             </a:cxnLst>
             <a:rect l="0" t="0" r="r" b="b"/>
             <a:pathLst>
-              <a:path w="21600" h="21600" extrusionOk="false">
+              <a:path w="21600" h="21600" extrusionOk="0">
                 <a:moveTo>
                   <a:pt x="0" y="0"/>
                 </a:moveTo>
@@ -21349,7 +26386,7 @@
       <p:sp>
         <p:nvSpPr>
           <p:cNvPr id="179" name="Text Box 3"/>
-          <p:cNvSpPr txBox="true"/>
+          <p:cNvSpPr txBox="1"/>
           <p:nvPr/>
         </p:nvSpPr>
         <p:spPr>
@@ -21387,7 +26424,7 @@
       <p:sp>
         <p:nvSpPr>
           <p:cNvPr id="180" name="Text Box 12"/>
-          <p:cNvSpPr txBox="true"/>
+          <p:cNvSpPr txBox="1"/>
           <p:nvPr/>
         </p:nvSpPr>
         <p:spPr>
@@ -21499,7 +26536,7 @@
             </a:cxnLst>
             <a:rect l="0" t="0" r="r" b="b"/>
             <a:pathLst>
-              <a:path w="21600" h="21600" extrusionOk="false">
+              <a:path w="21600" h="21600" extrusionOk="0">
                 <a:moveTo>
                   <a:pt x="0" y="0"/>
                 </a:moveTo>
@@ -21585,7 +26622,7 @@
       <p:sp>
         <p:nvSpPr>
           <p:cNvPr id="184" name="Text Box 7"/>
-          <p:cNvSpPr txBox="true"/>
+          <p:cNvSpPr txBox="1"/>
           <p:nvPr/>
         </p:nvSpPr>
         <p:spPr>
@@ -21623,7 +26660,7 @@
       <p:sp>
         <p:nvSpPr>
           <p:cNvPr id="185" name="Text Box 9"/>
-          <p:cNvSpPr txBox="true"/>
+          <p:cNvSpPr txBox="1"/>
           <p:nvPr/>
         </p:nvSpPr>
         <p:spPr>
@@ -21745,7 +26782,7 @@
       <p:sp>
         <p:nvSpPr>
           <p:cNvPr id="188" name="Text Box 17"/>
-          <p:cNvSpPr txBox="true"/>
+          <p:cNvSpPr txBox="1"/>
           <p:nvPr/>
         </p:nvSpPr>
         <p:spPr>
@@ -21819,7 +26856,7 @@
           <p:nvPr/>
         </p:nvSpPr>
         <p:spPr>
-          <a:xfrm flipH="true">
+          <a:xfrm flipH="1">
             <a:off x="5046979" y="3255009"/>
             <a:ext cx="969012" cy="822961"/>
           </a:xfrm>
@@ -21925,7 +26962,7 @@
             </a:cxnLst>
             <a:rect l="0" t="0" r="r" b="b"/>
             <a:pathLst>
-              <a:path w="21600" h="21600" extrusionOk="false">
+              <a:path w="21600" h="21600" extrusionOk="0">
                 <a:moveTo>
                   <a:pt x="0" y="0"/>
                 </a:moveTo>
@@ -21975,7 +27012,7 @@
       <p:sp>
         <p:nvSpPr>
           <p:cNvPr id="194" name="Text Box 3"/>
-          <p:cNvSpPr txBox="true"/>
+          <p:cNvSpPr txBox="1"/>
           <p:nvPr/>
         </p:nvSpPr>
         <p:spPr>
@@ -22013,7 +27050,7 @@
       <p:sp>
         <p:nvSpPr>
           <p:cNvPr id="195" name="Text Box 12"/>
-          <p:cNvSpPr txBox="true"/>
+          <p:cNvSpPr txBox="1"/>
           <p:nvPr/>
         </p:nvSpPr>
         <p:spPr>
@@ -22125,7 +27162,7 @@
             </a:cxnLst>
             <a:rect l="0" t="0" r="r" b="b"/>
             <a:pathLst>
-              <a:path w="21600" h="21600" extrusionOk="false">
+              <a:path w="21600" h="21600" extrusionOk="0">
                 <a:moveTo>
                   <a:pt x="0" y="0"/>
                 </a:moveTo>
@@ -22211,7 +27248,7 @@
       <p:sp>
         <p:nvSpPr>
           <p:cNvPr id="199" name="Text Box 7"/>
-          <p:cNvSpPr txBox="true"/>
+          <p:cNvSpPr txBox="1"/>
           <p:nvPr/>
         </p:nvSpPr>
         <p:spPr>
@@ -22249,7 +27286,7 @@
       <p:sp>
         <p:nvSpPr>
           <p:cNvPr id="200" name="Text Box 9"/>
-          <p:cNvSpPr txBox="true"/>
+          <p:cNvSpPr txBox="1"/>
           <p:nvPr/>
         </p:nvSpPr>
         <p:spPr>
@@ -22371,7 +27408,7 @@
       <p:sp>
         <p:nvSpPr>
           <p:cNvPr id="203" name="Text Box 17"/>
-          <p:cNvSpPr txBox="true"/>
+          <p:cNvSpPr txBox="1"/>
           <p:nvPr/>
         </p:nvSpPr>
         <p:spPr>
@@ -22445,7 +27482,7 @@
           <p:nvPr/>
         </p:nvSpPr>
         <p:spPr>
-          <a:xfrm flipH="true">
+          <a:xfrm flipH="1">
             <a:off x="5046979" y="3255009"/>
             <a:ext cx="969012" cy="822961"/>
           </a:xfrm>
@@ -22525,7 +27562,7 @@
             </a:cxnLst>
             <a:rect l="0" t="0" r="r" b="b"/>
             <a:pathLst>
-              <a:path w="21600" h="21600" extrusionOk="false">
+              <a:path w="21600" h="21600" extrusionOk="0">
                 <a:moveTo>
                   <a:pt x="0" y="0"/>
                 </a:moveTo>
@@ -22575,7 +27612,7 @@
       <p:sp>
         <p:nvSpPr>
           <p:cNvPr id="208" name="Text Box 8"/>
-          <p:cNvSpPr txBox="true"/>
+          <p:cNvSpPr txBox="1"/>
           <p:nvPr/>
         </p:nvSpPr>
         <p:spPr>
@@ -22613,7 +27650,7 @@
       <p:sp>
         <p:nvSpPr>
           <p:cNvPr id="209" name="Text Box 11"/>
-          <p:cNvSpPr txBox="true"/>
+          <p:cNvSpPr txBox="1"/>
           <p:nvPr/>
         </p:nvSpPr>
         <p:spPr>
@@ -22735,7 +27772,7 @@
       <p:sp>
         <p:nvSpPr>
           <p:cNvPr id="212" name="Text Box 15"/>
-          <p:cNvSpPr txBox="true"/>
+          <p:cNvSpPr txBox="1"/>
           <p:nvPr/>
         </p:nvSpPr>
         <p:spPr>
@@ -22810,7 +27847,7 @@
       <p:sp>
         <p:nvSpPr>
           <p:cNvPr id="214" name="Text Box 21"/>
-          <p:cNvSpPr txBox="true"/>
+          <p:cNvSpPr txBox="1"/>
           <p:nvPr/>
         </p:nvSpPr>
         <p:spPr>
@@ -22966,7 +28003,7 @@
       <p:sp>
         <p:nvSpPr>
           <p:cNvPr id="219" name="Text Box 17"/>
-          <p:cNvSpPr txBox="true"/>
+          <p:cNvSpPr txBox="1"/>
           <p:nvPr/>
         </p:nvSpPr>
         <p:spPr>
@@ -23005,7 +28042,7 @@
       <p:sp>
         <p:nvSpPr>
           <p:cNvPr id="220" name="Text Box 18"/>
-          <p:cNvSpPr txBox="true"/>
+          <p:cNvSpPr txBox="1"/>
           <p:nvPr/>
         </p:nvSpPr>
         <p:spPr>
@@ -23044,7 +28081,7 @@
       <p:sp>
         <p:nvSpPr>
           <p:cNvPr id="221" name="Text Box 5"/>
-          <p:cNvSpPr txBox="true"/>
+          <p:cNvSpPr txBox="1"/>
           <p:nvPr/>
         </p:nvSpPr>
         <p:spPr>
@@ -23086,7 +28123,7 @@
           <p:nvPr/>
         </p:nvSpPr>
         <p:spPr>
-          <a:xfrm flipH="true">
+          <a:xfrm flipH="1">
             <a:off x="4762499" y="2430145"/>
             <a:ext cx="125096" cy="161291"/>
           </a:xfrm>
@@ -23114,7 +28151,7 @@
           <p:nvPr/>
         </p:nvSpPr>
         <p:spPr>
-          <a:xfrm flipH="true">
+          <a:xfrm flipH="1">
             <a:off x="4000499" y="2409190"/>
             <a:ext cx="795021" cy="182245"/>
           </a:xfrm>
@@ -23138,7 +28175,7 @@
       <p:sp>
         <p:nvSpPr>
           <p:cNvPr id="224" name="Text Box 9"/>
-          <p:cNvSpPr txBox="true"/>
+          <p:cNvSpPr txBox="1"/>
           <p:nvPr/>
         </p:nvSpPr>
         <p:spPr>
@@ -23180,7 +28217,7 @@
           <p:nvPr/>
         </p:nvSpPr>
         <p:spPr>
-          <a:xfrm flipV="true">
+          <a:xfrm flipV="1">
             <a:off x="3798570" y="2802889"/>
             <a:ext cx="241301" cy="288926"/>
           </a:xfrm>
@@ -23208,7 +28245,7 @@
           <p:nvPr/>
         </p:nvSpPr>
         <p:spPr>
-          <a:xfrm flipV="true">
+          <a:xfrm flipV="1">
             <a:off x="3922395" y="2802889"/>
             <a:ext cx="711201" cy="336551"/>
           </a:xfrm>
@@ -23316,7 +28353,7 @@
               </a:cxnLst>
               <a:rect l="0" t="0" r="r" b="b"/>
               <a:pathLst>
-                <a:path w="21600" h="21600" extrusionOk="false">
+                <a:path w="21600" h="21600" extrusionOk="0">
                   <a:moveTo>
                     <a:pt x="0" y="0"/>
                   </a:moveTo>
@@ -23362,7 +28399,7 @@
       <p:sp>
         <p:nvSpPr>
           <p:cNvPr id="230" name="Text Box 14"/>
-          <p:cNvSpPr txBox="true"/>
+          <p:cNvSpPr txBox="1"/>
           <p:nvPr/>
         </p:nvSpPr>
         <p:spPr>
@@ -23419,7 +28456,7 @@
       <p:sp>
         <p:nvSpPr>
           <p:cNvPr id="231" name="Text Box 16"/>
-          <p:cNvSpPr txBox="true"/>
+          <p:cNvSpPr txBox="1"/>
           <p:nvPr/>
         </p:nvSpPr>
         <p:spPr>
@@ -23457,7 +28494,7 @@
       <p:sp>
         <p:nvSpPr>
           <p:cNvPr id="232" name="Text Box 19"/>
-          <p:cNvSpPr txBox="true"/>
+          <p:cNvSpPr txBox="1"/>
           <p:nvPr/>
         </p:nvSpPr>
         <p:spPr>
@@ -23648,7 +28685,7 @@
       <p:sp>
         <p:nvSpPr>
           <p:cNvPr id="238" name="Text Box 26"/>
-          <p:cNvSpPr txBox="true"/>
+          <p:cNvSpPr txBox="1"/>
           <p:nvPr/>
         </p:nvSpPr>
         <p:spPr>
@@ -23682,7 +28719,7 @@
       <p:sp>
         <p:nvSpPr>
           <p:cNvPr id="239" name="Text Box 9"/>
-          <p:cNvSpPr txBox="true"/>
+          <p:cNvSpPr txBox="1"/>
           <p:nvPr/>
         </p:nvSpPr>
         <p:spPr>
@@ -23721,7 +28758,7 @@
       <p:sp>
         <p:nvSpPr>
           <p:cNvPr id="240" name="Text Box 10"/>
-          <p:cNvSpPr txBox="true"/>
+          <p:cNvSpPr txBox="1"/>
           <p:nvPr/>
         </p:nvSpPr>
         <p:spPr>
@@ -23829,7 +28866,7 @@
       <p:sp>
         <p:nvSpPr>
           <p:cNvPr id="243" name="Text Box 27"/>
-          <p:cNvSpPr txBox="true"/>
+          <p:cNvSpPr txBox="1"/>
           <p:nvPr/>
         </p:nvSpPr>
         <p:spPr>
@@ -23863,7 +28900,7 @@
       <p:sp>
         <p:nvSpPr>
           <p:cNvPr id="244" name="Text Box 2"/>
-          <p:cNvSpPr txBox="true"/>
+          <p:cNvSpPr txBox="1"/>
           <p:nvPr/>
         </p:nvSpPr>
         <p:spPr>
@@ -23961,7 +28998,7 @@
             </a:cxnLst>
             <a:rect l="0" t="0" r="r" b="b"/>
             <a:pathLst>
-              <a:path w="21600" h="21600" extrusionOk="false">
+              <a:path w="21600" h="21600" extrusionOk="0">
                 <a:moveTo>
                   <a:pt x="0" y="10800"/>
                 </a:moveTo>
@@ -24168,7 +29205,7 @@
       <p:sp>
         <p:nvSpPr>
           <p:cNvPr id="251" name="Text Box 16"/>
-          <p:cNvSpPr txBox="true"/>
+          <p:cNvSpPr txBox="1"/>
           <p:nvPr/>
         </p:nvSpPr>
         <p:spPr>
@@ -24271,7 +29308,7 @@
       <p:sp>
         <p:nvSpPr>
           <p:cNvPr id="254" name="Text Box 23"/>
-          <p:cNvSpPr txBox="true"/>
+          <p:cNvSpPr txBox="1"/>
           <p:nvPr/>
         </p:nvSpPr>
         <p:spPr>
@@ -24336,7 +29373,7 @@
       <p:sp>
         <p:nvSpPr>
           <p:cNvPr id="256" name="Text Box 32"/>
-          <p:cNvSpPr txBox="true"/>
+          <p:cNvSpPr txBox="1"/>
           <p:nvPr/>
         </p:nvSpPr>
         <p:spPr>
@@ -24375,7 +29412,7 @@
       <p:sp>
         <p:nvSpPr>
           <p:cNvPr id="257" name="Text Box 33"/>
-          <p:cNvSpPr txBox="true"/>
+          <p:cNvSpPr txBox="1"/>
           <p:nvPr/>
         </p:nvSpPr>
         <p:spPr>
@@ -24414,7 +29451,7 @@
       <p:sp>
         <p:nvSpPr>
           <p:cNvPr id="258" name="Text Box 34"/>
-          <p:cNvSpPr txBox="true"/>
+          <p:cNvSpPr txBox="1"/>
           <p:nvPr/>
         </p:nvSpPr>
         <p:spPr>
@@ -24453,7 +29490,7 @@
       <p:sp>
         <p:nvSpPr>
           <p:cNvPr id="259" name="Text Box 35"/>
-          <p:cNvSpPr txBox="true"/>
+          <p:cNvSpPr txBox="1"/>
           <p:nvPr/>
         </p:nvSpPr>
         <p:spPr>
@@ -24487,7 +29524,7 @@
       <p:sp>
         <p:nvSpPr>
           <p:cNvPr id="260" name="Text Box 36"/>
-          <p:cNvSpPr txBox="true"/>
+          <p:cNvSpPr txBox="1"/>
           <p:nvPr/>
         </p:nvSpPr>
         <p:spPr>
@@ -24616,7 +29653,7 @@
           <p:nvPr/>
         </p:nvSpPr>
         <p:spPr>
-          <a:xfrm flipH="true">
+          <a:xfrm flipH="1">
             <a:off x="2680970" y="2468879"/>
             <a:ext cx="1271" cy="190501"/>
           </a:xfrm>
@@ -24639,7 +29676,7 @@
       <p:sp>
         <p:nvSpPr>
           <p:cNvPr id="265" name="Text Box 45"/>
-          <p:cNvSpPr txBox="true"/>
+          <p:cNvSpPr txBox="1"/>
           <p:nvPr/>
         </p:nvSpPr>
         <p:spPr>
@@ -24682,7 +29719,7 @@
       <p:sp>
         <p:nvSpPr>
           <p:cNvPr id="266" name="Text Box 5"/>
-          <p:cNvSpPr txBox="true"/>
+          <p:cNvSpPr txBox="1"/>
           <p:nvPr/>
         </p:nvSpPr>
         <p:spPr>
@@ -24753,7 +29790,7 @@
             </a:cxnLst>
             <a:rect l="0" t="0" r="r" b="b"/>
             <a:pathLst>
-              <a:path w="21600" h="21600" extrusionOk="false">
+              <a:path w="21600" h="21600" extrusionOk="0">
                 <a:moveTo>
                   <a:pt x="0" y="10800"/>
                 </a:moveTo>
@@ -24801,7 +29838,7 @@
           <p:nvPr/>
         </p:nvSpPr>
         <p:spPr>
-          <a:xfrm flipH="true" flipV="true">
+          <a:xfrm flipH="1" flipV="1">
             <a:off x="2471420" y="2762250"/>
             <a:ext cx="104776" cy="1271"/>
           </a:xfrm>
@@ -24859,7 +29896,7 @@
           <p:nvPr/>
         </p:nvSpPr>
         <p:spPr>
-          <a:xfrm flipH="true" flipV="true">
+          <a:xfrm flipH="1" flipV="1">
             <a:off x="2787014" y="2760979"/>
             <a:ext cx="104776" cy="1271"/>
           </a:xfrm>
@@ -24886,7 +29923,7 @@
           <p:nvPr/>
         </p:nvSpPr>
         <p:spPr>
-          <a:xfrm flipH="true" flipV="true">
+          <a:xfrm flipH="1" flipV="1">
             <a:off x="2981324" y="2759710"/>
             <a:ext cx="104776" cy="1271"/>
           </a:xfrm>
@@ -24944,7 +29981,7 @@
           <p:nvPr/>
         </p:nvSpPr>
         <p:spPr>
-          <a:xfrm flipH="true" flipV="true">
+          <a:xfrm flipH="1" flipV="1">
             <a:off x="3223895" y="2762250"/>
             <a:ext cx="104776" cy="1271"/>
           </a:xfrm>
@@ -25009,7 +30046,7 @@
           <p:nvPr/>
         </p:nvSpPr>
         <p:spPr>
-          <a:xfrm flipH="true">
+          <a:xfrm flipH="1">
             <a:off x="3631565" y="2468879"/>
             <a:ext cx="1271" cy="190501"/>
           </a:xfrm>
@@ -25036,7 +30073,7 @@
           <p:nvPr/>
         </p:nvSpPr>
         <p:spPr>
-          <a:xfrm flipH="true" flipV="true">
+          <a:xfrm flipH="1" flipV="1">
             <a:off x="3422015" y="2762250"/>
             <a:ext cx="104776" cy="1271"/>
           </a:xfrm>
@@ -25059,7 +30096,7 @@
       <p:sp>
         <p:nvSpPr>
           <p:cNvPr id="277" name="Text Box 71"/>
-          <p:cNvSpPr txBox="true"/>
+          <p:cNvSpPr txBox="1"/>
           <p:nvPr/>
         </p:nvSpPr>
         <p:spPr>
@@ -25102,7 +30139,7 @@
       <p:sp>
         <p:nvSpPr>
           <p:cNvPr id="278" name="Text Box 77"/>
-          <p:cNvSpPr txBox="true"/>
+          <p:cNvSpPr txBox="1"/>
           <p:nvPr/>
         </p:nvSpPr>
         <p:spPr>
@@ -25173,7 +30210,7 @@
             </a:cxnLst>
             <a:rect l="0" t="0" r="r" b="b"/>
             <a:pathLst>
-              <a:path w="21600" h="21600" extrusionOk="false">
+              <a:path w="21600" h="21600" extrusionOk="0">
                 <a:moveTo>
                   <a:pt x="0" y="10800"/>
                 </a:moveTo>
@@ -25252,7 +30289,7 @@
           <p:nvPr/>
         </p:nvSpPr>
         <p:spPr>
-          <a:xfrm flipH="true" flipV="true">
+          <a:xfrm flipH="1" flipV="1">
             <a:off x="3738245" y="2762885"/>
             <a:ext cx="104776" cy="1271"/>
           </a:xfrm>
@@ -25279,7 +30316,7 @@
           <p:nvPr/>
         </p:nvSpPr>
         <p:spPr>
-          <a:xfrm flipH="true" flipV="true">
+          <a:xfrm flipH="1" flipV="1">
             <a:off x="3932554" y="2761615"/>
             <a:ext cx="104776" cy="1270"/>
           </a:xfrm>
@@ -25306,7 +30343,7 @@
           <p:nvPr/>
         </p:nvSpPr>
         <p:spPr>
-          <a:xfrm flipH="true" flipV="true">
+          <a:xfrm flipH="1" flipV="1">
             <a:off x="4175124" y="2764154"/>
             <a:ext cx="104776" cy="1271"/>
           </a:xfrm>
@@ -25371,7 +30408,7 @@
           <p:nvPr/>
         </p:nvSpPr>
         <p:spPr>
-          <a:xfrm flipH="true">
+          <a:xfrm flipH="1">
             <a:off x="4582795" y="2468879"/>
             <a:ext cx="1271" cy="190501"/>
           </a:xfrm>
@@ -25397,7 +30434,7 @@
       <p:sp>
         <p:nvSpPr>
           <p:cNvPr id="286" name="Text Box 87"/>
-          <p:cNvSpPr txBox="true"/>
+          <p:cNvSpPr txBox="1"/>
           <p:nvPr/>
         </p:nvSpPr>
         <p:spPr>
@@ -25443,7 +30480,7 @@
       <p:sp>
         <p:nvSpPr>
           <p:cNvPr id="287" name="Text Box 88"/>
-          <p:cNvSpPr txBox="true"/>
+          <p:cNvSpPr txBox="1"/>
           <p:nvPr/>
         </p:nvSpPr>
         <p:spPr>
@@ -25517,7 +30554,7 @@
             </a:cxnLst>
             <a:rect l="0" t="0" r="r" b="b"/>
             <a:pathLst>
-              <a:path w="21600" h="21600" extrusionOk="false">
+              <a:path w="21600" h="21600" extrusionOk="0">
                 <a:moveTo>
                   <a:pt x="0" y="10800"/>
                 </a:moveTo>
@@ -25565,7 +30602,7 @@
           <p:nvPr/>
         </p:nvSpPr>
         <p:spPr>
-          <a:xfrm flipH="true" flipV="true">
+          <a:xfrm flipH="1" flipV="1">
             <a:off x="4373245" y="2762250"/>
             <a:ext cx="104776" cy="1271"/>
           </a:xfrm>
@@ -25623,7 +30660,7 @@
           <p:nvPr/>
         </p:nvSpPr>
         <p:spPr>
-          <a:xfrm flipH="true" flipV="true">
+          <a:xfrm flipH="1" flipV="1">
             <a:off x="4688840" y="2760979"/>
             <a:ext cx="104776" cy="1271"/>
           </a:xfrm>
@@ -25650,7 +30687,7 @@
           <p:nvPr/>
         </p:nvSpPr>
         <p:spPr>
-          <a:xfrm flipH="true" flipV="true">
+          <a:xfrm flipH="1" flipV="1">
             <a:off x="4883149" y="2759710"/>
             <a:ext cx="104776" cy="1271"/>
           </a:xfrm>
@@ -25677,7 +30714,7 @@
           <p:nvPr/>
         </p:nvSpPr>
         <p:spPr>
-          <a:xfrm flipV="true">
+          <a:xfrm flipV="1">
             <a:off x="5298440" y="2764154"/>
             <a:ext cx="161926" cy="1271"/>
           </a:xfrm>
@@ -25708,7 +30745,7 @@
           <p:nvPr/>
         </p:nvSpPr>
         <p:spPr>
-          <a:xfrm flipH="true" flipV="true">
+          <a:xfrm flipH="1" flipV="1">
             <a:off x="5125720" y="2762250"/>
             <a:ext cx="104776" cy="1271"/>
           </a:xfrm>
@@ -25804,7 +30841,7 @@
           <p:nvPr/>
         </p:nvSpPr>
         <p:spPr>
-          <a:xfrm flipH="true">
+          <a:xfrm flipH="1">
             <a:off x="1725295" y="2468879"/>
             <a:ext cx="1271" cy="190501"/>
           </a:xfrm>
@@ -25830,7 +30867,7 @@
       <p:sp>
         <p:nvSpPr>
           <p:cNvPr id="298" name="Text Box 128"/>
-          <p:cNvSpPr txBox="true"/>
+          <p:cNvSpPr txBox="1"/>
           <p:nvPr/>
         </p:nvSpPr>
         <p:spPr>
@@ -25876,7 +30913,7 @@
       <p:sp>
         <p:nvSpPr>
           <p:cNvPr id="299" name="Text Box 129"/>
-          <p:cNvSpPr txBox="true"/>
+          <p:cNvSpPr txBox="1"/>
           <p:nvPr/>
         </p:nvSpPr>
         <p:spPr>
@@ -25950,7 +30987,7 @@
             </a:cxnLst>
             <a:rect l="0" t="0" r="r" b="b"/>
             <a:pathLst>
-              <a:path w="21600" h="21600" extrusionOk="false">
+              <a:path w="21600" h="21600" extrusionOk="0">
                 <a:moveTo>
                   <a:pt x="0" y="10800"/>
                 </a:moveTo>
@@ -25998,7 +31035,7 @@
           <p:nvPr/>
         </p:nvSpPr>
         <p:spPr>
-          <a:xfrm flipH="true" flipV="true">
+          <a:xfrm flipH="1" flipV="1">
             <a:off x="1515744" y="2762250"/>
             <a:ext cx="104776" cy="1271"/>
           </a:xfrm>
@@ -26056,7 +31093,7 @@
           <p:nvPr/>
         </p:nvSpPr>
         <p:spPr>
-          <a:xfrm flipH="true" flipV="true">
+          <a:xfrm flipH="1" flipV="1">
             <a:off x="1831339" y="2760979"/>
             <a:ext cx="104776" cy="1271"/>
           </a:xfrm>
@@ -26083,7 +31120,7 @@
           <p:nvPr/>
         </p:nvSpPr>
         <p:spPr>
-          <a:xfrm flipH="true" flipV="true">
+          <a:xfrm flipH="1" flipV="1">
             <a:off x="2025649" y="2759710"/>
             <a:ext cx="104776" cy="1271"/>
           </a:xfrm>
@@ -26110,7 +31147,7 @@
           <p:nvPr/>
         </p:nvSpPr>
         <p:spPr>
-          <a:xfrm flipH="true" flipV="true">
+          <a:xfrm flipH="1" flipV="1">
             <a:off x="2268220" y="2762250"/>
             <a:ext cx="104776" cy="1271"/>
           </a:xfrm>
@@ -26168,7 +31205,7 @@
           <p:nvPr/>
         </p:nvSpPr>
         <p:spPr>
-          <a:xfrm flipV="true">
+          <a:xfrm flipV="1">
             <a:off x="1285239" y="2761614"/>
             <a:ext cx="161926" cy="1272"/>
           </a:xfrm>
@@ -26295,7 +31332,7 @@
         <a:solidFill>
           <a:schemeClr val="phClr"/>
         </a:solidFill>
-        <a:gradFill rotWithShape="true">
+        <a:gradFill rotWithShape="1">
           <a:gsLst>
             <a:gs pos="0">
               <a:schemeClr val="phClr">
@@ -26316,9 +31353,9 @@
               </a:schemeClr>
             </a:gs>
           </a:gsLst>
-          <a:lin ang="16200000" scaled="true"/>
+          <a:lin ang="16200000" scaled="1"/>
         </a:gradFill>
-        <a:gradFill rotWithShape="true">
+        <a:gradFill rotWithShape="1">
           <a:gsLst>
             <a:gs pos="0">
               <a:schemeClr val="phClr">
@@ -26335,7 +31372,7 @@
               </a:schemeClr>
             </a:gs>
           </a:gsLst>
-          <a:lin ang="16200000" scaled="false"/>
+          <a:lin ang="16200000" scaled="0"/>
         </a:gradFill>
       </a:fillStyleLst>
       <a:lnStyleLst>
@@ -26376,7 +31413,7 @@
         <a:solidFill>
           <a:schemeClr val="phClr"/>
         </a:solidFill>
-        <a:gradFill rotWithShape="true">
+        <a:gradFill rotWithShape="1">
           <a:gsLst>
             <a:gs pos="0">
               <a:schemeClr val="phClr">
@@ -26402,7 +31439,7 @@
             <a:fillToRect l="50000" t="-80000" r="50000" b="180000"/>
           </a:path>
         </a:gradFill>
-        <a:gradFill rotWithShape="true">
+        <a:gradFill rotWithShape="1">
           <a:gsLst>
             <a:gs pos="0">
               <a:schemeClr val="phClr">
@@ -26438,7 +31475,7 @@
           <a:miter lim="800000"/>
         </a:ln>
       </a:spPr>
-      <a:bodyPr rot="0" spcFirstLastPara="1" vertOverflow="overflow" horzOverflow="overflow" vert="horz" wrap="square" lIns="0" tIns="0" rIns="0" bIns="0" numCol="1" spcCol="38100" rtlCol="0" anchor="t" upright="false">
+      <a:bodyPr rot="0" spcFirstLastPara="1" vertOverflow="overflow" horzOverflow="overflow" vert="horz" wrap="square" lIns="0" tIns="0" rIns="0" bIns="0" numCol="1" spcCol="38100" rtlCol="0" anchor="t" upright="0">
         <a:spAutoFit/>
       </a:bodyPr>
       <a:lstStyle>
@@ -26721,7 +31758,7 @@
           <a:miter lim="800000"/>
         </a:ln>
       </a:spPr>
-      <a:bodyPr rot="0" spcFirstLastPara="1" vertOverflow="overflow" horzOverflow="overflow" vert="horz" wrap="square" lIns="91439" tIns="45719" rIns="91439" bIns="45719" numCol="1" spcCol="38100" rtlCol="0" anchor="t" upright="false">
+      <a:bodyPr rot="0" spcFirstLastPara="1" vertOverflow="overflow" horzOverflow="overflow" vert="horz" wrap="square" lIns="91439" tIns="45719" rIns="91439" bIns="45719" numCol="1" spcCol="38100" rtlCol="0" anchor="t" upright="0">
         <a:noAutofit/>
       </a:bodyPr>
       <a:lstStyle>
@@ -26997,7 +32034,7 @@
           <a:miter lim="400000"/>
         </a:ln>
       </a:spPr>
-      <a:bodyPr rot="0" spcFirstLastPara="1" vertOverflow="overflow" horzOverflow="overflow" vert="horz" wrap="square" lIns="0" tIns="0" rIns="0" bIns="0" numCol="1" spcCol="38100" rtlCol="0" anchor="t" upright="false">
+      <a:bodyPr rot="0" spcFirstLastPara="1" vertOverflow="overflow" horzOverflow="overflow" vert="horz" wrap="square" lIns="0" tIns="0" rIns="0" bIns="0" numCol="1" spcCol="38100" rtlCol="0" anchor="t" upright="0">
         <a:spAutoFit/>
       </a:bodyPr>
       <a:lstStyle>
@@ -27336,7 +32373,7 @@
         <a:solidFill>
           <a:schemeClr val="phClr"/>
         </a:solidFill>
-        <a:gradFill rotWithShape="true">
+        <a:gradFill rotWithShape="1">
           <a:gsLst>
             <a:gs pos="0">
               <a:schemeClr val="phClr">
@@ -27357,9 +32394,9 @@
               </a:schemeClr>
             </a:gs>
           </a:gsLst>
-          <a:lin ang="16200000" scaled="true"/>
+          <a:lin ang="16200000" scaled="1"/>
         </a:gradFill>
-        <a:gradFill rotWithShape="true">
+        <a:gradFill rotWithShape="1">
           <a:gsLst>
             <a:gs pos="0">
               <a:schemeClr val="phClr">
@@ -27376,7 +32413,7 @@
               </a:schemeClr>
             </a:gs>
           </a:gsLst>
-          <a:lin ang="16200000" scaled="false"/>
+          <a:lin ang="16200000" scaled="0"/>
         </a:gradFill>
       </a:fillStyleLst>
       <a:lnStyleLst>
@@ -27417,7 +32454,7 @@
         <a:solidFill>
           <a:schemeClr val="phClr"/>
         </a:solidFill>
-        <a:gradFill rotWithShape="true">
+        <a:gradFill rotWithShape="1">
           <a:gsLst>
             <a:gs pos="0">
               <a:schemeClr val="phClr">
@@ -27443,7 +32480,7 @@
             <a:fillToRect l="50000" t="-80000" r="50000" b="180000"/>
           </a:path>
         </a:gradFill>
-        <a:gradFill rotWithShape="true">
+        <a:gradFill rotWithShape="1">
           <a:gsLst>
             <a:gs pos="0">
               <a:schemeClr val="phClr">
@@ -27479,7 +32516,7 @@
           <a:miter lim="800000"/>
         </a:ln>
       </a:spPr>
-      <a:bodyPr rot="0" spcFirstLastPara="1" vertOverflow="overflow" horzOverflow="overflow" vert="horz" wrap="square" lIns="0" tIns="0" rIns="0" bIns="0" numCol="1" spcCol="38100" rtlCol="0" anchor="t" upright="false">
+      <a:bodyPr rot="0" spcFirstLastPara="1" vertOverflow="overflow" horzOverflow="overflow" vert="horz" wrap="square" lIns="0" tIns="0" rIns="0" bIns="0" numCol="1" spcCol="38100" rtlCol="0" anchor="t" upright="0">
         <a:spAutoFit/>
       </a:bodyPr>
       <a:lstStyle>
@@ -27762,7 +32799,7 @@
           <a:miter lim="800000"/>
         </a:ln>
       </a:spPr>
-      <a:bodyPr rot="0" spcFirstLastPara="1" vertOverflow="overflow" horzOverflow="overflow" vert="horz" wrap="square" lIns="91439" tIns="45719" rIns="91439" bIns="45719" numCol="1" spcCol="38100" rtlCol="0" anchor="t" upright="false">
+      <a:bodyPr rot="0" spcFirstLastPara="1" vertOverflow="overflow" horzOverflow="overflow" vert="horz" wrap="square" lIns="91439" tIns="45719" rIns="91439" bIns="45719" numCol="1" spcCol="38100" rtlCol="0" anchor="t" upright="0">
         <a:noAutofit/>
       </a:bodyPr>
       <a:lstStyle>
@@ -28038,7 +33075,7 @@
           <a:miter lim="400000"/>
         </a:ln>
       </a:spPr>
-      <a:bodyPr rot="0" spcFirstLastPara="1" vertOverflow="overflow" horzOverflow="overflow" vert="horz" wrap="square" lIns="0" tIns="0" rIns="0" bIns="0" numCol="1" spcCol="38100" rtlCol="0" anchor="t" upright="false">
+      <a:bodyPr rot="0" spcFirstLastPara="1" vertOverflow="overflow" horzOverflow="overflow" vert="horz" wrap="square" lIns="0" tIns="0" rIns="0" bIns="0" numCol="1" spcCol="38100" rtlCol="0" anchor="t" upright="0">
         <a:spAutoFit/>
       </a:bodyPr>
       <a:lstStyle>

--- a/material/material.pptx
+++ b/material/material.pptx
@@ -9243,8 +9243,8 @@
         </p:nvSpPr>
         <p:spPr>
           <a:xfrm>
-            <a:off x="4173220" y="2345689"/>
-            <a:ext cx="742950" cy="202418"/>
+            <a:off x="4244975" y="2345689"/>
+            <a:ext cx="742950" cy="213995"/>
           </a:xfrm>
           <a:prstGeom prst="rect">
             <a:avLst/>
@@ -9268,8 +9268,10 @@
           </a:lstStyle>
           <a:p>
             <a:r>
-              <a:t>100</a:t>
-            </a:r>
+              <a:rPr lang=""/>
+              <a:t>a</a:t>
+            </a:r>
+            <a:endParaRPr lang=""/>
           </a:p>
         </p:txBody>
       </p:sp>
@@ -9282,7 +9284,7 @@
         <p:spPr>
           <a:xfrm>
             <a:off x="5774690" y="1631314"/>
-            <a:ext cx="742950" cy="202418"/>
+            <a:ext cx="742950" cy="213995"/>
           </a:xfrm>
           <a:prstGeom prst="rect">
             <a:avLst/>
@@ -9306,8 +9308,10 @@
           </a:lstStyle>
           <a:p>
             <a:r>
-              <a:t>101</a:t>
-            </a:r>
+              <a:rPr lang=""/>
+              <a:t>b</a:t>
+            </a:r>
+            <a:endParaRPr lang=""/>
           </a:p>
         </p:txBody>
       </p:sp>
@@ -9319,8 +9323,8 @@
         </p:nvSpPr>
         <p:spPr>
           <a:xfrm>
-            <a:off x="5724525" y="3038475"/>
-            <a:ext cx="742949" cy="202417"/>
+            <a:off x="5734050" y="3048000"/>
+            <a:ext cx="742949" cy="213995"/>
           </a:xfrm>
           <a:prstGeom prst="rect">
             <a:avLst/>
@@ -9344,8 +9348,10 @@
           </a:lstStyle>
           <a:p>
             <a:r>
-              <a:t>102</a:t>
-            </a:r>
+              <a:rPr lang=""/>
+              <a:t>c</a:t>
+            </a:r>
+            <a:endParaRPr lang=""/>
           </a:p>
         </p:txBody>
       </p:sp>
@@ -17019,8 +17025,8 @@
           <a:ln w="50800">
             <a:solidFill>
               <a:schemeClr val="accent1">
-                <a:satOff val="-19087"/>
-                <a:lumOff val="-11917"/>
+                <a:satOff val="-19086"/>
+                <a:lumOff val="-11916"/>
               </a:schemeClr>
             </a:solidFill>
             <a:miter/>
@@ -17050,8 +17056,8 @@
           <a:ln w="50800">
             <a:solidFill>
               <a:schemeClr val="accent1">
-                <a:satOff val="-19087"/>
-                <a:lumOff val="-11917"/>
+                <a:satOff val="-19086"/>
+                <a:lumOff val="-11916"/>
               </a:schemeClr>
             </a:solidFill>
             <a:miter/>
@@ -17372,8 +17378,8 @@
             <a:ln w="38100" cap="rnd">
               <a:solidFill>
                 <a:schemeClr val="accent1">
-                  <a:satOff val="-19087"/>
-                  <a:lumOff val="-11917"/>
+                  <a:satOff val="-19086"/>
+                  <a:lumOff val="-11916"/>
                 </a:schemeClr>
               </a:solidFill>
               <a:custDash>
@@ -17409,15 +17415,15 @@
             </a:prstGeom>
             <a:solidFill>
               <a:schemeClr val="accent1">
-                <a:satOff val="-19087"/>
-                <a:lumOff val="-11917"/>
+                <a:satOff val="-19086"/>
+                <a:lumOff val="-11916"/>
               </a:schemeClr>
             </a:solidFill>
             <a:ln w="12700" cap="flat">
               <a:solidFill>
                 <a:schemeClr val="accent1">
-                  <a:satOff val="-19087"/>
-                  <a:lumOff val="-11917"/>
+                  <a:satOff val="-19086"/>
+                  <a:lumOff val="-11916"/>
                 </a:schemeClr>
               </a:solidFill>
               <a:prstDash val="solid"/>
@@ -17435,8 +17441,8 @@
                 <a:defRPr>
                   <a:solidFill>
                     <a:schemeClr val="accent1">
-                      <a:satOff val="-19087"/>
-                      <a:lumOff val="-11917"/>
+                      <a:satOff val="-19086"/>
+                      <a:lumOff val="-11916"/>
                     </a:schemeClr>
                   </a:solidFill>
                 </a:defRPr>
@@ -17462,15 +17468,15 @@
             </a:prstGeom>
             <a:solidFill>
               <a:schemeClr val="accent1">
-                <a:satOff val="-19087"/>
-                <a:lumOff val="-11917"/>
+                <a:satOff val="-19086"/>
+                <a:lumOff val="-11916"/>
               </a:schemeClr>
             </a:solidFill>
             <a:ln w="12700" cap="flat">
               <a:solidFill>
                 <a:schemeClr val="accent1">
-                  <a:satOff val="-19087"/>
-                  <a:lumOff val="-11917"/>
+                  <a:satOff val="-19086"/>
+                  <a:lumOff val="-11916"/>
                 </a:schemeClr>
               </a:solidFill>
               <a:prstDash val="solid"/>
@@ -17488,8 +17494,8 @@
                 <a:defRPr>
                   <a:solidFill>
                     <a:schemeClr val="accent1">
-                      <a:satOff val="-19087"/>
-                      <a:lumOff val="-11917"/>
+                      <a:satOff val="-19086"/>
+                      <a:lumOff val="-11916"/>
                     </a:schemeClr>
                   </a:solidFill>
                 </a:defRPr>
@@ -17515,15 +17521,15 @@
             </a:prstGeom>
             <a:solidFill>
               <a:schemeClr val="accent1">
-                <a:satOff val="-19087"/>
-                <a:lumOff val="-11917"/>
+                <a:satOff val="-19086"/>
+                <a:lumOff val="-11916"/>
               </a:schemeClr>
             </a:solidFill>
             <a:ln w="12700" cap="flat">
               <a:solidFill>
                 <a:schemeClr val="accent1">
-                  <a:satOff val="-19087"/>
-                  <a:lumOff val="-11917"/>
+                  <a:satOff val="-19086"/>
+                  <a:lumOff val="-11916"/>
                 </a:schemeClr>
               </a:solidFill>
               <a:prstDash val="solid"/>
@@ -17541,8 +17547,8 @@
                 <a:defRPr>
                   <a:solidFill>
                     <a:schemeClr val="accent1">
-                      <a:satOff val="-19087"/>
-                      <a:lumOff val="-11917"/>
+                      <a:satOff val="-19086"/>
+                      <a:lumOff val="-11916"/>
                     </a:schemeClr>
                   </a:solidFill>
                 </a:defRPr>
@@ -17568,8 +17574,8 @@
             <a:ln w="38100" cap="rnd">
               <a:solidFill>
                 <a:schemeClr val="accent1">
-                  <a:satOff val="-19087"/>
-                  <a:lumOff val="-11917"/>
+                  <a:satOff val="-19086"/>
+                  <a:lumOff val="-11916"/>
                 </a:schemeClr>
               </a:solidFill>
               <a:custDash>
@@ -17617,8 +17623,8 @@
                 <a:defRPr sz="1100" b="1">
                   <a:solidFill>
                     <a:schemeClr val="accent1">
-                      <a:satOff val="-19087"/>
-                      <a:lumOff val="-11917"/>
+                      <a:satOff val="-19086"/>
+                      <a:lumOff val="-11916"/>
                     </a:schemeClr>
                   </a:solidFill>
                 </a:defRPr>
@@ -17661,8 +17667,8 @@
                 <a:defRPr sz="1100" b="1">
                   <a:solidFill>
                     <a:schemeClr val="accent1">
-                      <a:satOff val="-19087"/>
-                      <a:lumOff val="-11917"/>
+                      <a:satOff val="-19086"/>
+                      <a:lumOff val="-11916"/>
                     </a:schemeClr>
                   </a:solidFill>
                 </a:defRPr>
@@ -17705,8 +17711,8 @@
                 <a:defRPr sz="1100" b="1">
                   <a:solidFill>
                     <a:schemeClr val="accent1">
-                      <a:satOff val="-19087"/>
-                      <a:lumOff val="-11917"/>
+                      <a:satOff val="-19086"/>
+                      <a:lumOff val="-11916"/>
                     </a:schemeClr>
                   </a:solidFill>
                 </a:defRPr>
@@ -17752,8 +17758,8 @@
             <a:ln w="50800" cap="flat">
               <a:solidFill>
                 <a:schemeClr val="accent1">
-                  <a:satOff val="-19087"/>
-                  <a:lumOff val="-11917"/>
+                  <a:satOff val="-19086"/>
+                  <a:lumOff val="-11916"/>
                 </a:schemeClr>
               </a:solidFill>
               <a:prstDash val="solid"/>
@@ -17868,8 +17874,8 @@
             <a:ln w="38100" cap="flat">
               <a:solidFill>
                 <a:schemeClr val="accent1">
-                  <a:satOff val="-19087"/>
-                  <a:lumOff val="-11917"/>
+                  <a:satOff val="-19086"/>
+                  <a:lumOff val="-11916"/>
                 </a:schemeClr>
               </a:solidFill>
               <a:prstDash val="solid"/>
@@ -17903,8 +17909,8 @@
             <a:ln w="38100" cap="flat">
               <a:solidFill>
                 <a:schemeClr val="accent1">
-                  <a:satOff val="-19087"/>
-                  <a:lumOff val="-11917"/>
+                  <a:satOff val="-19086"/>
+                  <a:lumOff val="-11916"/>
                 </a:schemeClr>
               </a:solidFill>
               <a:prstDash val="solid"/>
@@ -17938,8 +17944,8 @@
             <a:ln w="38100" cap="flat">
               <a:solidFill>
                 <a:schemeClr val="accent1">
-                  <a:satOff val="-19087"/>
-                  <a:lumOff val="-11917"/>
+                  <a:satOff val="-19086"/>
+                  <a:lumOff val="-11916"/>
                 </a:schemeClr>
               </a:solidFill>
               <a:prstDash val="solid"/>
@@ -17973,8 +17979,8 @@
             <a:ln w="38100" cap="rnd">
               <a:solidFill>
                 <a:schemeClr val="accent1">
-                  <a:satOff val="-19087"/>
-                  <a:lumOff val="-11917"/>
+                  <a:satOff val="-19086"/>
+                  <a:lumOff val="-11916"/>
                 </a:schemeClr>
               </a:solidFill>
               <a:custDash>
@@ -18039,15 +18045,15 @@
             </a:custGeom>
             <a:solidFill>
               <a:schemeClr val="accent1">
-                <a:satOff val="-19087"/>
-                <a:lumOff val="-11917"/>
+                <a:satOff val="-19086"/>
+                <a:lumOff val="-11916"/>
               </a:schemeClr>
             </a:solidFill>
             <a:ln w="12700" cap="flat">
               <a:solidFill>
                 <a:schemeClr val="accent1">
-                  <a:satOff val="-19087"/>
-                  <a:lumOff val="-11917"/>
+                  <a:satOff val="-19086"/>
+                  <a:lumOff val="-11916"/>
                 </a:schemeClr>
               </a:solidFill>
               <a:prstDash val="solid"/>
@@ -18065,8 +18071,8 @@
                 <a:defRPr>
                   <a:solidFill>
                     <a:schemeClr val="accent1">
-                      <a:satOff val="-19087"/>
-                      <a:lumOff val="-11917"/>
+                      <a:satOff val="-19086"/>
+                      <a:lumOff val="-11916"/>
                     </a:schemeClr>
                   </a:solidFill>
                 </a:defRPr>
@@ -18104,8 +18110,8 @@
                 <a:defRPr sz="1100" b="1">
                   <a:solidFill>
                     <a:schemeClr val="accent1">
-                      <a:satOff val="-19087"/>
-                      <a:lumOff val="-11917"/>
+                      <a:satOff val="-19086"/>
+                      <a:lumOff val="-11916"/>
                     </a:schemeClr>
                   </a:solidFill>
                 </a:defRPr>
@@ -18148,8 +18154,8 @@
                 <a:defRPr sz="1100" b="1">
                   <a:solidFill>
                     <a:schemeClr val="accent1">
-                      <a:satOff val="-19087"/>
-                      <a:lumOff val="-11917"/>
+                      <a:satOff val="-19086"/>
+                      <a:lumOff val="-11916"/>
                     </a:schemeClr>
                   </a:solidFill>
                 </a:defRPr>
@@ -18192,8 +18198,8 @@
                 <a:defRPr sz="1100" b="1">
                   <a:solidFill>
                     <a:schemeClr val="accent1">
-                      <a:satOff val="-19087"/>
-                      <a:lumOff val="-11917"/>
+                      <a:satOff val="-19086"/>
+                      <a:lumOff val="-11916"/>
                     </a:schemeClr>
                   </a:solidFill>
                 </a:defRPr>
@@ -18224,8 +18230,8 @@
             <a:ln w="38100" cap="rnd">
               <a:solidFill>
                 <a:schemeClr val="accent1">
-                  <a:satOff val="-19087"/>
-                  <a:lumOff val="-11917"/>
+                  <a:satOff val="-19086"/>
+                  <a:lumOff val="-11916"/>
                 </a:schemeClr>
               </a:solidFill>
               <a:custDash>
@@ -18688,15 +18694,15 @@
           </a:prstGeom>
           <a:solidFill>
             <a:schemeClr val="accent1">
-              <a:satOff val="-19087"/>
-              <a:lumOff val="-11917"/>
+              <a:satOff val="-19086"/>
+              <a:lumOff val="-11916"/>
             </a:schemeClr>
           </a:solidFill>
           <a:ln w="12700">
             <a:solidFill>
               <a:schemeClr val="accent1">
-                <a:satOff val="-19087"/>
-                <a:lumOff val="-11917"/>
+                <a:satOff val="-19086"/>
+                <a:lumOff val="-11916"/>
               </a:schemeClr>
             </a:solidFill>
             <a:miter/>
@@ -18710,8 +18716,8 @@
               <a:defRPr>
                 <a:solidFill>
                   <a:schemeClr val="accent1">
-                    <a:satOff val="-19087"/>
-                    <a:lumOff val="-11917"/>
+                    <a:satOff val="-19086"/>
+                    <a:lumOff val="-11916"/>
                   </a:schemeClr>
                 </a:solidFill>
               </a:defRPr>
@@ -19307,15 +19313,15 @@
           </a:prstGeom>
           <a:solidFill>
             <a:schemeClr val="accent1">
-              <a:satOff val="-19086"/>
-              <a:lumOff val="-11916"/>
+              <a:satOff val="-19085"/>
+              <a:lumOff val="-11915"/>
             </a:schemeClr>
           </a:solidFill>
           <a:ln w="12700" cap="flat">
             <a:solidFill>
               <a:schemeClr val="accent1">
-                <a:satOff val="-19086"/>
-                <a:lumOff val="-11916"/>
+                <a:satOff val="-19085"/>
+                <a:lumOff val="-11915"/>
               </a:schemeClr>
             </a:solidFill>
             <a:prstDash val="solid"/>
@@ -19332,8 +19338,8 @@
               <a:defRPr>
                 <a:solidFill>
                   <a:schemeClr val="accent1">
-                    <a:satOff val="-19086"/>
-                    <a:lumOff val="-11916"/>
+                    <a:satOff val="-19085"/>
+                    <a:lumOff val="-11915"/>
                   </a:schemeClr>
                 </a:solidFill>
               </a:defRPr>
@@ -19358,36 +19364,6 @@
           <a:ln w="50800">
             <a:solidFill>
               <a:schemeClr val="accent1">
-                <a:satOff val="-19086"/>
-                <a:lumOff val="-11916"/>
-              </a:schemeClr>
-            </a:solidFill>
-            <a:miter/>
-            <a:tailEnd type="triangle"/>
-          </a:ln>
-        </p:spPr>
-        <p:txBody>
-          <a:bodyPr lIns="0" tIns="0" rIns="0" bIns="0"/>
-          <a:p/>
-        </p:txBody>
-      </p:sp>
-      <p:sp>
-        <p:nvSpPr>
-          <p:cNvPr id="11" name="線條"/>
-          <p:cNvSpPr/>
-          <p:nvPr/>
-        </p:nvSpPr>
-        <p:spPr>
-          <a:xfrm>
-            <a:off x="2699871" y="3538014"/>
-            <a:ext cx="595678" cy="1"/>
-          </a:xfrm>
-          <a:prstGeom prst="line">
-            <a:avLst/>
-          </a:prstGeom>
-          <a:ln w="50800">
-            <a:solidFill>
-              <a:schemeClr val="accent1">
                 <a:satOff val="-19085"/>
                 <a:lumOff val="-11915"/>
               </a:schemeClr>
@@ -19403,13 +19379,13 @@
       </p:sp>
       <p:sp>
         <p:nvSpPr>
-          <p:cNvPr id="12" name="線條"/>
+          <p:cNvPr id="11" name="線條"/>
           <p:cNvSpPr/>
           <p:nvPr/>
         </p:nvSpPr>
         <p:spPr>
           <a:xfrm>
-            <a:off x="3970506" y="3358944"/>
+            <a:off x="2699871" y="3538014"/>
             <a:ext cx="595678" cy="1"/>
           </a:xfrm>
           <a:prstGeom prst="line">
@@ -19420,6 +19396,36 @@
               <a:schemeClr val="accent1">
                 <a:satOff val="-19084"/>
                 <a:lumOff val="-11914"/>
+              </a:schemeClr>
+            </a:solidFill>
+            <a:miter/>
+            <a:tailEnd type="triangle"/>
+          </a:ln>
+        </p:spPr>
+        <p:txBody>
+          <a:bodyPr lIns="0" tIns="0" rIns="0" bIns="0"/>
+          <a:p/>
+        </p:txBody>
+      </p:sp>
+      <p:sp>
+        <p:nvSpPr>
+          <p:cNvPr id="12" name="線條"/>
+          <p:cNvSpPr/>
+          <p:nvPr/>
+        </p:nvSpPr>
+        <p:spPr>
+          <a:xfrm>
+            <a:off x="3970506" y="3358944"/>
+            <a:ext cx="595678" cy="1"/>
+          </a:xfrm>
+          <a:prstGeom prst="line">
+            <a:avLst/>
+          </a:prstGeom>
+          <a:ln w="50800">
+            <a:solidFill>
+              <a:schemeClr val="accent1">
+                <a:satOff val="-19083"/>
+                <a:lumOff val="-11913"/>
               </a:schemeClr>
             </a:solidFill>
             <a:miter/>
@@ -19808,15 +19814,15 @@
           </a:prstGeom>
           <a:solidFill>
             <a:schemeClr val="accent1">
-              <a:satOff val="-19085"/>
-              <a:lumOff val="-11915"/>
+              <a:satOff val="-19084"/>
+              <a:lumOff val="-11914"/>
             </a:schemeClr>
           </a:solidFill>
           <a:ln w="12700" cap="flat">
             <a:solidFill>
               <a:schemeClr val="accent1">
-                <a:satOff val="-19085"/>
-                <a:lumOff val="-11915"/>
+                <a:satOff val="-19084"/>
+                <a:lumOff val="-11914"/>
               </a:schemeClr>
             </a:solidFill>
             <a:prstDash val="solid"/>
@@ -19833,8 +19839,8 @@
               <a:defRPr>
                 <a:solidFill>
                   <a:schemeClr val="accent1">
-                    <a:satOff val="-19085"/>
-                    <a:lumOff val="-11915"/>
+                    <a:satOff val="-19084"/>
+                    <a:lumOff val="-11914"/>
                   </a:schemeClr>
                 </a:solidFill>
               </a:defRPr>
@@ -19859,36 +19865,6 @@
           <a:ln w="50800">
             <a:solidFill>
               <a:schemeClr val="accent1">
-                <a:satOff val="-19085"/>
-                <a:lumOff val="-11915"/>
-              </a:schemeClr>
-            </a:solidFill>
-            <a:miter/>
-            <a:tailEnd type="triangle"/>
-          </a:ln>
-        </p:spPr>
-        <p:txBody>
-          <a:bodyPr lIns="0" tIns="0" rIns="0" bIns="0"/>
-          <a:p/>
-        </p:txBody>
-      </p:sp>
-      <p:sp>
-        <p:nvSpPr>
-          <p:cNvPr id="20" name="線條"/>
-          <p:cNvSpPr/>
-          <p:nvPr/>
-        </p:nvSpPr>
-        <p:spPr>
-          <a:xfrm>
-            <a:off x="2699871" y="4899454"/>
-            <a:ext cx="595678" cy="1"/>
-          </a:xfrm>
-          <a:prstGeom prst="line">
-            <a:avLst/>
-          </a:prstGeom>
-          <a:ln w="50800">
-            <a:solidFill>
-              <a:schemeClr val="accent1">
                 <a:satOff val="-19084"/>
                 <a:lumOff val="-11914"/>
               </a:schemeClr>
@@ -19904,13 +19880,13 @@
       </p:sp>
       <p:sp>
         <p:nvSpPr>
-          <p:cNvPr id="21" name="線條"/>
+          <p:cNvPr id="20" name="線條"/>
           <p:cNvSpPr/>
           <p:nvPr/>
         </p:nvSpPr>
         <p:spPr>
           <a:xfrm>
-            <a:off x="3970506" y="4720384"/>
+            <a:off x="2699871" y="4899454"/>
             <a:ext cx="595678" cy="1"/>
           </a:xfrm>
           <a:prstGeom prst="line">
@@ -19921,6 +19897,36 @@
               <a:schemeClr val="accent1">
                 <a:satOff val="-19083"/>
                 <a:lumOff val="-11913"/>
+              </a:schemeClr>
+            </a:solidFill>
+            <a:miter/>
+            <a:tailEnd type="triangle"/>
+          </a:ln>
+        </p:spPr>
+        <p:txBody>
+          <a:bodyPr lIns="0" tIns="0" rIns="0" bIns="0"/>
+          <a:p/>
+        </p:txBody>
+      </p:sp>
+      <p:sp>
+        <p:nvSpPr>
+          <p:cNvPr id="21" name="線條"/>
+          <p:cNvSpPr/>
+          <p:nvPr/>
+        </p:nvSpPr>
+        <p:spPr>
+          <a:xfrm>
+            <a:off x="3970506" y="4720384"/>
+            <a:ext cx="595678" cy="1"/>
+          </a:xfrm>
+          <a:prstGeom prst="line">
+            <a:avLst/>
+          </a:prstGeom>
+          <a:ln w="50800">
+            <a:solidFill>
+              <a:schemeClr val="accent1">
+                <a:satOff val="-19082"/>
+                <a:lumOff val="-11912"/>
               </a:schemeClr>
             </a:solidFill>
             <a:miter/>
@@ -22381,21 +22387,21 @@
           </a:lstStyle>
           <a:p>
             <a:r>
-              <a:rPr lang=""/>
+              <a:rPr lang="en-US"/>
               <a:t>   </a:t>
             </a:r>
             <a:r>
               <a:t>{</a:t>
             </a:r>
             <a:r>
-              <a:rPr lang=""/>
+              <a:rPr lang="en-US"/>
               <a:t>1</a:t>
             </a:r>
             <a:r>
               <a:t>}</a:t>
             </a:r>
             <a:r>
-              <a:rPr lang=""/>
+              <a:rPr lang="en-US"/>
               <a:t>&gt;&gt;1</a:t>
             </a:r>
             <a:r>
@@ -22413,7 +22419,7 @@
               <a:t>{</a:t>
             </a:r>
             <a:r>
-              <a:rPr lang="">
+              <a:rPr lang="en-US">
                 <a:sym typeface="+mn-ea"/>
               </a:rPr>
               <a:t>-1</a:t>
@@ -22425,7 +22431,7 @@
               <a:t>}</a:t>
             </a:r>
             <a:r>
-              <a:rPr lang="">
+              <a:rPr lang="en-US">
                 <a:sym typeface="+mn-ea"/>
               </a:rPr>
               <a:t>&gt;&gt;1</a:t>
@@ -22579,28 +22585,28 @@
           </a:lstStyle>
           <a:p>
             <a:r>
-              <a:rPr lang=""/>
+              <a:rPr lang="en-US"/>
               <a:t>   </a:t>
             </a:r>
             <a:r>
               <a:t>{</a:t>
             </a:r>
             <a:r>
-              <a:rPr lang=""/>
+              <a:rPr lang="en-US"/>
               <a:t>1</a:t>
             </a:r>
             <a:r>
               <a:t>}</a:t>
             </a:r>
             <a:r>
-              <a:rPr lang=""/>
+              <a:rPr lang="en-US"/>
               <a:t>&gt;&gt;1 </a:t>
             </a:r>
-            <a:endParaRPr lang=""/>
-          </a:p>
-          <a:p>
-            <a:r>
-              <a:rPr lang=""/>
+            <a:endParaRPr lang="en-US"/>
+          </a:p>
+          <a:p>
+            <a:r>
+              <a:rPr lang="en-US"/>
               <a:t>  </a:t>
             </a:r>
             <a:r>
@@ -22610,7 +22616,7 @@
               <a:t>{</a:t>
             </a:r>
             <a:r>
-              <a:rPr lang="">
+              <a:rPr lang="en-US">
                 <a:sym typeface="+mn-ea"/>
               </a:rPr>
               <a:t>-1</a:t>
@@ -22622,7 +22628,7 @@
               <a:t>}</a:t>
             </a:r>
             <a:r>
-              <a:rPr lang="">
+              <a:rPr lang="en-US">
                 <a:sym typeface="+mn-ea"/>
               </a:rPr>
               <a:t>&gt;&gt;1</a:t>
@@ -22699,21 +22705,21 @@
           </a:lstStyle>
           <a:p>
             <a:r>
-              <a:rPr lang=""/>
+              <a:rPr lang="en-US"/>
               <a:t> {2</a:t>
             </a:r>
             <a:r>
               <a:t>}</a:t>
             </a:r>
             <a:r>
-              <a:rPr lang=""/>
+              <a:rPr lang="en-US"/>
               <a:t>&gt;&gt;1 </a:t>
             </a:r>
-            <a:endParaRPr lang=""/>
-          </a:p>
-          <a:p>
-            <a:r>
-              <a:rPr lang=""/>
+            <a:endParaRPr lang="en-US"/>
+          </a:p>
+          <a:p>
+            <a:r>
+              <a:rPr lang="en-US"/>
               <a:t> {0</a:t>
             </a:r>
             <a:r>
@@ -22723,18 +22729,18 @@
               <a:t>}</a:t>
             </a:r>
             <a:r>
-              <a:rPr lang="">
+              <a:rPr lang="en-US">
                 <a:sym typeface="+mn-ea"/>
               </a:rPr>
               <a:t>&gt;&gt;2 </a:t>
             </a:r>
-            <a:endParaRPr lang="">
+            <a:endParaRPr lang="en-US">
               <a:sym typeface="+mn-ea"/>
             </a:endParaRPr>
           </a:p>
           <a:p>
             <a:r>
-              <a:rPr lang="">
+              <a:rPr lang="en-US">
                 <a:sym typeface="+mn-ea"/>
               </a:rPr>
               <a:t>{-2</a:t>
@@ -22746,7 +22752,7 @@
               <a:t>}</a:t>
             </a:r>
             <a:r>
-              <a:rPr lang="">
+              <a:rPr lang="en-US">
                 <a:sym typeface="+mn-ea"/>
               </a:rPr>
               <a:t>&gt;&gt;1</a:t>
@@ -22805,8 +22811,8 @@
               <a:defRPr>
                 <a:solidFill>
                   <a:schemeClr val="accent1">
-                    <a:satOff val="-19085"/>
-                    <a:lumOff val="-11915"/>
+                    <a:satOff val="-19084"/>
+                    <a:lumOff val="-11914"/>
                   </a:schemeClr>
                 </a:solidFill>
               </a:defRPr>
@@ -22831,36 +22837,6 @@
           <a:ln w="50800">
             <a:solidFill>
               <a:schemeClr val="accent1">
-                <a:satOff val="-19085"/>
-                <a:lumOff val="-11915"/>
-              </a:schemeClr>
-            </a:solidFill>
-            <a:miter/>
-            <a:tailEnd type="triangle"/>
-          </a:ln>
-        </p:spPr>
-        <p:txBody>
-          <a:bodyPr lIns="0" tIns="0" rIns="0" bIns="0"/>
-          <a:p/>
-        </p:txBody>
-      </p:sp>
-      <p:sp>
-        <p:nvSpPr>
-          <p:cNvPr id="11" name="線條"/>
-          <p:cNvSpPr/>
-          <p:nvPr/>
-        </p:nvSpPr>
-        <p:spPr>
-          <a:xfrm>
-            <a:off x="978386" y="3214799"/>
-            <a:ext cx="595678" cy="1"/>
-          </a:xfrm>
-          <a:prstGeom prst="line">
-            <a:avLst/>
-          </a:prstGeom>
-          <a:ln w="50800">
-            <a:solidFill>
-              <a:schemeClr val="accent1">
                 <a:satOff val="-19084"/>
                 <a:lumOff val="-11914"/>
               </a:schemeClr>
@@ -22876,13 +22852,13 @@
       </p:sp>
       <p:sp>
         <p:nvSpPr>
-          <p:cNvPr id="12" name="線條"/>
+          <p:cNvPr id="11" name="線條"/>
           <p:cNvSpPr/>
           <p:nvPr/>
         </p:nvSpPr>
         <p:spPr>
           <a:xfrm>
-            <a:off x="2249021" y="3035729"/>
+            <a:off x="978386" y="3214799"/>
             <a:ext cx="595678" cy="1"/>
           </a:xfrm>
           <a:prstGeom prst="line">
@@ -22893,6 +22869,36 @@
               <a:schemeClr val="accent1">
                 <a:satOff val="-19083"/>
                 <a:lumOff val="-11913"/>
+              </a:schemeClr>
+            </a:solidFill>
+            <a:miter/>
+            <a:tailEnd type="triangle"/>
+          </a:ln>
+        </p:spPr>
+        <p:txBody>
+          <a:bodyPr lIns="0" tIns="0" rIns="0" bIns="0"/>
+          <a:p/>
+        </p:txBody>
+      </p:sp>
+      <p:sp>
+        <p:nvSpPr>
+          <p:cNvPr id="12" name="線條"/>
+          <p:cNvSpPr/>
+          <p:nvPr/>
+        </p:nvSpPr>
+        <p:spPr>
+          <a:xfrm>
+            <a:off x="2249021" y="3035729"/>
+            <a:ext cx="595678" cy="1"/>
+          </a:xfrm>
+          <a:prstGeom prst="line">
+            <a:avLst/>
+          </a:prstGeom>
+          <a:ln w="50800">
+            <a:solidFill>
+              <a:schemeClr val="accent1">
+                <a:satOff val="-19082"/>
+                <a:lumOff val="-11912"/>
               </a:schemeClr>
             </a:solidFill>
             <a:miter/>
@@ -22963,7 +22969,7 @@
               <a:t>{</a:t>
             </a:r>
             <a:r>
-              <a:rPr lang="" sz="1200">
+              <a:rPr lang="en-US" sz="1200">
                 <a:sym typeface="+mn-ea"/>
               </a:rPr>
               <a:t>1</a:t>
@@ -22975,12 +22981,12 @@
               <a:t>}</a:t>
             </a:r>
             <a:r>
-              <a:rPr lang="" sz="1200">
+              <a:rPr lang="en-US" sz="1200">
                 <a:sym typeface="+mn-ea"/>
               </a:rPr>
               <a:t>&gt;&gt;1</a:t>
             </a:r>
-            <a:endParaRPr kumimoji="0" lang="" sz="1200" b="0" i="0" u="none" strike="noStrike" cap="none" spc="0" normalizeH="0" baseline="0">
+            <a:endParaRPr kumimoji="0" lang="en-US" sz="1200" b="0" i="0" u="none" strike="noStrike" cap="none" spc="0" normalizeH="0" baseline="0">
               <a:ln>
                 <a:noFill/>
               </a:ln>
@@ -23056,7 +23062,7 @@
               <a:t>{</a:t>
             </a:r>
             <a:r>
-              <a:rPr lang="" sz="1200">
+              <a:rPr lang="en-US" sz="1200">
                 <a:sym typeface="+mn-ea"/>
               </a:rPr>
               <a:t>1</a:t>
@@ -23068,12 +23074,12 @@
               <a:t>}</a:t>
             </a:r>
             <a:r>
-              <a:rPr lang="" sz="1200">
+              <a:rPr lang="en-US" sz="1200">
                 <a:sym typeface="+mn-ea"/>
               </a:rPr>
               <a:t>&gt;&gt;1</a:t>
             </a:r>
-            <a:endParaRPr kumimoji="0" lang="" sz="1200" b="0" i="0" u="none" strike="noStrike" cap="none" spc="0" normalizeH="0" baseline="0">
+            <a:endParaRPr kumimoji="0" lang="en-US" sz="1200" b="0" i="0" u="none" strike="noStrike" cap="none" spc="0" normalizeH="0" baseline="0">
               <a:ln>
                 <a:noFill/>
               </a:ln>
@@ -23149,7 +23155,7 @@
               <a:t>{</a:t>
             </a:r>
             <a:r>
-              <a:rPr lang="" sz="1200">
+              <a:rPr lang="en-US" sz="1200">
                 <a:sym typeface="+mn-ea"/>
               </a:rPr>
               <a:t>2</a:t>
@@ -23161,12 +23167,12 @@
               <a:t>}</a:t>
             </a:r>
             <a:r>
-              <a:rPr lang="" sz="1200">
+              <a:rPr lang="en-US" sz="1200">
                 <a:sym typeface="+mn-ea"/>
               </a:rPr>
               <a:t>&gt;&gt;1</a:t>
             </a:r>
-            <a:endParaRPr kumimoji="0" lang="" sz="1200" b="0" i="0" u="none" strike="noStrike" cap="none" spc="0" normalizeH="0" baseline="0">
+            <a:endParaRPr kumimoji="0" lang="en-US" sz="1200" b="0" i="0" u="none" strike="noStrike" cap="none" spc="0" normalizeH="0" baseline="0">
               <a:ln>
                 <a:noFill/>
               </a:ln>
@@ -23236,7 +23242,7 @@
               <a:buNone/>
             </a:pPr>
             <a:r>
-              <a:rPr kumimoji="0" lang="" altLang="en-US" sz="1000" b="0" i="0" u="none" strike="noStrike" cap="none" spc="0" normalizeH="0" baseline="0">
+              <a:rPr kumimoji="0" lang="en-US" altLang="en-US" sz="1000" b="0" i="0" u="none" strike="noStrike" cap="none" spc="0" normalizeH="0" baseline="0">
                 <a:ln>
                   <a:noFill/>
                 </a:ln>
@@ -23252,7 +23258,7 @@
               </a:rPr>
               <a:t>Block 0</a:t>
             </a:r>
-            <a:endParaRPr kumimoji="0" lang="" altLang="en-US" sz="1000" b="0" i="0" u="none" strike="noStrike" cap="none" spc="0" normalizeH="0" baseline="0">
+            <a:endParaRPr kumimoji="0" lang="en-US" altLang="en-US" sz="1000" b="0" i="0" u="none" strike="noStrike" cap="none" spc="0" normalizeH="0" baseline="0">
               <a:ln>
                 <a:noFill/>
               </a:ln>
@@ -23311,8 +23317,8 @@
               <a:defRPr>
                 <a:solidFill>
                   <a:schemeClr val="accent1">
-                    <a:satOff val="-19084"/>
-                    <a:lumOff val="-11914"/>
+                    <a:satOff val="-19083"/>
+                    <a:lumOff val="-11913"/>
                   </a:schemeClr>
                 </a:solidFill>
               </a:defRPr>
@@ -23337,36 +23343,6 @@
           <a:ln w="50800">
             <a:solidFill>
               <a:schemeClr val="accent1">
-                <a:satOff val="-19084"/>
-                <a:lumOff val="-11914"/>
-              </a:schemeClr>
-            </a:solidFill>
-            <a:miter/>
-            <a:tailEnd type="triangle"/>
-          </a:ln>
-        </p:spPr>
-        <p:txBody>
-          <a:bodyPr lIns="0" tIns="0" rIns="0" bIns="0"/>
-          <a:p/>
-        </p:txBody>
-      </p:sp>
-      <p:sp>
-        <p:nvSpPr>
-          <p:cNvPr id="10" name="線條"/>
-          <p:cNvSpPr/>
-          <p:nvPr/>
-        </p:nvSpPr>
-        <p:spPr>
-          <a:xfrm>
-            <a:off x="986006" y="4373674"/>
-            <a:ext cx="595678" cy="1"/>
-          </a:xfrm>
-          <a:prstGeom prst="line">
-            <a:avLst/>
-          </a:prstGeom>
-          <a:ln w="50800">
-            <a:solidFill>
-              <a:schemeClr val="accent1">
                 <a:satOff val="-19083"/>
                 <a:lumOff val="-11913"/>
               </a:schemeClr>
@@ -23382,13 +23358,13 @@
       </p:sp>
       <p:sp>
         <p:nvSpPr>
-          <p:cNvPr id="13" name="線條"/>
+          <p:cNvPr id="10" name="線條"/>
           <p:cNvSpPr/>
           <p:nvPr/>
         </p:nvSpPr>
         <p:spPr>
           <a:xfrm>
-            <a:off x="2456666" y="4194604"/>
+            <a:off x="986006" y="4373674"/>
             <a:ext cx="595678" cy="1"/>
           </a:xfrm>
           <a:prstGeom prst="line">
@@ -23399,6 +23375,36 @@
               <a:schemeClr val="accent1">
                 <a:satOff val="-19082"/>
                 <a:lumOff val="-11912"/>
+              </a:schemeClr>
+            </a:solidFill>
+            <a:miter/>
+            <a:tailEnd type="triangle"/>
+          </a:ln>
+        </p:spPr>
+        <p:txBody>
+          <a:bodyPr lIns="0" tIns="0" rIns="0" bIns="0"/>
+          <a:p/>
+        </p:txBody>
+      </p:sp>
+      <p:sp>
+        <p:nvSpPr>
+          <p:cNvPr id="13" name="線條"/>
+          <p:cNvSpPr/>
+          <p:nvPr/>
+        </p:nvSpPr>
+        <p:spPr>
+          <a:xfrm>
+            <a:off x="2456666" y="4194604"/>
+            <a:ext cx="595678" cy="1"/>
+          </a:xfrm>
+          <a:prstGeom prst="line">
+            <a:avLst/>
+          </a:prstGeom>
+          <a:ln w="50800">
+            <a:solidFill>
+              <a:schemeClr val="accent1">
+                <a:satOff val="-19081"/>
+                <a:lumOff val="-11911"/>
               </a:schemeClr>
             </a:solidFill>
             <a:miter/>
@@ -23481,12 +23487,12 @@
               <a:t>}</a:t>
             </a:r>
             <a:r>
-              <a:rPr lang="" sz="1200">
+              <a:rPr lang="en-US" sz="1200">
                 <a:sym typeface="+mn-ea"/>
               </a:rPr>
               <a:t>&gt;&gt;1</a:t>
             </a:r>
-            <a:endParaRPr kumimoji="0" lang="" sz="1200" b="0" i="0" u="none" strike="noStrike" cap="none" spc="0" normalizeH="0" baseline="0">
+            <a:endParaRPr kumimoji="0" lang="en-US" sz="1200" b="0" i="0" u="none" strike="noStrike" cap="none" spc="0" normalizeH="0" baseline="0">
               <a:ln>
                 <a:noFill/>
               </a:ln>
@@ -23562,7 +23568,7 @@
               <a:t>{</a:t>
             </a:r>
             <a:r>
-              <a:rPr lang="" sz="1200">
+              <a:rPr lang="en-US" sz="1200">
                 <a:sym typeface="+mn-ea"/>
               </a:rPr>
               <a:t>-1</a:t>
@@ -23574,12 +23580,12 @@
               <a:t>}</a:t>
             </a:r>
             <a:r>
-              <a:rPr lang="" sz="1200">
+              <a:rPr lang="en-US" sz="1200">
                 <a:sym typeface="+mn-ea"/>
               </a:rPr>
               <a:t>&gt;&gt;1</a:t>
             </a:r>
-            <a:endParaRPr kumimoji="0" lang="" sz="1200" b="0" i="0" u="none" strike="noStrike" cap="none" spc="0" normalizeH="0" baseline="0">
+            <a:endParaRPr kumimoji="0" lang="en-US" sz="1200" b="0" i="0" u="none" strike="noStrike" cap="none" spc="0" normalizeH="0" baseline="0">
               <a:ln>
                 <a:noFill/>
               </a:ln>
@@ -23655,7 +23661,7 @@
               <a:t>{</a:t>
             </a:r>
             <a:r>
-              <a:rPr lang="" sz="1200">
+              <a:rPr lang="en-US" sz="1200">
                 <a:sym typeface="+mn-ea"/>
               </a:rPr>
               <a:t>0</a:t>
@@ -23667,12 +23673,12 @@
               <a:t>}</a:t>
             </a:r>
             <a:r>
-              <a:rPr lang="" sz="1200">
+              <a:rPr lang="en-US" sz="1200">
                 <a:sym typeface="+mn-ea"/>
               </a:rPr>
               <a:t>&gt;&gt;2</a:t>
             </a:r>
-            <a:endParaRPr kumimoji="0" lang="" sz="1200" b="0" i="0" u="none" strike="noStrike" cap="none" spc="0" normalizeH="0" baseline="0">
+            <a:endParaRPr kumimoji="0" lang="en-US" sz="1200" b="0" i="0" u="none" strike="noStrike" cap="none" spc="0" normalizeH="0" baseline="0">
               <a:ln>
                 <a:noFill/>
               </a:ln>
@@ -23756,26 +23762,9 @@
                 <a:cs typeface="Arial" panose="020B0604020202020204"/>
                 <a:sym typeface="Arial" panose="020B0604020202020204"/>
               </a:rPr>
-              <a:t>Block </a:t>
-            </a:r>
-            <a:r>
-              <a:rPr kumimoji="0" lang="" altLang="en-US" sz="1000" b="0" i="0" u="none" strike="noStrike" cap="none" spc="0" normalizeH="0" baseline="0">
-                <a:ln>
-                  <a:noFill/>
-                </a:ln>
-                <a:solidFill>
-                  <a:srgbClr val="000000"/>
-                </a:solidFill>
-                <a:effectLst/>
-                <a:uFillTx/>
-                <a:latin typeface="Arial" panose="020B0604020202020204"/>
-                <a:ea typeface="Arial" panose="020B0604020202020204"/>
-                <a:cs typeface="Arial" panose="020B0604020202020204"/>
-                <a:sym typeface="Arial" panose="020B0604020202020204"/>
-              </a:rPr>
-              <a:t>1</a:t>
-            </a:r>
-            <a:endParaRPr kumimoji="0" lang="" altLang="en-US" sz="1000" b="0" i="0" u="none" strike="noStrike" cap="none" spc="0" normalizeH="0" baseline="0">
+              <a:t>Block 1</a:t>
+            </a:r>
+            <a:endParaRPr kumimoji="0" lang="en-US" altLang="en-US" sz="1000" b="0" i="0" u="none" strike="noStrike" cap="none" spc="0" normalizeH="0" baseline="0">
               <a:ln>
                 <a:noFill/>
               </a:ln>
@@ -23809,36 +23798,6 @@
           <a:ln w="50800">
             <a:solidFill>
               <a:schemeClr val="accent1">
-                <a:satOff val="-19083"/>
-                <a:lumOff val="-11913"/>
-              </a:schemeClr>
-            </a:solidFill>
-            <a:miter/>
-            <a:tailEnd type="triangle"/>
-          </a:ln>
-        </p:spPr>
-        <p:txBody>
-          <a:bodyPr lIns="0" tIns="0" rIns="0" bIns="0"/>
-          <a:p/>
-        </p:txBody>
-      </p:sp>
-      <p:sp>
-        <p:nvSpPr>
-          <p:cNvPr id="35" name="線條"/>
-          <p:cNvSpPr/>
-          <p:nvPr/>
-        </p:nvSpPr>
-        <p:spPr>
-          <a:xfrm>
-            <a:off x="3409801" y="3214799"/>
-            <a:ext cx="595678" cy="1"/>
-          </a:xfrm>
-          <a:prstGeom prst="line">
-            <a:avLst/>
-          </a:prstGeom>
-          <a:ln w="50800">
-            <a:solidFill>
-              <a:schemeClr val="accent1">
                 <a:satOff val="-19082"/>
                 <a:lumOff val="-11912"/>
               </a:schemeClr>
@@ -23854,13 +23813,13 @@
       </p:sp>
       <p:sp>
         <p:nvSpPr>
-          <p:cNvPr id="36" name="線條"/>
+          <p:cNvPr id="35" name="線條"/>
           <p:cNvSpPr/>
           <p:nvPr/>
         </p:nvSpPr>
         <p:spPr>
           <a:xfrm>
-            <a:off x="4872841" y="3035729"/>
+            <a:off x="3409801" y="3214799"/>
             <a:ext cx="595678" cy="1"/>
           </a:xfrm>
           <a:prstGeom prst="line">
@@ -23871,6 +23830,36 @@
               <a:schemeClr val="accent1">
                 <a:satOff val="-19081"/>
                 <a:lumOff val="-11911"/>
+              </a:schemeClr>
+            </a:solidFill>
+            <a:miter/>
+            <a:tailEnd type="triangle"/>
+          </a:ln>
+        </p:spPr>
+        <p:txBody>
+          <a:bodyPr lIns="0" tIns="0" rIns="0" bIns="0"/>
+          <a:p/>
+        </p:txBody>
+      </p:sp>
+      <p:sp>
+        <p:nvSpPr>
+          <p:cNvPr id="36" name="線條"/>
+          <p:cNvSpPr/>
+          <p:nvPr/>
+        </p:nvSpPr>
+        <p:spPr>
+          <a:xfrm>
+            <a:off x="4872841" y="3035729"/>
+            <a:ext cx="595678" cy="1"/>
+          </a:xfrm>
+          <a:prstGeom prst="line">
+            <a:avLst/>
+          </a:prstGeom>
+          <a:ln w="50800">
+            <a:solidFill>
+              <a:schemeClr val="accent1">
+                <a:satOff val="-19080"/>
+                <a:lumOff val="-11910"/>
               </a:schemeClr>
             </a:solidFill>
             <a:miter/>
@@ -23941,16 +23930,10 @@
               <a:t>{</a:t>
             </a:r>
             <a:r>
-              <a:rPr lang="" sz="1200">
-                <a:sym typeface="+mn-ea"/>
-              </a:rPr>
-              <a:t>-</a:t>
-            </a:r>
-            <a:r>
               <a:rPr lang="en-US" sz="1200">
                 <a:sym typeface="+mn-ea"/>
               </a:rPr>
-              <a:t>1</a:t>
+              <a:t>-1</a:t>
             </a:r>
             <a:r>
               <a:rPr sz="1200">
@@ -24234,26 +24217,9 @@
                 <a:cs typeface="Arial" panose="020B0604020202020204"/>
                 <a:sym typeface="Arial" panose="020B0604020202020204"/>
               </a:rPr>
-              <a:t>Block </a:t>
-            </a:r>
-            <a:r>
-              <a:rPr kumimoji="0" lang="" altLang="en-US" sz="1000" b="0" i="0" u="none" strike="noStrike" cap="none" spc="0" normalizeH="0" baseline="0">
-                <a:ln>
-                  <a:noFill/>
-                </a:ln>
-                <a:solidFill>
-                  <a:srgbClr val="000000"/>
-                </a:solidFill>
-                <a:effectLst/>
-                <a:uFillTx/>
-                <a:latin typeface="Arial" panose="020B0604020202020204"/>
-                <a:ea typeface="Arial" panose="020B0604020202020204"/>
-                <a:cs typeface="Arial" panose="020B0604020202020204"/>
-                <a:sym typeface="Arial" panose="020B0604020202020204"/>
-              </a:rPr>
-              <a:t>2</a:t>
-            </a:r>
-            <a:endParaRPr kumimoji="0" lang="" altLang="en-US" sz="1000" b="0" i="0" u="none" strike="noStrike" cap="none" spc="0" normalizeH="0" baseline="0">
+              <a:t>Block 2</a:t>
+            </a:r>
+            <a:endParaRPr kumimoji="0" lang="en-US" altLang="en-US" sz="1000" b="0" i="0" u="none" strike="noStrike" cap="none" spc="0" normalizeH="0" baseline="0">
               <a:ln>
                 <a:noFill/>
               </a:ln>
@@ -24312,8 +24278,8 @@
               <a:defRPr>
                 <a:solidFill>
                   <a:schemeClr val="accent1">
-                    <a:satOff val="-19082"/>
-                    <a:lumOff val="-11912"/>
+                    <a:satOff val="-19081"/>
+                    <a:lumOff val="-11911"/>
                   </a:schemeClr>
                 </a:solidFill>
               </a:defRPr>
@@ -24338,36 +24304,6 @@
           <a:ln w="50800">
             <a:solidFill>
               <a:schemeClr val="accent1">
-                <a:satOff val="-19082"/>
-                <a:lumOff val="-11912"/>
-              </a:schemeClr>
-            </a:solidFill>
-            <a:miter/>
-            <a:tailEnd type="triangle"/>
-          </a:ln>
-        </p:spPr>
-        <p:txBody>
-          <a:bodyPr lIns="0" tIns="0" rIns="0" bIns="0"/>
-          <a:p/>
-        </p:txBody>
-      </p:sp>
-      <p:sp>
-        <p:nvSpPr>
-          <p:cNvPr id="43" name="線條"/>
-          <p:cNvSpPr/>
-          <p:nvPr/>
-        </p:nvSpPr>
-        <p:spPr>
-          <a:xfrm>
-            <a:off x="3409801" y="4373674"/>
-            <a:ext cx="595678" cy="1"/>
-          </a:xfrm>
-          <a:prstGeom prst="line">
-            <a:avLst/>
-          </a:prstGeom>
-          <a:ln w="50800">
-            <a:solidFill>
-              <a:schemeClr val="accent1">
                 <a:satOff val="-19081"/>
                 <a:lumOff val="-11911"/>
               </a:schemeClr>
@@ -24383,13 +24319,13 @@
       </p:sp>
       <p:sp>
         <p:nvSpPr>
-          <p:cNvPr id="44" name="線條"/>
+          <p:cNvPr id="43" name="線條"/>
           <p:cNvSpPr/>
           <p:nvPr/>
         </p:nvSpPr>
         <p:spPr>
           <a:xfrm>
-            <a:off x="4680436" y="4194604"/>
+            <a:off x="3409801" y="4373674"/>
             <a:ext cx="595678" cy="1"/>
           </a:xfrm>
           <a:prstGeom prst="line">
@@ -24400,6 +24336,36 @@
               <a:schemeClr val="accent1">
                 <a:satOff val="-19080"/>
                 <a:lumOff val="-11910"/>
+              </a:schemeClr>
+            </a:solidFill>
+            <a:miter/>
+            <a:tailEnd type="triangle"/>
+          </a:ln>
+        </p:spPr>
+        <p:txBody>
+          <a:bodyPr lIns="0" tIns="0" rIns="0" bIns="0"/>
+          <a:p/>
+        </p:txBody>
+      </p:sp>
+      <p:sp>
+        <p:nvSpPr>
+          <p:cNvPr id="44" name="線條"/>
+          <p:cNvSpPr/>
+          <p:nvPr/>
+        </p:nvSpPr>
+        <p:spPr>
+          <a:xfrm>
+            <a:off x="4680436" y="4194604"/>
+            <a:ext cx="595678" cy="1"/>
+          </a:xfrm>
+          <a:prstGeom prst="line">
+            <a:avLst/>
+          </a:prstGeom>
+          <a:ln w="50800">
+            <a:solidFill>
+              <a:schemeClr val="accent1">
+                <a:satOff val="-19079"/>
+                <a:lumOff val="-11909"/>
               </a:schemeClr>
             </a:solidFill>
             <a:miter/>
@@ -24563,16 +24529,10 @@
               <a:t>{</a:t>
             </a:r>
             <a:r>
-              <a:rPr lang="" sz="1200">
-                <a:sym typeface="+mn-ea"/>
-              </a:rPr>
-              <a:t>-</a:t>
-            </a:r>
-            <a:r>
               <a:rPr lang="en-US" sz="1200">
                 <a:sym typeface="+mn-ea"/>
               </a:rPr>
-              <a:t>1</a:t>
+              <a:t>-1</a:t>
             </a:r>
             <a:r>
               <a:rPr sz="1200">
@@ -24662,7 +24622,7 @@
               <a:t>{</a:t>
             </a:r>
             <a:r>
-              <a:rPr lang="" sz="1200">
+              <a:rPr lang="en-US" sz="1200">
                 <a:sym typeface="+mn-ea"/>
               </a:rPr>
               <a:t>-2</a:t>
@@ -24680,12 +24640,12 @@
               <a:t>&gt;&gt;</a:t>
             </a:r>
             <a:r>
-              <a:rPr lang="" altLang="en-US" sz="1200">
+              <a:rPr lang="en-US" altLang="en-US" sz="1200">
                 <a:sym typeface="+mn-ea"/>
               </a:rPr>
               <a:t>1</a:t>
             </a:r>
-            <a:endParaRPr kumimoji="0" lang="" altLang="en-US" sz="1200" b="0" i="0" u="none" strike="noStrike" cap="none" spc="0" normalizeH="0" baseline="0">
+            <a:endParaRPr kumimoji="0" lang="en-US" altLang="en-US" sz="1200" b="0" i="0" u="none" strike="noStrike" cap="none" spc="0" normalizeH="0" baseline="0">
               <a:ln>
                 <a:noFill/>
               </a:ln>
@@ -24769,26 +24729,9 @@
                 <a:cs typeface="Arial" panose="020B0604020202020204"/>
                 <a:sym typeface="Arial" panose="020B0604020202020204"/>
               </a:rPr>
-              <a:t>Block </a:t>
-            </a:r>
-            <a:r>
-              <a:rPr kumimoji="0" lang="" altLang="en-US" sz="1000" b="0" i="0" u="none" strike="noStrike" cap="none" spc="0" normalizeH="0" baseline="0">
-                <a:ln>
-                  <a:noFill/>
-                </a:ln>
-                <a:solidFill>
-                  <a:srgbClr val="000000"/>
-                </a:solidFill>
-                <a:effectLst/>
-                <a:uFillTx/>
-                <a:latin typeface="Arial" panose="020B0604020202020204"/>
-                <a:ea typeface="Arial" panose="020B0604020202020204"/>
-                <a:cs typeface="Arial" panose="020B0604020202020204"/>
-                <a:sym typeface="Arial" panose="020B0604020202020204"/>
-              </a:rPr>
-              <a:t>3</a:t>
-            </a:r>
-            <a:endParaRPr kumimoji="0" lang="" altLang="en-US" sz="1000" b="0" i="0" u="none" strike="noStrike" cap="none" spc="0" normalizeH="0" baseline="0">
+              <a:t>Block 3</a:t>
+            </a:r>
+            <a:endParaRPr kumimoji="0" lang="en-US" altLang="en-US" sz="1000" b="0" i="0" u="none" strike="noStrike" cap="none" spc="0" normalizeH="0" baseline="0">
               <a:ln>
                 <a:noFill/>
               </a:ln>
@@ -24847,8 +24790,8 @@
               <a:defRPr>
                 <a:solidFill>
                   <a:schemeClr val="accent1">
-                    <a:satOff val="-19084"/>
-                    <a:lumOff val="-11914"/>
+                    <a:satOff val="-19083"/>
+                    <a:lumOff val="-11913"/>
                   </a:schemeClr>
                 </a:solidFill>
               </a:defRPr>
@@ -24898,8 +24841,8 @@
               <a:defRPr>
                 <a:solidFill>
                   <a:schemeClr val="accent1">
-                    <a:satOff val="-19083"/>
-                    <a:lumOff val="-11913"/>
+                    <a:satOff val="-19082"/>
+                    <a:lumOff val="-11912"/>
                   </a:schemeClr>
                 </a:solidFill>
               </a:defRPr>
@@ -24949,8 +24892,8 @@
               <a:defRPr>
                 <a:solidFill>
                   <a:schemeClr val="accent1">
-                    <a:satOff val="-19082"/>
-                    <a:lumOff val="-11912"/>
+                    <a:satOff val="-19081"/>
+                    <a:lumOff val="-11911"/>
                   </a:schemeClr>
                 </a:solidFill>
               </a:defRPr>
@@ -25000,8 +24943,8 @@
               <a:defRPr>
                 <a:solidFill>
                   <a:schemeClr val="accent1">
-                    <a:satOff val="-19083"/>
-                    <a:lumOff val="-11913"/>
+                    <a:satOff val="-19082"/>
+                    <a:lumOff val="-11912"/>
                   </a:schemeClr>
                 </a:solidFill>
               </a:defRPr>
@@ -25051,8 +24994,8 @@
               <a:defRPr>
                 <a:solidFill>
                   <a:schemeClr val="accent1">
-                    <a:satOff val="-19083"/>
-                    <a:lumOff val="-11913"/>
+                    <a:satOff val="-19082"/>
+                    <a:lumOff val="-11912"/>
                   </a:schemeClr>
                 </a:solidFill>
               </a:defRPr>
@@ -25127,26 +25070,9 @@
                 <a:cs typeface="Arial" panose="020B0604020202020204"/>
                 <a:sym typeface="Arial" panose="020B0604020202020204"/>
               </a:rPr>
-              <a:t>Block </a:t>
-            </a:r>
-            <a:r>
-              <a:rPr kumimoji="0" lang="" altLang="en-US" sz="1000" b="0" i="0" u="none" strike="noStrike" cap="none" spc="0" normalizeH="0" baseline="0">
-                <a:ln>
-                  <a:noFill/>
-                </a:ln>
-                <a:solidFill>
-                  <a:srgbClr val="000000"/>
-                </a:solidFill>
-                <a:effectLst/>
-                <a:uFillTx/>
-                <a:latin typeface="Arial" panose="020B0604020202020204"/>
-                <a:ea typeface="Arial" panose="020B0604020202020204"/>
-                <a:cs typeface="Arial" panose="020B0604020202020204"/>
-                <a:sym typeface="Arial" panose="020B0604020202020204"/>
-              </a:rPr>
-              <a:t>2</a:t>
-            </a:r>
-            <a:endParaRPr kumimoji="0" lang="" altLang="en-US" sz="1000" b="0" i="0" u="none" strike="noStrike" cap="none" spc="0" normalizeH="0" baseline="0">
+              <a:t>Block 2</a:t>
+            </a:r>
+            <a:endParaRPr kumimoji="0" lang="en-US" altLang="en-US" sz="1000" b="0" i="0" u="none" strike="noStrike" cap="none" spc="0" normalizeH="0" baseline="0">
               <a:ln>
                 <a:noFill/>
               </a:ln>
@@ -25216,7 +25142,7 @@
               <a:buNone/>
             </a:pPr>
             <a:r>
-              <a:rPr kumimoji="0" lang="" altLang="en-US" sz="1200" b="1" i="0" u="none" strike="noStrike" cap="none" spc="0" normalizeH="0" baseline="0">
+              <a:rPr kumimoji="0" lang="en-US" altLang="en-US" sz="1200" b="1" i="0" u="none" strike="noStrike" cap="none" spc="0" normalizeH="0" baseline="0">
                 <a:ln>
                   <a:noFill/>
                 </a:ln>
@@ -25232,7 +25158,7 @@
               </a:rPr>
               <a:t>Valid blocks:</a:t>
             </a:r>
-            <a:endParaRPr kumimoji="0" lang="" altLang="en-US" sz="1200" b="1" i="0" u="none" strike="noStrike" cap="none" spc="0" normalizeH="0" baseline="0">
+            <a:endParaRPr kumimoji="0" lang="en-US" altLang="en-US" sz="1200" b="1" i="0" u="none" strike="noStrike" cap="none" spc="0" normalizeH="0" baseline="0">
               <a:ln>
                 <a:noFill/>
               </a:ln>
